--- a/ideatoneppt.pptx
+++ b/ideatoneppt.pptx
@@ -6,6 +6,12 @@
   </p:sldMasterIdLst>
   <p:sldIdLst>
     <p:sldId id="256" r:id="rId2"/>
+    <p:sldId id="257" r:id="rId3"/>
+    <p:sldId id="260" r:id="rId4"/>
+    <p:sldId id="258" r:id="rId5"/>
+    <p:sldId id="259" r:id="rId6"/>
+    <p:sldId id="261" r:id="rId7"/>
+    <p:sldId id="262" r:id="rId8"/>
   </p:sldIdLst>
   <p:sldSz cx="9144000" cy="6858000" type="screen4x3"/>
   <p:notesSz cx="6858000" cy="9144000"/>
@@ -104,6 +110,22 @@
       </a:defRPr>
     </a:lvl9pPr>
   </p:defaultTextStyle>
+  <p:extLst>
+    <p:ext uri="{EFAFB233-063F-42B5-8137-9DF3F51BA10A}">
+      <p15:sldGuideLst xmlns:p15="http://schemas.microsoft.com/office/powerpoint/2012/main">
+        <p15:guide id="1" orient="horz" pos="2160">
+          <p15:clr>
+            <a:srgbClr val="A4A3A4"/>
+          </p15:clr>
+        </p15:guide>
+        <p15:guide id="2" pos="2880">
+          <p15:clr>
+            <a:srgbClr val="A4A3A4"/>
+          </p15:clr>
+        </p15:guide>
+      </p15:sldGuideLst>
+    </p:ext>
+  </p:extLst>
 </p:presentation>
 </file>
 
@@ -145,10 +167,9 @@
           <a:lstStyle/>
           <a:p>
             <a:r>
-              <a:rPr lang="ko-KR" altLang="en-US" smtClean="0"/>
+              <a:rPr lang="ko-KR" altLang="en-US"/>
               <a:t>마스터 제목 스타일 편집</a:t>
             </a:r>
-            <a:endParaRPr lang="ko-KR" altLang="en-US"/>
           </a:p>
         </p:txBody>
       </p:sp>
@@ -264,10 +285,9 @@
           </a:lstStyle>
           <a:p>
             <a:r>
-              <a:rPr lang="ko-KR" altLang="en-US" smtClean="0"/>
+              <a:rPr lang="ko-KR" altLang="en-US"/>
               <a:t>마스터 부제목 스타일 편집</a:t>
             </a:r>
-            <a:endParaRPr lang="ko-KR" altLang="en-US"/>
           </a:p>
         </p:txBody>
       </p:sp>
@@ -288,7 +308,7 @@
           <a:p>
             <a:fld id="{8E20E162-3880-4AB0-B825-B924C8552DF4}" type="datetimeFigureOut">
               <a:rPr lang="ko-KR" altLang="en-US" smtClean="0"/>
-              <a:t>2018-11-09</a:t>
+              <a:t>2018. 11. 9.</a:t>
             </a:fld>
             <a:endParaRPr lang="ko-KR" altLang="en-US"/>
           </a:p>
@@ -382,10 +402,9 @@
           <a:lstStyle/>
           <a:p>
             <a:r>
-              <a:rPr lang="ko-KR" altLang="en-US" smtClean="0"/>
+              <a:rPr lang="ko-KR" altLang="en-US"/>
               <a:t>마스터 제목 스타일 편집</a:t>
             </a:r>
-            <a:endParaRPr lang="ko-KR" altLang="en-US"/>
           </a:p>
         </p:txBody>
       </p:sp>
@@ -406,38 +425,37 @@
           <a:p>
             <a:pPr lvl="0"/>
             <a:r>
-              <a:rPr lang="ko-KR" altLang="en-US" smtClean="0"/>
+              <a:rPr lang="ko-KR" altLang="en-US"/>
               <a:t>마스터 텍스트 스타일을 편집합니다</a:t>
             </a:r>
           </a:p>
           <a:p>
             <a:pPr lvl="1"/>
             <a:r>
-              <a:rPr lang="ko-KR" altLang="en-US" smtClean="0"/>
+              <a:rPr lang="ko-KR" altLang="en-US"/>
               <a:t>둘째 수준</a:t>
             </a:r>
           </a:p>
           <a:p>
             <a:pPr lvl="2"/>
             <a:r>
-              <a:rPr lang="ko-KR" altLang="en-US" smtClean="0"/>
+              <a:rPr lang="ko-KR" altLang="en-US"/>
               <a:t>셋째 수준</a:t>
             </a:r>
           </a:p>
           <a:p>
             <a:pPr lvl="3"/>
             <a:r>
-              <a:rPr lang="ko-KR" altLang="en-US" smtClean="0"/>
+              <a:rPr lang="ko-KR" altLang="en-US"/>
               <a:t>넷째 수준</a:t>
             </a:r>
           </a:p>
           <a:p>
             <a:pPr lvl="4"/>
             <a:r>
-              <a:rPr lang="ko-KR" altLang="en-US" smtClean="0"/>
+              <a:rPr lang="ko-KR" altLang="en-US"/>
               <a:t>다섯째 수준</a:t>
             </a:r>
-            <a:endParaRPr lang="ko-KR" altLang="en-US"/>
           </a:p>
         </p:txBody>
       </p:sp>
@@ -458,7 +476,7 @@
           <a:p>
             <a:fld id="{8E20E162-3880-4AB0-B825-B924C8552DF4}" type="datetimeFigureOut">
               <a:rPr lang="ko-KR" altLang="en-US" smtClean="0"/>
-              <a:t>2018-11-09</a:t>
+              <a:t>2018. 11. 9.</a:t>
             </a:fld>
             <a:endParaRPr lang="ko-KR" altLang="en-US"/>
           </a:p>
@@ -557,10 +575,9 @@
           <a:lstStyle/>
           <a:p>
             <a:r>
-              <a:rPr lang="ko-KR" altLang="en-US" smtClean="0"/>
+              <a:rPr lang="ko-KR" altLang="en-US"/>
               <a:t>마스터 제목 스타일 편집</a:t>
             </a:r>
-            <a:endParaRPr lang="ko-KR" altLang="en-US"/>
           </a:p>
         </p:txBody>
       </p:sp>
@@ -586,38 +603,37 @@
           <a:p>
             <a:pPr lvl="0"/>
             <a:r>
-              <a:rPr lang="ko-KR" altLang="en-US" smtClean="0"/>
+              <a:rPr lang="ko-KR" altLang="en-US"/>
               <a:t>마스터 텍스트 스타일을 편집합니다</a:t>
             </a:r>
           </a:p>
           <a:p>
             <a:pPr lvl="1"/>
             <a:r>
-              <a:rPr lang="ko-KR" altLang="en-US" smtClean="0"/>
+              <a:rPr lang="ko-KR" altLang="en-US"/>
               <a:t>둘째 수준</a:t>
             </a:r>
           </a:p>
           <a:p>
             <a:pPr lvl="2"/>
             <a:r>
-              <a:rPr lang="ko-KR" altLang="en-US" smtClean="0"/>
+              <a:rPr lang="ko-KR" altLang="en-US"/>
               <a:t>셋째 수준</a:t>
             </a:r>
           </a:p>
           <a:p>
             <a:pPr lvl="3"/>
             <a:r>
-              <a:rPr lang="ko-KR" altLang="en-US" smtClean="0"/>
+              <a:rPr lang="ko-KR" altLang="en-US"/>
               <a:t>넷째 수준</a:t>
             </a:r>
           </a:p>
           <a:p>
             <a:pPr lvl="4"/>
             <a:r>
-              <a:rPr lang="ko-KR" altLang="en-US" smtClean="0"/>
+              <a:rPr lang="ko-KR" altLang="en-US"/>
               <a:t>다섯째 수준</a:t>
             </a:r>
-            <a:endParaRPr lang="ko-KR" altLang="en-US"/>
           </a:p>
         </p:txBody>
       </p:sp>
@@ -638,7 +654,7 @@
           <a:p>
             <a:fld id="{8E20E162-3880-4AB0-B825-B924C8552DF4}" type="datetimeFigureOut">
               <a:rPr lang="ko-KR" altLang="en-US" smtClean="0"/>
-              <a:t>2018-11-09</a:t>
+              <a:t>2018. 11. 9.</a:t>
             </a:fld>
             <a:endParaRPr lang="ko-KR" altLang="en-US"/>
           </a:p>
@@ -732,10 +748,9 @@
           <a:lstStyle/>
           <a:p>
             <a:r>
-              <a:rPr lang="ko-KR" altLang="en-US" smtClean="0"/>
+              <a:rPr lang="ko-KR" altLang="en-US"/>
               <a:t>마스터 제목 스타일 편집</a:t>
             </a:r>
-            <a:endParaRPr lang="ko-KR" altLang="en-US"/>
           </a:p>
         </p:txBody>
       </p:sp>
@@ -756,38 +771,37 @@
           <a:p>
             <a:pPr lvl="0"/>
             <a:r>
-              <a:rPr lang="ko-KR" altLang="en-US" smtClean="0"/>
+              <a:rPr lang="ko-KR" altLang="en-US"/>
               <a:t>마스터 텍스트 스타일을 편집합니다</a:t>
             </a:r>
           </a:p>
           <a:p>
             <a:pPr lvl="1"/>
             <a:r>
-              <a:rPr lang="ko-KR" altLang="en-US" smtClean="0"/>
+              <a:rPr lang="ko-KR" altLang="en-US"/>
               <a:t>둘째 수준</a:t>
             </a:r>
           </a:p>
           <a:p>
             <a:pPr lvl="2"/>
             <a:r>
-              <a:rPr lang="ko-KR" altLang="en-US" smtClean="0"/>
+              <a:rPr lang="ko-KR" altLang="en-US"/>
               <a:t>셋째 수준</a:t>
             </a:r>
           </a:p>
           <a:p>
             <a:pPr lvl="3"/>
             <a:r>
-              <a:rPr lang="ko-KR" altLang="en-US" smtClean="0"/>
+              <a:rPr lang="ko-KR" altLang="en-US"/>
               <a:t>넷째 수준</a:t>
             </a:r>
           </a:p>
           <a:p>
             <a:pPr lvl="4"/>
             <a:r>
-              <a:rPr lang="ko-KR" altLang="en-US" smtClean="0"/>
+              <a:rPr lang="ko-KR" altLang="en-US"/>
               <a:t>다섯째 수준</a:t>
             </a:r>
-            <a:endParaRPr lang="ko-KR" altLang="en-US"/>
           </a:p>
         </p:txBody>
       </p:sp>
@@ -808,7 +822,7 @@
           <a:p>
             <a:fld id="{8E20E162-3880-4AB0-B825-B924C8552DF4}" type="datetimeFigureOut">
               <a:rPr lang="ko-KR" altLang="en-US" smtClean="0"/>
-              <a:t>2018-11-09</a:t>
+              <a:t>2018. 11. 9.</a:t>
             </a:fld>
             <a:endParaRPr lang="ko-KR" altLang="en-US"/>
           </a:p>
@@ -911,10 +925,9 @@
           </a:lstStyle>
           <a:p>
             <a:r>
-              <a:rPr lang="ko-KR" altLang="en-US" smtClean="0"/>
+              <a:rPr lang="ko-KR" altLang="en-US"/>
               <a:t>마스터 제목 스타일 편집</a:t>
             </a:r>
-            <a:endParaRPr lang="ko-KR" altLang="en-US"/>
           </a:p>
         </p:txBody>
       </p:sp>
@@ -1031,7 +1044,7 @@
           <a:p>
             <a:pPr lvl="0"/>
             <a:r>
-              <a:rPr lang="ko-KR" altLang="en-US" smtClean="0"/>
+              <a:rPr lang="ko-KR" altLang="en-US"/>
               <a:t>마스터 텍스트 스타일을 편집합니다</a:t>
             </a:r>
           </a:p>
@@ -1054,7 +1067,7 @@
           <a:p>
             <a:fld id="{8E20E162-3880-4AB0-B825-B924C8552DF4}" type="datetimeFigureOut">
               <a:rPr lang="ko-KR" altLang="en-US" smtClean="0"/>
-              <a:t>2018-11-09</a:t>
+              <a:t>2018. 11. 9.</a:t>
             </a:fld>
             <a:endParaRPr lang="ko-KR" altLang="en-US"/>
           </a:p>
@@ -1148,10 +1161,9 @@
           <a:lstStyle/>
           <a:p>
             <a:r>
-              <a:rPr lang="ko-KR" altLang="en-US" smtClean="0"/>
+              <a:rPr lang="ko-KR" altLang="en-US"/>
               <a:t>마스터 제목 스타일 편집</a:t>
             </a:r>
-            <a:endParaRPr lang="ko-KR" altLang="en-US"/>
           </a:p>
         </p:txBody>
       </p:sp>
@@ -1205,38 +1217,37 @@
           <a:p>
             <a:pPr lvl="0"/>
             <a:r>
-              <a:rPr lang="ko-KR" altLang="en-US" smtClean="0"/>
+              <a:rPr lang="ko-KR" altLang="en-US"/>
               <a:t>마스터 텍스트 스타일을 편집합니다</a:t>
             </a:r>
           </a:p>
           <a:p>
             <a:pPr lvl="1"/>
             <a:r>
-              <a:rPr lang="ko-KR" altLang="en-US" smtClean="0"/>
+              <a:rPr lang="ko-KR" altLang="en-US"/>
               <a:t>둘째 수준</a:t>
             </a:r>
           </a:p>
           <a:p>
             <a:pPr lvl="2"/>
             <a:r>
-              <a:rPr lang="ko-KR" altLang="en-US" smtClean="0"/>
+              <a:rPr lang="ko-KR" altLang="en-US"/>
               <a:t>셋째 수준</a:t>
             </a:r>
           </a:p>
           <a:p>
             <a:pPr lvl="3"/>
             <a:r>
-              <a:rPr lang="ko-KR" altLang="en-US" smtClean="0"/>
+              <a:rPr lang="ko-KR" altLang="en-US"/>
               <a:t>넷째 수준</a:t>
             </a:r>
           </a:p>
           <a:p>
             <a:pPr lvl="4"/>
             <a:r>
-              <a:rPr lang="ko-KR" altLang="en-US" smtClean="0"/>
+              <a:rPr lang="ko-KR" altLang="en-US"/>
               <a:t>다섯째 수준</a:t>
             </a:r>
-            <a:endParaRPr lang="ko-KR" altLang="en-US"/>
           </a:p>
         </p:txBody>
       </p:sp>
@@ -1290,38 +1301,37 @@
           <a:p>
             <a:pPr lvl="0"/>
             <a:r>
-              <a:rPr lang="ko-KR" altLang="en-US" smtClean="0"/>
+              <a:rPr lang="ko-KR" altLang="en-US"/>
               <a:t>마스터 텍스트 스타일을 편집합니다</a:t>
             </a:r>
           </a:p>
           <a:p>
             <a:pPr lvl="1"/>
             <a:r>
-              <a:rPr lang="ko-KR" altLang="en-US" smtClean="0"/>
+              <a:rPr lang="ko-KR" altLang="en-US"/>
               <a:t>둘째 수준</a:t>
             </a:r>
           </a:p>
           <a:p>
             <a:pPr lvl="2"/>
             <a:r>
-              <a:rPr lang="ko-KR" altLang="en-US" smtClean="0"/>
+              <a:rPr lang="ko-KR" altLang="en-US"/>
               <a:t>셋째 수준</a:t>
             </a:r>
           </a:p>
           <a:p>
             <a:pPr lvl="3"/>
             <a:r>
-              <a:rPr lang="ko-KR" altLang="en-US" smtClean="0"/>
+              <a:rPr lang="ko-KR" altLang="en-US"/>
               <a:t>넷째 수준</a:t>
             </a:r>
           </a:p>
           <a:p>
             <a:pPr lvl="4"/>
             <a:r>
-              <a:rPr lang="ko-KR" altLang="en-US" smtClean="0"/>
+              <a:rPr lang="ko-KR" altLang="en-US"/>
               <a:t>다섯째 수준</a:t>
             </a:r>
-            <a:endParaRPr lang="ko-KR" altLang="en-US"/>
           </a:p>
         </p:txBody>
       </p:sp>
@@ -1342,7 +1352,7 @@
           <a:p>
             <a:fld id="{8E20E162-3880-4AB0-B825-B924C8552DF4}" type="datetimeFigureOut">
               <a:rPr lang="ko-KR" altLang="en-US" smtClean="0"/>
-              <a:t>2018-11-09</a:t>
+              <a:t>2018. 11. 9.</a:t>
             </a:fld>
             <a:endParaRPr lang="ko-KR" altLang="en-US"/>
           </a:p>
@@ -1440,10 +1450,9 @@
           </a:lstStyle>
           <a:p>
             <a:r>
-              <a:rPr lang="ko-KR" altLang="en-US" smtClean="0"/>
+              <a:rPr lang="ko-KR" altLang="en-US"/>
               <a:t>마스터 제목 스타일 편집</a:t>
             </a:r>
-            <a:endParaRPr lang="ko-KR" altLang="en-US"/>
           </a:p>
         </p:txBody>
       </p:sp>
@@ -1506,7 +1515,7 @@
           <a:p>
             <a:pPr lvl="0"/>
             <a:r>
-              <a:rPr lang="ko-KR" altLang="en-US" smtClean="0"/>
+              <a:rPr lang="ko-KR" altLang="en-US"/>
               <a:t>마스터 텍스트 스타일을 편집합니다</a:t>
             </a:r>
           </a:p>
@@ -1562,38 +1571,37 @@
           <a:p>
             <a:pPr lvl="0"/>
             <a:r>
-              <a:rPr lang="ko-KR" altLang="en-US" smtClean="0"/>
+              <a:rPr lang="ko-KR" altLang="en-US"/>
               <a:t>마스터 텍스트 스타일을 편집합니다</a:t>
             </a:r>
           </a:p>
           <a:p>
             <a:pPr lvl="1"/>
             <a:r>
-              <a:rPr lang="ko-KR" altLang="en-US" smtClean="0"/>
+              <a:rPr lang="ko-KR" altLang="en-US"/>
               <a:t>둘째 수준</a:t>
             </a:r>
           </a:p>
           <a:p>
             <a:pPr lvl="2"/>
             <a:r>
-              <a:rPr lang="ko-KR" altLang="en-US" smtClean="0"/>
+              <a:rPr lang="ko-KR" altLang="en-US"/>
               <a:t>셋째 수준</a:t>
             </a:r>
           </a:p>
           <a:p>
             <a:pPr lvl="3"/>
             <a:r>
-              <a:rPr lang="ko-KR" altLang="en-US" smtClean="0"/>
+              <a:rPr lang="ko-KR" altLang="en-US"/>
               <a:t>넷째 수준</a:t>
             </a:r>
           </a:p>
           <a:p>
             <a:pPr lvl="4"/>
             <a:r>
-              <a:rPr lang="ko-KR" altLang="en-US" smtClean="0"/>
+              <a:rPr lang="ko-KR" altLang="en-US"/>
               <a:t>다섯째 수준</a:t>
             </a:r>
-            <a:endParaRPr lang="ko-KR" altLang="en-US"/>
           </a:p>
         </p:txBody>
       </p:sp>
@@ -1656,7 +1664,7 @@
           <a:p>
             <a:pPr lvl="0"/>
             <a:r>
-              <a:rPr lang="ko-KR" altLang="en-US" smtClean="0"/>
+              <a:rPr lang="ko-KR" altLang="en-US"/>
               <a:t>마스터 텍스트 스타일을 편집합니다</a:t>
             </a:r>
           </a:p>
@@ -1712,38 +1720,37 @@
           <a:p>
             <a:pPr lvl="0"/>
             <a:r>
-              <a:rPr lang="ko-KR" altLang="en-US" smtClean="0"/>
+              <a:rPr lang="ko-KR" altLang="en-US"/>
               <a:t>마스터 텍스트 스타일을 편집합니다</a:t>
             </a:r>
           </a:p>
           <a:p>
             <a:pPr lvl="1"/>
             <a:r>
-              <a:rPr lang="ko-KR" altLang="en-US" smtClean="0"/>
+              <a:rPr lang="ko-KR" altLang="en-US"/>
               <a:t>둘째 수준</a:t>
             </a:r>
           </a:p>
           <a:p>
             <a:pPr lvl="2"/>
             <a:r>
-              <a:rPr lang="ko-KR" altLang="en-US" smtClean="0"/>
+              <a:rPr lang="ko-KR" altLang="en-US"/>
               <a:t>셋째 수준</a:t>
             </a:r>
           </a:p>
           <a:p>
             <a:pPr lvl="3"/>
             <a:r>
-              <a:rPr lang="ko-KR" altLang="en-US" smtClean="0"/>
+              <a:rPr lang="ko-KR" altLang="en-US"/>
               <a:t>넷째 수준</a:t>
             </a:r>
           </a:p>
           <a:p>
             <a:pPr lvl="4"/>
             <a:r>
-              <a:rPr lang="ko-KR" altLang="en-US" smtClean="0"/>
+              <a:rPr lang="ko-KR" altLang="en-US"/>
               <a:t>다섯째 수준</a:t>
             </a:r>
-            <a:endParaRPr lang="ko-KR" altLang="en-US"/>
           </a:p>
         </p:txBody>
       </p:sp>
@@ -1764,7 +1771,7 @@
           <a:p>
             <a:fld id="{8E20E162-3880-4AB0-B825-B924C8552DF4}" type="datetimeFigureOut">
               <a:rPr lang="ko-KR" altLang="en-US" smtClean="0"/>
-              <a:t>2018-11-09</a:t>
+              <a:t>2018. 11. 9.</a:t>
             </a:fld>
             <a:endParaRPr lang="ko-KR" altLang="en-US"/>
           </a:p>
@@ -1858,10 +1865,9 @@
           <a:lstStyle/>
           <a:p>
             <a:r>
-              <a:rPr lang="ko-KR" altLang="en-US" smtClean="0"/>
+              <a:rPr lang="ko-KR" altLang="en-US"/>
               <a:t>마스터 제목 스타일 편집</a:t>
             </a:r>
-            <a:endParaRPr lang="ko-KR" altLang="en-US"/>
           </a:p>
         </p:txBody>
       </p:sp>
@@ -1882,7 +1888,7 @@
           <a:p>
             <a:fld id="{8E20E162-3880-4AB0-B825-B924C8552DF4}" type="datetimeFigureOut">
               <a:rPr lang="ko-KR" altLang="en-US" smtClean="0"/>
-              <a:t>2018-11-09</a:t>
+              <a:t>2018. 11. 9.</a:t>
             </a:fld>
             <a:endParaRPr lang="ko-KR" altLang="en-US"/>
           </a:p>
@@ -1977,7 +1983,7 @@
           <a:p>
             <a:fld id="{8E20E162-3880-4AB0-B825-B924C8552DF4}" type="datetimeFigureOut">
               <a:rPr lang="ko-KR" altLang="en-US" smtClean="0"/>
-              <a:t>2018-11-09</a:t>
+              <a:t>2018. 11. 9.</a:t>
             </a:fld>
             <a:endParaRPr lang="ko-KR" altLang="en-US"/>
           </a:p>
@@ -2080,10 +2086,9 @@
           </a:lstStyle>
           <a:p>
             <a:r>
-              <a:rPr lang="ko-KR" altLang="en-US" smtClean="0"/>
+              <a:rPr lang="ko-KR" altLang="en-US"/>
               <a:t>마스터 제목 스타일 편집</a:t>
             </a:r>
-            <a:endParaRPr lang="ko-KR" altLang="en-US"/>
           </a:p>
         </p:txBody>
       </p:sp>
@@ -2137,38 +2142,37 @@
           <a:p>
             <a:pPr lvl="0"/>
             <a:r>
-              <a:rPr lang="ko-KR" altLang="en-US" smtClean="0"/>
+              <a:rPr lang="ko-KR" altLang="en-US"/>
               <a:t>마스터 텍스트 스타일을 편집합니다</a:t>
             </a:r>
           </a:p>
           <a:p>
             <a:pPr lvl="1"/>
             <a:r>
-              <a:rPr lang="ko-KR" altLang="en-US" smtClean="0"/>
+              <a:rPr lang="ko-KR" altLang="en-US"/>
               <a:t>둘째 수준</a:t>
             </a:r>
           </a:p>
           <a:p>
             <a:pPr lvl="2"/>
             <a:r>
-              <a:rPr lang="ko-KR" altLang="en-US" smtClean="0"/>
+              <a:rPr lang="ko-KR" altLang="en-US"/>
               <a:t>셋째 수준</a:t>
             </a:r>
           </a:p>
           <a:p>
             <a:pPr lvl="3"/>
             <a:r>
-              <a:rPr lang="ko-KR" altLang="en-US" smtClean="0"/>
+              <a:rPr lang="ko-KR" altLang="en-US"/>
               <a:t>넷째 수준</a:t>
             </a:r>
           </a:p>
           <a:p>
             <a:pPr lvl="4"/>
             <a:r>
-              <a:rPr lang="ko-KR" altLang="en-US" smtClean="0"/>
+              <a:rPr lang="ko-KR" altLang="en-US"/>
               <a:t>다섯째 수준</a:t>
             </a:r>
-            <a:endParaRPr lang="ko-KR" altLang="en-US"/>
           </a:p>
         </p:txBody>
       </p:sp>
@@ -2231,7 +2235,7 @@
           <a:p>
             <a:pPr lvl="0"/>
             <a:r>
-              <a:rPr lang="ko-KR" altLang="en-US" smtClean="0"/>
+              <a:rPr lang="ko-KR" altLang="en-US"/>
               <a:t>마스터 텍스트 스타일을 편집합니다</a:t>
             </a:r>
           </a:p>
@@ -2254,7 +2258,7 @@
           <a:p>
             <a:fld id="{8E20E162-3880-4AB0-B825-B924C8552DF4}" type="datetimeFigureOut">
               <a:rPr lang="ko-KR" altLang="en-US" smtClean="0"/>
-              <a:t>2018-11-09</a:t>
+              <a:t>2018. 11. 9.</a:t>
             </a:fld>
             <a:endParaRPr lang="ko-KR" altLang="en-US"/>
           </a:p>
@@ -2357,10 +2361,9 @@
           </a:lstStyle>
           <a:p>
             <a:r>
-              <a:rPr lang="ko-KR" altLang="en-US" smtClean="0"/>
+              <a:rPr lang="ko-KR" altLang="en-US"/>
               <a:t>마스터 제목 스타일 편집</a:t>
             </a:r>
-            <a:endParaRPr lang="ko-KR" altLang="en-US"/>
           </a:p>
         </p:txBody>
       </p:sp>
@@ -2484,7 +2487,7 @@
           <a:p>
             <a:pPr lvl="0"/>
             <a:r>
-              <a:rPr lang="ko-KR" altLang="en-US" smtClean="0"/>
+              <a:rPr lang="ko-KR" altLang="en-US"/>
               <a:t>마스터 텍스트 스타일을 편집합니다</a:t>
             </a:r>
           </a:p>
@@ -2507,7 +2510,7 @@
           <a:p>
             <a:fld id="{8E20E162-3880-4AB0-B825-B924C8552DF4}" type="datetimeFigureOut">
               <a:rPr lang="ko-KR" altLang="en-US" smtClean="0"/>
-              <a:t>2018-11-09</a:t>
+              <a:t>2018. 11. 9.</a:t>
             </a:fld>
             <a:endParaRPr lang="ko-KR" altLang="en-US"/>
           </a:p>
@@ -2616,10 +2619,9 @@
           <a:lstStyle/>
           <a:p>
             <a:r>
-              <a:rPr lang="ko-KR" altLang="en-US" smtClean="0"/>
+              <a:rPr lang="ko-KR" altLang="en-US"/>
               <a:t>마스터 제목 스타일 편집</a:t>
             </a:r>
-            <a:endParaRPr lang="ko-KR" altLang="en-US"/>
           </a:p>
         </p:txBody>
       </p:sp>
@@ -2650,38 +2652,37 @@
           <a:p>
             <a:pPr lvl="0"/>
             <a:r>
-              <a:rPr lang="ko-KR" altLang="en-US" smtClean="0"/>
+              <a:rPr lang="ko-KR" altLang="en-US"/>
               <a:t>마스터 텍스트 스타일을 편집합니다</a:t>
             </a:r>
           </a:p>
           <a:p>
             <a:pPr lvl="1"/>
             <a:r>
-              <a:rPr lang="ko-KR" altLang="en-US" smtClean="0"/>
+              <a:rPr lang="ko-KR" altLang="en-US"/>
               <a:t>둘째 수준</a:t>
             </a:r>
           </a:p>
           <a:p>
             <a:pPr lvl="2"/>
             <a:r>
-              <a:rPr lang="ko-KR" altLang="en-US" smtClean="0"/>
+              <a:rPr lang="ko-KR" altLang="en-US"/>
               <a:t>셋째 수준</a:t>
             </a:r>
           </a:p>
           <a:p>
             <a:pPr lvl="3"/>
             <a:r>
-              <a:rPr lang="ko-KR" altLang="en-US" smtClean="0"/>
+              <a:rPr lang="ko-KR" altLang="en-US"/>
               <a:t>넷째 수준</a:t>
             </a:r>
           </a:p>
           <a:p>
             <a:pPr lvl="4"/>
             <a:r>
-              <a:rPr lang="ko-KR" altLang="en-US" smtClean="0"/>
+              <a:rPr lang="ko-KR" altLang="en-US"/>
               <a:t>다섯째 수준</a:t>
             </a:r>
-            <a:endParaRPr lang="ko-KR" altLang="en-US"/>
           </a:p>
         </p:txBody>
       </p:sp>
@@ -2720,7 +2721,7 @@
           <a:p>
             <a:fld id="{8E20E162-3880-4AB0-B825-B924C8552DF4}" type="datetimeFigureOut">
               <a:rPr lang="ko-KR" altLang="en-US" smtClean="0"/>
-              <a:t>2018-11-09</a:t>
+              <a:t>2018. 11. 9.</a:t>
             </a:fld>
             <a:endParaRPr lang="ko-KR" altLang="en-US"/>
           </a:p>
@@ -3110,7 +3111,11 @@
           <a:bodyPr/>
           <a:lstStyle/>
           <a:p>
-            <a:endParaRPr lang="ko-KR" altLang="en-US"/>
+            <a:r>
+              <a:rPr lang="ko-KR" altLang="en-US" dirty="0" err="1"/>
+              <a:t>쏴리질러</a:t>
+            </a:r>
+            <a:endParaRPr lang="ko-KR" altLang="en-US" dirty="0"/>
           </a:p>
         </p:txBody>
       </p:sp>
@@ -3126,10 +3131,43 @@
         </p:nvSpPr>
         <p:spPr/>
         <p:txBody>
-          <a:bodyPr/>
-          <a:lstStyle/>
-          <a:p>
-            <a:endParaRPr lang="ko-KR" altLang="en-US"/>
+          <a:bodyPr>
+            <a:normAutofit/>
+          </a:bodyPr>
+          <a:lstStyle/>
+          <a:p>
+            <a:r>
+              <a:rPr lang="ko-KR" altLang="en-US" sz="2800" dirty="0">
+                <a:solidFill>
+                  <a:schemeClr val="tx1"/>
+                </a:solidFill>
+              </a:rPr>
+              <a:t>박상민 이수정 김재현 </a:t>
+            </a:r>
+            <a:r>
+              <a:rPr lang="ko-KR" altLang="en-US" sz="2800" dirty="0" err="1">
+                <a:solidFill>
+                  <a:schemeClr val="tx1"/>
+                </a:solidFill>
+              </a:rPr>
+              <a:t>문수림</a:t>
+            </a:r>
+            <a:r>
+              <a:rPr lang="ko-KR" altLang="en-US" sz="2800" dirty="0">
+                <a:solidFill>
+                  <a:schemeClr val="tx1"/>
+                </a:solidFill>
+              </a:rPr>
+              <a:t> 조형래</a:t>
+            </a:r>
+            <a:endParaRPr lang="en-US" altLang="ko-KR" sz="2800" dirty="0">
+              <a:solidFill>
+                <a:schemeClr val="tx1"/>
+              </a:solidFill>
+            </a:endParaRPr>
+          </a:p>
+          <a:p>
+            <a:endParaRPr lang="ko-KR" altLang="en-US" sz="2800" dirty="0"/>
           </a:p>
         </p:txBody>
       </p:sp>
@@ -3137,6 +3175,515 @@
     <p:extLst>
       <p:ext uri="{BB962C8B-B14F-4D97-AF65-F5344CB8AC3E}">
         <p14:creationId xmlns:p14="http://schemas.microsoft.com/office/powerpoint/2010/main" val="1898608049"/>
+      </p:ext>
+    </p:extLst>
+  </p:cSld>
+  <p:clrMapOvr>
+    <a:masterClrMapping/>
+  </p:clrMapOvr>
+</p:sld>
+</file>
+
+<file path=ppt/slides/slide2.xml><?xml version="1.0" encoding="utf-8"?>
+<p:sld xmlns:a="http://schemas.openxmlformats.org/drawingml/2006/main" xmlns:r="http://schemas.openxmlformats.org/officeDocument/2006/relationships" xmlns:p="http://schemas.openxmlformats.org/presentationml/2006/main">
+  <p:cSld>
+    <p:spTree>
+      <p:nvGrpSpPr>
+        <p:cNvPr id="1" name=""/>
+        <p:cNvGrpSpPr/>
+        <p:nvPr/>
+      </p:nvGrpSpPr>
+      <p:grpSpPr>
+        <a:xfrm>
+          <a:off x="0" y="0"/>
+          <a:ext cx="0" cy="0"/>
+          <a:chOff x="0" y="0"/>
+          <a:chExt cx="0" cy="0"/>
+        </a:xfrm>
+      </p:grpSpPr>
+      <p:sp>
+        <p:nvSpPr>
+          <p:cNvPr id="2" name="제목 1">
+            <a:extLst>
+              <a:ext uri="{FF2B5EF4-FFF2-40B4-BE49-F238E27FC236}">
+                <a16:creationId xmlns:a16="http://schemas.microsoft.com/office/drawing/2014/main" id="{CC5C8BD3-3AF1-C748-835F-F0A286C90A18}"/>
+              </a:ext>
+            </a:extLst>
+          </p:cNvPr>
+          <p:cNvSpPr>
+            <a:spLocks noGrp="1"/>
+          </p:cNvSpPr>
+          <p:nvPr>
+            <p:ph type="title"/>
+          </p:nvPr>
+        </p:nvSpPr>
+        <p:spPr>
+          <a:xfrm>
+            <a:off x="457200" y="2420888"/>
+            <a:ext cx="8229600" cy="1791072"/>
+          </a:xfrm>
+        </p:spPr>
+        <p:txBody>
+          <a:bodyPr>
+            <a:normAutofit fontScale="90000"/>
+          </a:bodyPr>
+          <a:lstStyle/>
+          <a:p>
+            <a:r>
+              <a:rPr kumimoji="1" lang="ko-KR" altLang="en-US" dirty="0"/>
+              <a:t>마스크 사용에 관심있는 사람에게 어떻게 편리한 서비스를 제공할 수 있을까</a:t>
+            </a:r>
+            <a:r>
+              <a:rPr kumimoji="1" lang="en-US" altLang="ko-KR" dirty="0"/>
+              <a:t>?</a:t>
+            </a:r>
+            <a:endParaRPr kumimoji="1" lang="ko-KR" altLang="en-US" dirty="0"/>
+          </a:p>
+        </p:txBody>
+      </p:sp>
+    </p:spTree>
+    <p:extLst>
+      <p:ext uri="{BB962C8B-B14F-4D97-AF65-F5344CB8AC3E}">
+        <p14:creationId xmlns:p14="http://schemas.microsoft.com/office/powerpoint/2010/main" val="1833612597"/>
+      </p:ext>
+    </p:extLst>
+  </p:cSld>
+  <p:clrMapOvr>
+    <a:masterClrMapping/>
+  </p:clrMapOvr>
+</p:sld>
+</file>
+
+<file path=ppt/slides/slide3.xml><?xml version="1.0" encoding="utf-8"?>
+<p:sld xmlns:a="http://schemas.openxmlformats.org/drawingml/2006/main" xmlns:r="http://schemas.openxmlformats.org/officeDocument/2006/relationships" xmlns:p="http://schemas.openxmlformats.org/presentationml/2006/main">
+  <p:cSld>
+    <p:spTree>
+      <p:nvGrpSpPr>
+        <p:cNvPr id="1" name=""/>
+        <p:cNvGrpSpPr/>
+        <p:nvPr/>
+      </p:nvGrpSpPr>
+      <p:grpSpPr>
+        <a:xfrm>
+          <a:off x="0" y="0"/>
+          <a:ext cx="0" cy="0"/>
+          <a:chOff x="0" y="0"/>
+          <a:chExt cx="0" cy="0"/>
+        </a:xfrm>
+      </p:grpSpPr>
+      <p:sp>
+        <p:nvSpPr>
+          <p:cNvPr id="2" name="제목 1">
+            <a:extLst>
+              <a:ext uri="{FF2B5EF4-FFF2-40B4-BE49-F238E27FC236}">
+                <a16:creationId xmlns:a16="http://schemas.microsoft.com/office/drawing/2014/main" id="{117210B6-0999-9C4F-954D-22D6B30F9E70}"/>
+              </a:ext>
+            </a:extLst>
+          </p:cNvPr>
+          <p:cNvSpPr>
+            <a:spLocks noGrp="1"/>
+          </p:cNvSpPr>
+          <p:nvPr>
+            <p:ph type="title"/>
+          </p:nvPr>
+        </p:nvSpPr>
+        <p:spPr/>
+        <p:txBody>
+          <a:bodyPr/>
+          <a:lstStyle/>
+          <a:p>
+            <a:r>
+              <a:rPr kumimoji="1" lang="ko-KR" altLang="en-US" dirty="0"/>
+              <a:t>서비스</a:t>
+            </a:r>
+            <a:r>
+              <a:rPr kumimoji="1" lang="en-US" altLang="ko-KR" dirty="0"/>
+              <a:t>/</a:t>
+            </a:r>
+            <a:r>
+              <a:rPr kumimoji="1" lang="ko-KR" altLang="en-US" dirty="0"/>
+              <a:t>제품 소개</a:t>
+            </a:r>
+          </a:p>
+        </p:txBody>
+      </p:sp>
+      <p:sp>
+        <p:nvSpPr>
+          <p:cNvPr id="3" name="내용 개체 틀 2">
+            <a:extLst>
+              <a:ext uri="{FF2B5EF4-FFF2-40B4-BE49-F238E27FC236}">
+                <a16:creationId xmlns:a16="http://schemas.microsoft.com/office/drawing/2014/main" id="{76EB5F17-B5F7-1F48-92B0-41E3DD2D333F}"/>
+              </a:ext>
+            </a:extLst>
+          </p:cNvPr>
+          <p:cNvSpPr>
+            <a:spLocks noGrp="1"/>
+          </p:cNvSpPr>
+          <p:nvPr>
+            <p:ph idx="1"/>
+          </p:nvPr>
+        </p:nvSpPr>
+        <p:spPr/>
+        <p:txBody>
+          <a:bodyPr/>
+          <a:lstStyle/>
+          <a:p>
+            <a:endParaRPr kumimoji="1" lang="ko-KR" altLang="en-US"/>
+          </a:p>
+        </p:txBody>
+      </p:sp>
+    </p:spTree>
+    <p:extLst>
+      <p:ext uri="{BB962C8B-B14F-4D97-AF65-F5344CB8AC3E}">
+        <p14:creationId xmlns:p14="http://schemas.microsoft.com/office/powerpoint/2010/main" val="3622012430"/>
+      </p:ext>
+    </p:extLst>
+  </p:cSld>
+  <p:clrMapOvr>
+    <a:masterClrMapping/>
+  </p:clrMapOvr>
+</p:sld>
+</file>
+
+<file path=ppt/slides/slide4.xml><?xml version="1.0" encoding="utf-8"?>
+<p:sld xmlns:a="http://schemas.openxmlformats.org/drawingml/2006/main" xmlns:r="http://schemas.openxmlformats.org/officeDocument/2006/relationships" xmlns:p="http://schemas.openxmlformats.org/presentationml/2006/main">
+  <p:cSld>
+    <p:spTree>
+      <p:nvGrpSpPr>
+        <p:cNvPr id="1" name=""/>
+        <p:cNvGrpSpPr/>
+        <p:nvPr/>
+      </p:nvGrpSpPr>
+      <p:grpSpPr>
+        <a:xfrm>
+          <a:off x="0" y="0"/>
+          <a:ext cx="0" cy="0"/>
+          <a:chOff x="0" y="0"/>
+          <a:chExt cx="0" cy="0"/>
+        </a:xfrm>
+      </p:grpSpPr>
+      <p:sp>
+        <p:nvSpPr>
+          <p:cNvPr id="2" name="제목 1">
+            <a:extLst>
+              <a:ext uri="{FF2B5EF4-FFF2-40B4-BE49-F238E27FC236}">
+                <a16:creationId xmlns:a16="http://schemas.microsoft.com/office/drawing/2014/main" id="{3409D811-9620-E144-9E2D-42A6803A50B0}"/>
+              </a:ext>
+            </a:extLst>
+          </p:cNvPr>
+          <p:cNvSpPr>
+            <a:spLocks noGrp="1"/>
+          </p:cNvSpPr>
+          <p:nvPr>
+            <p:ph type="title"/>
+          </p:nvPr>
+        </p:nvSpPr>
+        <p:spPr/>
+        <p:txBody>
+          <a:bodyPr/>
+          <a:lstStyle/>
+          <a:p>
+            <a:r>
+              <a:rPr kumimoji="1" lang="ko-KR" altLang="en-US" dirty="0"/>
+              <a:t>팀원 소개</a:t>
+            </a:r>
+          </a:p>
+        </p:txBody>
+      </p:sp>
+      <p:sp>
+        <p:nvSpPr>
+          <p:cNvPr id="3" name="내용 개체 틀 2">
+            <a:extLst>
+              <a:ext uri="{FF2B5EF4-FFF2-40B4-BE49-F238E27FC236}">
+                <a16:creationId xmlns:a16="http://schemas.microsoft.com/office/drawing/2014/main" id="{393D240D-69BC-C24F-B228-B79939338B18}"/>
+              </a:ext>
+            </a:extLst>
+          </p:cNvPr>
+          <p:cNvSpPr>
+            <a:spLocks noGrp="1"/>
+          </p:cNvSpPr>
+          <p:nvPr>
+            <p:ph idx="1"/>
+          </p:nvPr>
+        </p:nvSpPr>
+        <p:spPr/>
+        <p:txBody>
+          <a:bodyPr/>
+          <a:lstStyle/>
+          <a:p>
+            <a:endParaRPr kumimoji="1" lang="ko-KR" altLang="en-US" dirty="0"/>
+          </a:p>
+        </p:txBody>
+      </p:sp>
+    </p:spTree>
+    <p:extLst>
+      <p:ext uri="{BB962C8B-B14F-4D97-AF65-F5344CB8AC3E}">
+        <p14:creationId xmlns:p14="http://schemas.microsoft.com/office/powerpoint/2010/main" val="1602398143"/>
+      </p:ext>
+    </p:extLst>
+  </p:cSld>
+  <p:clrMapOvr>
+    <a:masterClrMapping/>
+  </p:clrMapOvr>
+</p:sld>
+</file>
+
+<file path=ppt/slides/slide5.xml><?xml version="1.0" encoding="utf-8"?>
+<p:sld xmlns:a="http://schemas.openxmlformats.org/drawingml/2006/main" xmlns:r="http://schemas.openxmlformats.org/officeDocument/2006/relationships" xmlns:p="http://schemas.openxmlformats.org/presentationml/2006/main">
+  <p:cSld>
+    <p:spTree>
+      <p:nvGrpSpPr>
+        <p:cNvPr id="1" name=""/>
+        <p:cNvGrpSpPr/>
+        <p:nvPr/>
+      </p:nvGrpSpPr>
+      <p:grpSpPr>
+        <a:xfrm>
+          <a:off x="0" y="0"/>
+          <a:ext cx="0" cy="0"/>
+          <a:chOff x="0" y="0"/>
+          <a:chExt cx="0" cy="0"/>
+        </a:xfrm>
+      </p:grpSpPr>
+      <p:sp>
+        <p:nvSpPr>
+          <p:cNvPr id="2" name="제목 1">
+            <a:extLst>
+              <a:ext uri="{FF2B5EF4-FFF2-40B4-BE49-F238E27FC236}">
+                <a16:creationId xmlns:a16="http://schemas.microsoft.com/office/drawing/2014/main" id="{2DF19A7B-CC02-E345-B5C4-8C1856A9D320}"/>
+              </a:ext>
+            </a:extLst>
+          </p:cNvPr>
+          <p:cNvSpPr>
+            <a:spLocks noGrp="1"/>
+          </p:cNvSpPr>
+          <p:nvPr>
+            <p:ph type="title"/>
+          </p:nvPr>
+        </p:nvSpPr>
+        <p:spPr/>
+        <p:txBody>
+          <a:bodyPr/>
+          <a:lstStyle/>
+          <a:p>
+            <a:r>
+              <a:rPr kumimoji="1" lang="ko-KR" altLang="en-US" dirty="0"/>
+              <a:t>기획 배경</a:t>
+            </a:r>
+            <a:r>
+              <a:rPr kumimoji="1" lang="en-US" altLang="ko-KR" dirty="0"/>
+              <a:t>/</a:t>
+            </a:r>
+            <a:r>
+              <a:rPr kumimoji="1" lang="ko-KR" altLang="en-US" dirty="0"/>
+              <a:t>해결 방안</a:t>
+            </a:r>
+          </a:p>
+        </p:txBody>
+      </p:sp>
+      <p:sp>
+        <p:nvSpPr>
+          <p:cNvPr id="3" name="내용 개체 틀 2">
+            <a:extLst>
+              <a:ext uri="{FF2B5EF4-FFF2-40B4-BE49-F238E27FC236}">
+                <a16:creationId xmlns:a16="http://schemas.microsoft.com/office/drawing/2014/main" id="{F91B8C52-5954-BB4F-B70F-C48896485FA7}"/>
+              </a:ext>
+            </a:extLst>
+          </p:cNvPr>
+          <p:cNvSpPr>
+            <a:spLocks noGrp="1"/>
+          </p:cNvSpPr>
+          <p:nvPr>
+            <p:ph idx="1"/>
+          </p:nvPr>
+        </p:nvSpPr>
+        <p:spPr/>
+        <p:txBody>
+          <a:bodyPr/>
+          <a:lstStyle/>
+          <a:p>
+            <a:endParaRPr kumimoji="1" lang="ko-KR" altLang="en-US"/>
+          </a:p>
+        </p:txBody>
+      </p:sp>
+    </p:spTree>
+    <p:extLst>
+      <p:ext uri="{BB962C8B-B14F-4D97-AF65-F5344CB8AC3E}">
+        <p14:creationId xmlns:p14="http://schemas.microsoft.com/office/powerpoint/2010/main" val="2963336715"/>
+      </p:ext>
+    </p:extLst>
+  </p:cSld>
+  <p:clrMapOvr>
+    <a:masterClrMapping/>
+  </p:clrMapOvr>
+</p:sld>
+</file>
+
+<file path=ppt/slides/slide6.xml><?xml version="1.0" encoding="utf-8"?>
+<p:sld xmlns:a="http://schemas.openxmlformats.org/drawingml/2006/main" xmlns:r="http://schemas.openxmlformats.org/officeDocument/2006/relationships" xmlns:p="http://schemas.openxmlformats.org/presentationml/2006/main">
+  <p:cSld>
+    <p:spTree>
+      <p:nvGrpSpPr>
+        <p:cNvPr id="1" name=""/>
+        <p:cNvGrpSpPr/>
+        <p:nvPr/>
+      </p:nvGrpSpPr>
+      <p:grpSpPr>
+        <a:xfrm>
+          <a:off x="0" y="0"/>
+          <a:ext cx="0" cy="0"/>
+          <a:chOff x="0" y="0"/>
+          <a:chExt cx="0" cy="0"/>
+        </a:xfrm>
+      </p:grpSpPr>
+      <p:sp>
+        <p:nvSpPr>
+          <p:cNvPr id="2" name="제목 1">
+            <a:extLst>
+              <a:ext uri="{FF2B5EF4-FFF2-40B4-BE49-F238E27FC236}">
+                <a16:creationId xmlns:a16="http://schemas.microsoft.com/office/drawing/2014/main" id="{A616ACF8-0967-254E-9A89-A97507292D4D}"/>
+              </a:ext>
+            </a:extLst>
+          </p:cNvPr>
+          <p:cNvSpPr>
+            <a:spLocks noGrp="1"/>
+          </p:cNvSpPr>
+          <p:nvPr>
+            <p:ph type="title"/>
+          </p:nvPr>
+        </p:nvSpPr>
+        <p:spPr/>
+        <p:txBody>
+          <a:bodyPr/>
+          <a:lstStyle/>
+          <a:p>
+            <a:r>
+              <a:rPr kumimoji="1" lang="ko-KR" altLang="en-US" dirty="0"/>
+              <a:t>핵심 경쟁력</a:t>
+            </a:r>
+          </a:p>
+        </p:txBody>
+      </p:sp>
+      <p:sp>
+        <p:nvSpPr>
+          <p:cNvPr id="3" name="내용 개체 틀 2">
+            <a:extLst>
+              <a:ext uri="{FF2B5EF4-FFF2-40B4-BE49-F238E27FC236}">
+                <a16:creationId xmlns:a16="http://schemas.microsoft.com/office/drawing/2014/main" id="{A9EE0F75-50A2-D04C-82B0-482E543CA08F}"/>
+              </a:ext>
+            </a:extLst>
+          </p:cNvPr>
+          <p:cNvSpPr>
+            <a:spLocks noGrp="1"/>
+          </p:cNvSpPr>
+          <p:nvPr>
+            <p:ph idx="1"/>
+          </p:nvPr>
+        </p:nvSpPr>
+        <p:spPr/>
+        <p:txBody>
+          <a:bodyPr/>
+          <a:lstStyle/>
+          <a:p>
+            <a:endParaRPr kumimoji="1" lang="ko-KR" altLang="en-US"/>
+          </a:p>
+        </p:txBody>
+      </p:sp>
+    </p:spTree>
+    <p:extLst>
+      <p:ext uri="{BB962C8B-B14F-4D97-AF65-F5344CB8AC3E}">
+        <p14:creationId xmlns:p14="http://schemas.microsoft.com/office/powerpoint/2010/main" val="1092442487"/>
+      </p:ext>
+    </p:extLst>
+  </p:cSld>
+  <p:clrMapOvr>
+    <a:masterClrMapping/>
+  </p:clrMapOvr>
+</p:sld>
+</file>
+
+<file path=ppt/slides/slide7.xml><?xml version="1.0" encoding="utf-8"?>
+<p:sld xmlns:a="http://schemas.openxmlformats.org/drawingml/2006/main" xmlns:r="http://schemas.openxmlformats.org/officeDocument/2006/relationships" xmlns:p="http://schemas.openxmlformats.org/presentationml/2006/main">
+  <p:cSld>
+    <p:spTree>
+      <p:nvGrpSpPr>
+        <p:cNvPr id="1" name=""/>
+        <p:cNvGrpSpPr/>
+        <p:nvPr/>
+      </p:nvGrpSpPr>
+      <p:grpSpPr>
+        <a:xfrm>
+          <a:off x="0" y="0"/>
+          <a:ext cx="0" cy="0"/>
+          <a:chOff x="0" y="0"/>
+          <a:chExt cx="0" cy="0"/>
+        </a:xfrm>
+      </p:grpSpPr>
+      <p:sp>
+        <p:nvSpPr>
+          <p:cNvPr id="2" name="제목 1">
+            <a:extLst>
+              <a:ext uri="{FF2B5EF4-FFF2-40B4-BE49-F238E27FC236}">
+                <a16:creationId xmlns:a16="http://schemas.microsoft.com/office/drawing/2014/main" id="{28F98C9A-6B41-9E48-9587-94770AFED79E}"/>
+              </a:ext>
+            </a:extLst>
+          </p:cNvPr>
+          <p:cNvSpPr>
+            <a:spLocks noGrp="1"/>
+          </p:cNvSpPr>
+          <p:nvPr>
+            <p:ph type="title"/>
+          </p:nvPr>
+        </p:nvSpPr>
+        <p:spPr/>
+        <p:txBody>
+          <a:bodyPr/>
+          <a:lstStyle/>
+          <a:p>
+            <a:r>
+              <a:rPr kumimoji="1" lang="ko-KR" altLang="en-US" dirty="0"/>
+              <a:t>시장</a:t>
+            </a:r>
+            <a:r>
+              <a:rPr kumimoji="1" lang="en-US" altLang="ko-KR" dirty="0"/>
+              <a:t>/</a:t>
+            </a:r>
+            <a:r>
+              <a:rPr kumimoji="1" lang="ko-KR" altLang="en-US" dirty="0"/>
+              <a:t>경쟁 분석</a:t>
+            </a:r>
+          </a:p>
+        </p:txBody>
+      </p:sp>
+      <p:sp>
+        <p:nvSpPr>
+          <p:cNvPr id="3" name="내용 개체 틀 2">
+            <a:extLst>
+              <a:ext uri="{FF2B5EF4-FFF2-40B4-BE49-F238E27FC236}">
+                <a16:creationId xmlns:a16="http://schemas.microsoft.com/office/drawing/2014/main" id="{E883A23E-B406-1348-839E-7F8B6950D10E}"/>
+              </a:ext>
+            </a:extLst>
+          </p:cNvPr>
+          <p:cNvSpPr>
+            <a:spLocks noGrp="1"/>
+          </p:cNvSpPr>
+          <p:nvPr>
+            <p:ph idx="1"/>
+          </p:nvPr>
+        </p:nvSpPr>
+        <p:spPr/>
+        <p:txBody>
+          <a:bodyPr/>
+          <a:lstStyle/>
+          <a:p>
+            <a:endParaRPr kumimoji="1" lang="ko-KR" altLang="en-US"/>
+          </a:p>
+        </p:txBody>
+      </p:sp>
+    </p:spTree>
+    <p:extLst>
+      <p:ext uri="{BB962C8B-B14F-4D97-AF65-F5344CB8AC3E}">
+        <p14:creationId xmlns:p14="http://schemas.microsoft.com/office/powerpoint/2010/main" val="4222687490"/>
       </p:ext>
     </p:extLst>
   </p:cSld>

--- a/ideatoneppt.pptx
+++ b/ideatoneppt.pptx
@@ -3307,31 +3307,41 @@
           </a:p>
         </p:txBody>
       </p:sp>
-      <p:sp>
-        <p:nvSpPr>
-          <p:cNvPr id="3" name="내용 개체 틀 2">
+      <p:pic>
+        <p:nvPicPr>
+          <p:cNvPr id="5" name="내용 개체 틀 4" descr="스크린샷이(가) 표시된 사진&#10;&#10;&#10;&#10;자동 생성된 설명">
             <a:extLst>
               <a:ext uri="{FF2B5EF4-FFF2-40B4-BE49-F238E27FC236}">
-                <a16:creationId xmlns:a16="http://schemas.microsoft.com/office/drawing/2014/main" id="{76EB5F17-B5F7-1F48-92B0-41E3DD2D333F}"/>
+                <a16:creationId xmlns:a16="http://schemas.microsoft.com/office/drawing/2014/main" id="{D4AF7907-DB14-7F48-8B0C-447613DDFC2B}"/>
               </a:ext>
             </a:extLst>
           </p:cNvPr>
-          <p:cNvSpPr>
-            <a:spLocks noGrp="1"/>
-          </p:cNvSpPr>
+          <p:cNvPicPr>
+            <a:picLocks noGrp="1" noChangeAspect="1"/>
+          </p:cNvPicPr>
           <p:nvPr>
             <p:ph idx="1"/>
           </p:nvPr>
-        </p:nvSpPr>
-        <p:spPr/>
-        <p:txBody>
-          <a:bodyPr/>
-          <a:lstStyle/>
-          <a:p>
-            <a:endParaRPr kumimoji="1" lang="ko-KR" altLang="en-US"/>
-          </a:p>
-        </p:txBody>
-      </p:sp>
+        </p:nvPicPr>
+        <p:blipFill>
+          <a:blip r:embed="rId2">
+            <a:extLst>
+              <a:ext uri="{28A0092B-C50C-407E-A947-70E740481C1C}">
+                <a14:useLocalDpi xmlns:a14="http://schemas.microsoft.com/office/drawing/2010/main" val="0"/>
+              </a:ext>
+            </a:extLst>
+          </a:blip>
+          <a:stretch>
+            <a:fillRect/>
+          </a:stretch>
+        </p:blipFill>
+        <p:spPr>
+          <a:xfrm>
+            <a:off x="899592" y="1442971"/>
+            <a:ext cx="2880320" cy="4416491"/>
+          </a:xfrm>
+        </p:spPr>
+      </p:pic>
     </p:spTree>
     <p:extLst>
       <p:ext uri="{BB962C8B-B14F-4D97-AF65-F5344CB8AC3E}">
@@ -3411,7 +3421,17 @@
           <a:bodyPr/>
           <a:lstStyle/>
           <a:p>
-            <a:endParaRPr kumimoji="1" lang="ko-KR" altLang="en-US" dirty="0"/>
+            <a:r>
+              <a:rPr kumimoji="1" lang="ko-KR" altLang="en-US" dirty="0"/>
+              <a:t>조장</a:t>
+            </a:r>
+            <a:endParaRPr kumimoji="1" lang="en-US" altLang="ko-KR" dirty="0"/>
+          </a:p>
+          <a:p>
+            <a:pPr marL="0" indent="0">
+              <a:buNone/>
+            </a:pPr>
+            <a:endParaRPr kumimoji="1" lang="en-US" altLang="ko-KR" dirty="0"/>
           </a:p>
         </p:txBody>
       </p:sp>
@@ -3502,7 +3522,7 @@
           <a:bodyPr/>
           <a:lstStyle/>
           <a:p>
-            <a:endParaRPr kumimoji="1" lang="ko-KR" altLang="en-US"/>
+            <a:endParaRPr kumimoji="1" lang="ko-KR" altLang="en-US" dirty="0"/>
           </a:p>
         </p:txBody>
       </p:sp>
@@ -3585,7 +3605,31 @@
           <a:bodyPr/>
           <a:lstStyle/>
           <a:p>
-            <a:endParaRPr kumimoji="1" lang="ko-KR" altLang="en-US"/>
+            <a:r>
+              <a:rPr kumimoji="1" lang="ko-KR" altLang="en-US" dirty="0"/>
+              <a:t>여기에 제휴업체 소개</a:t>
+            </a:r>
+            <a:r>
+              <a:rPr kumimoji="1" lang="en-US" altLang="ko-KR" dirty="0"/>
+              <a:t>(</a:t>
+            </a:r>
+            <a:r>
+              <a:rPr kumimoji="1" lang="ko-KR" altLang="en-US" dirty="0"/>
+              <a:t>이익창출을 목적으로 하되 </a:t>
+            </a:r>
+            <a:r>
+              <a:rPr kumimoji="1" lang="ko-KR" altLang="en-US" dirty="0" err="1"/>
+              <a:t>알람</a:t>
+            </a:r>
+            <a:r>
+              <a:rPr kumimoji="1" lang="ko-KR" altLang="en-US" dirty="0"/>
+              <a:t> 기능을 하는 걸로 </a:t>
+            </a:r>
+            <a:r>
+              <a:rPr kumimoji="1" lang="en-US" altLang="ko-KR" dirty="0"/>
+              <a:t>)</a:t>
+            </a:r>
+            <a:endParaRPr kumimoji="1" lang="ko-KR" altLang="en-US" dirty="0"/>
           </a:p>
         </p:txBody>
       </p:sp>
@@ -3676,7 +3720,75 @@
           <a:bodyPr/>
           <a:lstStyle/>
           <a:p>
-            <a:endParaRPr kumimoji="1" lang="ko-KR" altLang="en-US"/>
+            <a:r>
+              <a:rPr kumimoji="1" lang="en" altLang="ko-KR" dirty="0"/>
+              <a:t>research</a:t>
+            </a:r>
+            <a:r>
+              <a:rPr kumimoji="1" lang="ko-KR" altLang="en-US" dirty="0" err="1"/>
+              <a:t>를</a:t>
+            </a:r>
+            <a:r>
+              <a:rPr kumimoji="1" lang="ko-KR" altLang="en-US" dirty="0"/>
+              <a:t> 해서 공급 업체 중에서도 메이저로 할 거냐 마이너로 할 거냐</a:t>
+            </a:r>
+          </a:p>
+          <a:p>
+            <a:r>
+              <a:rPr kumimoji="1" lang="en-US" altLang="ko-KR" dirty="0"/>
+              <a:t>1. </a:t>
+            </a:r>
+            <a:r>
+              <a:rPr kumimoji="1" lang="ko-KR" altLang="en-US" dirty="0"/>
+              <a:t>기성 업체</a:t>
+            </a:r>
+            <a:r>
+              <a:rPr kumimoji="1" lang="en-US" altLang="ko-KR" dirty="0"/>
+              <a:t>(</a:t>
+            </a:r>
+            <a:r>
+              <a:rPr kumimoji="1" lang="ko-KR" altLang="en-US" dirty="0"/>
+              <a:t>있는 것을 홍보하거나 정보를 알려주는 것</a:t>
+            </a:r>
+            <a:r>
+              <a:rPr kumimoji="1" lang="en-US" altLang="ko-KR" dirty="0"/>
+              <a:t>)</a:t>
+            </a:r>
+          </a:p>
+          <a:p>
+            <a:r>
+              <a:rPr kumimoji="1" lang="en-US" altLang="ko-KR" dirty="0"/>
+              <a:t>2. </a:t>
+            </a:r>
+            <a:r>
+              <a:rPr kumimoji="1" lang="ko-KR" altLang="en-US" dirty="0"/>
+              <a:t>서비스화</a:t>
+            </a:r>
+            <a:r>
+              <a:rPr kumimoji="1" lang="en-US" altLang="ko-KR" dirty="0"/>
+              <a:t>(</a:t>
+            </a:r>
+            <a:r>
+              <a:rPr kumimoji="1" lang="ko-KR" altLang="en-US" dirty="0"/>
+              <a:t>다른 차원으로 넘어가는 것</a:t>
+            </a:r>
+            <a:r>
+              <a:rPr kumimoji="1" lang="en-US" altLang="ko-KR" dirty="0"/>
+              <a:t>)(</a:t>
+            </a:r>
+            <a:r>
+              <a:rPr kumimoji="1" lang="en" altLang="ko-KR" dirty="0"/>
+              <a:t>ex : </a:t>
+            </a:r>
+            <a:r>
+              <a:rPr kumimoji="1" lang="ko-KR" altLang="en-US" dirty="0"/>
+              <a:t>정기 배송 등</a:t>
+            </a:r>
+            <a:r>
+              <a:rPr kumimoji="1" lang="en-US" altLang="ko-KR" dirty="0"/>
+              <a:t>)</a:t>
+            </a:r>
+            <a:endParaRPr kumimoji="1" lang="ko-KR" altLang="en-US" dirty="0"/>
           </a:p>
         </p:txBody>
       </p:sp>

--- a/ideatoneppt.pptx
+++ b/ideatoneppt.pptx
@@ -8,10 +8,11 @@
     <p:sldId id="256" r:id="rId2"/>
     <p:sldId id="257" r:id="rId3"/>
     <p:sldId id="260" r:id="rId4"/>
-    <p:sldId id="258" r:id="rId5"/>
-    <p:sldId id="259" r:id="rId6"/>
-    <p:sldId id="261" r:id="rId7"/>
-    <p:sldId id="262" r:id="rId8"/>
+    <p:sldId id="261" r:id="rId5"/>
+    <p:sldId id="258" r:id="rId6"/>
+    <p:sldId id="262" r:id="rId7"/>
+    <p:sldId id="263" r:id="rId8"/>
+    <p:sldId id="264" r:id="rId9"/>
   </p:sldIdLst>
   <p:sldSz cx="9144000" cy="6858000" type="screen4x3"/>
   <p:notesSz cx="6858000" cy="9144000"/>
@@ -3337,7 +3338,7 @@
         </p:blipFill>
         <p:spPr>
           <a:xfrm>
-            <a:off x="899592" y="1442971"/>
+            <a:off x="457200" y="1417638"/>
             <a:ext cx="2880320" cy="4416491"/>
           </a:xfrm>
         </p:spPr>
@@ -3377,7 +3378,7 @@
           <p:cNvPr id="2" name="제목 1">
             <a:extLst>
               <a:ext uri="{FF2B5EF4-FFF2-40B4-BE49-F238E27FC236}">
-                <a16:creationId xmlns:a16="http://schemas.microsoft.com/office/drawing/2014/main" id="{3409D811-9620-E144-9E2D-42A6803A50B0}"/>
+                <a16:creationId xmlns:a16="http://schemas.microsoft.com/office/drawing/2014/main" id="{A616ACF8-0967-254E-9A89-A97507292D4D}"/>
               </a:ext>
             </a:extLst>
           </p:cNvPr>
@@ -3395,7 +3396,7 @@
           <a:p>
             <a:r>
               <a:rPr kumimoji="1" lang="ko-KR" altLang="en-US" dirty="0"/>
-              <a:t>팀원 소개</a:t>
+              <a:t>핵심 경쟁력</a:t>
             </a:r>
           </a:p>
         </p:txBody>
@@ -3405,7 +3406,7 @@
           <p:cNvPr id="3" name="내용 개체 틀 2">
             <a:extLst>
               <a:ext uri="{FF2B5EF4-FFF2-40B4-BE49-F238E27FC236}">
-                <a16:creationId xmlns:a16="http://schemas.microsoft.com/office/drawing/2014/main" id="{393D240D-69BC-C24F-B228-B79939338B18}"/>
+                <a16:creationId xmlns:a16="http://schemas.microsoft.com/office/drawing/2014/main" id="{A9EE0F75-50A2-D04C-82B0-482E543CA08F}"/>
               </a:ext>
             </a:extLst>
           </p:cNvPr>
@@ -3423,22 +3424,36 @@
           <a:p>
             <a:r>
               <a:rPr kumimoji="1" lang="ko-KR" altLang="en-US" dirty="0"/>
-              <a:t>조장</a:t>
-            </a:r>
-            <a:endParaRPr kumimoji="1" lang="en-US" altLang="ko-KR" dirty="0"/>
-          </a:p>
-          <a:p>
-            <a:pPr marL="0" indent="0">
-              <a:buNone/>
-            </a:pPr>
-            <a:endParaRPr kumimoji="1" lang="en-US" altLang="ko-KR" dirty="0"/>
+              <a:t>여기에 제휴업체 소개</a:t>
+            </a:r>
+            <a:r>
+              <a:rPr kumimoji="1" lang="en-US" altLang="ko-KR" dirty="0"/>
+              <a:t>(</a:t>
+            </a:r>
+            <a:r>
+              <a:rPr kumimoji="1" lang="ko-KR" altLang="en-US" dirty="0"/>
+              <a:t>이익창출을 목적으로 하되 </a:t>
+            </a:r>
+            <a:r>
+              <a:rPr kumimoji="1" lang="ko-KR" altLang="en-US" dirty="0" err="1"/>
+              <a:t>알람</a:t>
+            </a:r>
+            <a:r>
+              <a:rPr kumimoji="1" lang="ko-KR" altLang="en-US" dirty="0"/>
+              <a:t> 기능을 하는 걸로 </a:t>
+            </a:r>
+            <a:r>
+              <a:rPr kumimoji="1" lang="en-US" altLang="ko-KR" dirty="0"/>
+              <a:t>)</a:t>
+            </a:r>
+            <a:endParaRPr kumimoji="1" lang="ko-KR" altLang="en-US" dirty="0"/>
           </a:p>
         </p:txBody>
       </p:sp>
     </p:spTree>
     <p:extLst>
       <p:ext uri="{BB962C8B-B14F-4D97-AF65-F5344CB8AC3E}">
-        <p14:creationId xmlns:p14="http://schemas.microsoft.com/office/powerpoint/2010/main" val="1602398143"/>
+        <p14:creationId xmlns:p14="http://schemas.microsoft.com/office/powerpoint/2010/main" val="1092442487"/>
       </p:ext>
     </p:extLst>
   </p:cSld>
@@ -3470,7 +3485,7 @@
           <p:cNvPr id="2" name="제목 1">
             <a:extLst>
               <a:ext uri="{FF2B5EF4-FFF2-40B4-BE49-F238E27FC236}">
-                <a16:creationId xmlns:a16="http://schemas.microsoft.com/office/drawing/2014/main" id="{2DF19A7B-CC02-E345-B5C4-8C1856A9D320}"/>
+                <a16:creationId xmlns:a16="http://schemas.microsoft.com/office/drawing/2014/main" id="{3409D811-9620-E144-9E2D-42A6803A50B0}"/>
               </a:ext>
             </a:extLst>
           </p:cNvPr>
@@ -3488,15 +3503,7 @@
           <a:p>
             <a:r>
               <a:rPr kumimoji="1" lang="ko-KR" altLang="en-US" dirty="0"/>
-              <a:t>기획 배경</a:t>
-            </a:r>
-            <a:r>
-              <a:rPr kumimoji="1" lang="en-US" altLang="ko-KR" dirty="0"/>
-              <a:t>/</a:t>
-            </a:r>
-            <a:r>
-              <a:rPr kumimoji="1" lang="ko-KR" altLang="en-US" dirty="0"/>
-              <a:t>해결 방안</a:t>
+              <a:t>팀원 소개</a:t>
             </a:r>
           </a:p>
         </p:txBody>
@@ -3506,7 +3513,7 @@
           <p:cNvPr id="3" name="내용 개체 틀 2">
             <a:extLst>
               <a:ext uri="{FF2B5EF4-FFF2-40B4-BE49-F238E27FC236}">
-                <a16:creationId xmlns:a16="http://schemas.microsoft.com/office/drawing/2014/main" id="{F91B8C52-5954-BB4F-B70F-C48896485FA7}"/>
+                <a16:creationId xmlns:a16="http://schemas.microsoft.com/office/drawing/2014/main" id="{393D240D-69BC-C24F-B228-B79939338B18}"/>
               </a:ext>
             </a:extLst>
           </p:cNvPr>
@@ -3522,14 +3529,24 @@
           <a:bodyPr/>
           <a:lstStyle/>
           <a:p>
-            <a:endParaRPr kumimoji="1" lang="ko-KR" altLang="en-US" dirty="0"/>
+            <a:r>
+              <a:rPr kumimoji="1" lang="ko-KR" altLang="en-US" dirty="0"/>
+              <a:t>조장</a:t>
+            </a:r>
+            <a:endParaRPr kumimoji="1" lang="en-US" altLang="ko-KR" dirty="0"/>
+          </a:p>
+          <a:p>
+            <a:pPr marL="0" indent="0">
+              <a:buNone/>
+            </a:pPr>
+            <a:endParaRPr kumimoji="1" lang="en-US" altLang="ko-KR" dirty="0"/>
           </a:p>
         </p:txBody>
       </p:sp>
     </p:spTree>
     <p:extLst>
       <p:ext uri="{BB962C8B-B14F-4D97-AF65-F5344CB8AC3E}">
-        <p14:creationId xmlns:p14="http://schemas.microsoft.com/office/powerpoint/2010/main" val="2963336715"/>
+        <p14:creationId xmlns:p14="http://schemas.microsoft.com/office/powerpoint/2010/main" val="1602398143"/>
       </p:ext>
     </p:extLst>
   </p:cSld>
@@ -3561,7 +3578,7 @@
           <p:cNvPr id="2" name="제목 1">
             <a:extLst>
               <a:ext uri="{FF2B5EF4-FFF2-40B4-BE49-F238E27FC236}">
-                <a16:creationId xmlns:a16="http://schemas.microsoft.com/office/drawing/2014/main" id="{A616ACF8-0967-254E-9A89-A97507292D4D}"/>
+                <a16:creationId xmlns:a16="http://schemas.microsoft.com/office/drawing/2014/main" id="{28F98C9A-6B41-9E48-9587-94770AFED79E}"/>
               </a:ext>
             </a:extLst>
           </p:cNvPr>
@@ -3579,7 +3596,15 @@
           <a:p>
             <a:r>
               <a:rPr kumimoji="1" lang="ko-KR" altLang="en-US" dirty="0"/>
-              <a:t>핵심 경쟁력</a:t>
+              <a:t>시장</a:t>
+            </a:r>
+            <a:r>
+              <a:rPr kumimoji="1" lang="en-US" altLang="ko-KR" dirty="0"/>
+              <a:t>/</a:t>
+            </a:r>
+            <a:r>
+              <a:rPr kumimoji="1" lang="ko-KR" altLang="en-US" dirty="0"/>
+              <a:t>경쟁 분석</a:t>
             </a:r>
           </a:p>
         </p:txBody>
@@ -3589,7 +3614,7 @@
           <p:cNvPr id="3" name="내용 개체 틀 2">
             <a:extLst>
               <a:ext uri="{FF2B5EF4-FFF2-40B4-BE49-F238E27FC236}">
-                <a16:creationId xmlns:a16="http://schemas.microsoft.com/office/drawing/2014/main" id="{A9EE0F75-50A2-D04C-82B0-482E543CA08F}"/>
+                <a16:creationId xmlns:a16="http://schemas.microsoft.com/office/drawing/2014/main" id="{E883A23E-B406-1348-839E-7F8B6950D10E}"/>
               </a:ext>
             </a:extLst>
           </p:cNvPr>
@@ -3606,8 +3631,26 @@
           <a:lstStyle/>
           <a:p>
             <a:r>
+              <a:rPr kumimoji="1" lang="en" altLang="ko-KR" dirty="0"/>
+              <a:t>research</a:t>
+            </a:r>
+            <a:r>
+              <a:rPr kumimoji="1" lang="ko-KR" altLang="en-US" dirty="0" err="1"/>
+              <a:t>를</a:t>
+            </a:r>
+            <a:r>
               <a:rPr kumimoji="1" lang="ko-KR" altLang="en-US" dirty="0"/>
-              <a:t>여기에 제휴업체 소개</a:t>
+              <a:t> 해서 공급 업체 중에서도 메이저로 할 거냐 마이너로 할 거냐</a:t>
+            </a:r>
+          </a:p>
+          <a:p>
+            <a:r>
+              <a:rPr kumimoji="1" lang="en-US" altLang="ko-KR" dirty="0"/>
+              <a:t>1. </a:t>
+            </a:r>
+            <a:r>
+              <a:rPr kumimoji="1" lang="ko-KR" altLang="en-US" dirty="0"/>
+              <a:t>기성 업체</a:t>
             </a:r>
             <a:r>
               <a:rPr kumimoji="1" lang="en-US" altLang="ko-KR" dirty="0"/>
@@ -3615,15 +3658,41 @@
             </a:r>
             <a:r>
               <a:rPr kumimoji="1" lang="ko-KR" altLang="en-US" dirty="0"/>
-              <a:t>이익창출을 목적으로 하되 </a:t>
-            </a:r>
-            <a:r>
-              <a:rPr kumimoji="1" lang="ko-KR" altLang="en-US" dirty="0" err="1"/>
-              <a:t>알람</a:t>
+              <a:t>있는 것을 홍보하거나 정보를 알려주는 것</a:t>
+            </a:r>
+            <a:r>
+              <a:rPr kumimoji="1" lang="en-US" altLang="ko-KR" dirty="0"/>
+              <a:t>)</a:t>
+            </a:r>
+          </a:p>
+          <a:p>
+            <a:r>
+              <a:rPr kumimoji="1" lang="en-US" altLang="ko-KR" dirty="0"/>
+              <a:t>2. </a:t>
             </a:r>
             <a:r>
               <a:rPr kumimoji="1" lang="ko-KR" altLang="en-US" dirty="0"/>
-              <a:t> 기능을 하는 걸로 </a:t>
+              <a:t>서비스화</a:t>
+            </a:r>
+            <a:r>
+              <a:rPr kumimoji="1" lang="en-US" altLang="ko-KR" dirty="0"/>
+              <a:t>(</a:t>
+            </a:r>
+            <a:r>
+              <a:rPr kumimoji="1" lang="ko-KR" altLang="en-US" dirty="0"/>
+              <a:t>다른 차원으로 넘어가는 것</a:t>
+            </a:r>
+            <a:r>
+              <a:rPr kumimoji="1" lang="en-US" altLang="ko-KR" dirty="0"/>
+              <a:t>)(</a:t>
+            </a:r>
+            <a:r>
+              <a:rPr kumimoji="1" lang="en" altLang="ko-KR" dirty="0"/>
+              <a:t>ex : </a:t>
+            </a:r>
+            <a:r>
+              <a:rPr kumimoji="1" lang="ko-KR" altLang="en-US" dirty="0"/>
+              <a:t>정기 배송 등</a:t>
             </a:r>
             <a:r>
               <a:rPr kumimoji="1" lang="en-US" altLang="ko-KR" dirty="0"/>
@@ -3636,7 +3705,7 @@
     </p:spTree>
     <p:extLst>
       <p:ext uri="{BB962C8B-B14F-4D97-AF65-F5344CB8AC3E}">
-        <p14:creationId xmlns:p14="http://schemas.microsoft.com/office/powerpoint/2010/main" val="1092442487"/>
+        <p14:creationId xmlns:p14="http://schemas.microsoft.com/office/powerpoint/2010/main" val="4222687490"/>
       </p:ext>
     </p:extLst>
   </p:cSld>
@@ -3668,7 +3737,7 @@
           <p:cNvPr id="2" name="제목 1">
             <a:extLst>
               <a:ext uri="{FF2B5EF4-FFF2-40B4-BE49-F238E27FC236}">
-                <a16:creationId xmlns:a16="http://schemas.microsoft.com/office/drawing/2014/main" id="{28F98C9A-6B41-9E48-9587-94770AFED79E}"/>
+                <a16:creationId xmlns:a16="http://schemas.microsoft.com/office/drawing/2014/main" id="{9C508281-2DF6-3F4B-B03E-499380C0C441}"/>
               </a:ext>
             </a:extLst>
           </p:cNvPr>
@@ -3686,15 +3755,7 @@
           <a:p>
             <a:r>
               <a:rPr kumimoji="1" lang="ko-KR" altLang="en-US" dirty="0"/>
-              <a:t>시장</a:t>
-            </a:r>
-            <a:r>
-              <a:rPr kumimoji="1" lang="en-US" altLang="ko-KR" dirty="0"/>
-              <a:t>/</a:t>
-            </a:r>
-            <a:r>
-              <a:rPr kumimoji="1" lang="ko-KR" altLang="en-US" dirty="0"/>
-              <a:t>경쟁 분석</a:t>
+              <a:t>질의응답</a:t>
             </a:r>
           </a:p>
         </p:txBody>
@@ -3704,7 +3765,7 @@
           <p:cNvPr id="3" name="내용 개체 틀 2">
             <a:extLst>
               <a:ext uri="{FF2B5EF4-FFF2-40B4-BE49-F238E27FC236}">
-                <a16:creationId xmlns:a16="http://schemas.microsoft.com/office/drawing/2014/main" id="{E883A23E-B406-1348-839E-7F8B6950D10E}"/>
+                <a16:creationId xmlns:a16="http://schemas.microsoft.com/office/drawing/2014/main" id="{C088C665-85BA-2947-B1EE-D2C597E1ADDB}"/>
               </a:ext>
             </a:extLst>
           </p:cNvPr>
@@ -3720,74 +3781,6 @@
           <a:bodyPr/>
           <a:lstStyle/>
           <a:p>
-            <a:r>
-              <a:rPr kumimoji="1" lang="en" altLang="ko-KR" dirty="0"/>
-              <a:t>research</a:t>
-            </a:r>
-            <a:r>
-              <a:rPr kumimoji="1" lang="ko-KR" altLang="en-US" dirty="0" err="1"/>
-              <a:t>를</a:t>
-            </a:r>
-            <a:r>
-              <a:rPr kumimoji="1" lang="ko-KR" altLang="en-US" dirty="0"/>
-              <a:t> 해서 공급 업체 중에서도 메이저로 할 거냐 마이너로 할 거냐</a:t>
-            </a:r>
-          </a:p>
-          <a:p>
-            <a:r>
-              <a:rPr kumimoji="1" lang="en-US" altLang="ko-KR" dirty="0"/>
-              <a:t>1. </a:t>
-            </a:r>
-            <a:r>
-              <a:rPr kumimoji="1" lang="ko-KR" altLang="en-US" dirty="0"/>
-              <a:t>기성 업체</a:t>
-            </a:r>
-            <a:r>
-              <a:rPr kumimoji="1" lang="en-US" altLang="ko-KR" dirty="0"/>
-              <a:t>(</a:t>
-            </a:r>
-            <a:r>
-              <a:rPr kumimoji="1" lang="ko-KR" altLang="en-US" dirty="0"/>
-              <a:t>있는 것을 홍보하거나 정보를 알려주는 것</a:t>
-            </a:r>
-            <a:r>
-              <a:rPr kumimoji="1" lang="en-US" altLang="ko-KR" dirty="0"/>
-              <a:t>)</a:t>
-            </a:r>
-          </a:p>
-          <a:p>
-            <a:r>
-              <a:rPr kumimoji="1" lang="en-US" altLang="ko-KR" dirty="0"/>
-              <a:t>2. </a:t>
-            </a:r>
-            <a:r>
-              <a:rPr kumimoji="1" lang="ko-KR" altLang="en-US" dirty="0"/>
-              <a:t>서비스화</a:t>
-            </a:r>
-            <a:r>
-              <a:rPr kumimoji="1" lang="en-US" altLang="ko-KR" dirty="0"/>
-              <a:t>(</a:t>
-            </a:r>
-            <a:r>
-              <a:rPr kumimoji="1" lang="ko-KR" altLang="en-US" dirty="0"/>
-              <a:t>다른 차원으로 넘어가는 것</a:t>
-            </a:r>
-            <a:r>
-              <a:rPr kumimoji="1" lang="en-US" altLang="ko-KR" dirty="0"/>
-              <a:t>)(</a:t>
-            </a:r>
-            <a:r>
-              <a:rPr kumimoji="1" lang="en" altLang="ko-KR" dirty="0"/>
-              <a:t>ex : </a:t>
-            </a:r>
-            <a:r>
-              <a:rPr kumimoji="1" lang="ko-KR" altLang="en-US" dirty="0"/>
-              <a:t>정기 배송 등</a:t>
-            </a:r>
-            <a:r>
-              <a:rPr kumimoji="1" lang="en-US" altLang="ko-KR" dirty="0"/>
-              <a:t>)</a:t>
-            </a:r>
             <a:endParaRPr kumimoji="1" lang="ko-KR" altLang="en-US" dirty="0"/>
           </a:p>
         </p:txBody>
@@ -3795,7 +3788,92 @@
     </p:spTree>
     <p:extLst>
       <p:ext uri="{BB962C8B-B14F-4D97-AF65-F5344CB8AC3E}">
-        <p14:creationId xmlns:p14="http://schemas.microsoft.com/office/powerpoint/2010/main" val="4222687490"/>
+        <p14:creationId xmlns:p14="http://schemas.microsoft.com/office/powerpoint/2010/main" val="1759387882"/>
+      </p:ext>
+    </p:extLst>
+  </p:cSld>
+  <p:clrMapOvr>
+    <a:masterClrMapping/>
+  </p:clrMapOvr>
+</p:sld>
+</file>
+
+<file path=ppt/slides/slide8.xml><?xml version="1.0" encoding="utf-8"?>
+<p:sld xmlns:a="http://schemas.openxmlformats.org/drawingml/2006/main" xmlns:r="http://schemas.openxmlformats.org/officeDocument/2006/relationships" xmlns:p="http://schemas.openxmlformats.org/presentationml/2006/main">
+  <p:cSld>
+    <p:spTree>
+      <p:nvGrpSpPr>
+        <p:cNvPr id="1" name=""/>
+        <p:cNvGrpSpPr/>
+        <p:nvPr/>
+      </p:nvGrpSpPr>
+      <p:grpSpPr>
+        <a:xfrm>
+          <a:off x="0" y="0"/>
+          <a:ext cx="0" cy="0"/>
+          <a:chOff x="0" y="0"/>
+          <a:chExt cx="0" cy="0"/>
+        </a:xfrm>
+      </p:grpSpPr>
+      <p:sp>
+        <p:nvSpPr>
+          <p:cNvPr id="3" name="내용 개체 틀 2">
+            <a:extLst>
+              <a:ext uri="{FF2B5EF4-FFF2-40B4-BE49-F238E27FC236}">
+                <a16:creationId xmlns:a16="http://schemas.microsoft.com/office/drawing/2014/main" id="{6F98B7E9-F878-0E42-A16C-75C889AFE0CE}"/>
+              </a:ext>
+            </a:extLst>
+          </p:cNvPr>
+          <p:cNvSpPr>
+            <a:spLocks noGrp="1"/>
+          </p:cNvSpPr>
+          <p:nvPr>
+            <p:ph idx="1"/>
+          </p:nvPr>
+        </p:nvSpPr>
+        <p:spPr>
+          <a:xfrm>
+            <a:off x="457200" y="260648"/>
+            <a:ext cx="8229600" cy="5865515"/>
+          </a:xfrm>
+        </p:spPr>
+        <p:txBody>
+          <a:bodyPr/>
+          <a:lstStyle/>
+          <a:p>
+            <a:pPr marL="0" indent="0">
+              <a:buNone/>
+            </a:pPr>
+            <a:r>
+              <a:rPr kumimoji="1" lang="ko-KR" altLang="en-US" dirty="0"/>
+              <a:t>감사합니다 </a:t>
+            </a:r>
+            <a:r>
+              <a:rPr kumimoji="1" lang="en-US" altLang="ko-KR" dirty="0">
+                <a:sym typeface="Wingdings" pitchFamily="2" charset="2"/>
+              </a:rPr>
+              <a:t>:</a:t>
+            </a:r>
+            <a:r>
+              <a:rPr kumimoji="1" lang="ko-KR" altLang="en-US" dirty="0">
+                <a:sym typeface="Wingdings" pitchFamily="2" charset="2"/>
+              </a:rPr>
+              <a:t> </a:t>
+            </a:r>
+            <a:r>
+              <a:rPr kumimoji="1" lang="en-US" altLang="ko-KR" dirty="0">
+                <a:sym typeface="Wingdings" pitchFamily="2" charset="2"/>
+              </a:rPr>
+              <a:t>)</a:t>
+            </a:r>
+            <a:endParaRPr kumimoji="1" lang="ko-KR" altLang="en-US" dirty="0"/>
+          </a:p>
+        </p:txBody>
+      </p:sp>
+    </p:spTree>
+    <p:extLst>
+      <p:ext uri="{BB962C8B-B14F-4D97-AF65-F5344CB8AC3E}">
+        <p14:creationId xmlns:p14="http://schemas.microsoft.com/office/powerpoint/2010/main" val="3977145828"/>
       </p:ext>
     </p:extLst>
   </p:cSld>

--- a/ideatoneppt.pptx
+++ b/ideatoneppt.pptx
@@ -113,7 +113,7 @@
   </p:defaultTextStyle>
   <p:extLst>
     <p:ext uri="{EFAFB233-063F-42B5-8137-9DF3F51BA10A}">
-      <p15:sldGuideLst xmlns:p15="http://schemas.microsoft.com/office/powerpoint/2012/main">
+      <p15:sldGuideLst xmlns:p15="http://schemas.microsoft.com/office/powerpoint/2012/main" xmlns="">
         <p15:guide id="1" orient="horz" pos="2160">
           <p15:clr>
             <a:srgbClr val="A4A3A4"/>
@@ -309,7 +309,7 @@
           <a:p>
             <a:fld id="{8E20E162-3880-4AB0-B825-B924C8552DF4}" type="datetimeFigureOut">
               <a:rPr lang="ko-KR" altLang="en-US" smtClean="0"/>
-              <a:t>2018. 11. 9.</a:t>
+              <a:t>2018-11-09</a:t>
             </a:fld>
             <a:endParaRPr lang="ko-KR" altLang="en-US"/>
           </a:p>
@@ -477,7 +477,7 @@
           <a:p>
             <a:fld id="{8E20E162-3880-4AB0-B825-B924C8552DF4}" type="datetimeFigureOut">
               <a:rPr lang="ko-KR" altLang="en-US" smtClean="0"/>
-              <a:t>2018. 11. 9.</a:t>
+              <a:t>2018-11-09</a:t>
             </a:fld>
             <a:endParaRPr lang="ko-KR" altLang="en-US"/>
           </a:p>
@@ -655,7 +655,7 @@
           <a:p>
             <a:fld id="{8E20E162-3880-4AB0-B825-B924C8552DF4}" type="datetimeFigureOut">
               <a:rPr lang="ko-KR" altLang="en-US" smtClean="0"/>
-              <a:t>2018. 11. 9.</a:t>
+              <a:t>2018-11-09</a:t>
             </a:fld>
             <a:endParaRPr lang="ko-KR" altLang="en-US"/>
           </a:p>
@@ -823,7 +823,7 @@
           <a:p>
             <a:fld id="{8E20E162-3880-4AB0-B825-B924C8552DF4}" type="datetimeFigureOut">
               <a:rPr lang="ko-KR" altLang="en-US" smtClean="0"/>
-              <a:t>2018. 11. 9.</a:t>
+              <a:t>2018-11-09</a:t>
             </a:fld>
             <a:endParaRPr lang="ko-KR" altLang="en-US"/>
           </a:p>
@@ -1068,7 +1068,7 @@
           <a:p>
             <a:fld id="{8E20E162-3880-4AB0-B825-B924C8552DF4}" type="datetimeFigureOut">
               <a:rPr lang="ko-KR" altLang="en-US" smtClean="0"/>
-              <a:t>2018. 11. 9.</a:t>
+              <a:t>2018-11-09</a:t>
             </a:fld>
             <a:endParaRPr lang="ko-KR" altLang="en-US"/>
           </a:p>
@@ -1353,7 +1353,7 @@
           <a:p>
             <a:fld id="{8E20E162-3880-4AB0-B825-B924C8552DF4}" type="datetimeFigureOut">
               <a:rPr lang="ko-KR" altLang="en-US" smtClean="0"/>
-              <a:t>2018. 11. 9.</a:t>
+              <a:t>2018-11-09</a:t>
             </a:fld>
             <a:endParaRPr lang="ko-KR" altLang="en-US"/>
           </a:p>
@@ -1772,7 +1772,7 @@
           <a:p>
             <a:fld id="{8E20E162-3880-4AB0-B825-B924C8552DF4}" type="datetimeFigureOut">
               <a:rPr lang="ko-KR" altLang="en-US" smtClean="0"/>
-              <a:t>2018. 11. 9.</a:t>
+              <a:t>2018-11-09</a:t>
             </a:fld>
             <a:endParaRPr lang="ko-KR" altLang="en-US"/>
           </a:p>
@@ -1889,7 +1889,7 @@
           <a:p>
             <a:fld id="{8E20E162-3880-4AB0-B825-B924C8552DF4}" type="datetimeFigureOut">
               <a:rPr lang="ko-KR" altLang="en-US" smtClean="0"/>
-              <a:t>2018. 11. 9.</a:t>
+              <a:t>2018-11-09</a:t>
             </a:fld>
             <a:endParaRPr lang="ko-KR" altLang="en-US"/>
           </a:p>
@@ -1984,7 +1984,7 @@
           <a:p>
             <a:fld id="{8E20E162-3880-4AB0-B825-B924C8552DF4}" type="datetimeFigureOut">
               <a:rPr lang="ko-KR" altLang="en-US" smtClean="0"/>
-              <a:t>2018. 11. 9.</a:t>
+              <a:t>2018-11-09</a:t>
             </a:fld>
             <a:endParaRPr lang="ko-KR" altLang="en-US"/>
           </a:p>
@@ -2259,7 +2259,7 @@
           <a:p>
             <a:fld id="{8E20E162-3880-4AB0-B825-B924C8552DF4}" type="datetimeFigureOut">
               <a:rPr lang="ko-KR" altLang="en-US" smtClean="0"/>
-              <a:t>2018. 11. 9.</a:t>
+              <a:t>2018-11-09</a:t>
             </a:fld>
             <a:endParaRPr lang="ko-KR" altLang="en-US"/>
           </a:p>
@@ -2511,7 +2511,7 @@
           <a:p>
             <a:fld id="{8E20E162-3880-4AB0-B825-B924C8552DF4}" type="datetimeFigureOut">
               <a:rPr lang="ko-KR" altLang="en-US" smtClean="0"/>
-              <a:t>2018. 11. 9.</a:t>
+              <a:t>2018-11-09</a:t>
             </a:fld>
             <a:endParaRPr lang="ko-KR" altLang="en-US"/>
           </a:p>
@@ -2722,7 +2722,7 @@
           <a:p>
             <a:fld id="{8E20E162-3880-4AB0-B825-B924C8552DF4}" type="datetimeFigureOut">
               <a:rPr lang="ko-KR" altLang="en-US" smtClean="0"/>
-              <a:t>2018. 11. 9.</a:t>
+              <a:t>2018-11-09</a:t>
             </a:fld>
             <a:endParaRPr lang="ko-KR" altLang="en-US"/>
           </a:p>
@@ -3207,7 +3207,7 @@
           <p:cNvPr id="2" name="제목 1">
             <a:extLst>
               <a:ext uri="{FF2B5EF4-FFF2-40B4-BE49-F238E27FC236}">
-                <a16:creationId xmlns:a16="http://schemas.microsoft.com/office/drawing/2014/main" id="{CC5C8BD3-3AF1-C748-835F-F0A286C90A18}"/>
+                <a16:creationId xmlns:a16="http://schemas.microsoft.com/office/drawing/2014/main" xmlns="" id="{CC5C8BD3-3AF1-C748-835F-F0A286C90A18}"/>
               </a:ext>
             </a:extLst>
           </p:cNvPr>
@@ -3277,7 +3277,7 @@
           <p:cNvPr id="2" name="제목 1">
             <a:extLst>
               <a:ext uri="{FF2B5EF4-FFF2-40B4-BE49-F238E27FC236}">
-                <a16:creationId xmlns:a16="http://schemas.microsoft.com/office/drawing/2014/main" id="{117210B6-0999-9C4F-954D-22D6B30F9E70}"/>
+                <a16:creationId xmlns:a16="http://schemas.microsoft.com/office/drawing/2014/main" xmlns="" id="{117210B6-0999-9C4F-954D-22D6B30F9E70}"/>
               </a:ext>
             </a:extLst>
           </p:cNvPr>
@@ -3313,7 +3313,7 @@
           <p:cNvPr id="5" name="내용 개체 틀 4" descr="스크린샷이(가) 표시된 사진&#10;&#10;&#10;&#10;자동 생성된 설명">
             <a:extLst>
               <a:ext uri="{FF2B5EF4-FFF2-40B4-BE49-F238E27FC236}">
-                <a16:creationId xmlns:a16="http://schemas.microsoft.com/office/drawing/2014/main" id="{D4AF7907-DB14-7F48-8B0C-447613DDFC2B}"/>
+                <a16:creationId xmlns:a16="http://schemas.microsoft.com/office/drawing/2014/main" xmlns="" id="{D4AF7907-DB14-7F48-8B0C-447613DDFC2B}"/>
               </a:ext>
             </a:extLst>
           </p:cNvPr>
@@ -3378,7 +3378,7 @@
           <p:cNvPr id="2" name="제목 1">
             <a:extLst>
               <a:ext uri="{FF2B5EF4-FFF2-40B4-BE49-F238E27FC236}">
-                <a16:creationId xmlns:a16="http://schemas.microsoft.com/office/drawing/2014/main" id="{A616ACF8-0967-254E-9A89-A97507292D4D}"/>
+                <a16:creationId xmlns:a16="http://schemas.microsoft.com/office/drawing/2014/main" xmlns="" id="{A616ACF8-0967-254E-9A89-A97507292D4D}"/>
               </a:ext>
             </a:extLst>
           </p:cNvPr>
@@ -3406,7 +3406,7 @@
           <p:cNvPr id="3" name="내용 개체 틀 2">
             <a:extLst>
               <a:ext uri="{FF2B5EF4-FFF2-40B4-BE49-F238E27FC236}">
-                <a16:creationId xmlns:a16="http://schemas.microsoft.com/office/drawing/2014/main" id="{A9EE0F75-50A2-D04C-82B0-482E543CA08F}"/>
+                <a16:creationId xmlns:a16="http://schemas.microsoft.com/office/drawing/2014/main" xmlns="" id="{A9EE0F75-50A2-D04C-82B0-482E543CA08F}"/>
               </a:ext>
             </a:extLst>
           </p:cNvPr>
@@ -3423,8 +3423,12 @@
           <a:lstStyle/>
           <a:p>
             <a:r>
+              <a:rPr kumimoji="1" lang="ko-KR" altLang="en-US" smtClean="0"/>
+              <a:t>여기에 </a:t>
+            </a:r>
+            <a:r>
               <a:rPr kumimoji="1" lang="ko-KR" altLang="en-US" dirty="0"/>
-              <a:t>여기에 제휴업체 소개</a:t>
+              <a:t>제휴업체 소개</a:t>
             </a:r>
             <a:r>
               <a:rPr kumimoji="1" lang="en-US" altLang="ko-KR" dirty="0"/>
@@ -3446,6 +3450,61 @@
               <a:rPr kumimoji="1" lang="en-US" altLang="ko-KR" dirty="0"/>
               <a:t>)</a:t>
             </a:r>
+          </a:p>
+          <a:p>
+            <a:r>
+              <a:rPr kumimoji="1" lang="ko-KR" altLang="en-US" dirty="0"/>
+              <a:t>이익 창출 방법</a:t>
+            </a:r>
+            <a:r>
+              <a:rPr kumimoji="1" lang="en-US" altLang="ko-KR" dirty="0"/>
+              <a:t>- </a:t>
+            </a:r>
+            <a:r>
+              <a:rPr kumimoji="1" lang="ko-KR" altLang="en-US" dirty="0"/>
+              <a:t>㈜마스크</a:t>
+            </a:r>
+            <a:endParaRPr kumimoji="1" lang="en-US" altLang="ko-KR" dirty="0"/>
+          </a:p>
+          <a:p>
+            <a:pPr marL="0" indent="0">
+              <a:buNone/>
+            </a:pPr>
+            <a:r>
+              <a:rPr kumimoji="1" lang="en-US" altLang="ko-KR" dirty="0"/>
+              <a:t>                     - (</a:t>
+            </a:r>
+            <a:r>
+              <a:rPr kumimoji="1" lang="ko-KR" altLang="en-US" dirty="0"/>
+              <a:t>부</a:t>
+            </a:r>
+            <a:r>
+              <a:rPr kumimoji="1" lang="en-US" altLang="ko-KR" dirty="0"/>
+              <a:t>)</a:t>
+            </a:r>
+            <a:r>
+              <a:rPr kumimoji="1" lang="ko-KR" altLang="en-US" dirty="0"/>
+              <a:t>화장품</a:t>
+            </a:r>
+            <a:r>
+              <a:rPr kumimoji="1" lang="en-US" altLang="ko-KR" dirty="0"/>
+              <a:t>, </a:t>
+            </a:r>
+            <a:r>
+              <a:rPr kumimoji="1" lang="ko-KR" altLang="en-US" dirty="0"/>
+              <a:t>공기청정기</a:t>
+            </a:r>
+            <a:r>
+              <a:rPr kumimoji="1" lang="en-US" altLang="ko-KR" dirty="0"/>
+              <a:t>,</a:t>
+            </a:r>
+            <a:r>
+              <a:rPr kumimoji="1" lang="ko-KR" altLang="en-US" dirty="0"/>
+              <a:t>음식</a:t>
+            </a:r>
+            <a:endParaRPr kumimoji="1" lang="en-US" altLang="ko-KR" dirty="0"/>
+          </a:p>
+          <a:p>
             <a:endParaRPr kumimoji="1" lang="ko-KR" altLang="en-US" dirty="0"/>
           </a:p>
         </p:txBody>
@@ -3485,7 +3544,7 @@
           <p:cNvPr id="2" name="제목 1">
             <a:extLst>
               <a:ext uri="{FF2B5EF4-FFF2-40B4-BE49-F238E27FC236}">
-                <a16:creationId xmlns:a16="http://schemas.microsoft.com/office/drawing/2014/main" id="{3409D811-9620-E144-9E2D-42A6803A50B0}"/>
+                <a16:creationId xmlns:a16="http://schemas.microsoft.com/office/drawing/2014/main" xmlns="" id="{3409D811-9620-E144-9E2D-42A6803A50B0}"/>
               </a:ext>
             </a:extLst>
           </p:cNvPr>
@@ -3513,7 +3572,7 @@
           <p:cNvPr id="3" name="내용 개체 틀 2">
             <a:extLst>
               <a:ext uri="{FF2B5EF4-FFF2-40B4-BE49-F238E27FC236}">
-                <a16:creationId xmlns:a16="http://schemas.microsoft.com/office/drawing/2014/main" id="{393D240D-69BC-C24F-B228-B79939338B18}"/>
+                <a16:creationId xmlns:a16="http://schemas.microsoft.com/office/drawing/2014/main" xmlns="" id="{393D240D-69BC-C24F-B228-B79939338B18}"/>
               </a:ext>
             </a:extLst>
           </p:cNvPr>
@@ -3578,7 +3637,7 @@
           <p:cNvPr id="2" name="제목 1">
             <a:extLst>
               <a:ext uri="{FF2B5EF4-FFF2-40B4-BE49-F238E27FC236}">
-                <a16:creationId xmlns:a16="http://schemas.microsoft.com/office/drawing/2014/main" id="{28F98C9A-6B41-9E48-9587-94770AFED79E}"/>
+                <a16:creationId xmlns:a16="http://schemas.microsoft.com/office/drawing/2014/main" xmlns="" id="{28F98C9A-6B41-9E48-9587-94770AFED79E}"/>
               </a:ext>
             </a:extLst>
           </p:cNvPr>
@@ -3614,7 +3673,7 @@
           <p:cNvPr id="3" name="내용 개체 틀 2">
             <a:extLst>
               <a:ext uri="{FF2B5EF4-FFF2-40B4-BE49-F238E27FC236}">
-                <a16:creationId xmlns:a16="http://schemas.microsoft.com/office/drawing/2014/main" id="{E883A23E-B406-1348-839E-7F8B6950D10E}"/>
+                <a16:creationId xmlns:a16="http://schemas.microsoft.com/office/drawing/2014/main" xmlns="" id="{E883A23E-B406-1348-839E-7F8B6950D10E}"/>
               </a:ext>
             </a:extLst>
           </p:cNvPr>
@@ -3737,7 +3796,7 @@
           <p:cNvPr id="2" name="제목 1">
             <a:extLst>
               <a:ext uri="{FF2B5EF4-FFF2-40B4-BE49-F238E27FC236}">
-                <a16:creationId xmlns:a16="http://schemas.microsoft.com/office/drawing/2014/main" id="{9C508281-2DF6-3F4B-B03E-499380C0C441}"/>
+                <a16:creationId xmlns:a16="http://schemas.microsoft.com/office/drawing/2014/main" xmlns="" id="{9C508281-2DF6-3F4B-B03E-499380C0C441}"/>
               </a:ext>
             </a:extLst>
           </p:cNvPr>
@@ -3765,7 +3824,7 @@
           <p:cNvPr id="3" name="내용 개체 틀 2">
             <a:extLst>
               <a:ext uri="{FF2B5EF4-FFF2-40B4-BE49-F238E27FC236}">
-                <a16:creationId xmlns:a16="http://schemas.microsoft.com/office/drawing/2014/main" id="{C088C665-85BA-2947-B1EE-D2C597E1ADDB}"/>
+                <a16:creationId xmlns:a16="http://schemas.microsoft.com/office/drawing/2014/main" xmlns="" id="{C088C665-85BA-2947-B1EE-D2C597E1ADDB}"/>
               </a:ext>
             </a:extLst>
           </p:cNvPr>
@@ -3820,7 +3879,7 @@
           <p:cNvPr id="3" name="내용 개체 틀 2">
             <a:extLst>
               <a:ext uri="{FF2B5EF4-FFF2-40B4-BE49-F238E27FC236}">
-                <a16:creationId xmlns:a16="http://schemas.microsoft.com/office/drawing/2014/main" id="{6F98B7E9-F878-0E42-A16C-75C889AFE0CE}"/>
+                <a16:creationId xmlns:a16="http://schemas.microsoft.com/office/drawing/2014/main" xmlns="" id="{6F98B7E9-F878-0E42-A16C-75C889AFE0CE}"/>
               </a:ext>
             </a:extLst>
           </p:cNvPr>

--- a/ideatoneppt.pptx
+++ b/ideatoneppt.pptx
@@ -8,11 +8,12 @@
     <p:sldId id="256" r:id="rId2"/>
     <p:sldId id="257" r:id="rId3"/>
     <p:sldId id="260" r:id="rId4"/>
-    <p:sldId id="261" r:id="rId5"/>
-    <p:sldId id="258" r:id="rId6"/>
-    <p:sldId id="262" r:id="rId7"/>
-    <p:sldId id="263" r:id="rId8"/>
-    <p:sldId id="264" r:id="rId9"/>
+    <p:sldId id="265" r:id="rId5"/>
+    <p:sldId id="261" r:id="rId6"/>
+    <p:sldId id="258" r:id="rId7"/>
+    <p:sldId id="262" r:id="rId8"/>
+    <p:sldId id="263" r:id="rId9"/>
+    <p:sldId id="264" r:id="rId10"/>
   </p:sldIdLst>
   <p:sldSz cx="9144000" cy="6858000" type="screen4x3"/>
   <p:notesSz cx="6858000" cy="9144000"/>
@@ -113,7 +114,7 @@
   </p:defaultTextStyle>
   <p:extLst>
     <p:ext uri="{EFAFB233-063F-42B5-8137-9DF3F51BA10A}">
-      <p15:sldGuideLst xmlns:p15="http://schemas.microsoft.com/office/powerpoint/2012/main" xmlns="">
+      <p15:sldGuideLst xmlns:p15="http://schemas.microsoft.com/office/powerpoint/2012/main">
         <p15:guide id="1" orient="horz" pos="2160">
           <p15:clr>
             <a:srgbClr val="A4A3A4"/>
@@ -309,7 +310,7 @@
           <a:p>
             <a:fld id="{8E20E162-3880-4AB0-B825-B924C8552DF4}" type="datetimeFigureOut">
               <a:rPr lang="ko-KR" altLang="en-US" smtClean="0"/>
-              <a:t>2018-11-09</a:t>
+              <a:t>2018. 11. 9.</a:t>
             </a:fld>
             <a:endParaRPr lang="ko-KR" altLang="en-US"/>
           </a:p>
@@ -477,7 +478,7 @@
           <a:p>
             <a:fld id="{8E20E162-3880-4AB0-B825-B924C8552DF4}" type="datetimeFigureOut">
               <a:rPr lang="ko-KR" altLang="en-US" smtClean="0"/>
-              <a:t>2018-11-09</a:t>
+              <a:t>2018. 11. 9.</a:t>
             </a:fld>
             <a:endParaRPr lang="ko-KR" altLang="en-US"/>
           </a:p>
@@ -655,7 +656,7 @@
           <a:p>
             <a:fld id="{8E20E162-3880-4AB0-B825-B924C8552DF4}" type="datetimeFigureOut">
               <a:rPr lang="ko-KR" altLang="en-US" smtClean="0"/>
-              <a:t>2018-11-09</a:t>
+              <a:t>2018. 11. 9.</a:t>
             </a:fld>
             <a:endParaRPr lang="ko-KR" altLang="en-US"/>
           </a:p>
@@ -823,7 +824,7 @@
           <a:p>
             <a:fld id="{8E20E162-3880-4AB0-B825-B924C8552DF4}" type="datetimeFigureOut">
               <a:rPr lang="ko-KR" altLang="en-US" smtClean="0"/>
-              <a:t>2018-11-09</a:t>
+              <a:t>2018. 11. 9.</a:t>
             </a:fld>
             <a:endParaRPr lang="ko-KR" altLang="en-US"/>
           </a:p>
@@ -1068,7 +1069,7 @@
           <a:p>
             <a:fld id="{8E20E162-3880-4AB0-B825-B924C8552DF4}" type="datetimeFigureOut">
               <a:rPr lang="ko-KR" altLang="en-US" smtClean="0"/>
-              <a:t>2018-11-09</a:t>
+              <a:t>2018. 11. 9.</a:t>
             </a:fld>
             <a:endParaRPr lang="ko-KR" altLang="en-US"/>
           </a:p>
@@ -1353,7 +1354,7 @@
           <a:p>
             <a:fld id="{8E20E162-3880-4AB0-B825-B924C8552DF4}" type="datetimeFigureOut">
               <a:rPr lang="ko-KR" altLang="en-US" smtClean="0"/>
-              <a:t>2018-11-09</a:t>
+              <a:t>2018. 11. 9.</a:t>
             </a:fld>
             <a:endParaRPr lang="ko-KR" altLang="en-US"/>
           </a:p>
@@ -1772,7 +1773,7 @@
           <a:p>
             <a:fld id="{8E20E162-3880-4AB0-B825-B924C8552DF4}" type="datetimeFigureOut">
               <a:rPr lang="ko-KR" altLang="en-US" smtClean="0"/>
-              <a:t>2018-11-09</a:t>
+              <a:t>2018. 11. 9.</a:t>
             </a:fld>
             <a:endParaRPr lang="ko-KR" altLang="en-US"/>
           </a:p>
@@ -1889,7 +1890,7 @@
           <a:p>
             <a:fld id="{8E20E162-3880-4AB0-B825-B924C8552DF4}" type="datetimeFigureOut">
               <a:rPr lang="ko-KR" altLang="en-US" smtClean="0"/>
-              <a:t>2018-11-09</a:t>
+              <a:t>2018. 11. 9.</a:t>
             </a:fld>
             <a:endParaRPr lang="ko-KR" altLang="en-US"/>
           </a:p>
@@ -1984,7 +1985,7 @@
           <a:p>
             <a:fld id="{8E20E162-3880-4AB0-B825-B924C8552DF4}" type="datetimeFigureOut">
               <a:rPr lang="ko-KR" altLang="en-US" smtClean="0"/>
-              <a:t>2018-11-09</a:t>
+              <a:t>2018. 11. 9.</a:t>
             </a:fld>
             <a:endParaRPr lang="ko-KR" altLang="en-US"/>
           </a:p>
@@ -2259,7 +2260,7 @@
           <a:p>
             <a:fld id="{8E20E162-3880-4AB0-B825-B924C8552DF4}" type="datetimeFigureOut">
               <a:rPr lang="ko-KR" altLang="en-US" smtClean="0"/>
-              <a:t>2018-11-09</a:t>
+              <a:t>2018. 11. 9.</a:t>
             </a:fld>
             <a:endParaRPr lang="ko-KR" altLang="en-US"/>
           </a:p>
@@ -2511,7 +2512,7 @@
           <a:p>
             <a:fld id="{8E20E162-3880-4AB0-B825-B924C8552DF4}" type="datetimeFigureOut">
               <a:rPr lang="ko-KR" altLang="en-US" smtClean="0"/>
-              <a:t>2018-11-09</a:t>
+              <a:t>2018. 11. 9.</a:t>
             </a:fld>
             <a:endParaRPr lang="ko-KR" altLang="en-US"/>
           </a:p>
@@ -2722,7 +2723,7 @@
           <a:p>
             <a:fld id="{8E20E162-3880-4AB0-B825-B924C8552DF4}" type="datetimeFigureOut">
               <a:rPr lang="ko-KR" altLang="en-US" smtClean="0"/>
-              <a:t>2018-11-09</a:t>
+              <a:t>2018. 11. 9.</a:t>
             </a:fld>
             <a:endParaRPr lang="ko-KR" altLang="en-US"/>
           </a:p>
@@ -3207,7 +3208,7 @@
           <p:cNvPr id="2" name="제목 1">
             <a:extLst>
               <a:ext uri="{FF2B5EF4-FFF2-40B4-BE49-F238E27FC236}">
-                <a16:creationId xmlns:a16="http://schemas.microsoft.com/office/drawing/2014/main" xmlns="" id="{CC5C8BD3-3AF1-C748-835F-F0A286C90A18}"/>
+                <a16:creationId xmlns:a16="http://schemas.microsoft.com/office/drawing/2014/main" id="{CC5C8BD3-3AF1-C748-835F-F0A286C90A18}"/>
               </a:ext>
             </a:extLst>
           </p:cNvPr>
@@ -3277,7 +3278,7 @@
           <p:cNvPr id="2" name="제목 1">
             <a:extLst>
               <a:ext uri="{FF2B5EF4-FFF2-40B4-BE49-F238E27FC236}">
-                <a16:creationId xmlns:a16="http://schemas.microsoft.com/office/drawing/2014/main" xmlns="" id="{117210B6-0999-9C4F-954D-22D6B30F9E70}"/>
+                <a16:creationId xmlns:a16="http://schemas.microsoft.com/office/drawing/2014/main" id="{117210B6-0999-9C4F-954D-22D6B30F9E70}"/>
               </a:ext>
             </a:extLst>
           </p:cNvPr>
@@ -3308,41 +3309,57 @@
           </a:p>
         </p:txBody>
       </p:sp>
-      <p:pic>
-        <p:nvPicPr>
-          <p:cNvPr id="5" name="내용 개체 틀 4" descr="스크린샷이(가) 표시된 사진&#10;&#10;&#10;&#10;자동 생성된 설명">
+      <p:sp>
+        <p:nvSpPr>
+          <p:cNvPr id="7" name="내용 개체 틀 6">
             <a:extLst>
               <a:ext uri="{FF2B5EF4-FFF2-40B4-BE49-F238E27FC236}">
-                <a16:creationId xmlns:a16="http://schemas.microsoft.com/office/drawing/2014/main" xmlns="" id="{D4AF7907-DB14-7F48-8B0C-447613DDFC2B}"/>
+                <a16:creationId xmlns:a16="http://schemas.microsoft.com/office/drawing/2014/main" id="{8376BFEE-FF51-DD42-B6AF-0E4EB5FA1CC0}"/>
               </a:ext>
             </a:extLst>
           </p:cNvPr>
-          <p:cNvPicPr>
-            <a:picLocks noGrp="1" noChangeAspect="1"/>
-          </p:cNvPicPr>
+          <p:cNvSpPr>
+            <a:spLocks noGrp="1"/>
+          </p:cNvSpPr>
           <p:nvPr>
             <p:ph idx="1"/>
           </p:nvPr>
-        </p:nvPicPr>
-        <p:blipFill>
-          <a:blip r:embed="rId2">
-            <a:extLst>
-              <a:ext uri="{28A0092B-C50C-407E-A947-70E740481C1C}">
-                <a14:useLocalDpi xmlns:a14="http://schemas.microsoft.com/office/drawing/2010/main" val="0"/>
-              </a:ext>
-            </a:extLst>
-          </a:blip>
-          <a:stretch>
-            <a:fillRect/>
-          </a:stretch>
-        </p:blipFill>
-        <p:spPr>
-          <a:xfrm>
-            <a:off x="457200" y="1417638"/>
-            <a:ext cx="2880320" cy="4416491"/>
-          </a:xfrm>
-        </p:spPr>
-      </p:pic>
+        </p:nvSpPr>
+        <p:spPr/>
+        <p:txBody>
+          <a:bodyPr/>
+          <a:lstStyle/>
+          <a:p>
+            <a:r>
+              <a:rPr kumimoji="1" lang="ko-KR" altLang="en-US"/>
+              <a:t>이 제품은 마스크 </a:t>
+            </a:r>
+            <a:r>
+              <a:rPr kumimoji="1" lang="ko-KR" altLang="en-US" dirty="0"/>
+              <a:t>착용을 장려하고 구매를 쉽게 도와주는 앱이다</a:t>
+            </a:r>
+            <a:r>
+              <a:rPr kumimoji="1" lang="en-US" altLang="ko-KR" dirty="0"/>
+              <a:t>.</a:t>
+            </a:r>
+            <a:r>
+              <a:rPr kumimoji="1" lang="ko-KR" altLang="en-US" dirty="0"/>
+              <a:t> 현 대기 상황에 맞게 제품을 추천해주고 </a:t>
+            </a:r>
+            <a:r>
+              <a:rPr kumimoji="1" lang="ko-KR" altLang="en-US" dirty="0" err="1"/>
+              <a:t>정기구매</a:t>
+            </a:r>
+            <a:r>
+              <a:rPr kumimoji="1" lang="ko-KR" altLang="en-US" dirty="0"/>
+              <a:t> 및 미세먼지 관련 상품을    </a:t>
+            </a:r>
+          </a:p>
+          <a:p>
+            <a:endParaRPr lang="ko-KR" altLang="en-US" dirty="0"/>
+          </a:p>
+        </p:txBody>
+      </p:sp>
     </p:spTree>
     <p:extLst>
       <p:ext uri="{BB962C8B-B14F-4D97-AF65-F5344CB8AC3E}">
@@ -3378,7 +3395,7 @@
           <p:cNvPr id="2" name="제목 1">
             <a:extLst>
               <a:ext uri="{FF2B5EF4-FFF2-40B4-BE49-F238E27FC236}">
-                <a16:creationId xmlns:a16="http://schemas.microsoft.com/office/drawing/2014/main" xmlns="" id="{A616ACF8-0967-254E-9A89-A97507292D4D}"/>
+                <a16:creationId xmlns:a16="http://schemas.microsoft.com/office/drawing/2014/main" id="{EF576D8A-B103-0E45-A634-347814ED63BC}"/>
               </a:ext>
             </a:extLst>
           </p:cNvPr>
@@ -3394,125 +3411,85 @@
           <a:bodyPr/>
           <a:lstStyle/>
           <a:p>
-            <a:r>
-              <a:rPr kumimoji="1" lang="ko-KR" altLang="en-US" dirty="0"/>
-              <a:t>핵심 경쟁력</a:t>
-            </a:r>
-          </a:p>
-        </p:txBody>
-      </p:sp>
-      <p:sp>
-        <p:nvSpPr>
-          <p:cNvPr id="3" name="내용 개체 틀 2">
+            <a:endParaRPr kumimoji="1" lang="ko-KR" altLang="en-US"/>
+          </a:p>
+        </p:txBody>
+      </p:sp>
+      <p:pic>
+        <p:nvPicPr>
+          <p:cNvPr id="4" name="내용 개체 틀 4" descr="스크린샷이(가) 표시된 사진&#10;&#10;&#10;&#10;자동 생성된 설명">
             <a:extLst>
               <a:ext uri="{FF2B5EF4-FFF2-40B4-BE49-F238E27FC236}">
-                <a16:creationId xmlns:a16="http://schemas.microsoft.com/office/drawing/2014/main" xmlns="" id="{A9EE0F75-50A2-D04C-82B0-482E543CA08F}"/>
+                <a16:creationId xmlns:a16="http://schemas.microsoft.com/office/drawing/2014/main" id="{4FB8F59F-F36C-F342-96BA-50436123DF4C}"/>
               </a:ext>
             </a:extLst>
           </p:cNvPr>
-          <p:cNvSpPr>
-            <a:spLocks noGrp="1"/>
-          </p:cNvSpPr>
+          <p:cNvPicPr>
+            <a:picLocks noGrp="1" noChangeAspect="1"/>
+          </p:cNvPicPr>
           <p:nvPr>
             <p:ph idx="1"/>
           </p:nvPr>
-        </p:nvSpPr>
-        <p:spPr/>
-        <p:txBody>
-          <a:bodyPr/>
-          <a:lstStyle/>
-          <a:p>
-            <a:r>
-              <a:rPr kumimoji="1" lang="ko-KR" altLang="en-US" smtClean="0"/>
-              <a:t>여기에 </a:t>
-            </a:r>
-            <a:r>
-              <a:rPr kumimoji="1" lang="ko-KR" altLang="en-US" dirty="0"/>
-              <a:t>제휴업체 소개</a:t>
-            </a:r>
-            <a:r>
-              <a:rPr kumimoji="1" lang="en-US" altLang="ko-KR" dirty="0"/>
-              <a:t>(</a:t>
-            </a:r>
-            <a:r>
-              <a:rPr kumimoji="1" lang="ko-KR" altLang="en-US" dirty="0"/>
-              <a:t>이익창출을 목적으로 하되 </a:t>
-            </a:r>
-            <a:r>
-              <a:rPr kumimoji="1" lang="ko-KR" altLang="en-US" dirty="0" err="1"/>
-              <a:t>알람</a:t>
-            </a:r>
-            <a:r>
-              <a:rPr kumimoji="1" lang="ko-KR" altLang="en-US" dirty="0"/>
-              <a:t> 기능을 하는 걸로 </a:t>
-            </a:r>
-            <a:r>
-              <a:rPr kumimoji="1" lang="en-US" altLang="ko-KR" dirty="0"/>
-              <a:t>)</a:t>
-            </a:r>
-          </a:p>
-          <a:p>
-            <a:r>
-              <a:rPr kumimoji="1" lang="ko-KR" altLang="en-US" dirty="0"/>
-              <a:t>이익 창출 방법</a:t>
-            </a:r>
-            <a:r>
-              <a:rPr kumimoji="1" lang="en-US" altLang="ko-KR" dirty="0"/>
-              <a:t>- </a:t>
-            </a:r>
-            <a:r>
-              <a:rPr kumimoji="1" lang="ko-KR" altLang="en-US" dirty="0"/>
-              <a:t>㈜마스크</a:t>
-            </a:r>
-            <a:endParaRPr kumimoji="1" lang="en-US" altLang="ko-KR" dirty="0"/>
-          </a:p>
-          <a:p>
-            <a:pPr marL="0" indent="0">
-              <a:buNone/>
-            </a:pPr>
-            <a:r>
-              <a:rPr kumimoji="1" lang="en-US" altLang="ko-KR" dirty="0"/>
-              <a:t>                     - (</a:t>
-            </a:r>
-            <a:r>
-              <a:rPr kumimoji="1" lang="ko-KR" altLang="en-US" dirty="0"/>
-              <a:t>부</a:t>
-            </a:r>
-            <a:r>
-              <a:rPr kumimoji="1" lang="en-US" altLang="ko-KR" dirty="0"/>
-              <a:t>)</a:t>
-            </a:r>
-            <a:r>
-              <a:rPr kumimoji="1" lang="ko-KR" altLang="en-US" dirty="0"/>
-              <a:t>화장품</a:t>
-            </a:r>
-            <a:r>
-              <a:rPr kumimoji="1" lang="en-US" altLang="ko-KR" dirty="0"/>
-              <a:t>, </a:t>
-            </a:r>
-            <a:r>
-              <a:rPr kumimoji="1" lang="ko-KR" altLang="en-US" dirty="0"/>
-              <a:t>공기청정기</a:t>
-            </a:r>
-            <a:r>
-              <a:rPr kumimoji="1" lang="en-US" altLang="ko-KR" dirty="0"/>
-              <a:t>,</a:t>
-            </a:r>
-            <a:r>
-              <a:rPr kumimoji="1" lang="ko-KR" altLang="en-US" dirty="0"/>
-              <a:t>음식</a:t>
-            </a:r>
-            <a:endParaRPr kumimoji="1" lang="en-US" altLang="ko-KR" dirty="0"/>
-          </a:p>
-          <a:p>
-            <a:endParaRPr kumimoji="1" lang="ko-KR" altLang="en-US" dirty="0"/>
-          </a:p>
-        </p:txBody>
-      </p:sp>
+        </p:nvPicPr>
+        <p:blipFill>
+          <a:blip r:embed="rId2">
+            <a:extLst>
+              <a:ext uri="{28A0092B-C50C-407E-A947-70E740481C1C}">
+                <a14:useLocalDpi xmlns:a14="http://schemas.microsoft.com/office/drawing/2010/main" val="0"/>
+              </a:ext>
+            </a:extLst>
+          </a:blip>
+          <a:stretch>
+            <a:fillRect/>
+          </a:stretch>
+        </p:blipFill>
+        <p:spPr>
+          <a:xfrm>
+            <a:off x="755576" y="1916832"/>
+            <a:ext cx="1524000" cy="2336800"/>
+          </a:xfrm>
+        </p:spPr>
+      </p:pic>
+      <p:pic>
+        <p:nvPicPr>
+          <p:cNvPr id="6" name="그림 5" descr="스크린샷이(가) 표시된 사진&#10;&#10;&#10;&#10;자동 생성된 설명">
+            <a:extLst>
+              <a:ext uri="{FF2B5EF4-FFF2-40B4-BE49-F238E27FC236}">
+                <a16:creationId xmlns:a16="http://schemas.microsoft.com/office/drawing/2014/main" id="{FF4CAC17-799B-734B-A9DA-34A31AE2FD3A}"/>
+              </a:ext>
+            </a:extLst>
+          </p:cNvPr>
+          <p:cNvPicPr>
+            <a:picLocks noChangeAspect="1"/>
+          </p:cNvPicPr>
+          <p:nvPr/>
+        </p:nvPicPr>
+        <p:blipFill>
+          <a:blip r:embed="rId3">
+            <a:extLst>
+              <a:ext uri="{28A0092B-C50C-407E-A947-70E740481C1C}">
+                <a14:useLocalDpi xmlns:a14="http://schemas.microsoft.com/office/drawing/2010/main" val="0"/>
+              </a:ext>
+            </a:extLst>
+          </a:blip>
+          <a:stretch>
+            <a:fillRect/>
+          </a:stretch>
+        </p:blipFill>
+        <p:spPr>
+          <a:xfrm>
+            <a:off x="2771800" y="1916832"/>
+            <a:ext cx="1524000" cy="2336800"/>
+          </a:xfrm>
+          <a:prstGeom prst="rect">
+            <a:avLst/>
+          </a:prstGeom>
+        </p:spPr>
+      </p:pic>
     </p:spTree>
     <p:extLst>
       <p:ext uri="{BB962C8B-B14F-4D97-AF65-F5344CB8AC3E}">
-        <p14:creationId xmlns:p14="http://schemas.microsoft.com/office/powerpoint/2010/main" val="1092442487"/>
+        <p14:creationId xmlns:p14="http://schemas.microsoft.com/office/powerpoint/2010/main" val="955089157"/>
       </p:ext>
     </p:extLst>
   </p:cSld>
@@ -3544,7 +3521,7 @@
           <p:cNvPr id="2" name="제목 1">
             <a:extLst>
               <a:ext uri="{FF2B5EF4-FFF2-40B4-BE49-F238E27FC236}">
-                <a16:creationId xmlns:a16="http://schemas.microsoft.com/office/drawing/2014/main" xmlns="" id="{3409D811-9620-E144-9E2D-42A6803A50B0}"/>
+                <a16:creationId xmlns:a16="http://schemas.microsoft.com/office/drawing/2014/main" id="{A616ACF8-0967-254E-9A89-A97507292D4D}"/>
               </a:ext>
             </a:extLst>
           </p:cNvPr>
@@ -3562,7 +3539,7 @@
           <a:p>
             <a:r>
               <a:rPr kumimoji="1" lang="ko-KR" altLang="en-US" dirty="0"/>
-              <a:t>팀원 소개</a:t>
+              <a:t>핵심 경쟁력</a:t>
             </a:r>
           </a:p>
         </p:txBody>
@@ -3572,7 +3549,7 @@
           <p:cNvPr id="3" name="내용 개체 틀 2">
             <a:extLst>
               <a:ext uri="{FF2B5EF4-FFF2-40B4-BE49-F238E27FC236}">
-                <a16:creationId xmlns:a16="http://schemas.microsoft.com/office/drawing/2014/main" xmlns="" id="{393D240D-69BC-C24F-B228-B79939338B18}"/>
+                <a16:creationId xmlns:a16="http://schemas.microsoft.com/office/drawing/2014/main" id="{A9EE0F75-50A2-D04C-82B0-482E543CA08F}"/>
               </a:ext>
             </a:extLst>
           </p:cNvPr>
@@ -3589,8 +3566,46 @@
           <a:lstStyle/>
           <a:p>
             <a:r>
+              <a:rPr kumimoji="1" lang="ko-KR" altLang="en-US"/>
+              <a:t>여기에 </a:t>
+            </a:r>
+            <a:r>
               <a:rPr kumimoji="1" lang="ko-KR" altLang="en-US" dirty="0"/>
-              <a:t>조장</a:t>
+              <a:t>제휴업체 소개</a:t>
+            </a:r>
+            <a:r>
+              <a:rPr kumimoji="1" lang="en-US" altLang="ko-KR" dirty="0"/>
+              <a:t>(</a:t>
+            </a:r>
+            <a:r>
+              <a:rPr kumimoji="1" lang="ko-KR" altLang="en-US" dirty="0"/>
+              <a:t>이익창출을 목적으로 하되 </a:t>
+            </a:r>
+            <a:r>
+              <a:rPr kumimoji="1" lang="ko-KR" altLang="en-US" dirty="0" err="1"/>
+              <a:t>알람</a:t>
+            </a:r>
+            <a:r>
+              <a:rPr kumimoji="1" lang="ko-KR" altLang="en-US" dirty="0"/>
+              <a:t> 기능을 하는 걸로 </a:t>
+            </a:r>
+            <a:r>
+              <a:rPr kumimoji="1" lang="en-US" altLang="ko-KR" dirty="0"/>
+              <a:t>)</a:t>
+            </a:r>
+          </a:p>
+          <a:p>
+            <a:r>
+              <a:rPr kumimoji="1" lang="ko-KR" altLang="en-US" dirty="0"/>
+              <a:t>이익 창출 방법</a:t>
+            </a:r>
+            <a:r>
+              <a:rPr kumimoji="1" lang="en-US" altLang="ko-KR" dirty="0"/>
+              <a:t>- </a:t>
+            </a:r>
+            <a:r>
+              <a:rPr kumimoji="1" lang="ko-KR" altLang="en-US" dirty="0"/>
+              <a:t>㈜마스크</a:t>
             </a:r>
             <a:endParaRPr kumimoji="1" lang="en-US" altLang="ko-KR" dirty="0"/>
           </a:p>
@@ -3598,14 +3613,49 @@
             <a:pPr marL="0" indent="0">
               <a:buNone/>
             </a:pPr>
+            <a:r>
+              <a:rPr kumimoji="1" lang="en-US" altLang="ko-KR" dirty="0"/>
+              <a:t>                     - (</a:t>
+            </a:r>
+            <a:r>
+              <a:rPr kumimoji="1" lang="ko-KR" altLang="en-US" dirty="0"/>
+              <a:t>부</a:t>
+            </a:r>
+            <a:r>
+              <a:rPr kumimoji="1" lang="en-US" altLang="ko-KR" dirty="0"/>
+              <a:t>)</a:t>
+            </a:r>
+            <a:r>
+              <a:rPr kumimoji="1" lang="ko-KR" altLang="en-US" dirty="0"/>
+              <a:t>화장품</a:t>
+            </a:r>
+            <a:r>
+              <a:rPr kumimoji="1" lang="en-US" altLang="ko-KR" dirty="0"/>
+              <a:t>, </a:t>
+            </a:r>
+            <a:r>
+              <a:rPr kumimoji="1" lang="ko-KR" altLang="en-US" dirty="0"/>
+              <a:t>공기청정기</a:t>
+            </a:r>
+            <a:r>
+              <a:rPr kumimoji="1" lang="en-US" altLang="ko-KR" dirty="0"/>
+              <a:t>,</a:t>
+            </a:r>
+            <a:r>
+              <a:rPr kumimoji="1" lang="ko-KR" altLang="en-US" dirty="0"/>
+              <a:t>음식</a:t>
+            </a:r>
             <a:endParaRPr kumimoji="1" lang="en-US" altLang="ko-KR" dirty="0"/>
+          </a:p>
+          <a:p>
+            <a:endParaRPr kumimoji="1" lang="ko-KR" altLang="en-US" dirty="0"/>
           </a:p>
         </p:txBody>
       </p:sp>
     </p:spTree>
     <p:extLst>
       <p:ext uri="{BB962C8B-B14F-4D97-AF65-F5344CB8AC3E}">
-        <p14:creationId xmlns:p14="http://schemas.microsoft.com/office/powerpoint/2010/main" val="1602398143"/>
+        <p14:creationId xmlns:p14="http://schemas.microsoft.com/office/powerpoint/2010/main" val="1092442487"/>
       </p:ext>
     </p:extLst>
   </p:cSld>
@@ -3637,7 +3687,7 @@
           <p:cNvPr id="2" name="제목 1">
             <a:extLst>
               <a:ext uri="{FF2B5EF4-FFF2-40B4-BE49-F238E27FC236}">
-                <a16:creationId xmlns:a16="http://schemas.microsoft.com/office/drawing/2014/main" xmlns="" id="{28F98C9A-6B41-9E48-9587-94770AFED79E}"/>
+                <a16:creationId xmlns:a16="http://schemas.microsoft.com/office/drawing/2014/main" id="{3409D811-9620-E144-9E2D-42A6803A50B0}"/>
               </a:ext>
             </a:extLst>
           </p:cNvPr>
@@ -3655,15 +3705,7 @@
           <a:p>
             <a:r>
               <a:rPr kumimoji="1" lang="ko-KR" altLang="en-US" dirty="0"/>
-              <a:t>시장</a:t>
-            </a:r>
-            <a:r>
-              <a:rPr kumimoji="1" lang="en-US" altLang="ko-KR" dirty="0"/>
-              <a:t>/</a:t>
-            </a:r>
-            <a:r>
-              <a:rPr kumimoji="1" lang="ko-KR" altLang="en-US" dirty="0"/>
-              <a:t>경쟁 분석</a:t>
+              <a:t>팀원 소개</a:t>
             </a:r>
           </a:p>
         </p:txBody>
@@ -3673,7 +3715,7 @@
           <p:cNvPr id="3" name="내용 개체 틀 2">
             <a:extLst>
               <a:ext uri="{FF2B5EF4-FFF2-40B4-BE49-F238E27FC236}">
-                <a16:creationId xmlns:a16="http://schemas.microsoft.com/office/drawing/2014/main" xmlns="" id="{E883A23E-B406-1348-839E-7F8B6950D10E}"/>
+                <a16:creationId xmlns:a16="http://schemas.microsoft.com/office/drawing/2014/main" id="{393D240D-69BC-C24F-B228-B79939338B18}"/>
               </a:ext>
             </a:extLst>
           </p:cNvPr>
@@ -3690,81 +3732,23 @@
           <a:lstStyle/>
           <a:p>
             <a:r>
-              <a:rPr kumimoji="1" lang="en" altLang="ko-KR" dirty="0"/>
-              <a:t>research</a:t>
-            </a:r>
-            <a:r>
-              <a:rPr kumimoji="1" lang="ko-KR" altLang="en-US" dirty="0" err="1"/>
-              <a:t>를</a:t>
-            </a:r>
-            <a:r>
               <a:rPr kumimoji="1" lang="ko-KR" altLang="en-US" dirty="0"/>
-              <a:t> 해서 공급 업체 중에서도 메이저로 할 거냐 마이너로 할 거냐</a:t>
-            </a:r>
-          </a:p>
-          <a:p>
-            <a:r>
-              <a:rPr kumimoji="1" lang="en-US" altLang="ko-KR" dirty="0"/>
-              <a:t>1. </a:t>
-            </a:r>
-            <a:r>
-              <a:rPr kumimoji="1" lang="ko-KR" altLang="en-US" dirty="0"/>
-              <a:t>기성 업체</a:t>
-            </a:r>
-            <a:r>
-              <a:rPr kumimoji="1" lang="en-US" altLang="ko-KR" dirty="0"/>
-              <a:t>(</a:t>
-            </a:r>
-            <a:r>
-              <a:rPr kumimoji="1" lang="ko-KR" altLang="en-US" dirty="0"/>
-              <a:t>있는 것을 홍보하거나 정보를 알려주는 것</a:t>
-            </a:r>
-            <a:r>
-              <a:rPr kumimoji="1" lang="en-US" altLang="ko-KR" dirty="0"/>
-              <a:t>)</a:t>
-            </a:r>
-          </a:p>
-          <a:p>
-            <a:r>
-              <a:rPr kumimoji="1" lang="en-US" altLang="ko-KR" dirty="0"/>
-              <a:t>2. </a:t>
-            </a:r>
-            <a:r>
-              <a:rPr kumimoji="1" lang="ko-KR" altLang="en-US" dirty="0"/>
-              <a:t>서비스화</a:t>
-            </a:r>
-            <a:r>
-              <a:rPr kumimoji="1" lang="en-US" altLang="ko-KR" dirty="0"/>
-              <a:t>(</a:t>
-            </a:r>
-            <a:r>
-              <a:rPr kumimoji="1" lang="ko-KR" altLang="en-US" dirty="0"/>
-              <a:t>다른 차원으로 넘어가는 것</a:t>
-            </a:r>
-            <a:r>
-              <a:rPr kumimoji="1" lang="en-US" altLang="ko-KR" dirty="0"/>
-              <a:t>)(</a:t>
-            </a:r>
-            <a:r>
-              <a:rPr kumimoji="1" lang="en" altLang="ko-KR" dirty="0"/>
-              <a:t>ex : </a:t>
-            </a:r>
-            <a:r>
-              <a:rPr kumimoji="1" lang="ko-KR" altLang="en-US" dirty="0"/>
-              <a:t>정기 배송 등</a:t>
-            </a:r>
-            <a:r>
-              <a:rPr kumimoji="1" lang="en-US" altLang="ko-KR" dirty="0"/>
-              <a:t>)</a:t>
-            </a:r>
-            <a:endParaRPr kumimoji="1" lang="ko-KR" altLang="en-US" dirty="0"/>
+              <a:t>조장</a:t>
+            </a:r>
+            <a:endParaRPr kumimoji="1" lang="en-US" altLang="ko-KR" dirty="0"/>
+          </a:p>
+          <a:p>
+            <a:pPr marL="0" indent="0">
+              <a:buNone/>
+            </a:pPr>
+            <a:endParaRPr kumimoji="1" lang="en-US" altLang="ko-KR" dirty="0"/>
           </a:p>
         </p:txBody>
       </p:sp>
     </p:spTree>
     <p:extLst>
       <p:ext uri="{BB962C8B-B14F-4D97-AF65-F5344CB8AC3E}">
-        <p14:creationId xmlns:p14="http://schemas.microsoft.com/office/powerpoint/2010/main" val="4222687490"/>
+        <p14:creationId xmlns:p14="http://schemas.microsoft.com/office/powerpoint/2010/main" val="1602398143"/>
       </p:ext>
     </p:extLst>
   </p:cSld>
@@ -3796,7 +3780,7 @@
           <p:cNvPr id="2" name="제목 1">
             <a:extLst>
               <a:ext uri="{FF2B5EF4-FFF2-40B4-BE49-F238E27FC236}">
-                <a16:creationId xmlns:a16="http://schemas.microsoft.com/office/drawing/2014/main" xmlns="" id="{9C508281-2DF6-3F4B-B03E-499380C0C441}"/>
+                <a16:creationId xmlns:a16="http://schemas.microsoft.com/office/drawing/2014/main" id="{28F98C9A-6B41-9E48-9587-94770AFED79E}"/>
               </a:ext>
             </a:extLst>
           </p:cNvPr>
@@ -3814,7 +3798,15 @@
           <a:p>
             <a:r>
               <a:rPr kumimoji="1" lang="ko-KR" altLang="en-US" dirty="0"/>
-              <a:t>질의응답</a:t>
+              <a:t>시장</a:t>
+            </a:r>
+            <a:r>
+              <a:rPr kumimoji="1" lang="en-US" altLang="ko-KR" dirty="0"/>
+              <a:t>/</a:t>
+            </a:r>
+            <a:r>
+              <a:rPr kumimoji="1" lang="ko-KR" altLang="en-US" dirty="0"/>
+              <a:t>경쟁 분석</a:t>
             </a:r>
           </a:p>
         </p:txBody>
@@ -3824,7 +3816,7 @@
           <p:cNvPr id="3" name="내용 개체 틀 2">
             <a:extLst>
               <a:ext uri="{FF2B5EF4-FFF2-40B4-BE49-F238E27FC236}">
-                <a16:creationId xmlns:a16="http://schemas.microsoft.com/office/drawing/2014/main" xmlns="" id="{C088C665-85BA-2947-B1EE-D2C597E1ADDB}"/>
+                <a16:creationId xmlns:a16="http://schemas.microsoft.com/office/drawing/2014/main" id="{E883A23E-B406-1348-839E-7F8B6950D10E}"/>
               </a:ext>
             </a:extLst>
           </p:cNvPr>
@@ -3840,6 +3832,74 @@
           <a:bodyPr/>
           <a:lstStyle/>
           <a:p>
+            <a:r>
+              <a:rPr kumimoji="1" lang="en" altLang="ko-KR" dirty="0"/>
+              <a:t>research</a:t>
+            </a:r>
+            <a:r>
+              <a:rPr kumimoji="1" lang="ko-KR" altLang="en-US" dirty="0" err="1"/>
+              <a:t>를</a:t>
+            </a:r>
+            <a:r>
+              <a:rPr kumimoji="1" lang="ko-KR" altLang="en-US" dirty="0"/>
+              <a:t> 해서 공급 업체 중에서도 메이저로 할 거냐 마이너로 할 거냐</a:t>
+            </a:r>
+          </a:p>
+          <a:p>
+            <a:r>
+              <a:rPr kumimoji="1" lang="en-US" altLang="ko-KR" dirty="0"/>
+              <a:t>1. </a:t>
+            </a:r>
+            <a:r>
+              <a:rPr kumimoji="1" lang="ko-KR" altLang="en-US" dirty="0"/>
+              <a:t>기성 업체</a:t>
+            </a:r>
+            <a:r>
+              <a:rPr kumimoji="1" lang="en-US" altLang="ko-KR" dirty="0"/>
+              <a:t>(</a:t>
+            </a:r>
+            <a:r>
+              <a:rPr kumimoji="1" lang="ko-KR" altLang="en-US" dirty="0"/>
+              <a:t>있는 것을 홍보하거나 정보를 알려주는 것</a:t>
+            </a:r>
+            <a:r>
+              <a:rPr kumimoji="1" lang="en-US" altLang="ko-KR" dirty="0"/>
+              <a:t>)</a:t>
+            </a:r>
+          </a:p>
+          <a:p>
+            <a:r>
+              <a:rPr kumimoji="1" lang="en-US" altLang="ko-KR" dirty="0"/>
+              <a:t>2. </a:t>
+            </a:r>
+            <a:r>
+              <a:rPr kumimoji="1" lang="ko-KR" altLang="en-US" dirty="0"/>
+              <a:t>서비스화</a:t>
+            </a:r>
+            <a:r>
+              <a:rPr kumimoji="1" lang="en-US" altLang="ko-KR" dirty="0"/>
+              <a:t>(</a:t>
+            </a:r>
+            <a:r>
+              <a:rPr kumimoji="1" lang="ko-KR" altLang="en-US" dirty="0"/>
+              <a:t>다른 차원으로 넘어가는 것</a:t>
+            </a:r>
+            <a:r>
+              <a:rPr kumimoji="1" lang="en-US" altLang="ko-KR" dirty="0"/>
+              <a:t>)(</a:t>
+            </a:r>
+            <a:r>
+              <a:rPr kumimoji="1" lang="en" altLang="ko-KR" dirty="0"/>
+              <a:t>ex : </a:t>
+            </a:r>
+            <a:r>
+              <a:rPr kumimoji="1" lang="ko-KR" altLang="en-US" dirty="0"/>
+              <a:t>정기 배송 등</a:t>
+            </a:r>
+            <a:r>
+              <a:rPr kumimoji="1" lang="en-US" altLang="ko-KR" dirty="0"/>
+              <a:t>)</a:t>
+            </a:r>
             <a:endParaRPr kumimoji="1" lang="ko-KR" altLang="en-US" dirty="0"/>
           </a:p>
         </p:txBody>
@@ -3847,7 +3907,7 @@
     </p:spTree>
     <p:extLst>
       <p:ext uri="{BB962C8B-B14F-4D97-AF65-F5344CB8AC3E}">
-        <p14:creationId xmlns:p14="http://schemas.microsoft.com/office/powerpoint/2010/main" val="1759387882"/>
+        <p14:creationId xmlns:p14="http://schemas.microsoft.com/office/powerpoint/2010/main" val="4222687490"/>
       </p:ext>
     </p:extLst>
   </p:cSld>
@@ -3876,10 +3936,93 @@
       </p:grpSpPr>
       <p:sp>
         <p:nvSpPr>
+          <p:cNvPr id="2" name="제목 1">
+            <a:extLst>
+              <a:ext uri="{FF2B5EF4-FFF2-40B4-BE49-F238E27FC236}">
+                <a16:creationId xmlns:a16="http://schemas.microsoft.com/office/drawing/2014/main" id="{9C508281-2DF6-3F4B-B03E-499380C0C441}"/>
+              </a:ext>
+            </a:extLst>
+          </p:cNvPr>
+          <p:cNvSpPr>
+            <a:spLocks noGrp="1"/>
+          </p:cNvSpPr>
+          <p:nvPr>
+            <p:ph type="title"/>
+          </p:nvPr>
+        </p:nvSpPr>
+        <p:spPr/>
+        <p:txBody>
+          <a:bodyPr/>
+          <a:lstStyle/>
+          <a:p>
+            <a:r>
+              <a:rPr kumimoji="1" lang="ko-KR" altLang="en-US" dirty="0"/>
+              <a:t>질의응답</a:t>
+            </a:r>
+          </a:p>
+        </p:txBody>
+      </p:sp>
+      <p:sp>
+        <p:nvSpPr>
           <p:cNvPr id="3" name="내용 개체 틀 2">
             <a:extLst>
               <a:ext uri="{FF2B5EF4-FFF2-40B4-BE49-F238E27FC236}">
-                <a16:creationId xmlns:a16="http://schemas.microsoft.com/office/drawing/2014/main" xmlns="" id="{6F98B7E9-F878-0E42-A16C-75C889AFE0CE}"/>
+                <a16:creationId xmlns:a16="http://schemas.microsoft.com/office/drawing/2014/main" id="{C088C665-85BA-2947-B1EE-D2C597E1ADDB}"/>
+              </a:ext>
+            </a:extLst>
+          </p:cNvPr>
+          <p:cNvSpPr>
+            <a:spLocks noGrp="1"/>
+          </p:cNvSpPr>
+          <p:nvPr>
+            <p:ph idx="1"/>
+          </p:nvPr>
+        </p:nvSpPr>
+        <p:spPr/>
+        <p:txBody>
+          <a:bodyPr/>
+          <a:lstStyle/>
+          <a:p>
+            <a:endParaRPr kumimoji="1" lang="ko-KR" altLang="en-US" dirty="0"/>
+          </a:p>
+        </p:txBody>
+      </p:sp>
+    </p:spTree>
+    <p:extLst>
+      <p:ext uri="{BB962C8B-B14F-4D97-AF65-F5344CB8AC3E}">
+        <p14:creationId xmlns:p14="http://schemas.microsoft.com/office/powerpoint/2010/main" val="1759387882"/>
+      </p:ext>
+    </p:extLst>
+  </p:cSld>
+  <p:clrMapOvr>
+    <a:masterClrMapping/>
+  </p:clrMapOvr>
+</p:sld>
+</file>
+
+<file path=ppt/slides/slide9.xml><?xml version="1.0" encoding="utf-8"?>
+<p:sld xmlns:a="http://schemas.openxmlformats.org/drawingml/2006/main" xmlns:r="http://schemas.openxmlformats.org/officeDocument/2006/relationships" xmlns:p="http://schemas.openxmlformats.org/presentationml/2006/main">
+  <p:cSld>
+    <p:spTree>
+      <p:nvGrpSpPr>
+        <p:cNvPr id="1" name=""/>
+        <p:cNvGrpSpPr/>
+        <p:nvPr/>
+      </p:nvGrpSpPr>
+      <p:grpSpPr>
+        <a:xfrm>
+          <a:off x="0" y="0"/>
+          <a:ext cx="0" cy="0"/>
+          <a:chOff x="0" y="0"/>
+          <a:chExt cx="0" cy="0"/>
+        </a:xfrm>
+      </p:grpSpPr>
+      <p:sp>
+        <p:nvSpPr>
+          <p:cNvPr id="3" name="내용 개체 틀 2">
+            <a:extLst>
+              <a:ext uri="{FF2B5EF4-FFF2-40B4-BE49-F238E27FC236}">
+                <a16:creationId xmlns:a16="http://schemas.microsoft.com/office/drawing/2014/main" id="{6F98B7E9-F878-0E42-A16C-75C889AFE0CE}"/>
               </a:ext>
             </a:extLst>
           </p:cNvPr>

--- a/ideatoneppt.pptx
+++ b/ideatoneppt.pptx
@@ -4,16 +4,20 @@
   <p:sldMasterIdLst>
     <p:sldMasterId id="2147483648" r:id="rId1"/>
   </p:sldMasterIdLst>
+  <p:notesMasterIdLst>
+    <p:notesMasterId r:id="rId12"/>
+  </p:notesMasterIdLst>
   <p:sldIdLst>
-    <p:sldId id="256" r:id="rId2"/>
-    <p:sldId id="257" r:id="rId3"/>
-    <p:sldId id="260" r:id="rId4"/>
-    <p:sldId id="265" r:id="rId5"/>
-    <p:sldId id="261" r:id="rId6"/>
-    <p:sldId id="258" r:id="rId7"/>
-    <p:sldId id="262" r:id="rId8"/>
-    <p:sldId id="263" r:id="rId9"/>
-    <p:sldId id="264" r:id="rId10"/>
+    <p:sldId id="266" r:id="rId2"/>
+    <p:sldId id="256" r:id="rId3"/>
+    <p:sldId id="257" r:id="rId4"/>
+    <p:sldId id="260" r:id="rId5"/>
+    <p:sldId id="265" r:id="rId6"/>
+    <p:sldId id="261" r:id="rId7"/>
+    <p:sldId id="258" r:id="rId8"/>
+    <p:sldId id="262" r:id="rId9"/>
+    <p:sldId id="263" r:id="rId10"/>
+    <p:sldId id="264" r:id="rId11"/>
   </p:sldIdLst>
   <p:sldSz cx="9144000" cy="6858000" type="screen4x3"/>
   <p:notesSz cx="6858000" cy="9144000"/>
@@ -129,6 +133,418 @@
     </p:ext>
   </p:extLst>
 </p:presentation>
+</file>
+
+<file path=ppt/notesMasters/notesMaster1.xml><?xml version="1.0" encoding="utf-8"?>
+<p:notesMaster xmlns:a="http://schemas.openxmlformats.org/drawingml/2006/main" xmlns:r="http://schemas.openxmlformats.org/officeDocument/2006/relationships" xmlns:p="http://schemas.openxmlformats.org/presentationml/2006/main">
+  <p:cSld>
+    <p:bg>
+      <p:bgRef idx="1001">
+        <a:schemeClr val="bg1"/>
+      </p:bgRef>
+    </p:bg>
+    <p:spTree>
+      <p:nvGrpSpPr>
+        <p:cNvPr id="1" name=""/>
+        <p:cNvGrpSpPr/>
+        <p:nvPr/>
+      </p:nvGrpSpPr>
+      <p:grpSpPr>
+        <a:xfrm>
+          <a:off x="0" y="0"/>
+          <a:ext cx="0" cy="0"/>
+          <a:chOff x="0" y="0"/>
+          <a:chExt cx="0" cy="0"/>
+        </a:xfrm>
+      </p:grpSpPr>
+      <p:sp>
+        <p:nvSpPr>
+          <p:cNvPr id="2" name="머리글 개체 틀 1"/>
+          <p:cNvSpPr>
+            <a:spLocks noGrp="1"/>
+          </p:cNvSpPr>
+          <p:nvPr>
+            <p:ph type="hdr" sz="quarter"/>
+          </p:nvPr>
+        </p:nvSpPr>
+        <p:spPr>
+          <a:xfrm>
+            <a:off x="0" y="0"/>
+            <a:ext cx="2971800" cy="458788"/>
+          </a:xfrm>
+          <a:prstGeom prst="rect">
+            <a:avLst/>
+          </a:prstGeom>
+        </p:spPr>
+        <p:txBody>
+          <a:bodyPr vert="horz" lIns="91440" tIns="45720" rIns="91440" bIns="45720" rtlCol="0"/>
+          <a:lstStyle>
+            <a:lvl1pPr algn="l">
+              <a:defRPr sz="1200"/>
+            </a:lvl1pPr>
+          </a:lstStyle>
+          <a:p>
+            <a:endParaRPr kumimoji="1" lang="ko-KR" altLang="en-US"/>
+          </a:p>
+        </p:txBody>
+      </p:sp>
+      <p:sp>
+        <p:nvSpPr>
+          <p:cNvPr id="3" name="날짜 개체 틀 2"/>
+          <p:cNvSpPr>
+            <a:spLocks noGrp="1"/>
+          </p:cNvSpPr>
+          <p:nvPr>
+            <p:ph type="dt" idx="1"/>
+          </p:nvPr>
+        </p:nvSpPr>
+        <p:spPr>
+          <a:xfrm>
+            <a:off x="3884613" y="0"/>
+            <a:ext cx="2971800" cy="458788"/>
+          </a:xfrm>
+          <a:prstGeom prst="rect">
+            <a:avLst/>
+          </a:prstGeom>
+        </p:spPr>
+        <p:txBody>
+          <a:bodyPr vert="horz" lIns="91440" tIns="45720" rIns="91440" bIns="45720" rtlCol="0"/>
+          <a:lstStyle>
+            <a:lvl1pPr algn="r">
+              <a:defRPr sz="1200"/>
+            </a:lvl1pPr>
+          </a:lstStyle>
+          <a:p>
+            <a:fld id="{A6C8F092-C767-FC4F-B808-83A348BB618C}" type="datetimeFigureOut">
+              <a:rPr kumimoji="1" lang="ko-KR" altLang="en-US" smtClean="0"/>
+              <a:t>2018. 11. 10.</a:t>
+            </a:fld>
+            <a:endParaRPr kumimoji="1" lang="ko-KR" altLang="en-US"/>
+          </a:p>
+        </p:txBody>
+      </p:sp>
+      <p:sp>
+        <p:nvSpPr>
+          <p:cNvPr id="4" name="슬라이드 이미지 개체 틀 3"/>
+          <p:cNvSpPr>
+            <a:spLocks noGrp="1" noRot="1" noChangeAspect="1"/>
+          </p:cNvSpPr>
+          <p:nvPr>
+            <p:ph type="sldImg" idx="2"/>
+          </p:nvPr>
+        </p:nvSpPr>
+        <p:spPr>
+          <a:xfrm>
+            <a:off x="1371600" y="1143000"/>
+            <a:ext cx="4114800" cy="3086100"/>
+          </a:xfrm>
+          <a:prstGeom prst="rect">
+            <a:avLst/>
+          </a:prstGeom>
+          <a:noFill/>
+          <a:ln w="12700">
+            <a:solidFill>
+              <a:prstClr val="black"/>
+            </a:solidFill>
+          </a:ln>
+        </p:spPr>
+        <p:txBody>
+          <a:bodyPr vert="horz" lIns="91440" tIns="45720" rIns="91440" bIns="45720" rtlCol="0" anchor="ctr"/>
+          <a:lstStyle/>
+          <a:p>
+            <a:endParaRPr lang="ko-KR" altLang="en-US"/>
+          </a:p>
+        </p:txBody>
+      </p:sp>
+      <p:sp>
+        <p:nvSpPr>
+          <p:cNvPr id="5" name="슬라이드 노트 개체 틀 4"/>
+          <p:cNvSpPr>
+            <a:spLocks noGrp="1"/>
+          </p:cNvSpPr>
+          <p:nvPr>
+            <p:ph type="body" sz="quarter" idx="3"/>
+          </p:nvPr>
+        </p:nvSpPr>
+        <p:spPr>
+          <a:xfrm>
+            <a:off x="685800" y="4400550"/>
+            <a:ext cx="5486400" cy="3600450"/>
+          </a:xfrm>
+          <a:prstGeom prst="rect">
+            <a:avLst/>
+          </a:prstGeom>
+        </p:spPr>
+        <p:txBody>
+          <a:bodyPr vert="horz" lIns="91440" tIns="45720" rIns="91440" bIns="45720" rtlCol="0"/>
+          <a:lstStyle/>
+          <a:p>
+            <a:r>
+              <a:rPr kumimoji="1" lang="ko-KR" altLang="en-US"/>
+              <a:t>마스터 텍스트 스타일 편집
+둘째 수준
+셋째 수준
+넷째 수준
+다섯째 수준</a:t>
+            </a:r>
+          </a:p>
+        </p:txBody>
+      </p:sp>
+      <p:sp>
+        <p:nvSpPr>
+          <p:cNvPr id="6" name="바닥글 개체 틀 5"/>
+          <p:cNvSpPr>
+            <a:spLocks noGrp="1"/>
+          </p:cNvSpPr>
+          <p:nvPr>
+            <p:ph type="ftr" sz="quarter" idx="4"/>
+          </p:nvPr>
+        </p:nvSpPr>
+        <p:spPr>
+          <a:xfrm>
+            <a:off x="0" y="8685213"/>
+            <a:ext cx="2971800" cy="458787"/>
+          </a:xfrm>
+          <a:prstGeom prst="rect">
+            <a:avLst/>
+          </a:prstGeom>
+        </p:spPr>
+        <p:txBody>
+          <a:bodyPr vert="horz" lIns="91440" tIns="45720" rIns="91440" bIns="45720" rtlCol="0" anchor="b"/>
+          <a:lstStyle>
+            <a:lvl1pPr algn="l">
+              <a:defRPr sz="1200"/>
+            </a:lvl1pPr>
+          </a:lstStyle>
+          <a:p>
+            <a:endParaRPr kumimoji="1" lang="ko-KR" altLang="en-US"/>
+          </a:p>
+        </p:txBody>
+      </p:sp>
+      <p:sp>
+        <p:nvSpPr>
+          <p:cNvPr id="7" name="슬라이드 번호 개체 틀 6"/>
+          <p:cNvSpPr>
+            <a:spLocks noGrp="1"/>
+          </p:cNvSpPr>
+          <p:nvPr>
+            <p:ph type="sldNum" sz="quarter" idx="5"/>
+          </p:nvPr>
+        </p:nvSpPr>
+        <p:spPr>
+          <a:xfrm>
+            <a:off x="3884613" y="8685213"/>
+            <a:ext cx="2971800" cy="458787"/>
+          </a:xfrm>
+          <a:prstGeom prst="rect">
+            <a:avLst/>
+          </a:prstGeom>
+        </p:spPr>
+        <p:txBody>
+          <a:bodyPr vert="horz" lIns="91440" tIns="45720" rIns="91440" bIns="45720" rtlCol="0" anchor="b"/>
+          <a:lstStyle>
+            <a:lvl1pPr algn="r">
+              <a:defRPr sz="1200"/>
+            </a:lvl1pPr>
+          </a:lstStyle>
+          <a:p>
+            <a:fld id="{F769AE6D-0ADA-CF4D-9503-F3CACB96690B}" type="slidenum">
+              <a:rPr kumimoji="1" lang="ko-KR" altLang="en-US" smtClean="0"/>
+              <a:t>‹#›</a:t>
+            </a:fld>
+            <a:endParaRPr kumimoji="1" lang="ko-KR" altLang="en-US"/>
+          </a:p>
+        </p:txBody>
+      </p:sp>
+    </p:spTree>
+    <p:extLst>
+      <p:ext uri="{BB962C8B-B14F-4D97-AF65-F5344CB8AC3E}">
+        <p14:creationId xmlns:p14="http://schemas.microsoft.com/office/powerpoint/2010/main" val="565188555"/>
+      </p:ext>
+    </p:extLst>
+  </p:cSld>
+  <p:clrMap bg1="lt1" tx1="dk1" bg2="lt2" tx2="dk2" accent1="accent1" accent2="accent2" accent3="accent3" accent4="accent4" accent5="accent5" accent6="accent6" hlink="hlink" folHlink="folHlink"/>
+  <p:notesStyle>
+    <a:lvl1pPr marL="0" algn="l" defTabSz="914400" rtl="0" eaLnBrk="1" latinLnBrk="1" hangingPunct="1">
+      <a:defRPr sz="1200" kern="1200">
+        <a:solidFill>
+          <a:schemeClr val="tx1"/>
+        </a:solidFill>
+        <a:latin typeface="+mn-lt"/>
+        <a:ea typeface="+mn-ea"/>
+        <a:cs typeface="+mn-cs"/>
+      </a:defRPr>
+    </a:lvl1pPr>
+    <a:lvl2pPr marL="457200" algn="l" defTabSz="914400" rtl="0" eaLnBrk="1" latinLnBrk="1" hangingPunct="1">
+      <a:defRPr sz="1200" kern="1200">
+        <a:solidFill>
+          <a:schemeClr val="tx1"/>
+        </a:solidFill>
+        <a:latin typeface="+mn-lt"/>
+        <a:ea typeface="+mn-ea"/>
+        <a:cs typeface="+mn-cs"/>
+      </a:defRPr>
+    </a:lvl2pPr>
+    <a:lvl3pPr marL="914400" algn="l" defTabSz="914400" rtl="0" eaLnBrk="1" latinLnBrk="1" hangingPunct="1">
+      <a:defRPr sz="1200" kern="1200">
+        <a:solidFill>
+          <a:schemeClr val="tx1"/>
+        </a:solidFill>
+        <a:latin typeface="+mn-lt"/>
+        <a:ea typeface="+mn-ea"/>
+        <a:cs typeface="+mn-cs"/>
+      </a:defRPr>
+    </a:lvl3pPr>
+    <a:lvl4pPr marL="1371600" algn="l" defTabSz="914400" rtl="0" eaLnBrk="1" latinLnBrk="1" hangingPunct="1">
+      <a:defRPr sz="1200" kern="1200">
+        <a:solidFill>
+          <a:schemeClr val="tx1"/>
+        </a:solidFill>
+        <a:latin typeface="+mn-lt"/>
+        <a:ea typeface="+mn-ea"/>
+        <a:cs typeface="+mn-cs"/>
+      </a:defRPr>
+    </a:lvl4pPr>
+    <a:lvl5pPr marL="1828800" algn="l" defTabSz="914400" rtl="0" eaLnBrk="1" latinLnBrk="1" hangingPunct="1">
+      <a:defRPr sz="1200" kern="1200">
+        <a:solidFill>
+          <a:schemeClr val="tx1"/>
+        </a:solidFill>
+        <a:latin typeface="+mn-lt"/>
+        <a:ea typeface="+mn-ea"/>
+        <a:cs typeface="+mn-cs"/>
+      </a:defRPr>
+    </a:lvl5pPr>
+    <a:lvl6pPr marL="2286000" algn="l" defTabSz="914400" rtl="0" eaLnBrk="1" latinLnBrk="1" hangingPunct="1">
+      <a:defRPr sz="1200" kern="1200">
+        <a:solidFill>
+          <a:schemeClr val="tx1"/>
+        </a:solidFill>
+        <a:latin typeface="+mn-lt"/>
+        <a:ea typeface="+mn-ea"/>
+        <a:cs typeface="+mn-cs"/>
+      </a:defRPr>
+    </a:lvl6pPr>
+    <a:lvl7pPr marL="2743200" algn="l" defTabSz="914400" rtl="0" eaLnBrk="1" latinLnBrk="1" hangingPunct="1">
+      <a:defRPr sz="1200" kern="1200">
+        <a:solidFill>
+          <a:schemeClr val="tx1"/>
+        </a:solidFill>
+        <a:latin typeface="+mn-lt"/>
+        <a:ea typeface="+mn-ea"/>
+        <a:cs typeface="+mn-cs"/>
+      </a:defRPr>
+    </a:lvl7pPr>
+    <a:lvl8pPr marL="3200400" algn="l" defTabSz="914400" rtl="0" eaLnBrk="1" latinLnBrk="1" hangingPunct="1">
+      <a:defRPr sz="1200" kern="1200">
+        <a:solidFill>
+          <a:schemeClr val="tx1"/>
+        </a:solidFill>
+        <a:latin typeface="+mn-lt"/>
+        <a:ea typeface="+mn-ea"/>
+        <a:cs typeface="+mn-cs"/>
+      </a:defRPr>
+    </a:lvl8pPr>
+    <a:lvl9pPr marL="3657600" algn="l" defTabSz="914400" rtl="0" eaLnBrk="1" latinLnBrk="1" hangingPunct="1">
+      <a:defRPr sz="1200" kern="1200">
+        <a:solidFill>
+          <a:schemeClr val="tx1"/>
+        </a:solidFill>
+        <a:latin typeface="+mn-lt"/>
+        <a:ea typeface="+mn-ea"/>
+        <a:cs typeface="+mn-cs"/>
+      </a:defRPr>
+    </a:lvl9pPr>
+  </p:notesStyle>
+</p:notesMaster>
+</file>
+
+<file path=ppt/notesSlides/notesSlide1.xml><?xml version="1.0" encoding="utf-8"?>
+<p:notes xmlns:a="http://schemas.openxmlformats.org/drawingml/2006/main" xmlns:r="http://schemas.openxmlformats.org/officeDocument/2006/relationships" xmlns:p="http://schemas.openxmlformats.org/presentationml/2006/main">
+  <p:cSld>
+    <p:spTree>
+      <p:nvGrpSpPr>
+        <p:cNvPr id="1" name=""/>
+        <p:cNvGrpSpPr/>
+        <p:nvPr/>
+      </p:nvGrpSpPr>
+      <p:grpSpPr>
+        <a:xfrm>
+          <a:off x="0" y="0"/>
+          <a:ext cx="0" cy="0"/>
+          <a:chOff x="0" y="0"/>
+          <a:chExt cx="0" cy="0"/>
+        </a:xfrm>
+      </p:grpSpPr>
+      <p:sp>
+        <p:nvSpPr>
+          <p:cNvPr id="2" name="슬라이드 이미지 개체 틀 1"/>
+          <p:cNvSpPr>
+            <a:spLocks noGrp="1" noRot="1" noChangeAspect="1"/>
+          </p:cNvSpPr>
+          <p:nvPr>
+            <p:ph type="sldImg"/>
+          </p:nvPr>
+        </p:nvSpPr>
+        <p:spPr/>
+      </p:sp>
+      <p:sp>
+        <p:nvSpPr>
+          <p:cNvPr id="3" name="슬라이드 노트 개체 틀 2"/>
+          <p:cNvSpPr>
+            <a:spLocks noGrp="1"/>
+          </p:cNvSpPr>
+          <p:nvPr>
+            <p:ph type="body" idx="1"/>
+          </p:nvPr>
+        </p:nvSpPr>
+        <p:spPr/>
+        <p:txBody>
+          <a:bodyPr/>
+          <a:lstStyle/>
+          <a:p>
+            <a:r>
+              <a:rPr kumimoji="1" lang="ko-KR" altLang="en-US" dirty="0" err="1"/>
+              <a:t>였였였였</a:t>
+            </a:r>
+            <a:endParaRPr kumimoji="1" lang="ko-KR" altLang="en-US" dirty="0"/>
+          </a:p>
+        </p:txBody>
+      </p:sp>
+      <p:sp>
+        <p:nvSpPr>
+          <p:cNvPr id="4" name="슬라이드 번호 개체 틀 3"/>
+          <p:cNvSpPr>
+            <a:spLocks noGrp="1"/>
+          </p:cNvSpPr>
+          <p:nvPr>
+            <p:ph type="sldNum" sz="quarter" idx="5"/>
+          </p:nvPr>
+        </p:nvSpPr>
+        <p:spPr/>
+        <p:txBody>
+          <a:bodyPr/>
+          <a:lstStyle/>
+          <a:p>
+            <a:fld id="{F769AE6D-0ADA-CF4D-9503-F3CACB96690B}" type="slidenum">
+              <a:rPr kumimoji="1" lang="ko-KR" altLang="en-US" smtClean="0"/>
+              <a:t>3</a:t>
+            </a:fld>
+            <a:endParaRPr kumimoji="1" lang="ko-KR" altLang="en-US"/>
+          </a:p>
+        </p:txBody>
+      </p:sp>
+    </p:spTree>
+    <p:extLst>
+      <p:ext uri="{BB962C8B-B14F-4D97-AF65-F5344CB8AC3E}">
+        <p14:creationId xmlns:p14="http://schemas.microsoft.com/office/powerpoint/2010/main" val="590856542"/>
+      </p:ext>
+    </p:extLst>
+  </p:cSld>
+  <p:clrMapOvr>
+    <a:masterClrMapping/>
+  </p:clrMapOvr>
+</p:notes>
 </file>
 
 <file path=ppt/slideLayouts/slideLayout1.xml><?xml version="1.0" encoding="utf-8"?>
@@ -3100,83 +3516,355 @@
       </p:grpSpPr>
       <p:sp>
         <p:nvSpPr>
-          <p:cNvPr id="2" name="제목 1"/>
-          <p:cNvSpPr>
-            <a:spLocks noGrp="1"/>
-          </p:cNvSpPr>
-          <p:nvPr>
-            <p:ph type="ctrTitle"/>
-          </p:nvPr>
-        </p:nvSpPr>
-        <p:spPr/>
-        <p:txBody>
-          <a:bodyPr/>
-          <a:lstStyle/>
-          <a:p>
+          <p:cNvPr id="2" name="제목 1">
+            <a:extLst>
+              <a:ext uri="{FF2B5EF4-FFF2-40B4-BE49-F238E27FC236}">
+                <a16:creationId xmlns:a16="http://schemas.microsoft.com/office/drawing/2014/main" id="{E8EBD7A7-4630-1047-9A97-D89735A59B12}"/>
+              </a:ext>
+            </a:extLst>
+          </p:cNvPr>
+          <p:cNvSpPr>
+            <a:spLocks noGrp="1"/>
+          </p:cNvSpPr>
+          <p:nvPr>
+            <p:ph type="title"/>
+          </p:nvPr>
+        </p:nvSpPr>
+        <p:spPr/>
+        <p:txBody>
+          <a:bodyPr/>
+          <a:lstStyle/>
+          <a:p>
+            <a:r>
+              <a:rPr kumimoji="1" lang="ko-KR" altLang="en-US" dirty="0"/>
+              <a:t>서비스</a:t>
+            </a:r>
+            <a:r>
+              <a:rPr kumimoji="1" lang="en-US" altLang="ko-KR" dirty="0"/>
+              <a:t>/</a:t>
+            </a:r>
+            <a:r>
+              <a:rPr kumimoji="1" lang="ko-KR" altLang="en-US" dirty="0"/>
+              <a:t>제품 소개 목차</a:t>
+            </a:r>
+          </a:p>
+        </p:txBody>
+      </p:sp>
+      <p:sp>
+        <p:nvSpPr>
+          <p:cNvPr id="3" name="내용 개체 틀 2">
+            <a:extLst>
+              <a:ext uri="{FF2B5EF4-FFF2-40B4-BE49-F238E27FC236}">
+                <a16:creationId xmlns:a16="http://schemas.microsoft.com/office/drawing/2014/main" id="{BA9874B2-5A79-0C4C-AEDC-6599047D15CC}"/>
+              </a:ext>
+            </a:extLst>
+          </p:cNvPr>
+          <p:cNvSpPr>
+            <a:spLocks noGrp="1"/>
+          </p:cNvSpPr>
+          <p:nvPr>
+            <p:ph idx="1"/>
+          </p:nvPr>
+        </p:nvSpPr>
+        <p:spPr/>
+        <p:txBody>
+          <a:bodyPr>
+            <a:normAutofit fontScale="70000" lnSpcReduction="20000"/>
+          </a:bodyPr>
+          <a:lstStyle/>
+          <a:p>
+            <a:r>
+              <a:rPr lang="en-US" altLang="ko-KR" dirty="0"/>
+              <a:t>1.</a:t>
+            </a:r>
             <a:r>
               <a:rPr lang="ko-KR" altLang="en-US" dirty="0" err="1"/>
-              <a:t>쏴리질러</a:t>
+              <a:t>마스크착용</a:t>
+            </a:r>
+            <a:r>
+              <a:rPr lang="ko-KR" altLang="en-US" dirty="0"/>
+              <a:t> 타이머 기능 </a:t>
+            </a:r>
+            <a:r>
+              <a:rPr lang="en-US" altLang="ko-KR" dirty="0"/>
+              <a:t>+ </a:t>
+            </a:r>
+            <a:r>
+              <a:rPr lang="ko-KR" altLang="en-US" dirty="0"/>
+              <a:t>교체 시간 알림</a:t>
+            </a:r>
+          </a:p>
+          <a:p>
+            <a:r>
+              <a:rPr lang="en-US" altLang="ko-KR" dirty="0"/>
+              <a:t>2.</a:t>
+            </a:r>
+            <a:r>
+              <a:rPr lang="ko-KR" altLang="en-US" dirty="0"/>
+              <a:t>마스크 농도 확인 기능</a:t>
+            </a:r>
+          </a:p>
+          <a:p>
+            <a:r>
+              <a:rPr lang="en-US" altLang="ko-KR" dirty="0"/>
+              <a:t>3.</a:t>
+            </a:r>
+            <a:r>
+              <a:rPr lang="ko-KR" altLang="en-US" dirty="0"/>
+              <a:t>마스크 추천 기능</a:t>
+            </a:r>
+          </a:p>
+          <a:p>
+            <a:r>
+              <a:rPr lang="en-US" altLang="ko-KR" dirty="0"/>
+              <a:t>4.</a:t>
+            </a:r>
+            <a:r>
+              <a:rPr lang="ko-KR" altLang="en-US" dirty="0"/>
+              <a:t>메뉴버튼 </a:t>
+            </a:r>
+            <a:r>
+              <a:rPr lang="en-US" altLang="ko-KR" dirty="0"/>
+              <a:t>- </a:t>
+            </a:r>
+            <a:r>
+              <a:rPr lang="ko-KR" altLang="en-US" dirty="0" err="1"/>
+              <a:t>쇼핑기능</a:t>
+            </a:r>
+            <a:r>
+              <a:rPr lang="en-US" altLang="ko-KR" dirty="0"/>
+              <a:t>(</a:t>
+            </a:r>
+            <a:r>
+              <a:rPr lang="ko-KR" altLang="en-US" dirty="0" err="1"/>
+              <a:t>리뷰관리</a:t>
+            </a:r>
+            <a:r>
+              <a:rPr lang="en-US" altLang="ko-KR" dirty="0"/>
+              <a:t>) + </a:t>
+            </a:r>
+            <a:r>
+              <a:rPr lang="ko-KR" altLang="en-US" dirty="0" err="1"/>
+              <a:t>정기배송</a:t>
+            </a:r>
+            <a:r>
+              <a:rPr lang="ko-KR" altLang="en-US" dirty="0"/>
+              <a:t> 기능</a:t>
+            </a:r>
+            <a:r>
+              <a:rPr lang="en-US" altLang="ko-KR" dirty="0"/>
+              <a:t>( </a:t>
+            </a:r>
+            <a:r>
+              <a:rPr lang="ko-KR" altLang="en-US" dirty="0"/>
+              <a:t>남은 마스크 확인</a:t>
+            </a:r>
+            <a:r>
+              <a:rPr lang="en-US" altLang="ko-KR" dirty="0"/>
+              <a:t>)</a:t>
             </a:r>
             <a:endParaRPr lang="ko-KR" altLang="en-US" dirty="0"/>
           </a:p>
-        </p:txBody>
-      </p:sp>
-      <p:sp>
-        <p:nvSpPr>
-          <p:cNvPr id="3" name="부제목 2"/>
-          <p:cNvSpPr>
-            <a:spLocks noGrp="1"/>
-          </p:cNvSpPr>
-          <p:nvPr>
-            <p:ph type="subTitle" idx="1"/>
-          </p:nvPr>
-        </p:nvSpPr>
-        <p:spPr/>
-        <p:txBody>
-          <a:bodyPr>
-            <a:normAutofit/>
-          </a:bodyPr>
-          <a:lstStyle/>
-          <a:p>
-            <a:r>
-              <a:rPr lang="ko-KR" altLang="en-US" sz="2800" dirty="0">
-                <a:solidFill>
-                  <a:schemeClr val="tx1"/>
-                </a:solidFill>
-              </a:rPr>
-              <a:t>박상민 이수정 김재현 </a:t>
-            </a:r>
-            <a:r>
-              <a:rPr lang="ko-KR" altLang="en-US" sz="2800" dirty="0" err="1">
-                <a:solidFill>
-                  <a:schemeClr val="tx1"/>
-                </a:solidFill>
-              </a:rPr>
-              <a:t>문수림</a:t>
-            </a:r>
-            <a:r>
-              <a:rPr lang="ko-KR" altLang="en-US" sz="2800" dirty="0">
-                <a:solidFill>
-                  <a:schemeClr val="tx1"/>
-                </a:solidFill>
-              </a:rPr>
-              <a:t> 조형래</a:t>
-            </a:r>
-            <a:endParaRPr lang="en-US" altLang="ko-KR" sz="2800" dirty="0">
-              <a:solidFill>
-                <a:schemeClr val="tx1"/>
-              </a:solidFill>
-            </a:endParaRPr>
-          </a:p>
-          <a:p>
-            <a:endParaRPr lang="ko-KR" altLang="en-US" sz="2800" dirty="0"/>
+          <a:p>
+            <a:r>
+              <a:rPr lang="en-US" altLang="ko-KR" dirty="0"/>
+              <a:t>5.</a:t>
+            </a:r>
+            <a:r>
+              <a:rPr lang="ko-KR" altLang="en-US" dirty="0" err="1"/>
+              <a:t>홈버튼</a:t>
+            </a:r>
+            <a:r>
+              <a:rPr lang="ko-KR" altLang="en-US" dirty="0"/>
+              <a:t> </a:t>
+            </a:r>
+            <a:r>
+              <a:rPr lang="ko-KR" altLang="en-US" dirty="0" err="1"/>
+              <a:t>알람설정</a:t>
+            </a:r>
+            <a:r>
+              <a:rPr lang="ko-KR" altLang="en-US" dirty="0"/>
+              <a:t> 기능 </a:t>
+            </a:r>
+            <a:r>
+              <a:rPr lang="en-US" altLang="ko-KR" dirty="0"/>
+              <a:t>- </a:t>
+            </a:r>
+            <a:r>
+              <a:rPr lang="ko-KR" altLang="en-US" dirty="0"/>
+              <a:t>외출 시간 설정 </a:t>
+            </a:r>
+          </a:p>
+          <a:p>
+            <a:r>
+              <a:rPr lang="en-US" altLang="ko-KR" dirty="0"/>
+              <a:t>6.</a:t>
+            </a:r>
+            <a:r>
+              <a:rPr lang="ko-KR" altLang="en-US" dirty="0" err="1"/>
+              <a:t>홈버튼</a:t>
+            </a:r>
+            <a:r>
+              <a:rPr lang="ko-KR" altLang="en-US" dirty="0"/>
+              <a:t> </a:t>
+            </a:r>
+            <a:r>
+              <a:rPr lang="ko-KR" altLang="en-US" dirty="0" err="1"/>
+              <a:t>알람설정</a:t>
+            </a:r>
+            <a:r>
+              <a:rPr lang="ko-KR" altLang="en-US" dirty="0"/>
+              <a:t> 기능 </a:t>
+            </a:r>
+            <a:r>
+              <a:rPr lang="en-US" altLang="ko-KR" dirty="0"/>
+              <a:t>- </a:t>
+            </a:r>
+            <a:r>
+              <a:rPr lang="ko-KR" altLang="en-US" dirty="0"/>
+              <a:t>갑작스러운 미세먼지 공습 알림</a:t>
+            </a:r>
+          </a:p>
+          <a:p>
+            <a:br>
+              <a:rPr lang="ko-KR" altLang="en-US" dirty="0"/>
+            </a:br>
+            <a:endParaRPr lang="ko-KR" altLang="en-US" dirty="0"/>
+          </a:p>
+          <a:p>
+            <a:r>
+              <a:rPr lang="ko-KR" altLang="en-US" dirty="0"/>
+              <a:t>부가기능</a:t>
+            </a:r>
+          </a:p>
+          <a:p>
+            <a:r>
+              <a:rPr lang="en-US" altLang="ko-KR" dirty="0"/>
+              <a:t>-</a:t>
+            </a:r>
+            <a:r>
+              <a:rPr lang="ko-KR" altLang="en-US" dirty="0" err="1"/>
+              <a:t>로딩시간에</a:t>
+            </a:r>
+            <a:r>
+              <a:rPr lang="ko-KR" altLang="en-US" dirty="0"/>
+              <a:t> 미세먼지 위험성 문구 </a:t>
+            </a:r>
+          </a:p>
+          <a:p>
+            <a:r>
+              <a:rPr lang="en-US" altLang="ko-KR" dirty="0"/>
+              <a:t>-</a:t>
+            </a:r>
+            <a:r>
+              <a:rPr lang="ko-KR" altLang="en-US" dirty="0"/>
+              <a:t>케이스 및 사은품 제공</a:t>
+            </a:r>
+          </a:p>
+          <a:p>
+            <a:r>
+              <a:rPr lang="en-US" altLang="ko-KR" dirty="0"/>
+              <a:t>-</a:t>
+            </a:r>
+            <a:r>
+              <a:rPr lang="ko-KR" altLang="en-US"/>
+              <a:t>등급제도</a:t>
+            </a:r>
+          </a:p>
+          <a:p>
+            <a:endParaRPr kumimoji="1" lang="ko-KR" altLang="en-US" dirty="0"/>
           </a:p>
         </p:txBody>
       </p:sp>
     </p:spTree>
     <p:extLst>
       <p:ext uri="{BB962C8B-B14F-4D97-AF65-F5344CB8AC3E}">
-        <p14:creationId xmlns:p14="http://schemas.microsoft.com/office/powerpoint/2010/main" val="1898608049"/>
+        <p14:creationId xmlns:p14="http://schemas.microsoft.com/office/powerpoint/2010/main" val="100422861"/>
+      </p:ext>
+    </p:extLst>
+  </p:cSld>
+  <p:clrMapOvr>
+    <a:masterClrMapping/>
+  </p:clrMapOvr>
+</p:sld>
+</file>
+
+<file path=ppt/slides/slide10.xml><?xml version="1.0" encoding="utf-8"?>
+<p:sld xmlns:a="http://schemas.openxmlformats.org/drawingml/2006/main" xmlns:r="http://schemas.openxmlformats.org/officeDocument/2006/relationships" xmlns:p="http://schemas.openxmlformats.org/presentationml/2006/main">
+  <p:cSld>
+    <p:spTree>
+      <p:nvGrpSpPr>
+        <p:cNvPr id="1" name=""/>
+        <p:cNvGrpSpPr/>
+        <p:nvPr/>
+      </p:nvGrpSpPr>
+      <p:grpSpPr>
+        <a:xfrm>
+          <a:off x="0" y="0"/>
+          <a:ext cx="0" cy="0"/>
+          <a:chOff x="0" y="0"/>
+          <a:chExt cx="0" cy="0"/>
+        </a:xfrm>
+      </p:grpSpPr>
+      <p:sp>
+        <p:nvSpPr>
+          <p:cNvPr id="3" name="내용 개체 틀 2">
+            <a:extLst>
+              <a:ext uri="{FF2B5EF4-FFF2-40B4-BE49-F238E27FC236}">
+                <a16:creationId xmlns:a16="http://schemas.microsoft.com/office/drawing/2014/main" id="{6F98B7E9-F878-0E42-A16C-75C889AFE0CE}"/>
+              </a:ext>
+            </a:extLst>
+          </p:cNvPr>
+          <p:cNvSpPr>
+            <a:spLocks noGrp="1"/>
+          </p:cNvSpPr>
+          <p:nvPr>
+            <p:ph idx="1"/>
+          </p:nvPr>
+        </p:nvSpPr>
+        <p:spPr>
+          <a:xfrm>
+            <a:off x="457200" y="260648"/>
+            <a:ext cx="8229600" cy="5865515"/>
+          </a:xfrm>
+        </p:spPr>
+        <p:txBody>
+          <a:bodyPr/>
+          <a:lstStyle/>
+          <a:p>
+            <a:pPr marL="0" indent="0">
+              <a:buNone/>
+            </a:pPr>
+            <a:r>
+              <a:rPr kumimoji="1" lang="ko-KR" altLang="en-US" dirty="0"/>
+              <a:t>감사합니다 </a:t>
+            </a:r>
+            <a:r>
+              <a:rPr kumimoji="1" lang="en-US" altLang="ko-KR" dirty="0">
+                <a:sym typeface="Wingdings" pitchFamily="2" charset="2"/>
+              </a:rPr>
+              <a:t>:</a:t>
+            </a:r>
+            <a:r>
+              <a:rPr kumimoji="1" lang="ko-KR" altLang="en-US" dirty="0">
+                <a:sym typeface="Wingdings" pitchFamily="2" charset="2"/>
+              </a:rPr>
+              <a:t> </a:t>
+            </a:r>
+            <a:r>
+              <a:rPr kumimoji="1" lang="en-US" altLang="ko-KR" dirty="0">
+                <a:sym typeface="Wingdings" pitchFamily="2" charset="2"/>
+              </a:rPr>
+              <a:t>)</a:t>
+            </a:r>
+            <a:endParaRPr kumimoji="1" lang="ko-KR" altLang="en-US" dirty="0"/>
+          </a:p>
+        </p:txBody>
+      </p:sp>
+    </p:spTree>
+    <p:extLst>
+      <p:ext uri="{BB962C8B-B14F-4D97-AF65-F5344CB8AC3E}">
+        <p14:creationId xmlns:p14="http://schemas.microsoft.com/office/powerpoint/2010/main" val="3977145828"/>
       </p:ext>
     </p:extLst>
   </p:cSld>
@@ -3205,48 +3893,83 @@
       </p:grpSpPr>
       <p:sp>
         <p:nvSpPr>
-          <p:cNvPr id="2" name="제목 1">
-            <a:extLst>
-              <a:ext uri="{FF2B5EF4-FFF2-40B4-BE49-F238E27FC236}">
-                <a16:creationId xmlns:a16="http://schemas.microsoft.com/office/drawing/2014/main" id="{CC5C8BD3-3AF1-C748-835F-F0A286C90A18}"/>
-              </a:ext>
-            </a:extLst>
-          </p:cNvPr>
-          <p:cNvSpPr>
-            <a:spLocks noGrp="1"/>
-          </p:cNvSpPr>
-          <p:nvPr>
-            <p:ph type="title"/>
-          </p:nvPr>
-        </p:nvSpPr>
-        <p:spPr>
-          <a:xfrm>
-            <a:off x="457200" y="2420888"/>
-            <a:ext cx="8229600" cy="1791072"/>
-          </a:xfrm>
-        </p:spPr>
+          <p:cNvPr id="2" name="제목 1"/>
+          <p:cNvSpPr>
+            <a:spLocks noGrp="1"/>
+          </p:cNvSpPr>
+          <p:nvPr>
+            <p:ph type="ctrTitle"/>
+          </p:nvPr>
+        </p:nvSpPr>
+        <p:spPr/>
+        <p:txBody>
+          <a:bodyPr/>
+          <a:lstStyle/>
+          <a:p>
+            <a:r>
+              <a:rPr lang="ko-KR" altLang="en-US" dirty="0" err="1"/>
+              <a:t>쏴리질러</a:t>
+            </a:r>
+            <a:endParaRPr lang="ko-KR" altLang="en-US" dirty="0"/>
+          </a:p>
+        </p:txBody>
+      </p:sp>
+      <p:sp>
+        <p:nvSpPr>
+          <p:cNvPr id="3" name="부제목 2"/>
+          <p:cNvSpPr>
+            <a:spLocks noGrp="1"/>
+          </p:cNvSpPr>
+          <p:nvPr>
+            <p:ph type="subTitle" idx="1"/>
+          </p:nvPr>
+        </p:nvSpPr>
+        <p:spPr/>
         <p:txBody>
           <a:bodyPr>
-            <a:normAutofit fontScale="90000"/>
+            <a:normAutofit/>
           </a:bodyPr>
           <a:lstStyle/>
           <a:p>
             <a:r>
-              <a:rPr kumimoji="1" lang="ko-KR" altLang="en-US" dirty="0"/>
-              <a:t>마스크 사용에 관심있는 사람에게 어떻게 편리한 서비스를 제공할 수 있을까</a:t>
-            </a:r>
-            <a:r>
-              <a:rPr kumimoji="1" lang="en-US" altLang="ko-KR" dirty="0"/>
-              <a:t>?</a:t>
-            </a:r>
-            <a:endParaRPr kumimoji="1" lang="ko-KR" altLang="en-US" dirty="0"/>
+              <a:rPr lang="ko-KR" altLang="en-US" sz="2800" dirty="0">
+                <a:solidFill>
+                  <a:schemeClr val="tx1"/>
+                </a:solidFill>
+              </a:rPr>
+              <a:t>박상민 이수정 김재현 </a:t>
+            </a:r>
+            <a:r>
+              <a:rPr lang="ko-KR" altLang="en-US" sz="2800" dirty="0" err="1">
+                <a:solidFill>
+                  <a:schemeClr val="tx1"/>
+                </a:solidFill>
+              </a:rPr>
+              <a:t>문수림</a:t>
+            </a:r>
+            <a:r>
+              <a:rPr lang="ko-KR" altLang="en-US" sz="2800" dirty="0">
+                <a:solidFill>
+                  <a:schemeClr val="tx1"/>
+                </a:solidFill>
+              </a:rPr>
+              <a:t> 조형래</a:t>
+            </a:r>
+            <a:endParaRPr lang="en-US" altLang="ko-KR" sz="2800" dirty="0">
+              <a:solidFill>
+                <a:schemeClr val="tx1"/>
+              </a:solidFill>
+            </a:endParaRPr>
+          </a:p>
+          <a:p>
+            <a:endParaRPr lang="ko-KR" altLang="en-US" sz="2800" dirty="0"/>
           </a:p>
         </p:txBody>
       </p:sp>
     </p:spTree>
     <p:extLst>
       <p:ext uri="{BB962C8B-B14F-4D97-AF65-F5344CB8AC3E}">
-        <p14:creationId xmlns:p14="http://schemas.microsoft.com/office/powerpoint/2010/main" val="1833612597"/>
+        <p14:creationId xmlns:p14="http://schemas.microsoft.com/office/powerpoint/2010/main" val="1898608049"/>
       </p:ext>
     </p:extLst>
   </p:cSld>
@@ -3278,7 +4001,7 @@
           <p:cNvPr id="2" name="제목 1">
             <a:extLst>
               <a:ext uri="{FF2B5EF4-FFF2-40B4-BE49-F238E27FC236}">
-                <a16:creationId xmlns:a16="http://schemas.microsoft.com/office/drawing/2014/main" id="{117210B6-0999-9C4F-954D-22D6B30F9E70}"/>
+                <a16:creationId xmlns:a16="http://schemas.microsoft.com/office/drawing/2014/main" id="{CC5C8BD3-3AF1-C748-835F-F0A286C90A18}"/>
               </a:ext>
             </a:extLst>
           </p:cNvPr>
@@ -3289,81 +4012,34 @@
             <p:ph type="title"/>
           </p:nvPr>
         </p:nvSpPr>
-        <p:spPr/>
-        <p:txBody>
-          <a:bodyPr/>
+        <p:spPr>
+          <a:xfrm>
+            <a:off x="457200" y="2420888"/>
+            <a:ext cx="8229600" cy="1791072"/>
+          </a:xfrm>
+        </p:spPr>
+        <p:txBody>
+          <a:bodyPr>
+            <a:normAutofit fontScale="90000"/>
+          </a:bodyPr>
           <a:lstStyle/>
           <a:p>
             <a:r>
               <a:rPr kumimoji="1" lang="ko-KR" altLang="en-US" dirty="0"/>
-              <a:t>서비스</a:t>
+              <a:t>마스크 사용에 관심있는 사람에게 어떻게 편리한 서비스를 제공할 수 있을까</a:t>
             </a:r>
             <a:r>
               <a:rPr kumimoji="1" lang="en-US" altLang="ko-KR" dirty="0"/>
-              <a:t>/</a:t>
-            </a:r>
-            <a:r>
-              <a:rPr kumimoji="1" lang="ko-KR" altLang="en-US" dirty="0"/>
-              <a:t>제품 소개</a:t>
-            </a:r>
-          </a:p>
-        </p:txBody>
-      </p:sp>
-      <p:sp>
-        <p:nvSpPr>
-          <p:cNvPr id="7" name="내용 개체 틀 6">
-            <a:extLst>
-              <a:ext uri="{FF2B5EF4-FFF2-40B4-BE49-F238E27FC236}">
-                <a16:creationId xmlns:a16="http://schemas.microsoft.com/office/drawing/2014/main" id="{8376BFEE-FF51-DD42-B6AF-0E4EB5FA1CC0}"/>
-              </a:ext>
-            </a:extLst>
-          </p:cNvPr>
-          <p:cNvSpPr>
-            <a:spLocks noGrp="1"/>
-          </p:cNvSpPr>
-          <p:nvPr>
-            <p:ph idx="1"/>
-          </p:nvPr>
-        </p:nvSpPr>
-        <p:spPr/>
-        <p:txBody>
-          <a:bodyPr/>
-          <a:lstStyle/>
-          <a:p>
-            <a:r>
-              <a:rPr kumimoji="1" lang="ko-KR" altLang="en-US"/>
-              <a:t>이 제품은 마스크 </a:t>
-            </a:r>
-            <a:r>
-              <a:rPr kumimoji="1" lang="ko-KR" altLang="en-US" dirty="0"/>
-              <a:t>착용을 장려하고 구매를 쉽게 도와주는 앱이다</a:t>
-            </a:r>
-            <a:r>
-              <a:rPr kumimoji="1" lang="en-US" altLang="ko-KR" dirty="0"/>
-              <a:t>.</a:t>
-            </a:r>
-            <a:r>
-              <a:rPr kumimoji="1" lang="ko-KR" altLang="en-US" dirty="0"/>
-              <a:t> 현 대기 상황에 맞게 제품을 추천해주고 </a:t>
-            </a:r>
-            <a:r>
-              <a:rPr kumimoji="1" lang="ko-KR" altLang="en-US" dirty="0" err="1"/>
-              <a:t>정기구매</a:t>
-            </a:r>
-            <a:r>
-              <a:rPr kumimoji="1" lang="ko-KR" altLang="en-US" dirty="0"/>
-              <a:t> 및 미세먼지 관련 상품을    </a:t>
-            </a:r>
-          </a:p>
-          <a:p>
-            <a:endParaRPr lang="ko-KR" altLang="en-US" dirty="0"/>
+              <a:t>?</a:t>
+            </a:r>
+            <a:endParaRPr kumimoji="1" lang="ko-KR" altLang="en-US" dirty="0"/>
           </a:p>
         </p:txBody>
       </p:sp>
     </p:spTree>
     <p:extLst>
       <p:ext uri="{BB962C8B-B14F-4D97-AF65-F5344CB8AC3E}">
-        <p14:creationId xmlns:p14="http://schemas.microsoft.com/office/powerpoint/2010/main" val="3622012430"/>
+        <p14:creationId xmlns:p14="http://schemas.microsoft.com/office/powerpoint/2010/main" val="1833612597"/>
       </p:ext>
     </p:extLst>
   </p:cSld>
@@ -3395,6 +4071,134 @@
           <p:cNvPr id="2" name="제목 1">
             <a:extLst>
               <a:ext uri="{FF2B5EF4-FFF2-40B4-BE49-F238E27FC236}">
+                <a16:creationId xmlns:a16="http://schemas.microsoft.com/office/drawing/2014/main" id="{117210B6-0999-9C4F-954D-22D6B30F9E70}"/>
+              </a:ext>
+            </a:extLst>
+          </p:cNvPr>
+          <p:cNvSpPr>
+            <a:spLocks noGrp="1"/>
+          </p:cNvSpPr>
+          <p:nvPr>
+            <p:ph type="title"/>
+          </p:nvPr>
+        </p:nvSpPr>
+        <p:spPr/>
+        <p:txBody>
+          <a:bodyPr/>
+          <a:lstStyle/>
+          <a:p>
+            <a:r>
+              <a:rPr kumimoji="1" lang="ko-KR" altLang="en-US" dirty="0"/>
+              <a:t>서비스</a:t>
+            </a:r>
+            <a:r>
+              <a:rPr kumimoji="1" lang="en-US" altLang="ko-KR" dirty="0"/>
+              <a:t>/</a:t>
+            </a:r>
+            <a:r>
+              <a:rPr kumimoji="1" lang="ko-KR" altLang="en-US" dirty="0"/>
+              <a:t>제품 소개</a:t>
+            </a:r>
+          </a:p>
+        </p:txBody>
+      </p:sp>
+      <p:sp>
+        <p:nvSpPr>
+          <p:cNvPr id="7" name="내용 개체 틀 6">
+            <a:extLst>
+              <a:ext uri="{FF2B5EF4-FFF2-40B4-BE49-F238E27FC236}">
+                <a16:creationId xmlns:a16="http://schemas.microsoft.com/office/drawing/2014/main" id="{8376BFEE-FF51-DD42-B6AF-0E4EB5FA1CC0}"/>
+              </a:ext>
+            </a:extLst>
+          </p:cNvPr>
+          <p:cNvSpPr>
+            <a:spLocks noGrp="1"/>
+          </p:cNvSpPr>
+          <p:nvPr>
+            <p:ph idx="1"/>
+          </p:nvPr>
+        </p:nvSpPr>
+        <p:spPr/>
+        <p:txBody>
+          <a:bodyPr/>
+          <a:lstStyle/>
+          <a:p>
+            <a:r>
+              <a:rPr kumimoji="1" lang="ko-KR" altLang="en-US" dirty="0"/>
+              <a:t>이 제품은 마스크 착용을 장려하고 구매를 쉽게 도와주는 앱이다</a:t>
+            </a:r>
+            <a:r>
+              <a:rPr kumimoji="1" lang="en-US" altLang="ko-KR" dirty="0"/>
+              <a:t>.</a:t>
+            </a:r>
+            <a:r>
+              <a:rPr kumimoji="1" lang="ko-KR" altLang="en-US" dirty="0"/>
+              <a:t> 현 대기 상황에 맞는 제품을 추천해주고 </a:t>
+            </a:r>
+            <a:r>
+              <a:rPr kumimoji="1" lang="ko-KR" altLang="en-US" dirty="0" err="1"/>
+              <a:t>정기구매</a:t>
+            </a:r>
+            <a:r>
+              <a:rPr kumimoji="1" lang="ko-KR" altLang="en-US" dirty="0"/>
+              <a:t> 및 미세먼지 관련 상품을   </a:t>
+            </a:r>
+            <a:endParaRPr kumimoji="1" lang="en-US" altLang="ko-KR" dirty="0"/>
+          </a:p>
+          <a:p>
+            <a:r>
+              <a:rPr kumimoji="1" lang="ko-KR" altLang="en-US" dirty="0"/>
+              <a:t>요약 </a:t>
+            </a:r>
+            <a:r>
+              <a:rPr kumimoji="1" lang="en-US" altLang="ko-KR" dirty="0"/>
+              <a:t>,</a:t>
+            </a:r>
+            <a:r>
+              <a:rPr kumimoji="1" lang="ko-KR" altLang="en-US" dirty="0"/>
+              <a:t>차별성  </a:t>
+            </a:r>
+          </a:p>
+          <a:p>
+            <a:endParaRPr lang="ko-KR" altLang="en-US" dirty="0"/>
+          </a:p>
+        </p:txBody>
+      </p:sp>
+    </p:spTree>
+    <p:extLst>
+      <p:ext uri="{BB962C8B-B14F-4D97-AF65-F5344CB8AC3E}">
+        <p14:creationId xmlns:p14="http://schemas.microsoft.com/office/powerpoint/2010/main" val="3622012430"/>
+      </p:ext>
+    </p:extLst>
+  </p:cSld>
+  <p:clrMapOvr>
+    <a:masterClrMapping/>
+  </p:clrMapOvr>
+</p:sld>
+</file>
+
+<file path=ppt/slides/slide5.xml><?xml version="1.0" encoding="utf-8"?>
+<p:sld xmlns:a="http://schemas.openxmlformats.org/drawingml/2006/main" xmlns:r="http://schemas.openxmlformats.org/officeDocument/2006/relationships" xmlns:p="http://schemas.openxmlformats.org/presentationml/2006/main">
+  <p:cSld>
+    <p:spTree>
+      <p:nvGrpSpPr>
+        <p:cNvPr id="1" name=""/>
+        <p:cNvGrpSpPr/>
+        <p:nvPr/>
+      </p:nvGrpSpPr>
+      <p:grpSpPr>
+        <a:xfrm>
+          <a:off x="0" y="0"/>
+          <a:ext cx="0" cy="0"/>
+          <a:chOff x="0" y="0"/>
+          <a:chExt cx="0" cy="0"/>
+        </a:xfrm>
+      </p:grpSpPr>
+      <p:sp>
+        <p:nvSpPr>
+          <p:cNvPr id="2" name="제목 1">
+            <a:extLst>
+              <a:ext uri="{FF2B5EF4-FFF2-40B4-BE49-F238E27FC236}">
                 <a16:creationId xmlns:a16="http://schemas.microsoft.com/office/drawing/2014/main" id="{EF576D8A-B103-0E45-A634-347814ED63BC}"/>
               </a:ext>
             </a:extLst>
@@ -3411,7 +4215,7 @@
           <a:bodyPr/>
           <a:lstStyle/>
           <a:p>
-            <a:endParaRPr kumimoji="1" lang="ko-KR" altLang="en-US"/>
+            <a:endParaRPr kumimoji="1" lang="ko-KR" altLang="en-US" dirty="0"/>
           </a:p>
         </p:txBody>
       </p:sp>
@@ -3499,172 +4303,6 @@
 </p:sld>
 </file>
 
-<file path=ppt/slides/slide5.xml><?xml version="1.0" encoding="utf-8"?>
-<p:sld xmlns:a="http://schemas.openxmlformats.org/drawingml/2006/main" xmlns:r="http://schemas.openxmlformats.org/officeDocument/2006/relationships" xmlns:p="http://schemas.openxmlformats.org/presentationml/2006/main">
-  <p:cSld>
-    <p:spTree>
-      <p:nvGrpSpPr>
-        <p:cNvPr id="1" name=""/>
-        <p:cNvGrpSpPr/>
-        <p:nvPr/>
-      </p:nvGrpSpPr>
-      <p:grpSpPr>
-        <a:xfrm>
-          <a:off x="0" y="0"/>
-          <a:ext cx="0" cy="0"/>
-          <a:chOff x="0" y="0"/>
-          <a:chExt cx="0" cy="0"/>
-        </a:xfrm>
-      </p:grpSpPr>
-      <p:sp>
-        <p:nvSpPr>
-          <p:cNvPr id="2" name="제목 1">
-            <a:extLst>
-              <a:ext uri="{FF2B5EF4-FFF2-40B4-BE49-F238E27FC236}">
-                <a16:creationId xmlns:a16="http://schemas.microsoft.com/office/drawing/2014/main" id="{A616ACF8-0967-254E-9A89-A97507292D4D}"/>
-              </a:ext>
-            </a:extLst>
-          </p:cNvPr>
-          <p:cNvSpPr>
-            <a:spLocks noGrp="1"/>
-          </p:cNvSpPr>
-          <p:nvPr>
-            <p:ph type="title"/>
-          </p:nvPr>
-        </p:nvSpPr>
-        <p:spPr/>
-        <p:txBody>
-          <a:bodyPr/>
-          <a:lstStyle/>
-          <a:p>
-            <a:r>
-              <a:rPr kumimoji="1" lang="ko-KR" altLang="en-US" dirty="0"/>
-              <a:t>핵심 경쟁력</a:t>
-            </a:r>
-          </a:p>
-        </p:txBody>
-      </p:sp>
-      <p:sp>
-        <p:nvSpPr>
-          <p:cNvPr id="3" name="내용 개체 틀 2">
-            <a:extLst>
-              <a:ext uri="{FF2B5EF4-FFF2-40B4-BE49-F238E27FC236}">
-                <a16:creationId xmlns:a16="http://schemas.microsoft.com/office/drawing/2014/main" id="{A9EE0F75-50A2-D04C-82B0-482E543CA08F}"/>
-              </a:ext>
-            </a:extLst>
-          </p:cNvPr>
-          <p:cNvSpPr>
-            <a:spLocks noGrp="1"/>
-          </p:cNvSpPr>
-          <p:nvPr>
-            <p:ph idx="1"/>
-          </p:nvPr>
-        </p:nvSpPr>
-        <p:spPr/>
-        <p:txBody>
-          <a:bodyPr/>
-          <a:lstStyle/>
-          <a:p>
-            <a:r>
-              <a:rPr kumimoji="1" lang="ko-KR" altLang="en-US"/>
-              <a:t>여기에 </a:t>
-            </a:r>
-            <a:r>
-              <a:rPr kumimoji="1" lang="ko-KR" altLang="en-US" dirty="0"/>
-              <a:t>제휴업체 소개</a:t>
-            </a:r>
-            <a:r>
-              <a:rPr kumimoji="1" lang="en-US" altLang="ko-KR" dirty="0"/>
-              <a:t>(</a:t>
-            </a:r>
-            <a:r>
-              <a:rPr kumimoji="1" lang="ko-KR" altLang="en-US" dirty="0"/>
-              <a:t>이익창출을 목적으로 하되 </a:t>
-            </a:r>
-            <a:r>
-              <a:rPr kumimoji="1" lang="ko-KR" altLang="en-US" dirty="0" err="1"/>
-              <a:t>알람</a:t>
-            </a:r>
-            <a:r>
-              <a:rPr kumimoji="1" lang="ko-KR" altLang="en-US" dirty="0"/>
-              <a:t> 기능을 하는 걸로 </a:t>
-            </a:r>
-            <a:r>
-              <a:rPr kumimoji="1" lang="en-US" altLang="ko-KR" dirty="0"/>
-              <a:t>)</a:t>
-            </a:r>
-          </a:p>
-          <a:p>
-            <a:r>
-              <a:rPr kumimoji="1" lang="ko-KR" altLang="en-US" dirty="0"/>
-              <a:t>이익 창출 방법</a:t>
-            </a:r>
-            <a:r>
-              <a:rPr kumimoji="1" lang="en-US" altLang="ko-KR" dirty="0"/>
-              <a:t>- </a:t>
-            </a:r>
-            <a:r>
-              <a:rPr kumimoji="1" lang="ko-KR" altLang="en-US" dirty="0"/>
-              <a:t>㈜마스크</a:t>
-            </a:r>
-            <a:endParaRPr kumimoji="1" lang="en-US" altLang="ko-KR" dirty="0"/>
-          </a:p>
-          <a:p>
-            <a:pPr marL="0" indent="0">
-              <a:buNone/>
-            </a:pPr>
-            <a:r>
-              <a:rPr kumimoji="1" lang="en-US" altLang="ko-KR" dirty="0"/>
-              <a:t>                     - (</a:t>
-            </a:r>
-            <a:r>
-              <a:rPr kumimoji="1" lang="ko-KR" altLang="en-US" dirty="0"/>
-              <a:t>부</a:t>
-            </a:r>
-            <a:r>
-              <a:rPr kumimoji="1" lang="en-US" altLang="ko-KR" dirty="0"/>
-              <a:t>)</a:t>
-            </a:r>
-            <a:r>
-              <a:rPr kumimoji="1" lang="ko-KR" altLang="en-US" dirty="0"/>
-              <a:t>화장품</a:t>
-            </a:r>
-            <a:r>
-              <a:rPr kumimoji="1" lang="en-US" altLang="ko-KR" dirty="0"/>
-              <a:t>, </a:t>
-            </a:r>
-            <a:r>
-              <a:rPr kumimoji="1" lang="ko-KR" altLang="en-US" dirty="0"/>
-              <a:t>공기청정기</a:t>
-            </a:r>
-            <a:r>
-              <a:rPr kumimoji="1" lang="en-US" altLang="ko-KR" dirty="0"/>
-              <a:t>,</a:t>
-            </a:r>
-            <a:r>
-              <a:rPr kumimoji="1" lang="ko-KR" altLang="en-US" dirty="0"/>
-              <a:t>음식</a:t>
-            </a:r>
-            <a:endParaRPr kumimoji="1" lang="en-US" altLang="ko-KR" dirty="0"/>
-          </a:p>
-          <a:p>
-            <a:endParaRPr kumimoji="1" lang="ko-KR" altLang="en-US" dirty="0"/>
-          </a:p>
-        </p:txBody>
-      </p:sp>
-    </p:spTree>
-    <p:extLst>
-      <p:ext uri="{BB962C8B-B14F-4D97-AF65-F5344CB8AC3E}">
-        <p14:creationId xmlns:p14="http://schemas.microsoft.com/office/powerpoint/2010/main" val="1092442487"/>
-      </p:ext>
-    </p:extLst>
-  </p:cSld>
-  <p:clrMapOvr>
-    <a:masterClrMapping/>
-  </p:clrMapOvr>
-</p:sld>
-</file>
-
 <file path=ppt/slides/slide6.xml><?xml version="1.0" encoding="utf-8"?>
 <p:sld xmlns:a="http://schemas.openxmlformats.org/drawingml/2006/main" xmlns:r="http://schemas.openxmlformats.org/officeDocument/2006/relationships" xmlns:p="http://schemas.openxmlformats.org/presentationml/2006/main">
   <p:cSld>
@@ -3687,7 +4325,7 @@
           <p:cNvPr id="2" name="제목 1">
             <a:extLst>
               <a:ext uri="{FF2B5EF4-FFF2-40B4-BE49-F238E27FC236}">
-                <a16:creationId xmlns:a16="http://schemas.microsoft.com/office/drawing/2014/main" id="{3409D811-9620-E144-9E2D-42A6803A50B0}"/>
+                <a16:creationId xmlns:a16="http://schemas.microsoft.com/office/drawing/2014/main" id="{A616ACF8-0967-254E-9A89-A97507292D4D}"/>
               </a:ext>
             </a:extLst>
           </p:cNvPr>
@@ -3705,7 +4343,7 @@
           <a:p>
             <a:r>
               <a:rPr kumimoji="1" lang="ko-KR" altLang="en-US" dirty="0"/>
-              <a:t>팀원 소개</a:t>
+              <a:t>핵심 경쟁력</a:t>
             </a:r>
           </a:p>
         </p:txBody>
@@ -3715,7 +4353,7 @@
           <p:cNvPr id="3" name="내용 개체 틀 2">
             <a:extLst>
               <a:ext uri="{FF2B5EF4-FFF2-40B4-BE49-F238E27FC236}">
-                <a16:creationId xmlns:a16="http://schemas.microsoft.com/office/drawing/2014/main" id="{393D240D-69BC-C24F-B228-B79939338B18}"/>
+                <a16:creationId xmlns:a16="http://schemas.microsoft.com/office/drawing/2014/main" id="{A9EE0F75-50A2-D04C-82B0-482E543CA08F}"/>
               </a:ext>
             </a:extLst>
           </p:cNvPr>
@@ -3732,8 +4370,46 @@
           <a:lstStyle/>
           <a:p>
             <a:r>
+              <a:rPr kumimoji="1" lang="ko-KR" altLang="en-US"/>
+              <a:t>여기에 </a:t>
+            </a:r>
+            <a:r>
               <a:rPr kumimoji="1" lang="ko-KR" altLang="en-US" dirty="0"/>
-              <a:t>조장</a:t>
+              <a:t>제휴업체 소개</a:t>
+            </a:r>
+            <a:r>
+              <a:rPr kumimoji="1" lang="en-US" altLang="ko-KR" dirty="0"/>
+              <a:t>(</a:t>
+            </a:r>
+            <a:r>
+              <a:rPr kumimoji="1" lang="ko-KR" altLang="en-US" dirty="0"/>
+              <a:t>이익창출을 목적으로 하되 </a:t>
+            </a:r>
+            <a:r>
+              <a:rPr kumimoji="1" lang="ko-KR" altLang="en-US" dirty="0" err="1"/>
+              <a:t>알람</a:t>
+            </a:r>
+            <a:r>
+              <a:rPr kumimoji="1" lang="ko-KR" altLang="en-US" dirty="0"/>
+              <a:t> 기능을 하는 걸로 </a:t>
+            </a:r>
+            <a:r>
+              <a:rPr kumimoji="1" lang="en-US" altLang="ko-KR" dirty="0"/>
+              <a:t>)</a:t>
+            </a:r>
+          </a:p>
+          <a:p>
+            <a:r>
+              <a:rPr kumimoji="1" lang="ko-KR" altLang="en-US" dirty="0"/>
+              <a:t>이익 창출 방법</a:t>
+            </a:r>
+            <a:r>
+              <a:rPr kumimoji="1" lang="en-US" altLang="ko-KR" dirty="0"/>
+              <a:t>- </a:t>
+            </a:r>
+            <a:r>
+              <a:rPr kumimoji="1" lang="ko-KR" altLang="en-US" dirty="0"/>
+              <a:t>㈜마스크</a:t>
             </a:r>
             <a:endParaRPr kumimoji="1" lang="en-US" altLang="ko-KR" dirty="0"/>
           </a:p>
@@ -3741,14 +4417,49 @@
             <a:pPr marL="0" indent="0">
               <a:buNone/>
             </a:pPr>
+            <a:r>
+              <a:rPr kumimoji="1" lang="en-US" altLang="ko-KR" dirty="0"/>
+              <a:t>                     - (</a:t>
+            </a:r>
+            <a:r>
+              <a:rPr kumimoji="1" lang="ko-KR" altLang="en-US" dirty="0"/>
+              <a:t>부</a:t>
+            </a:r>
+            <a:r>
+              <a:rPr kumimoji="1" lang="en-US" altLang="ko-KR" dirty="0"/>
+              <a:t>)</a:t>
+            </a:r>
+            <a:r>
+              <a:rPr kumimoji="1" lang="ko-KR" altLang="en-US" dirty="0"/>
+              <a:t>화장품</a:t>
+            </a:r>
+            <a:r>
+              <a:rPr kumimoji="1" lang="en-US" altLang="ko-KR" dirty="0"/>
+              <a:t>, </a:t>
+            </a:r>
+            <a:r>
+              <a:rPr kumimoji="1" lang="ko-KR" altLang="en-US" dirty="0"/>
+              <a:t>공기청정기</a:t>
+            </a:r>
+            <a:r>
+              <a:rPr kumimoji="1" lang="en-US" altLang="ko-KR" dirty="0"/>
+              <a:t>,</a:t>
+            </a:r>
+            <a:r>
+              <a:rPr kumimoji="1" lang="ko-KR" altLang="en-US" dirty="0"/>
+              <a:t>음식</a:t>
+            </a:r>
             <a:endParaRPr kumimoji="1" lang="en-US" altLang="ko-KR" dirty="0"/>
+          </a:p>
+          <a:p>
+            <a:endParaRPr kumimoji="1" lang="ko-KR" altLang="en-US" dirty="0"/>
           </a:p>
         </p:txBody>
       </p:sp>
     </p:spTree>
     <p:extLst>
       <p:ext uri="{BB962C8B-B14F-4D97-AF65-F5344CB8AC3E}">
-        <p14:creationId xmlns:p14="http://schemas.microsoft.com/office/powerpoint/2010/main" val="1602398143"/>
+        <p14:creationId xmlns:p14="http://schemas.microsoft.com/office/powerpoint/2010/main" val="1092442487"/>
       </p:ext>
     </p:extLst>
   </p:cSld>
@@ -3780,7 +4491,7 @@
           <p:cNvPr id="2" name="제목 1">
             <a:extLst>
               <a:ext uri="{FF2B5EF4-FFF2-40B4-BE49-F238E27FC236}">
-                <a16:creationId xmlns:a16="http://schemas.microsoft.com/office/drawing/2014/main" id="{28F98C9A-6B41-9E48-9587-94770AFED79E}"/>
+                <a16:creationId xmlns:a16="http://schemas.microsoft.com/office/drawing/2014/main" id="{3409D811-9620-E144-9E2D-42A6803A50B0}"/>
               </a:ext>
             </a:extLst>
           </p:cNvPr>
@@ -3798,15 +4509,7 @@
           <a:p>
             <a:r>
               <a:rPr kumimoji="1" lang="ko-KR" altLang="en-US" dirty="0"/>
-              <a:t>시장</a:t>
-            </a:r>
-            <a:r>
-              <a:rPr kumimoji="1" lang="en-US" altLang="ko-KR" dirty="0"/>
-              <a:t>/</a:t>
-            </a:r>
-            <a:r>
-              <a:rPr kumimoji="1" lang="ko-KR" altLang="en-US" dirty="0"/>
-              <a:t>경쟁 분석</a:t>
+              <a:t>팀원 소개</a:t>
             </a:r>
           </a:p>
         </p:txBody>
@@ -3816,7 +4519,7 @@
           <p:cNvPr id="3" name="내용 개체 틀 2">
             <a:extLst>
               <a:ext uri="{FF2B5EF4-FFF2-40B4-BE49-F238E27FC236}">
-                <a16:creationId xmlns:a16="http://schemas.microsoft.com/office/drawing/2014/main" id="{E883A23E-B406-1348-839E-7F8B6950D10E}"/>
+                <a16:creationId xmlns:a16="http://schemas.microsoft.com/office/drawing/2014/main" id="{393D240D-69BC-C24F-B228-B79939338B18}"/>
               </a:ext>
             </a:extLst>
           </p:cNvPr>
@@ -3833,81 +4536,23 @@
           <a:lstStyle/>
           <a:p>
             <a:r>
-              <a:rPr kumimoji="1" lang="en" altLang="ko-KR" dirty="0"/>
-              <a:t>research</a:t>
-            </a:r>
-            <a:r>
-              <a:rPr kumimoji="1" lang="ko-KR" altLang="en-US" dirty="0" err="1"/>
-              <a:t>를</a:t>
-            </a:r>
-            <a:r>
               <a:rPr kumimoji="1" lang="ko-KR" altLang="en-US" dirty="0"/>
-              <a:t> 해서 공급 업체 중에서도 메이저로 할 거냐 마이너로 할 거냐</a:t>
-            </a:r>
-          </a:p>
-          <a:p>
-            <a:r>
-              <a:rPr kumimoji="1" lang="en-US" altLang="ko-KR" dirty="0"/>
-              <a:t>1. </a:t>
-            </a:r>
-            <a:r>
-              <a:rPr kumimoji="1" lang="ko-KR" altLang="en-US" dirty="0"/>
-              <a:t>기성 업체</a:t>
-            </a:r>
-            <a:r>
-              <a:rPr kumimoji="1" lang="en-US" altLang="ko-KR" dirty="0"/>
-              <a:t>(</a:t>
-            </a:r>
-            <a:r>
-              <a:rPr kumimoji="1" lang="ko-KR" altLang="en-US" dirty="0"/>
-              <a:t>있는 것을 홍보하거나 정보를 알려주는 것</a:t>
-            </a:r>
-            <a:r>
-              <a:rPr kumimoji="1" lang="en-US" altLang="ko-KR" dirty="0"/>
-              <a:t>)</a:t>
-            </a:r>
-          </a:p>
-          <a:p>
-            <a:r>
-              <a:rPr kumimoji="1" lang="en-US" altLang="ko-KR" dirty="0"/>
-              <a:t>2. </a:t>
-            </a:r>
-            <a:r>
-              <a:rPr kumimoji="1" lang="ko-KR" altLang="en-US" dirty="0"/>
-              <a:t>서비스화</a:t>
-            </a:r>
-            <a:r>
-              <a:rPr kumimoji="1" lang="en-US" altLang="ko-KR" dirty="0"/>
-              <a:t>(</a:t>
-            </a:r>
-            <a:r>
-              <a:rPr kumimoji="1" lang="ko-KR" altLang="en-US" dirty="0"/>
-              <a:t>다른 차원으로 넘어가는 것</a:t>
-            </a:r>
-            <a:r>
-              <a:rPr kumimoji="1" lang="en-US" altLang="ko-KR" dirty="0"/>
-              <a:t>)(</a:t>
-            </a:r>
-            <a:r>
-              <a:rPr kumimoji="1" lang="en" altLang="ko-KR" dirty="0"/>
-              <a:t>ex : </a:t>
-            </a:r>
-            <a:r>
-              <a:rPr kumimoji="1" lang="ko-KR" altLang="en-US" dirty="0"/>
-              <a:t>정기 배송 등</a:t>
-            </a:r>
-            <a:r>
-              <a:rPr kumimoji="1" lang="en-US" altLang="ko-KR" dirty="0"/>
-              <a:t>)</a:t>
-            </a:r>
-            <a:endParaRPr kumimoji="1" lang="ko-KR" altLang="en-US" dirty="0"/>
+              <a:t>조장</a:t>
+            </a:r>
+            <a:endParaRPr kumimoji="1" lang="en-US" altLang="ko-KR" dirty="0"/>
+          </a:p>
+          <a:p>
+            <a:pPr marL="0" indent="0">
+              <a:buNone/>
+            </a:pPr>
+            <a:endParaRPr kumimoji="1" lang="en-US" altLang="ko-KR" dirty="0"/>
           </a:p>
         </p:txBody>
       </p:sp>
     </p:spTree>
     <p:extLst>
       <p:ext uri="{BB962C8B-B14F-4D97-AF65-F5344CB8AC3E}">
-        <p14:creationId xmlns:p14="http://schemas.microsoft.com/office/powerpoint/2010/main" val="4222687490"/>
+        <p14:creationId xmlns:p14="http://schemas.microsoft.com/office/powerpoint/2010/main" val="1602398143"/>
       </p:ext>
     </p:extLst>
   </p:cSld>
@@ -3939,7 +4584,7 @@
           <p:cNvPr id="2" name="제목 1">
             <a:extLst>
               <a:ext uri="{FF2B5EF4-FFF2-40B4-BE49-F238E27FC236}">
-                <a16:creationId xmlns:a16="http://schemas.microsoft.com/office/drawing/2014/main" id="{9C508281-2DF6-3F4B-B03E-499380C0C441}"/>
+                <a16:creationId xmlns:a16="http://schemas.microsoft.com/office/drawing/2014/main" id="{28F98C9A-6B41-9E48-9587-94770AFED79E}"/>
               </a:ext>
             </a:extLst>
           </p:cNvPr>
@@ -3957,7 +4602,15 @@
           <a:p>
             <a:r>
               <a:rPr kumimoji="1" lang="ko-KR" altLang="en-US" dirty="0"/>
-              <a:t>질의응답</a:t>
+              <a:t>시장</a:t>
+            </a:r>
+            <a:r>
+              <a:rPr kumimoji="1" lang="en-US" altLang="ko-KR" dirty="0"/>
+              <a:t>/</a:t>
+            </a:r>
+            <a:r>
+              <a:rPr kumimoji="1" lang="ko-KR" altLang="en-US" dirty="0"/>
+              <a:t>경쟁 분석</a:t>
             </a:r>
           </a:p>
         </p:txBody>
@@ -3967,7 +4620,7 @@
           <p:cNvPr id="3" name="내용 개체 틀 2">
             <a:extLst>
               <a:ext uri="{FF2B5EF4-FFF2-40B4-BE49-F238E27FC236}">
-                <a16:creationId xmlns:a16="http://schemas.microsoft.com/office/drawing/2014/main" id="{C088C665-85BA-2947-B1EE-D2C597E1ADDB}"/>
+                <a16:creationId xmlns:a16="http://schemas.microsoft.com/office/drawing/2014/main" id="{E883A23E-B406-1348-839E-7F8B6950D10E}"/>
               </a:ext>
             </a:extLst>
           </p:cNvPr>
@@ -3983,6 +4636,74 @@
           <a:bodyPr/>
           <a:lstStyle/>
           <a:p>
+            <a:r>
+              <a:rPr kumimoji="1" lang="en" altLang="ko-KR" dirty="0"/>
+              <a:t>research</a:t>
+            </a:r>
+            <a:r>
+              <a:rPr kumimoji="1" lang="ko-KR" altLang="en-US" dirty="0" err="1"/>
+              <a:t>를</a:t>
+            </a:r>
+            <a:r>
+              <a:rPr kumimoji="1" lang="ko-KR" altLang="en-US" dirty="0"/>
+              <a:t> 해서 공급 업체 중에서도 메이저로 할 거냐 마이너로 할 거냐</a:t>
+            </a:r>
+          </a:p>
+          <a:p>
+            <a:r>
+              <a:rPr kumimoji="1" lang="en-US" altLang="ko-KR" dirty="0"/>
+              <a:t>1. </a:t>
+            </a:r>
+            <a:r>
+              <a:rPr kumimoji="1" lang="ko-KR" altLang="en-US" dirty="0"/>
+              <a:t>기성 업체</a:t>
+            </a:r>
+            <a:r>
+              <a:rPr kumimoji="1" lang="en-US" altLang="ko-KR" dirty="0"/>
+              <a:t>(</a:t>
+            </a:r>
+            <a:r>
+              <a:rPr kumimoji="1" lang="ko-KR" altLang="en-US" dirty="0"/>
+              <a:t>있는 것을 홍보하거나 정보를 알려주는 것</a:t>
+            </a:r>
+            <a:r>
+              <a:rPr kumimoji="1" lang="en-US" altLang="ko-KR" dirty="0"/>
+              <a:t>)</a:t>
+            </a:r>
+          </a:p>
+          <a:p>
+            <a:r>
+              <a:rPr kumimoji="1" lang="en-US" altLang="ko-KR" dirty="0"/>
+              <a:t>2. </a:t>
+            </a:r>
+            <a:r>
+              <a:rPr kumimoji="1" lang="ko-KR" altLang="en-US" dirty="0"/>
+              <a:t>서비스화</a:t>
+            </a:r>
+            <a:r>
+              <a:rPr kumimoji="1" lang="en-US" altLang="ko-KR" dirty="0"/>
+              <a:t>(</a:t>
+            </a:r>
+            <a:r>
+              <a:rPr kumimoji="1" lang="ko-KR" altLang="en-US" dirty="0"/>
+              <a:t>다른 차원으로 넘어가는 것</a:t>
+            </a:r>
+            <a:r>
+              <a:rPr kumimoji="1" lang="en-US" altLang="ko-KR" dirty="0"/>
+              <a:t>)(</a:t>
+            </a:r>
+            <a:r>
+              <a:rPr kumimoji="1" lang="en" altLang="ko-KR" dirty="0"/>
+              <a:t>ex : </a:t>
+            </a:r>
+            <a:r>
+              <a:rPr kumimoji="1" lang="ko-KR" altLang="en-US" dirty="0"/>
+              <a:t>정기 배송 등</a:t>
+            </a:r>
+            <a:r>
+              <a:rPr kumimoji="1" lang="en-US" altLang="ko-KR" dirty="0"/>
+              <a:t>)</a:t>
+            </a:r>
             <a:endParaRPr kumimoji="1" lang="ko-KR" altLang="en-US" dirty="0"/>
           </a:p>
         </p:txBody>
@@ -3990,7 +4711,7 @@
     </p:spTree>
     <p:extLst>
       <p:ext uri="{BB962C8B-B14F-4D97-AF65-F5344CB8AC3E}">
-        <p14:creationId xmlns:p14="http://schemas.microsoft.com/office/powerpoint/2010/main" val="1759387882"/>
+        <p14:creationId xmlns:p14="http://schemas.microsoft.com/office/powerpoint/2010/main" val="4222687490"/>
       </p:ext>
     </p:extLst>
   </p:cSld>
@@ -4019,10 +4740,38 @@
       </p:grpSpPr>
       <p:sp>
         <p:nvSpPr>
+          <p:cNvPr id="2" name="제목 1">
+            <a:extLst>
+              <a:ext uri="{FF2B5EF4-FFF2-40B4-BE49-F238E27FC236}">
+                <a16:creationId xmlns:a16="http://schemas.microsoft.com/office/drawing/2014/main" id="{9C508281-2DF6-3F4B-B03E-499380C0C441}"/>
+              </a:ext>
+            </a:extLst>
+          </p:cNvPr>
+          <p:cNvSpPr>
+            <a:spLocks noGrp="1"/>
+          </p:cNvSpPr>
+          <p:nvPr>
+            <p:ph type="title"/>
+          </p:nvPr>
+        </p:nvSpPr>
+        <p:spPr/>
+        <p:txBody>
+          <a:bodyPr/>
+          <a:lstStyle/>
+          <a:p>
+            <a:r>
+              <a:rPr kumimoji="1" lang="ko-KR" altLang="en-US" dirty="0"/>
+              <a:t>질의응답</a:t>
+            </a:r>
+          </a:p>
+        </p:txBody>
+      </p:sp>
+      <p:sp>
+        <p:nvSpPr>
           <p:cNvPr id="3" name="내용 개체 틀 2">
             <a:extLst>
               <a:ext uri="{FF2B5EF4-FFF2-40B4-BE49-F238E27FC236}">
-                <a16:creationId xmlns:a16="http://schemas.microsoft.com/office/drawing/2014/main" id="{6F98B7E9-F878-0E42-A16C-75C889AFE0CE}"/>
+                <a16:creationId xmlns:a16="http://schemas.microsoft.com/office/drawing/2014/main" id="{C088C665-85BA-2947-B1EE-D2C597E1ADDB}"/>
               </a:ext>
             </a:extLst>
           </p:cNvPr>
@@ -4033,41 +4782,11 @@
             <p:ph idx="1"/>
           </p:nvPr>
         </p:nvSpPr>
-        <p:spPr>
-          <a:xfrm>
-            <a:off x="457200" y="260648"/>
-            <a:ext cx="8229600" cy="5865515"/>
-          </a:xfrm>
-        </p:spPr>
-        <p:txBody>
-          <a:bodyPr/>
-          <a:lstStyle/>
-          <a:p>
-            <a:pPr marL="0" indent="0">
-              <a:buNone/>
-            </a:pPr>
-            <a:r>
-              <a:rPr kumimoji="1" lang="ko-KR" altLang="en-US" dirty="0"/>
-              <a:t>감사합니다 </a:t>
-            </a:r>
-            <a:r>
-              <a:rPr kumimoji="1" lang="en-US" altLang="ko-KR" dirty="0">
-                <a:sym typeface="Wingdings" pitchFamily="2" charset="2"/>
-              </a:rPr>
-              <a:t>:</a:t>
-            </a:r>
-            <a:r>
-              <a:rPr kumimoji="1" lang="ko-KR" altLang="en-US" dirty="0">
-                <a:sym typeface="Wingdings" pitchFamily="2" charset="2"/>
-              </a:rPr>
-              <a:t> </a:t>
-            </a:r>
-            <a:r>
-              <a:rPr kumimoji="1" lang="en-US" altLang="ko-KR" dirty="0">
-                <a:sym typeface="Wingdings" pitchFamily="2" charset="2"/>
-              </a:rPr>
-              <a:t>)</a:t>
-            </a:r>
+        <p:spPr/>
+        <p:txBody>
+          <a:bodyPr/>
+          <a:lstStyle/>
+          <a:p>
             <a:endParaRPr kumimoji="1" lang="ko-KR" altLang="en-US" dirty="0"/>
           </a:p>
         </p:txBody>
@@ -4075,7 +4794,7 @@
     </p:spTree>
     <p:extLst>
       <p:ext uri="{BB962C8B-B14F-4D97-AF65-F5344CB8AC3E}">
-        <p14:creationId xmlns:p14="http://schemas.microsoft.com/office/powerpoint/2010/main" val="3977145828"/>
+        <p14:creationId xmlns:p14="http://schemas.microsoft.com/office/powerpoint/2010/main" val="1759387882"/>
       </p:ext>
     </p:extLst>
   </p:cSld>
@@ -4368,4 +5087,299 @@
   <a:objectDefaults/>
   <a:extraClrSchemeLst/>
 </a:theme>
+</file>
+
+<file path=ppt/theme/theme2.xml><?xml version="1.0" encoding="utf-8"?>
+<a:theme xmlns:a="http://schemas.openxmlformats.org/drawingml/2006/main" name="Office 테마">
+  <a:themeElements>
+    <a:clrScheme name="Office">
+      <a:dk1>
+        <a:sysClr val="windowText" lastClr="000000"/>
+      </a:dk1>
+      <a:lt1>
+        <a:sysClr val="window" lastClr="FFFFFF"/>
+      </a:lt1>
+      <a:dk2>
+        <a:srgbClr val="44546A"/>
+      </a:dk2>
+      <a:lt2>
+        <a:srgbClr val="E7E6E6"/>
+      </a:lt2>
+      <a:accent1>
+        <a:srgbClr val="4472C4"/>
+      </a:accent1>
+      <a:accent2>
+        <a:srgbClr val="ED7D31"/>
+      </a:accent2>
+      <a:accent3>
+        <a:srgbClr val="A5A5A5"/>
+      </a:accent3>
+      <a:accent4>
+        <a:srgbClr val="FFC000"/>
+      </a:accent4>
+      <a:accent5>
+        <a:srgbClr val="5B9BD5"/>
+      </a:accent5>
+      <a:accent6>
+        <a:srgbClr val="70AD47"/>
+      </a:accent6>
+      <a:hlink>
+        <a:srgbClr val="0563C1"/>
+      </a:hlink>
+      <a:folHlink>
+        <a:srgbClr val="954F72"/>
+      </a:folHlink>
+    </a:clrScheme>
+    <a:fontScheme name="Office">
+      <a:majorFont>
+        <a:latin typeface="맑은 고딕" panose="020F0302020204030204"/>
+        <a:ea typeface=""/>
+        <a:cs typeface=""/>
+        <a:font script="Jpan" typeface="游ゴシック Light"/>
+        <a:font script="Hang" typeface="맑은 고딕"/>
+        <a:font script="Hans" typeface="等线 Light"/>
+        <a:font script="Hant" typeface="新細明體"/>
+        <a:font script="Arab" typeface="Times New Roman"/>
+        <a:font script="Hebr" typeface="Times New Roman"/>
+        <a:font script="Thai" typeface="Angsana New"/>
+        <a:font script="Ethi" typeface="Nyala"/>
+        <a:font script="Beng" typeface="Vrinda"/>
+        <a:font script="Gujr" typeface="Shruti"/>
+        <a:font script="Khmr" typeface="MoolBoran"/>
+        <a:font script="Knda" typeface="Tunga"/>
+        <a:font script="Guru" typeface="Raavi"/>
+        <a:font script="Cans" typeface="Euphemia"/>
+        <a:font script="Cher" typeface="Plantagenet Cherokee"/>
+        <a:font script="Yiii" typeface="Microsoft Yi Baiti"/>
+        <a:font script="Tibt" typeface="Microsoft Himalaya"/>
+        <a:font script="Thaa" typeface="MV Boli"/>
+        <a:font script="Deva" typeface="Mangal"/>
+        <a:font script="Telu" typeface="Gautami"/>
+        <a:font script="Taml" typeface="Latha"/>
+        <a:font script="Syrc" typeface="Estrangelo Edessa"/>
+        <a:font script="Orya" typeface="Kalinga"/>
+        <a:font script="Mlym" typeface="Kartika"/>
+        <a:font script="Laoo" typeface="DokChampa"/>
+        <a:font script="Sinh" typeface="Iskoola Pota"/>
+        <a:font script="Mong" typeface="Mongolian Baiti"/>
+        <a:font script="Viet" typeface="Times New Roman"/>
+        <a:font script="Uigh" typeface="Microsoft Uighur"/>
+        <a:font script="Geor" typeface="Sylfaen"/>
+        <a:font script="Armn" typeface="Arial"/>
+        <a:font script="Bugi" typeface="Leelawadee UI"/>
+        <a:font script="Bopo" typeface="Microsoft JhengHei"/>
+        <a:font script="Java" typeface="Javanese Text"/>
+        <a:font script="Lisu" typeface="Segoe UI"/>
+        <a:font script="Mymr" typeface="Myanmar Text"/>
+        <a:font script="Nkoo" typeface="Ebrima"/>
+        <a:font script="Olck" typeface="Nirmala UI"/>
+        <a:font script="Osma" typeface="Ebrima"/>
+        <a:font script="Phag" typeface="Phagspa"/>
+        <a:font script="Syrn" typeface="Estrangelo Edessa"/>
+        <a:font script="Syrj" typeface="Estrangelo Edessa"/>
+        <a:font script="Syre" typeface="Estrangelo Edessa"/>
+        <a:font script="Sora" typeface="Nirmala UI"/>
+        <a:font script="Tale" typeface="Microsoft Tai Le"/>
+        <a:font script="Talu" typeface="Microsoft New Tai Lue"/>
+        <a:font script="Tfng" typeface="Ebrima"/>
+      </a:majorFont>
+      <a:minorFont>
+        <a:latin typeface="맑은 고딕" panose="020F0502020204030204"/>
+        <a:ea typeface=""/>
+        <a:cs typeface=""/>
+        <a:font script="Jpan" typeface="游ゴシック"/>
+        <a:font script="Hang" typeface="맑은 고딕"/>
+        <a:font script="Hans" typeface="等线"/>
+        <a:font script="Hant" typeface="新細明體"/>
+        <a:font script="Arab" typeface="Arial"/>
+        <a:font script="Hebr" typeface="Arial"/>
+        <a:font script="Thai" typeface="Cordia New"/>
+        <a:font script="Ethi" typeface="Nyala"/>
+        <a:font script="Beng" typeface="Vrinda"/>
+        <a:font script="Gujr" typeface="Shruti"/>
+        <a:font script="Khmr" typeface="DaunPenh"/>
+        <a:font script="Knda" typeface="Tunga"/>
+        <a:font script="Guru" typeface="Raavi"/>
+        <a:font script="Cans" typeface="Euphemia"/>
+        <a:font script="Cher" typeface="Plantagenet Cherokee"/>
+        <a:font script="Yiii" typeface="Microsoft Yi Baiti"/>
+        <a:font script="Tibt" typeface="Microsoft Himalaya"/>
+        <a:font script="Thaa" typeface="MV Boli"/>
+        <a:font script="Deva" typeface="Mangal"/>
+        <a:font script="Telu" typeface="Gautami"/>
+        <a:font script="Taml" typeface="Latha"/>
+        <a:font script="Syrc" typeface="Estrangelo Edessa"/>
+        <a:font script="Orya" typeface="Kalinga"/>
+        <a:font script="Mlym" typeface="Kartika"/>
+        <a:font script="Laoo" typeface="DokChampa"/>
+        <a:font script="Sinh" typeface="Iskoola Pota"/>
+        <a:font script="Mong" typeface="Mongolian Baiti"/>
+        <a:font script="Viet" typeface="Arial"/>
+        <a:font script="Uigh" typeface="Microsoft Uighur"/>
+        <a:font script="Geor" typeface="Sylfaen"/>
+        <a:font script="Armn" typeface="Arial"/>
+        <a:font script="Bugi" typeface="Leelawadee UI"/>
+        <a:font script="Bopo" typeface="Microsoft JhengHei"/>
+        <a:font script="Java" typeface="Javanese Text"/>
+        <a:font script="Lisu" typeface="Segoe UI"/>
+        <a:font script="Mymr" typeface="Myanmar Text"/>
+        <a:font script="Nkoo" typeface="Ebrima"/>
+        <a:font script="Olck" typeface="Nirmala UI"/>
+        <a:font script="Osma" typeface="Ebrima"/>
+        <a:font script="Phag" typeface="Phagspa"/>
+        <a:font script="Syrn" typeface="Estrangelo Edessa"/>
+        <a:font script="Syrj" typeface="Estrangelo Edessa"/>
+        <a:font script="Syre" typeface="Estrangelo Edessa"/>
+        <a:font script="Sora" typeface="Nirmala UI"/>
+        <a:font script="Tale" typeface="Microsoft Tai Le"/>
+        <a:font script="Talu" typeface="Microsoft New Tai Lue"/>
+        <a:font script="Tfng" typeface="Ebrima"/>
+      </a:minorFont>
+    </a:fontScheme>
+    <a:fmtScheme name="Office">
+      <a:fillStyleLst>
+        <a:solidFill>
+          <a:schemeClr val="phClr"/>
+        </a:solidFill>
+        <a:gradFill rotWithShape="1">
+          <a:gsLst>
+            <a:gs pos="0">
+              <a:schemeClr val="phClr">
+                <a:lumMod val="110000"/>
+                <a:satMod val="105000"/>
+                <a:tint val="67000"/>
+              </a:schemeClr>
+            </a:gs>
+            <a:gs pos="50000">
+              <a:schemeClr val="phClr">
+                <a:lumMod val="105000"/>
+                <a:satMod val="103000"/>
+                <a:tint val="73000"/>
+              </a:schemeClr>
+            </a:gs>
+            <a:gs pos="100000">
+              <a:schemeClr val="phClr">
+                <a:lumMod val="105000"/>
+                <a:satMod val="109000"/>
+                <a:tint val="81000"/>
+              </a:schemeClr>
+            </a:gs>
+          </a:gsLst>
+          <a:lin ang="5400000" scaled="0"/>
+        </a:gradFill>
+        <a:gradFill rotWithShape="1">
+          <a:gsLst>
+            <a:gs pos="0">
+              <a:schemeClr val="phClr">
+                <a:satMod val="103000"/>
+                <a:lumMod val="102000"/>
+                <a:tint val="94000"/>
+              </a:schemeClr>
+            </a:gs>
+            <a:gs pos="50000">
+              <a:schemeClr val="phClr">
+                <a:satMod val="110000"/>
+                <a:lumMod val="100000"/>
+                <a:shade val="100000"/>
+              </a:schemeClr>
+            </a:gs>
+            <a:gs pos="100000">
+              <a:schemeClr val="phClr">
+                <a:lumMod val="99000"/>
+                <a:satMod val="120000"/>
+                <a:shade val="78000"/>
+              </a:schemeClr>
+            </a:gs>
+          </a:gsLst>
+          <a:lin ang="5400000" scaled="0"/>
+        </a:gradFill>
+      </a:fillStyleLst>
+      <a:lnStyleLst>
+        <a:ln w="6350" cap="flat" cmpd="sng" algn="ctr">
+          <a:solidFill>
+            <a:schemeClr val="phClr"/>
+          </a:solidFill>
+          <a:prstDash val="solid"/>
+          <a:miter lim="800000"/>
+        </a:ln>
+        <a:ln w="12700" cap="flat" cmpd="sng" algn="ctr">
+          <a:solidFill>
+            <a:schemeClr val="phClr"/>
+          </a:solidFill>
+          <a:prstDash val="solid"/>
+          <a:miter lim="800000"/>
+        </a:ln>
+        <a:ln w="19050" cap="flat" cmpd="sng" algn="ctr">
+          <a:solidFill>
+            <a:schemeClr val="phClr"/>
+          </a:solidFill>
+          <a:prstDash val="solid"/>
+          <a:miter lim="800000"/>
+        </a:ln>
+      </a:lnStyleLst>
+      <a:effectStyleLst>
+        <a:effectStyle>
+          <a:effectLst/>
+        </a:effectStyle>
+        <a:effectStyle>
+          <a:effectLst/>
+        </a:effectStyle>
+        <a:effectStyle>
+          <a:effectLst>
+            <a:outerShdw blurRad="57150" dist="19050" dir="5400000" algn="ctr" rotWithShape="0">
+              <a:srgbClr val="000000">
+                <a:alpha val="63000"/>
+              </a:srgbClr>
+            </a:outerShdw>
+          </a:effectLst>
+        </a:effectStyle>
+      </a:effectStyleLst>
+      <a:bgFillStyleLst>
+        <a:solidFill>
+          <a:schemeClr val="phClr"/>
+        </a:solidFill>
+        <a:solidFill>
+          <a:schemeClr val="phClr">
+            <a:tint val="95000"/>
+            <a:satMod val="170000"/>
+          </a:schemeClr>
+        </a:solidFill>
+        <a:gradFill rotWithShape="1">
+          <a:gsLst>
+            <a:gs pos="0">
+              <a:schemeClr val="phClr">
+                <a:tint val="93000"/>
+                <a:satMod val="150000"/>
+                <a:shade val="98000"/>
+                <a:lumMod val="102000"/>
+              </a:schemeClr>
+            </a:gs>
+            <a:gs pos="50000">
+              <a:schemeClr val="phClr">
+                <a:tint val="98000"/>
+                <a:satMod val="130000"/>
+                <a:shade val="90000"/>
+                <a:lumMod val="103000"/>
+              </a:schemeClr>
+            </a:gs>
+            <a:gs pos="100000">
+              <a:schemeClr val="phClr">
+                <a:shade val="63000"/>
+                <a:satMod val="120000"/>
+              </a:schemeClr>
+            </a:gs>
+          </a:gsLst>
+          <a:lin ang="5400000" scaled="0"/>
+        </a:gradFill>
+      </a:bgFillStyleLst>
+    </a:fmtScheme>
+  </a:themeElements>
+  <a:objectDefaults/>
+  <a:extraClrSchemeLst/>
+  <a:extLst>
+    <a:ext uri="{05A4C25C-085E-4340-85A3-A5531E510DB2}">
+      <thm15:themeFamily xmlns:thm15="http://schemas.microsoft.com/office/thememl/2012/main" name="Office Theme" id="{62F939B6-93AF-4DB8-9C6B-D6C7DFDC589F}" vid="{4A3C46E8-61CC-4603-A589-7422A47A8E4A}"/>
+    </a:ext>
+  </a:extLst>
+</a:theme>
 </file>
--- a/ideatoneppt.pptx
+++ b/ideatoneppt.pptx
@@ -3767,7 +3767,7 @@
               <a:t>-</a:t>
             </a:r>
             <a:r>
-              <a:rPr lang="ko-KR" altLang="en-US"/>
+              <a:rPr lang="ko-KR" altLang="en-US" dirty="0"/>
               <a:t>등급제도</a:t>
             </a:r>
           </a:p>
@@ -4102,68 +4102,79 @@
           </a:p>
         </p:txBody>
       </p:sp>
-      <p:sp>
-        <p:nvSpPr>
-          <p:cNvPr id="7" name="내용 개체 틀 6">
+      <p:pic>
+        <p:nvPicPr>
+          <p:cNvPr id="9" name="내용 개체 틀 8" descr="스크린샷이(가) 표시된 사진&#10;&#10;&#10;&#10;자동 생성된 설명">
             <a:extLst>
               <a:ext uri="{FF2B5EF4-FFF2-40B4-BE49-F238E27FC236}">
-                <a16:creationId xmlns:a16="http://schemas.microsoft.com/office/drawing/2014/main" id="{8376BFEE-FF51-DD42-B6AF-0E4EB5FA1CC0}"/>
+                <a16:creationId xmlns:a16="http://schemas.microsoft.com/office/drawing/2014/main" id="{49F20AB3-A0D8-E445-957D-6C1CF569A8C4}"/>
               </a:ext>
             </a:extLst>
           </p:cNvPr>
-          <p:cNvSpPr>
-            <a:spLocks noGrp="1"/>
-          </p:cNvSpPr>
+          <p:cNvPicPr>
+            <a:picLocks noGrp="1" noChangeAspect="1"/>
+          </p:cNvPicPr>
           <p:nvPr>
             <p:ph idx="1"/>
           </p:nvPr>
-        </p:nvSpPr>
-        <p:spPr/>
-        <p:txBody>
-          <a:bodyPr/>
-          <a:lstStyle/>
-          <a:p>
-            <a:r>
-              <a:rPr kumimoji="1" lang="ko-KR" altLang="en-US" dirty="0"/>
-              <a:t>이 제품은 마스크 착용을 장려하고 구매를 쉽게 도와주는 앱이다</a:t>
-            </a:r>
-            <a:r>
-              <a:rPr kumimoji="1" lang="en-US" altLang="ko-KR" dirty="0"/>
-              <a:t>.</a:t>
-            </a:r>
-            <a:r>
-              <a:rPr kumimoji="1" lang="ko-KR" altLang="en-US" dirty="0"/>
-              <a:t> 현 대기 상황에 맞는 제품을 추천해주고 </a:t>
-            </a:r>
-            <a:r>
-              <a:rPr kumimoji="1" lang="ko-KR" altLang="en-US" dirty="0" err="1"/>
-              <a:t>정기구매</a:t>
-            </a:r>
-            <a:r>
-              <a:rPr kumimoji="1" lang="ko-KR" altLang="en-US" dirty="0"/>
-              <a:t> 및 미세먼지 관련 상품을   </a:t>
-            </a:r>
-            <a:endParaRPr kumimoji="1" lang="en-US" altLang="ko-KR" dirty="0"/>
-          </a:p>
-          <a:p>
-            <a:r>
-              <a:rPr kumimoji="1" lang="ko-KR" altLang="en-US" dirty="0"/>
-              <a:t>요약 </a:t>
-            </a:r>
-            <a:r>
-              <a:rPr kumimoji="1" lang="en-US" altLang="ko-KR" dirty="0"/>
-              <a:t>,</a:t>
-            </a:r>
-            <a:r>
-              <a:rPr kumimoji="1" lang="ko-KR" altLang="en-US" dirty="0"/>
-              <a:t>차별성  </a:t>
-            </a:r>
-          </a:p>
-          <a:p>
-            <a:endParaRPr lang="ko-KR" altLang="en-US" dirty="0"/>
-          </a:p>
-        </p:txBody>
-      </p:sp>
+        </p:nvPicPr>
+        <p:blipFill rotWithShape="1">
+          <a:blip r:embed="rId2">
+            <a:extLst>
+              <a:ext uri="{28A0092B-C50C-407E-A947-70E740481C1C}">
+                <a14:useLocalDpi xmlns:a14="http://schemas.microsoft.com/office/drawing/2010/main" val="0"/>
+              </a:ext>
+            </a:extLst>
+          </a:blip>
+          <a:srcRect l="23539" t="33410" r="26460" b="7724"/>
+          <a:stretch/>
+        </p:blipFill>
+        <p:spPr>
+          <a:xfrm>
+            <a:off x="1187624" y="1690840"/>
+            <a:ext cx="2376000" cy="4135166"/>
+          </a:xfrm>
+          <a:prstGeom prst="flowChartAlternateProcess">
+            <a:avLst/>
+          </a:prstGeom>
+        </p:spPr>
+      </p:pic>
+      <p:pic>
+        <p:nvPicPr>
+          <p:cNvPr id="10" name="내용 개체 틀 4" descr="스크린샷이(가) 표시된 사진&#10;&#10;&#10;&#10;자동 생성된 설명">
+            <a:extLst>
+              <a:ext uri="{FF2B5EF4-FFF2-40B4-BE49-F238E27FC236}">
+                <a16:creationId xmlns:a16="http://schemas.microsoft.com/office/drawing/2014/main" id="{8ECB2695-C803-364D-BF30-932C21F166BA}"/>
+              </a:ext>
+            </a:extLst>
+          </p:cNvPr>
+          <p:cNvPicPr>
+            <a:picLocks noChangeAspect="1"/>
+          </p:cNvPicPr>
+          <p:nvPr/>
+        </p:nvPicPr>
+        <p:blipFill>
+          <a:blip r:embed="rId3">
+            <a:extLst>
+              <a:ext uri="{28A0092B-C50C-407E-A947-70E740481C1C}">
+                <a14:useLocalDpi xmlns:a14="http://schemas.microsoft.com/office/drawing/2010/main" val="0"/>
+              </a:ext>
+            </a:extLst>
+          </a:blip>
+          <a:stretch>
+            <a:fillRect/>
+          </a:stretch>
+        </p:blipFill>
+        <p:spPr>
+          <a:xfrm>
+            <a:off x="1403648" y="2204864"/>
+            <a:ext cx="2023200" cy="2962296"/>
+          </a:xfrm>
+          <a:prstGeom prst="rect">
+            <a:avLst/>
+          </a:prstGeom>
+        </p:spPr>
+      </p:pic>
     </p:spTree>
     <p:extLst>
       <p:ext uri="{BB962C8B-B14F-4D97-AF65-F5344CB8AC3E}">

--- a/ideatoneppt.pptx
+++ b/ideatoneppt.pptx
@@ -5,19 +5,20 @@
     <p:sldMasterId id="2147483648" r:id="rId1"/>
   </p:sldMasterIdLst>
   <p:notesMasterIdLst>
-    <p:notesMasterId r:id="rId12"/>
+    <p:notesMasterId r:id="rId13"/>
   </p:notesMasterIdLst>
   <p:sldIdLst>
     <p:sldId id="266" r:id="rId2"/>
     <p:sldId id="256" r:id="rId3"/>
     <p:sldId id="257" r:id="rId4"/>
     <p:sldId id="260" r:id="rId5"/>
-    <p:sldId id="265" r:id="rId6"/>
-    <p:sldId id="261" r:id="rId7"/>
-    <p:sldId id="258" r:id="rId8"/>
-    <p:sldId id="262" r:id="rId9"/>
-    <p:sldId id="263" r:id="rId10"/>
-    <p:sldId id="264" r:id="rId11"/>
+    <p:sldId id="267" r:id="rId6"/>
+    <p:sldId id="268" r:id="rId7"/>
+    <p:sldId id="261" r:id="rId8"/>
+    <p:sldId id="258" r:id="rId9"/>
+    <p:sldId id="262" r:id="rId10"/>
+    <p:sldId id="263" r:id="rId11"/>
+    <p:sldId id="264" r:id="rId12"/>
   </p:sldIdLst>
   <p:sldSz cx="9144000" cy="6858000" type="screen4x3"/>
   <p:notesSz cx="6858000" cy="9144000"/>
@@ -118,7 +119,7 @@
   </p:defaultTextStyle>
   <p:extLst>
     <p:ext uri="{EFAFB233-063F-42B5-8137-9DF3F51BA10A}">
-      <p15:sldGuideLst xmlns:p15="http://schemas.microsoft.com/office/powerpoint/2012/main">
+      <p15:sldGuideLst xmlns:p15="http://schemas.microsoft.com/office/powerpoint/2012/main" xmlns="">
         <p15:guide id="1" orient="horz" pos="2160">
           <p15:clr>
             <a:srgbClr val="A4A3A4"/>
@@ -217,7 +218,7 @@
           <a:p>
             <a:fld id="{A6C8F092-C767-FC4F-B808-83A348BB618C}" type="datetimeFigureOut">
               <a:rPr kumimoji="1" lang="ko-KR" altLang="en-US" smtClean="0"/>
-              <a:t>2018. 11. 10.</a:t>
+              <a:t>2018-11-10</a:t>
             </a:fld>
             <a:endParaRPr kumimoji="1" lang="ko-KR" altLang="en-US"/>
           </a:p>
@@ -726,7 +727,7 @@
           <a:p>
             <a:fld id="{8E20E162-3880-4AB0-B825-B924C8552DF4}" type="datetimeFigureOut">
               <a:rPr lang="ko-KR" altLang="en-US" smtClean="0"/>
-              <a:t>2018. 11. 9.</a:t>
+              <a:t>2018-11-10</a:t>
             </a:fld>
             <a:endParaRPr lang="ko-KR" altLang="en-US"/>
           </a:p>
@@ -894,7 +895,7 @@
           <a:p>
             <a:fld id="{8E20E162-3880-4AB0-B825-B924C8552DF4}" type="datetimeFigureOut">
               <a:rPr lang="ko-KR" altLang="en-US" smtClean="0"/>
-              <a:t>2018. 11. 9.</a:t>
+              <a:t>2018-11-10</a:t>
             </a:fld>
             <a:endParaRPr lang="ko-KR" altLang="en-US"/>
           </a:p>
@@ -1072,7 +1073,7 @@
           <a:p>
             <a:fld id="{8E20E162-3880-4AB0-B825-B924C8552DF4}" type="datetimeFigureOut">
               <a:rPr lang="ko-KR" altLang="en-US" smtClean="0"/>
-              <a:t>2018. 11. 9.</a:t>
+              <a:t>2018-11-10</a:t>
             </a:fld>
             <a:endParaRPr lang="ko-KR" altLang="en-US"/>
           </a:p>
@@ -1240,7 +1241,7 @@
           <a:p>
             <a:fld id="{8E20E162-3880-4AB0-B825-B924C8552DF4}" type="datetimeFigureOut">
               <a:rPr lang="ko-KR" altLang="en-US" smtClean="0"/>
-              <a:t>2018. 11. 9.</a:t>
+              <a:t>2018-11-10</a:t>
             </a:fld>
             <a:endParaRPr lang="ko-KR" altLang="en-US"/>
           </a:p>
@@ -1485,7 +1486,7 @@
           <a:p>
             <a:fld id="{8E20E162-3880-4AB0-B825-B924C8552DF4}" type="datetimeFigureOut">
               <a:rPr lang="ko-KR" altLang="en-US" smtClean="0"/>
-              <a:t>2018. 11. 9.</a:t>
+              <a:t>2018-11-10</a:t>
             </a:fld>
             <a:endParaRPr lang="ko-KR" altLang="en-US"/>
           </a:p>
@@ -1770,7 +1771,7 @@
           <a:p>
             <a:fld id="{8E20E162-3880-4AB0-B825-B924C8552DF4}" type="datetimeFigureOut">
               <a:rPr lang="ko-KR" altLang="en-US" smtClean="0"/>
-              <a:t>2018. 11. 9.</a:t>
+              <a:t>2018-11-10</a:t>
             </a:fld>
             <a:endParaRPr lang="ko-KR" altLang="en-US"/>
           </a:p>
@@ -2189,7 +2190,7 @@
           <a:p>
             <a:fld id="{8E20E162-3880-4AB0-B825-B924C8552DF4}" type="datetimeFigureOut">
               <a:rPr lang="ko-KR" altLang="en-US" smtClean="0"/>
-              <a:t>2018. 11. 9.</a:t>
+              <a:t>2018-11-10</a:t>
             </a:fld>
             <a:endParaRPr lang="ko-KR" altLang="en-US"/>
           </a:p>
@@ -2306,7 +2307,7 @@
           <a:p>
             <a:fld id="{8E20E162-3880-4AB0-B825-B924C8552DF4}" type="datetimeFigureOut">
               <a:rPr lang="ko-KR" altLang="en-US" smtClean="0"/>
-              <a:t>2018. 11. 9.</a:t>
+              <a:t>2018-11-10</a:t>
             </a:fld>
             <a:endParaRPr lang="ko-KR" altLang="en-US"/>
           </a:p>
@@ -2401,7 +2402,7 @@
           <a:p>
             <a:fld id="{8E20E162-3880-4AB0-B825-B924C8552DF4}" type="datetimeFigureOut">
               <a:rPr lang="ko-KR" altLang="en-US" smtClean="0"/>
-              <a:t>2018. 11. 9.</a:t>
+              <a:t>2018-11-10</a:t>
             </a:fld>
             <a:endParaRPr lang="ko-KR" altLang="en-US"/>
           </a:p>
@@ -2676,7 +2677,7 @@
           <a:p>
             <a:fld id="{8E20E162-3880-4AB0-B825-B924C8552DF4}" type="datetimeFigureOut">
               <a:rPr lang="ko-KR" altLang="en-US" smtClean="0"/>
-              <a:t>2018. 11. 9.</a:t>
+              <a:t>2018-11-10</a:t>
             </a:fld>
             <a:endParaRPr lang="ko-KR" altLang="en-US"/>
           </a:p>
@@ -2928,7 +2929,7 @@
           <a:p>
             <a:fld id="{8E20E162-3880-4AB0-B825-B924C8552DF4}" type="datetimeFigureOut">
               <a:rPr lang="ko-KR" altLang="en-US" smtClean="0"/>
-              <a:t>2018. 11. 9.</a:t>
+              <a:t>2018-11-10</a:t>
             </a:fld>
             <a:endParaRPr lang="ko-KR" altLang="en-US"/>
           </a:p>
@@ -3139,7 +3140,7 @@
           <a:p>
             <a:fld id="{8E20E162-3880-4AB0-B825-B924C8552DF4}" type="datetimeFigureOut">
               <a:rPr lang="ko-KR" altLang="en-US" smtClean="0"/>
-              <a:t>2018. 11. 9.</a:t>
+              <a:t>2018-11-10</a:t>
             </a:fld>
             <a:endParaRPr lang="ko-KR" altLang="en-US"/>
           </a:p>
@@ -3519,7 +3520,7 @@
           <p:cNvPr id="2" name="제목 1">
             <a:extLst>
               <a:ext uri="{FF2B5EF4-FFF2-40B4-BE49-F238E27FC236}">
-                <a16:creationId xmlns:a16="http://schemas.microsoft.com/office/drawing/2014/main" id="{E8EBD7A7-4630-1047-9A97-D89735A59B12}"/>
+                <a16:creationId xmlns:a16="http://schemas.microsoft.com/office/drawing/2014/main" xmlns="" id="{E8EBD7A7-4630-1047-9A97-D89735A59B12}"/>
               </a:ext>
             </a:extLst>
           </p:cNvPr>
@@ -3555,7 +3556,7 @@
           <p:cNvPr id="3" name="내용 개체 틀 2">
             <a:extLst>
               <a:ext uri="{FF2B5EF4-FFF2-40B4-BE49-F238E27FC236}">
-                <a16:creationId xmlns:a16="http://schemas.microsoft.com/office/drawing/2014/main" id="{BA9874B2-5A79-0C4C-AEDC-6599047D15CC}"/>
+                <a16:creationId xmlns:a16="http://schemas.microsoft.com/office/drawing/2014/main" xmlns="" id="{BA9874B2-5A79-0C4C-AEDC-6599047D15CC}"/>
               </a:ext>
             </a:extLst>
           </p:cNvPr>
@@ -3726,6 +3727,10 @@
             </a:r>
           </a:p>
           <a:p>
+            <a:r>
+              <a:rPr lang="ko-KR" altLang="en-US" dirty="0"/>
+              <a:t/>
+            </a:r>
             <a:br>
               <a:rPr lang="ko-KR" altLang="en-US" dirty="0"/>
             </a:br>
@@ -3808,10 +3813,93 @@
       </p:grpSpPr>
       <p:sp>
         <p:nvSpPr>
+          <p:cNvPr id="2" name="제목 1">
+            <a:extLst>
+              <a:ext uri="{FF2B5EF4-FFF2-40B4-BE49-F238E27FC236}">
+                <a16:creationId xmlns:a16="http://schemas.microsoft.com/office/drawing/2014/main" xmlns="" id="{9C508281-2DF6-3F4B-B03E-499380C0C441}"/>
+              </a:ext>
+            </a:extLst>
+          </p:cNvPr>
+          <p:cNvSpPr>
+            <a:spLocks noGrp="1"/>
+          </p:cNvSpPr>
+          <p:nvPr>
+            <p:ph type="title"/>
+          </p:nvPr>
+        </p:nvSpPr>
+        <p:spPr/>
+        <p:txBody>
+          <a:bodyPr/>
+          <a:lstStyle/>
+          <a:p>
+            <a:r>
+              <a:rPr kumimoji="1" lang="ko-KR" altLang="en-US" dirty="0"/>
+              <a:t>질의응답</a:t>
+            </a:r>
+          </a:p>
+        </p:txBody>
+      </p:sp>
+      <p:sp>
+        <p:nvSpPr>
           <p:cNvPr id="3" name="내용 개체 틀 2">
             <a:extLst>
               <a:ext uri="{FF2B5EF4-FFF2-40B4-BE49-F238E27FC236}">
-                <a16:creationId xmlns:a16="http://schemas.microsoft.com/office/drawing/2014/main" id="{6F98B7E9-F878-0E42-A16C-75C889AFE0CE}"/>
+                <a16:creationId xmlns:a16="http://schemas.microsoft.com/office/drawing/2014/main" xmlns="" id="{C088C665-85BA-2947-B1EE-D2C597E1ADDB}"/>
+              </a:ext>
+            </a:extLst>
+          </p:cNvPr>
+          <p:cNvSpPr>
+            <a:spLocks noGrp="1"/>
+          </p:cNvSpPr>
+          <p:nvPr>
+            <p:ph idx="1"/>
+          </p:nvPr>
+        </p:nvSpPr>
+        <p:spPr/>
+        <p:txBody>
+          <a:bodyPr/>
+          <a:lstStyle/>
+          <a:p>
+            <a:endParaRPr kumimoji="1" lang="ko-KR" altLang="en-US" dirty="0"/>
+          </a:p>
+        </p:txBody>
+      </p:sp>
+    </p:spTree>
+    <p:extLst>
+      <p:ext uri="{BB962C8B-B14F-4D97-AF65-F5344CB8AC3E}">
+        <p14:creationId xmlns:p14="http://schemas.microsoft.com/office/powerpoint/2010/main" val="1759387882"/>
+      </p:ext>
+    </p:extLst>
+  </p:cSld>
+  <p:clrMapOvr>
+    <a:masterClrMapping/>
+  </p:clrMapOvr>
+</p:sld>
+</file>
+
+<file path=ppt/slides/slide11.xml><?xml version="1.0" encoding="utf-8"?>
+<p:sld xmlns:a="http://schemas.openxmlformats.org/drawingml/2006/main" xmlns:r="http://schemas.openxmlformats.org/officeDocument/2006/relationships" xmlns:p="http://schemas.openxmlformats.org/presentationml/2006/main">
+  <p:cSld>
+    <p:spTree>
+      <p:nvGrpSpPr>
+        <p:cNvPr id="1" name=""/>
+        <p:cNvGrpSpPr/>
+        <p:nvPr/>
+      </p:nvGrpSpPr>
+      <p:grpSpPr>
+        <a:xfrm>
+          <a:off x="0" y="0"/>
+          <a:ext cx="0" cy="0"/>
+          <a:chOff x="0" y="0"/>
+          <a:chExt cx="0" cy="0"/>
+        </a:xfrm>
+      </p:grpSpPr>
+      <p:sp>
+        <p:nvSpPr>
+          <p:cNvPr id="3" name="내용 개체 틀 2">
+            <a:extLst>
+              <a:ext uri="{FF2B5EF4-FFF2-40B4-BE49-F238E27FC236}">
+                <a16:creationId xmlns:a16="http://schemas.microsoft.com/office/drawing/2014/main" xmlns="" id="{6F98B7E9-F878-0E42-A16C-75C889AFE0CE}"/>
               </a:ext>
             </a:extLst>
           </p:cNvPr>
@@ -4001,7 +4089,7 @@
           <p:cNvPr id="2" name="제목 1">
             <a:extLst>
               <a:ext uri="{FF2B5EF4-FFF2-40B4-BE49-F238E27FC236}">
-                <a16:creationId xmlns:a16="http://schemas.microsoft.com/office/drawing/2014/main" id="{CC5C8BD3-3AF1-C748-835F-F0A286C90A18}"/>
+                <a16:creationId xmlns:a16="http://schemas.microsoft.com/office/drawing/2014/main" xmlns="" id="{CC5C8BD3-3AF1-C748-835F-F0A286C90A18}"/>
               </a:ext>
             </a:extLst>
           </p:cNvPr>
@@ -4071,7 +4159,7 @@
           <p:cNvPr id="2" name="제목 1">
             <a:extLst>
               <a:ext uri="{FF2B5EF4-FFF2-40B4-BE49-F238E27FC236}">
-                <a16:creationId xmlns:a16="http://schemas.microsoft.com/office/drawing/2014/main" id="{117210B6-0999-9C4F-954D-22D6B30F9E70}"/>
+                <a16:creationId xmlns:a16="http://schemas.microsoft.com/office/drawing/2014/main" xmlns="" id="{117210B6-0999-9C4F-954D-22D6B30F9E70}"/>
               </a:ext>
             </a:extLst>
           </p:cNvPr>
@@ -4107,7 +4195,7 @@
           <p:cNvPr id="9" name="내용 개체 틀 8" descr="스크린샷이(가) 표시된 사진&#10;&#10;&#10;&#10;자동 생성된 설명">
             <a:extLst>
               <a:ext uri="{FF2B5EF4-FFF2-40B4-BE49-F238E27FC236}">
-                <a16:creationId xmlns:a16="http://schemas.microsoft.com/office/drawing/2014/main" id="{49F20AB3-A0D8-E445-957D-6C1CF569A8C4}"/>
+                <a16:creationId xmlns:a16="http://schemas.microsoft.com/office/drawing/2014/main" xmlns="" id="{49F20AB3-A0D8-E445-957D-6C1CF569A8C4}"/>
               </a:ext>
             </a:extLst>
           </p:cNvPr>
@@ -4131,7 +4219,7 @@
         </p:blipFill>
         <p:spPr>
           <a:xfrm>
-            <a:off x="1187624" y="1690840"/>
+            <a:off x="1979976" y="1690840"/>
             <a:ext cx="2376000" cy="4135166"/>
           </a:xfrm>
           <a:prstGeom prst="flowChartAlternateProcess">
@@ -4144,7 +4232,7 @@
           <p:cNvPr id="10" name="내용 개체 틀 4" descr="스크린샷이(가) 표시된 사진&#10;&#10;&#10;&#10;자동 생성된 설명">
             <a:extLst>
               <a:ext uri="{FF2B5EF4-FFF2-40B4-BE49-F238E27FC236}">
-                <a16:creationId xmlns:a16="http://schemas.microsoft.com/office/drawing/2014/main" id="{8ECB2695-C803-364D-BF30-932C21F166BA}"/>
+                <a16:creationId xmlns:a16="http://schemas.microsoft.com/office/drawing/2014/main" xmlns="" id="{8ECB2695-C803-364D-BF30-932C21F166BA}"/>
               </a:ext>
             </a:extLst>
           </p:cNvPr>
@@ -4154,7 +4242,7 @@
           <p:nvPr/>
         </p:nvPicPr>
         <p:blipFill>
-          <a:blip r:embed="rId3">
+          <a:blip r:embed="rId3" cstate="print">
             <a:extLst>
               <a:ext uri="{28A0092B-C50C-407E-A947-70E740481C1C}">
                 <a14:useLocalDpi xmlns:a14="http://schemas.microsoft.com/office/drawing/2010/main" val="0"/>
@@ -4167,7 +4255,7 @@
         </p:blipFill>
         <p:spPr>
           <a:xfrm>
-            <a:off x="1403648" y="2204864"/>
+            <a:off x="2195736" y="2204864"/>
             <a:ext cx="2023200" cy="2962296"/>
           </a:xfrm>
           <a:prstGeom prst="rect">
@@ -4207,70 +4295,48 @@
       </p:grpSpPr>
       <p:sp>
         <p:nvSpPr>
-          <p:cNvPr id="2" name="제목 1">
+          <p:cNvPr id="2" name="제목 1"/>
+          <p:cNvSpPr>
+            <a:spLocks noGrp="1"/>
+          </p:cNvSpPr>
+          <p:nvPr>
+            <p:ph type="title"/>
+          </p:nvPr>
+        </p:nvSpPr>
+        <p:spPr/>
+        <p:txBody>
+          <a:bodyPr/>
+          <a:lstStyle/>
+          <a:p>
+            <a:endParaRPr lang="ko-KR" altLang="en-US"/>
+          </a:p>
+        </p:txBody>
+      </p:sp>
+      <p:sp>
+        <p:nvSpPr>
+          <p:cNvPr id="3" name="내용 개체 틀 2"/>
+          <p:cNvSpPr>
+            <a:spLocks noGrp="1"/>
+          </p:cNvSpPr>
+          <p:nvPr>
+            <p:ph idx="1"/>
+          </p:nvPr>
+        </p:nvSpPr>
+        <p:spPr/>
+        <p:txBody>
+          <a:bodyPr/>
+          <a:lstStyle/>
+          <a:p>
+            <a:endParaRPr lang="ko-KR" altLang="en-US" dirty="0"/>
+          </a:p>
+        </p:txBody>
+      </p:sp>
+      <p:pic>
+        <p:nvPicPr>
+          <p:cNvPr id="4" name="내용 개체 틀 8" descr="스크린샷이(가) 표시된 사진&#10;&#10;&#10;&#10;자동 생성된 설명">
             <a:extLst>
               <a:ext uri="{FF2B5EF4-FFF2-40B4-BE49-F238E27FC236}">
-                <a16:creationId xmlns:a16="http://schemas.microsoft.com/office/drawing/2014/main" id="{EF576D8A-B103-0E45-A634-347814ED63BC}"/>
-              </a:ext>
-            </a:extLst>
-          </p:cNvPr>
-          <p:cNvSpPr>
-            <a:spLocks noGrp="1"/>
-          </p:cNvSpPr>
-          <p:nvPr>
-            <p:ph type="title"/>
-          </p:nvPr>
-        </p:nvSpPr>
-        <p:spPr/>
-        <p:txBody>
-          <a:bodyPr/>
-          <a:lstStyle/>
-          <a:p>
-            <a:endParaRPr kumimoji="1" lang="ko-KR" altLang="en-US" dirty="0"/>
-          </a:p>
-        </p:txBody>
-      </p:sp>
-      <p:pic>
-        <p:nvPicPr>
-          <p:cNvPr id="4" name="내용 개체 틀 4" descr="스크린샷이(가) 표시된 사진&#10;&#10;&#10;&#10;자동 생성된 설명">
-            <a:extLst>
-              <a:ext uri="{FF2B5EF4-FFF2-40B4-BE49-F238E27FC236}">
-                <a16:creationId xmlns:a16="http://schemas.microsoft.com/office/drawing/2014/main" id="{4FB8F59F-F36C-F342-96BA-50436123DF4C}"/>
-              </a:ext>
-            </a:extLst>
-          </p:cNvPr>
-          <p:cNvPicPr>
-            <a:picLocks noGrp="1" noChangeAspect="1"/>
-          </p:cNvPicPr>
-          <p:nvPr>
-            <p:ph idx="1"/>
-          </p:nvPr>
-        </p:nvPicPr>
-        <p:blipFill>
-          <a:blip r:embed="rId2">
-            <a:extLst>
-              <a:ext uri="{28A0092B-C50C-407E-A947-70E740481C1C}">
-                <a14:useLocalDpi xmlns:a14="http://schemas.microsoft.com/office/drawing/2010/main" val="0"/>
-              </a:ext>
-            </a:extLst>
-          </a:blip>
-          <a:stretch>
-            <a:fillRect/>
-          </a:stretch>
-        </p:blipFill>
-        <p:spPr>
-          <a:xfrm>
-            <a:off x="755576" y="1916832"/>
-            <a:ext cx="1524000" cy="2336800"/>
-          </a:xfrm>
-        </p:spPr>
-      </p:pic>
-      <p:pic>
-        <p:nvPicPr>
-          <p:cNvPr id="6" name="그림 5" descr="스크린샷이(가) 표시된 사진&#10;&#10;&#10;&#10;자동 생성된 설명">
-            <a:extLst>
-              <a:ext uri="{FF2B5EF4-FFF2-40B4-BE49-F238E27FC236}">
-                <a16:creationId xmlns:a16="http://schemas.microsoft.com/office/drawing/2014/main" id="{FF4CAC17-799B-734B-A9DA-34A31AE2FD3A}"/>
+                <a16:creationId xmlns:a16="http://schemas.microsoft.com/office/drawing/2014/main" xmlns="" id="{49F20AB3-A0D8-E445-957D-6C1CF569A8C4}"/>
               </a:ext>
             </a:extLst>
           </p:cNvPr>
@@ -4279,32 +4345,72 @@
           </p:cNvPicPr>
           <p:nvPr/>
         </p:nvPicPr>
-        <p:blipFill>
-          <a:blip r:embed="rId3">
+        <p:blipFill rotWithShape="1">
+          <a:blip r:embed="rId2">
             <a:extLst>
               <a:ext uri="{28A0092B-C50C-407E-A947-70E740481C1C}">
                 <a14:useLocalDpi xmlns:a14="http://schemas.microsoft.com/office/drawing/2010/main" val="0"/>
               </a:ext>
             </a:extLst>
           </a:blip>
+          <a:srcRect l="23539" t="33410" r="26460" b="7724"/>
+          <a:stretch/>
+        </p:blipFill>
+        <p:spPr>
+          <a:xfrm>
+            <a:off x="1187624" y="1690840"/>
+            <a:ext cx="2376000" cy="4135166"/>
+          </a:xfrm>
+          <a:prstGeom prst="flowChartAlternateProcess">
+            <a:avLst/>
+          </a:prstGeom>
+        </p:spPr>
+      </p:pic>
+      <p:pic>
+        <p:nvPicPr>
+          <p:cNvPr id="1026" name="Picture 2" descr="C:\Users\Administrator\Downloads\menu.gif"/>
+          <p:cNvPicPr>
+            <a:picLocks noChangeAspect="1" noChangeArrowheads="1"/>
+          </p:cNvPicPr>
+          <p:nvPr/>
+        </p:nvPicPr>
+        <p:blipFill>
+          <a:blip r:embed="rId3" cstate="print">
+            <a:extLst>
+              <a:ext uri="{28A0092B-C50C-407E-A947-70E740481C1C}">
+                <a14:useLocalDpi xmlns:a14="http://schemas.microsoft.com/office/drawing/2010/main" val="0"/>
+              </a:ext>
+            </a:extLst>
+          </a:blip>
+          <a:srcRect/>
           <a:stretch>
             <a:fillRect/>
           </a:stretch>
         </p:blipFill>
-        <p:spPr>
+        <p:spPr bwMode="auto">
           <a:xfrm>
-            <a:off x="2771800" y="1916832"/>
-            <a:ext cx="1524000" cy="2336800"/>
+            <a:off x="1403648" y="2194392"/>
+            <a:ext cx="2023200" cy="2973051"/>
           </a:xfrm>
           <a:prstGeom prst="rect">
             <a:avLst/>
           </a:prstGeom>
+          <a:noFill/>
+          <a:extLst>
+            <a:ext uri="{909E8E84-426E-40DD-AFC4-6F175D3DCCD1}">
+              <a14:hiddenFill xmlns:a14="http://schemas.microsoft.com/office/drawing/2010/main">
+                <a:solidFill>
+                  <a:srgbClr val="FFFFFF"/>
+                </a:solidFill>
+              </a14:hiddenFill>
+            </a:ext>
+          </a:extLst>
         </p:spPr>
       </p:pic>
     </p:spTree>
     <p:extLst>
       <p:ext uri="{BB962C8B-B14F-4D97-AF65-F5344CB8AC3E}">
-        <p14:creationId xmlns:p14="http://schemas.microsoft.com/office/powerpoint/2010/main" val="955089157"/>
+        <p14:creationId xmlns:p14="http://schemas.microsoft.com/office/powerpoint/2010/main" val="2008364674"/>
       </p:ext>
     </p:extLst>
   </p:cSld>
@@ -4333,13 +4439,7 @@
       </p:grpSpPr>
       <p:sp>
         <p:nvSpPr>
-          <p:cNvPr id="2" name="제목 1">
-            <a:extLst>
-              <a:ext uri="{FF2B5EF4-FFF2-40B4-BE49-F238E27FC236}">
-                <a16:creationId xmlns:a16="http://schemas.microsoft.com/office/drawing/2014/main" id="{A616ACF8-0967-254E-9A89-A97507292D4D}"/>
-              </a:ext>
-            </a:extLst>
-          </p:cNvPr>
+          <p:cNvPr id="2" name="제목 1"/>
           <p:cNvSpPr>
             <a:spLocks noGrp="1"/>
           </p:cNvSpPr>
@@ -4352,22 +4452,13 @@
           <a:bodyPr/>
           <a:lstStyle/>
           <a:p>
-            <a:r>
-              <a:rPr kumimoji="1" lang="ko-KR" altLang="en-US" dirty="0"/>
-              <a:t>핵심 경쟁력</a:t>
-            </a:r>
-          </a:p>
-        </p:txBody>
-      </p:sp>
-      <p:sp>
-        <p:nvSpPr>
-          <p:cNvPr id="3" name="내용 개체 틀 2">
-            <a:extLst>
-              <a:ext uri="{FF2B5EF4-FFF2-40B4-BE49-F238E27FC236}">
-                <a16:creationId xmlns:a16="http://schemas.microsoft.com/office/drawing/2014/main" id="{A9EE0F75-50A2-D04C-82B0-482E543CA08F}"/>
-              </a:ext>
-            </a:extLst>
-          </p:cNvPr>
+            <a:endParaRPr lang="ko-KR" altLang="en-US"/>
+          </a:p>
+        </p:txBody>
+      </p:sp>
+      <p:sp>
+        <p:nvSpPr>
+          <p:cNvPr id="3" name="내용 개체 틀 2"/>
           <p:cNvSpPr>
             <a:spLocks noGrp="1"/>
           </p:cNvSpPr>
@@ -4380,97 +4471,14 @@
           <a:bodyPr/>
           <a:lstStyle/>
           <a:p>
-            <a:r>
-              <a:rPr kumimoji="1" lang="ko-KR" altLang="en-US"/>
-              <a:t>여기에 </a:t>
-            </a:r>
-            <a:r>
-              <a:rPr kumimoji="1" lang="ko-KR" altLang="en-US" dirty="0"/>
-              <a:t>제휴업체 소개</a:t>
-            </a:r>
-            <a:r>
-              <a:rPr kumimoji="1" lang="en-US" altLang="ko-KR" dirty="0"/>
-              <a:t>(</a:t>
-            </a:r>
-            <a:r>
-              <a:rPr kumimoji="1" lang="ko-KR" altLang="en-US" dirty="0"/>
-              <a:t>이익창출을 목적으로 하되 </a:t>
-            </a:r>
-            <a:r>
-              <a:rPr kumimoji="1" lang="ko-KR" altLang="en-US" dirty="0" err="1"/>
-              <a:t>알람</a:t>
-            </a:r>
-            <a:r>
-              <a:rPr kumimoji="1" lang="ko-KR" altLang="en-US" dirty="0"/>
-              <a:t> 기능을 하는 걸로 </a:t>
-            </a:r>
-            <a:r>
-              <a:rPr kumimoji="1" lang="en-US" altLang="ko-KR" dirty="0"/>
-              <a:t>)</a:t>
-            </a:r>
-          </a:p>
-          <a:p>
-            <a:r>
-              <a:rPr kumimoji="1" lang="ko-KR" altLang="en-US" dirty="0"/>
-              <a:t>이익 창출 방법</a:t>
-            </a:r>
-            <a:r>
-              <a:rPr kumimoji="1" lang="en-US" altLang="ko-KR" dirty="0"/>
-              <a:t>- </a:t>
-            </a:r>
-            <a:r>
-              <a:rPr kumimoji="1" lang="ko-KR" altLang="en-US" dirty="0"/>
-              <a:t>㈜마스크</a:t>
-            </a:r>
-            <a:endParaRPr kumimoji="1" lang="en-US" altLang="ko-KR" dirty="0"/>
-          </a:p>
-          <a:p>
-            <a:pPr marL="0" indent="0">
-              <a:buNone/>
-            </a:pPr>
-            <a:r>
-              <a:rPr kumimoji="1" lang="en-US" altLang="ko-KR" dirty="0"/>
-              <a:t>                     - (</a:t>
-            </a:r>
-            <a:r>
-              <a:rPr kumimoji="1" lang="ko-KR" altLang="en-US" dirty="0"/>
-              <a:t>부</a:t>
-            </a:r>
-            <a:r>
-              <a:rPr kumimoji="1" lang="en-US" altLang="ko-KR" dirty="0"/>
-              <a:t>)</a:t>
-            </a:r>
-            <a:r>
-              <a:rPr kumimoji="1" lang="ko-KR" altLang="en-US" dirty="0"/>
-              <a:t>화장품</a:t>
-            </a:r>
-            <a:r>
-              <a:rPr kumimoji="1" lang="en-US" altLang="ko-KR" dirty="0"/>
-              <a:t>, </a:t>
-            </a:r>
-            <a:r>
-              <a:rPr kumimoji="1" lang="ko-KR" altLang="en-US" dirty="0"/>
-              <a:t>공기청정기</a:t>
-            </a:r>
-            <a:r>
-              <a:rPr kumimoji="1" lang="en-US" altLang="ko-KR" dirty="0"/>
-              <a:t>,</a:t>
-            </a:r>
-            <a:r>
-              <a:rPr kumimoji="1" lang="ko-KR" altLang="en-US" dirty="0"/>
-              <a:t>음식</a:t>
-            </a:r>
-            <a:endParaRPr kumimoji="1" lang="en-US" altLang="ko-KR" dirty="0"/>
-          </a:p>
-          <a:p>
-            <a:endParaRPr kumimoji="1" lang="ko-KR" altLang="en-US" dirty="0"/>
+            <a:endParaRPr lang="ko-KR" altLang="en-US"/>
           </a:p>
         </p:txBody>
       </p:sp>
     </p:spTree>
     <p:extLst>
       <p:ext uri="{BB962C8B-B14F-4D97-AF65-F5344CB8AC3E}">
-        <p14:creationId xmlns:p14="http://schemas.microsoft.com/office/powerpoint/2010/main" val="1092442487"/>
+        <p14:creationId xmlns:p14="http://schemas.microsoft.com/office/powerpoint/2010/main" val="3812344963"/>
       </p:ext>
     </p:extLst>
   </p:cSld>
@@ -4502,7 +4510,7 @@
           <p:cNvPr id="2" name="제목 1">
             <a:extLst>
               <a:ext uri="{FF2B5EF4-FFF2-40B4-BE49-F238E27FC236}">
-                <a16:creationId xmlns:a16="http://schemas.microsoft.com/office/drawing/2014/main" id="{3409D811-9620-E144-9E2D-42A6803A50B0}"/>
+                <a16:creationId xmlns:a16="http://schemas.microsoft.com/office/drawing/2014/main" xmlns="" id="{A616ACF8-0967-254E-9A89-A97507292D4D}"/>
               </a:ext>
             </a:extLst>
           </p:cNvPr>
@@ -4520,7 +4528,7 @@
           <a:p>
             <a:r>
               <a:rPr kumimoji="1" lang="ko-KR" altLang="en-US" dirty="0"/>
-              <a:t>팀원 소개</a:t>
+              <a:t>핵심 경쟁력</a:t>
             </a:r>
           </a:p>
         </p:txBody>
@@ -4530,7 +4538,7 @@
           <p:cNvPr id="3" name="내용 개체 틀 2">
             <a:extLst>
               <a:ext uri="{FF2B5EF4-FFF2-40B4-BE49-F238E27FC236}">
-                <a16:creationId xmlns:a16="http://schemas.microsoft.com/office/drawing/2014/main" id="{393D240D-69BC-C24F-B228-B79939338B18}"/>
+                <a16:creationId xmlns:a16="http://schemas.microsoft.com/office/drawing/2014/main" xmlns="" id="{A9EE0F75-50A2-D04C-82B0-482E543CA08F}"/>
               </a:ext>
             </a:extLst>
           </p:cNvPr>
@@ -4547,8 +4555,46 @@
           <a:lstStyle/>
           <a:p>
             <a:r>
+              <a:rPr kumimoji="1" lang="ko-KR" altLang="en-US"/>
+              <a:t>여기에 </a:t>
+            </a:r>
+            <a:r>
               <a:rPr kumimoji="1" lang="ko-KR" altLang="en-US" dirty="0"/>
-              <a:t>조장</a:t>
+              <a:t>제휴업체 소개</a:t>
+            </a:r>
+            <a:r>
+              <a:rPr kumimoji="1" lang="en-US" altLang="ko-KR" dirty="0"/>
+              <a:t>(</a:t>
+            </a:r>
+            <a:r>
+              <a:rPr kumimoji="1" lang="ko-KR" altLang="en-US" dirty="0"/>
+              <a:t>이익창출을 목적으로 하되 </a:t>
+            </a:r>
+            <a:r>
+              <a:rPr kumimoji="1" lang="ko-KR" altLang="en-US" dirty="0" err="1"/>
+              <a:t>알람</a:t>
+            </a:r>
+            <a:r>
+              <a:rPr kumimoji="1" lang="ko-KR" altLang="en-US" dirty="0"/>
+              <a:t> 기능을 하는 걸로 </a:t>
+            </a:r>
+            <a:r>
+              <a:rPr kumimoji="1" lang="en-US" altLang="ko-KR" dirty="0"/>
+              <a:t>)</a:t>
+            </a:r>
+          </a:p>
+          <a:p>
+            <a:r>
+              <a:rPr kumimoji="1" lang="ko-KR" altLang="en-US" dirty="0"/>
+              <a:t>이익 창출 방법</a:t>
+            </a:r>
+            <a:r>
+              <a:rPr kumimoji="1" lang="en-US" altLang="ko-KR" dirty="0"/>
+              <a:t>- </a:t>
+            </a:r>
+            <a:r>
+              <a:rPr kumimoji="1" lang="ko-KR" altLang="en-US" dirty="0"/>
+              <a:t>㈜마스크</a:t>
             </a:r>
             <a:endParaRPr kumimoji="1" lang="en-US" altLang="ko-KR" dirty="0"/>
           </a:p>
@@ -4556,14 +4602,49 @@
             <a:pPr marL="0" indent="0">
               <a:buNone/>
             </a:pPr>
+            <a:r>
+              <a:rPr kumimoji="1" lang="en-US" altLang="ko-KR" dirty="0"/>
+              <a:t>                     - (</a:t>
+            </a:r>
+            <a:r>
+              <a:rPr kumimoji="1" lang="ko-KR" altLang="en-US" dirty="0"/>
+              <a:t>부</a:t>
+            </a:r>
+            <a:r>
+              <a:rPr kumimoji="1" lang="en-US" altLang="ko-KR" dirty="0"/>
+              <a:t>)</a:t>
+            </a:r>
+            <a:r>
+              <a:rPr kumimoji="1" lang="ko-KR" altLang="en-US" dirty="0"/>
+              <a:t>화장품</a:t>
+            </a:r>
+            <a:r>
+              <a:rPr kumimoji="1" lang="en-US" altLang="ko-KR" dirty="0"/>
+              <a:t>, </a:t>
+            </a:r>
+            <a:r>
+              <a:rPr kumimoji="1" lang="ko-KR" altLang="en-US" dirty="0"/>
+              <a:t>공기청정기</a:t>
+            </a:r>
+            <a:r>
+              <a:rPr kumimoji="1" lang="en-US" altLang="ko-KR" dirty="0"/>
+              <a:t>,</a:t>
+            </a:r>
+            <a:r>
+              <a:rPr kumimoji="1" lang="ko-KR" altLang="en-US" dirty="0"/>
+              <a:t>음식</a:t>
+            </a:r>
             <a:endParaRPr kumimoji="1" lang="en-US" altLang="ko-KR" dirty="0"/>
+          </a:p>
+          <a:p>
+            <a:endParaRPr kumimoji="1" lang="ko-KR" altLang="en-US" dirty="0"/>
           </a:p>
         </p:txBody>
       </p:sp>
     </p:spTree>
     <p:extLst>
       <p:ext uri="{BB962C8B-B14F-4D97-AF65-F5344CB8AC3E}">
-        <p14:creationId xmlns:p14="http://schemas.microsoft.com/office/powerpoint/2010/main" val="1602398143"/>
+        <p14:creationId xmlns:p14="http://schemas.microsoft.com/office/powerpoint/2010/main" val="1092442487"/>
       </p:ext>
     </p:extLst>
   </p:cSld>
@@ -4595,7 +4676,7 @@
           <p:cNvPr id="2" name="제목 1">
             <a:extLst>
               <a:ext uri="{FF2B5EF4-FFF2-40B4-BE49-F238E27FC236}">
-                <a16:creationId xmlns:a16="http://schemas.microsoft.com/office/drawing/2014/main" id="{28F98C9A-6B41-9E48-9587-94770AFED79E}"/>
+                <a16:creationId xmlns:a16="http://schemas.microsoft.com/office/drawing/2014/main" xmlns="" id="{3409D811-9620-E144-9E2D-42A6803A50B0}"/>
               </a:ext>
             </a:extLst>
           </p:cNvPr>
@@ -4613,15 +4694,7 @@
           <a:p>
             <a:r>
               <a:rPr kumimoji="1" lang="ko-KR" altLang="en-US" dirty="0"/>
-              <a:t>시장</a:t>
-            </a:r>
-            <a:r>
-              <a:rPr kumimoji="1" lang="en-US" altLang="ko-KR" dirty="0"/>
-              <a:t>/</a:t>
-            </a:r>
-            <a:r>
-              <a:rPr kumimoji="1" lang="ko-KR" altLang="en-US" dirty="0"/>
-              <a:t>경쟁 분석</a:t>
+              <a:t>팀원 소개</a:t>
             </a:r>
           </a:p>
         </p:txBody>
@@ -4631,7 +4704,7 @@
           <p:cNvPr id="3" name="내용 개체 틀 2">
             <a:extLst>
               <a:ext uri="{FF2B5EF4-FFF2-40B4-BE49-F238E27FC236}">
-                <a16:creationId xmlns:a16="http://schemas.microsoft.com/office/drawing/2014/main" id="{E883A23E-B406-1348-839E-7F8B6950D10E}"/>
+                <a16:creationId xmlns:a16="http://schemas.microsoft.com/office/drawing/2014/main" xmlns="" id="{393D240D-69BC-C24F-B228-B79939338B18}"/>
               </a:ext>
             </a:extLst>
           </p:cNvPr>
@@ -4648,81 +4721,23 @@
           <a:lstStyle/>
           <a:p>
             <a:r>
-              <a:rPr kumimoji="1" lang="en" altLang="ko-KR" dirty="0"/>
-              <a:t>research</a:t>
-            </a:r>
-            <a:r>
-              <a:rPr kumimoji="1" lang="ko-KR" altLang="en-US" dirty="0" err="1"/>
-              <a:t>를</a:t>
-            </a:r>
-            <a:r>
               <a:rPr kumimoji="1" lang="ko-KR" altLang="en-US" dirty="0"/>
-              <a:t> 해서 공급 업체 중에서도 메이저로 할 거냐 마이너로 할 거냐</a:t>
-            </a:r>
-          </a:p>
-          <a:p>
-            <a:r>
-              <a:rPr kumimoji="1" lang="en-US" altLang="ko-KR" dirty="0"/>
-              <a:t>1. </a:t>
-            </a:r>
-            <a:r>
-              <a:rPr kumimoji="1" lang="ko-KR" altLang="en-US" dirty="0"/>
-              <a:t>기성 업체</a:t>
-            </a:r>
-            <a:r>
-              <a:rPr kumimoji="1" lang="en-US" altLang="ko-KR" dirty="0"/>
-              <a:t>(</a:t>
-            </a:r>
-            <a:r>
-              <a:rPr kumimoji="1" lang="ko-KR" altLang="en-US" dirty="0"/>
-              <a:t>있는 것을 홍보하거나 정보를 알려주는 것</a:t>
-            </a:r>
-            <a:r>
-              <a:rPr kumimoji="1" lang="en-US" altLang="ko-KR" dirty="0"/>
-              <a:t>)</a:t>
-            </a:r>
-          </a:p>
-          <a:p>
-            <a:r>
-              <a:rPr kumimoji="1" lang="en-US" altLang="ko-KR" dirty="0"/>
-              <a:t>2. </a:t>
-            </a:r>
-            <a:r>
-              <a:rPr kumimoji="1" lang="ko-KR" altLang="en-US" dirty="0"/>
-              <a:t>서비스화</a:t>
-            </a:r>
-            <a:r>
-              <a:rPr kumimoji="1" lang="en-US" altLang="ko-KR" dirty="0"/>
-              <a:t>(</a:t>
-            </a:r>
-            <a:r>
-              <a:rPr kumimoji="1" lang="ko-KR" altLang="en-US" dirty="0"/>
-              <a:t>다른 차원으로 넘어가는 것</a:t>
-            </a:r>
-            <a:r>
-              <a:rPr kumimoji="1" lang="en-US" altLang="ko-KR" dirty="0"/>
-              <a:t>)(</a:t>
-            </a:r>
-            <a:r>
-              <a:rPr kumimoji="1" lang="en" altLang="ko-KR" dirty="0"/>
-              <a:t>ex : </a:t>
-            </a:r>
-            <a:r>
-              <a:rPr kumimoji="1" lang="ko-KR" altLang="en-US" dirty="0"/>
-              <a:t>정기 배송 등</a:t>
-            </a:r>
-            <a:r>
-              <a:rPr kumimoji="1" lang="en-US" altLang="ko-KR" dirty="0"/>
-              <a:t>)</a:t>
-            </a:r>
-            <a:endParaRPr kumimoji="1" lang="ko-KR" altLang="en-US" dirty="0"/>
+              <a:t>조장</a:t>
+            </a:r>
+            <a:endParaRPr kumimoji="1" lang="en-US" altLang="ko-KR" dirty="0"/>
+          </a:p>
+          <a:p>
+            <a:pPr marL="0" indent="0">
+              <a:buNone/>
+            </a:pPr>
+            <a:endParaRPr kumimoji="1" lang="en-US" altLang="ko-KR" dirty="0"/>
           </a:p>
         </p:txBody>
       </p:sp>
     </p:spTree>
     <p:extLst>
       <p:ext uri="{BB962C8B-B14F-4D97-AF65-F5344CB8AC3E}">
-        <p14:creationId xmlns:p14="http://schemas.microsoft.com/office/powerpoint/2010/main" val="4222687490"/>
+        <p14:creationId xmlns:p14="http://schemas.microsoft.com/office/powerpoint/2010/main" val="1602398143"/>
       </p:ext>
     </p:extLst>
   </p:cSld>
@@ -4754,7 +4769,7 @@
           <p:cNvPr id="2" name="제목 1">
             <a:extLst>
               <a:ext uri="{FF2B5EF4-FFF2-40B4-BE49-F238E27FC236}">
-                <a16:creationId xmlns:a16="http://schemas.microsoft.com/office/drawing/2014/main" id="{9C508281-2DF6-3F4B-B03E-499380C0C441}"/>
+                <a16:creationId xmlns:a16="http://schemas.microsoft.com/office/drawing/2014/main" xmlns="" id="{28F98C9A-6B41-9E48-9587-94770AFED79E}"/>
               </a:ext>
             </a:extLst>
           </p:cNvPr>
@@ -4772,7 +4787,15 @@
           <a:p>
             <a:r>
               <a:rPr kumimoji="1" lang="ko-KR" altLang="en-US" dirty="0"/>
-              <a:t>질의응답</a:t>
+              <a:t>시장</a:t>
+            </a:r>
+            <a:r>
+              <a:rPr kumimoji="1" lang="en-US" altLang="ko-KR" dirty="0"/>
+              <a:t>/</a:t>
+            </a:r>
+            <a:r>
+              <a:rPr kumimoji="1" lang="ko-KR" altLang="en-US" dirty="0"/>
+              <a:t>경쟁 분석</a:t>
             </a:r>
           </a:p>
         </p:txBody>
@@ -4782,7 +4805,7 @@
           <p:cNvPr id="3" name="내용 개체 틀 2">
             <a:extLst>
               <a:ext uri="{FF2B5EF4-FFF2-40B4-BE49-F238E27FC236}">
-                <a16:creationId xmlns:a16="http://schemas.microsoft.com/office/drawing/2014/main" id="{C088C665-85BA-2947-B1EE-D2C597E1ADDB}"/>
+                <a16:creationId xmlns:a16="http://schemas.microsoft.com/office/drawing/2014/main" xmlns="" id="{E883A23E-B406-1348-839E-7F8B6950D10E}"/>
               </a:ext>
             </a:extLst>
           </p:cNvPr>
@@ -4798,6 +4821,74 @@
           <a:bodyPr/>
           <a:lstStyle/>
           <a:p>
+            <a:r>
+              <a:rPr kumimoji="1" lang="en" altLang="ko-KR" dirty="0"/>
+              <a:t>research</a:t>
+            </a:r>
+            <a:r>
+              <a:rPr kumimoji="1" lang="ko-KR" altLang="en-US" dirty="0" err="1"/>
+              <a:t>를</a:t>
+            </a:r>
+            <a:r>
+              <a:rPr kumimoji="1" lang="ko-KR" altLang="en-US" dirty="0"/>
+              <a:t> 해서 공급 업체 중에서도 메이저로 할 거냐 마이너로 할 거냐</a:t>
+            </a:r>
+          </a:p>
+          <a:p>
+            <a:r>
+              <a:rPr kumimoji="1" lang="en-US" altLang="ko-KR" dirty="0"/>
+              <a:t>1. </a:t>
+            </a:r>
+            <a:r>
+              <a:rPr kumimoji="1" lang="ko-KR" altLang="en-US" dirty="0"/>
+              <a:t>기성 업체</a:t>
+            </a:r>
+            <a:r>
+              <a:rPr kumimoji="1" lang="en-US" altLang="ko-KR" dirty="0"/>
+              <a:t>(</a:t>
+            </a:r>
+            <a:r>
+              <a:rPr kumimoji="1" lang="ko-KR" altLang="en-US" dirty="0"/>
+              <a:t>있는 것을 홍보하거나 정보를 알려주는 것</a:t>
+            </a:r>
+            <a:r>
+              <a:rPr kumimoji="1" lang="en-US" altLang="ko-KR" dirty="0"/>
+              <a:t>)</a:t>
+            </a:r>
+          </a:p>
+          <a:p>
+            <a:r>
+              <a:rPr kumimoji="1" lang="en-US" altLang="ko-KR" dirty="0"/>
+              <a:t>2. </a:t>
+            </a:r>
+            <a:r>
+              <a:rPr kumimoji="1" lang="ko-KR" altLang="en-US" dirty="0"/>
+              <a:t>서비스화</a:t>
+            </a:r>
+            <a:r>
+              <a:rPr kumimoji="1" lang="en-US" altLang="ko-KR" dirty="0"/>
+              <a:t>(</a:t>
+            </a:r>
+            <a:r>
+              <a:rPr kumimoji="1" lang="ko-KR" altLang="en-US" dirty="0"/>
+              <a:t>다른 차원으로 넘어가는 것</a:t>
+            </a:r>
+            <a:r>
+              <a:rPr kumimoji="1" lang="en-US" altLang="ko-KR" dirty="0"/>
+              <a:t>)(</a:t>
+            </a:r>
+            <a:r>
+              <a:rPr kumimoji="1" lang="en" altLang="ko-KR" dirty="0"/>
+              <a:t>ex : </a:t>
+            </a:r>
+            <a:r>
+              <a:rPr kumimoji="1" lang="ko-KR" altLang="en-US" dirty="0"/>
+              <a:t>정기 배송 등</a:t>
+            </a:r>
+            <a:r>
+              <a:rPr kumimoji="1" lang="en-US" altLang="ko-KR" dirty="0"/>
+              <a:t>)</a:t>
+            </a:r>
             <a:endParaRPr kumimoji="1" lang="ko-KR" altLang="en-US" dirty="0"/>
           </a:p>
         </p:txBody>
@@ -4805,7 +4896,7 @@
     </p:spTree>
     <p:extLst>
       <p:ext uri="{BB962C8B-B14F-4D97-AF65-F5344CB8AC3E}">
-        <p14:creationId xmlns:p14="http://schemas.microsoft.com/office/powerpoint/2010/main" val="1759387882"/>
+        <p14:creationId xmlns:p14="http://schemas.microsoft.com/office/powerpoint/2010/main" val="4222687490"/>
       </p:ext>
     </p:extLst>
   </p:cSld>
@@ -5143,7 +5234,7 @@
     </a:clrScheme>
     <a:fontScheme name="Office">
       <a:majorFont>
-        <a:latin typeface="맑은 고딕" panose="020F0302020204030204"/>
+        <a:latin typeface="맑은 고딕"/>
         <a:ea typeface=""/>
         <a:cs typeface=""/>
         <a:font script="Jpan" typeface="游ゴシック Light"/>
@@ -5195,7 +5286,7 @@
         <a:font script="Tfng" typeface="Ebrima"/>
       </a:majorFont>
       <a:minorFont>
-        <a:latin typeface="맑은 고딕" panose="020F0502020204030204"/>
+        <a:latin typeface="맑은 고딕"/>
         <a:ea typeface=""/>
         <a:cs typeface=""/>
         <a:font script="Jpan" typeface="游ゴシック"/>
@@ -5389,7 +5480,7 @@
   <a:extraClrSchemeLst/>
   <a:extLst>
     <a:ext uri="{05A4C25C-085E-4340-85A3-A5531E510DB2}">
-      <thm15:themeFamily xmlns:thm15="http://schemas.microsoft.com/office/thememl/2012/main" name="Office Theme" id="{62F939B6-93AF-4DB8-9C6B-D6C7DFDC589F}" vid="{4A3C46E8-61CC-4603-A589-7422A47A8E4A}"/>
+      <thm15:themeFamily xmlns:thm15="http://schemas.microsoft.com/office/thememl/2012/main" xmlns="" name="Office Theme" id="{62F939B6-93AF-4DB8-9C6B-D6C7DFDC589F}" vid="{4A3C46E8-61CC-4603-A589-7422A47A8E4A}"/>
     </a:ext>
   </a:extLst>
 </a:theme>

--- a/ideatoneppt.pptx
+++ b/ideatoneppt.pptx
@@ -5,20 +5,24 @@
     <p:sldMasterId id="2147483648" r:id="rId1"/>
   </p:sldMasterIdLst>
   <p:notesMasterIdLst>
-    <p:notesMasterId r:id="rId13"/>
+    <p:notesMasterId r:id="rId17"/>
   </p:notesMasterIdLst>
   <p:sldIdLst>
     <p:sldId id="266" r:id="rId2"/>
     <p:sldId id="256" r:id="rId3"/>
     <p:sldId id="257" r:id="rId4"/>
     <p:sldId id="260" r:id="rId5"/>
-    <p:sldId id="267" r:id="rId6"/>
-    <p:sldId id="268" r:id="rId7"/>
-    <p:sldId id="261" r:id="rId8"/>
-    <p:sldId id="258" r:id="rId9"/>
-    <p:sldId id="262" r:id="rId10"/>
-    <p:sldId id="263" r:id="rId11"/>
-    <p:sldId id="264" r:id="rId12"/>
+    <p:sldId id="273" r:id="rId6"/>
+    <p:sldId id="274" r:id="rId7"/>
+    <p:sldId id="267" r:id="rId8"/>
+    <p:sldId id="275" r:id="rId9"/>
+    <p:sldId id="276" r:id="rId10"/>
+    <p:sldId id="277" r:id="rId11"/>
+    <p:sldId id="261" r:id="rId12"/>
+    <p:sldId id="258" r:id="rId13"/>
+    <p:sldId id="262" r:id="rId14"/>
+    <p:sldId id="263" r:id="rId15"/>
+    <p:sldId id="264" r:id="rId16"/>
   </p:sldIdLst>
   <p:sldSz cx="9144000" cy="6858000" type="screen4x3"/>
   <p:notesSz cx="6858000" cy="9144000"/>
@@ -119,7 +123,7 @@
   </p:defaultTextStyle>
   <p:extLst>
     <p:ext uri="{EFAFB233-063F-42B5-8137-9DF3F51BA10A}">
-      <p15:sldGuideLst xmlns:p15="http://schemas.microsoft.com/office/powerpoint/2012/main" xmlns="">
+      <p15:sldGuideLst xmlns:p15="http://schemas.microsoft.com/office/powerpoint/2012/main">
         <p15:guide id="1" orient="horz" pos="2160">
           <p15:clr>
             <a:srgbClr val="A4A3A4"/>
@@ -218,7 +222,7 @@
           <a:p>
             <a:fld id="{A6C8F092-C767-FC4F-B808-83A348BB618C}" type="datetimeFigureOut">
               <a:rPr kumimoji="1" lang="ko-KR" altLang="en-US" smtClean="0"/>
-              <a:t>2018-11-10</a:t>
+              <a:t>2018. 11. 10.</a:t>
             </a:fld>
             <a:endParaRPr kumimoji="1" lang="ko-KR" altLang="en-US"/>
           </a:p>
@@ -548,6 +552,201 @@
 </p:notes>
 </file>
 
+<file path=ppt/notesSlides/notesSlide2.xml><?xml version="1.0" encoding="utf-8"?>
+<p:notes xmlns:a="http://schemas.openxmlformats.org/drawingml/2006/main" xmlns:r="http://schemas.openxmlformats.org/officeDocument/2006/relationships" xmlns:p="http://schemas.openxmlformats.org/presentationml/2006/main">
+  <p:cSld>
+    <p:spTree>
+      <p:nvGrpSpPr>
+        <p:cNvPr id="1" name=""/>
+        <p:cNvGrpSpPr/>
+        <p:nvPr/>
+      </p:nvGrpSpPr>
+      <p:grpSpPr>
+        <a:xfrm>
+          <a:off x="0" y="0"/>
+          <a:ext cx="0" cy="0"/>
+          <a:chOff x="0" y="0"/>
+          <a:chExt cx="0" cy="0"/>
+        </a:xfrm>
+      </p:grpSpPr>
+      <p:sp>
+        <p:nvSpPr>
+          <p:cNvPr id="2" name="슬라이드 이미지 개체 틀 1"/>
+          <p:cNvSpPr>
+            <a:spLocks noGrp="1" noRot="1" noChangeAspect="1"/>
+          </p:cNvSpPr>
+          <p:nvPr>
+            <p:ph type="sldImg"/>
+          </p:nvPr>
+        </p:nvSpPr>
+        <p:spPr/>
+      </p:sp>
+      <p:sp>
+        <p:nvSpPr>
+          <p:cNvPr id="3" name="슬라이드 노트 개체 틀 2"/>
+          <p:cNvSpPr>
+            <a:spLocks noGrp="1"/>
+          </p:cNvSpPr>
+          <p:nvPr>
+            <p:ph type="body" idx="1"/>
+          </p:nvPr>
+        </p:nvSpPr>
+        <p:spPr/>
+        <p:txBody>
+          <a:bodyPr/>
+          <a:lstStyle/>
+          <a:p>
+            <a:r>
+              <a:rPr kumimoji="1" lang="ko-KR" altLang="en-US" dirty="0"/>
+              <a:t>마스크 착용 타이머 기능 </a:t>
+            </a:r>
+            <a:r>
+              <a:rPr kumimoji="1" lang="en-US" altLang="ko-KR" dirty="0"/>
+              <a:t>–</a:t>
+            </a:r>
+            <a:r>
+              <a:rPr kumimoji="1" lang="ko-KR" altLang="en-US" dirty="0"/>
+              <a:t> 눌러서 마스크 착용 시작</a:t>
+            </a:r>
+            <a:r>
+              <a:rPr kumimoji="1" lang="en-US" altLang="ko-KR" dirty="0"/>
+              <a:t>!</a:t>
+            </a:r>
+            <a:endParaRPr kumimoji="1" lang="ko-KR" altLang="en-US" dirty="0"/>
+          </a:p>
+        </p:txBody>
+      </p:sp>
+      <p:sp>
+        <p:nvSpPr>
+          <p:cNvPr id="4" name="슬라이드 번호 개체 틀 3"/>
+          <p:cNvSpPr>
+            <a:spLocks noGrp="1"/>
+          </p:cNvSpPr>
+          <p:nvPr>
+            <p:ph type="sldNum" sz="quarter" idx="5"/>
+          </p:nvPr>
+        </p:nvSpPr>
+        <p:spPr/>
+        <p:txBody>
+          <a:bodyPr/>
+          <a:lstStyle/>
+          <a:p>
+            <a:fld id="{F769AE6D-0ADA-CF4D-9503-F3CACB96690B}" type="slidenum">
+              <a:rPr kumimoji="1" lang="ko-KR" altLang="en-US" smtClean="0"/>
+              <a:t>4</a:t>
+            </a:fld>
+            <a:endParaRPr kumimoji="1" lang="ko-KR" altLang="en-US"/>
+          </a:p>
+        </p:txBody>
+      </p:sp>
+    </p:spTree>
+    <p:extLst>
+      <p:ext uri="{BB962C8B-B14F-4D97-AF65-F5344CB8AC3E}">
+        <p14:creationId xmlns:p14="http://schemas.microsoft.com/office/powerpoint/2010/main" val="3091293553"/>
+      </p:ext>
+    </p:extLst>
+  </p:cSld>
+  <p:clrMapOvr>
+    <a:masterClrMapping/>
+  </p:clrMapOvr>
+</p:notes>
+</file>
+
+<file path=ppt/notesSlides/notesSlide3.xml><?xml version="1.0" encoding="utf-8"?>
+<p:notes xmlns:a="http://schemas.openxmlformats.org/drawingml/2006/main" xmlns:r="http://schemas.openxmlformats.org/officeDocument/2006/relationships" xmlns:p="http://schemas.openxmlformats.org/presentationml/2006/main">
+  <p:cSld>
+    <p:spTree>
+      <p:nvGrpSpPr>
+        <p:cNvPr id="1" name=""/>
+        <p:cNvGrpSpPr/>
+        <p:nvPr/>
+      </p:nvGrpSpPr>
+      <p:grpSpPr>
+        <a:xfrm>
+          <a:off x="0" y="0"/>
+          <a:ext cx="0" cy="0"/>
+          <a:chOff x="0" y="0"/>
+          <a:chExt cx="0" cy="0"/>
+        </a:xfrm>
+      </p:grpSpPr>
+      <p:sp>
+        <p:nvSpPr>
+          <p:cNvPr id="2" name="슬라이드 이미지 개체 틀 1"/>
+          <p:cNvSpPr>
+            <a:spLocks noGrp="1" noRot="1" noChangeAspect="1"/>
+          </p:cNvSpPr>
+          <p:nvPr>
+            <p:ph type="sldImg"/>
+          </p:nvPr>
+        </p:nvSpPr>
+        <p:spPr/>
+      </p:sp>
+      <p:sp>
+        <p:nvSpPr>
+          <p:cNvPr id="3" name="슬라이드 노트 개체 틀 2"/>
+          <p:cNvSpPr>
+            <a:spLocks noGrp="1"/>
+          </p:cNvSpPr>
+          <p:nvPr>
+            <p:ph type="body" idx="1"/>
+          </p:nvPr>
+        </p:nvSpPr>
+        <p:spPr/>
+        <p:txBody>
+          <a:bodyPr/>
+          <a:lstStyle/>
+          <a:p>
+            <a:r>
+              <a:rPr kumimoji="1" lang="ko-KR" altLang="en-US" dirty="0"/>
+              <a:t>외출 시간 설정</a:t>
+            </a:r>
+            <a:r>
+              <a:rPr kumimoji="1" lang="en-US" altLang="ko-KR" dirty="0"/>
+              <a:t>,</a:t>
+            </a:r>
+            <a:r>
+              <a:rPr kumimoji="1" lang="ko-KR" altLang="en-US" dirty="0"/>
+              <a:t> 갑작스러운 미세먼지 공습 알림</a:t>
+            </a:r>
+          </a:p>
+        </p:txBody>
+      </p:sp>
+      <p:sp>
+        <p:nvSpPr>
+          <p:cNvPr id="4" name="슬라이드 번호 개체 틀 3"/>
+          <p:cNvSpPr>
+            <a:spLocks noGrp="1"/>
+          </p:cNvSpPr>
+          <p:nvPr>
+            <p:ph type="sldNum" sz="quarter" idx="5"/>
+          </p:nvPr>
+        </p:nvSpPr>
+        <p:spPr/>
+        <p:txBody>
+          <a:bodyPr/>
+          <a:lstStyle/>
+          <a:p>
+            <a:fld id="{F769AE6D-0ADA-CF4D-9503-F3CACB96690B}" type="slidenum">
+              <a:rPr kumimoji="1" lang="ko-KR" altLang="en-US" smtClean="0"/>
+              <a:t>10</a:t>
+            </a:fld>
+            <a:endParaRPr kumimoji="1" lang="ko-KR" altLang="en-US"/>
+          </a:p>
+        </p:txBody>
+      </p:sp>
+    </p:spTree>
+    <p:extLst>
+      <p:ext uri="{BB962C8B-B14F-4D97-AF65-F5344CB8AC3E}">
+        <p14:creationId xmlns:p14="http://schemas.microsoft.com/office/powerpoint/2010/main" val="708971674"/>
+      </p:ext>
+    </p:extLst>
+  </p:cSld>
+  <p:clrMapOvr>
+    <a:masterClrMapping/>
+  </p:clrMapOvr>
+</p:notes>
+</file>
+
 <file path=ppt/slideLayouts/slideLayout1.xml><?xml version="1.0" encoding="utf-8"?>
 <p:sldLayout xmlns:a="http://schemas.openxmlformats.org/drawingml/2006/main" xmlns:r="http://schemas.openxmlformats.org/officeDocument/2006/relationships" xmlns:p="http://schemas.openxmlformats.org/presentationml/2006/main" type="title" preserve="1">
   <p:cSld name="제목 슬라이드">
@@ -727,7 +926,7 @@
           <a:p>
             <a:fld id="{8E20E162-3880-4AB0-B825-B924C8552DF4}" type="datetimeFigureOut">
               <a:rPr lang="ko-KR" altLang="en-US" smtClean="0"/>
-              <a:t>2018-11-10</a:t>
+              <a:t>2018. 11. 10.</a:t>
             </a:fld>
             <a:endParaRPr lang="ko-KR" altLang="en-US"/>
           </a:p>
@@ -895,7 +1094,7 @@
           <a:p>
             <a:fld id="{8E20E162-3880-4AB0-B825-B924C8552DF4}" type="datetimeFigureOut">
               <a:rPr lang="ko-KR" altLang="en-US" smtClean="0"/>
-              <a:t>2018-11-10</a:t>
+              <a:t>2018. 11. 10.</a:t>
             </a:fld>
             <a:endParaRPr lang="ko-KR" altLang="en-US"/>
           </a:p>
@@ -1073,7 +1272,7 @@
           <a:p>
             <a:fld id="{8E20E162-3880-4AB0-B825-B924C8552DF4}" type="datetimeFigureOut">
               <a:rPr lang="ko-KR" altLang="en-US" smtClean="0"/>
-              <a:t>2018-11-10</a:t>
+              <a:t>2018. 11. 10.</a:t>
             </a:fld>
             <a:endParaRPr lang="ko-KR" altLang="en-US"/>
           </a:p>
@@ -1241,7 +1440,7 @@
           <a:p>
             <a:fld id="{8E20E162-3880-4AB0-B825-B924C8552DF4}" type="datetimeFigureOut">
               <a:rPr lang="ko-KR" altLang="en-US" smtClean="0"/>
-              <a:t>2018-11-10</a:t>
+              <a:t>2018. 11. 10.</a:t>
             </a:fld>
             <a:endParaRPr lang="ko-KR" altLang="en-US"/>
           </a:p>
@@ -1486,7 +1685,7 @@
           <a:p>
             <a:fld id="{8E20E162-3880-4AB0-B825-B924C8552DF4}" type="datetimeFigureOut">
               <a:rPr lang="ko-KR" altLang="en-US" smtClean="0"/>
-              <a:t>2018-11-10</a:t>
+              <a:t>2018. 11. 10.</a:t>
             </a:fld>
             <a:endParaRPr lang="ko-KR" altLang="en-US"/>
           </a:p>
@@ -1771,7 +1970,7 @@
           <a:p>
             <a:fld id="{8E20E162-3880-4AB0-B825-B924C8552DF4}" type="datetimeFigureOut">
               <a:rPr lang="ko-KR" altLang="en-US" smtClean="0"/>
-              <a:t>2018-11-10</a:t>
+              <a:t>2018. 11. 10.</a:t>
             </a:fld>
             <a:endParaRPr lang="ko-KR" altLang="en-US"/>
           </a:p>
@@ -2190,7 +2389,7 @@
           <a:p>
             <a:fld id="{8E20E162-3880-4AB0-B825-B924C8552DF4}" type="datetimeFigureOut">
               <a:rPr lang="ko-KR" altLang="en-US" smtClean="0"/>
-              <a:t>2018-11-10</a:t>
+              <a:t>2018. 11. 10.</a:t>
             </a:fld>
             <a:endParaRPr lang="ko-KR" altLang="en-US"/>
           </a:p>
@@ -2307,7 +2506,7 @@
           <a:p>
             <a:fld id="{8E20E162-3880-4AB0-B825-B924C8552DF4}" type="datetimeFigureOut">
               <a:rPr lang="ko-KR" altLang="en-US" smtClean="0"/>
-              <a:t>2018-11-10</a:t>
+              <a:t>2018. 11. 10.</a:t>
             </a:fld>
             <a:endParaRPr lang="ko-KR" altLang="en-US"/>
           </a:p>
@@ -2402,7 +2601,7 @@
           <a:p>
             <a:fld id="{8E20E162-3880-4AB0-B825-B924C8552DF4}" type="datetimeFigureOut">
               <a:rPr lang="ko-KR" altLang="en-US" smtClean="0"/>
-              <a:t>2018-11-10</a:t>
+              <a:t>2018. 11. 10.</a:t>
             </a:fld>
             <a:endParaRPr lang="ko-KR" altLang="en-US"/>
           </a:p>
@@ -2677,7 +2876,7 @@
           <a:p>
             <a:fld id="{8E20E162-3880-4AB0-B825-B924C8552DF4}" type="datetimeFigureOut">
               <a:rPr lang="ko-KR" altLang="en-US" smtClean="0"/>
-              <a:t>2018-11-10</a:t>
+              <a:t>2018. 11. 10.</a:t>
             </a:fld>
             <a:endParaRPr lang="ko-KR" altLang="en-US"/>
           </a:p>
@@ -2929,7 +3128,7 @@
           <a:p>
             <a:fld id="{8E20E162-3880-4AB0-B825-B924C8552DF4}" type="datetimeFigureOut">
               <a:rPr lang="ko-KR" altLang="en-US" smtClean="0"/>
-              <a:t>2018-11-10</a:t>
+              <a:t>2018. 11. 10.</a:t>
             </a:fld>
             <a:endParaRPr lang="ko-KR" altLang="en-US"/>
           </a:p>
@@ -3140,7 +3339,7 @@
           <a:p>
             <a:fld id="{8E20E162-3880-4AB0-B825-B924C8552DF4}" type="datetimeFigureOut">
               <a:rPr lang="ko-KR" altLang="en-US" smtClean="0"/>
-              <a:t>2018-11-10</a:t>
+              <a:t>2018. 11. 10.</a:t>
             </a:fld>
             <a:endParaRPr lang="ko-KR" altLang="en-US"/>
           </a:p>
@@ -3520,7 +3719,7 @@
           <p:cNvPr id="2" name="제목 1">
             <a:extLst>
               <a:ext uri="{FF2B5EF4-FFF2-40B4-BE49-F238E27FC236}">
-                <a16:creationId xmlns:a16="http://schemas.microsoft.com/office/drawing/2014/main" xmlns="" id="{E8EBD7A7-4630-1047-9A97-D89735A59B12}"/>
+                <a16:creationId xmlns:a16="http://schemas.microsoft.com/office/drawing/2014/main" id="{E8EBD7A7-4630-1047-9A97-D89735A59B12}"/>
               </a:ext>
             </a:extLst>
           </p:cNvPr>
@@ -3556,7 +3755,7 @@
           <p:cNvPr id="3" name="내용 개체 틀 2">
             <a:extLst>
               <a:ext uri="{FF2B5EF4-FFF2-40B4-BE49-F238E27FC236}">
-                <a16:creationId xmlns:a16="http://schemas.microsoft.com/office/drawing/2014/main" xmlns="" id="{BA9874B2-5A79-0C4C-AEDC-6599047D15CC}"/>
+                <a16:creationId xmlns:a16="http://schemas.microsoft.com/office/drawing/2014/main" id="{BA9874B2-5A79-0C4C-AEDC-6599047D15CC}"/>
               </a:ext>
             </a:extLst>
           </p:cNvPr>
@@ -3727,10 +3926,6 @@
             </a:r>
           </a:p>
           <a:p>
-            <a:r>
-              <a:rPr lang="ko-KR" altLang="en-US" dirty="0"/>
-              <a:t/>
-            </a:r>
             <a:br>
               <a:rPr lang="ko-KR" altLang="en-US" dirty="0"/>
             </a:br>
@@ -3813,61 +4008,112 @@
       </p:grpSpPr>
       <p:sp>
         <p:nvSpPr>
-          <p:cNvPr id="2" name="제목 1">
+          <p:cNvPr id="2" name="제목 1"/>
+          <p:cNvSpPr>
+            <a:spLocks noGrp="1"/>
+          </p:cNvSpPr>
+          <p:nvPr>
+            <p:ph type="title"/>
+          </p:nvPr>
+        </p:nvSpPr>
+        <p:spPr/>
+        <p:txBody>
+          <a:bodyPr>
+            <a:normAutofit/>
+          </a:bodyPr>
+          <a:lstStyle/>
+          <a:p>
+            <a:r>
+              <a:rPr lang="ko-KR" altLang="en-US" dirty="0" err="1"/>
+              <a:t>알람</a:t>
+            </a:r>
+            <a:r>
+              <a:rPr lang="ko-KR" altLang="en-US" dirty="0"/>
+              <a:t> 설정 기능</a:t>
+            </a:r>
+          </a:p>
+        </p:txBody>
+      </p:sp>
+      <p:pic>
+        <p:nvPicPr>
+          <p:cNvPr id="4" name="내용 개체 틀 8" descr="스크린샷이(가) 표시된 사진&#10;&#10;&#10;&#10;자동 생성된 설명">
             <a:extLst>
               <a:ext uri="{FF2B5EF4-FFF2-40B4-BE49-F238E27FC236}">
-                <a16:creationId xmlns:a16="http://schemas.microsoft.com/office/drawing/2014/main" xmlns="" id="{9C508281-2DF6-3F4B-B03E-499380C0C441}"/>
+                <a16:creationId xmlns:a16="http://schemas.microsoft.com/office/drawing/2014/main" id="{49F20AB3-A0D8-E445-957D-6C1CF569A8C4}"/>
               </a:ext>
             </a:extLst>
           </p:cNvPr>
-          <p:cNvSpPr>
-            <a:spLocks noGrp="1"/>
-          </p:cNvSpPr>
-          <p:nvPr>
-            <p:ph type="title"/>
-          </p:nvPr>
-        </p:nvSpPr>
-        <p:spPr/>
-        <p:txBody>
-          <a:bodyPr/>
-          <a:lstStyle/>
-          <a:p>
-            <a:r>
-              <a:rPr kumimoji="1" lang="ko-KR" altLang="en-US" dirty="0"/>
-              <a:t>질의응답</a:t>
-            </a:r>
-          </a:p>
-        </p:txBody>
-      </p:sp>
-      <p:sp>
-        <p:nvSpPr>
-          <p:cNvPr id="3" name="내용 개체 틀 2">
+          <p:cNvPicPr>
+            <a:picLocks noChangeAspect="1"/>
+          </p:cNvPicPr>
+          <p:nvPr/>
+        </p:nvPicPr>
+        <p:blipFill rotWithShape="1">
+          <a:blip r:embed="rId3">
             <a:extLst>
-              <a:ext uri="{FF2B5EF4-FFF2-40B4-BE49-F238E27FC236}">
-                <a16:creationId xmlns:a16="http://schemas.microsoft.com/office/drawing/2014/main" xmlns="" id="{C088C665-85BA-2947-B1EE-D2C597E1ADDB}"/>
+              <a:ext uri="{28A0092B-C50C-407E-A947-70E740481C1C}">
+                <a14:useLocalDpi xmlns:a14="http://schemas.microsoft.com/office/drawing/2010/main" val="0"/>
               </a:ext>
             </a:extLst>
-          </p:cNvPr>
-          <p:cNvSpPr>
-            <a:spLocks noGrp="1"/>
-          </p:cNvSpPr>
-          <p:nvPr>
-            <p:ph idx="1"/>
-          </p:nvPr>
-        </p:nvSpPr>
-        <p:spPr/>
-        <p:txBody>
-          <a:bodyPr/>
-          <a:lstStyle/>
-          <a:p>
-            <a:endParaRPr kumimoji="1" lang="ko-KR" altLang="en-US" dirty="0"/>
-          </a:p>
-        </p:txBody>
-      </p:sp>
+          </a:blip>
+          <a:srcRect l="23539" t="33410" r="26460" b="7724"/>
+          <a:stretch/>
+        </p:blipFill>
+        <p:spPr>
+          <a:xfrm>
+            <a:off x="3276120" y="1690840"/>
+            <a:ext cx="2376000" cy="4135166"/>
+          </a:xfrm>
+          <a:prstGeom prst="flowChartAlternateProcess">
+            <a:avLst/>
+          </a:prstGeom>
+        </p:spPr>
+      </p:pic>
+      <p:pic>
+        <p:nvPicPr>
+          <p:cNvPr id="1026" name="Picture 2" descr="C:\Users\Administrator\Downloads\menu.gif"/>
+          <p:cNvPicPr>
+            <a:picLocks noChangeAspect="1" noChangeArrowheads="1"/>
+          </p:cNvPicPr>
+          <p:nvPr/>
+        </p:nvPicPr>
+        <p:blipFill>
+          <a:blip r:embed="rId4" cstate="print">
+            <a:extLst>
+              <a:ext uri="{28A0092B-C50C-407E-A947-70E740481C1C}">
+                <a14:useLocalDpi xmlns:a14="http://schemas.microsoft.com/office/drawing/2010/main" val="0"/>
+              </a:ext>
+            </a:extLst>
+          </a:blip>
+          <a:srcRect/>
+          <a:stretch>
+            <a:fillRect/>
+          </a:stretch>
+        </p:blipFill>
+        <p:spPr bwMode="auto">
+          <a:xfrm>
+            <a:off x="3492144" y="2194392"/>
+            <a:ext cx="2023200" cy="2973051"/>
+          </a:xfrm>
+          <a:prstGeom prst="rect">
+            <a:avLst/>
+          </a:prstGeom>
+          <a:noFill/>
+          <a:extLst>
+            <a:ext uri="{909E8E84-426E-40DD-AFC4-6F175D3DCCD1}">
+              <a14:hiddenFill xmlns:a14="http://schemas.microsoft.com/office/drawing/2010/main">
+                <a:solidFill>
+                  <a:srgbClr val="FFFFFF"/>
+                </a:solidFill>
+              </a14:hiddenFill>
+            </a:ext>
+          </a:extLst>
+        </p:spPr>
+      </p:pic>
     </p:spTree>
     <p:extLst>
       <p:ext uri="{BB962C8B-B14F-4D97-AF65-F5344CB8AC3E}">
-        <p14:creationId xmlns:p14="http://schemas.microsoft.com/office/powerpoint/2010/main" val="1759387882"/>
+        <p14:creationId xmlns:p14="http://schemas.microsoft.com/office/powerpoint/2010/main" val="3212548607"/>
       </p:ext>
     </p:extLst>
   </p:cSld>
@@ -3896,10 +4142,511 @@
       </p:grpSpPr>
       <p:sp>
         <p:nvSpPr>
+          <p:cNvPr id="2" name="제목 1">
+            <a:extLst>
+              <a:ext uri="{FF2B5EF4-FFF2-40B4-BE49-F238E27FC236}">
+                <a16:creationId xmlns:a16="http://schemas.microsoft.com/office/drawing/2014/main" id="{A616ACF8-0967-254E-9A89-A97507292D4D}"/>
+              </a:ext>
+            </a:extLst>
+          </p:cNvPr>
+          <p:cNvSpPr>
+            <a:spLocks noGrp="1"/>
+          </p:cNvSpPr>
+          <p:nvPr>
+            <p:ph type="title"/>
+          </p:nvPr>
+        </p:nvSpPr>
+        <p:spPr/>
+        <p:txBody>
+          <a:bodyPr/>
+          <a:lstStyle/>
+          <a:p>
+            <a:r>
+              <a:rPr kumimoji="1" lang="ko-KR" altLang="en-US" dirty="0"/>
+              <a:t>핵심 경쟁력</a:t>
+            </a:r>
+          </a:p>
+        </p:txBody>
+      </p:sp>
+      <p:sp>
+        <p:nvSpPr>
           <p:cNvPr id="3" name="내용 개체 틀 2">
             <a:extLst>
               <a:ext uri="{FF2B5EF4-FFF2-40B4-BE49-F238E27FC236}">
-                <a16:creationId xmlns:a16="http://schemas.microsoft.com/office/drawing/2014/main" xmlns="" id="{6F98B7E9-F878-0E42-A16C-75C889AFE0CE}"/>
+                <a16:creationId xmlns:a16="http://schemas.microsoft.com/office/drawing/2014/main" id="{A9EE0F75-50A2-D04C-82B0-482E543CA08F}"/>
+              </a:ext>
+            </a:extLst>
+          </p:cNvPr>
+          <p:cNvSpPr>
+            <a:spLocks noGrp="1"/>
+          </p:cNvSpPr>
+          <p:nvPr>
+            <p:ph idx="1"/>
+          </p:nvPr>
+        </p:nvSpPr>
+        <p:spPr/>
+        <p:txBody>
+          <a:bodyPr/>
+          <a:lstStyle/>
+          <a:p>
+            <a:r>
+              <a:rPr kumimoji="1" lang="ko-KR" altLang="en-US"/>
+              <a:t>여기에 </a:t>
+            </a:r>
+            <a:r>
+              <a:rPr kumimoji="1" lang="ko-KR" altLang="en-US" dirty="0"/>
+              <a:t>제휴업체 소개</a:t>
+            </a:r>
+            <a:r>
+              <a:rPr kumimoji="1" lang="en-US" altLang="ko-KR" dirty="0"/>
+              <a:t>(</a:t>
+            </a:r>
+            <a:r>
+              <a:rPr kumimoji="1" lang="ko-KR" altLang="en-US" dirty="0"/>
+              <a:t>이익창출을 목적으로 하되 </a:t>
+            </a:r>
+            <a:r>
+              <a:rPr kumimoji="1" lang="ko-KR" altLang="en-US" dirty="0" err="1"/>
+              <a:t>알람</a:t>
+            </a:r>
+            <a:r>
+              <a:rPr kumimoji="1" lang="ko-KR" altLang="en-US" dirty="0"/>
+              <a:t> 기능을 하는 걸로 </a:t>
+            </a:r>
+            <a:r>
+              <a:rPr kumimoji="1" lang="en-US" altLang="ko-KR" dirty="0"/>
+              <a:t>)</a:t>
+            </a:r>
+          </a:p>
+          <a:p>
+            <a:r>
+              <a:rPr kumimoji="1" lang="ko-KR" altLang="en-US" dirty="0"/>
+              <a:t>이익 창출 방법</a:t>
+            </a:r>
+            <a:r>
+              <a:rPr kumimoji="1" lang="en-US" altLang="ko-KR" dirty="0"/>
+              <a:t>- </a:t>
+            </a:r>
+            <a:r>
+              <a:rPr kumimoji="1" lang="ko-KR" altLang="en-US" dirty="0"/>
+              <a:t>㈜마스크</a:t>
+            </a:r>
+            <a:endParaRPr kumimoji="1" lang="en-US" altLang="ko-KR" dirty="0"/>
+          </a:p>
+          <a:p>
+            <a:pPr marL="0" indent="0">
+              <a:buNone/>
+            </a:pPr>
+            <a:r>
+              <a:rPr kumimoji="1" lang="en-US" altLang="ko-KR" dirty="0"/>
+              <a:t>                     - (</a:t>
+            </a:r>
+            <a:r>
+              <a:rPr kumimoji="1" lang="ko-KR" altLang="en-US" dirty="0"/>
+              <a:t>부</a:t>
+            </a:r>
+            <a:r>
+              <a:rPr kumimoji="1" lang="en-US" altLang="ko-KR" dirty="0"/>
+              <a:t>)</a:t>
+            </a:r>
+            <a:r>
+              <a:rPr kumimoji="1" lang="ko-KR" altLang="en-US" dirty="0"/>
+              <a:t>화장품</a:t>
+            </a:r>
+            <a:r>
+              <a:rPr kumimoji="1" lang="en-US" altLang="ko-KR" dirty="0"/>
+              <a:t>, </a:t>
+            </a:r>
+            <a:r>
+              <a:rPr kumimoji="1" lang="ko-KR" altLang="en-US" dirty="0"/>
+              <a:t>공기청정기</a:t>
+            </a:r>
+            <a:r>
+              <a:rPr kumimoji="1" lang="en-US" altLang="ko-KR" dirty="0"/>
+              <a:t>,</a:t>
+            </a:r>
+            <a:r>
+              <a:rPr kumimoji="1" lang="ko-KR" altLang="en-US" dirty="0"/>
+              <a:t>음식</a:t>
+            </a:r>
+            <a:endParaRPr kumimoji="1" lang="en-US" altLang="ko-KR" dirty="0"/>
+          </a:p>
+          <a:p>
+            <a:endParaRPr kumimoji="1" lang="ko-KR" altLang="en-US" dirty="0"/>
+          </a:p>
+        </p:txBody>
+      </p:sp>
+    </p:spTree>
+    <p:extLst>
+      <p:ext uri="{BB962C8B-B14F-4D97-AF65-F5344CB8AC3E}">
+        <p14:creationId xmlns:p14="http://schemas.microsoft.com/office/powerpoint/2010/main" val="1092442487"/>
+      </p:ext>
+    </p:extLst>
+  </p:cSld>
+  <p:clrMapOvr>
+    <a:masterClrMapping/>
+  </p:clrMapOvr>
+</p:sld>
+</file>
+
+<file path=ppt/slides/slide12.xml><?xml version="1.0" encoding="utf-8"?>
+<p:sld xmlns:a="http://schemas.openxmlformats.org/drawingml/2006/main" xmlns:r="http://schemas.openxmlformats.org/officeDocument/2006/relationships" xmlns:p="http://schemas.openxmlformats.org/presentationml/2006/main">
+  <p:cSld>
+    <p:spTree>
+      <p:nvGrpSpPr>
+        <p:cNvPr id="1" name=""/>
+        <p:cNvGrpSpPr/>
+        <p:nvPr/>
+      </p:nvGrpSpPr>
+      <p:grpSpPr>
+        <a:xfrm>
+          <a:off x="0" y="0"/>
+          <a:ext cx="0" cy="0"/>
+          <a:chOff x="0" y="0"/>
+          <a:chExt cx="0" cy="0"/>
+        </a:xfrm>
+      </p:grpSpPr>
+      <p:sp>
+        <p:nvSpPr>
+          <p:cNvPr id="2" name="제목 1">
+            <a:extLst>
+              <a:ext uri="{FF2B5EF4-FFF2-40B4-BE49-F238E27FC236}">
+                <a16:creationId xmlns:a16="http://schemas.microsoft.com/office/drawing/2014/main" id="{3409D811-9620-E144-9E2D-42A6803A50B0}"/>
+              </a:ext>
+            </a:extLst>
+          </p:cNvPr>
+          <p:cNvSpPr>
+            <a:spLocks noGrp="1"/>
+          </p:cNvSpPr>
+          <p:nvPr>
+            <p:ph type="title"/>
+          </p:nvPr>
+        </p:nvSpPr>
+        <p:spPr/>
+        <p:txBody>
+          <a:bodyPr/>
+          <a:lstStyle/>
+          <a:p>
+            <a:r>
+              <a:rPr kumimoji="1" lang="ko-KR" altLang="en-US" dirty="0"/>
+              <a:t>팀원 소개</a:t>
+            </a:r>
+          </a:p>
+        </p:txBody>
+      </p:sp>
+      <p:sp>
+        <p:nvSpPr>
+          <p:cNvPr id="3" name="내용 개체 틀 2">
+            <a:extLst>
+              <a:ext uri="{FF2B5EF4-FFF2-40B4-BE49-F238E27FC236}">
+                <a16:creationId xmlns:a16="http://schemas.microsoft.com/office/drawing/2014/main" id="{393D240D-69BC-C24F-B228-B79939338B18}"/>
+              </a:ext>
+            </a:extLst>
+          </p:cNvPr>
+          <p:cNvSpPr>
+            <a:spLocks noGrp="1"/>
+          </p:cNvSpPr>
+          <p:nvPr>
+            <p:ph idx="1"/>
+          </p:nvPr>
+        </p:nvSpPr>
+        <p:spPr/>
+        <p:txBody>
+          <a:bodyPr/>
+          <a:lstStyle/>
+          <a:p>
+            <a:r>
+              <a:rPr kumimoji="1" lang="ko-KR" altLang="en-US" dirty="0"/>
+              <a:t>조장</a:t>
+            </a:r>
+            <a:endParaRPr kumimoji="1" lang="en-US" altLang="ko-KR" dirty="0"/>
+          </a:p>
+          <a:p>
+            <a:pPr marL="0" indent="0">
+              <a:buNone/>
+            </a:pPr>
+            <a:endParaRPr kumimoji="1" lang="en-US" altLang="ko-KR" dirty="0"/>
+          </a:p>
+        </p:txBody>
+      </p:sp>
+    </p:spTree>
+    <p:extLst>
+      <p:ext uri="{BB962C8B-B14F-4D97-AF65-F5344CB8AC3E}">
+        <p14:creationId xmlns:p14="http://schemas.microsoft.com/office/powerpoint/2010/main" val="1602398143"/>
+      </p:ext>
+    </p:extLst>
+  </p:cSld>
+  <p:clrMapOvr>
+    <a:masterClrMapping/>
+  </p:clrMapOvr>
+</p:sld>
+</file>
+
+<file path=ppt/slides/slide13.xml><?xml version="1.0" encoding="utf-8"?>
+<p:sld xmlns:a="http://schemas.openxmlformats.org/drawingml/2006/main" xmlns:r="http://schemas.openxmlformats.org/officeDocument/2006/relationships" xmlns:p="http://schemas.openxmlformats.org/presentationml/2006/main">
+  <p:cSld>
+    <p:spTree>
+      <p:nvGrpSpPr>
+        <p:cNvPr id="1" name=""/>
+        <p:cNvGrpSpPr/>
+        <p:nvPr/>
+      </p:nvGrpSpPr>
+      <p:grpSpPr>
+        <a:xfrm>
+          <a:off x="0" y="0"/>
+          <a:ext cx="0" cy="0"/>
+          <a:chOff x="0" y="0"/>
+          <a:chExt cx="0" cy="0"/>
+        </a:xfrm>
+      </p:grpSpPr>
+      <p:sp>
+        <p:nvSpPr>
+          <p:cNvPr id="2" name="제목 1">
+            <a:extLst>
+              <a:ext uri="{FF2B5EF4-FFF2-40B4-BE49-F238E27FC236}">
+                <a16:creationId xmlns:a16="http://schemas.microsoft.com/office/drawing/2014/main" id="{28F98C9A-6B41-9E48-9587-94770AFED79E}"/>
+              </a:ext>
+            </a:extLst>
+          </p:cNvPr>
+          <p:cNvSpPr>
+            <a:spLocks noGrp="1"/>
+          </p:cNvSpPr>
+          <p:nvPr>
+            <p:ph type="title"/>
+          </p:nvPr>
+        </p:nvSpPr>
+        <p:spPr/>
+        <p:txBody>
+          <a:bodyPr/>
+          <a:lstStyle/>
+          <a:p>
+            <a:r>
+              <a:rPr kumimoji="1" lang="ko-KR" altLang="en-US" dirty="0"/>
+              <a:t>시장</a:t>
+            </a:r>
+            <a:r>
+              <a:rPr kumimoji="1" lang="en-US" altLang="ko-KR" dirty="0"/>
+              <a:t>/</a:t>
+            </a:r>
+            <a:r>
+              <a:rPr kumimoji="1" lang="ko-KR" altLang="en-US" dirty="0"/>
+              <a:t>경쟁 분석</a:t>
+            </a:r>
+          </a:p>
+        </p:txBody>
+      </p:sp>
+      <p:sp>
+        <p:nvSpPr>
+          <p:cNvPr id="3" name="내용 개체 틀 2">
+            <a:extLst>
+              <a:ext uri="{FF2B5EF4-FFF2-40B4-BE49-F238E27FC236}">
+                <a16:creationId xmlns:a16="http://schemas.microsoft.com/office/drawing/2014/main" id="{E883A23E-B406-1348-839E-7F8B6950D10E}"/>
+              </a:ext>
+            </a:extLst>
+          </p:cNvPr>
+          <p:cNvSpPr>
+            <a:spLocks noGrp="1"/>
+          </p:cNvSpPr>
+          <p:nvPr>
+            <p:ph idx="1"/>
+          </p:nvPr>
+        </p:nvSpPr>
+        <p:spPr/>
+        <p:txBody>
+          <a:bodyPr/>
+          <a:lstStyle/>
+          <a:p>
+            <a:r>
+              <a:rPr kumimoji="1" lang="en" altLang="ko-KR" dirty="0"/>
+              <a:t>research</a:t>
+            </a:r>
+            <a:r>
+              <a:rPr kumimoji="1" lang="ko-KR" altLang="en-US" dirty="0" err="1"/>
+              <a:t>를</a:t>
+            </a:r>
+            <a:r>
+              <a:rPr kumimoji="1" lang="ko-KR" altLang="en-US" dirty="0"/>
+              <a:t> 해서 공급 업체 중에서도 메이저로 할 거냐 마이너로 할 거냐</a:t>
+            </a:r>
+          </a:p>
+          <a:p>
+            <a:r>
+              <a:rPr kumimoji="1" lang="en-US" altLang="ko-KR" dirty="0"/>
+              <a:t>1. </a:t>
+            </a:r>
+            <a:r>
+              <a:rPr kumimoji="1" lang="ko-KR" altLang="en-US" dirty="0"/>
+              <a:t>기성 업체</a:t>
+            </a:r>
+            <a:r>
+              <a:rPr kumimoji="1" lang="en-US" altLang="ko-KR" dirty="0"/>
+              <a:t>(</a:t>
+            </a:r>
+            <a:r>
+              <a:rPr kumimoji="1" lang="ko-KR" altLang="en-US" dirty="0"/>
+              <a:t>있는 것을 홍보하거나 정보를 알려주는 것</a:t>
+            </a:r>
+            <a:r>
+              <a:rPr kumimoji="1" lang="en-US" altLang="ko-KR" dirty="0"/>
+              <a:t>)</a:t>
+            </a:r>
+          </a:p>
+          <a:p>
+            <a:r>
+              <a:rPr kumimoji="1" lang="en-US" altLang="ko-KR" dirty="0"/>
+              <a:t>2. </a:t>
+            </a:r>
+            <a:r>
+              <a:rPr kumimoji="1" lang="ko-KR" altLang="en-US" dirty="0"/>
+              <a:t>서비스화</a:t>
+            </a:r>
+            <a:r>
+              <a:rPr kumimoji="1" lang="en-US" altLang="ko-KR" dirty="0"/>
+              <a:t>(</a:t>
+            </a:r>
+            <a:r>
+              <a:rPr kumimoji="1" lang="ko-KR" altLang="en-US" dirty="0"/>
+              <a:t>다른 차원으로 넘어가는 것</a:t>
+            </a:r>
+            <a:r>
+              <a:rPr kumimoji="1" lang="en-US" altLang="ko-KR" dirty="0"/>
+              <a:t>)(</a:t>
+            </a:r>
+            <a:r>
+              <a:rPr kumimoji="1" lang="en" altLang="ko-KR" dirty="0"/>
+              <a:t>ex : </a:t>
+            </a:r>
+            <a:r>
+              <a:rPr kumimoji="1" lang="ko-KR" altLang="en-US" dirty="0"/>
+              <a:t>정기 배송 등</a:t>
+            </a:r>
+            <a:r>
+              <a:rPr kumimoji="1" lang="en-US" altLang="ko-KR" dirty="0"/>
+              <a:t>)</a:t>
+            </a:r>
+            <a:endParaRPr kumimoji="1" lang="ko-KR" altLang="en-US" dirty="0"/>
+          </a:p>
+        </p:txBody>
+      </p:sp>
+    </p:spTree>
+    <p:extLst>
+      <p:ext uri="{BB962C8B-B14F-4D97-AF65-F5344CB8AC3E}">
+        <p14:creationId xmlns:p14="http://schemas.microsoft.com/office/powerpoint/2010/main" val="4222687490"/>
+      </p:ext>
+    </p:extLst>
+  </p:cSld>
+  <p:clrMapOvr>
+    <a:masterClrMapping/>
+  </p:clrMapOvr>
+</p:sld>
+</file>
+
+<file path=ppt/slides/slide14.xml><?xml version="1.0" encoding="utf-8"?>
+<p:sld xmlns:a="http://schemas.openxmlformats.org/drawingml/2006/main" xmlns:r="http://schemas.openxmlformats.org/officeDocument/2006/relationships" xmlns:p="http://schemas.openxmlformats.org/presentationml/2006/main">
+  <p:cSld>
+    <p:spTree>
+      <p:nvGrpSpPr>
+        <p:cNvPr id="1" name=""/>
+        <p:cNvGrpSpPr/>
+        <p:nvPr/>
+      </p:nvGrpSpPr>
+      <p:grpSpPr>
+        <a:xfrm>
+          <a:off x="0" y="0"/>
+          <a:ext cx="0" cy="0"/>
+          <a:chOff x="0" y="0"/>
+          <a:chExt cx="0" cy="0"/>
+        </a:xfrm>
+      </p:grpSpPr>
+      <p:sp>
+        <p:nvSpPr>
+          <p:cNvPr id="2" name="제목 1">
+            <a:extLst>
+              <a:ext uri="{FF2B5EF4-FFF2-40B4-BE49-F238E27FC236}">
+                <a16:creationId xmlns:a16="http://schemas.microsoft.com/office/drawing/2014/main" id="{9C508281-2DF6-3F4B-B03E-499380C0C441}"/>
+              </a:ext>
+            </a:extLst>
+          </p:cNvPr>
+          <p:cNvSpPr>
+            <a:spLocks noGrp="1"/>
+          </p:cNvSpPr>
+          <p:nvPr>
+            <p:ph type="title"/>
+          </p:nvPr>
+        </p:nvSpPr>
+        <p:spPr/>
+        <p:txBody>
+          <a:bodyPr/>
+          <a:lstStyle/>
+          <a:p>
+            <a:r>
+              <a:rPr kumimoji="1" lang="ko-KR" altLang="en-US" dirty="0"/>
+              <a:t>질의응답</a:t>
+            </a:r>
+          </a:p>
+        </p:txBody>
+      </p:sp>
+      <p:sp>
+        <p:nvSpPr>
+          <p:cNvPr id="3" name="내용 개체 틀 2">
+            <a:extLst>
+              <a:ext uri="{FF2B5EF4-FFF2-40B4-BE49-F238E27FC236}">
+                <a16:creationId xmlns:a16="http://schemas.microsoft.com/office/drawing/2014/main" id="{C088C665-85BA-2947-B1EE-D2C597E1ADDB}"/>
+              </a:ext>
+            </a:extLst>
+          </p:cNvPr>
+          <p:cNvSpPr>
+            <a:spLocks noGrp="1"/>
+          </p:cNvSpPr>
+          <p:nvPr>
+            <p:ph idx="1"/>
+          </p:nvPr>
+        </p:nvSpPr>
+        <p:spPr/>
+        <p:txBody>
+          <a:bodyPr/>
+          <a:lstStyle/>
+          <a:p>
+            <a:endParaRPr kumimoji="1" lang="ko-KR" altLang="en-US" dirty="0"/>
+          </a:p>
+        </p:txBody>
+      </p:sp>
+    </p:spTree>
+    <p:extLst>
+      <p:ext uri="{BB962C8B-B14F-4D97-AF65-F5344CB8AC3E}">
+        <p14:creationId xmlns:p14="http://schemas.microsoft.com/office/powerpoint/2010/main" val="1759387882"/>
+      </p:ext>
+    </p:extLst>
+  </p:cSld>
+  <p:clrMapOvr>
+    <a:masterClrMapping/>
+  </p:clrMapOvr>
+</p:sld>
+</file>
+
+<file path=ppt/slides/slide15.xml><?xml version="1.0" encoding="utf-8"?>
+<p:sld xmlns:a="http://schemas.openxmlformats.org/drawingml/2006/main" xmlns:r="http://schemas.openxmlformats.org/officeDocument/2006/relationships" xmlns:p="http://schemas.openxmlformats.org/presentationml/2006/main">
+  <p:cSld>
+    <p:spTree>
+      <p:nvGrpSpPr>
+        <p:cNvPr id="1" name=""/>
+        <p:cNvGrpSpPr/>
+        <p:nvPr/>
+      </p:nvGrpSpPr>
+      <p:grpSpPr>
+        <a:xfrm>
+          <a:off x="0" y="0"/>
+          <a:ext cx="0" cy="0"/>
+          <a:chOff x="0" y="0"/>
+          <a:chExt cx="0" cy="0"/>
+        </a:xfrm>
+      </p:grpSpPr>
+      <p:sp>
+        <p:nvSpPr>
+          <p:cNvPr id="3" name="내용 개체 틀 2">
+            <a:extLst>
+              <a:ext uri="{FF2B5EF4-FFF2-40B4-BE49-F238E27FC236}">
+                <a16:creationId xmlns:a16="http://schemas.microsoft.com/office/drawing/2014/main" id="{6F98B7E9-F878-0E42-A16C-75C889AFE0CE}"/>
               </a:ext>
             </a:extLst>
           </p:cNvPr>
@@ -4089,7 +4836,7 @@
           <p:cNvPr id="2" name="제목 1">
             <a:extLst>
               <a:ext uri="{FF2B5EF4-FFF2-40B4-BE49-F238E27FC236}">
-                <a16:creationId xmlns:a16="http://schemas.microsoft.com/office/drawing/2014/main" xmlns="" id="{CC5C8BD3-3AF1-C748-835F-F0A286C90A18}"/>
+                <a16:creationId xmlns:a16="http://schemas.microsoft.com/office/drawing/2014/main" id="{CC5C8BD3-3AF1-C748-835F-F0A286C90A18}"/>
               </a:ext>
             </a:extLst>
           </p:cNvPr>
@@ -4159,7 +4906,7 @@
           <p:cNvPr id="2" name="제목 1">
             <a:extLst>
               <a:ext uri="{FF2B5EF4-FFF2-40B4-BE49-F238E27FC236}">
-                <a16:creationId xmlns:a16="http://schemas.microsoft.com/office/drawing/2014/main" xmlns="" id="{117210B6-0999-9C4F-954D-22D6B30F9E70}"/>
+                <a16:creationId xmlns:a16="http://schemas.microsoft.com/office/drawing/2014/main" id="{117210B6-0999-9C4F-954D-22D6B30F9E70}"/>
               </a:ext>
             </a:extLst>
           </p:cNvPr>
@@ -4172,20 +4919,14 @@
         </p:nvSpPr>
         <p:spPr/>
         <p:txBody>
-          <a:bodyPr/>
+          <a:bodyPr>
+            <a:normAutofit/>
+          </a:bodyPr>
           <a:lstStyle/>
           <a:p>
             <a:r>
               <a:rPr kumimoji="1" lang="ko-KR" altLang="en-US" dirty="0"/>
-              <a:t>서비스</a:t>
-            </a:r>
-            <a:r>
-              <a:rPr kumimoji="1" lang="en-US" altLang="ko-KR" dirty="0"/>
-              <a:t>/</a:t>
-            </a:r>
-            <a:r>
-              <a:rPr kumimoji="1" lang="ko-KR" altLang="en-US" dirty="0"/>
-              <a:t>제품 소개</a:t>
+              <a:t>마스크 교체 시간 알림</a:t>
             </a:r>
           </a:p>
         </p:txBody>
@@ -4195,7 +4936,7 @@
           <p:cNvPr id="9" name="내용 개체 틀 8" descr="스크린샷이(가) 표시된 사진&#10;&#10;&#10;&#10;자동 생성된 설명">
             <a:extLst>
               <a:ext uri="{FF2B5EF4-FFF2-40B4-BE49-F238E27FC236}">
-                <a16:creationId xmlns:a16="http://schemas.microsoft.com/office/drawing/2014/main" xmlns="" id="{49F20AB3-A0D8-E445-957D-6C1CF569A8C4}"/>
+                <a16:creationId xmlns:a16="http://schemas.microsoft.com/office/drawing/2014/main" id="{49F20AB3-A0D8-E445-957D-6C1CF569A8C4}"/>
               </a:ext>
             </a:extLst>
           </p:cNvPr>
@@ -4207,7 +4948,7 @@
           </p:nvPr>
         </p:nvPicPr>
         <p:blipFill rotWithShape="1">
-          <a:blip r:embed="rId2">
+          <a:blip r:embed="rId3">
             <a:extLst>
               <a:ext uri="{28A0092B-C50C-407E-A947-70E740481C1C}">
                 <a14:useLocalDpi xmlns:a14="http://schemas.microsoft.com/office/drawing/2010/main" val="0"/>
@@ -4219,7 +4960,7 @@
         </p:blipFill>
         <p:spPr>
           <a:xfrm>
-            <a:off x="1979976" y="1690840"/>
+            <a:off x="3203848" y="1958130"/>
             <a:ext cx="2376000" cy="4135166"/>
           </a:xfrm>
           <a:prstGeom prst="flowChartAlternateProcess">
@@ -4232,7 +4973,7 @@
           <p:cNvPr id="10" name="내용 개체 틀 4" descr="스크린샷이(가) 표시된 사진&#10;&#10;&#10;&#10;자동 생성된 설명">
             <a:extLst>
               <a:ext uri="{FF2B5EF4-FFF2-40B4-BE49-F238E27FC236}">
-                <a16:creationId xmlns:a16="http://schemas.microsoft.com/office/drawing/2014/main" xmlns="" id="{8ECB2695-C803-364D-BF30-932C21F166BA}"/>
+                <a16:creationId xmlns:a16="http://schemas.microsoft.com/office/drawing/2014/main" id="{8ECB2695-C803-364D-BF30-932C21F166BA}"/>
               </a:ext>
             </a:extLst>
           </p:cNvPr>
@@ -4242,7 +4983,7 @@
           <p:nvPr/>
         </p:nvPicPr>
         <p:blipFill>
-          <a:blip r:embed="rId3" cstate="print">
+          <a:blip r:embed="rId4" cstate="print">
             <a:extLst>
               <a:ext uri="{28A0092B-C50C-407E-A947-70E740481C1C}">
                 <a14:useLocalDpi xmlns:a14="http://schemas.microsoft.com/office/drawing/2010/main" val="0"/>
@@ -4255,7 +4996,7 @@
         </p:blipFill>
         <p:spPr>
           <a:xfrm>
-            <a:off x="2195736" y="2204864"/>
+            <a:off x="3419608" y="2472154"/>
             <a:ext cx="2023200" cy="2962296"/>
           </a:xfrm>
           <a:prstGeom prst="rect">
@@ -4295,6 +5036,270 @@
       </p:grpSpPr>
       <p:sp>
         <p:nvSpPr>
+          <p:cNvPr id="2" name="제목 1">
+            <a:extLst>
+              <a:ext uri="{FF2B5EF4-FFF2-40B4-BE49-F238E27FC236}">
+                <a16:creationId xmlns:a16="http://schemas.microsoft.com/office/drawing/2014/main" id="{117210B6-0999-9C4F-954D-22D6B30F9E70}"/>
+              </a:ext>
+            </a:extLst>
+          </p:cNvPr>
+          <p:cNvSpPr>
+            <a:spLocks noGrp="1"/>
+          </p:cNvSpPr>
+          <p:nvPr>
+            <p:ph type="title"/>
+          </p:nvPr>
+        </p:nvSpPr>
+        <p:spPr/>
+        <p:txBody>
+          <a:bodyPr/>
+          <a:lstStyle/>
+          <a:p>
+            <a:r>
+              <a:rPr kumimoji="1" lang="ko-KR" altLang="en-US" dirty="0"/>
+              <a:t>미세먼지 농도 확인</a:t>
+            </a:r>
+          </a:p>
+        </p:txBody>
+      </p:sp>
+      <p:pic>
+        <p:nvPicPr>
+          <p:cNvPr id="9" name="내용 개체 틀 8" descr="스크린샷이(가) 표시된 사진&#10;&#10;&#10;&#10;자동 생성된 설명">
+            <a:extLst>
+              <a:ext uri="{FF2B5EF4-FFF2-40B4-BE49-F238E27FC236}">
+                <a16:creationId xmlns:a16="http://schemas.microsoft.com/office/drawing/2014/main" id="{49F20AB3-A0D8-E445-957D-6C1CF569A8C4}"/>
+              </a:ext>
+            </a:extLst>
+          </p:cNvPr>
+          <p:cNvPicPr>
+            <a:picLocks noGrp="1" noChangeAspect="1"/>
+          </p:cNvPicPr>
+          <p:nvPr>
+            <p:ph idx="1"/>
+          </p:nvPr>
+        </p:nvPicPr>
+        <p:blipFill rotWithShape="1">
+          <a:blip r:embed="rId2">
+            <a:extLst>
+              <a:ext uri="{28A0092B-C50C-407E-A947-70E740481C1C}">
+                <a14:useLocalDpi xmlns:a14="http://schemas.microsoft.com/office/drawing/2010/main" val="0"/>
+              </a:ext>
+            </a:extLst>
+          </a:blip>
+          <a:srcRect l="23539" t="33410" r="26460" b="7724"/>
+          <a:stretch/>
+        </p:blipFill>
+        <p:spPr>
+          <a:xfrm>
+            <a:off x="3203848" y="1958130"/>
+            <a:ext cx="2376000" cy="4135166"/>
+          </a:xfrm>
+          <a:prstGeom prst="flowChartAlternateProcess">
+            <a:avLst/>
+          </a:prstGeom>
+        </p:spPr>
+      </p:pic>
+      <p:pic>
+        <p:nvPicPr>
+          <p:cNvPr id="10" name="내용 개체 틀 4" descr="스크린샷이(가) 표시된 사진&#10;&#10;&#10;&#10;자동 생성된 설명">
+            <a:extLst>
+              <a:ext uri="{FF2B5EF4-FFF2-40B4-BE49-F238E27FC236}">
+                <a16:creationId xmlns:a16="http://schemas.microsoft.com/office/drawing/2014/main" id="{8ECB2695-C803-364D-BF30-932C21F166BA}"/>
+              </a:ext>
+            </a:extLst>
+          </p:cNvPr>
+          <p:cNvPicPr>
+            <a:picLocks noChangeAspect="1"/>
+          </p:cNvPicPr>
+          <p:nvPr/>
+        </p:nvPicPr>
+        <p:blipFill>
+          <a:blip r:embed="rId3" cstate="print">
+            <a:extLst>
+              <a:ext uri="{28A0092B-C50C-407E-A947-70E740481C1C}">
+                <a14:useLocalDpi xmlns:a14="http://schemas.microsoft.com/office/drawing/2010/main" val="0"/>
+              </a:ext>
+            </a:extLst>
+          </a:blip>
+          <a:stretch>
+            <a:fillRect/>
+          </a:stretch>
+        </p:blipFill>
+        <p:spPr>
+          <a:xfrm>
+            <a:off x="3419608" y="2472154"/>
+            <a:ext cx="2023200" cy="2962296"/>
+          </a:xfrm>
+          <a:prstGeom prst="rect">
+            <a:avLst/>
+          </a:prstGeom>
+        </p:spPr>
+      </p:pic>
+    </p:spTree>
+    <p:extLst>
+      <p:ext uri="{BB962C8B-B14F-4D97-AF65-F5344CB8AC3E}">
+        <p14:creationId xmlns:p14="http://schemas.microsoft.com/office/powerpoint/2010/main" val="535974290"/>
+      </p:ext>
+    </p:extLst>
+  </p:cSld>
+  <p:clrMapOvr>
+    <a:masterClrMapping/>
+  </p:clrMapOvr>
+</p:sld>
+</file>
+
+<file path=ppt/slides/slide6.xml><?xml version="1.0" encoding="utf-8"?>
+<p:sld xmlns:a="http://schemas.openxmlformats.org/drawingml/2006/main" xmlns:r="http://schemas.openxmlformats.org/officeDocument/2006/relationships" xmlns:p="http://schemas.openxmlformats.org/presentationml/2006/main">
+  <p:cSld>
+    <p:spTree>
+      <p:nvGrpSpPr>
+        <p:cNvPr id="1" name=""/>
+        <p:cNvGrpSpPr/>
+        <p:nvPr/>
+      </p:nvGrpSpPr>
+      <p:grpSpPr>
+        <a:xfrm>
+          <a:off x="0" y="0"/>
+          <a:ext cx="0" cy="0"/>
+          <a:chOff x="0" y="0"/>
+          <a:chExt cx="0" cy="0"/>
+        </a:xfrm>
+      </p:grpSpPr>
+      <p:sp>
+        <p:nvSpPr>
+          <p:cNvPr id="2" name="제목 1">
+            <a:extLst>
+              <a:ext uri="{FF2B5EF4-FFF2-40B4-BE49-F238E27FC236}">
+                <a16:creationId xmlns:a16="http://schemas.microsoft.com/office/drawing/2014/main" id="{117210B6-0999-9C4F-954D-22D6B30F9E70}"/>
+              </a:ext>
+            </a:extLst>
+          </p:cNvPr>
+          <p:cNvSpPr>
+            <a:spLocks noGrp="1"/>
+          </p:cNvSpPr>
+          <p:nvPr>
+            <p:ph type="title"/>
+          </p:nvPr>
+        </p:nvSpPr>
+        <p:spPr/>
+        <p:txBody>
+          <a:bodyPr>
+            <a:normAutofit/>
+          </a:bodyPr>
+          <a:lstStyle/>
+          <a:p>
+            <a:r>
+              <a:rPr kumimoji="1" lang="ko-KR" altLang="en-US" dirty="0"/>
+              <a:t>대기환경에 맞는 마스크 추천 </a:t>
+            </a:r>
+          </a:p>
+        </p:txBody>
+      </p:sp>
+      <p:pic>
+        <p:nvPicPr>
+          <p:cNvPr id="9" name="내용 개체 틀 8" descr="스크린샷이(가) 표시된 사진&#10;&#10;&#10;&#10;자동 생성된 설명">
+            <a:extLst>
+              <a:ext uri="{FF2B5EF4-FFF2-40B4-BE49-F238E27FC236}">
+                <a16:creationId xmlns:a16="http://schemas.microsoft.com/office/drawing/2014/main" id="{49F20AB3-A0D8-E445-957D-6C1CF569A8C4}"/>
+              </a:ext>
+            </a:extLst>
+          </p:cNvPr>
+          <p:cNvPicPr>
+            <a:picLocks noGrp="1" noChangeAspect="1"/>
+          </p:cNvPicPr>
+          <p:nvPr>
+            <p:ph idx="1"/>
+          </p:nvPr>
+        </p:nvPicPr>
+        <p:blipFill rotWithShape="1">
+          <a:blip r:embed="rId2">
+            <a:extLst>
+              <a:ext uri="{28A0092B-C50C-407E-A947-70E740481C1C}">
+                <a14:useLocalDpi xmlns:a14="http://schemas.microsoft.com/office/drawing/2010/main" val="0"/>
+              </a:ext>
+            </a:extLst>
+          </a:blip>
+          <a:srcRect l="23539" t="33410" r="26460" b="7724"/>
+          <a:stretch/>
+        </p:blipFill>
+        <p:spPr>
+          <a:xfrm>
+            <a:off x="3203848" y="1958130"/>
+            <a:ext cx="2376000" cy="4135166"/>
+          </a:xfrm>
+          <a:prstGeom prst="flowChartAlternateProcess">
+            <a:avLst/>
+          </a:prstGeom>
+        </p:spPr>
+      </p:pic>
+      <p:pic>
+        <p:nvPicPr>
+          <p:cNvPr id="10" name="내용 개체 틀 4" descr="스크린샷이(가) 표시된 사진&#10;&#10;&#10;&#10;자동 생성된 설명">
+            <a:extLst>
+              <a:ext uri="{FF2B5EF4-FFF2-40B4-BE49-F238E27FC236}">
+                <a16:creationId xmlns:a16="http://schemas.microsoft.com/office/drawing/2014/main" id="{8ECB2695-C803-364D-BF30-932C21F166BA}"/>
+              </a:ext>
+            </a:extLst>
+          </p:cNvPr>
+          <p:cNvPicPr>
+            <a:picLocks noChangeAspect="1"/>
+          </p:cNvPicPr>
+          <p:nvPr/>
+        </p:nvPicPr>
+        <p:blipFill>
+          <a:blip r:embed="rId3" cstate="print">
+            <a:extLst>
+              <a:ext uri="{28A0092B-C50C-407E-A947-70E740481C1C}">
+                <a14:useLocalDpi xmlns:a14="http://schemas.microsoft.com/office/drawing/2010/main" val="0"/>
+              </a:ext>
+            </a:extLst>
+          </a:blip>
+          <a:stretch>
+            <a:fillRect/>
+          </a:stretch>
+        </p:blipFill>
+        <p:spPr>
+          <a:xfrm>
+            <a:off x="3419608" y="2472154"/>
+            <a:ext cx="2023200" cy="2962296"/>
+          </a:xfrm>
+          <a:prstGeom prst="rect">
+            <a:avLst/>
+          </a:prstGeom>
+        </p:spPr>
+      </p:pic>
+    </p:spTree>
+    <p:extLst>
+      <p:ext uri="{BB962C8B-B14F-4D97-AF65-F5344CB8AC3E}">
+        <p14:creationId xmlns:p14="http://schemas.microsoft.com/office/powerpoint/2010/main" val="2134451939"/>
+      </p:ext>
+    </p:extLst>
+  </p:cSld>
+  <p:clrMapOvr>
+    <a:masterClrMapping/>
+  </p:clrMapOvr>
+</p:sld>
+</file>
+
+<file path=ppt/slides/slide7.xml><?xml version="1.0" encoding="utf-8"?>
+<p:sld xmlns:a="http://schemas.openxmlformats.org/drawingml/2006/main" xmlns:r="http://schemas.openxmlformats.org/officeDocument/2006/relationships" xmlns:p="http://schemas.openxmlformats.org/presentationml/2006/main">
+  <p:cSld>
+    <p:spTree>
+      <p:nvGrpSpPr>
+        <p:cNvPr id="1" name=""/>
+        <p:cNvGrpSpPr/>
+        <p:nvPr/>
+      </p:nvGrpSpPr>
+      <p:grpSpPr>
+        <a:xfrm>
+          <a:off x="0" y="0"/>
+          <a:ext cx="0" cy="0"/>
+          <a:chOff x="0" y="0"/>
+          <a:chExt cx="0" cy="0"/>
+        </a:xfrm>
+      </p:grpSpPr>
+      <p:sp>
+        <p:nvSpPr>
           <p:cNvPr id="2" name="제목 1"/>
           <p:cNvSpPr>
             <a:spLocks noGrp="1"/>
@@ -4308,26 +5313,14 @@
           <a:bodyPr/>
           <a:lstStyle/>
           <a:p>
-            <a:endParaRPr lang="ko-KR" altLang="en-US"/>
-          </a:p>
-        </p:txBody>
-      </p:sp>
-      <p:sp>
-        <p:nvSpPr>
-          <p:cNvPr id="3" name="내용 개체 틀 2"/>
-          <p:cNvSpPr>
-            <a:spLocks noGrp="1"/>
-          </p:cNvSpPr>
-          <p:nvPr>
-            <p:ph idx="1"/>
-          </p:nvPr>
-        </p:nvSpPr>
-        <p:spPr/>
-        <p:txBody>
-          <a:bodyPr/>
-          <a:lstStyle/>
-          <a:p>
-            <a:endParaRPr lang="ko-KR" altLang="en-US" dirty="0"/>
+            <a:r>
+              <a:rPr lang="ko-KR" altLang="en-US" dirty="0" err="1"/>
+              <a:t>메뉴바</a:t>
+            </a:r>
+            <a:r>
+              <a:rPr lang="ko-KR" altLang="en-US" dirty="0"/>
+              <a:t> 존재</a:t>
+            </a:r>
           </a:p>
         </p:txBody>
       </p:sp>
@@ -4336,7 +5329,7 @@
           <p:cNvPr id="4" name="내용 개체 틀 8" descr="스크린샷이(가) 표시된 사진&#10;&#10;&#10;&#10;자동 생성된 설명">
             <a:extLst>
               <a:ext uri="{FF2B5EF4-FFF2-40B4-BE49-F238E27FC236}">
-                <a16:creationId xmlns:a16="http://schemas.microsoft.com/office/drawing/2014/main" xmlns="" id="{49F20AB3-A0D8-E445-957D-6C1CF569A8C4}"/>
+                <a16:creationId xmlns:a16="http://schemas.microsoft.com/office/drawing/2014/main" id="{49F20AB3-A0D8-E445-957D-6C1CF569A8C4}"/>
               </a:ext>
             </a:extLst>
           </p:cNvPr>
@@ -4358,7 +5351,7 @@
         </p:blipFill>
         <p:spPr>
           <a:xfrm>
-            <a:off x="1187624" y="1690840"/>
+            <a:off x="3276120" y="1690840"/>
             <a:ext cx="2376000" cy="4135166"/>
           </a:xfrm>
           <a:prstGeom prst="flowChartAlternateProcess">
@@ -4389,7 +5382,7 @@
         </p:blipFill>
         <p:spPr bwMode="auto">
           <a:xfrm>
-            <a:off x="1403648" y="2194392"/>
+            <a:off x="3492144" y="2194392"/>
             <a:ext cx="2023200" cy="2973051"/>
           </a:xfrm>
           <a:prstGeom prst="rect">
@@ -4420,240 +5413,6 @@
 </p:sld>
 </file>
 
-<file path=ppt/slides/slide6.xml><?xml version="1.0" encoding="utf-8"?>
-<p:sld xmlns:a="http://schemas.openxmlformats.org/drawingml/2006/main" xmlns:r="http://schemas.openxmlformats.org/officeDocument/2006/relationships" xmlns:p="http://schemas.openxmlformats.org/presentationml/2006/main">
-  <p:cSld>
-    <p:spTree>
-      <p:nvGrpSpPr>
-        <p:cNvPr id="1" name=""/>
-        <p:cNvGrpSpPr/>
-        <p:nvPr/>
-      </p:nvGrpSpPr>
-      <p:grpSpPr>
-        <a:xfrm>
-          <a:off x="0" y="0"/>
-          <a:ext cx="0" cy="0"/>
-          <a:chOff x="0" y="0"/>
-          <a:chExt cx="0" cy="0"/>
-        </a:xfrm>
-      </p:grpSpPr>
-      <p:sp>
-        <p:nvSpPr>
-          <p:cNvPr id="2" name="제목 1"/>
-          <p:cNvSpPr>
-            <a:spLocks noGrp="1"/>
-          </p:cNvSpPr>
-          <p:nvPr>
-            <p:ph type="title"/>
-          </p:nvPr>
-        </p:nvSpPr>
-        <p:spPr/>
-        <p:txBody>
-          <a:bodyPr/>
-          <a:lstStyle/>
-          <a:p>
-            <a:endParaRPr lang="ko-KR" altLang="en-US"/>
-          </a:p>
-        </p:txBody>
-      </p:sp>
-      <p:sp>
-        <p:nvSpPr>
-          <p:cNvPr id="3" name="내용 개체 틀 2"/>
-          <p:cNvSpPr>
-            <a:spLocks noGrp="1"/>
-          </p:cNvSpPr>
-          <p:nvPr>
-            <p:ph idx="1"/>
-          </p:nvPr>
-        </p:nvSpPr>
-        <p:spPr/>
-        <p:txBody>
-          <a:bodyPr/>
-          <a:lstStyle/>
-          <a:p>
-            <a:endParaRPr lang="ko-KR" altLang="en-US"/>
-          </a:p>
-        </p:txBody>
-      </p:sp>
-    </p:spTree>
-    <p:extLst>
-      <p:ext uri="{BB962C8B-B14F-4D97-AF65-F5344CB8AC3E}">
-        <p14:creationId xmlns:p14="http://schemas.microsoft.com/office/powerpoint/2010/main" val="3812344963"/>
-      </p:ext>
-    </p:extLst>
-  </p:cSld>
-  <p:clrMapOvr>
-    <a:masterClrMapping/>
-  </p:clrMapOvr>
-</p:sld>
-</file>
-
-<file path=ppt/slides/slide7.xml><?xml version="1.0" encoding="utf-8"?>
-<p:sld xmlns:a="http://schemas.openxmlformats.org/drawingml/2006/main" xmlns:r="http://schemas.openxmlformats.org/officeDocument/2006/relationships" xmlns:p="http://schemas.openxmlformats.org/presentationml/2006/main">
-  <p:cSld>
-    <p:spTree>
-      <p:nvGrpSpPr>
-        <p:cNvPr id="1" name=""/>
-        <p:cNvGrpSpPr/>
-        <p:nvPr/>
-      </p:nvGrpSpPr>
-      <p:grpSpPr>
-        <a:xfrm>
-          <a:off x="0" y="0"/>
-          <a:ext cx="0" cy="0"/>
-          <a:chOff x="0" y="0"/>
-          <a:chExt cx="0" cy="0"/>
-        </a:xfrm>
-      </p:grpSpPr>
-      <p:sp>
-        <p:nvSpPr>
-          <p:cNvPr id="2" name="제목 1">
-            <a:extLst>
-              <a:ext uri="{FF2B5EF4-FFF2-40B4-BE49-F238E27FC236}">
-                <a16:creationId xmlns:a16="http://schemas.microsoft.com/office/drawing/2014/main" xmlns="" id="{A616ACF8-0967-254E-9A89-A97507292D4D}"/>
-              </a:ext>
-            </a:extLst>
-          </p:cNvPr>
-          <p:cNvSpPr>
-            <a:spLocks noGrp="1"/>
-          </p:cNvSpPr>
-          <p:nvPr>
-            <p:ph type="title"/>
-          </p:nvPr>
-        </p:nvSpPr>
-        <p:spPr/>
-        <p:txBody>
-          <a:bodyPr/>
-          <a:lstStyle/>
-          <a:p>
-            <a:r>
-              <a:rPr kumimoji="1" lang="ko-KR" altLang="en-US" dirty="0"/>
-              <a:t>핵심 경쟁력</a:t>
-            </a:r>
-          </a:p>
-        </p:txBody>
-      </p:sp>
-      <p:sp>
-        <p:nvSpPr>
-          <p:cNvPr id="3" name="내용 개체 틀 2">
-            <a:extLst>
-              <a:ext uri="{FF2B5EF4-FFF2-40B4-BE49-F238E27FC236}">
-                <a16:creationId xmlns:a16="http://schemas.microsoft.com/office/drawing/2014/main" xmlns="" id="{A9EE0F75-50A2-D04C-82B0-482E543CA08F}"/>
-              </a:ext>
-            </a:extLst>
-          </p:cNvPr>
-          <p:cNvSpPr>
-            <a:spLocks noGrp="1"/>
-          </p:cNvSpPr>
-          <p:nvPr>
-            <p:ph idx="1"/>
-          </p:nvPr>
-        </p:nvSpPr>
-        <p:spPr/>
-        <p:txBody>
-          <a:bodyPr/>
-          <a:lstStyle/>
-          <a:p>
-            <a:r>
-              <a:rPr kumimoji="1" lang="ko-KR" altLang="en-US"/>
-              <a:t>여기에 </a:t>
-            </a:r>
-            <a:r>
-              <a:rPr kumimoji="1" lang="ko-KR" altLang="en-US" dirty="0"/>
-              <a:t>제휴업체 소개</a:t>
-            </a:r>
-            <a:r>
-              <a:rPr kumimoji="1" lang="en-US" altLang="ko-KR" dirty="0"/>
-              <a:t>(</a:t>
-            </a:r>
-            <a:r>
-              <a:rPr kumimoji="1" lang="ko-KR" altLang="en-US" dirty="0"/>
-              <a:t>이익창출을 목적으로 하되 </a:t>
-            </a:r>
-            <a:r>
-              <a:rPr kumimoji="1" lang="ko-KR" altLang="en-US" dirty="0" err="1"/>
-              <a:t>알람</a:t>
-            </a:r>
-            <a:r>
-              <a:rPr kumimoji="1" lang="ko-KR" altLang="en-US" dirty="0"/>
-              <a:t> 기능을 하는 걸로 </a:t>
-            </a:r>
-            <a:r>
-              <a:rPr kumimoji="1" lang="en-US" altLang="ko-KR" dirty="0"/>
-              <a:t>)</a:t>
-            </a:r>
-          </a:p>
-          <a:p>
-            <a:r>
-              <a:rPr kumimoji="1" lang="ko-KR" altLang="en-US" dirty="0"/>
-              <a:t>이익 창출 방법</a:t>
-            </a:r>
-            <a:r>
-              <a:rPr kumimoji="1" lang="en-US" altLang="ko-KR" dirty="0"/>
-              <a:t>- </a:t>
-            </a:r>
-            <a:r>
-              <a:rPr kumimoji="1" lang="ko-KR" altLang="en-US" dirty="0"/>
-              <a:t>㈜마스크</a:t>
-            </a:r>
-            <a:endParaRPr kumimoji="1" lang="en-US" altLang="ko-KR" dirty="0"/>
-          </a:p>
-          <a:p>
-            <a:pPr marL="0" indent="0">
-              <a:buNone/>
-            </a:pPr>
-            <a:r>
-              <a:rPr kumimoji="1" lang="en-US" altLang="ko-KR" dirty="0"/>
-              <a:t>                     - (</a:t>
-            </a:r>
-            <a:r>
-              <a:rPr kumimoji="1" lang="ko-KR" altLang="en-US" dirty="0"/>
-              <a:t>부</a:t>
-            </a:r>
-            <a:r>
-              <a:rPr kumimoji="1" lang="en-US" altLang="ko-KR" dirty="0"/>
-              <a:t>)</a:t>
-            </a:r>
-            <a:r>
-              <a:rPr kumimoji="1" lang="ko-KR" altLang="en-US" dirty="0"/>
-              <a:t>화장품</a:t>
-            </a:r>
-            <a:r>
-              <a:rPr kumimoji="1" lang="en-US" altLang="ko-KR" dirty="0"/>
-              <a:t>, </a:t>
-            </a:r>
-            <a:r>
-              <a:rPr kumimoji="1" lang="ko-KR" altLang="en-US" dirty="0"/>
-              <a:t>공기청정기</a:t>
-            </a:r>
-            <a:r>
-              <a:rPr kumimoji="1" lang="en-US" altLang="ko-KR" dirty="0"/>
-              <a:t>,</a:t>
-            </a:r>
-            <a:r>
-              <a:rPr kumimoji="1" lang="ko-KR" altLang="en-US" dirty="0"/>
-              <a:t>음식</a:t>
-            </a:r>
-            <a:endParaRPr kumimoji="1" lang="en-US" altLang="ko-KR" dirty="0"/>
-          </a:p>
-          <a:p>
-            <a:endParaRPr kumimoji="1" lang="ko-KR" altLang="en-US" dirty="0"/>
-          </a:p>
-        </p:txBody>
-      </p:sp>
-    </p:spTree>
-    <p:extLst>
-      <p:ext uri="{BB962C8B-B14F-4D97-AF65-F5344CB8AC3E}">
-        <p14:creationId xmlns:p14="http://schemas.microsoft.com/office/powerpoint/2010/main" val="1092442487"/>
-      </p:ext>
-    </p:extLst>
-  </p:cSld>
-  <p:clrMapOvr>
-    <a:masterClrMapping/>
-  </p:clrMapOvr>
-</p:sld>
-</file>
-
 <file path=ppt/slides/slide8.xml><?xml version="1.0" encoding="utf-8"?>
 <p:sld xmlns:a="http://schemas.openxmlformats.org/drawingml/2006/main" xmlns:r="http://schemas.openxmlformats.org/officeDocument/2006/relationships" xmlns:p="http://schemas.openxmlformats.org/presentationml/2006/main">
   <p:cSld>
@@ -4673,71 +5432,114 @@
       </p:grpSpPr>
       <p:sp>
         <p:nvSpPr>
-          <p:cNvPr id="2" name="제목 1">
+          <p:cNvPr id="2" name="제목 1"/>
+          <p:cNvSpPr>
+            <a:spLocks noGrp="1"/>
+          </p:cNvSpPr>
+          <p:nvPr>
+            <p:ph type="title"/>
+          </p:nvPr>
+        </p:nvSpPr>
+        <p:spPr/>
+        <p:txBody>
+          <a:bodyPr/>
+          <a:lstStyle/>
+          <a:p>
+            <a:r>
+              <a:rPr lang="ko-KR" altLang="en-US" dirty="0"/>
+              <a:t>쇼핑 기능</a:t>
+            </a:r>
+            <a:r>
+              <a:rPr lang="en-US" altLang="ko-KR" dirty="0"/>
+              <a:t>&amp;</a:t>
+            </a:r>
+            <a:r>
+              <a:rPr lang="ko-KR" altLang="en-US" dirty="0"/>
+              <a:t>리뷰 관리</a:t>
+            </a:r>
+          </a:p>
+        </p:txBody>
+      </p:sp>
+      <p:pic>
+        <p:nvPicPr>
+          <p:cNvPr id="4" name="내용 개체 틀 8" descr="스크린샷이(가) 표시된 사진&#10;&#10;&#10;&#10;자동 생성된 설명">
             <a:extLst>
               <a:ext uri="{FF2B5EF4-FFF2-40B4-BE49-F238E27FC236}">
-                <a16:creationId xmlns:a16="http://schemas.microsoft.com/office/drawing/2014/main" xmlns="" id="{3409D811-9620-E144-9E2D-42A6803A50B0}"/>
+                <a16:creationId xmlns:a16="http://schemas.microsoft.com/office/drawing/2014/main" id="{49F20AB3-A0D8-E445-957D-6C1CF569A8C4}"/>
               </a:ext>
             </a:extLst>
           </p:cNvPr>
-          <p:cNvSpPr>
-            <a:spLocks noGrp="1"/>
-          </p:cNvSpPr>
-          <p:nvPr>
-            <p:ph type="title"/>
-          </p:nvPr>
-        </p:nvSpPr>
-        <p:spPr/>
-        <p:txBody>
-          <a:bodyPr/>
-          <a:lstStyle/>
-          <a:p>
-            <a:r>
-              <a:rPr kumimoji="1" lang="ko-KR" altLang="en-US" dirty="0"/>
-              <a:t>팀원 소개</a:t>
-            </a:r>
-          </a:p>
-        </p:txBody>
-      </p:sp>
-      <p:sp>
-        <p:nvSpPr>
-          <p:cNvPr id="3" name="내용 개체 틀 2">
+          <p:cNvPicPr>
+            <a:picLocks noChangeAspect="1"/>
+          </p:cNvPicPr>
+          <p:nvPr/>
+        </p:nvPicPr>
+        <p:blipFill rotWithShape="1">
+          <a:blip r:embed="rId2">
             <a:extLst>
-              <a:ext uri="{FF2B5EF4-FFF2-40B4-BE49-F238E27FC236}">
-                <a16:creationId xmlns:a16="http://schemas.microsoft.com/office/drawing/2014/main" xmlns="" id="{393D240D-69BC-C24F-B228-B79939338B18}"/>
+              <a:ext uri="{28A0092B-C50C-407E-A947-70E740481C1C}">
+                <a14:useLocalDpi xmlns:a14="http://schemas.microsoft.com/office/drawing/2010/main" val="0"/>
               </a:ext>
             </a:extLst>
-          </p:cNvPr>
-          <p:cNvSpPr>
-            <a:spLocks noGrp="1"/>
-          </p:cNvSpPr>
-          <p:nvPr>
-            <p:ph idx="1"/>
-          </p:nvPr>
-        </p:nvSpPr>
-        <p:spPr/>
-        <p:txBody>
-          <a:bodyPr/>
-          <a:lstStyle/>
-          <a:p>
-            <a:r>
-              <a:rPr kumimoji="1" lang="ko-KR" altLang="en-US" dirty="0"/>
-              <a:t>조장</a:t>
-            </a:r>
-            <a:endParaRPr kumimoji="1" lang="en-US" altLang="ko-KR" dirty="0"/>
-          </a:p>
-          <a:p>
-            <a:pPr marL="0" indent="0">
-              <a:buNone/>
-            </a:pPr>
-            <a:endParaRPr kumimoji="1" lang="en-US" altLang="ko-KR" dirty="0"/>
-          </a:p>
-        </p:txBody>
-      </p:sp>
+          </a:blip>
+          <a:srcRect l="23539" t="33410" r="26460" b="7724"/>
+          <a:stretch/>
+        </p:blipFill>
+        <p:spPr>
+          <a:xfrm>
+            <a:off x="3276120" y="1690840"/>
+            <a:ext cx="2376000" cy="4135166"/>
+          </a:xfrm>
+          <a:prstGeom prst="flowChartAlternateProcess">
+            <a:avLst/>
+          </a:prstGeom>
+        </p:spPr>
+      </p:pic>
+      <p:pic>
+        <p:nvPicPr>
+          <p:cNvPr id="1026" name="Picture 2" descr="C:\Users\Administrator\Downloads\menu.gif"/>
+          <p:cNvPicPr>
+            <a:picLocks noChangeAspect="1" noChangeArrowheads="1"/>
+          </p:cNvPicPr>
+          <p:nvPr/>
+        </p:nvPicPr>
+        <p:blipFill>
+          <a:blip r:embed="rId3" cstate="print">
+            <a:extLst>
+              <a:ext uri="{28A0092B-C50C-407E-A947-70E740481C1C}">
+                <a14:useLocalDpi xmlns:a14="http://schemas.microsoft.com/office/drawing/2010/main" val="0"/>
+              </a:ext>
+            </a:extLst>
+          </a:blip>
+          <a:srcRect/>
+          <a:stretch>
+            <a:fillRect/>
+          </a:stretch>
+        </p:blipFill>
+        <p:spPr bwMode="auto">
+          <a:xfrm>
+            <a:off x="3492144" y="2194392"/>
+            <a:ext cx="2023200" cy="2973051"/>
+          </a:xfrm>
+          <a:prstGeom prst="rect">
+            <a:avLst/>
+          </a:prstGeom>
+          <a:noFill/>
+          <a:extLst>
+            <a:ext uri="{909E8E84-426E-40DD-AFC4-6F175D3DCCD1}">
+              <a14:hiddenFill xmlns:a14="http://schemas.microsoft.com/office/drawing/2010/main">
+                <a:solidFill>
+                  <a:srgbClr val="FFFFFF"/>
+                </a:solidFill>
+              </a14:hiddenFill>
+            </a:ext>
+          </a:extLst>
+        </p:spPr>
+      </p:pic>
     </p:spTree>
     <p:extLst>
       <p:ext uri="{BB962C8B-B14F-4D97-AF65-F5344CB8AC3E}">
-        <p14:creationId xmlns:p14="http://schemas.microsoft.com/office/powerpoint/2010/main" val="1602398143"/>
+        <p14:creationId xmlns:p14="http://schemas.microsoft.com/office/powerpoint/2010/main" val="2127569690"/>
       </p:ext>
     </p:extLst>
   </p:cSld>
@@ -4766,13 +5568,7 @@
       </p:grpSpPr>
       <p:sp>
         <p:nvSpPr>
-          <p:cNvPr id="2" name="제목 1">
-            <a:extLst>
-              <a:ext uri="{FF2B5EF4-FFF2-40B4-BE49-F238E27FC236}">
-                <a16:creationId xmlns:a16="http://schemas.microsoft.com/office/drawing/2014/main" xmlns="" id="{28F98C9A-6B41-9E48-9587-94770AFED79E}"/>
-              </a:ext>
-            </a:extLst>
-          </p:cNvPr>
+          <p:cNvPr id="2" name="제목 1"/>
           <p:cNvSpPr>
             <a:spLocks noGrp="1"/>
           </p:cNvSpPr>
@@ -4782,33 +5578,33 @@
         </p:nvSpPr>
         <p:spPr/>
         <p:txBody>
-          <a:bodyPr/>
-          <a:lstStyle/>
-          <a:p>
-            <a:r>
-              <a:rPr kumimoji="1" lang="ko-KR" altLang="en-US" dirty="0"/>
-              <a:t>시장</a:t>
-            </a:r>
-            <a:r>
-              <a:rPr kumimoji="1" lang="en-US" altLang="ko-KR" dirty="0"/>
-              <a:t>/</a:t>
-            </a:r>
-            <a:r>
-              <a:rPr kumimoji="1" lang="ko-KR" altLang="en-US" dirty="0"/>
-              <a:t>경쟁 분석</a:t>
-            </a:r>
-          </a:p>
-        </p:txBody>
-      </p:sp>
-      <p:sp>
-        <p:nvSpPr>
-          <p:cNvPr id="3" name="내용 개체 틀 2">
-            <a:extLst>
-              <a:ext uri="{FF2B5EF4-FFF2-40B4-BE49-F238E27FC236}">
-                <a16:creationId xmlns:a16="http://schemas.microsoft.com/office/drawing/2014/main" xmlns="" id="{E883A23E-B406-1348-839E-7F8B6950D10E}"/>
-              </a:ext>
-            </a:extLst>
-          </p:cNvPr>
+          <a:bodyPr>
+            <a:normAutofit fontScale="90000"/>
+          </a:bodyPr>
+          <a:lstStyle/>
+          <a:p>
+            <a:r>
+              <a:rPr lang="ko-KR" altLang="en-US" dirty="0" err="1"/>
+              <a:t>정기배송</a:t>
+            </a:r>
+            <a:r>
+              <a:rPr lang="ko-KR" altLang="en-US" dirty="0"/>
+              <a:t> </a:t>
+            </a:r>
+            <a:r>
+              <a:rPr lang="en-US" altLang="ko-KR" dirty="0"/>
+              <a:t>&amp;</a:t>
+            </a:r>
+            <a:r>
+              <a:rPr lang="ko-KR" altLang="en-US" dirty="0"/>
+              <a:t> 남은 마스크 수 확인</a:t>
+            </a:r>
+          </a:p>
+        </p:txBody>
+      </p:sp>
+      <p:sp>
+        <p:nvSpPr>
+          <p:cNvPr id="3" name="내용 개체 틀 2"/>
           <p:cNvSpPr>
             <a:spLocks noGrp="1"/>
           </p:cNvSpPr>
@@ -4821,82 +5617,14 @@
           <a:bodyPr/>
           <a:lstStyle/>
           <a:p>
-            <a:r>
-              <a:rPr kumimoji="1" lang="en" altLang="ko-KR" dirty="0"/>
-              <a:t>research</a:t>
-            </a:r>
-            <a:r>
-              <a:rPr kumimoji="1" lang="ko-KR" altLang="en-US" dirty="0" err="1"/>
-              <a:t>를</a:t>
-            </a:r>
-            <a:r>
-              <a:rPr kumimoji="1" lang="ko-KR" altLang="en-US" dirty="0"/>
-              <a:t> 해서 공급 업체 중에서도 메이저로 할 거냐 마이너로 할 거냐</a:t>
-            </a:r>
-          </a:p>
-          <a:p>
-            <a:r>
-              <a:rPr kumimoji="1" lang="en-US" altLang="ko-KR" dirty="0"/>
-              <a:t>1. </a:t>
-            </a:r>
-            <a:r>
-              <a:rPr kumimoji="1" lang="ko-KR" altLang="en-US" dirty="0"/>
-              <a:t>기성 업체</a:t>
-            </a:r>
-            <a:r>
-              <a:rPr kumimoji="1" lang="en-US" altLang="ko-KR" dirty="0"/>
-              <a:t>(</a:t>
-            </a:r>
-            <a:r>
-              <a:rPr kumimoji="1" lang="ko-KR" altLang="en-US" dirty="0"/>
-              <a:t>있는 것을 홍보하거나 정보를 알려주는 것</a:t>
-            </a:r>
-            <a:r>
-              <a:rPr kumimoji="1" lang="en-US" altLang="ko-KR" dirty="0"/>
-              <a:t>)</a:t>
-            </a:r>
-          </a:p>
-          <a:p>
-            <a:r>
-              <a:rPr kumimoji="1" lang="en-US" altLang="ko-KR" dirty="0"/>
-              <a:t>2. </a:t>
-            </a:r>
-            <a:r>
-              <a:rPr kumimoji="1" lang="ko-KR" altLang="en-US" dirty="0"/>
-              <a:t>서비스화</a:t>
-            </a:r>
-            <a:r>
-              <a:rPr kumimoji="1" lang="en-US" altLang="ko-KR" dirty="0"/>
-              <a:t>(</a:t>
-            </a:r>
-            <a:r>
-              <a:rPr kumimoji="1" lang="ko-KR" altLang="en-US" dirty="0"/>
-              <a:t>다른 차원으로 넘어가는 것</a:t>
-            </a:r>
-            <a:r>
-              <a:rPr kumimoji="1" lang="en-US" altLang="ko-KR" dirty="0"/>
-              <a:t>)(</a:t>
-            </a:r>
-            <a:r>
-              <a:rPr kumimoji="1" lang="en" altLang="ko-KR" dirty="0"/>
-              <a:t>ex : </a:t>
-            </a:r>
-            <a:r>
-              <a:rPr kumimoji="1" lang="ko-KR" altLang="en-US" dirty="0"/>
-              <a:t>정기 배송 등</a:t>
-            </a:r>
-            <a:r>
-              <a:rPr kumimoji="1" lang="en-US" altLang="ko-KR" dirty="0"/>
-              <a:t>)</a:t>
-            </a:r>
-            <a:endParaRPr kumimoji="1" lang="ko-KR" altLang="en-US" dirty="0"/>
+            <a:endParaRPr lang="ko-KR" altLang="en-US" dirty="0"/>
           </a:p>
         </p:txBody>
       </p:sp>
     </p:spTree>
     <p:extLst>
       <p:ext uri="{BB962C8B-B14F-4D97-AF65-F5344CB8AC3E}">
-        <p14:creationId xmlns:p14="http://schemas.microsoft.com/office/powerpoint/2010/main" val="4222687490"/>
+        <p14:creationId xmlns:p14="http://schemas.microsoft.com/office/powerpoint/2010/main" val="1212148461"/>
       </p:ext>
     </p:extLst>
   </p:cSld>
@@ -5480,7 +6208,7 @@
   <a:extraClrSchemeLst/>
   <a:extLst>
     <a:ext uri="{05A4C25C-085E-4340-85A3-A5531E510DB2}">
-      <thm15:themeFamily xmlns:thm15="http://schemas.microsoft.com/office/thememl/2012/main" xmlns="" name="Office Theme" id="{62F939B6-93AF-4DB8-9C6B-D6C7DFDC589F}" vid="{4A3C46E8-61CC-4603-A589-7422A47A8E4A}"/>
+      <thm15:themeFamily xmlns:thm15="http://schemas.microsoft.com/office/thememl/2012/main" name="Office Theme" id="{62F939B6-93AF-4DB8-9C6B-D6C7DFDC589F}" vid="{4A3C46E8-61CC-4603-A589-7422A47A8E4A}"/>
     </a:ext>
   </a:extLst>
 </a:theme>

--- a/ideatoneppt.pptx
+++ b/ideatoneppt.pptx
@@ -16,7 +16,7 @@
     <p:sldId id="274" r:id="rId7"/>
     <p:sldId id="267" r:id="rId8"/>
     <p:sldId id="275" r:id="rId9"/>
-    <p:sldId id="276" r:id="rId10"/>
+    <p:sldId id="278" r:id="rId10"/>
     <p:sldId id="277" r:id="rId11"/>
     <p:sldId id="261" r:id="rId12"/>
     <p:sldId id="258" r:id="rId13"/>
@@ -123,7 +123,7 @@
   </p:defaultTextStyle>
   <p:extLst>
     <p:ext uri="{EFAFB233-063F-42B5-8137-9DF3F51BA10A}">
-      <p15:sldGuideLst xmlns:p15="http://schemas.microsoft.com/office/powerpoint/2012/main">
+      <p15:sldGuideLst xmlns:p15="http://schemas.microsoft.com/office/powerpoint/2012/main" xmlns="">
         <p15:guide id="1" orient="horz" pos="2160">
           <p15:clr>
             <a:srgbClr val="A4A3A4"/>
@@ -222,7 +222,7 @@
           <a:p>
             <a:fld id="{A6C8F092-C767-FC4F-B808-83A348BB618C}" type="datetimeFigureOut">
               <a:rPr kumimoji="1" lang="ko-KR" altLang="en-US" smtClean="0"/>
-              <a:t>2018. 11. 10.</a:t>
+              <a:t>2018-11-10</a:t>
             </a:fld>
             <a:endParaRPr kumimoji="1" lang="ko-KR" altLang="en-US"/>
           </a:p>
@@ -926,7 +926,7 @@
           <a:p>
             <a:fld id="{8E20E162-3880-4AB0-B825-B924C8552DF4}" type="datetimeFigureOut">
               <a:rPr lang="ko-KR" altLang="en-US" smtClean="0"/>
-              <a:t>2018. 11. 10.</a:t>
+              <a:t>2018-11-10</a:t>
             </a:fld>
             <a:endParaRPr lang="ko-KR" altLang="en-US"/>
           </a:p>
@@ -1094,7 +1094,7 @@
           <a:p>
             <a:fld id="{8E20E162-3880-4AB0-B825-B924C8552DF4}" type="datetimeFigureOut">
               <a:rPr lang="ko-KR" altLang="en-US" smtClean="0"/>
-              <a:t>2018. 11. 10.</a:t>
+              <a:t>2018-11-10</a:t>
             </a:fld>
             <a:endParaRPr lang="ko-KR" altLang="en-US"/>
           </a:p>
@@ -1272,7 +1272,7 @@
           <a:p>
             <a:fld id="{8E20E162-3880-4AB0-B825-B924C8552DF4}" type="datetimeFigureOut">
               <a:rPr lang="ko-KR" altLang="en-US" smtClean="0"/>
-              <a:t>2018. 11. 10.</a:t>
+              <a:t>2018-11-10</a:t>
             </a:fld>
             <a:endParaRPr lang="ko-KR" altLang="en-US"/>
           </a:p>
@@ -1440,7 +1440,7 @@
           <a:p>
             <a:fld id="{8E20E162-3880-4AB0-B825-B924C8552DF4}" type="datetimeFigureOut">
               <a:rPr lang="ko-KR" altLang="en-US" smtClean="0"/>
-              <a:t>2018. 11. 10.</a:t>
+              <a:t>2018-11-10</a:t>
             </a:fld>
             <a:endParaRPr lang="ko-KR" altLang="en-US"/>
           </a:p>
@@ -1685,7 +1685,7 @@
           <a:p>
             <a:fld id="{8E20E162-3880-4AB0-B825-B924C8552DF4}" type="datetimeFigureOut">
               <a:rPr lang="ko-KR" altLang="en-US" smtClean="0"/>
-              <a:t>2018. 11. 10.</a:t>
+              <a:t>2018-11-10</a:t>
             </a:fld>
             <a:endParaRPr lang="ko-KR" altLang="en-US"/>
           </a:p>
@@ -1970,7 +1970,7 @@
           <a:p>
             <a:fld id="{8E20E162-3880-4AB0-B825-B924C8552DF4}" type="datetimeFigureOut">
               <a:rPr lang="ko-KR" altLang="en-US" smtClean="0"/>
-              <a:t>2018. 11. 10.</a:t>
+              <a:t>2018-11-10</a:t>
             </a:fld>
             <a:endParaRPr lang="ko-KR" altLang="en-US"/>
           </a:p>
@@ -2389,7 +2389,7 @@
           <a:p>
             <a:fld id="{8E20E162-3880-4AB0-B825-B924C8552DF4}" type="datetimeFigureOut">
               <a:rPr lang="ko-KR" altLang="en-US" smtClean="0"/>
-              <a:t>2018. 11. 10.</a:t>
+              <a:t>2018-11-10</a:t>
             </a:fld>
             <a:endParaRPr lang="ko-KR" altLang="en-US"/>
           </a:p>
@@ -2506,7 +2506,7 @@
           <a:p>
             <a:fld id="{8E20E162-3880-4AB0-B825-B924C8552DF4}" type="datetimeFigureOut">
               <a:rPr lang="ko-KR" altLang="en-US" smtClean="0"/>
-              <a:t>2018. 11. 10.</a:t>
+              <a:t>2018-11-10</a:t>
             </a:fld>
             <a:endParaRPr lang="ko-KR" altLang="en-US"/>
           </a:p>
@@ -2601,7 +2601,7 @@
           <a:p>
             <a:fld id="{8E20E162-3880-4AB0-B825-B924C8552DF4}" type="datetimeFigureOut">
               <a:rPr lang="ko-KR" altLang="en-US" smtClean="0"/>
-              <a:t>2018. 11. 10.</a:t>
+              <a:t>2018-11-10</a:t>
             </a:fld>
             <a:endParaRPr lang="ko-KR" altLang="en-US"/>
           </a:p>
@@ -2876,7 +2876,7 @@
           <a:p>
             <a:fld id="{8E20E162-3880-4AB0-B825-B924C8552DF4}" type="datetimeFigureOut">
               <a:rPr lang="ko-KR" altLang="en-US" smtClean="0"/>
-              <a:t>2018. 11. 10.</a:t>
+              <a:t>2018-11-10</a:t>
             </a:fld>
             <a:endParaRPr lang="ko-KR" altLang="en-US"/>
           </a:p>
@@ -3128,7 +3128,7 @@
           <a:p>
             <a:fld id="{8E20E162-3880-4AB0-B825-B924C8552DF4}" type="datetimeFigureOut">
               <a:rPr lang="ko-KR" altLang="en-US" smtClean="0"/>
-              <a:t>2018. 11. 10.</a:t>
+              <a:t>2018-11-10</a:t>
             </a:fld>
             <a:endParaRPr lang="ko-KR" altLang="en-US"/>
           </a:p>
@@ -3339,7 +3339,7 @@
           <a:p>
             <a:fld id="{8E20E162-3880-4AB0-B825-B924C8552DF4}" type="datetimeFigureOut">
               <a:rPr lang="ko-KR" altLang="en-US" smtClean="0"/>
-              <a:t>2018. 11. 10.</a:t>
+              <a:t>2018-11-10</a:t>
             </a:fld>
             <a:endParaRPr lang="ko-KR" altLang="en-US"/>
           </a:p>
@@ -3719,7 +3719,7 @@
           <p:cNvPr id="2" name="제목 1">
             <a:extLst>
               <a:ext uri="{FF2B5EF4-FFF2-40B4-BE49-F238E27FC236}">
-                <a16:creationId xmlns:a16="http://schemas.microsoft.com/office/drawing/2014/main" id="{E8EBD7A7-4630-1047-9A97-D89735A59B12}"/>
+                <a16:creationId xmlns:a16="http://schemas.microsoft.com/office/drawing/2014/main" xmlns="" id="{E8EBD7A7-4630-1047-9A97-D89735A59B12}"/>
               </a:ext>
             </a:extLst>
           </p:cNvPr>
@@ -3755,7 +3755,7 @@
           <p:cNvPr id="3" name="내용 개체 틀 2">
             <a:extLst>
               <a:ext uri="{FF2B5EF4-FFF2-40B4-BE49-F238E27FC236}">
-                <a16:creationId xmlns:a16="http://schemas.microsoft.com/office/drawing/2014/main" id="{BA9874B2-5A79-0C4C-AEDC-6599047D15CC}"/>
+                <a16:creationId xmlns:a16="http://schemas.microsoft.com/office/drawing/2014/main" xmlns="" id="{BA9874B2-5A79-0C4C-AEDC-6599047D15CC}"/>
               </a:ext>
             </a:extLst>
           </p:cNvPr>
@@ -3926,6 +3926,10 @@
             </a:r>
           </a:p>
           <a:p>
+            <a:r>
+              <a:rPr lang="ko-KR" altLang="en-US" dirty="0"/>
+              <a:t/>
+            </a:r>
             <a:br>
               <a:rPr lang="ko-KR" altLang="en-US" dirty="0"/>
             </a:br>
@@ -4039,7 +4043,7 @@
           <p:cNvPr id="4" name="내용 개체 틀 8" descr="스크린샷이(가) 표시된 사진&#10;&#10;&#10;&#10;자동 생성된 설명">
             <a:extLst>
               <a:ext uri="{FF2B5EF4-FFF2-40B4-BE49-F238E27FC236}">
-                <a16:creationId xmlns:a16="http://schemas.microsoft.com/office/drawing/2014/main" id="{49F20AB3-A0D8-E445-957D-6C1CF569A8C4}"/>
+                <a16:creationId xmlns:a16="http://schemas.microsoft.com/office/drawing/2014/main" xmlns="" id="{49F20AB3-A0D8-E445-957D-6C1CF569A8C4}"/>
               </a:ext>
             </a:extLst>
           </p:cNvPr>
@@ -4145,7 +4149,7 @@
           <p:cNvPr id="2" name="제목 1">
             <a:extLst>
               <a:ext uri="{FF2B5EF4-FFF2-40B4-BE49-F238E27FC236}">
-                <a16:creationId xmlns:a16="http://schemas.microsoft.com/office/drawing/2014/main" id="{A616ACF8-0967-254E-9A89-A97507292D4D}"/>
+                <a16:creationId xmlns:a16="http://schemas.microsoft.com/office/drawing/2014/main" xmlns="" id="{A616ACF8-0967-254E-9A89-A97507292D4D}"/>
               </a:ext>
             </a:extLst>
           </p:cNvPr>
@@ -4173,7 +4177,7 @@
           <p:cNvPr id="3" name="내용 개체 틀 2">
             <a:extLst>
               <a:ext uri="{FF2B5EF4-FFF2-40B4-BE49-F238E27FC236}">
-                <a16:creationId xmlns:a16="http://schemas.microsoft.com/office/drawing/2014/main" id="{A9EE0F75-50A2-D04C-82B0-482E543CA08F}"/>
+                <a16:creationId xmlns:a16="http://schemas.microsoft.com/office/drawing/2014/main" xmlns="" id="{A9EE0F75-50A2-D04C-82B0-482E543CA08F}"/>
               </a:ext>
             </a:extLst>
           </p:cNvPr>
@@ -4311,7 +4315,7 @@
           <p:cNvPr id="2" name="제목 1">
             <a:extLst>
               <a:ext uri="{FF2B5EF4-FFF2-40B4-BE49-F238E27FC236}">
-                <a16:creationId xmlns:a16="http://schemas.microsoft.com/office/drawing/2014/main" id="{3409D811-9620-E144-9E2D-42A6803A50B0}"/>
+                <a16:creationId xmlns:a16="http://schemas.microsoft.com/office/drawing/2014/main" xmlns="" id="{3409D811-9620-E144-9E2D-42A6803A50B0}"/>
               </a:ext>
             </a:extLst>
           </p:cNvPr>
@@ -4339,7 +4343,7 @@
           <p:cNvPr id="3" name="내용 개체 틀 2">
             <a:extLst>
               <a:ext uri="{FF2B5EF4-FFF2-40B4-BE49-F238E27FC236}">
-                <a16:creationId xmlns:a16="http://schemas.microsoft.com/office/drawing/2014/main" id="{393D240D-69BC-C24F-B228-B79939338B18}"/>
+                <a16:creationId xmlns:a16="http://schemas.microsoft.com/office/drawing/2014/main" xmlns="" id="{393D240D-69BC-C24F-B228-B79939338B18}"/>
               </a:ext>
             </a:extLst>
           </p:cNvPr>
@@ -4404,7 +4408,7 @@
           <p:cNvPr id="2" name="제목 1">
             <a:extLst>
               <a:ext uri="{FF2B5EF4-FFF2-40B4-BE49-F238E27FC236}">
-                <a16:creationId xmlns:a16="http://schemas.microsoft.com/office/drawing/2014/main" id="{28F98C9A-6B41-9E48-9587-94770AFED79E}"/>
+                <a16:creationId xmlns:a16="http://schemas.microsoft.com/office/drawing/2014/main" xmlns="" id="{28F98C9A-6B41-9E48-9587-94770AFED79E}"/>
               </a:ext>
             </a:extLst>
           </p:cNvPr>
@@ -4440,7 +4444,7 @@
           <p:cNvPr id="3" name="내용 개체 틀 2">
             <a:extLst>
               <a:ext uri="{FF2B5EF4-FFF2-40B4-BE49-F238E27FC236}">
-                <a16:creationId xmlns:a16="http://schemas.microsoft.com/office/drawing/2014/main" id="{E883A23E-B406-1348-839E-7F8B6950D10E}"/>
+                <a16:creationId xmlns:a16="http://schemas.microsoft.com/office/drawing/2014/main" xmlns="" id="{E883A23E-B406-1348-839E-7F8B6950D10E}"/>
               </a:ext>
             </a:extLst>
           </p:cNvPr>
@@ -4563,7 +4567,7 @@
           <p:cNvPr id="2" name="제목 1">
             <a:extLst>
               <a:ext uri="{FF2B5EF4-FFF2-40B4-BE49-F238E27FC236}">
-                <a16:creationId xmlns:a16="http://schemas.microsoft.com/office/drawing/2014/main" id="{9C508281-2DF6-3F4B-B03E-499380C0C441}"/>
+                <a16:creationId xmlns:a16="http://schemas.microsoft.com/office/drawing/2014/main" xmlns="" id="{9C508281-2DF6-3F4B-B03E-499380C0C441}"/>
               </a:ext>
             </a:extLst>
           </p:cNvPr>
@@ -4591,7 +4595,7 @@
           <p:cNvPr id="3" name="내용 개체 틀 2">
             <a:extLst>
               <a:ext uri="{FF2B5EF4-FFF2-40B4-BE49-F238E27FC236}">
-                <a16:creationId xmlns:a16="http://schemas.microsoft.com/office/drawing/2014/main" id="{C088C665-85BA-2947-B1EE-D2C597E1ADDB}"/>
+                <a16:creationId xmlns:a16="http://schemas.microsoft.com/office/drawing/2014/main" xmlns="" id="{C088C665-85BA-2947-B1EE-D2C597E1ADDB}"/>
               </a:ext>
             </a:extLst>
           </p:cNvPr>
@@ -4646,7 +4650,7 @@
           <p:cNvPr id="3" name="내용 개체 틀 2">
             <a:extLst>
               <a:ext uri="{FF2B5EF4-FFF2-40B4-BE49-F238E27FC236}">
-                <a16:creationId xmlns:a16="http://schemas.microsoft.com/office/drawing/2014/main" id="{6F98B7E9-F878-0E42-A16C-75C889AFE0CE}"/>
+                <a16:creationId xmlns:a16="http://schemas.microsoft.com/office/drawing/2014/main" xmlns="" id="{6F98B7E9-F878-0E42-A16C-75C889AFE0CE}"/>
               </a:ext>
             </a:extLst>
           </p:cNvPr>
@@ -4766,37 +4770,6 @@
           </a:bodyPr>
           <a:lstStyle/>
           <a:p>
-            <a:r>
-              <a:rPr lang="ko-KR" altLang="en-US" sz="2800" dirty="0">
-                <a:solidFill>
-                  <a:schemeClr val="tx1"/>
-                </a:solidFill>
-              </a:rPr>
-              <a:t>박상민 이수정 김재현 </a:t>
-            </a:r>
-            <a:r>
-              <a:rPr lang="ko-KR" altLang="en-US" sz="2800" dirty="0" err="1">
-                <a:solidFill>
-                  <a:schemeClr val="tx1"/>
-                </a:solidFill>
-              </a:rPr>
-              <a:t>문수림</a:t>
-            </a:r>
-            <a:r>
-              <a:rPr lang="ko-KR" altLang="en-US" sz="2800" dirty="0">
-                <a:solidFill>
-                  <a:schemeClr val="tx1"/>
-                </a:solidFill>
-              </a:rPr>
-              <a:t> 조형래</a:t>
-            </a:r>
-            <a:endParaRPr lang="en-US" altLang="ko-KR" sz="2800" dirty="0">
-              <a:solidFill>
-                <a:schemeClr val="tx1"/>
-              </a:solidFill>
-            </a:endParaRPr>
-          </a:p>
-          <a:p>
             <a:endParaRPr lang="ko-KR" altLang="en-US" sz="2800" dirty="0"/>
           </a:p>
         </p:txBody>
@@ -4836,7 +4809,7 @@
           <p:cNvPr id="2" name="제목 1">
             <a:extLst>
               <a:ext uri="{FF2B5EF4-FFF2-40B4-BE49-F238E27FC236}">
-                <a16:creationId xmlns:a16="http://schemas.microsoft.com/office/drawing/2014/main" id="{CC5C8BD3-3AF1-C748-835F-F0A286C90A18}"/>
+                <a16:creationId xmlns:a16="http://schemas.microsoft.com/office/drawing/2014/main" xmlns="" id="{CC5C8BD3-3AF1-C748-835F-F0A286C90A18}"/>
               </a:ext>
             </a:extLst>
           </p:cNvPr>
@@ -4906,7 +4879,7 @@
           <p:cNvPr id="2" name="제목 1">
             <a:extLst>
               <a:ext uri="{FF2B5EF4-FFF2-40B4-BE49-F238E27FC236}">
-                <a16:creationId xmlns:a16="http://schemas.microsoft.com/office/drawing/2014/main" id="{117210B6-0999-9C4F-954D-22D6B30F9E70}"/>
+                <a16:creationId xmlns:a16="http://schemas.microsoft.com/office/drawing/2014/main" xmlns="" id="{117210B6-0999-9C4F-954D-22D6B30F9E70}"/>
               </a:ext>
             </a:extLst>
           </p:cNvPr>
@@ -4936,7 +4909,7 @@
           <p:cNvPr id="9" name="내용 개체 틀 8" descr="스크린샷이(가) 표시된 사진&#10;&#10;&#10;&#10;자동 생성된 설명">
             <a:extLst>
               <a:ext uri="{FF2B5EF4-FFF2-40B4-BE49-F238E27FC236}">
-                <a16:creationId xmlns:a16="http://schemas.microsoft.com/office/drawing/2014/main" id="{49F20AB3-A0D8-E445-957D-6C1CF569A8C4}"/>
+                <a16:creationId xmlns:a16="http://schemas.microsoft.com/office/drawing/2014/main" xmlns="" id="{49F20AB3-A0D8-E445-957D-6C1CF569A8C4}"/>
               </a:ext>
             </a:extLst>
           </p:cNvPr>
@@ -4973,7 +4946,7 @@
           <p:cNvPr id="10" name="내용 개체 틀 4" descr="스크린샷이(가) 표시된 사진&#10;&#10;&#10;&#10;자동 생성된 설명">
             <a:extLst>
               <a:ext uri="{FF2B5EF4-FFF2-40B4-BE49-F238E27FC236}">
-                <a16:creationId xmlns:a16="http://schemas.microsoft.com/office/drawing/2014/main" id="{8ECB2695-C803-364D-BF30-932C21F166BA}"/>
+                <a16:creationId xmlns:a16="http://schemas.microsoft.com/office/drawing/2014/main" xmlns="" id="{8ECB2695-C803-364D-BF30-932C21F166BA}"/>
               </a:ext>
             </a:extLst>
           </p:cNvPr>
@@ -5039,7 +5012,7 @@
           <p:cNvPr id="2" name="제목 1">
             <a:extLst>
               <a:ext uri="{FF2B5EF4-FFF2-40B4-BE49-F238E27FC236}">
-                <a16:creationId xmlns:a16="http://schemas.microsoft.com/office/drawing/2014/main" id="{117210B6-0999-9C4F-954D-22D6B30F9E70}"/>
+                <a16:creationId xmlns:a16="http://schemas.microsoft.com/office/drawing/2014/main" xmlns="" id="{117210B6-0999-9C4F-954D-22D6B30F9E70}"/>
               </a:ext>
             </a:extLst>
           </p:cNvPr>
@@ -5067,7 +5040,7 @@
           <p:cNvPr id="9" name="내용 개체 틀 8" descr="스크린샷이(가) 표시된 사진&#10;&#10;&#10;&#10;자동 생성된 설명">
             <a:extLst>
               <a:ext uri="{FF2B5EF4-FFF2-40B4-BE49-F238E27FC236}">
-                <a16:creationId xmlns:a16="http://schemas.microsoft.com/office/drawing/2014/main" id="{49F20AB3-A0D8-E445-957D-6C1CF569A8C4}"/>
+                <a16:creationId xmlns:a16="http://schemas.microsoft.com/office/drawing/2014/main" xmlns="" id="{49F20AB3-A0D8-E445-957D-6C1CF569A8C4}"/>
               </a:ext>
             </a:extLst>
           </p:cNvPr>
@@ -5104,7 +5077,7 @@
           <p:cNvPr id="10" name="내용 개체 틀 4" descr="스크린샷이(가) 표시된 사진&#10;&#10;&#10;&#10;자동 생성된 설명">
             <a:extLst>
               <a:ext uri="{FF2B5EF4-FFF2-40B4-BE49-F238E27FC236}">
-                <a16:creationId xmlns:a16="http://schemas.microsoft.com/office/drawing/2014/main" id="{8ECB2695-C803-364D-BF30-932C21F166BA}"/>
+                <a16:creationId xmlns:a16="http://schemas.microsoft.com/office/drawing/2014/main" xmlns="" id="{8ECB2695-C803-364D-BF30-932C21F166BA}"/>
               </a:ext>
             </a:extLst>
           </p:cNvPr>
@@ -5170,7 +5143,7 @@
           <p:cNvPr id="2" name="제목 1">
             <a:extLst>
               <a:ext uri="{FF2B5EF4-FFF2-40B4-BE49-F238E27FC236}">
-                <a16:creationId xmlns:a16="http://schemas.microsoft.com/office/drawing/2014/main" id="{117210B6-0999-9C4F-954D-22D6B30F9E70}"/>
+                <a16:creationId xmlns:a16="http://schemas.microsoft.com/office/drawing/2014/main" xmlns="" id="{117210B6-0999-9C4F-954D-22D6B30F9E70}"/>
               </a:ext>
             </a:extLst>
           </p:cNvPr>
@@ -5200,7 +5173,7 @@
           <p:cNvPr id="9" name="내용 개체 틀 8" descr="스크린샷이(가) 표시된 사진&#10;&#10;&#10;&#10;자동 생성된 설명">
             <a:extLst>
               <a:ext uri="{FF2B5EF4-FFF2-40B4-BE49-F238E27FC236}">
-                <a16:creationId xmlns:a16="http://schemas.microsoft.com/office/drawing/2014/main" id="{49F20AB3-A0D8-E445-957D-6C1CF569A8C4}"/>
+                <a16:creationId xmlns:a16="http://schemas.microsoft.com/office/drawing/2014/main" xmlns="" id="{49F20AB3-A0D8-E445-957D-6C1CF569A8C4}"/>
               </a:ext>
             </a:extLst>
           </p:cNvPr>
@@ -5237,7 +5210,7 @@
           <p:cNvPr id="10" name="내용 개체 틀 4" descr="스크린샷이(가) 표시된 사진&#10;&#10;&#10;&#10;자동 생성된 설명">
             <a:extLst>
               <a:ext uri="{FF2B5EF4-FFF2-40B4-BE49-F238E27FC236}">
-                <a16:creationId xmlns:a16="http://schemas.microsoft.com/office/drawing/2014/main" id="{8ECB2695-C803-364D-BF30-932C21F166BA}"/>
+                <a16:creationId xmlns:a16="http://schemas.microsoft.com/office/drawing/2014/main" xmlns="" id="{8ECB2695-C803-364D-BF30-932C21F166BA}"/>
               </a:ext>
             </a:extLst>
           </p:cNvPr>
@@ -5329,7 +5302,7 @@
           <p:cNvPr id="4" name="내용 개체 틀 8" descr="스크린샷이(가) 표시된 사진&#10;&#10;&#10;&#10;자동 생성된 설명">
             <a:extLst>
               <a:ext uri="{FF2B5EF4-FFF2-40B4-BE49-F238E27FC236}">
-                <a16:creationId xmlns:a16="http://schemas.microsoft.com/office/drawing/2014/main" id="{49F20AB3-A0D8-E445-957D-6C1CF569A8C4}"/>
+                <a16:creationId xmlns:a16="http://schemas.microsoft.com/office/drawing/2014/main" xmlns="" id="{49F20AB3-A0D8-E445-957D-6C1CF569A8C4}"/>
               </a:ext>
             </a:extLst>
           </p:cNvPr>
@@ -5465,7 +5438,7 @@
           <p:cNvPr id="4" name="내용 개체 틀 8" descr="스크린샷이(가) 표시된 사진&#10;&#10;&#10;&#10;자동 생성된 설명">
             <a:extLst>
               <a:ext uri="{FF2B5EF4-FFF2-40B4-BE49-F238E27FC236}">
-                <a16:creationId xmlns:a16="http://schemas.microsoft.com/office/drawing/2014/main" id="{49F20AB3-A0D8-E445-957D-6C1CF569A8C4}"/>
+                <a16:creationId xmlns:a16="http://schemas.microsoft.com/office/drawing/2014/main" xmlns="" id="{49F20AB3-A0D8-E445-957D-6C1CF569A8C4}"/>
               </a:ext>
             </a:extLst>
           </p:cNvPr>
@@ -5578,53 +5551,301 @@
         </p:nvSpPr>
         <p:spPr/>
         <p:txBody>
-          <a:bodyPr>
-            <a:normAutofit fontScale="90000"/>
-          </a:bodyPr>
-          <a:lstStyle/>
-          <a:p>
-            <a:r>
-              <a:rPr lang="ko-KR" altLang="en-US" dirty="0" err="1"/>
-              <a:t>정기배송</a:t>
-            </a:r>
-            <a:r>
-              <a:rPr lang="ko-KR" altLang="en-US" dirty="0"/>
-              <a:t> </a:t>
-            </a:r>
-            <a:r>
-              <a:rPr lang="en-US" altLang="ko-KR" dirty="0"/>
-              <a:t>&amp;</a:t>
-            </a:r>
-            <a:r>
-              <a:rPr lang="ko-KR" altLang="en-US" dirty="0"/>
-              <a:t> 남은 마스크 수 확인</a:t>
-            </a:r>
-          </a:p>
-        </p:txBody>
-      </p:sp>
-      <p:sp>
-        <p:nvSpPr>
-          <p:cNvPr id="3" name="내용 개체 틀 2"/>
-          <p:cNvSpPr>
-            <a:spLocks noGrp="1"/>
-          </p:cNvSpPr>
-          <p:nvPr>
-            <p:ph idx="1"/>
-          </p:nvPr>
-        </p:nvSpPr>
-        <p:spPr/>
-        <p:txBody>
-          <a:bodyPr/>
-          <a:lstStyle/>
-          <a:p>
+          <a:bodyPr/>
+          <a:lstStyle/>
+          <a:p>
+            <a:r>
+              <a:rPr lang="ko-KR" altLang="en-US" dirty="0" smtClean="0"/>
+              <a:t>정기배송 </a:t>
+            </a:r>
+            <a:r>
+              <a:rPr lang="en-US" altLang="ko-KR" dirty="0" smtClean="0"/>
+              <a:t>&amp; </a:t>
+            </a:r>
+            <a:r>
+              <a:rPr lang="ko-KR" altLang="en-US" dirty="0" smtClean="0"/>
+              <a:t>잔여 마스크 수</a:t>
+            </a:r>
             <a:endParaRPr lang="ko-KR" altLang="en-US" dirty="0"/>
+          </a:p>
+        </p:txBody>
+      </p:sp>
+      <p:pic>
+        <p:nvPicPr>
+          <p:cNvPr id="4" name="내용 개체 틀 8" descr="스크린샷이(가) 표시된 사진&#10;&#10;&#10;&#10;자동 생성된 설명">
+            <a:extLst>
+              <a:ext uri="{FF2B5EF4-FFF2-40B4-BE49-F238E27FC236}">
+                <a16:creationId xmlns:a16="http://schemas.microsoft.com/office/drawing/2014/main" xmlns="" id="{49F20AB3-A0D8-E445-957D-6C1CF569A8C4}"/>
+              </a:ext>
+            </a:extLst>
+          </p:cNvPr>
+          <p:cNvPicPr>
+            <a:picLocks noChangeAspect="1"/>
+          </p:cNvPicPr>
+          <p:nvPr/>
+        </p:nvPicPr>
+        <p:blipFill rotWithShape="1">
+          <a:blip r:embed="rId2">
+            <a:extLst>
+              <a:ext uri="{28A0092B-C50C-407E-A947-70E740481C1C}">
+                <a14:useLocalDpi xmlns:a14="http://schemas.microsoft.com/office/drawing/2010/main" val="0"/>
+              </a:ext>
+            </a:extLst>
+          </a:blip>
+          <a:srcRect l="23539" t="33410" r="26460" b="7724"/>
+          <a:stretch/>
+        </p:blipFill>
+        <p:spPr>
+          <a:xfrm>
+            <a:off x="5868408" y="1690840"/>
+            <a:ext cx="2376000" cy="4135166"/>
+          </a:xfrm>
+          <a:prstGeom prst="flowChartAlternateProcess">
+            <a:avLst/>
+          </a:prstGeom>
+        </p:spPr>
+      </p:pic>
+      <p:pic>
+        <p:nvPicPr>
+          <p:cNvPr id="1026" name="Picture 2" descr="C:\Users\Administrator\Downloads\menu.gif"/>
+          <p:cNvPicPr>
+            <a:picLocks noChangeAspect="1" noChangeArrowheads="1"/>
+          </p:cNvPicPr>
+          <p:nvPr/>
+        </p:nvPicPr>
+        <p:blipFill>
+          <a:blip r:embed="rId3" cstate="print">
+            <a:extLst>
+              <a:ext uri="{28A0092B-C50C-407E-A947-70E740481C1C}">
+                <a14:useLocalDpi xmlns:a14="http://schemas.microsoft.com/office/drawing/2010/main" val="0"/>
+              </a:ext>
+            </a:extLst>
+          </a:blip>
+          <a:srcRect/>
+          <a:stretch>
+            <a:fillRect/>
+          </a:stretch>
+        </p:blipFill>
+        <p:spPr bwMode="auto">
+          <a:xfrm>
+            <a:off x="6084432" y="2194392"/>
+            <a:ext cx="2023200" cy="2973051"/>
+          </a:xfrm>
+          <a:prstGeom prst="rect">
+            <a:avLst/>
+          </a:prstGeom>
+          <a:noFill/>
+          <a:extLst>
+            <a:ext uri="{909E8E84-426E-40DD-AFC4-6F175D3DCCD1}">
+              <a14:hiddenFill xmlns:a14="http://schemas.microsoft.com/office/drawing/2010/main">
+                <a:solidFill>
+                  <a:srgbClr val="FFFFFF"/>
+                </a:solidFill>
+              </a14:hiddenFill>
+            </a:ext>
+          </a:extLst>
+        </p:spPr>
+      </p:pic>
+      <p:pic>
+        <p:nvPicPr>
+          <p:cNvPr id="1028" name="Picture 4" descr="C:\Users\Administrator\Documents\아이디어톤\집.png"/>
+          <p:cNvPicPr>
+            <a:picLocks noChangeAspect="1" noChangeArrowheads="1"/>
+          </p:cNvPicPr>
+          <p:nvPr/>
+        </p:nvPicPr>
+        <p:blipFill>
+          <a:blip r:embed="rId4">
+            <a:extLst>
+              <a:ext uri="{28A0092B-C50C-407E-A947-70E740481C1C}">
+                <a14:useLocalDpi xmlns:a14="http://schemas.microsoft.com/office/drawing/2010/main" val="0"/>
+              </a:ext>
+            </a:extLst>
+          </a:blip>
+          <a:srcRect/>
+          <a:stretch>
+            <a:fillRect/>
+          </a:stretch>
+        </p:blipFill>
+        <p:spPr bwMode="auto">
+          <a:xfrm>
+            <a:off x="434240" y="2469273"/>
+            <a:ext cx="1463783" cy="1463783"/>
+          </a:xfrm>
+          <a:prstGeom prst="rect">
+            <a:avLst/>
+          </a:prstGeom>
+          <a:noFill/>
+          <a:extLst>
+            <a:ext uri="{909E8E84-426E-40DD-AFC4-6F175D3DCCD1}">
+              <a14:hiddenFill xmlns:a14="http://schemas.microsoft.com/office/drawing/2010/main">
+                <a:solidFill>
+                  <a:srgbClr val="FFFFFF"/>
+                </a:solidFill>
+              </a14:hiddenFill>
+            </a:ext>
+          </a:extLst>
+        </p:spPr>
+      </p:pic>
+      <p:pic>
+        <p:nvPicPr>
+          <p:cNvPr id="1029" name="Picture 5" descr="C:\Users\Administrator\Documents\아이디어톤\33407794-건물-아이콘.jpg"/>
+          <p:cNvPicPr>
+            <a:picLocks noChangeAspect="1" noChangeArrowheads="1"/>
+          </p:cNvPicPr>
+          <p:nvPr/>
+        </p:nvPicPr>
+        <p:blipFill rotWithShape="1">
+          <a:blip r:embed="rId5" cstate="print">
+            <a:extLst>
+              <a:ext uri="{28A0092B-C50C-407E-A947-70E740481C1C}">
+                <a14:useLocalDpi xmlns:a14="http://schemas.microsoft.com/office/drawing/2010/main" val="0"/>
+              </a:ext>
+            </a:extLst>
+          </a:blip>
+          <a:srcRect l="65557" b="60440"/>
+          <a:stretch/>
+        </p:blipFill>
+        <p:spPr bwMode="auto">
+          <a:xfrm>
+            <a:off x="3424688" y="2204864"/>
+            <a:ext cx="1651368" cy="1867842"/>
+          </a:xfrm>
+          <a:prstGeom prst="rect">
+            <a:avLst/>
+          </a:prstGeom>
+          <a:noFill/>
+          <a:extLst>
+            <a:ext uri="{909E8E84-426E-40DD-AFC4-6F175D3DCCD1}">
+              <a14:hiddenFill xmlns:a14="http://schemas.microsoft.com/office/drawing/2010/main">
+                <a:solidFill>
+                  <a:srgbClr val="FFFFFF"/>
+                </a:solidFill>
+              </a14:hiddenFill>
+            </a:ext>
+          </a:extLst>
+        </p:spPr>
+      </p:pic>
+      <p:sp>
+        <p:nvSpPr>
+          <p:cNvPr id="10" name="U자형 화살표 9"/>
+          <p:cNvSpPr/>
+          <p:nvPr/>
+        </p:nvSpPr>
+        <p:spPr>
+          <a:xfrm>
+            <a:off x="1187624" y="1916832"/>
+            <a:ext cx="2988000" cy="468000"/>
+          </a:xfrm>
+          <a:prstGeom prst="uturnArrow">
+            <a:avLst>
+              <a:gd name="adj1" fmla="val 6596"/>
+              <a:gd name="adj2" fmla="val 25000"/>
+              <a:gd name="adj3" fmla="val 25000"/>
+              <a:gd name="adj4" fmla="val 50000"/>
+              <a:gd name="adj5" fmla="val 100000"/>
+            </a:avLst>
+          </a:prstGeom>
+          <a:solidFill>
+            <a:srgbClr val="626262"/>
+          </a:solidFill>
+          <a:ln>
+            <a:solidFill>
+              <a:srgbClr val="626262"/>
+            </a:solidFill>
+          </a:ln>
+        </p:spPr>
+        <p:style>
+          <a:lnRef idx="2">
+            <a:schemeClr val="accent1">
+              <a:shade val="50000"/>
+            </a:schemeClr>
+          </a:lnRef>
+          <a:fillRef idx="1">
+            <a:schemeClr val="accent1"/>
+          </a:fillRef>
+          <a:effectRef idx="0">
+            <a:schemeClr val="accent1"/>
+          </a:effectRef>
+          <a:fontRef idx="minor">
+            <a:schemeClr val="lt1"/>
+          </a:fontRef>
+        </p:style>
+        <p:txBody>
+          <a:bodyPr rtlCol="0" anchor="ctr"/>
+          <a:lstStyle/>
+          <a:p>
+            <a:pPr algn="ctr"/>
+            <a:endParaRPr lang="ko-KR" altLang="en-US">
+              <a:solidFill>
+                <a:schemeClr val="tx1"/>
+              </a:solidFill>
+            </a:endParaRPr>
+          </a:p>
+        </p:txBody>
+      </p:sp>
+      <p:sp>
+        <p:nvSpPr>
+          <p:cNvPr id="19" name="U자형 화살표 18"/>
+          <p:cNvSpPr/>
+          <p:nvPr/>
+        </p:nvSpPr>
+        <p:spPr>
+          <a:xfrm rot="10800000">
+            <a:off x="1151952" y="4041120"/>
+            <a:ext cx="2988000" cy="468000"/>
+          </a:xfrm>
+          <a:prstGeom prst="uturnArrow">
+            <a:avLst>
+              <a:gd name="adj1" fmla="val 6596"/>
+              <a:gd name="adj2" fmla="val 25000"/>
+              <a:gd name="adj3" fmla="val 25000"/>
+              <a:gd name="adj4" fmla="val 50000"/>
+              <a:gd name="adj5" fmla="val 100000"/>
+            </a:avLst>
+          </a:prstGeom>
+          <a:solidFill>
+            <a:srgbClr val="626262"/>
+          </a:solidFill>
+          <a:ln>
+            <a:solidFill>
+              <a:srgbClr val="626262"/>
+            </a:solidFill>
+          </a:ln>
+        </p:spPr>
+        <p:style>
+          <a:lnRef idx="2">
+            <a:schemeClr val="accent1">
+              <a:shade val="50000"/>
+            </a:schemeClr>
+          </a:lnRef>
+          <a:fillRef idx="1">
+            <a:schemeClr val="accent1"/>
+          </a:fillRef>
+          <a:effectRef idx="0">
+            <a:schemeClr val="accent1"/>
+          </a:effectRef>
+          <a:fontRef idx="minor">
+            <a:schemeClr val="lt1"/>
+          </a:fontRef>
+        </p:style>
+        <p:txBody>
+          <a:bodyPr rtlCol="0" anchor="ctr"/>
+          <a:lstStyle/>
+          <a:p>
+            <a:pPr algn="ctr"/>
+            <a:endParaRPr lang="ko-KR" altLang="en-US">
+              <a:solidFill>
+                <a:schemeClr val="tx1"/>
+              </a:solidFill>
+            </a:endParaRPr>
           </a:p>
         </p:txBody>
       </p:sp>
     </p:spTree>
     <p:extLst>
       <p:ext uri="{BB962C8B-B14F-4D97-AF65-F5344CB8AC3E}">
-        <p14:creationId xmlns:p14="http://schemas.microsoft.com/office/powerpoint/2010/main" val="1212148461"/>
+        <p14:creationId xmlns:p14="http://schemas.microsoft.com/office/powerpoint/2010/main" val="1049161184"/>
       </p:ext>
     </p:extLst>
   </p:cSld>
@@ -6208,7 +6429,7 @@
   <a:extraClrSchemeLst/>
   <a:extLst>
     <a:ext uri="{05A4C25C-085E-4340-85A3-A5531E510DB2}">
-      <thm15:themeFamily xmlns:thm15="http://schemas.microsoft.com/office/thememl/2012/main" name="Office Theme" id="{62F939B6-93AF-4DB8-9C6B-D6C7DFDC589F}" vid="{4A3C46E8-61CC-4603-A589-7422A47A8E4A}"/>
+      <thm15:themeFamily xmlns:thm15="http://schemas.microsoft.com/office/thememl/2012/main" xmlns="" name="Office Theme" id="{62F939B6-93AF-4DB8-9C6B-D6C7DFDC589F}" vid="{4A3C46E8-61CC-4603-A589-7422A47A8E4A}"/>
     </a:ext>
   </a:extLst>
 </a:theme>

--- a/ideatoneppt.pptx
+++ b/ideatoneppt.pptx
@@ -10,16 +10,16 @@
   <p:sldIdLst>
     <p:sldId id="266" r:id="rId2"/>
     <p:sldId id="256" r:id="rId3"/>
-    <p:sldId id="257" r:id="rId4"/>
-    <p:sldId id="260" r:id="rId5"/>
-    <p:sldId id="273" r:id="rId6"/>
-    <p:sldId id="274" r:id="rId7"/>
-    <p:sldId id="267" r:id="rId8"/>
-    <p:sldId id="275" r:id="rId9"/>
-    <p:sldId id="278" r:id="rId10"/>
-    <p:sldId id="277" r:id="rId11"/>
-    <p:sldId id="261" r:id="rId12"/>
-    <p:sldId id="258" r:id="rId13"/>
+    <p:sldId id="258" r:id="rId4"/>
+    <p:sldId id="257" r:id="rId5"/>
+    <p:sldId id="260" r:id="rId6"/>
+    <p:sldId id="273" r:id="rId7"/>
+    <p:sldId id="274" r:id="rId8"/>
+    <p:sldId id="267" r:id="rId9"/>
+    <p:sldId id="275" r:id="rId10"/>
+    <p:sldId id="278" r:id="rId11"/>
+    <p:sldId id="277" r:id="rId12"/>
+    <p:sldId id="261" r:id="rId13"/>
     <p:sldId id="262" r:id="rId14"/>
     <p:sldId id="263" r:id="rId15"/>
     <p:sldId id="264" r:id="rId16"/>
@@ -123,7 +123,7 @@
   </p:defaultTextStyle>
   <p:extLst>
     <p:ext uri="{EFAFB233-063F-42B5-8137-9DF3F51BA10A}">
-      <p15:sldGuideLst xmlns:p15="http://schemas.microsoft.com/office/powerpoint/2012/main" xmlns="">
+      <p15:sldGuideLst xmlns:p15="http://schemas.microsoft.com/office/powerpoint/2012/main">
         <p15:guide id="1" orient="horz" pos="2160">
           <p15:clr>
             <a:srgbClr val="A4A3A4"/>
@@ -222,7 +222,7 @@
           <a:p>
             <a:fld id="{A6C8F092-C767-FC4F-B808-83A348BB618C}" type="datetimeFigureOut">
               <a:rPr kumimoji="1" lang="ko-KR" altLang="en-US" smtClean="0"/>
-              <a:t>2018-11-10</a:t>
+              <a:t>2018. 11. 10.</a:t>
             </a:fld>
             <a:endParaRPr kumimoji="1" lang="ko-KR" altLang="en-US"/>
           </a:p>
@@ -533,7 +533,7 @@
           <a:p>
             <a:fld id="{F769AE6D-0ADA-CF4D-9503-F3CACB96690B}" type="slidenum">
               <a:rPr kumimoji="1" lang="ko-KR" altLang="en-US" smtClean="0"/>
-              <a:t>3</a:t>
+              <a:t>4</a:t>
             </a:fld>
             <a:endParaRPr kumimoji="1" lang="ko-KR" altLang="en-US"/>
           </a:p>
@@ -612,7 +612,25 @@
               <a:rPr kumimoji="1" lang="en-US" altLang="ko-KR" dirty="0"/>
               <a:t>!</a:t>
             </a:r>
-            <a:endParaRPr kumimoji="1" lang="ko-KR" altLang="en-US" dirty="0"/>
+            <a:r>
+              <a:rPr kumimoji="1" lang="ko-KR" altLang="en-US" dirty="0"/>
+              <a:t> </a:t>
+            </a:r>
+            <a:endParaRPr kumimoji="1" lang="en-US" altLang="ko-KR" dirty="0"/>
+          </a:p>
+          <a:p>
+            <a:r>
+              <a:rPr kumimoji="1" lang="ko-KR" altLang="en-US" dirty="0"/>
+              <a:t>마스크 착용 시간이 초과되면 </a:t>
+            </a:r>
+            <a:r>
+              <a:rPr kumimoji="1" lang="ko-KR" altLang="en-US" dirty="0" err="1"/>
+              <a:t>교체시간을</a:t>
+            </a:r>
+            <a:r>
+              <a:rPr kumimoji="1" lang="ko-KR" altLang="en-US" dirty="0"/>
+              <a:t> 알려줌 </a:t>
+            </a:r>
           </a:p>
         </p:txBody>
       </p:sp>
@@ -633,7 +651,7 @@
           <a:p>
             <a:fld id="{F769AE6D-0ADA-CF4D-9503-F3CACB96690B}" type="slidenum">
               <a:rPr kumimoji="1" lang="ko-KR" altLang="en-US" smtClean="0"/>
-              <a:t>4</a:t>
+              <a:t>5</a:t>
             </a:fld>
             <a:endParaRPr kumimoji="1" lang="ko-KR" altLang="en-US"/>
           </a:p>
@@ -696,6 +714,246 @@
           <a:bodyPr/>
           <a:lstStyle/>
           <a:p>
+            <a:endParaRPr kumimoji="1" lang="ko-KR" altLang="en-US" dirty="0"/>
+          </a:p>
+        </p:txBody>
+      </p:sp>
+      <p:sp>
+        <p:nvSpPr>
+          <p:cNvPr id="4" name="슬라이드 번호 개체 틀 3"/>
+          <p:cNvSpPr>
+            <a:spLocks noGrp="1"/>
+          </p:cNvSpPr>
+          <p:nvPr>
+            <p:ph type="sldNum" sz="quarter" idx="5"/>
+          </p:nvPr>
+        </p:nvSpPr>
+        <p:spPr/>
+        <p:txBody>
+          <a:bodyPr/>
+          <a:lstStyle/>
+          <a:p>
+            <a:fld id="{F769AE6D-0ADA-CF4D-9503-F3CACB96690B}" type="slidenum">
+              <a:rPr kumimoji="1" lang="ko-KR" altLang="en-US" smtClean="0"/>
+              <a:t>6</a:t>
+            </a:fld>
+            <a:endParaRPr kumimoji="1" lang="ko-KR" altLang="en-US"/>
+          </a:p>
+        </p:txBody>
+      </p:sp>
+    </p:spTree>
+    <p:extLst>
+      <p:ext uri="{BB962C8B-B14F-4D97-AF65-F5344CB8AC3E}">
+        <p14:creationId xmlns:p14="http://schemas.microsoft.com/office/powerpoint/2010/main" val="1624359601"/>
+      </p:ext>
+    </p:extLst>
+  </p:cSld>
+  <p:clrMapOvr>
+    <a:masterClrMapping/>
+  </p:clrMapOvr>
+</p:notes>
+</file>
+
+<file path=ppt/notesSlides/notesSlide4.xml><?xml version="1.0" encoding="utf-8"?>
+<p:notes xmlns:a="http://schemas.openxmlformats.org/drawingml/2006/main" xmlns:r="http://schemas.openxmlformats.org/officeDocument/2006/relationships" xmlns:p="http://schemas.openxmlformats.org/presentationml/2006/main">
+  <p:cSld>
+    <p:spTree>
+      <p:nvGrpSpPr>
+        <p:cNvPr id="1" name=""/>
+        <p:cNvGrpSpPr/>
+        <p:nvPr/>
+      </p:nvGrpSpPr>
+      <p:grpSpPr>
+        <a:xfrm>
+          <a:off x="0" y="0"/>
+          <a:ext cx="0" cy="0"/>
+          <a:chOff x="0" y="0"/>
+          <a:chExt cx="0" cy="0"/>
+        </a:xfrm>
+      </p:grpSpPr>
+      <p:sp>
+        <p:nvSpPr>
+          <p:cNvPr id="2" name="슬라이드 이미지 개체 틀 1"/>
+          <p:cNvSpPr>
+            <a:spLocks noGrp="1" noRot="1" noChangeAspect="1"/>
+          </p:cNvSpPr>
+          <p:nvPr>
+            <p:ph type="sldImg"/>
+          </p:nvPr>
+        </p:nvSpPr>
+        <p:spPr/>
+      </p:sp>
+      <p:sp>
+        <p:nvSpPr>
+          <p:cNvPr id="3" name="슬라이드 노트 개체 틀 2"/>
+          <p:cNvSpPr>
+            <a:spLocks noGrp="1"/>
+          </p:cNvSpPr>
+          <p:nvPr>
+            <p:ph type="body" idx="1"/>
+          </p:nvPr>
+        </p:nvSpPr>
+        <p:spPr/>
+        <p:txBody>
+          <a:bodyPr/>
+          <a:lstStyle/>
+          <a:p>
+            <a:r>
+              <a:rPr kumimoji="1" lang="en-US" altLang="ko-KR" dirty="0"/>
+              <a:t>KF80 : 0.6um</a:t>
+            </a:r>
+            <a:r>
+              <a:rPr kumimoji="1" lang="ko-KR" altLang="en-US" dirty="0"/>
+              <a:t>의 먼지들을 </a:t>
+            </a:r>
+            <a:r>
+              <a:rPr kumimoji="1" lang="en-US" altLang="ko-KR" dirty="0"/>
+              <a:t>80%</a:t>
+            </a:r>
+            <a:r>
+              <a:rPr kumimoji="1" lang="ko-KR" altLang="en-US" dirty="0"/>
+              <a:t> 이상 차단 </a:t>
+            </a:r>
+            <a:r>
+              <a:rPr kumimoji="1" lang="en-US" altLang="ko-KR" dirty="0"/>
+              <a:t>,</a:t>
+            </a:r>
+            <a:r>
+              <a:rPr kumimoji="1" lang="ko-KR" altLang="en-US" dirty="0"/>
+              <a:t> </a:t>
+            </a:r>
+            <a:r>
+              <a:rPr kumimoji="1" lang="en-US" altLang="ko-KR" dirty="0"/>
+              <a:t>KF94 : 0.4um</a:t>
+            </a:r>
+            <a:r>
+              <a:rPr kumimoji="1" lang="ko-KR" altLang="en-US" dirty="0"/>
+              <a:t> 먼지들을 </a:t>
+            </a:r>
+            <a:r>
+              <a:rPr kumimoji="1" lang="en-US" altLang="ko-KR" dirty="0"/>
+              <a:t>94%</a:t>
+            </a:r>
+            <a:r>
+              <a:rPr kumimoji="1" lang="ko-KR" altLang="en-US" dirty="0"/>
+              <a:t> 이상 차단</a:t>
+            </a:r>
+            <a:r>
+              <a:rPr kumimoji="1" lang="en-US" altLang="ko-KR" dirty="0"/>
+              <a:t>,</a:t>
+            </a:r>
+            <a:r>
+              <a:rPr kumimoji="1" lang="ko-KR" altLang="en-US" dirty="0"/>
+              <a:t> </a:t>
+            </a:r>
+            <a:r>
+              <a:rPr kumimoji="1" lang="en-US" altLang="ko-KR" dirty="0"/>
+              <a:t>KF99</a:t>
+            </a:r>
+            <a:r>
+              <a:rPr kumimoji="1" lang="ko-KR" altLang="en-US" dirty="0"/>
+              <a:t> </a:t>
+            </a:r>
+            <a:r>
+              <a:rPr kumimoji="1" lang="en-US" altLang="ko-KR" dirty="0"/>
+              <a:t>: 0.4um</a:t>
+            </a:r>
+            <a:r>
+              <a:rPr kumimoji="1" lang="ko-KR" altLang="en-US" dirty="0"/>
+              <a:t>의 먼지들을 </a:t>
+            </a:r>
+            <a:r>
+              <a:rPr kumimoji="1" lang="en-US" altLang="ko-KR" dirty="0"/>
+              <a:t>99%</a:t>
+            </a:r>
+            <a:r>
+              <a:rPr kumimoji="1" lang="ko-KR" altLang="en-US" dirty="0"/>
+              <a:t>이상 차단 </a:t>
+            </a:r>
+            <a:endParaRPr kumimoji="1" lang="en-US" altLang="ko-KR" dirty="0"/>
+          </a:p>
+        </p:txBody>
+      </p:sp>
+      <p:sp>
+        <p:nvSpPr>
+          <p:cNvPr id="4" name="슬라이드 번호 개체 틀 3"/>
+          <p:cNvSpPr>
+            <a:spLocks noGrp="1"/>
+          </p:cNvSpPr>
+          <p:nvPr>
+            <p:ph type="sldNum" sz="quarter" idx="5"/>
+          </p:nvPr>
+        </p:nvSpPr>
+        <p:spPr/>
+        <p:txBody>
+          <a:bodyPr/>
+          <a:lstStyle/>
+          <a:p>
+            <a:fld id="{F769AE6D-0ADA-CF4D-9503-F3CACB96690B}" type="slidenum">
+              <a:rPr kumimoji="1" lang="ko-KR" altLang="en-US" smtClean="0"/>
+              <a:t>7</a:t>
+            </a:fld>
+            <a:endParaRPr kumimoji="1" lang="ko-KR" altLang="en-US"/>
+          </a:p>
+        </p:txBody>
+      </p:sp>
+    </p:spTree>
+    <p:extLst>
+      <p:ext uri="{BB962C8B-B14F-4D97-AF65-F5344CB8AC3E}">
+        <p14:creationId xmlns:p14="http://schemas.microsoft.com/office/powerpoint/2010/main" val="2490096732"/>
+      </p:ext>
+    </p:extLst>
+  </p:cSld>
+  <p:clrMapOvr>
+    <a:masterClrMapping/>
+  </p:clrMapOvr>
+</p:notes>
+</file>
+
+<file path=ppt/notesSlides/notesSlide5.xml><?xml version="1.0" encoding="utf-8"?>
+<p:notes xmlns:a="http://schemas.openxmlformats.org/drawingml/2006/main" xmlns:r="http://schemas.openxmlformats.org/officeDocument/2006/relationships" xmlns:p="http://schemas.openxmlformats.org/presentationml/2006/main">
+  <p:cSld>
+    <p:spTree>
+      <p:nvGrpSpPr>
+        <p:cNvPr id="1" name=""/>
+        <p:cNvGrpSpPr/>
+        <p:nvPr/>
+      </p:nvGrpSpPr>
+      <p:grpSpPr>
+        <a:xfrm>
+          <a:off x="0" y="0"/>
+          <a:ext cx="0" cy="0"/>
+          <a:chOff x="0" y="0"/>
+          <a:chExt cx="0" cy="0"/>
+        </a:xfrm>
+      </p:grpSpPr>
+      <p:sp>
+        <p:nvSpPr>
+          <p:cNvPr id="2" name="슬라이드 이미지 개체 틀 1"/>
+          <p:cNvSpPr>
+            <a:spLocks noGrp="1" noRot="1" noChangeAspect="1"/>
+          </p:cNvSpPr>
+          <p:nvPr>
+            <p:ph type="sldImg"/>
+          </p:nvPr>
+        </p:nvSpPr>
+        <p:spPr/>
+      </p:sp>
+      <p:sp>
+        <p:nvSpPr>
+          <p:cNvPr id="3" name="슬라이드 노트 개체 틀 2"/>
+          <p:cNvSpPr>
+            <a:spLocks noGrp="1"/>
+          </p:cNvSpPr>
+          <p:nvPr>
+            <p:ph type="body" idx="1"/>
+          </p:nvPr>
+        </p:nvSpPr>
+        <p:spPr/>
+        <p:txBody>
+          <a:bodyPr/>
+          <a:lstStyle/>
+          <a:p>
             <a:r>
               <a:rPr kumimoji="1" lang="ko-KR" altLang="en-US" dirty="0"/>
               <a:t>외출 시간 설정</a:t>
@@ -728,7 +986,7 @@
           <a:p>
             <a:fld id="{F769AE6D-0ADA-CF4D-9503-F3CACB96690B}" type="slidenum">
               <a:rPr kumimoji="1" lang="ko-KR" altLang="en-US" smtClean="0"/>
-              <a:t>10</a:t>
+              <a:t>11</a:t>
             </a:fld>
             <a:endParaRPr kumimoji="1" lang="ko-KR" altLang="en-US"/>
           </a:p>
@@ -926,7 +1184,7 @@
           <a:p>
             <a:fld id="{8E20E162-3880-4AB0-B825-B924C8552DF4}" type="datetimeFigureOut">
               <a:rPr lang="ko-KR" altLang="en-US" smtClean="0"/>
-              <a:t>2018-11-10</a:t>
+              <a:t>2018. 11. 10.</a:t>
             </a:fld>
             <a:endParaRPr lang="ko-KR" altLang="en-US"/>
           </a:p>
@@ -1094,7 +1352,7 @@
           <a:p>
             <a:fld id="{8E20E162-3880-4AB0-B825-B924C8552DF4}" type="datetimeFigureOut">
               <a:rPr lang="ko-KR" altLang="en-US" smtClean="0"/>
-              <a:t>2018-11-10</a:t>
+              <a:t>2018. 11. 10.</a:t>
             </a:fld>
             <a:endParaRPr lang="ko-KR" altLang="en-US"/>
           </a:p>
@@ -1272,7 +1530,7 @@
           <a:p>
             <a:fld id="{8E20E162-3880-4AB0-B825-B924C8552DF4}" type="datetimeFigureOut">
               <a:rPr lang="ko-KR" altLang="en-US" smtClean="0"/>
-              <a:t>2018-11-10</a:t>
+              <a:t>2018. 11. 10.</a:t>
             </a:fld>
             <a:endParaRPr lang="ko-KR" altLang="en-US"/>
           </a:p>
@@ -1440,7 +1698,7 @@
           <a:p>
             <a:fld id="{8E20E162-3880-4AB0-B825-B924C8552DF4}" type="datetimeFigureOut">
               <a:rPr lang="ko-KR" altLang="en-US" smtClean="0"/>
-              <a:t>2018-11-10</a:t>
+              <a:t>2018. 11. 10.</a:t>
             </a:fld>
             <a:endParaRPr lang="ko-KR" altLang="en-US"/>
           </a:p>
@@ -1685,7 +1943,7 @@
           <a:p>
             <a:fld id="{8E20E162-3880-4AB0-B825-B924C8552DF4}" type="datetimeFigureOut">
               <a:rPr lang="ko-KR" altLang="en-US" smtClean="0"/>
-              <a:t>2018-11-10</a:t>
+              <a:t>2018. 11. 10.</a:t>
             </a:fld>
             <a:endParaRPr lang="ko-KR" altLang="en-US"/>
           </a:p>
@@ -1970,7 +2228,7 @@
           <a:p>
             <a:fld id="{8E20E162-3880-4AB0-B825-B924C8552DF4}" type="datetimeFigureOut">
               <a:rPr lang="ko-KR" altLang="en-US" smtClean="0"/>
-              <a:t>2018-11-10</a:t>
+              <a:t>2018. 11. 10.</a:t>
             </a:fld>
             <a:endParaRPr lang="ko-KR" altLang="en-US"/>
           </a:p>
@@ -2389,7 +2647,7 @@
           <a:p>
             <a:fld id="{8E20E162-3880-4AB0-B825-B924C8552DF4}" type="datetimeFigureOut">
               <a:rPr lang="ko-KR" altLang="en-US" smtClean="0"/>
-              <a:t>2018-11-10</a:t>
+              <a:t>2018. 11. 10.</a:t>
             </a:fld>
             <a:endParaRPr lang="ko-KR" altLang="en-US"/>
           </a:p>
@@ -2506,7 +2764,7 @@
           <a:p>
             <a:fld id="{8E20E162-3880-4AB0-B825-B924C8552DF4}" type="datetimeFigureOut">
               <a:rPr lang="ko-KR" altLang="en-US" smtClean="0"/>
-              <a:t>2018-11-10</a:t>
+              <a:t>2018. 11. 10.</a:t>
             </a:fld>
             <a:endParaRPr lang="ko-KR" altLang="en-US"/>
           </a:p>
@@ -2601,7 +2859,7 @@
           <a:p>
             <a:fld id="{8E20E162-3880-4AB0-B825-B924C8552DF4}" type="datetimeFigureOut">
               <a:rPr lang="ko-KR" altLang="en-US" smtClean="0"/>
-              <a:t>2018-11-10</a:t>
+              <a:t>2018. 11. 10.</a:t>
             </a:fld>
             <a:endParaRPr lang="ko-KR" altLang="en-US"/>
           </a:p>
@@ -2876,7 +3134,7 @@
           <a:p>
             <a:fld id="{8E20E162-3880-4AB0-B825-B924C8552DF4}" type="datetimeFigureOut">
               <a:rPr lang="ko-KR" altLang="en-US" smtClean="0"/>
-              <a:t>2018-11-10</a:t>
+              <a:t>2018. 11. 10.</a:t>
             </a:fld>
             <a:endParaRPr lang="ko-KR" altLang="en-US"/>
           </a:p>
@@ -3128,7 +3386,7 @@
           <a:p>
             <a:fld id="{8E20E162-3880-4AB0-B825-B924C8552DF4}" type="datetimeFigureOut">
               <a:rPr lang="ko-KR" altLang="en-US" smtClean="0"/>
-              <a:t>2018-11-10</a:t>
+              <a:t>2018. 11. 10.</a:t>
             </a:fld>
             <a:endParaRPr lang="ko-KR" altLang="en-US"/>
           </a:p>
@@ -3339,7 +3597,7 @@
           <a:p>
             <a:fld id="{8E20E162-3880-4AB0-B825-B924C8552DF4}" type="datetimeFigureOut">
               <a:rPr lang="ko-KR" altLang="en-US" smtClean="0"/>
-              <a:t>2018-11-10</a:t>
+              <a:t>2018. 11. 10.</a:t>
             </a:fld>
             <a:endParaRPr lang="ko-KR" altLang="en-US"/>
           </a:p>
@@ -3719,7 +3977,7 @@
           <p:cNvPr id="2" name="제목 1">
             <a:extLst>
               <a:ext uri="{FF2B5EF4-FFF2-40B4-BE49-F238E27FC236}">
-                <a16:creationId xmlns:a16="http://schemas.microsoft.com/office/drawing/2014/main" xmlns="" id="{E8EBD7A7-4630-1047-9A97-D89735A59B12}"/>
+                <a16:creationId xmlns:a16="http://schemas.microsoft.com/office/drawing/2014/main" id="{E8EBD7A7-4630-1047-9A97-D89735A59B12}"/>
               </a:ext>
             </a:extLst>
           </p:cNvPr>
@@ -3755,7 +4013,7 @@
           <p:cNvPr id="3" name="내용 개체 틀 2">
             <a:extLst>
               <a:ext uri="{FF2B5EF4-FFF2-40B4-BE49-F238E27FC236}">
-                <a16:creationId xmlns:a16="http://schemas.microsoft.com/office/drawing/2014/main" xmlns="" id="{BA9874B2-5A79-0C4C-AEDC-6599047D15CC}"/>
+                <a16:creationId xmlns:a16="http://schemas.microsoft.com/office/drawing/2014/main" id="{BA9874B2-5A79-0C4C-AEDC-6599047D15CC}"/>
               </a:ext>
             </a:extLst>
           </p:cNvPr>
@@ -3926,10 +4184,6 @@
             </a:r>
           </a:p>
           <a:p>
-            <a:r>
-              <a:rPr lang="ko-KR" altLang="en-US" dirty="0"/>
-              <a:t/>
-            </a:r>
             <a:br>
               <a:rPr lang="ko-KR" altLang="en-US" dirty="0"/>
             </a:br>
@@ -4022,18 +4276,20 @@
         </p:nvSpPr>
         <p:spPr/>
         <p:txBody>
-          <a:bodyPr>
-            <a:normAutofit/>
-          </a:bodyPr>
-          <a:lstStyle/>
-          <a:p>
-            <a:r>
-              <a:rPr lang="ko-KR" altLang="en-US" dirty="0" err="1"/>
-              <a:t>알람</a:t>
-            </a:r>
+          <a:bodyPr/>
+          <a:lstStyle/>
+          <a:p>
             <a:r>
               <a:rPr lang="ko-KR" altLang="en-US" dirty="0"/>
-              <a:t> 설정 기능</a:t>
+              <a:t>정기배송 </a:t>
+            </a:r>
+            <a:r>
+              <a:rPr lang="en-US" altLang="ko-KR" dirty="0"/>
+              <a:t>&amp; </a:t>
+            </a:r>
+            <a:r>
+              <a:rPr lang="ko-KR" altLang="en-US" dirty="0"/>
+              <a:t>잔여 마스크 수</a:t>
             </a:r>
           </a:p>
         </p:txBody>
@@ -4043,1539 +4299,7 @@
           <p:cNvPr id="4" name="내용 개체 틀 8" descr="스크린샷이(가) 표시된 사진&#10;&#10;&#10;&#10;자동 생성된 설명">
             <a:extLst>
               <a:ext uri="{FF2B5EF4-FFF2-40B4-BE49-F238E27FC236}">
-                <a16:creationId xmlns:a16="http://schemas.microsoft.com/office/drawing/2014/main" xmlns="" id="{49F20AB3-A0D8-E445-957D-6C1CF569A8C4}"/>
-              </a:ext>
-            </a:extLst>
-          </p:cNvPr>
-          <p:cNvPicPr>
-            <a:picLocks noChangeAspect="1"/>
-          </p:cNvPicPr>
-          <p:nvPr/>
-        </p:nvPicPr>
-        <p:blipFill rotWithShape="1">
-          <a:blip r:embed="rId3">
-            <a:extLst>
-              <a:ext uri="{28A0092B-C50C-407E-A947-70E740481C1C}">
-                <a14:useLocalDpi xmlns:a14="http://schemas.microsoft.com/office/drawing/2010/main" val="0"/>
-              </a:ext>
-            </a:extLst>
-          </a:blip>
-          <a:srcRect l="23539" t="33410" r="26460" b="7724"/>
-          <a:stretch/>
-        </p:blipFill>
-        <p:spPr>
-          <a:xfrm>
-            <a:off x="3276120" y="1690840"/>
-            <a:ext cx="2376000" cy="4135166"/>
-          </a:xfrm>
-          <a:prstGeom prst="flowChartAlternateProcess">
-            <a:avLst/>
-          </a:prstGeom>
-        </p:spPr>
-      </p:pic>
-      <p:pic>
-        <p:nvPicPr>
-          <p:cNvPr id="1026" name="Picture 2" descr="C:\Users\Administrator\Downloads\menu.gif"/>
-          <p:cNvPicPr>
-            <a:picLocks noChangeAspect="1" noChangeArrowheads="1"/>
-          </p:cNvPicPr>
-          <p:nvPr/>
-        </p:nvPicPr>
-        <p:blipFill>
-          <a:blip r:embed="rId4" cstate="print">
-            <a:extLst>
-              <a:ext uri="{28A0092B-C50C-407E-A947-70E740481C1C}">
-                <a14:useLocalDpi xmlns:a14="http://schemas.microsoft.com/office/drawing/2010/main" val="0"/>
-              </a:ext>
-            </a:extLst>
-          </a:blip>
-          <a:srcRect/>
-          <a:stretch>
-            <a:fillRect/>
-          </a:stretch>
-        </p:blipFill>
-        <p:spPr bwMode="auto">
-          <a:xfrm>
-            <a:off x="3492144" y="2194392"/>
-            <a:ext cx="2023200" cy="2973051"/>
-          </a:xfrm>
-          <a:prstGeom prst="rect">
-            <a:avLst/>
-          </a:prstGeom>
-          <a:noFill/>
-          <a:extLst>
-            <a:ext uri="{909E8E84-426E-40DD-AFC4-6F175D3DCCD1}">
-              <a14:hiddenFill xmlns:a14="http://schemas.microsoft.com/office/drawing/2010/main">
-                <a:solidFill>
-                  <a:srgbClr val="FFFFFF"/>
-                </a:solidFill>
-              </a14:hiddenFill>
-            </a:ext>
-          </a:extLst>
-        </p:spPr>
-      </p:pic>
-    </p:spTree>
-    <p:extLst>
-      <p:ext uri="{BB962C8B-B14F-4D97-AF65-F5344CB8AC3E}">
-        <p14:creationId xmlns:p14="http://schemas.microsoft.com/office/powerpoint/2010/main" val="3212548607"/>
-      </p:ext>
-    </p:extLst>
-  </p:cSld>
-  <p:clrMapOvr>
-    <a:masterClrMapping/>
-  </p:clrMapOvr>
-</p:sld>
-</file>
-
-<file path=ppt/slides/slide11.xml><?xml version="1.0" encoding="utf-8"?>
-<p:sld xmlns:a="http://schemas.openxmlformats.org/drawingml/2006/main" xmlns:r="http://schemas.openxmlformats.org/officeDocument/2006/relationships" xmlns:p="http://schemas.openxmlformats.org/presentationml/2006/main">
-  <p:cSld>
-    <p:spTree>
-      <p:nvGrpSpPr>
-        <p:cNvPr id="1" name=""/>
-        <p:cNvGrpSpPr/>
-        <p:nvPr/>
-      </p:nvGrpSpPr>
-      <p:grpSpPr>
-        <a:xfrm>
-          <a:off x="0" y="0"/>
-          <a:ext cx="0" cy="0"/>
-          <a:chOff x="0" y="0"/>
-          <a:chExt cx="0" cy="0"/>
-        </a:xfrm>
-      </p:grpSpPr>
-      <p:sp>
-        <p:nvSpPr>
-          <p:cNvPr id="2" name="제목 1">
-            <a:extLst>
-              <a:ext uri="{FF2B5EF4-FFF2-40B4-BE49-F238E27FC236}">
-                <a16:creationId xmlns:a16="http://schemas.microsoft.com/office/drawing/2014/main" xmlns="" id="{A616ACF8-0967-254E-9A89-A97507292D4D}"/>
-              </a:ext>
-            </a:extLst>
-          </p:cNvPr>
-          <p:cNvSpPr>
-            <a:spLocks noGrp="1"/>
-          </p:cNvSpPr>
-          <p:nvPr>
-            <p:ph type="title"/>
-          </p:nvPr>
-        </p:nvSpPr>
-        <p:spPr/>
-        <p:txBody>
-          <a:bodyPr/>
-          <a:lstStyle/>
-          <a:p>
-            <a:r>
-              <a:rPr kumimoji="1" lang="ko-KR" altLang="en-US" dirty="0"/>
-              <a:t>핵심 경쟁력</a:t>
-            </a:r>
-          </a:p>
-        </p:txBody>
-      </p:sp>
-      <p:sp>
-        <p:nvSpPr>
-          <p:cNvPr id="3" name="내용 개체 틀 2">
-            <a:extLst>
-              <a:ext uri="{FF2B5EF4-FFF2-40B4-BE49-F238E27FC236}">
-                <a16:creationId xmlns:a16="http://schemas.microsoft.com/office/drawing/2014/main" xmlns="" id="{A9EE0F75-50A2-D04C-82B0-482E543CA08F}"/>
-              </a:ext>
-            </a:extLst>
-          </p:cNvPr>
-          <p:cNvSpPr>
-            <a:spLocks noGrp="1"/>
-          </p:cNvSpPr>
-          <p:nvPr>
-            <p:ph idx="1"/>
-          </p:nvPr>
-        </p:nvSpPr>
-        <p:spPr/>
-        <p:txBody>
-          <a:bodyPr/>
-          <a:lstStyle/>
-          <a:p>
-            <a:r>
-              <a:rPr kumimoji="1" lang="ko-KR" altLang="en-US"/>
-              <a:t>여기에 </a:t>
-            </a:r>
-            <a:r>
-              <a:rPr kumimoji="1" lang="ko-KR" altLang="en-US" dirty="0"/>
-              <a:t>제휴업체 소개</a:t>
-            </a:r>
-            <a:r>
-              <a:rPr kumimoji="1" lang="en-US" altLang="ko-KR" dirty="0"/>
-              <a:t>(</a:t>
-            </a:r>
-            <a:r>
-              <a:rPr kumimoji="1" lang="ko-KR" altLang="en-US" dirty="0"/>
-              <a:t>이익창출을 목적으로 하되 </a:t>
-            </a:r>
-            <a:r>
-              <a:rPr kumimoji="1" lang="ko-KR" altLang="en-US" dirty="0" err="1"/>
-              <a:t>알람</a:t>
-            </a:r>
-            <a:r>
-              <a:rPr kumimoji="1" lang="ko-KR" altLang="en-US" dirty="0"/>
-              <a:t> 기능을 하는 걸로 </a:t>
-            </a:r>
-            <a:r>
-              <a:rPr kumimoji="1" lang="en-US" altLang="ko-KR" dirty="0"/>
-              <a:t>)</a:t>
-            </a:r>
-          </a:p>
-          <a:p>
-            <a:r>
-              <a:rPr kumimoji="1" lang="ko-KR" altLang="en-US" dirty="0"/>
-              <a:t>이익 창출 방법</a:t>
-            </a:r>
-            <a:r>
-              <a:rPr kumimoji="1" lang="en-US" altLang="ko-KR" dirty="0"/>
-              <a:t>- </a:t>
-            </a:r>
-            <a:r>
-              <a:rPr kumimoji="1" lang="ko-KR" altLang="en-US" dirty="0"/>
-              <a:t>㈜마스크</a:t>
-            </a:r>
-            <a:endParaRPr kumimoji="1" lang="en-US" altLang="ko-KR" dirty="0"/>
-          </a:p>
-          <a:p>
-            <a:pPr marL="0" indent="0">
-              <a:buNone/>
-            </a:pPr>
-            <a:r>
-              <a:rPr kumimoji="1" lang="en-US" altLang="ko-KR" dirty="0"/>
-              <a:t>                     - (</a:t>
-            </a:r>
-            <a:r>
-              <a:rPr kumimoji="1" lang="ko-KR" altLang="en-US" dirty="0"/>
-              <a:t>부</a:t>
-            </a:r>
-            <a:r>
-              <a:rPr kumimoji="1" lang="en-US" altLang="ko-KR" dirty="0"/>
-              <a:t>)</a:t>
-            </a:r>
-            <a:r>
-              <a:rPr kumimoji="1" lang="ko-KR" altLang="en-US" dirty="0"/>
-              <a:t>화장품</a:t>
-            </a:r>
-            <a:r>
-              <a:rPr kumimoji="1" lang="en-US" altLang="ko-KR" dirty="0"/>
-              <a:t>, </a:t>
-            </a:r>
-            <a:r>
-              <a:rPr kumimoji="1" lang="ko-KR" altLang="en-US" dirty="0"/>
-              <a:t>공기청정기</a:t>
-            </a:r>
-            <a:r>
-              <a:rPr kumimoji="1" lang="en-US" altLang="ko-KR" dirty="0"/>
-              <a:t>,</a:t>
-            </a:r>
-            <a:r>
-              <a:rPr kumimoji="1" lang="ko-KR" altLang="en-US" dirty="0"/>
-              <a:t>음식</a:t>
-            </a:r>
-            <a:endParaRPr kumimoji="1" lang="en-US" altLang="ko-KR" dirty="0"/>
-          </a:p>
-          <a:p>
-            <a:endParaRPr kumimoji="1" lang="ko-KR" altLang="en-US" dirty="0"/>
-          </a:p>
-        </p:txBody>
-      </p:sp>
-    </p:spTree>
-    <p:extLst>
-      <p:ext uri="{BB962C8B-B14F-4D97-AF65-F5344CB8AC3E}">
-        <p14:creationId xmlns:p14="http://schemas.microsoft.com/office/powerpoint/2010/main" val="1092442487"/>
-      </p:ext>
-    </p:extLst>
-  </p:cSld>
-  <p:clrMapOvr>
-    <a:masterClrMapping/>
-  </p:clrMapOvr>
-</p:sld>
-</file>
-
-<file path=ppt/slides/slide12.xml><?xml version="1.0" encoding="utf-8"?>
-<p:sld xmlns:a="http://schemas.openxmlformats.org/drawingml/2006/main" xmlns:r="http://schemas.openxmlformats.org/officeDocument/2006/relationships" xmlns:p="http://schemas.openxmlformats.org/presentationml/2006/main">
-  <p:cSld>
-    <p:spTree>
-      <p:nvGrpSpPr>
-        <p:cNvPr id="1" name=""/>
-        <p:cNvGrpSpPr/>
-        <p:nvPr/>
-      </p:nvGrpSpPr>
-      <p:grpSpPr>
-        <a:xfrm>
-          <a:off x="0" y="0"/>
-          <a:ext cx="0" cy="0"/>
-          <a:chOff x="0" y="0"/>
-          <a:chExt cx="0" cy="0"/>
-        </a:xfrm>
-      </p:grpSpPr>
-      <p:sp>
-        <p:nvSpPr>
-          <p:cNvPr id="2" name="제목 1">
-            <a:extLst>
-              <a:ext uri="{FF2B5EF4-FFF2-40B4-BE49-F238E27FC236}">
-                <a16:creationId xmlns:a16="http://schemas.microsoft.com/office/drawing/2014/main" xmlns="" id="{3409D811-9620-E144-9E2D-42A6803A50B0}"/>
-              </a:ext>
-            </a:extLst>
-          </p:cNvPr>
-          <p:cNvSpPr>
-            <a:spLocks noGrp="1"/>
-          </p:cNvSpPr>
-          <p:nvPr>
-            <p:ph type="title"/>
-          </p:nvPr>
-        </p:nvSpPr>
-        <p:spPr/>
-        <p:txBody>
-          <a:bodyPr/>
-          <a:lstStyle/>
-          <a:p>
-            <a:r>
-              <a:rPr kumimoji="1" lang="ko-KR" altLang="en-US" dirty="0"/>
-              <a:t>팀원 소개</a:t>
-            </a:r>
-          </a:p>
-        </p:txBody>
-      </p:sp>
-      <p:sp>
-        <p:nvSpPr>
-          <p:cNvPr id="3" name="내용 개체 틀 2">
-            <a:extLst>
-              <a:ext uri="{FF2B5EF4-FFF2-40B4-BE49-F238E27FC236}">
-                <a16:creationId xmlns:a16="http://schemas.microsoft.com/office/drawing/2014/main" xmlns="" id="{393D240D-69BC-C24F-B228-B79939338B18}"/>
-              </a:ext>
-            </a:extLst>
-          </p:cNvPr>
-          <p:cNvSpPr>
-            <a:spLocks noGrp="1"/>
-          </p:cNvSpPr>
-          <p:nvPr>
-            <p:ph idx="1"/>
-          </p:nvPr>
-        </p:nvSpPr>
-        <p:spPr/>
-        <p:txBody>
-          <a:bodyPr/>
-          <a:lstStyle/>
-          <a:p>
-            <a:r>
-              <a:rPr kumimoji="1" lang="ko-KR" altLang="en-US" dirty="0"/>
-              <a:t>조장</a:t>
-            </a:r>
-            <a:endParaRPr kumimoji="1" lang="en-US" altLang="ko-KR" dirty="0"/>
-          </a:p>
-          <a:p>
-            <a:pPr marL="0" indent="0">
-              <a:buNone/>
-            </a:pPr>
-            <a:endParaRPr kumimoji="1" lang="en-US" altLang="ko-KR" dirty="0"/>
-          </a:p>
-        </p:txBody>
-      </p:sp>
-    </p:spTree>
-    <p:extLst>
-      <p:ext uri="{BB962C8B-B14F-4D97-AF65-F5344CB8AC3E}">
-        <p14:creationId xmlns:p14="http://schemas.microsoft.com/office/powerpoint/2010/main" val="1602398143"/>
-      </p:ext>
-    </p:extLst>
-  </p:cSld>
-  <p:clrMapOvr>
-    <a:masterClrMapping/>
-  </p:clrMapOvr>
-</p:sld>
-</file>
-
-<file path=ppt/slides/slide13.xml><?xml version="1.0" encoding="utf-8"?>
-<p:sld xmlns:a="http://schemas.openxmlformats.org/drawingml/2006/main" xmlns:r="http://schemas.openxmlformats.org/officeDocument/2006/relationships" xmlns:p="http://schemas.openxmlformats.org/presentationml/2006/main">
-  <p:cSld>
-    <p:spTree>
-      <p:nvGrpSpPr>
-        <p:cNvPr id="1" name=""/>
-        <p:cNvGrpSpPr/>
-        <p:nvPr/>
-      </p:nvGrpSpPr>
-      <p:grpSpPr>
-        <a:xfrm>
-          <a:off x="0" y="0"/>
-          <a:ext cx="0" cy="0"/>
-          <a:chOff x="0" y="0"/>
-          <a:chExt cx="0" cy="0"/>
-        </a:xfrm>
-      </p:grpSpPr>
-      <p:sp>
-        <p:nvSpPr>
-          <p:cNvPr id="2" name="제목 1">
-            <a:extLst>
-              <a:ext uri="{FF2B5EF4-FFF2-40B4-BE49-F238E27FC236}">
-                <a16:creationId xmlns:a16="http://schemas.microsoft.com/office/drawing/2014/main" xmlns="" id="{28F98C9A-6B41-9E48-9587-94770AFED79E}"/>
-              </a:ext>
-            </a:extLst>
-          </p:cNvPr>
-          <p:cNvSpPr>
-            <a:spLocks noGrp="1"/>
-          </p:cNvSpPr>
-          <p:nvPr>
-            <p:ph type="title"/>
-          </p:nvPr>
-        </p:nvSpPr>
-        <p:spPr/>
-        <p:txBody>
-          <a:bodyPr/>
-          <a:lstStyle/>
-          <a:p>
-            <a:r>
-              <a:rPr kumimoji="1" lang="ko-KR" altLang="en-US" dirty="0"/>
-              <a:t>시장</a:t>
-            </a:r>
-            <a:r>
-              <a:rPr kumimoji="1" lang="en-US" altLang="ko-KR" dirty="0"/>
-              <a:t>/</a:t>
-            </a:r>
-            <a:r>
-              <a:rPr kumimoji="1" lang="ko-KR" altLang="en-US" dirty="0"/>
-              <a:t>경쟁 분석</a:t>
-            </a:r>
-          </a:p>
-        </p:txBody>
-      </p:sp>
-      <p:sp>
-        <p:nvSpPr>
-          <p:cNvPr id="3" name="내용 개체 틀 2">
-            <a:extLst>
-              <a:ext uri="{FF2B5EF4-FFF2-40B4-BE49-F238E27FC236}">
-                <a16:creationId xmlns:a16="http://schemas.microsoft.com/office/drawing/2014/main" xmlns="" id="{E883A23E-B406-1348-839E-7F8B6950D10E}"/>
-              </a:ext>
-            </a:extLst>
-          </p:cNvPr>
-          <p:cNvSpPr>
-            <a:spLocks noGrp="1"/>
-          </p:cNvSpPr>
-          <p:nvPr>
-            <p:ph idx="1"/>
-          </p:nvPr>
-        </p:nvSpPr>
-        <p:spPr/>
-        <p:txBody>
-          <a:bodyPr/>
-          <a:lstStyle/>
-          <a:p>
-            <a:r>
-              <a:rPr kumimoji="1" lang="en" altLang="ko-KR" dirty="0"/>
-              <a:t>research</a:t>
-            </a:r>
-            <a:r>
-              <a:rPr kumimoji="1" lang="ko-KR" altLang="en-US" dirty="0" err="1"/>
-              <a:t>를</a:t>
-            </a:r>
-            <a:r>
-              <a:rPr kumimoji="1" lang="ko-KR" altLang="en-US" dirty="0"/>
-              <a:t> 해서 공급 업체 중에서도 메이저로 할 거냐 마이너로 할 거냐</a:t>
-            </a:r>
-          </a:p>
-          <a:p>
-            <a:r>
-              <a:rPr kumimoji="1" lang="en-US" altLang="ko-KR" dirty="0"/>
-              <a:t>1. </a:t>
-            </a:r>
-            <a:r>
-              <a:rPr kumimoji="1" lang="ko-KR" altLang="en-US" dirty="0"/>
-              <a:t>기성 업체</a:t>
-            </a:r>
-            <a:r>
-              <a:rPr kumimoji="1" lang="en-US" altLang="ko-KR" dirty="0"/>
-              <a:t>(</a:t>
-            </a:r>
-            <a:r>
-              <a:rPr kumimoji="1" lang="ko-KR" altLang="en-US" dirty="0"/>
-              <a:t>있는 것을 홍보하거나 정보를 알려주는 것</a:t>
-            </a:r>
-            <a:r>
-              <a:rPr kumimoji="1" lang="en-US" altLang="ko-KR" dirty="0"/>
-              <a:t>)</a:t>
-            </a:r>
-          </a:p>
-          <a:p>
-            <a:r>
-              <a:rPr kumimoji="1" lang="en-US" altLang="ko-KR" dirty="0"/>
-              <a:t>2. </a:t>
-            </a:r>
-            <a:r>
-              <a:rPr kumimoji="1" lang="ko-KR" altLang="en-US" dirty="0"/>
-              <a:t>서비스화</a:t>
-            </a:r>
-            <a:r>
-              <a:rPr kumimoji="1" lang="en-US" altLang="ko-KR" dirty="0"/>
-              <a:t>(</a:t>
-            </a:r>
-            <a:r>
-              <a:rPr kumimoji="1" lang="ko-KR" altLang="en-US" dirty="0"/>
-              <a:t>다른 차원으로 넘어가는 것</a:t>
-            </a:r>
-            <a:r>
-              <a:rPr kumimoji="1" lang="en-US" altLang="ko-KR" dirty="0"/>
-              <a:t>)(</a:t>
-            </a:r>
-            <a:r>
-              <a:rPr kumimoji="1" lang="en" altLang="ko-KR" dirty="0"/>
-              <a:t>ex : </a:t>
-            </a:r>
-            <a:r>
-              <a:rPr kumimoji="1" lang="ko-KR" altLang="en-US" dirty="0"/>
-              <a:t>정기 배송 등</a:t>
-            </a:r>
-            <a:r>
-              <a:rPr kumimoji="1" lang="en-US" altLang="ko-KR" dirty="0"/>
-              <a:t>)</a:t>
-            </a:r>
-            <a:endParaRPr kumimoji="1" lang="ko-KR" altLang="en-US" dirty="0"/>
-          </a:p>
-        </p:txBody>
-      </p:sp>
-    </p:spTree>
-    <p:extLst>
-      <p:ext uri="{BB962C8B-B14F-4D97-AF65-F5344CB8AC3E}">
-        <p14:creationId xmlns:p14="http://schemas.microsoft.com/office/powerpoint/2010/main" val="4222687490"/>
-      </p:ext>
-    </p:extLst>
-  </p:cSld>
-  <p:clrMapOvr>
-    <a:masterClrMapping/>
-  </p:clrMapOvr>
-</p:sld>
-</file>
-
-<file path=ppt/slides/slide14.xml><?xml version="1.0" encoding="utf-8"?>
-<p:sld xmlns:a="http://schemas.openxmlformats.org/drawingml/2006/main" xmlns:r="http://schemas.openxmlformats.org/officeDocument/2006/relationships" xmlns:p="http://schemas.openxmlformats.org/presentationml/2006/main">
-  <p:cSld>
-    <p:spTree>
-      <p:nvGrpSpPr>
-        <p:cNvPr id="1" name=""/>
-        <p:cNvGrpSpPr/>
-        <p:nvPr/>
-      </p:nvGrpSpPr>
-      <p:grpSpPr>
-        <a:xfrm>
-          <a:off x="0" y="0"/>
-          <a:ext cx="0" cy="0"/>
-          <a:chOff x="0" y="0"/>
-          <a:chExt cx="0" cy="0"/>
-        </a:xfrm>
-      </p:grpSpPr>
-      <p:sp>
-        <p:nvSpPr>
-          <p:cNvPr id="2" name="제목 1">
-            <a:extLst>
-              <a:ext uri="{FF2B5EF4-FFF2-40B4-BE49-F238E27FC236}">
-                <a16:creationId xmlns:a16="http://schemas.microsoft.com/office/drawing/2014/main" xmlns="" id="{9C508281-2DF6-3F4B-B03E-499380C0C441}"/>
-              </a:ext>
-            </a:extLst>
-          </p:cNvPr>
-          <p:cNvSpPr>
-            <a:spLocks noGrp="1"/>
-          </p:cNvSpPr>
-          <p:nvPr>
-            <p:ph type="title"/>
-          </p:nvPr>
-        </p:nvSpPr>
-        <p:spPr/>
-        <p:txBody>
-          <a:bodyPr/>
-          <a:lstStyle/>
-          <a:p>
-            <a:r>
-              <a:rPr kumimoji="1" lang="ko-KR" altLang="en-US" dirty="0"/>
-              <a:t>질의응답</a:t>
-            </a:r>
-          </a:p>
-        </p:txBody>
-      </p:sp>
-      <p:sp>
-        <p:nvSpPr>
-          <p:cNvPr id="3" name="내용 개체 틀 2">
-            <a:extLst>
-              <a:ext uri="{FF2B5EF4-FFF2-40B4-BE49-F238E27FC236}">
-                <a16:creationId xmlns:a16="http://schemas.microsoft.com/office/drawing/2014/main" xmlns="" id="{C088C665-85BA-2947-B1EE-D2C597E1ADDB}"/>
-              </a:ext>
-            </a:extLst>
-          </p:cNvPr>
-          <p:cNvSpPr>
-            <a:spLocks noGrp="1"/>
-          </p:cNvSpPr>
-          <p:nvPr>
-            <p:ph idx="1"/>
-          </p:nvPr>
-        </p:nvSpPr>
-        <p:spPr/>
-        <p:txBody>
-          <a:bodyPr/>
-          <a:lstStyle/>
-          <a:p>
-            <a:endParaRPr kumimoji="1" lang="ko-KR" altLang="en-US" dirty="0"/>
-          </a:p>
-        </p:txBody>
-      </p:sp>
-    </p:spTree>
-    <p:extLst>
-      <p:ext uri="{BB962C8B-B14F-4D97-AF65-F5344CB8AC3E}">
-        <p14:creationId xmlns:p14="http://schemas.microsoft.com/office/powerpoint/2010/main" val="1759387882"/>
-      </p:ext>
-    </p:extLst>
-  </p:cSld>
-  <p:clrMapOvr>
-    <a:masterClrMapping/>
-  </p:clrMapOvr>
-</p:sld>
-</file>
-
-<file path=ppt/slides/slide15.xml><?xml version="1.0" encoding="utf-8"?>
-<p:sld xmlns:a="http://schemas.openxmlformats.org/drawingml/2006/main" xmlns:r="http://schemas.openxmlformats.org/officeDocument/2006/relationships" xmlns:p="http://schemas.openxmlformats.org/presentationml/2006/main">
-  <p:cSld>
-    <p:spTree>
-      <p:nvGrpSpPr>
-        <p:cNvPr id="1" name=""/>
-        <p:cNvGrpSpPr/>
-        <p:nvPr/>
-      </p:nvGrpSpPr>
-      <p:grpSpPr>
-        <a:xfrm>
-          <a:off x="0" y="0"/>
-          <a:ext cx="0" cy="0"/>
-          <a:chOff x="0" y="0"/>
-          <a:chExt cx="0" cy="0"/>
-        </a:xfrm>
-      </p:grpSpPr>
-      <p:sp>
-        <p:nvSpPr>
-          <p:cNvPr id="3" name="내용 개체 틀 2">
-            <a:extLst>
-              <a:ext uri="{FF2B5EF4-FFF2-40B4-BE49-F238E27FC236}">
-                <a16:creationId xmlns:a16="http://schemas.microsoft.com/office/drawing/2014/main" xmlns="" id="{6F98B7E9-F878-0E42-A16C-75C889AFE0CE}"/>
-              </a:ext>
-            </a:extLst>
-          </p:cNvPr>
-          <p:cNvSpPr>
-            <a:spLocks noGrp="1"/>
-          </p:cNvSpPr>
-          <p:nvPr>
-            <p:ph idx="1"/>
-          </p:nvPr>
-        </p:nvSpPr>
-        <p:spPr>
-          <a:xfrm>
-            <a:off x="457200" y="260648"/>
-            <a:ext cx="8229600" cy="5865515"/>
-          </a:xfrm>
-        </p:spPr>
-        <p:txBody>
-          <a:bodyPr/>
-          <a:lstStyle/>
-          <a:p>
-            <a:pPr marL="0" indent="0">
-              <a:buNone/>
-            </a:pPr>
-            <a:r>
-              <a:rPr kumimoji="1" lang="ko-KR" altLang="en-US" dirty="0"/>
-              <a:t>감사합니다 </a:t>
-            </a:r>
-            <a:r>
-              <a:rPr kumimoji="1" lang="en-US" altLang="ko-KR" dirty="0">
-                <a:sym typeface="Wingdings" pitchFamily="2" charset="2"/>
-              </a:rPr>
-              <a:t>:</a:t>
-            </a:r>
-            <a:r>
-              <a:rPr kumimoji="1" lang="ko-KR" altLang="en-US" dirty="0">
-                <a:sym typeface="Wingdings" pitchFamily="2" charset="2"/>
-              </a:rPr>
-              <a:t> </a:t>
-            </a:r>
-            <a:r>
-              <a:rPr kumimoji="1" lang="en-US" altLang="ko-KR" dirty="0">
-                <a:sym typeface="Wingdings" pitchFamily="2" charset="2"/>
-              </a:rPr>
-              <a:t>)</a:t>
-            </a:r>
-            <a:endParaRPr kumimoji="1" lang="ko-KR" altLang="en-US" dirty="0"/>
-          </a:p>
-        </p:txBody>
-      </p:sp>
-    </p:spTree>
-    <p:extLst>
-      <p:ext uri="{BB962C8B-B14F-4D97-AF65-F5344CB8AC3E}">
-        <p14:creationId xmlns:p14="http://schemas.microsoft.com/office/powerpoint/2010/main" val="3977145828"/>
-      </p:ext>
-    </p:extLst>
-  </p:cSld>
-  <p:clrMapOvr>
-    <a:masterClrMapping/>
-  </p:clrMapOvr>
-</p:sld>
-</file>
-
-<file path=ppt/slides/slide2.xml><?xml version="1.0" encoding="utf-8"?>
-<p:sld xmlns:a="http://schemas.openxmlformats.org/drawingml/2006/main" xmlns:r="http://schemas.openxmlformats.org/officeDocument/2006/relationships" xmlns:p="http://schemas.openxmlformats.org/presentationml/2006/main">
-  <p:cSld>
-    <p:spTree>
-      <p:nvGrpSpPr>
-        <p:cNvPr id="1" name=""/>
-        <p:cNvGrpSpPr/>
-        <p:nvPr/>
-      </p:nvGrpSpPr>
-      <p:grpSpPr>
-        <a:xfrm>
-          <a:off x="0" y="0"/>
-          <a:ext cx="0" cy="0"/>
-          <a:chOff x="0" y="0"/>
-          <a:chExt cx="0" cy="0"/>
-        </a:xfrm>
-      </p:grpSpPr>
-      <p:sp>
-        <p:nvSpPr>
-          <p:cNvPr id="2" name="제목 1"/>
-          <p:cNvSpPr>
-            <a:spLocks noGrp="1"/>
-          </p:cNvSpPr>
-          <p:nvPr>
-            <p:ph type="ctrTitle"/>
-          </p:nvPr>
-        </p:nvSpPr>
-        <p:spPr/>
-        <p:txBody>
-          <a:bodyPr/>
-          <a:lstStyle/>
-          <a:p>
-            <a:r>
-              <a:rPr lang="ko-KR" altLang="en-US" dirty="0" err="1"/>
-              <a:t>쏴리질러</a:t>
-            </a:r>
-            <a:endParaRPr lang="ko-KR" altLang="en-US" dirty="0"/>
-          </a:p>
-        </p:txBody>
-      </p:sp>
-      <p:sp>
-        <p:nvSpPr>
-          <p:cNvPr id="3" name="부제목 2"/>
-          <p:cNvSpPr>
-            <a:spLocks noGrp="1"/>
-          </p:cNvSpPr>
-          <p:nvPr>
-            <p:ph type="subTitle" idx="1"/>
-          </p:nvPr>
-        </p:nvSpPr>
-        <p:spPr/>
-        <p:txBody>
-          <a:bodyPr>
-            <a:normAutofit/>
-          </a:bodyPr>
-          <a:lstStyle/>
-          <a:p>
-            <a:endParaRPr lang="ko-KR" altLang="en-US" sz="2800" dirty="0"/>
-          </a:p>
-        </p:txBody>
-      </p:sp>
-    </p:spTree>
-    <p:extLst>
-      <p:ext uri="{BB962C8B-B14F-4D97-AF65-F5344CB8AC3E}">
-        <p14:creationId xmlns:p14="http://schemas.microsoft.com/office/powerpoint/2010/main" val="1898608049"/>
-      </p:ext>
-    </p:extLst>
-  </p:cSld>
-  <p:clrMapOvr>
-    <a:masterClrMapping/>
-  </p:clrMapOvr>
-</p:sld>
-</file>
-
-<file path=ppt/slides/slide3.xml><?xml version="1.0" encoding="utf-8"?>
-<p:sld xmlns:a="http://schemas.openxmlformats.org/drawingml/2006/main" xmlns:r="http://schemas.openxmlformats.org/officeDocument/2006/relationships" xmlns:p="http://schemas.openxmlformats.org/presentationml/2006/main">
-  <p:cSld>
-    <p:spTree>
-      <p:nvGrpSpPr>
-        <p:cNvPr id="1" name=""/>
-        <p:cNvGrpSpPr/>
-        <p:nvPr/>
-      </p:nvGrpSpPr>
-      <p:grpSpPr>
-        <a:xfrm>
-          <a:off x="0" y="0"/>
-          <a:ext cx="0" cy="0"/>
-          <a:chOff x="0" y="0"/>
-          <a:chExt cx="0" cy="0"/>
-        </a:xfrm>
-      </p:grpSpPr>
-      <p:sp>
-        <p:nvSpPr>
-          <p:cNvPr id="2" name="제목 1">
-            <a:extLst>
-              <a:ext uri="{FF2B5EF4-FFF2-40B4-BE49-F238E27FC236}">
-                <a16:creationId xmlns:a16="http://schemas.microsoft.com/office/drawing/2014/main" xmlns="" id="{CC5C8BD3-3AF1-C748-835F-F0A286C90A18}"/>
-              </a:ext>
-            </a:extLst>
-          </p:cNvPr>
-          <p:cNvSpPr>
-            <a:spLocks noGrp="1"/>
-          </p:cNvSpPr>
-          <p:nvPr>
-            <p:ph type="title"/>
-          </p:nvPr>
-        </p:nvSpPr>
-        <p:spPr>
-          <a:xfrm>
-            <a:off x="457200" y="2420888"/>
-            <a:ext cx="8229600" cy="1791072"/>
-          </a:xfrm>
-        </p:spPr>
-        <p:txBody>
-          <a:bodyPr>
-            <a:normAutofit fontScale="90000"/>
-          </a:bodyPr>
-          <a:lstStyle/>
-          <a:p>
-            <a:r>
-              <a:rPr kumimoji="1" lang="ko-KR" altLang="en-US" dirty="0"/>
-              <a:t>마스크 사용에 관심있는 사람에게 어떻게 편리한 서비스를 제공할 수 있을까</a:t>
-            </a:r>
-            <a:r>
-              <a:rPr kumimoji="1" lang="en-US" altLang="ko-KR" dirty="0"/>
-              <a:t>?</a:t>
-            </a:r>
-            <a:endParaRPr kumimoji="1" lang="ko-KR" altLang="en-US" dirty="0"/>
-          </a:p>
-        </p:txBody>
-      </p:sp>
-    </p:spTree>
-    <p:extLst>
-      <p:ext uri="{BB962C8B-B14F-4D97-AF65-F5344CB8AC3E}">
-        <p14:creationId xmlns:p14="http://schemas.microsoft.com/office/powerpoint/2010/main" val="1833612597"/>
-      </p:ext>
-    </p:extLst>
-  </p:cSld>
-  <p:clrMapOvr>
-    <a:masterClrMapping/>
-  </p:clrMapOvr>
-</p:sld>
-</file>
-
-<file path=ppt/slides/slide4.xml><?xml version="1.0" encoding="utf-8"?>
-<p:sld xmlns:a="http://schemas.openxmlformats.org/drawingml/2006/main" xmlns:r="http://schemas.openxmlformats.org/officeDocument/2006/relationships" xmlns:p="http://schemas.openxmlformats.org/presentationml/2006/main">
-  <p:cSld>
-    <p:spTree>
-      <p:nvGrpSpPr>
-        <p:cNvPr id="1" name=""/>
-        <p:cNvGrpSpPr/>
-        <p:nvPr/>
-      </p:nvGrpSpPr>
-      <p:grpSpPr>
-        <a:xfrm>
-          <a:off x="0" y="0"/>
-          <a:ext cx="0" cy="0"/>
-          <a:chOff x="0" y="0"/>
-          <a:chExt cx="0" cy="0"/>
-        </a:xfrm>
-      </p:grpSpPr>
-      <p:sp>
-        <p:nvSpPr>
-          <p:cNvPr id="2" name="제목 1">
-            <a:extLst>
-              <a:ext uri="{FF2B5EF4-FFF2-40B4-BE49-F238E27FC236}">
-                <a16:creationId xmlns:a16="http://schemas.microsoft.com/office/drawing/2014/main" xmlns="" id="{117210B6-0999-9C4F-954D-22D6B30F9E70}"/>
-              </a:ext>
-            </a:extLst>
-          </p:cNvPr>
-          <p:cNvSpPr>
-            <a:spLocks noGrp="1"/>
-          </p:cNvSpPr>
-          <p:nvPr>
-            <p:ph type="title"/>
-          </p:nvPr>
-        </p:nvSpPr>
-        <p:spPr/>
-        <p:txBody>
-          <a:bodyPr>
-            <a:normAutofit/>
-          </a:bodyPr>
-          <a:lstStyle/>
-          <a:p>
-            <a:r>
-              <a:rPr kumimoji="1" lang="ko-KR" altLang="en-US" dirty="0"/>
-              <a:t>마스크 교체 시간 알림</a:t>
-            </a:r>
-          </a:p>
-        </p:txBody>
-      </p:sp>
-      <p:pic>
-        <p:nvPicPr>
-          <p:cNvPr id="9" name="내용 개체 틀 8" descr="스크린샷이(가) 표시된 사진&#10;&#10;&#10;&#10;자동 생성된 설명">
-            <a:extLst>
-              <a:ext uri="{FF2B5EF4-FFF2-40B4-BE49-F238E27FC236}">
-                <a16:creationId xmlns:a16="http://schemas.microsoft.com/office/drawing/2014/main" xmlns="" id="{49F20AB3-A0D8-E445-957D-6C1CF569A8C4}"/>
-              </a:ext>
-            </a:extLst>
-          </p:cNvPr>
-          <p:cNvPicPr>
-            <a:picLocks noGrp="1" noChangeAspect="1"/>
-          </p:cNvPicPr>
-          <p:nvPr>
-            <p:ph idx="1"/>
-          </p:nvPr>
-        </p:nvPicPr>
-        <p:blipFill rotWithShape="1">
-          <a:blip r:embed="rId3">
-            <a:extLst>
-              <a:ext uri="{28A0092B-C50C-407E-A947-70E740481C1C}">
-                <a14:useLocalDpi xmlns:a14="http://schemas.microsoft.com/office/drawing/2010/main" val="0"/>
-              </a:ext>
-            </a:extLst>
-          </a:blip>
-          <a:srcRect l="23539" t="33410" r="26460" b="7724"/>
-          <a:stretch/>
-        </p:blipFill>
-        <p:spPr>
-          <a:xfrm>
-            <a:off x="3203848" y="1958130"/>
-            <a:ext cx="2376000" cy="4135166"/>
-          </a:xfrm>
-          <a:prstGeom prst="flowChartAlternateProcess">
-            <a:avLst/>
-          </a:prstGeom>
-        </p:spPr>
-      </p:pic>
-      <p:pic>
-        <p:nvPicPr>
-          <p:cNvPr id="10" name="내용 개체 틀 4" descr="스크린샷이(가) 표시된 사진&#10;&#10;&#10;&#10;자동 생성된 설명">
-            <a:extLst>
-              <a:ext uri="{FF2B5EF4-FFF2-40B4-BE49-F238E27FC236}">
-                <a16:creationId xmlns:a16="http://schemas.microsoft.com/office/drawing/2014/main" xmlns="" id="{8ECB2695-C803-364D-BF30-932C21F166BA}"/>
-              </a:ext>
-            </a:extLst>
-          </p:cNvPr>
-          <p:cNvPicPr>
-            <a:picLocks noChangeAspect="1"/>
-          </p:cNvPicPr>
-          <p:nvPr/>
-        </p:nvPicPr>
-        <p:blipFill>
-          <a:blip r:embed="rId4" cstate="print">
-            <a:extLst>
-              <a:ext uri="{28A0092B-C50C-407E-A947-70E740481C1C}">
-                <a14:useLocalDpi xmlns:a14="http://schemas.microsoft.com/office/drawing/2010/main" val="0"/>
-              </a:ext>
-            </a:extLst>
-          </a:blip>
-          <a:stretch>
-            <a:fillRect/>
-          </a:stretch>
-        </p:blipFill>
-        <p:spPr>
-          <a:xfrm>
-            <a:off x="3419608" y="2472154"/>
-            <a:ext cx="2023200" cy="2962296"/>
-          </a:xfrm>
-          <a:prstGeom prst="rect">
-            <a:avLst/>
-          </a:prstGeom>
-        </p:spPr>
-      </p:pic>
-    </p:spTree>
-    <p:extLst>
-      <p:ext uri="{BB962C8B-B14F-4D97-AF65-F5344CB8AC3E}">
-        <p14:creationId xmlns:p14="http://schemas.microsoft.com/office/powerpoint/2010/main" val="3622012430"/>
-      </p:ext>
-    </p:extLst>
-  </p:cSld>
-  <p:clrMapOvr>
-    <a:masterClrMapping/>
-  </p:clrMapOvr>
-</p:sld>
-</file>
-
-<file path=ppt/slides/slide5.xml><?xml version="1.0" encoding="utf-8"?>
-<p:sld xmlns:a="http://schemas.openxmlformats.org/drawingml/2006/main" xmlns:r="http://schemas.openxmlformats.org/officeDocument/2006/relationships" xmlns:p="http://schemas.openxmlformats.org/presentationml/2006/main">
-  <p:cSld>
-    <p:spTree>
-      <p:nvGrpSpPr>
-        <p:cNvPr id="1" name=""/>
-        <p:cNvGrpSpPr/>
-        <p:nvPr/>
-      </p:nvGrpSpPr>
-      <p:grpSpPr>
-        <a:xfrm>
-          <a:off x="0" y="0"/>
-          <a:ext cx="0" cy="0"/>
-          <a:chOff x="0" y="0"/>
-          <a:chExt cx="0" cy="0"/>
-        </a:xfrm>
-      </p:grpSpPr>
-      <p:sp>
-        <p:nvSpPr>
-          <p:cNvPr id="2" name="제목 1">
-            <a:extLst>
-              <a:ext uri="{FF2B5EF4-FFF2-40B4-BE49-F238E27FC236}">
-                <a16:creationId xmlns:a16="http://schemas.microsoft.com/office/drawing/2014/main" xmlns="" id="{117210B6-0999-9C4F-954D-22D6B30F9E70}"/>
-              </a:ext>
-            </a:extLst>
-          </p:cNvPr>
-          <p:cNvSpPr>
-            <a:spLocks noGrp="1"/>
-          </p:cNvSpPr>
-          <p:nvPr>
-            <p:ph type="title"/>
-          </p:nvPr>
-        </p:nvSpPr>
-        <p:spPr/>
-        <p:txBody>
-          <a:bodyPr/>
-          <a:lstStyle/>
-          <a:p>
-            <a:r>
-              <a:rPr kumimoji="1" lang="ko-KR" altLang="en-US" dirty="0"/>
-              <a:t>미세먼지 농도 확인</a:t>
-            </a:r>
-          </a:p>
-        </p:txBody>
-      </p:sp>
-      <p:pic>
-        <p:nvPicPr>
-          <p:cNvPr id="9" name="내용 개체 틀 8" descr="스크린샷이(가) 표시된 사진&#10;&#10;&#10;&#10;자동 생성된 설명">
-            <a:extLst>
-              <a:ext uri="{FF2B5EF4-FFF2-40B4-BE49-F238E27FC236}">
-                <a16:creationId xmlns:a16="http://schemas.microsoft.com/office/drawing/2014/main" xmlns="" id="{49F20AB3-A0D8-E445-957D-6C1CF569A8C4}"/>
-              </a:ext>
-            </a:extLst>
-          </p:cNvPr>
-          <p:cNvPicPr>
-            <a:picLocks noGrp="1" noChangeAspect="1"/>
-          </p:cNvPicPr>
-          <p:nvPr>
-            <p:ph idx="1"/>
-          </p:nvPr>
-        </p:nvPicPr>
-        <p:blipFill rotWithShape="1">
-          <a:blip r:embed="rId2">
-            <a:extLst>
-              <a:ext uri="{28A0092B-C50C-407E-A947-70E740481C1C}">
-                <a14:useLocalDpi xmlns:a14="http://schemas.microsoft.com/office/drawing/2010/main" val="0"/>
-              </a:ext>
-            </a:extLst>
-          </a:blip>
-          <a:srcRect l="23539" t="33410" r="26460" b="7724"/>
-          <a:stretch/>
-        </p:blipFill>
-        <p:spPr>
-          <a:xfrm>
-            <a:off x="3203848" y="1958130"/>
-            <a:ext cx="2376000" cy="4135166"/>
-          </a:xfrm>
-          <a:prstGeom prst="flowChartAlternateProcess">
-            <a:avLst/>
-          </a:prstGeom>
-        </p:spPr>
-      </p:pic>
-      <p:pic>
-        <p:nvPicPr>
-          <p:cNvPr id="10" name="내용 개체 틀 4" descr="스크린샷이(가) 표시된 사진&#10;&#10;&#10;&#10;자동 생성된 설명">
-            <a:extLst>
-              <a:ext uri="{FF2B5EF4-FFF2-40B4-BE49-F238E27FC236}">
-                <a16:creationId xmlns:a16="http://schemas.microsoft.com/office/drawing/2014/main" xmlns="" id="{8ECB2695-C803-364D-BF30-932C21F166BA}"/>
-              </a:ext>
-            </a:extLst>
-          </p:cNvPr>
-          <p:cNvPicPr>
-            <a:picLocks noChangeAspect="1"/>
-          </p:cNvPicPr>
-          <p:nvPr/>
-        </p:nvPicPr>
-        <p:blipFill>
-          <a:blip r:embed="rId3" cstate="print">
-            <a:extLst>
-              <a:ext uri="{28A0092B-C50C-407E-A947-70E740481C1C}">
-                <a14:useLocalDpi xmlns:a14="http://schemas.microsoft.com/office/drawing/2010/main" val="0"/>
-              </a:ext>
-            </a:extLst>
-          </a:blip>
-          <a:stretch>
-            <a:fillRect/>
-          </a:stretch>
-        </p:blipFill>
-        <p:spPr>
-          <a:xfrm>
-            <a:off x="3419608" y="2472154"/>
-            <a:ext cx="2023200" cy="2962296"/>
-          </a:xfrm>
-          <a:prstGeom prst="rect">
-            <a:avLst/>
-          </a:prstGeom>
-        </p:spPr>
-      </p:pic>
-    </p:spTree>
-    <p:extLst>
-      <p:ext uri="{BB962C8B-B14F-4D97-AF65-F5344CB8AC3E}">
-        <p14:creationId xmlns:p14="http://schemas.microsoft.com/office/powerpoint/2010/main" val="535974290"/>
-      </p:ext>
-    </p:extLst>
-  </p:cSld>
-  <p:clrMapOvr>
-    <a:masterClrMapping/>
-  </p:clrMapOvr>
-</p:sld>
-</file>
-
-<file path=ppt/slides/slide6.xml><?xml version="1.0" encoding="utf-8"?>
-<p:sld xmlns:a="http://schemas.openxmlformats.org/drawingml/2006/main" xmlns:r="http://schemas.openxmlformats.org/officeDocument/2006/relationships" xmlns:p="http://schemas.openxmlformats.org/presentationml/2006/main">
-  <p:cSld>
-    <p:spTree>
-      <p:nvGrpSpPr>
-        <p:cNvPr id="1" name=""/>
-        <p:cNvGrpSpPr/>
-        <p:nvPr/>
-      </p:nvGrpSpPr>
-      <p:grpSpPr>
-        <a:xfrm>
-          <a:off x="0" y="0"/>
-          <a:ext cx="0" cy="0"/>
-          <a:chOff x="0" y="0"/>
-          <a:chExt cx="0" cy="0"/>
-        </a:xfrm>
-      </p:grpSpPr>
-      <p:sp>
-        <p:nvSpPr>
-          <p:cNvPr id="2" name="제목 1">
-            <a:extLst>
-              <a:ext uri="{FF2B5EF4-FFF2-40B4-BE49-F238E27FC236}">
-                <a16:creationId xmlns:a16="http://schemas.microsoft.com/office/drawing/2014/main" xmlns="" id="{117210B6-0999-9C4F-954D-22D6B30F9E70}"/>
-              </a:ext>
-            </a:extLst>
-          </p:cNvPr>
-          <p:cNvSpPr>
-            <a:spLocks noGrp="1"/>
-          </p:cNvSpPr>
-          <p:nvPr>
-            <p:ph type="title"/>
-          </p:nvPr>
-        </p:nvSpPr>
-        <p:spPr/>
-        <p:txBody>
-          <a:bodyPr>
-            <a:normAutofit/>
-          </a:bodyPr>
-          <a:lstStyle/>
-          <a:p>
-            <a:r>
-              <a:rPr kumimoji="1" lang="ko-KR" altLang="en-US" dirty="0"/>
-              <a:t>대기환경에 맞는 마스크 추천 </a:t>
-            </a:r>
-          </a:p>
-        </p:txBody>
-      </p:sp>
-      <p:pic>
-        <p:nvPicPr>
-          <p:cNvPr id="9" name="내용 개체 틀 8" descr="스크린샷이(가) 표시된 사진&#10;&#10;&#10;&#10;자동 생성된 설명">
-            <a:extLst>
-              <a:ext uri="{FF2B5EF4-FFF2-40B4-BE49-F238E27FC236}">
-                <a16:creationId xmlns:a16="http://schemas.microsoft.com/office/drawing/2014/main" xmlns="" id="{49F20AB3-A0D8-E445-957D-6C1CF569A8C4}"/>
-              </a:ext>
-            </a:extLst>
-          </p:cNvPr>
-          <p:cNvPicPr>
-            <a:picLocks noGrp="1" noChangeAspect="1"/>
-          </p:cNvPicPr>
-          <p:nvPr>
-            <p:ph idx="1"/>
-          </p:nvPr>
-        </p:nvPicPr>
-        <p:blipFill rotWithShape="1">
-          <a:blip r:embed="rId2">
-            <a:extLst>
-              <a:ext uri="{28A0092B-C50C-407E-A947-70E740481C1C}">
-                <a14:useLocalDpi xmlns:a14="http://schemas.microsoft.com/office/drawing/2010/main" val="0"/>
-              </a:ext>
-            </a:extLst>
-          </a:blip>
-          <a:srcRect l="23539" t="33410" r="26460" b="7724"/>
-          <a:stretch/>
-        </p:blipFill>
-        <p:spPr>
-          <a:xfrm>
-            <a:off x="3203848" y="1958130"/>
-            <a:ext cx="2376000" cy="4135166"/>
-          </a:xfrm>
-          <a:prstGeom prst="flowChartAlternateProcess">
-            <a:avLst/>
-          </a:prstGeom>
-        </p:spPr>
-      </p:pic>
-      <p:pic>
-        <p:nvPicPr>
-          <p:cNvPr id="10" name="내용 개체 틀 4" descr="스크린샷이(가) 표시된 사진&#10;&#10;&#10;&#10;자동 생성된 설명">
-            <a:extLst>
-              <a:ext uri="{FF2B5EF4-FFF2-40B4-BE49-F238E27FC236}">
-                <a16:creationId xmlns:a16="http://schemas.microsoft.com/office/drawing/2014/main" xmlns="" id="{8ECB2695-C803-364D-BF30-932C21F166BA}"/>
-              </a:ext>
-            </a:extLst>
-          </p:cNvPr>
-          <p:cNvPicPr>
-            <a:picLocks noChangeAspect="1"/>
-          </p:cNvPicPr>
-          <p:nvPr/>
-        </p:nvPicPr>
-        <p:blipFill>
-          <a:blip r:embed="rId3" cstate="print">
-            <a:extLst>
-              <a:ext uri="{28A0092B-C50C-407E-A947-70E740481C1C}">
-                <a14:useLocalDpi xmlns:a14="http://schemas.microsoft.com/office/drawing/2010/main" val="0"/>
-              </a:ext>
-            </a:extLst>
-          </a:blip>
-          <a:stretch>
-            <a:fillRect/>
-          </a:stretch>
-        </p:blipFill>
-        <p:spPr>
-          <a:xfrm>
-            <a:off x="3419608" y="2472154"/>
-            <a:ext cx="2023200" cy="2962296"/>
-          </a:xfrm>
-          <a:prstGeom prst="rect">
-            <a:avLst/>
-          </a:prstGeom>
-        </p:spPr>
-      </p:pic>
-    </p:spTree>
-    <p:extLst>
-      <p:ext uri="{BB962C8B-B14F-4D97-AF65-F5344CB8AC3E}">
-        <p14:creationId xmlns:p14="http://schemas.microsoft.com/office/powerpoint/2010/main" val="2134451939"/>
-      </p:ext>
-    </p:extLst>
-  </p:cSld>
-  <p:clrMapOvr>
-    <a:masterClrMapping/>
-  </p:clrMapOvr>
-</p:sld>
-</file>
-
-<file path=ppt/slides/slide7.xml><?xml version="1.0" encoding="utf-8"?>
-<p:sld xmlns:a="http://schemas.openxmlformats.org/drawingml/2006/main" xmlns:r="http://schemas.openxmlformats.org/officeDocument/2006/relationships" xmlns:p="http://schemas.openxmlformats.org/presentationml/2006/main">
-  <p:cSld>
-    <p:spTree>
-      <p:nvGrpSpPr>
-        <p:cNvPr id="1" name=""/>
-        <p:cNvGrpSpPr/>
-        <p:nvPr/>
-      </p:nvGrpSpPr>
-      <p:grpSpPr>
-        <a:xfrm>
-          <a:off x="0" y="0"/>
-          <a:ext cx="0" cy="0"/>
-          <a:chOff x="0" y="0"/>
-          <a:chExt cx="0" cy="0"/>
-        </a:xfrm>
-      </p:grpSpPr>
-      <p:sp>
-        <p:nvSpPr>
-          <p:cNvPr id="2" name="제목 1"/>
-          <p:cNvSpPr>
-            <a:spLocks noGrp="1"/>
-          </p:cNvSpPr>
-          <p:nvPr>
-            <p:ph type="title"/>
-          </p:nvPr>
-        </p:nvSpPr>
-        <p:spPr/>
-        <p:txBody>
-          <a:bodyPr/>
-          <a:lstStyle/>
-          <a:p>
-            <a:r>
-              <a:rPr lang="ko-KR" altLang="en-US" dirty="0" err="1"/>
-              <a:t>메뉴바</a:t>
-            </a:r>
-            <a:r>
-              <a:rPr lang="ko-KR" altLang="en-US" dirty="0"/>
-              <a:t> 존재</a:t>
-            </a:r>
-          </a:p>
-        </p:txBody>
-      </p:sp>
-      <p:pic>
-        <p:nvPicPr>
-          <p:cNvPr id="4" name="내용 개체 틀 8" descr="스크린샷이(가) 표시된 사진&#10;&#10;&#10;&#10;자동 생성된 설명">
-            <a:extLst>
-              <a:ext uri="{FF2B5EF4-FFF2-40B4-BE49-F238E27FC236}">
-                <a16:creationId xmlns:a16="http://schemas.microsoft.com/office/drawing/2014/main" xmlns="" id="{49F20AB3-A0D8-E445-957D-6C1CF569A8C4}"/>
-              </a:ext>
-            </a:extLst>
-          </p:cNvPr>
-          <p:cNvPicPr>
-            <a:picLocks noChangeAspect="1"/>
-          </p:cNvPicPr>
-          <p:nvPr/>
-        </p:nvPicPr>
-        <p:blipFill rotWithShape="1">
-          <a:blip r:embed="rId2">
-            <a:extLst>
-              <a:ext uri="{28A0092B-C50C-407E-A947-70E740481C1C}">
-                <a14:useLocalDpi xmlns:a14="http://schemas.microsoft.com/office/drawing/2010/main" val="0"/>
-              </a:ext>
-            </a:extLst>
-          </a:blip>
-          <a:srcRect l="23539" t="33410" r="26460" b="7724"/>
-          <a:stretch/>
-        </p:blipFill>
-        <p:spPr>
-          <a:xfrm>
-            <a:off x="3276120" y="1690840"/>
-            <a:ext cx="2376000" cy="4135166"/>
-          </a:xfrm>
-          <a:prstGeom prst="flowChartAlternateProcess">
-            <a:avLst/>
-          </a:prstGeom>
-        </p:spPr>
-      </p:pic>
-      <p:pic>
-        <p:nvPicPr>
-          <p:cNvPr id="1026" name="Picture 2" descr="C:\Users\Administrator\Downloads\menu.gif"/>
-          <p:cNvPicPr>
-            <a:picLocks noChangeAspect="1" noChangeArrowheads="1"/>
-          </p:cNvPicPr>
-          <p:nvPr/>
-        </p:nvPicPr>
-        <p:blipFill>
-          <a:blip r:embed="rId3" cstate="print">
-            <a:extLst>
-              <a:ext uri="{28A0092B-C50C-407E-A947-70E740481C1C}">
-                <a14:useLocalDpi xmlns:a14="http://schemas.microsoft.com/office/drawing/2010/main" val="0"/>
-              </a:ext>
-            </a:extLst>
-          </a:blip>
-          <a:srcRect/>
-          <a:stretch>
-            <a:fillRect/>
-          </a:stretch>
-        </p:blipFill>
-        <p:spPr bwMode="auto">
-          <a:xfrm>
-            <a:off x="3492144" y="2194392"/>
-            <a:ext cx="2023200" cy="2973051"/>
-          </a:xfrm>
-          <a:prstGeom prst="rect">
-            <a:avLst/>
-          </a:prstGeom>
-          <a:noFill/>
-          <a:extLst>
-            <a:ext uri="{909E8E84-426E-40DD-AFC4-6F175D3DCCD1}">
-              <a14:hiddenFill xmlns:a14="http://schemas.microsoft.com/office/drawing/2010/main">
-                <a:solidFill>
-                  <a:srgbClr val="FFFFFF"/>
-                </a:solidFill>
-              </a14:hiddenFill>
-            </a:ext>
-          </a:extLst>
-        </p:spPr>
-      </p:pic>
-    </p:spTree>
-    <p:extLst>
-      <p:ext uri="{BB962C8B-B14F-4D97-AF65-F5344CB8AC3E}">
-        <p14:creationId xmlns:p14="http://schemas.microsoft.com/office/powerpoint/2010/main" val="2008364674"/>
-      </p:ext>
-    </p:extLst>
-  </p:cSld>
-  <p:clrMapOvr>
-    <a:masterClrMapping/>
-  </p:clrMapOvr>
-</p:sld>
-</file>
-
-<file path=ppt/slides/slide8.xml><?xml version="1.0" encoding="utf-8"?>
-<p:sld xmlns:a="http://schemas.openxmlformats.org/drawingml/2006/main" xmlns:r="http://schemas.openxmlformats.org/officeDocument/2006/relationships" xmlns:p="http://schemas.openxmlformats.org/presentationml/2006/main">
-  <p:cSld>
-    <p:spTree>
-      <p:nvGrpSpPr>
-        <p:cNvPr id="1" name=""/>
-        <p:cNvGrpSpPr/>
-        <p:nvPr/>
-      </p:nvGrpSpPr>
-      <p:grpSpPr>
-        <a:xfrm>
-          <a:off x="0" y="0"/>
-          <a:ext cx="0" cy="0"/>
-          <a:chOff x="0" y="0"/>
-          <a:chExt cx="0" cy="0"/>
-        </a:xfrm>
-      </p:grpSpPr>
-      <p:sp>
-        <p:nvSpPr>
-          <p:cNvPr id="2" name="제목 1"/>
-          <p:cNvSpPr>
-            <a:spLocks noGrp="1"/>
-          </p:cNvSpPr>
-          <p:nvPr>
-            <p:ph type="title"/>
-          </p:nvPr>
-        </p:nvSpPr>
-        <p:spPr/>
-        <p:txBody>
-          <a:bodyPr/>
-          <a:lstStyle/>
-          <a:p>
-            <a:r>
-              <a:rPr lang="ko-KR" altLang="en-US" dirty="0"/>
-              <a:t>쇼핑 기능</a:t>
-            </a:r>
-            <a:r>
-              <a:rPr lang="en-US" altLang="ko-KR" dirty="0"/>
-              <a:t>&amp;</a:t>
-            </a:r>
-            <a:r>
-              <a:rPr lang="ko-KR" altLang="en-US" dirty="0"/>
-              <a:t>리뷰 관리</a:t>
-            </a:r>
-          </a:p>
-        </p:txBody>
-      </p:sp>
-      <p:pic>
-        <p:nvPicPr>
-          <p:cNvPr id="4" name="내용 개체 틀 8" descr="스크린샷이(가) 표시된 사진&#10;&#10;&#10;&#10;자동 생성된 설명">
-            <a:extLst>
-              <a:ext uri="{FF2B5EF4-FFF2-40B4-BE49-F238E27FC236}">
-                <a16:creationId xmlns:a16="http://schemas.microsoft.com/office/drawing/2014/main" xmlns="" id="{49F20AB3-A0D8-E445-957D-6C1CF569A8C4}"/>
-              </a:ext>
-            </a:extLst>
-          </p:cNvPr>
-          <p:cNvPicPr>
-            <a:picLocks noChangeAspect="1"/>
-          </p:cNvPicPr>
-          <p:nvPr/>
-        </p:nvPicPr>
-        <p:blipFill rotWithShape="1">
-          <a:blip r:embed="rId2">
-            <a:extLst>
-              <a:ext uri="{28A0092B-C50C-407E-A947-70E740481C1C}">
-                <a14:useLocalDpi xmlns:a14="http://schemas.microsoft.com/office/drawing/2010/main" val="0"/>
-              </a:ext>
-            </a:extLst>
-          </a:blip>
-          <a:srcRect l="23539" t="33410" r="26460" b="7724"/>
-          <a:stretch/>
-        </p:blipFill>
-        <p:spPr>
-          <a:xfrm>
-            <a:off x="3276120" y="1690840"/>
-            <a:ext cx="2376000" cy="4135166"/>
-          </a:xfrm>
-          <a:prstGeom prst="flowChartAlternateProcess">
-            <a:avLst/>
-          </a:prstGeom>
-        </p:spPr>
-      </p:pic>
-      <p:pic>
-        <p:nvPicPr>
-          <p:cNvPr id="1026" name="Picture 2" descr="C:\Users\Administrator\Downloads\menu.gif"/>
-          <p:cNvPicPr>
-            <a:picLocks noChangeAspect="1" noChangeArrowheads="1"/>
-          </p:cNvPicPr>
-          <p:nvPr/>
-        </p:nvPicPr>
-        <p:blipFill>
-          <a:blip r:embed="rId3" cstate="print">
-            <a:extLst>
-              <a:ext uri="{28A0092B-C50C-407E-A947-70E740481C1C}">
-                <a14:useLocalDpi xmlns:a14="http://schemas.microsoft.com/office/drawing/2010/main" val="0"/>
-              </a:ext>
-            </a:extLst>
-          </a:blip>
-          <a:srcRect/>
-          <a:stretch>
-            <a:fillRect/>
-          </a:stretch>
-        </p:blipFill>
-        <p:spPr bwMode="auto">
-          <a:xfrm>
-            <a:off x="3492144" y="2194392"/>
-            <a:ext cx="2023200" cy="2973051"/>
-          </a:xfrm>
-          <a:prstGeom prst="rect">
-            <a:avLst/>
-          </a:prstGeom>
-          <a:noFill/>
-          <a:extLst>
-            <a:ext uri="{909E8E84-426E-40DD-AFC4-6F175D3DCCD1}">
-              <a14:hiddenFill xmlns:a14="http://schemas.microsoft.com/office/drawing/2010/main">
-                <a:solidFill>
-                  <a:srgbClr val="FFFFFF"/>
-                </a:solidFill>
-              </a14:hiddenFill>
-            </a:ext>
-          </a:extLst>
-        </p:spPr>
-      </p:pic>
-    </p:spTree>
-    <p:extLst>
-      <p:ext uri="{BB962C8B-B14F-4D97-AF65-F5344CB8AC3E}">
-        <p14:creationId xmlns:p14="http://schemas.microsoft.com/office/powerpoint/2010/main" val="2127569690"/>
-      </p:ext>
-    </p:extLst>
-  </p:cSld>
-  <p:clrMapOvr>
-    <a:masterClrMapping/>
-  </p:clrMapOvr>
-</p:sld>
-</file>
-
-<file path=ppt/slides/slide9.xml><?xml version="1.0" encoding="utf-8"?>
-<p:sld xmlns:a="http://schemas.openxmlformats.org/drawingml/2006/main" xmlns:r="http://schemas.openxmlformats.org/officeDocument/2006/relationships" xmlns:p="http://schemas.openxmlformats.org/presentationml/2006/main">
-  <p:cSld>
-    <p:spTree>
-      <p:nvGrpSpPr>
-        <p:cNvPr id="1" name=""/>
-        <p:cNvGrpSpPr/>
-        <p:nvPr/>
-      </p:nvGrpSpPr>
-      <p:grpSpPr>
-        <a:xfrm>
-          <a:off x="0" y="0"/>
-          <a:ext cx="0" cy="0"/>
-          <a:chOff x="0" y="0"/>
-          <a:chExt cx="0" cy="0"/>
-        </a:xfrm>
-      </p:grpSpPr>
-      <p:sp>
-        <p:nvSpPr>
-          <p:cNvPr id="2" name="제목 1"/>
-          <p:cNvSpPr>
-            <a:spLocks noGrp="1"/>
-          </p:cNvSpPr>
-          <p:nvPr>
-            <p:ph type="title"/>
-          </p:nvPr>
-        </p:nvSpPr>
-        <p:spPr/>
-        <p:txBody>
-          <a:bodyPr/>
-          <a:lstStyle/>
-          <a:p>
-            <a:r>
-              <a:rPr lang="ko-KR" altLang="en-US" dirty="0" smtClean="0"/>
-              <a:t>정기배송 </a:t>
-            </a:r>
-            <a:r>
-              <a:rPr lang="en-US" altLang="ko-KR" dirty="0" smtClean="0"/>
-              <a:t>&amp; </a:t>
-            </a:r>
-            <a:r>
-              <a:rPr lang="ko-KR" altLang="en-US" dirty="0" smtClean="0"/>
-              <a:t>잔여 마스크 수</a:t>
-            </a:r>
-            <a:endParaRPr lang="ko-KR" altLang="en-US" dirty="0"/>
-          </a:p>
-        </p:txBody>
-      </p:sp>
-      <p:pic>
-        <p:nvPicPr>
-          <p:cNvPr id="4" name="내용 개체 틀 8" descr="스크린샷이(가) 표시된 사진&#10;&#10;&#10;&#10;자동 생성된 설명">
-            <a:extLst>
-              <a:ext uri="{FF2B5EF4-FFF2-40B4-BE49-F238E27FC236}">
-                <a16:creationId xmlns:a16="http://schemas.microsoft.com/office/drawing/2014/main" xmlns="" id="{49F20AB3-A0D8-E445-957D-6C1CF569A8C4}"/>
+                <a16:creationId xmlns:a16="http://schemas.microsoft.com/office/drawing/2014/main" id="{49F20AB3-A0D8-E445-957D-6C1CF569A8C4}"/>
               </a:ext>
             </a:extLst>
           </p:cNvPr>
@@ -5846,6 +4570,1605 @@
     <p:extLst>
       <p:ext uri="{BB962C8B-B14F-4D97-AF65-F5344CB8AC3E}">
         <p14:creationId xmlns:p14="http://schemas.microsoft.com/office/powerpoint/2010/main" val="1049161184"/>
+      </p:ext>
+    </p:extLst>
+  </p:cSld>
+  <p:clrMapOvr>
+    <a:masterClrMapping/>
+  </p:clrMapOvr>
+</p:sld>
+</file>
+
+<file path=ppt/slides/slide11.xml><?xml version="1.0" encoding="utf-8"?>
+<p:sld xmlns:a="http://schemas.openxmlformats.org/drawingml/2006/main" xmlns:r="http://schemas.openxmlformats.org/officeDocument/2006/relationships" xmlns:p="http://schemas.openxmlformats.org/presentationml/2006/main">
+  <p:cSld>
+    <p:spTree>
+      <p:nvGrpSpPr>
+        <p:cNvPr id="1" name=""/>
+        <p:cNvGrpSpPr/>
+        <p:nvPr/>
+      </p:nvGrpSpPr>
+      <p:grpSpPr>
+        <a:xfrm>
+          <a:off x="0" y="0"/>
+          <a:ext cx="0" cy="0"/>
+          <a:chOff x="0" y="0"/>
+          <a:chExt cx="0" cy="0"/>
+        </a:xfrm>
+      </p:grpSpPr>
+      <p:sp>
+        <p:nvSpPr>
+          <p:cNvPr id="2" name="제목 1"/>
+          <p:cNvSpPr>
+            <a:spLocks noGrp="1"/>
+          </p:cNvSpPr>
+          <p:nvPr>
+            <p:ph type="title"/>
+          </p:nvPr>
+        </p:nvSpPr>
+        <p:spPr/>
+        <p:txBody>
+          <a:bodyPr>
+            <a:normAutofit/>
+          </a:bodyPr>
+          <a:lstStyle/>
+          <a:p>
+            <a:r>
+              <a:rPr lang="ko-KR" altLang="en-US" dirty="0" err="1"/>
+              <a:t>알람</a:t>
+            </a:r>
+            <a:r>
+              <a:rPr lang="ko-KR" altLang="en-US" dirty="0"/>
+              <a:t> 설정 기능</a:t>
+            </a:r>
+          </a:p>
+        </p:txBody>
+      </p:sp>
+      <p:pic>
+        <p:nvPicPr>
+          <p:cNvPr id="4" name="내용 개체 틀 8" descr="스크린샷이(가) 표시된 사진&#10;&#10;&#10;&#10;자동 생성된 설명">
+            <a:extLst>
+              <a:ext uri="{FF2B5EF4-FFF2-40B4-BE49-F238E27FC236}">
+                <a16:creationId xmlns:a16="http://schemas.microsoft.com/office/drawing/2014/main" id="{49F20AB3-A0D8-E445-957D-6C1CF569A8C4}"/>
+              </a:ext>
+            </a:extLst>
+          </p:cNvPr>
+          <p:cNvPicPr>
+            <a:picLocks noChangeAspect="1"/>
+          </p:cNvPicPr>
+          <p:nvPr/>
+        </p:nvPicPr>
+        <p:blipFill rotWithShape="1">
+          <a:blip r:embed="rId3">
+            <a:extLst>
+              <a:ext uri="{28A0092B-C50C-407E-A947-70E740481C1C}">
+                <a14:useLocalDpi xmlns:a14="http://schemas.microsoft.com/office/drawing/2010/main" val="0"/>
+              </a:ext>
+            </a:extLst>
+          </a:blip>
+          <a:srcRect l="23539" t="33410" r="26460" b="7724"/>
+          <a:stretch/>
+        </p:blipFill>
+        <p:spPr>
+          <a:xfrm>
+            <a:off x="3276120" y="1690840"/>
+            <a:ext cx="2376000" cy="4135166"/>
+          </a:xfrm>
+          <a:prstGeom prst="flowChartAlternateProcess">
+            <a:avLst/>
+          </a:prstGeom>
+        </p:spPr>
+      </p:pic>
+      <p:pic>
+        <p:nvPicPr>
+          <p:cNvPr id="1026" name="Picture 2" descr="C:\Users\Administrator\Downloads\menu.gif"/>
+          <p:cNvPicPr>
+            <a:picLocks noChangeAspect="1" noChangeArrowheads="1"/>
+          </p:cNvPicPr>
+          <p:nvPr/>
+        </p:nvPicPr>
+        <p:blipFill>
+          <a:blip r:embed="rId4" cstate="print">
+            <a:extLst>
+              <a:ext uri="{28A0092B-C50C-407E-A947-70E740481C1C}">
+                <a14:useLocalDpi xmlns:a14="http://schemas.microsoft.com/office/drawing/2010/main" val="0"/>
+              </a:ext>
+            </a:extLst>
+          </a:blip>
+          <a:srcRect/>
+          <a:stretch>
+            <a:fillRect/>
+          </a:stretch>
+        </p:blipFill>
+        <p:spPr bwMode="auto">
+          <a:xfrm>
+            <a:off x="3492144" y="2194392"/>
+            <a:ext cx="2023200" cy="2973051"/>
+          </a:xfrm>
+          <a:prstGeom prst="rect">
+            <a:avLst/>
+          </a:prstGeom>
+          <a:noFill/>
+          <a:extLst>
+            <a:ext uri="{909E8E84-426E-40DD-AFC4-6F175D3DCCD1}">
+              <a14:hiddenFill xmlns:a14="http://schemas.microsoft.com/office/drawing/2010/main">
+                <a:solidFill>
+                  <a:srgbClr val="FFFFFF"/>
+                </a:solidFill>
+              </a14:hiddenFill>
+            </a:ext>
+          </a:extLst>
+        </p:spPr>
+      </p:pic>
+    </p:spTree>
+    <p:extLst>
+      <p:ext uri="{BB962C8B-B14F-4D97-AF65-F5344CB8AC3E}">
+        <p14:creationId xmlns:p14="http://schemas.microsoft.com/office/powerpoint/2010/main" val="3212548607"/>
+      </p:ext>
+    </p:extLst>
+  </p:cSld>
+  <p:clrMapOvr>
+    <a:masterClrMapping/>
+  </p:clrMapOvr>
+</p:sld>
+</file>
+
+<file path=ppt/slides/slide12.xml><?xml version="1.0" encoding="utf-8"?>
+<p:sld xmlns:a="http://schemas.openxmlformats.org/drawingml/2006/main" xmlns:r="http://schemas.openxmlformats.org/officeDocument/2006/relationships" xmlns:p="http://schemas.openxmlformats.org/presentationml/2006/main">
+  <p:cSld>
+    <p:spTree>
+      <p:nvGrpSpPr>
+        <p:cNvPr id="1" name=""/>
+        <p:cNvGrpSpPr/>
+        <p:nvPr/>
+      </p:nvGrpSpPr>
+      <p:grpSpPr>
+        <a:xfrm>
+          <a:off x="0" y="0"/>
+          <a:ext cx="0" cy="0"/>
+          <a:chOff x="0" y="0"/>
+          <a:chExt cx="0" cy="0"/>
+        </a:xfrm>
+      </p:grpSpPr>
+      <p:sp>
+        <p:nvSpPr>
+          <p:cNvPr id="2" name="제목 1">
+            <a:extLst>
+              <a:ext uri="{FF2B5EF4-FFF2-40B4-BE49-F238E27FC236}">
+                <a16:creationId xmlns:a16="http://schemas.microsoft.com/office/drawing/2014/main" id="{A616ACF8-0967-254E-9A89-A97507292D4D}"/>
+              </a:ext>
+            </a:extLst>
+          </p:cNvPr>
+          <p:cNvSpPr>
+            <a:spLocks noGrp="1"/>
+          </p:cNvSpPr>
+          <p:nvPr>
+            <p:ph type="title"/>
+          </p:nvPr>
+        </p:nvSpPr>
+        <p:spPr/>
+        <p:txBody>
+          <a:bodyPr/>
+          <a:lstStyle/>
+          <a:p>
+            <a:r>
+              <a:rPr kumimoji="1" lang="ko-KR" altLang="en-US" dirty="0"/>
+              <a:t>핵심 경쟁력</a:t>
+            </a:r>
+          </a:p>
+        </p:txBody>
+      </p:sp>
+      <p:sp>
+        <p:nvSpPr>
+          <p:cNvPr id="3" name="내용 개체 틀 2">
+            <a:extLst>
+              <a:ext uri="{FF2B5EF4-FFF2-40B4-BE49-F238E27FC236}">
+                <a16:creationId xmlns:a16="http://schemas.microsoft.com/office/drawing/2014/main" id="{A9EE0F75-50A2-D04C-82B0-482E543CA08F}"/>
+              </a:ext>
+            </a:extLst>
+          </p:cNvPr>
+          <p:cNvSpPr>
+            <a:spLocks noGrp="1"/>
+          </p:cNvSpPr>
+          <p:nvPr>
+            <p:ph idx="1"/>
+          </p:nvPr>
+        </p:nvSpPr>
+        <p:spPr/>
+        <p:txBody>
+          <a:bodyPr/>
+          <a:lstStyle/>
+          <a:p>
+            <a:r>
+              <a:rPr kumimoji="1" lang="ko-KR" altLang="en-US" dirty="0"/>
+              <a:t>여기에 제휴업체 소개</a:t>
+            </a:r>
+            <a:r>
+              <a:rPr kumimoji="1" lang="en-US" altLang="ko-KR" dirty="0"/>
+              <a:t>(</a:t>
+            </a:r>
+            <a:r>
+              <a:rPr kumimoji="1" lang="ko-KR" altLang="en-US" dirty="0"/>
+              <a:t>이익창출을 목적으로 하되 </a:t>
+            </a:r>
+            <a:r>
+              <a:rPr kumimoji="1" lang="ko-KR" altLang="en-US" dirty="0" err="1"/>
+              <a:t>알람</a:t>
+            </a:r>
+            <a:r>
+              <a:rPr kumimoji="1" lang="ko-KR" altLang="en-US" dirty="0"/>
+              <a:t> 기능을 하는 걸로 </a:t>
+            </a:r>
+            <a:r>
+              <a:rPr kumimoji="1" lang="en-US" altLang="ko-KR" dirty="0"/>
+              <a:t>)</a:t>
+            </a:r>
+          </a:p>
+          <a:p>
+            <a:r>
+              <a:rPr kumimoji="1" lang="ko-KR" altLang="en-US" dirty="0"/>
+              <a:t>이익 창출 방법</a:t>
+            </a:r>
+            <a:r>
+              <a:rPr kumimoji="1" lang="en-US" altLang="ko-KR" dirty="0"/>
+              <a:t>- </a:t>
+            </a:r>
+            <a:r>
+              <a:rPr kumimoji="1" lang="ko-KR" altLang="en-US" dirty="0"/>
+              <a:t>㈜마스크</a:t>
+            </a:r>
+            <a:endParaRPr kumimoji="1" lang="en-US" altLang="ko-KR" dirty="0"/>
+          </a:p>
+          <a:p>
+            <a:pPr marL="0" indent="0">
+              <a:buNone/>
+            </a:pPr>
+            <a:r>
+              <a:rPr kumimoji="1" lang="en-US" altLang="ko-KR" dirty="0"/>
+              <a:t>                     - (</a:t>
+            </a:r>
+            <a:r>
+              <a:rPr kumimoji="1" lang="ko-KR" altLang="en-US" dirty="0"/>
+              <a:t>부</a:t>
+            </a:r>
+            <a:r>
+              <a:rPr kumimoji="1" lang="en-US" altLang="ko-KR" dirty="0"/>
+              <a:t>)</a:t>
+            </a:r>
+            <a:r>
+              <a:rPr kumimoji="1" lang="ko-KR" altLang="en-US" dirty="0"/>
+              <a:t>화장품</a:t>
+            </a:r>
+            <a:r>
+              <a:rPr kumimoji="1" lang="en-US" altLang="ko-KR" dirty="0"/>
+              <a:t>, </a:t>
+            </a:r>
+            <a:r>
+              <a:rPr kumimoji="1" lang="ko-KR" altLang="en-US" dirty="0"/>
+              <a:t>공기청정기</a:t>
+            </a:r>
+            <a:r>
+              <a:rPr kumimoji="1" lang="en-US" altLang="ko-KR" dirty="0"/>
+              <a:t>,</a:t>
+            </a:r>
+            <a:r>
+              <a:rPr kumimoji="1" lang="ko-KR" altLang="en-US" dirty="0"/>
+              <a:t>음식</a:t>
+            </a:r>
+            <a:endParaRPr kumimoji="1" lang="en-US" altLang="ko-KR" dirty="0"/>
+          </a:p>
+          <a:p>
+            <a:endParaRPr kumimoji="1" lang="ko-KR" altLang="en-US" dirty="0"/>
+          </a:p>
+        </p:txBody>
+      </p:sp>
+    </p:spTree>
+    <p:extLst>
+      <p:ext uri="{BB962C8B-B14F-4D97-AF65-F5344CB8AC3E}">
+        <p14:creationId xmlns:p14="http://schemas.microsoft.com/office/powerpoint/2010/main" val="1092442487"/>
+      </p:ext>
+    </p:extLst>
+  </p:cSld>
+  <p:clrMapOvr>
+    <a:masterClrMapping/>
+  </p:clrMapOvr>
+</p:sld>
+</file>
+
+<file path=ppt/slides/slide13.xml><?xml version="1.0" encoding="utf-8"?>
+<p:sld xmlns:a="http://schemas.openxmlformats.org/drawingml/2006/main" xmlns:r="http://schemas.openxmlformats.org/officeDocument/2006/relationships" xmlns:p="http://schemas.openxmlformats.org/presentationml/2006/main">
+  <p:cSld>
+    <p:spTree>
+      <p:nvGrpSpPr>
+        <p:cNvPr id="1" name=""/>
+        <p:cNvGrpSpPr/>
+        <p:nvPr/>
+      </p:nvGrpSpPr>
+      <p:grpSpPr>
+        <a:xfrm>
+          <a:off x="0" y="0"/>
+          <a:ext cx="0" cy="0"/>
+          <a:chOff x="0" y="0"/>
+          <a:chExt cx="0" cy="0"/>
+        </a:xfrm>
+      </p:grpSpPr>
+      <p:sp>
+        <p:nvSpPr>
+          <p:cNvPr id="2" name="제목 1">
+            <a:extLst>
+              <a:ext uri="{FF2B5EF4-FFF2-40B4-BE49-F238E27FC236}">
+                <a16:creationId xmlns:a16="http://schemas.microsoft.com/office/drawing/2014/main" id="{28F98C9A-6B41-9E48-9587-94770AFED79E}"/>
+              </a:ext>
+            </a:extLst>
+          </p:cNvPr>
+          <p:cNvSpPr>
+            <a:spLocks noGrp="1"/>
+          </p:cNvSpPr>
+          <p:nvPr>
+            <p:ph type="title"/>
+          </p:nvPr>
+        </p:nvSpPr>
+        <p:spPr/>
+        <p:txBody>
+          <a:bodyPr/>
+          <a:lstStyle/>
+          <a:p>
+            <a:r>
+              <a:rPr kumimoji="1" lang="ko-KR" altLang="en-US" dirty="0"/>
+              <a:t>시장</a:t>
+            </a:r>
+            <a:r>
+              <a:rPr kumimoji="1" lang="en-US" altLang="ko-KR" dirty="0"/>
+              <a:t>/</a:t>
+            </a:r>
+            <a:r>
+              <a:rPr kumimoji="1" lang="ko-KR" altLang="en-US" dirty="0"/>
+              <a:t>경쟁 분석</a:t>
+            </a:r>
+          </a:p>
+        </p:txBody>
+      </p:sp>
+      <p:sp>
+        <p:nvSpPr>
+          <p:cNvPr id="3" name="내용 개체 틀 2">
+            <a:extLst>
+              <a:ext uri="{FF2B5EF4-FFF2-40B4-BE49-F238E27FC236}">
+                <a16:creationId xmlns:a16="http://schemas.microsoft.com/office/drawing/2014/main" id="{E883A23E-B406-1348-839E-7F8B6950D10E}"/>
+              </a:ext>
+            </a:extLst>
+          </p:cNvPr>
+          <p:cNvSpPr>
+            <a:spLocks noGrp="1"/>
+          </p:cNvSpPr>
+          <p:nvPr>
+            <p:ph idx="1"/>
+          </p:nvPr>
+        </p:nvSpPr>
+        <p:spPr/>
+        <p:txBody>
+          <a:bodyPr/>
+          <a:lstStyle/>
+          <a:p>
+            <a:r>
+              <a:rPr kumimoji="1" lang="en" altLang="ko-KR" dirty="0"/>
+              <a:t>research</a:t>
+            </a:r>
+            <a:r>
+              <a:rPr kumimoji="1" lang="ko-KR" altLang="en-US" dirty="0" err="1"/>
+              <a:t>를</a:t>
+            </a:r>
+            <a:r>
+              <a:rPr kumimoji="1" lang="ko-KR" altLang="en-US" dirty="0"/>
+              <a:t> 해서 공급 업체 중에서도 메이저로 할 거냐 마이너로 할 거냐</a:t>
+            </a:r>
+          </a:p>
+          <a:p>
+            <a:r>
+              <a:rPr kumimoji="1" lang="en-US" altLang="ko-KR" dirty="0"/>
+              <a:t>1. </a:t>
+            </a:r>
+            <a:r>
+              <a:rPr kumimoji="1" lang="ko-KR" altLang="en-US" dirty="0"/>
+              <a:t>기성 업체</a:t>
+            </a:r>
+            <a:r>
+              <a:rPr kumimoji="1" lang="en-US" altLang="ko-KR" dirty="0"/>
+              <a:t>(</a:t>
+            </a:r>
+            <a:r>
+              <a:rPr kumimoji="1" lang="ko-KR" altLang="en-US" dirty="0"/>
+              <a:t>있는 것을 홍보하거나 정보를 알려주는 것</a:t>
+            </a:r>
+            <a:r>
+              <a:rPr kumimoji="1" lang="en-US" altLang="ko-KR" dirty="0"/>
+              <a:t>)</a:t>
+            </a:r>
+          </a:p>
+          <a:p>
+            <a:r>
+              <a:rPr kumimoji="1" lang="en-US" altLang="ko-KR" dirty="0"/>
+              <a:t>2. </a:t>
+            </a:r>
+            <a:r>
+              <a:rPr kumimoji="1" lang="ko-KR" altLang="en-US" dirty="0"/>
+              <a:t>서비스화</a:t>
+            </a:r>
+            <a:r>
+              <a:rPr kumimoji="1" lang="en-US" altLang="ko-KR" dirty="0"/>
+              <a:t>(</a:t>
+            </a:r>
+            <a:r>
+              <a:rPr kumimoji="1" lang="ko-KR" altLang="en-US" dirty="0"/>
+              <a:t>다른 차원으로 넘어가는 것</a:t>
+            </a:r>
+            <a:r>
+              <a:rPr kumimoji="1" lang="en-US" altLang="ko-KR" dirty="0"/>
+              <a:t>)(</a:t>
+            </a:r>
+            <a:r>
+              <a:rPr kumimoji="1" lang="en" altLang="ko-KR" dirty="0"/>
+              <a:t>ex : </a:t>
+            </a:r>
+            <a:r>
+              <a:rPr kumimoji="1" lang="ko-KR" altLang="en-US" dirty="0"/>
+              <a:t>정기 배송 등</a:t>
+            </a:r>
+            <a:r>
+              <a:rPr kumimoji="1" lang="en-US" altLang="ko-KR" dirty="0"/>
+              <a:t>)</a:t>
+            </a:r>
+            <a:endParaRPr kumimoji="1" lang="ko-KR" altLang="en-US" dirty="0"/>
+          </a:p>
+        </p:txBody>
+      </p:sp>
+    </p:spTree>
+    <p:extLst>
+      <p:ext uri="{BB962C8B-B14F-4D97-AF65-F5344CB8AC3E}">
+        <p14:creationId xmlns:p14="http://schemas.microsoft.com/office/powerpoint/2010/main" val="4222687490"/>
+      </p:ext>
+    </p:extLst>
+  </p:cSld>
+  <p:clrMapOvr>
+    <a:masterClrMapping/>
+  </p:clrMapOvr>
+</p:sld>
+</file>
+
+<file path=ppt/slides/slide14.xml><?xml version="1.0" encoding="utf-8"?>
+<p:sld xmlns:a="http://schemas.openxmlformats.org/drawingml/2006/main" xmlns:r="http://schemas.openxmlformats.org/officeDocument/2006/relationships" xmlns:p="http://schemas.openxmlformats.org/presentationml/2006/main">
+  <p:cSld>
+    <p:spTree>
+      <p:nvGrpSpPr>
+        <p:cNvPr id="1" name=""/>
+        <p:cNvGrpSpPr/>
+        <p:nvPr/>
+      </p:nvGrpSpPr>
+      <p:grpSpPr>
+        <a:xfrm>
+          <a:off x="0" y="0"/>
+          <a:ext cx="0" cy="0"/>
+          <a:chOff x="0" y="0"/>
+          <a:chExt cx="0" cy="0"/>
+        </a:xfrm>
+      </p:grpSpPr>
+      <p:sp>
+        <p:nvSpPr>
+          <p:cNvPr id="2" name="제목 1">
+            <a:extLst>
+              <a:ext uri="{FF2B5EF4-FFF2-40B4-BE49-F238E27FC236}">
+                <a16:creationId xmlns:a16="http://schemas.microsoft.com/office/drawing/2014/main" id="{9C508281-2DF6-3F4B-B03E-499380C0C441}"/>
+              </a:ext>
+            </a:extLst>
+          </p:cNvPr>
+          <p:cNvSpPr>
+            <a:spLocks noGrp="1"/>
+          </p:cNvSpPr>
+          <p:nvPr>
+            <p:ph type="title"/>
+          </p:nvPr>
+        </p:nvSpPr>
+        <p:spPr/>
+        <p:txBody>
+          <a:bodyPr/>
+          <a:lstStyle/>
+          <a:p>
+            <a:r>
+              <a:rPr kumimoji="1" lang="ko-KR" altLang="en-US" dirty="0"/>
+              <a:t>질의응답</a:t>
+            </a:r>
+          </a:p>
+        </p:txBody>
+      </p:sp>
+      <p:sp>
+        <p:nvSpPr>
+          <p:cNvPr id="3" name="내용 개체 틀 2">
+            <a:extLst>
+              <a:ext uri="{FF2B5EF4-FFF2-40B4-BE49-F238E27FC236}">
+                <a16:creationId xmlns:a16="http://schemas.microsoft.com/office/drawing/2014/main" id="{C088C665-85BA-2947-B1EE-D2C597E1ADDB}"/>
+              </a:ext>
+            </a:extLst>
+          </p:cNvPr>
+          <p:cNvSpPr>
+            <a:spLocks noGrp="1"/>
+          </p:cNvSpPr>
+          <p:nvPr>
+            <p:ph idx="1"/>
+          </p:nvPr>
+        </p:nvSpPr>
+        <p:spPr/>
+        <p:txBody>
+          <a:bodyPr/>
+          <a:lstStyle/>
+          <a:p>
+            <a:endParaRPr kumimoji="1" lang="ko-KR" altLang="en-US" dirty="0"/>
+          </a:p>
+        </p:txBody>
+      </p:sp>
+    </p:spTree>
+    <p:extLst>
+      <p:ext uri="{BB962C8B-B14F-4D97-AF65-F5344CB8AC3E}">
+        <p14:creationId xmlns:p14="http://schemas.microsoft.com/office/powerpoint/2010/main" val="1759387882"/>
+      </p:ext>
+    </p:extLst>
+  </p:cSld>
+  <p:clrMapOvr>
+    <a:masterClrMapping/>
+  </p:clrMapOvr>
+</p:sld>
+</file>
+
+<file path=ppt/slides/slide15.xml><?xml version="1.0" encoding="utf-8"?>
+<p:sld xmlns:a="http://schemas.openxmlformats.org/drawingml/2006/main" xmlns:r="http://schemas.openxmlformats.org/officeDocument/2006/relationships" xmlns:p="http://schemas.openxmlformats.org/presentationml/2006/main">
+  <p:cSld>
+    <p:spTree>
+      <p:nvGrpSpPr>
+        <p:cNvPr id="1" name=""/>
+        <p:cNvGrpSpPr/>
+        <p:nvPr/>
+      </p:nvGrpSpPr>
+      <p:grpSpPr>
+        <a:xfrm>
+          <a:off x="0" y="0"/>
+          <a:ext cx="0" cy="0"/>
+          <a:chOff x="0" y="0"/>
+          <a:chExt cx="0" cy="0"/>
+        </a:xfrm>
+      </p:grpSpPr>
+      <p:sp>
+        <p:nvSpPr>
+          <p:cNvPr id="3" name="내용 개체 틀 2">
+            <a:extLst>
+              <a:ext uri="{FF2B5EF4-FFF2-40B4-BE49-F238E27FC236}">
+                <a16:creationId xmlns:a16="http://schemas.microsoft.com/office/drawing/2014/main" id="{6F98B7E9-F878-0E42-A16C-75C889AFE0CE}"/>
+              </a:ext>
+            </a:extLst>
+          </p:cNvPr>
+          <p:cNvSpPr>
+            <a:spLocks noGrp="1"/>
+          </p:cNvSpPr>
+          <p:nvPr>
+            <p:ph idx="1"/>
+          </p:nvPr>
+        </p:nvSpPr>
+        <p:spPr>
+          <a:xfrm>
+            <a:off x="457200" y="260648"/>
+            <a:ext cx="8229600" cy="5865515"/>
+          </a:xfrm>
+        </p:spPr>
+        <p:txBody>
+          <a:bodyPr/>
+          <a:lstStyle/>
+          <a:p>
+            <a:pPr marL="0" indent="0">
+              <a:buNone/>
+            </a:pPr>
+            <a:r>
+              <a:rPr kumimoji="1" lang="ko-KR" altLang="en-US" dirty="0"/>
+              <a:t>감사합니다 </a:t>
+            </a:r>
+            <a:r>
+              <a:rPr kumimoji="1" lang="en-US" altLang="ko-KR" dirty="0">
+                <a:sym typeface="Wingdings" pitchFamily="2" charset="2"/>
+              </a:rPr>
+              <a:t>:</a:t>
+            </a:r>
+            <a:r>
+              <a:rPr kumimoji="1" lang="ko-KR" altLang="en-US" dirty="0">
+                <a:sym typeface="Wingdings" pitchFamily="2" charset="2"/>
+              </a:rPr>
+              <a:t> </a:t>
+            </a:r>
+            <a:r>
+              <a:rPr kumimoji="1" lang="en-US" altLang="ko-KR" dirty="0">
+                <a:sym typeface="Wingdings" pitchFamily="2" charset="2"/>
+              </a:rPr>
+              <a:t>)</a:t>
+            </a:r>
+            <a:endParaRPr kumimoji="1" lang="ko-KR" altLang="en-US" dirty="0"/>
+          </a:p>
+        </p:txBody>
+      </p:sp>
+    </p:spTree>
+    <p:extLst>
+      <p:ext uri="{BB962C8B-B14F-4D97-AF65-F5344CB8AC3E}">
+        <p14:creationId xmlns:p14="http://schemas.microsoft.com/office/powerpoint/2010/main" val="3977145828"/>
+      </p:ext>
+    </p:extLst>
+  </p:cSld>
+  <p:clrMapOvr>
+    <a:masterClrMapping/>
+  </p:clrMapOvr>
+</p:sld>
+</file>
+
+<file path=ppt/slides/slide2.xml><?xml version="1.0" encoding="utf-8"?>
+<p:sld xmlns:a="http://schemas.openxmlformats.org/drawingml/2006/main" xmlns:r="http://schemas.openxmlformats.org/officeDocument/2006/relationships" xmlns:p="http://schemas.openxmlformats.org/presentationml/2006/main">
+  <p:cSld>
+    <p:spTree>
+      <p:nvGrpSpPr>
+        <p:cNvPr id="1" name=""/>
+        <p:cNvGrpSpPr/>
+        <p:nvPr/>
+      </p:nvGrpSpPr>
+      <p:grpSpPr>
+        <a:xfrm>
+          <a:off x="0" y="0"/>
+          <a:ext cx="0" cy="0"/>
+          <a:chOff x="0" y="0"/>
+          <a:chExt cx="0" cy="0"/>
+        </a:xfrm>
+      </p:grpSpPr>
+      <p:sp>
+        <p:nvSpPr>
+          <p:cNvPr id="2" name="제목 1"/>
+          <p:cNvSpPr>
+            <a:spLocks noGrp="1"/>
+          </p:cNvSpPr>
+          <p:nvPr>
+            <p:ph type="ctrTitle"/>
+          </p:nvPr>
+        </p:nvSpPr>
+        <p:spPr>
+          <a:xfrm>
+            <a:off x="685800" y="1556792"/>
+            <a:ext cx="7772400" cy="1470025"/>
+          </a:xfrm>
+        </p:spPr>
+        <p:txBody>
+          <a:bodyPr/>
+          <a:lstStyle/>
+          <a:p>
+            <a:r>
+              <a:rPr lang="ko-KR" altLang="en-US" dirty="0" err="1"/>
+              <a:t>쏴리질러</a:t>
+            </a:r>
+            <a:endParaRPr lang="ko-KR" altLang="en-US" dirty="0"/>
+          </a:p>
+        </p:txBody>
+      </p:sp>
+      <p:pic>
+        <p:nvPicPr>
+          <p:cNvPr id="5" name="그림 4" descr="화이트보드, 텍스트이(가) 표시된 사진&#10;&#10;&#10;&#10;자동 생성된 설명">
+            <a:extLst>
+              <a:ext uri="{FF2B5EF4-FFF2-40B4-BE49-F238E27FC236}">
+                <a16:creationId xmlns:a16="http://schemas.microsoft.com/office/drawing/2014/main" id="{1D58E705-B7A9-5141-B8CE-407942A08043}"/>
+              </a:ext>
+            </a:extLst>
+          </p:cNvPr>
+          <p:cNvPicPr>
+            <a:picLocks noChangeAspect="1"/>
+          </p:cNvPicPr>
+          <p:nvPr/>
+        </p:nvPicPr>
+        <p:blipFill>
+          <a:blip r:embed="rId2">
+            <a:extLst>
+              <a:ext uri="{28A0092B-C50C-407E-A947-70E740481C1C}">
+                <a14:useLocalDpi xmlns:a14="http://schemas.microsoft.com/office/drawing/2010/main" val="0"/>
+              </a:ext>
+            </a:extLst>
+          </a:blip>
+          <a:stretch>
+            <a:fillRect/>
+          </a:stretch>
+        </p:blipFill>
+        <p:spPr>
+          <a:xfrm>
+            <a:off x="2483768" y="3600450"/>
+            <a:ext cx="4267200" cy="2400300"/>
+          </a:xfrm>
+          <a:prstGeom prst="rect">
+            <a:avLst/>
+          </a:prstGeom>
+        </p:spPr>
+      </p:pic>
+    </p:spTree>
+    <p:extLst>
+      <p:ext uri="{BB962C8B-B14F-4D97-AF65-F5344CB8AC3E}">
+        <p14:creationId xmlns:p14="http://schemas.microsoft.com/office/powerpoint/2010/main" val="1898608049"/>
+      </p:ext>
+    </p:extLst>
+  </p:cSld>
+  <p:clrMapOvr>
+    <a:masterClrMapping/>
+  </p:clrMapOvr>
+</p:sld>
+</file>
+
+<file path=ppt/slides/slide3.xml><?xml version="1.0" encoding="utf-8"?>
+<p:sld xmlns:a="http://schemas.openxmlformats.org/drawingml/2006/main" xmlns:r="http://schemas.openxmlformats.org/officeDocument/2006/relationships" xmlns:p="http://schemas.openxmlformats.org/presentationml/2006/main">
+  <p:cSld>
+    <p:spTree>
+      <p:nvGrpSpPr>
+        <p:cNvPr id="1" name=""/>
+        <p:cNvGrpSpPr/>
+        <p:nvPr/>
+      </p:nvGrpSpPr>
+      <p:grpSpPr>
+        <a:xfrm>
+          <a:off x="0" y="0"/>
+          <a:ext cx="0" cy="0"/>
+          <a:chOff x="0" y="0"/>
+          <a:chExt cx="0" cy="0"/>
+        </a:xfrm>
+      </p:grpSpPr>
+      <p:sp>
+        <p:nvSpPr>
+          <p:cNvPr id="2" name="제목 1">
+            <a:extLst>
+              <a:ext uri="{FF2B5EF4-FFF2-40B4-BE49-F238E27FC236}">
+                <a16:creationId xmlns:a16="http://schemas.microsoft.com/office/drawing/2014/main" id="{3409D811-9620-E144-9E2D-42A6803A50B0}"/>
+              </a:ext>
+            </a:extLst>
+          </p:cNvPr>
+          <p:cNvSpPr>
+            <a:spLocks noGrp="1"/>
+          </p:cNvSpPr>
+          <p:nvPr>
+            <p:ph type="title"/>
+          </p:nvPr>
+        </p:nvSpPr>
+        <p:spPr/>
+        <p:txBody>
+          <a:bodyPr/>
+          <a:lstStyle/>
+          <a:p>
+            <a:r>
+              <a:rPr kumimoji="1" lang="ko-KR" altLang="en-US" dirty="0"/>
+              <a:t>팀원 소개</a:t>
+            </a:r>
+          </a:p>
+        </p:txBody>
+      </p:sp>
+      <p:sp>
+        <p:nvSpPr>
+          <p:cNvPr id="3" name="내용 개체 틀 2">
+            <a:extLst>
+              <a:ext uri="{FF2B5EF4-FFF2-40B4-BE49-F238E27FC236}">
+                <a16:creationId xmlns:a16="http://schemas.microsoft.com/office/drawing/2014/main" id="{393D240D-69BC-C24F-B228-B79939338B18}"/>
+              </a:ext>
+            </a:extLst>
+          </p:cNvPr>
+          <p:cNvSpPr>
+            <a:spLocks noGrp="1"/>
+          </p:cNvSpPr>
+          <p:nvPr>
+            <p:ph idx="1"/>
+          </p:nvPr>
+        </p:nvSpPr>
+        <p:spPr/>
+        <p:txBody>
+          <a:bodyPr/>
+          <a:lstStyle/>
+          <a:p>
+            <a:r>
+              <a:rPr kumimoji="1" lang="ko-KR" altLang="en-US" dirty="0"/>
+              <a:t>조장</a:t>
+            </a:r>
+            <a:r>
+              <a:rPr kumimoji="1" lang="en-US" altLang="ko-KR" dirty="0"/>
+              <a:t>-</a:t>
+            </a:r>
+            <a:r>
+              <a:rPr kumimoji="1" lang="ko-KR" altLang="en-US" dirty="0"/>
+              <a:t>박상민</a:t>
+            </a:r>
+            <a:endParaRPr kumimoji="1" lang="en-US" altLang="ko-KR" dirty="0"/>
+          </a:p>
+          <a:p>
+            <a:r>
+              <a:rPr kumimoji="1" lang="ko-KR" altLang="en-US" dirty="0"/>
+              <a:t>디자이너</a:t>
+            </a:r>
+            <a:r>
+              <a:rPr kumimoji="1" lang="en-US" altLang="ko-KR" dirty="0"/>
+              <a:t>-</a:t>
+            </a:r>
+            <a:r>
+              <a:rPr kumimoji="1" lang="ko-KR" altLang="en-US" dirty="0"/>
+              <a:t>김재현</a:t>
+            </a:r>
+            <a:endParaRPr kumimoji="1" lang="en-US" altLang="ko-KR" dirty="0"/>
+          </a:p>
+          <a:p>
+            <a:r>
+              <a:rPr kumimoji="1" lang="ko-KR" altLang="en-US" dirty="0"/>
+              <a:t>기획</a:t>
+            </a:r>
+            <a:r>
+              <a:rPr kumimoji="1" lang="en-US" altLang="ko-KR" dirty="0"/>
+              <a:t>-</a:t>
+            </a:r>
+            <a:r>
+              <a:rPr kumimoji="1" lang="ko-KR" altLang="en-US" dirty="0" err="1"/>
+              <a:t>문수림</a:t>
+            </a:r>
+            <a:r>
+              <a:rPr kumimoji="1" lang="ko-KR" altLang="en-US" dirty="0"/>
+              <a:t> 이수정 조형래</a:t>
+            </a:r>
+            <a:endParaRPr kumimoji="1" lang="en-US" altLang="ko-KR" dirty="0"/>
+          </a:p>
+          <a:p>
+            <a:pPr marL="0" indent="0">
+              <a:buNone/>
+            </a:pPr>
+            <a:endParaRPr kumimoji="1" lang="en-US" altLang="ko-KR" dirty="0"/>
+          </a:p>
+          <a:p>
+            <a:pPr marL="0" indent="0">
+              <a:buNone/>
+            </a:pPr>
+            <a:endParaRPr kumimoji="1" lang="en-US" altLang="ko-KR" dirty="0"/>
+          </a:p>
+          <a:p>
+            <a:pPr marL="0" indent="0">
+              <a:buNone/>
+            </a:pPr>
+            <a:endParaRPr kumimoji="1" lang="en-US" altLang="ko-KR" dirty="0"/>
+          </a:p>
+        </p:txBody>
+      </p:sp>
+    </p:spTree>
+    <p:extLst>
+      <p:ext uri="{BB962C8B-B14F-4D97-AF65-F5344CB8AC3E}">
+        <p14:creationId xmlns:p14="http://schemas.microsoft.com/office/powerpoint/2010/main" val="1602398143"/>
+      </p:ext>
+    </p:extLst>
+  </p:cSld>
+  <p:clrMapOvr>
+    <a:masterClrMapping/>
+  </p:clrMapOvr>
+</p:sld>
+</file>
+
+<file path=ppt/slides/slide4.xml><?xml version="1.0" encoding="utf-8"?>
+<p:sld xmlns:a="http://schemas.openxmlformats.org/drawingml/2006/main" xmlns:r="http://schemas.openxmlformats.org/officeDocument/2006/relationships" xmlns:p="http://schemas.openxmlformats.org/presentationml/2006/main">
+  <p:cSld>
+    <p:spTree>
+      <p:nvGrpSpPr>
+        <p:cNvPr id="1" name=""/>
+        <p:cNvGrpSpPr/>
+        <p:nvPr/>
+      </p:nvGrpSpPr>
+      <p:grpSpPr>
+        <a:xfrm>
+          <a:off x="0" y="0"/>
+          <a:ext cx="0" cy="0"/>
+          <a:chOff x="0" y="0"/>
+          <a:chExt cx="0" cy="0"/>
+        </a:xfrm>
+      </p:grpSpPr>
+      <p:sp>
+        <p:nvSpPr>
+          <p:cNvPr id="2" name="제목 1">
+            <a:extLst>
+              <a:ext uri="{FF2B5EF4-FFF2-40B4-BE49-F238E27FC236}">
+                <a16:creationId xmlns:a16="http://schemas.microsoft.com/office/drawing/2014/main" id="{CC5C8BD3-3AF1-C748-835F-F0A286C90A18}"/>
+              </a:ext>
+            </a:extLst>
+          </p:cNvPr>
+          <p:cNvSpPr>
+            <a:spLocks noGrp="1"/>
+          </p:cNvSpPr>
+          <p:nvPr>
+            <p:ph type="title"/>
+          </p:nvPr>
+        </p:nvSpPr>
+        <p:spPr>
+          <a:xfrm>
+            <a:off x="457200" y="2420888"/>
+            <a:ext cx="8229600" cy="1791072"/>
+          </a:xfrm>
+        </p:spPr>
+        <p:txBody>
+          <a:bodyPr>
+            <a:normAutofit fontScale="90000"/>
+          </a:bodyPr>
+          <a:lstStyle/>
+          <a:p>
+            <a:r>
+              <a:rPr kumimoji="1" lang="ko-KR" altLang="en-US" dirty="0"/>
+              <a:t>마스크 사용에 관심있는 사람에게 어떻게 편리한 서비스를 제공할 수 있을까</a:t>
+            </a:r>
+            <a:r>
+              <a:rPr kumimoji="1" lang="en-US" altLang="ko-KR" dirty="0"/>
+              <a:t>?</a:t>
+            </a:r>
+            <a:endParaRPr kumimoji="1" lang="ko-KR" altLang="en-US" dirty="0"/>
+          </a:p>
+        </p:txBody>
+      </p:sp>
+    </p:spTree>
+    <p:extLst>
+      <p:ext uri="{BB962C8B-B14F-4D97-AF65-F5344CB8AC3E}">
+        <p14:creationId xmlns:p14="http://schemas.microsoft.com/office/powerpoint/2010/main" val="1833612597"/>
+      </p:ext>
+    </p:extLst>
+  </p:cSld>
+  <p:clrMapOvr>
+    <a:masterClrMapping/>
+  </p:clrMapOvr>
+</p:sld>
+</file>
+
+<file path=ppt/slides/slide5.xml><?xml version="1.0" encoding="utf-8"?>
+<p:sld xmlns:a="http://schemas.openxmlformats.org/drawingml/2006/main" xmlns:r="http://schemas.openxmlformats.org/officeDocument/2006/relationships" xmlns:p="http://schemas.openxmlformats.org/presentationml/2006/main">
+  <p:cSld>
+    <p:spTree>
+      <p:nvGrpSpPr>
+        <p:cNvPr id="1" name=""/>
+        <p:cNvGrpSpPr/>
+        <p:nvPr/>
+      </p:nvGrpSpPr>
+      <p:grpSpPr>
+        <a:xfrm>
+          <a:off x="0" y="0"/>
+          <a:ext cx="0" cy="0"/>
+          <a:chOff x="0" y="0"/>
+          <a:chExt cx="0" cy="0"/>
+        </a:xfrm>
+      </p:grpSpPr>
+      <p:sp>
+        <p:nvSpPr>
+          <p:cNvPr id="2" name="제목 1">
+            <a:extLst>
+              <a:ext uri="{FF2B5EF4-FFF2-40B4-BE49-F238E27FC236}">
+                <a16:creationId xmlns:a16="http://schemas.microsoft.com/office/drawing/2014/main" id="{117210B6-0999-9C4F-954D-22D6B30F9E70}"/>
+              </a:ext>
+            </a:extLst>
+          </p:cNvPr>
+          <p:cNvSpPr>
+            <a:spLocks noGrp="1"/>
+          </p:cNvSpPr>
+          <p:nvPr>
+            <p:ph type="title"/>
+          </p:nvPr>
+        </p:nvSpPr>
+        <p:spPr/>
+        <p:txBody>
+          <a:bodyPr>
+            <a:normAutofit/>
+          </a:bodyPr>
+          <a:lstStyle/>
+          <a:p>
+            <a:r>
+              <a:rPr kumimoji="1" lang="ko-KR" altLang="en-US" dirty="0"/>
+              <a:t>마스크 교체 시간 알림</a:t>
+            </a:r>
+          </a:p>
+        </p:txBody>
+      </p:sp>
+      <p:pic>
+        <p:nvPicPr>
+          <p:cNvPr id="9" name="내용 개체 틀 8" descr="스크린샷이(가) 표시된 사진&#10;&#10;&#10;&#10;자동 생성된 설명">
+            <a:extLst>
+              <a:ext uri="{FF2B5EF4-FFF2-40B4-BE49-F238E27FC236}">
+                <a16:creationId xmlns:a16="http://schemas.microsoft.com/office/drawing/2014/main" id="{49F20AB3-A0D8-E445-957D-6C1CF569A8C4}"/>
+              </a:ext>
+            </a:extLst>
+          </p:cNvPr>
+          <p:cNvPicPr>
+            <a:picLocks noGrp="1" noChangeAspect="1"/>
+          </p:cNvPicPr>
+          <p:nvPr>
+            <p:ph idx="1"/>
+          </p:nvPr>
+        </p:nvPicPr>
+        <p:blipFill rotWithShape="1">
+          <a:blip r:embed="rId3">
+            <a:extLst>
+              <a:ext uri="{28A0092B-C50C-407E-A947-70E740481C1C}">
+                <a14:useLocalDpi xmlns:a14="http://schemas.microsoft.com/office/drawing/2010/main" val="0"/>
+              </a:ext>
+            </a:extLst>
+          </a:blip>
+          <a:srcRect l="23539" t="33410" r="26460" b="7724"/>
+          <a:stretch/>
+        </p:blipFill>
+        <p:spPr>
+          <a:xfrm>
+            <a:off x="3203848" y="1958130"/>
+            <a:ext cx="2376000" cy="4135166"/>
+          </a:xfrm>
+          <a:prstGeom prst="flowChartAlternateProcess">
+            <a:avLst/>
+          </a:prstGeom>
+        </p:spPr>
+      </p:pic>
+      <p:pic>
+        <p:nvPicPr>
+          <p:cNvPr id="10" name="내용 개체 틀 4" descr="스크린샷이(가) 표시된 사진&#10;&#10;&#10;&#10;자동 생성된 설명">
+            <a:extLst>
+              <a:ext uri="{FF2B5EF4-FFF2-40B4-BE49-F238E27FC236}">
+                <a16:creationId xmlns:a16="http://schemas.microsoft.com/office/drawing/2014/main" id="{8ECB2695-C803-364D-BF30-932C21F166BA}"/>
+              </a:ext>
+            </a:extLst>
+          </p:cNvPr>
+          <p:cNvPicPr>
+            <a:picLocks noChangeAspect="1"/>
+          </p:cNvPicPr>
+          <p:nvPr/>
+        </p:nvPicPr>
+        <p:blipFill>
+          <a:blip r:embed="rId4" cstate="print">
+            <a:extLst>
+              <a:ext uri="{28A0092B-C50C-407E-A947-70E740481C1C}">
+                <a14:useLocalDpi xmlns:a14="http://schemas.microsoft.com/office/drawing/2010/main" val="0"/>
+              </a:ext>
+            </a:extLst>
+          </a:blip>
+          <a:stretch>
+            <a:fillRect/>
+          </a:stretch>
+        </p:blipFill>
+        <p:spPr>
+          <a:xfrm>
+            <a:off x="3419608" y="2472154"/>
+            <a:ext cx="2023200" cy="2962296"/>
+          </a:xfrm>
+          <a:prstGeom prst="rect">
+            <a:avLst/>
+          </a:prstGeom>
+        </p:spPr>
+      </p:pic>
+    </p:spTree>
+    <p:extLst>
+      <p:ext uri="{BB962C8B-B14F-4D97-AF65-F5344CB8AC3E}">
+        <p14:creationId xmlns:p14="http://schemas.microsoft.com/office/powerpoint/2010/main" val="3622012430"/>
+      </p:ext>
+    </p:extLst>
+  </p:cSld>
+  <p:clrMapOvr>
+    <a:masterClrMapping/>
+  </p:clrMapOvr>
+</p:sld>
+</file>
+
+<file path=ppt/slides/slide6.xml><?xml version="1.0" encoding="utf-8"?>
+<p:sld xmlns:a="http://schemas.openxmlformats.org/drawingml/2006/main" xmlns:r="http://schemas.openxmlformats.org/officeDocument/2006/relationships" xmlns:p="http://schemas.openxmlformats.org/presentationml/2006/main">
+  <p:cSld>
+    <p:spTree>
+      <p:nvGrpSpPr>
+        <p:cNvPr id="1" name=""/>
+        <p:cNvGrpSpPr/>
+        <p:nvPr/>
+      </p:nvGrpSpPr>
+      <p:grpSpPr>
+        <a:xfrm>
+          <a:off x="0" y="0"/>
+          <a:ext cx="0" cy="0"/>
+          <a:chOff x="0" y="0"/>
+          <a:chExt cx="0" cy="0"/>
+        </a:xfrm>
+      </p:grpSpPr>
+      <p:sp>
+        <p:nvSpPr>
+          <p:cNvPr id="2" name="제목 1">
+            <a:extLst>
+              <a:ext uri="{FF2B5EF4-FFF2-40B4-BE49-F238E27FC236}">
+                <a16:creationId xmlns:a16="http://schemas.microsoft.com/office/drawing/2014/main" id="{117210B6-0999-9C4F-954D-22D6B30F9E70}"/>
+              </a:ext>
+            </a:extLst>
+          </p:cNvPr>
+          <p:cNvSpPr>
+            <a:spLocks noGrp="1"/>
+          </p:cNvSpPr>
+          <p:nvPr>
+            <p:ph type="title"/>
+          </p:nvPr>
+        </p:nvSpPr>
+        <p:spPr/>
+        <p:txBody>
+          <a:bodyPr/>
+          <a:lstStyle/>
+          <a:p>
+            <a:r>
+              <a:rPr kumimoji="1" lang="ko-KR" altLang="en-US" dirty="0"/>
+              <a:t>미세먼지 농도 확인</a:t>
+            </a:r>
+          </a:p>
+        </p:txBody>
+      </p:sp>
+      <p:pic>
+        <p:nvPicPr>
+          <p:cNvPr id="9" name="내용 개체 틀 8" descr="스크린샷이(가) 표시된 사진&#10;&#10;&#10;&#10;자동 생성된 설명">
+            <a:extLst>
+              <a:ext uri="{FF2B5EF4-FFF2-40B4-BE49-F238E27FC236}">
+                <a16:creationId xmlns:a16="http://schemas.microsoft.com/office/drawing/2014/main" id="{49F20AB3-A0D8-E445-957D-6C1CF569A8C4}"/>
+              </a:ext>
+            </a:extLst>
+          </p:cNvPr>
+          <p:cNvPicPr>
+            <a:picLocks noGrp="1" noChangeAspect="1"/>
+          </p:cNvPicPr>
+          <p:nvPr>
+            <p:ph idx="1"/>
+          </p:nvPr>
+        </p:nvPicPr>
+        <p:blipFill rotWithShape="1">
+          <a:blip r:embed="rId3">
+            <a:extLst>
+              <a:ext uri="{28A0092B-C50C-407E-A947-70E740481C1C}">
+                <a14:useLocalDpi xmlns:a14="http://schemas.microsoft.com/office/drawing/2010/main" val="0"/>
+              </a:ext>
+            </a:extLst>
+          </a:blip>
+          <a:srcRect l="23539" t="33410" r="26460" b="7724"/>
+          <a:stretch/>
+        </p:blipFill>
+        <p:spPr>
+          <a:xfrm>
+            <a:off x="3203848" y="1958130"/>
+            <a:ext cx="2376000" cy="4135166"/>
+          </a:xfrm>
+          <a:prstGeom prst="flowChartAlternateProcess">
+            <a:avLst/>
+          </a:prstGeom>
+        </p:spPr>
+      </p:pic>
+      <p:pic>
+        <p:nvPicPr>
+          <p:cNvPr id="10" name="내용 개체 틀 4" descr="스크린샷이(가) 표시된 사진&#10;&#10;&#10;&#10;자동 생성된 설명">
+            <a:extLst>
+              <a:ext uri="{FF2B5EF4-FFF2-40B4-BE49-F238E27FC236}">
+                <a16:creationId xmlns:a16="http://schemas.microsoft.com/office/drawing/2014/main" id="{8ECB2695-C803-364D-BF30-932C21F166BA}"/>
+              </a:ext>
+            </a:extLst>
+          </p:cNvPr>
+          <p:cNvPicPr>
+            <a:picLocks noChangeAspect="1"/>
+          </p:cNvPicPr>
+          <p:nvPr/>
+        </p:nvPicPr>
+        <p:blipFill>
+          <a:blip r:embed="rId4" cstate="print">
+            <a:extLst>
+              <a:ext uri="{28A0092B-C50C-407E-A947-70E740481C1C}">
+                <a14:useLocalDpi xmlns:a14="http://schemas.microsoft.com/office/drawing/2010/main" val="0"/>
+              </a:ext>
+            </a:extLst>
+          </a:blip>
+          <a:stretch>
+            <a:fillRect/>
+          </a:stretch>
+        </p:blipFill>
+        <p:spPr>
+          <a:xfrm>
+            <a:off x="3419608" y="2472154"/>
+            <a:ext cx="2023200" cy="2962296"/>
+          </a:xfrm>
+          <a:prstGeom prst="rect">
+            <a:avLst/>
+          </a:prstGeom>
+        </p:spPr>
+      </p:pic>
+    </p:spTree>
+    <p:extLst>
+      <p:ext uri="{BB962C8B-B14F-4D97-AF65-F5344CB8AC3E}">
+        <p14:creationId xmlns:p14="http://schemas.microsoft.com/office/powerpoint/2010/main" val="535974290"/>
+      </p:ext>
+    </p:extLst>
+  </p:cSld>
+  <p:clrMapOvr>
+    <a:masterClrMapping/>
+  </p:clrMapOvr>
+</p:sld>
+</file>
+
+<file path=ppt/slides/slide7.xml><?xml version="1.0" encoding="utf-8"?>
+<p:sld xmlns:a="http://schemas.openxmlformats.org/drawingml/2006/main" xmlns:r="http://schemas.openxmlformats.org/officeDocument/2006/relationships" xmlns:p="http://schemas.openxmlformats.org/presentationml/2006/main">
+  <p:cSld>
+    <p:spTree>
+      <p:nvGrpSpPr>
+        <p:cNvPr id="1" name=""/>
+        <p:cNvGrpSpPr/>
+        <p:nvPr/>
+      </p:nvGrpSpPr>
+      <p:grpSpPr>
+        <a:xfrm>
+          <a:off x="0" y="0"/>
+          <a:ext cx="0" cy="0"/>
+          <a:chOff x="0" y="0"/>
+          <a:chExt cx="0" cy="0"/>
+        </a:xfrm>
+      </p:grpSpPr>
+      <p:sp>
+        <p:nvSpPr>
+          <p:cNvPr id="2" name="제목 1">
+            <a:extLst>
+              <a:ext uri="{FF2B5EF4-FFF2-40B4-BE49-F238E27FC236}">
+                <a16:creationId xmlns:a16="http://schemas.microsoft.com/office/drawing/2014/main" id="{117210B6-0999-9C4F-954D-22D6B30F9E70}"/>
+              </a:ext>
+            </a:extLst>
+          </p:cNvPr>
+          <p:cNvSpPr>
+            <a:spLocks noGrp="1"/>
+          </p:cNvSpPr>
+          <p:nvPr>
+            <p:ph type="title"/>
+          </p:nvPr>
+        </p:nvSpPr>
+        <p:spPr/>
+        <p:txBody>
+          <a:bodyPr>
+            <a:normAutofit/>
+          </a:bodyPr>
+          <a:lstStyle/>
+          <a:p>
+            <a:r>
+              <a:rPr kumimoji="1" lang="ko-KR" altLang="en-US" dirty="0"/>
+              <a:t>대기환경에 맞는 마스크 추천 </a:t>
+            </a:r>
+          </a:p>
+        </p:txBody>
+      </p:sp>
+      <p:pic>
+        <p:nvPicPr>
+          <p:cNvPr id="9" name="내용 개체 틀 8" descr="스크린샷이(가) 표시된 사진&#10;&#10;&#10;&#10;자동 생성된 설명">
+            <a:extLst>
+              <a:ext uri="{FF2B5EF4-FFF2-40B4-BE49-F238E27FC236}">
+                <a16:creationId xmlns:a16="http://schemas.microsoft.com/office/drawing/2014/main" id="{49F20AB3-A0D8-E445-957D-6C1CF569A8C4}"/>
+              </a:ext>
+            </a:extLst>
+          </p:cNvPr>
+          <p:cNvPicPr>
+            <a:picLocks noGrp="1" noChangeAspect="1"/>
+          </p:cNvPicPr>
+          <p:nvPr>
+            <p:ph idx="1"/>
+          </p:nvPr>
+        </p:nvPicPr>
+        <p:blipFill rotWithShape="1">
+          <a:blip r:embed="rId3">
+            <a:extLst>
+              <a:ext uri="{28A0092B-C50C-407E-A947-70E740481C1C}">
+                <a14:useLocalDpi xmlns:a14="http://schemas.microsoft.com/office/drawing/2010/main" val="0"/>
+              </a:ext>
+            </a:extLst>
+          </a:blip>
+          <a:srcRect l="23539" t="33410" r="26460" b="7724"/>
+          <a:stretch/>
+        </p:blipFill>
+        <p:spPr>
+          <a:xfrm>
+            <a:off x="3203848" y="1958130"/>
+            <a:ext cx="2376000" cy="4135166"/>
+          </a:xfrm>
+          <a:prstGeom prst="flowChartAlternateProcess">
+            <a:avLst/>
+          </a:prstGeom>
+        </p:spPr>
+      </p:pic>
+      <p:pic>
+        <p:nvPicPr>
+          <p:cNvPr id="10" name="내용 개체 틀 4" descr="스크린샷이(가) 표시된 사진&#10;&#10;&#10;&#10;자동 생성된 설명">
+            <a:extLst>
+              <a:ext uri="{FF2B5EF4-FFF2-40B4-BE49-F238E27FC236}">
+                <a16:creationId xmlns:a16="http://schemas.microsoft.com/office/drawing/2014/main" id="{8ECB2695-C803-364D-BF30-932C21F166BA}"/>
+              </a:ext>
+            </a:extLst>
+          </p:cNvPr>
+          <p:cNvPicPr>
+            <a:picLocks noChangeAspect="1"/>
+          </p:cNvPicPr>
+          <p:nvPr/>
+        </p:nvPicPr>
+        <p:blipFill>
+          <a:blip r:embed="rId4" cstate="print">
+            <a:extLst>
+              <a:ext uri="{28A0092B-C50C-407E-A947-70E740481C1C}">
+                <a14:useLocalDpi xmlns:a14="http://schemas.microsoft.com/office/drawing/2010/main" val="0"/>
+              </a:ext>
+            </a:extLst>
+          </a:blip>
+          <a:stretch>
+            <a:fillRect/>
+          </a:stretch>
+        </p:blipFill>
+        <p:spPr>
+          <a:xfrm>
+            <a:off x="3419608" y="2472154"/>
+            <a:ext cx="2023200" cy="2962296"/>
+          </a:xfrm>
+          <a:prstGeom prst="rect">
+            <a:avLst/>
+          </a:prstGeom>
+        </p:spPr>
+      </p:pic>
+    </p:spTree>
+    <p:extLst>
+      <p:ext uri="{BB962C8B-B14F-4D97-AF65-F5344CB8AC3E}">
+        <p14:creationId xmlns:p14="http://schemas.microsoft.com/office/powerpoint/2010/main" val="2134451939"/>
+      </p:ext>
+    </p:extLst>
+  </p:cSld>
+  <p:clrMapOvr>
+    <a:masterClrMapping/>
+  </p:clrMapOvr>
+</p:sld>
+</file>
+
+<file path=ppt/slides/slide8.xml><?xml version="1.0" encoding="utf-8"?>
+<p:sld xmlns:a="http://schemas.openxmlformats.org/drawingml/2006/main" xmlns:r="http://schemas.openxmlformats.org/officeDocument/2006/relationships" xmlns:p="http://schemas.openxmlformats.org/presentationml/2006/main">
+  <p:cSld>
+    <p:spTree>
+      <p:nvGrpSpPr>
+        <p:cNvPr id="1" name=""/>
+        <p:cNvGrpSpPr/>
+        <p:nvPr/>
+      </p:nvGrpSpPr>
+      <p:grpSpPr>
+        <a:xfrm>
+          <a:off x="0" y="0"/>
+          <a:ext cx="0" cy="0"/>
+          <a:chOff x="0" y="0"/>
+          <a:chExt cx="0" cy="0"/>
+        </a:xfrm>
+      </p:grpSpPr>
+      <p:sp>
+        <p:nvSpPr>
+          <p:cNvPr id="2" name="제목 1"/>
+          <p:cNvSpPr>
+            <a:spLocks noGrp="1"/>
+          </p:cNvSpPr>
+          <p:nvPr>
+            <p:ph type="title"/>
+          </p:nvPr>
+        </p:nvSpPr>
+        <p:spPr/>
+        <p:txBody>
+          <a:bodyPr/>
+          <a:lstStyle/>
+          <a:p>
+            <a:r>
+              <a:rPr lang="ko-KR" altLang="en-US" dirty="0" err="1"/>
+              <a:t>메뉴바</a:t>
+            </a:r>
+            <a:r>
+              <a:rPr lang="ko-KR" altLang="en-US" dirty="0"/>
+              <a:t> 존재</a:t>
+            </a:r>
+          </a:p>
+        </p:txBody>
+      </p:sp>
+      <p:pic>
+        <p:nvPicPr>
+          <p:cNvPr id="4" name="내용 개체 틀 8" descr="스크린샷이(가) 표시된 사진&#10;&#10;&#10;&#10;자동 생성된 설명">
+            <a:extLst>
+              <a:ext uri="{FF2B5EF4-FFF2-40B4-BE49-F238E27FC236}">
+                <a16:creationId xmlns:a16="http://schemas.microsoft.com/office/drawing/2014/main" id="{49F20AB3-A0D8-E445-957D-6C1CF569A8C4}"/>
+              </a:ext>
+            </a:extLst>
+          </p:cNvPr>
+          <p:cNvPicPr>
+            <a:picLocks noChangeAspect="1"/>
+          </p:cNvPicPr>
+          <p:nvPr/>
+        </p:nvPicPr>
+        <p:blipFill rotWithShape="1">
+          <a:blip r:embed="rId2">
+            <a:extLst>
+              <a:ext uri="{28A0092B-C50C-407E-A947-70E740481C1C}">
+                <a14:useLocalDpi xmlns:a14="http://schemas.microsoft.com/office/drawing/2010/main" val="0"/>
+              </a:ext>
+            </a:extLst>
+          </a:blip>
+          <a:srcRect l="23539" t="33410" r="26460" b="7724"/>
+          <a:stretch/>
+        </p:blipFill>
+        <p:spPr>
+          <a:xfrm>
+            <a:off x="3276120" y="1690840"/>
+            <a:ext cx="2376000" cy="4135166"/>
+          </a:xfrm>
+          <a:prstGeom prst="flowChartAlternateProcess">
+            <a:avLst/>
+          </a:prstGeom>
+        </p:spPr>
+      </p:pic>
+      <p:pic>
+        <p:nvPicPr>
+          <p:cNvPr id="1026" name="Picture 2" descr="C:\Users\Administrator\Downloads\menu.gif"/>
+          <p:cNvPicPr>
+            <a:picLocks noChangeAspect="1" noChangeArrowheads="1"/>
+          </p:cNvPicPr>
+          <p:nvPr/>
+        </p:nvPicPr>
+        <p:blipFill>
+          <a:blip r:embed="rId3" cstate="print">
+            <a:extLst>
+              <a:ext uri="{28A0092B-C50C-407E-A947-70E740481C1C}">
+                <a14:useLocalDpi xmlns:a14="http://schemas.microsoft.com/office/drawing/2010/main" val="0"/>
+              </a:ext>
+            </a:extLst>
+          </a:blip>
+          <a:srcRect/>
+          <a:stretch>
+            <a:fillRect/>
+          </a:stretch>
+        </p:blipFill>
+        <p:spPr bwMode="auto">
+          <a:xfrm>
+            <a:off x="3492144" y="2194392"/>
+            <a:ext cx="2023200" cy="2973051"/>
+          </a:xfrm>
+          <a:prstGeom prst="rect">
+            <a:avLst/>
+          </a:prstGeom>
+          <a:noFill/>
+          <a:extLst>
+            <a:ext uri="{909E8E84-426E-40DD-AFC4-6F175D3DCCD1}">
+              <a14:hiddenFill xmlns:a14="http://schemas.microsoft.com/office/drawing/2010/main">
+                <a:solidFill>
+                  <a:srgbClr val="FFFFFF"/>
+                </a:solidFill>
+              </a14:hiddenFill>
+            </a:ext>
+          </a:extLst>
+        </p:spPr>
+      </p:pic>
+    </p:spTree>
+    <p:extLst>
+      <p:ext uri="{BB962C8B-B14F-4D97-AF65-F5344CB8AC3E}">
+        <p14:creationId xmlns:p14="http://schemas.microsoft.com/office/powerpoint/2010/main" val="2008364674"/>
+      </p:ext>
+    </p:extLst>
+  </p:cSld>
+  <p:clrMapOvr>
+    <a:masterClrMapping/>
+  </p:clrMapOvr>
+</p:sld>
+</file>
+
+<file path=ppt/slides/slide9.xml><?xml version="1.0" encoding="utf-8"?>
+<p:sld xmlns:a="http://schemas.openxmlformats.org/drawingml/2006/main" xmlns:r="http://schemas.openxmlformats.org/officeDocument/2006/relationships" xmlns:p="http://schemas.openxmlformats.org/presentationml/2006/main">
+  <p:cSld>
+    <p:spTree>
+      <p:nvGrpSpPr>
+        <p:cNvPr id="1" name=""/>
+        <p:cNvGrpSpPr/>
+        <p:nvPr/>
+      </p:nvGrpSpPr>
+      <p:grpSpPr>
+        <a:xfrm>
+          <a:off x="0" y="0"/>
+          <a:ext cx="0" cy="0"/>
+          <a:chOff x="0" y="0"/>
+          <a:chExt cx="0" cy="0"/>
+        </a:xfrm>
+      </p:grpSpPr>
+      <p:sp>
+        <p:nvSpPr>
+          <p:cNvPr id="2" name="제목 1"/>
+          <p:cNvSpPr>
+            <a:spLocks noGrp="1"/>
+          </p:cNvSpPr>
+          <p:nvPr>
+            <p:ph type="title"/>
+          </p:nvPr>
+        </p:nvSpPr>
+        <p:spPr/>
+        <p:txBody>
+          <a:bodyPr/>
+          <a:lstStyle/>
+          <a:p>
+            <a:r>
+              <a:rPr lang="ko-KR" altLang="en-US" dirty="0"/>
+              <a:t>쇼핑 기능</a:t>
+            </a:r>
+            <a:r>
+              <a:rPr lang="en-US" altLang="ko-KR" dirty="0"/>
+              <a:t>&amp;</a:t>
+            </a:r>
+            <a:r>
+              <a:rPr lang="ko-KR" altLang="en-US" dirty="0"/>
+              <a:t>리뷰 관리</a:t>
+            </a:r>
+          </a:p>
+        </p:txBody>
+      </p:sp>
+      <p:pic>
+        <p:nvPicPr>
+          <p:cNvPr id="4" name="내용 개체 틀 8" descr="스크린샷이(가) 표시된 사진&#10;&#10;&#10;&#10;자동 생성된 설명">
+            <a:extLst>
+              <a:ext uri="{FF2B5EF4-FFF2-40B4-BE49-F238E27FC236}">
+                <a16:creationId xmlns:a16="http://schemas.microsoft.com/office/drawing/2014/main" id="{49F20AB3-A0D8-E445-957D-6C1CF569A8C4}"/>
+              </a:ext>
+            </a:extLst>
+          </p:cNvPr>
+          <p:cNvPicPr>
+            <a:picLocks noChangeAspect="1"/>
+          </p:cNvPicPr>
+          <p:nvPr/>
+        </p:nvPicPr>
+        <p:blipFill rotWithShape="1">
+          <a:blip r:embed="rId2">
+            <a:extLst>
+              <a:ext uri="{28A0092B-C50C-407E-A947-70E740481C1C}">
+                <a14:useLocalDpi xmlns:a14="http://schemas.microsoft.com/office/drawing/2010/main" val="0"/>
+              </a:ext>
+            </a:extLst>
+          </a:blip>
+          <a:srcRect l="23539" t="33410" r="26460" b="7724"/>
+          <a:stretch/>
+        </p:blipFill>
+        <p:spPr>
+          <a:xfrm>
+            <a:off x="3276120" y="1690840"/>
+            <a:ext cx="2376000" cy="4135166"/>
+          </a:xfrm>
+          <a:prstGeom prst="flowChartAlternateProcess">
+            <a:avLst/>
+          </a:prstGeom>
+        </p:spPr>
+      </p:pic>
+      <p:pic>
+        <p:nvPicPr>
+          <p:cNvPr id="1026" name="Picture 2" descr="C:\Users\Administrator\Downloads\menu.gif"/>
+          <p:cNvPicPr>
+            <a:picLocks noChangeAspect="1" noChangeArrowheads="1"/>
+          </p:cNvPicPr>
+          <p:nvPr/>
+        </p:nvPicPr>
+        <p:blipFill>
+          <a:blip r:embed="rId3" cstate="print">
+            <a:extLst>
+              <a:ext uri="{28A0092B-C50C-407E-A947-70E740481C1C}">
+                <a14:useLocalDpi xmlns:a14="http://schemas.microsoft.com/office/drawing/2010/main" val="0"/>
+              </a:ext>
+            </a:extLst>
+          </a:blip>
+          <a:srcRect/>
+          <a:stretch>
+            <a:fillRect/>
+          </a:stretch>
+        </p:blipFill>
+        <p:spPr bwMode="auto">
+          <a:xfrm>
+            <a:off x="3492144" y="2194392"/>
+            <a:ext cx="2023200" cy="2973051"/>
+          </a:xfrm>
+          <a:prstGeom prst="rect">
+            <a:avLst/>
+          </a:prstGeom>
+          <a:noFill/>
+          <a:extLst>
+            <a:ext uri="{909E8E84-426E-40DD-AFC4-6F175D3DCCD1}">
+              <a14:hiddenFill xmlns:a14="http://schemas.microsoft.com/office/drawing/2010/main">
+                <a:solidFill>
+                  <a:srgbClr val="FFFFFF"/>
+                </a:solidFill>
+              </a14:hiddenFill>
+            </a:ext>
+          </a:extLst>
+        </p:spPr>
+      </p:pic>
+    </p:spTree>
+    <p:extLst>
+      <p:ext uri="{BB962C8B-B14F-4D97-AF65-F5344CB8AC3E}">
+        <p14:creationId xmlns:p14="http://schemas.microsoft.com/office/powerpoint/2010/main" val="2127569690"/>
       </p:ext>
     </p:extLst>
   </p:cSld>
@@ -6429,7 +6752,7 @@
   <a:extraClrSchemeLst/>
   <a:extLst>
     <a:ext uri="{05A4C25C-085E-4340-85A3-A5531E510DB2}">
-      <thm15:themeFamily xmlns:thm15="http://schemas.microsoft.com/office/thememl/2012/main" xmlns="" name="Office Theme" id="{62F939B6-93AF-4DB8-9C6B-D6C7DFDC589F}" vid="{4A3C46E8-61CC-4603-A589-7422A47A8E4A}"/>
+      <thm15:themeFamily xmlns:thm15="http://schemas.microsoft.com/office/thememl/2012/main" name="Office Theme" id="{62F939B6-93AF-4DB8-9C6B-D6C7DFDC589F}" vid="{4A3C46E8-61CC-4603-A589-7422A47A8E4A}"/>
     </a:ext>
   </a:extLst>
 </a:theme>

--- a/ideatoneppt.pptx
+++ b/ideatoneppt.pptx
@@ -123,7 +123,7 @@
   </p:defaultTextStyle>
   <p:extLst>
     <p:ext uri="{EFAFB233-063F-42B5-8137-9DF3F51BA10A}">
-      <p15:sldGuideLst xmlns:p15="http://schemas.microsoft.com/office/powerpoint/2012/main">
+      <p15:sldGuideLst xmlns:p15="http://schemas.microsoft.com/office/powerpoint/2012/main" xmlns="">
         <p15:guide id="1" orient="horz" pos="2160">
           <p15:clr>
             <a:srgbClr val="A4A3A4"/>
@@ -222,7 +222,7 @@
           <a:p>
             <a:fld id="{A6C8F092-C767-FC4F-B808-83A348BB618C}" type="datetimeFigureOut">
               <a:rPr kumimoji="1" lang="ko-KR" altLang="en-US" smtClean="0"/>
-              <a:t>2018. 11. 10.</a:t>
+              <a:t>2018-11-10</a:t>
             </a:fld>
             <a:endParaRPr kumimoji="1" lang="ko-KR" altLang="en-US"/>
           </a:p>
@@ -1184,7 +1184,7 @@
           <a:p>
             <a:fld id="{8E20E162-3880-4AB0-B825-B924C8552DF4}" type="datetimeFigureOut">
               <a:rPr lang="ko-KR" altLang="en-US" smtClean="0"/>
-              <a:t>2018. 11. 10.</a:t>
+              <a:t>2018-11-10</a:t>
             </a:fld>
             <a:endParaRPr lang="ko-KR" altLang="en-US"/>
           </a:p>
@@ -1352,7 +1352,7 @@
           <a:p>
             <a:fld id="{8E20E162-3880-4AB0-B825-B924C8552DF4}" type="datetimeFigureOut">
               <a:rPr lang="ko-KR" altLang="en-US" smtClean="0"/>
-              <a:t>2018. 11. 10.</a:t>
+              <a:t>2018-11-10</a:t>
             </a:fld>
             <a:endParaRPr lang="ko-KR" altLang="en-US"/>
           </a:p>
@@ -1530,7 +1530,7 @@
           <a:p>
             <a:fld id="{8E20E162-3880-4AB0-B825-B924C8552DF4}" type="datetimeFigureOut">
               <a:rPr lang="ko-KR" altLang="en-US" smtClean="0"/>
-              <a:t>2018. 11. 10.</a:t>
+              <a:t>2018-11-10</a:t>
             </a:fld>
             <a:endParaRPr lang="ko-KR" altLang="en-US"/>
           </a:p>
@@ -1698,7 +1698,7 @@
           <a:p>
             <a:fld id="{8E20E162-3880-4AB0-B825-B924C8552DF4}" type="datetimeFigureOut">
               <a:rPr lang="ko-KR" altLang="en-US" smtClean="0"/>
-              <a:t>2018. 11. 10.</a:t>
+              <a:t>2018-11-10</a:t>
             </a:fld>
             <a:endParaRPr lang="ko-KR" altLang="en-US"/>
           </a:p>
@@ -1943,7 +1943,7 @@
           <a:p>
             <a:fld id="{8E20E162-3880-4AB0-B825-B924C8552DF4}" type="datetimeFigureOut">
               <a:rPr lang="ko-KR" altLang="en-US" smtClean="0"/>
-              <a:t>2018. 11. 10.</a:t>
+              <a:t>2018-11-10</a:t>
             </a:fld>
             <a:endParaRPr lang="ko-KR" altLang="en-US"/>
           </a:p>
@@ -2228,7 +2228,7 @@
           <a:p>
             <a:fld id="{8E20E162-3880-4AB0-B825-B924C8552DF4}" type="datetimeFigureOut">
               <a:rPr lang="ko-KR" altLang="en-US" smtClean="0"/>
-              <a:t>2018. 11. 10.</a:t>
+              <a:t>2018-11-10</a:t>
             </a:fld>
             <a:endParaRPr lang="ko-KR" altLang="en-US"/>
           </a:p>
@@ -2647,7 +2647,7 @@
           <a:p>
             <a:fld id="{8E20E162-3880-4AB0-B825-B924C8552DF4}" type="datetimeFigureOut">
               <a:rPr lang="ko-KR" altLang="en-US" smtClean="0"/>
-              <a:t>2018. 11. 10.</a:t>
+              <a:t>2018-11-10</a:t>
             </a:fld>
             <a:endParaRPr lang="ko-KR" altLang="en-US"/>
           </a:p>
@@ -2764,7 +2764,7 @@
           <a:p>
             <a:fld id="{8E20E162-3880-4AB0-B825-B924C8552DF4}" type="datetimeFigureOut">
               <a:rPr lang="ko-KR" altLang="en-US" smtClean="0"/>
-              <a:t>2018. 11. 10.</a:t>
+              <a:t>2018-11-10</a:t>
             </a:fld>
             <a:endParaRPr lang="ko-KR" altLang="en-US"/>
           </a:p>
@@ -2859,7 +2859,7 @@
           <a:p>
             <a:fld id="{8E20E162-3880-4AB0-B825-B924C8552DF4}" type="datetimeFigureOut">
               <a:rPr lang="ko-KR" altLang="en-US" smtClean="0"/>
-              <a:t>2018. 11. 10.</a:t>
+              <a:t>2018-11-10</a:t>
             </a:fld>
             <a:endParaRPr lang="ko-KR" altLang="en-US"/>
           </a:p>
@@ -3134,7 +3134,7 @@
           <a:p>
             <a:fld id="{8E20E162-3880-4AB0-B825-B924C8552DF4}" type="datetimeFigureOut">
               <a:rPr lang="ko-KR" altLang="en-US" smtClean="0"/>
-              <a:t>2018. 11. 10.</a:t>
+              <a:t>2018-11-10</a:t>
             </a:fld>
             <a:endParaRPr lang="ko-KR" altLang="en-US"/>
           </a:p>
@@ -3386,7 +3386,7 @@
           <a:p>
             <a:fld id="{8E20E162-3880-4AB0-B825-B924C8552DF4}" type="datetimeFigureOut">
               <a:rPr lang="ko-KR" altLang="en-US" smtClean="0"/>
-              <a:t>2018. 11. 10.</a:t>
+              <a:t>2018-11-10</a:t>
             </a:fld>
             <a:endParaRPr lang="ko-KR" altLang="en-US"/>
           </a:p>
@@ -3597,7 +3597,7 @@
           <a:p>
             <a:fld id="{8E20E162-3880-4AB0-B825-B924C8552DF4}" type="datetimeFigureOut">
               <a:rPr lang="ko-KR" altLang="en-US" smtClean="0"/>
-              <a:t>2018. 11. 10.</a:t>
+              <a:t>2018-11-10</a:t>
             </a:fld>
             <a:endParaRPr lang="ko-KR" altLang="en-US"/>
           </a:p>
@@ -3977,7 +3977,7 @@
           <p:cNvPr id="2" name="제목 1">
             <a:extLst>
               <a:ext uri="{FF2B5EF4-FFF2-40B4-BE49-F238E27FC236}">
-                <a16:creationId xmlns:a16="http://schemas.microsoft.com/office/drawing/2014/main" id="{E8EBD7A7-4630-1047-9A97-D89735A59B12}"/>
+                <a16:creationId xmlns:a16="http://schemas.microsoft.com/office/drawing/2014/main" xmlns="" id="{E8EBD7A7-4630-1047-9A97-D89735A59B12}"/>
               </a:ext>
             </a:extLst>
           </p:cNvPr>
@@ -4013,7 +4013,7 @@
           <p:cNvPr id="3" name="내용 개체 틀 2">
             <a:extLst>
               <a:ext uri="{FF2B5EF4-FFF2-40B4-BE49-F238E27FC236}">
-                <a16:creationId xmlns:a16="http://schemas.microsoft.com/office/drawing/2014/main" id="{BA9874B2-5A79-0C4C-AEDC-6599047D15CC}"/>
+                <a16:creationId xmlns:a16="http://schemas.microsoft.com/office/drawing/2014/main" xmlns="" id="{BA9874B2-5A79-0C4C-AEDC-6599047D15CC}"/>
               </a:ext>
             </a:extLst>
           </p:cNvPr>
@@ -4184,6 +4184,10 @@
             </a:r>
           </a:p>
           <a:p>
+            <a:r>
+              <a:rPr lang="ko-KR" altLang="en-US" dirty="0"/>
+              <a:t/>
+            </a:r>
             <a:br>
               <a:rPr lang="ko-KR" altLang="en-US" dirty="0"/>
             </a:br>
@@ -4299,7 +4303,7 @@
           <p:cNvPr id="4" name="내용 개체 틀 8" descr="스크린샷이(가) 표시된 사진&#10;&#10;&#10;&#10;자동 생성된 설명">
             <a:extLst>
               <a:ext uri="{FF2B5EF4-FFF2-40B4-BE49-F238E27FC236}">
-                <a16:creationId xmlns:a16="http://schemas.microsoft.com/office/drawing/2014/main" id="{49F20AB3-A0D8-E445-957D-6C1CF569A8C4}"/>
+                <a16:creationId xmlns:a16="http://schemas.microsoft.com/office/drawing/2014/main" xmlns="" id="{49F20AB3-A0D8-E445-957D-6C1CF569A8C4}"/>
               </a:ext>
             </a:extLst>
           </p:cNvPr>
@@ -4370,202 +4374,318 @@
           </a:extLst>
         </p:spPr>
       </p:pic>
-      <p:pic>
-        <p:nvPicPr>
-          <p:cNvPr id="1028" name="Picture 4" descr="C:\Users\Administrator\Documents\아이디어톤\집.png"/>
-          <p:cNvPicPr>
-            <a:picLocks noChangeAspect="1" noChangeArrowheads="1"/>
-          </p:cNvPicPr>
+      <p:grpSp>
+        <p:nvGrpSpPr>
+          <p:cNvPr id="6" name="그룹 5"/>
+          <p:cNvGrpSpPr/>
           <p:nvPr/>
-        </p:nvPicPr>
-        <p:blipFill>
-          <a:blip r:embed="rId4">
+        </p:nvGrpSpPr>
+        <p:grpSpPr>
+          <a:xfrm>
+            <a:off x="434240" y="2204864"/>
+            <a:ext cx="4641816" cy="3913530"/>
+            <a:chOff x="434240" y="2204864"/>
+            <a:chExt cx="4641816" cy="3913530"/>
+          </a:xfrm>
+        </p:grpSpPr>
+        <p:pic>
+          <p:nvPicPr>
+            <p:cNvPr id="2050" name="Picture 2" descr="C:\Users\Administrator\Downloads\icon-crop (1).gif"/>
+            <p:cNvPicPr>
+              <a:picLocks noChangeAspect="1" noChangeArrowheads="1"/>
+            </p:cNvPicPr>
+            <p:nvPr/>
+          </p:nvPicPr>
+          <p:blipFill>
+            <a:blip r:embed="rId4" cstate="print">
+              <a:extLst>
+                <a:ext uri="{28A0092B-C50C-407E-A947-70E740481C1C}">
+                  <a14:useLocalDpi xmlns:a14="http://schemas.microsoft.com/office/drawing/2010/main" val="0"/>
+                </a:ext>
+              </a:extLst>
+            </a:blip>
+            <a:srcRect/>
+            <a:stretch>
+              <a:fillRect/>
+            </a:stretch>
+          </p:blipFill>
+          <p:spPr bwMode="auto">
+            <a:xfrm>
+              <a:off x="2123848" y="4941168"/>
+              <a:ext cx="1080000" cy="1080000"/>
+            </a:xfrm>
+            <a:prstGeom prst="rect">
+              <a:avLst/>
+            </a:prstGeom>
+            <a:noFill/>
             <a:extLst>
-              <a:ext uri="{28A0092B-C50C-407E-A947-70E740481C1C}">
-                <a14:useLocalDpi xmlns:a14="http://schemas.microsoft.com/office/drawing/2010/main" val="0"/>
+              <a:ext uri="{909E8E84-426E-40DD-AFC4-6F175D3DCCD1}">
+                <a14:hiddenFill xmlns:a14="http://schemas.microsoft.com/office/drawing/2010/main">
+                  <a:solidFill>
+                    <a:srgbClr val="FFFFFF"/>
+                  </a:solidFill>
+                </a14:hiddenFill>
               </a:ext>
             </a:extLst>
-          </a:blip>
-          <a:srcRect/>
-          <a:stretch>
-            <a:fillRect/>
-          </a:stretch>
-        </p:blipFill>
-        <p:spPr bwMode="auto">
-          <a:xfrm>
-            <a:off x="434240" y="2469273"/>
-            <a:ext cx="1463783" cy="1463783"/>
-          </a:xfrm>
-          <a:prstGeom prst="rect">
-            <a:avLst/>
-          </a:prstGeom>
-          <a:noFill/>
-          <a:extLst>
-            <a:ext uri="{909E8E84-426E-40DD-AFC4-6F175D3DCCD1}">
-              <a14:hiddenFill xmlns:a14="http://schemas.microsoft.com/office/drawing/2010/main">
-                <a:solidFill>
-                  <a:srgbClr val="FFFFFF"/>
-                </a:solidFill>
-              </a14:hiddenFill>
-            </a:ext>
-          </a:extLst>
-        </p:spPr>
-      </p:pic>
-      <p:pic>
-        <p:nvPicPr>
-          <p:cNvPr id="1029" name="Picture 5" descr="C:\Users\Administrator\Documents\아이디어톤\33407794-건물-아이콘.jpg"/>
-          <p:cNvPicPr>
-            <a:picLocks noChangeAspect="1" noChangeArrowheads="1"/>
-          </p:cNvPicPr>
-          <p:nvPr/>
-        </p:nvPicPr>
-        <p:blipFill rotWithShape="1">
-          <a:blip r:embed="rId5" cstate="print">
+          </p:spPr>
+        </p:pic>
+        <p:pic>
+          <p:nvPicPr>
+            <p:cNvPr id="1028" name="Picture 4" descr="C:\Users\Administrator\Documents\아이디어톤\집.png"/>
+            <p:cNvPicPr>
+              <a:picLocks noChangeAspect="1" noChangeArrowheads="1"/>
+            </p:cNvPicPr>
+            <p:nvPr/>
+          </p:nvPicPr>
+          <p:blipFill>
+            <a:blip r:embed="rId5">
+              <a:extLst>
+                <a:ext uri="{28A0092B-C50C-407E-A947-70E740481C1C}">
+                  <a14:useLocalDpi xmlns:a14="http://schemas.microsoft.com/office/drawing/2010/main" val="0"/>
+                </a:ext>
+              </a:extLst>
+            </a:blip>
+            <a:srcRect/>
+            <a:stretch>
+              <a:fillRect/>
+            </a:stretch>
+          </p:blipFill>
+          <p:spPr bwMode="auto">
+            <a:xfrm>
+              <a:off x="434240" y="3117344"/>
+              <a:ext cx="1463783" cy="1463783"/>
+            </a:xfrm>
+            <a:prstGeom prst="rect">
+              <a:avLst/>
+            </a:prstGeom>
+            <a:noFill/>
             <a:extLst>
-              <a:ext uri="{28A0092B-C50C-407E-A947-70E740481C1C}">
-                <a14:useLocalDpi xmlns:a14="http://schemas.microsoft.com/office/drawing/2010/main" val="0"/>
+              <a:ext uri="{909E8E84-426E-40DD-AFC4-6F175D3DCCD1}">
+                <a14:hiddenFill xmlns:a14="http://schemas.microsoft.com/office/drawing/2010/main">
+                  <a:solidFill>
+                    <a:srgbClr val="FFFFFF"/>
+                  </a:solidFill>
+                </a14:hiddenFill>
               </a:ext>
             </a:extLst>
-          </a:blip>
-          <a:srcRect l="65557" b="60440"/>
-          <a:stretch/>
-        </p:blipFill>
-        <p:spPr bwMode="auto">
-          <a:xfrm>
-            <a:off x="3424688" y="2204864"/>
-            <a:ext cx="1651368" cy="1867842"/>
-          </a:xfrm>
-          <a:prstGeom prst="rect">
-            <a:avLst/>
-          </a:prstGeom>
-          <a:noFill/>
-          <a:extLst>
-            <a:ext uri="{909E8E84-426E-40DD-AFC4-6F175D3DCCD1}">
-              <a14:hiddenFill xmlns:a14="http://schemas.microsoft.com/office/drawing/2010/main">
-                <a:solidFill>
-                  <a:srgbClr val="FFFFFF"/>
-                </a:solidFill>
-              </a14:hiddenFill>
-            </a:ext>
-          </a:extLst>
-        </p:spPr>
-      </p:pic>
-      <p:sp>
-        <p:nvSpPr>
-          <p:cNvPr id="10" name="U자형 화살표 9"/>
-          <p:cNvSpPr/>
-          <p:nvPr/>
-        </p:nvSpPr>
-        <p:spPr>
-          <a:xfrm>
-            <a:off x="1187624" y="1916832"/>
-            <a:ext cx="2988000" cy="468000"/>
-          </a:xfrm>
-          <a:prstGeom prst="uturnArrow">
-            <a:avLst>
-              <a:gd name="adj1" fmla="val 6596"/>
-              <a:gd name="adj2" fmla="val 25000"/>
-              <a:gd name="adj3" fmla="val 25000"/>
-              <a:gd name="adj4" fmla="val 50000"/>
-              <a:gd name="adj5" fmla="val 100000"/>
-            </a:avLst>
-          </a:prstGeom>
-          <a:solidFill>
-            <a:srgbClr val="626262"/>
-          </a:solidFill>
-          <a:ln>
+          </p:spPr>
+        </p:pic>
+        <p:pic>
+          <p:nvPicPr>
+            <p:cNvPr id="1029" name="Picture 5" descr="C:\Users\Administrator\Documents\아이디어톤\33407794-건물-아이콘.jpg"/>
+            <p:cNvPicPr>
+              <a:picLocks noChangeAspect="1" noChangeArrowheads="1"/>
+            </p:cNvPicPr>
+            <p:nvPr/>
+          </p:nvPicPr>
+          <p:blipFill rotWithShape="1">
+            <a:blip r:embed="rId6" cstate="print">
+              <a:extLst>
+                <a:ext uri="{28A0092B-C50C-407E-A947-70E740481C1C}">
+                  <a14:useLocalDpi xmlns:a14="http://schemas.microsoft.com/office/drawing/2010/main" val="0"/>
+                </a:ext>
+              </a:extLst>
+            </a:blip>
+            <a:srcRect l="65557" b="60440"/>
+            <a:stretch/>
+          </p:blipFill>
+          <p:spPr bwMode="auto">
+            <a:xfrm>
+              <a:off x="3424688" y="2852935"/>
+              <a:ext cx="1651368" cy="1867842"/>
+            </a:xfrm>
+            <a:prstGeom prst="rect">
+              <a:avLst/>
+            </a:prstGeom>
+            <a:noFill/>
+            <a:extLst>
+              <a:ext uri="{909E8E84-426E-40DD-AFC4-6F175D3DCCD1}">
+                <a14:hiddenFill xmlns:a14="http://schemas.microsoft.com/office/drawing/2010/main">
+                  <a:solidFill>
+                    <a:srgbClr val="FFFFFF"/>
+                  </a:solidFill>
+                </a14:hiddenFill>
+              </a:ext>
+            </a:extLst>
+          </p:spPr>
+        </p:pic>
+        <p:sp>
+          <p:nvSpPr>
+            <p:cNvPr id="10" name="U자형 화살표 9"/>
+            <p:cNvSpPr/>
+            <p:nvPr/>
+          </p:nvSpPr>
+          <p:spPr>
+            <a:xfrm>
+              <a:off x="1187624" y="2564903"/>
+              <a:ext cx="2988000" cy="468000"/>
+            </a:xfrm>
+            <a:prstGeom prst="uturnArrow">
+              <a:avLst>
+                <a:gd name="adj1" fmla="val 6596"/>
+                <a:gd name="adj2" fmla="val 25000"/>
+                <a:gd name="adj3" fmla="val 25000"/>
+                <a:gd name="adj4" fmla="val 50000"/>
+                <a:gd name="adj5" fmla="val 100000"/>
+              </a:avLst>
+            </a:prstGeom>
             <a:solidFill>
               <a:srgbClr val="626262"/>
             </a:solidFill>
-          </a:ln>
-        </p:spPr>
-        <p:style>
-          <a:lnRef idx="2">
-            <a:schemeClr val="accent1">
-              <a:shade val="50000"/>
-            </a:schemeClr>
-          </a:lnRef>
-          <a:fillRef idx="1">
-            <a:schemeClr val="accent1"/>
-          </a:fillRef>
-          <a:effectRef idx="0">
-            <a:schemeClr val="accent1"/>
-          </a:effectRef>
-          <a:fontRef idx="minor">
-            <a:schemeClr val="lt1"/>
-          </a:fontRef>
-        </p:style>
-        <p:txBody>
-          <a:bodyPr rtlCol="0" anchor="ctr"/>
-          <a:lstStyle/>
-          <a:p>
-            <a:pPr algn="ctr"/>
-            <a:endParaRPr lang="ko-KR" altLang="en-US">
+            <a:ln>
               <a:solidFill>
-                <a:schemeClr val="tx1"/>
+                <a:srgbClr val="626262"/>
               </a:solidFill>
-            </a:endParaRPr>
-          </a:p>
-        </p:txBody>
-      </p:sp>
-      <p:sp>
-        <p:nvSpPr>
-          <p:cNvPr id="19" name="U자형 화살표 18"/>
-          <p:cNvSpPr/>
-          <p:nvPr/>
-        </p:nvSpPr>
-        <p:spPr>
-          <a:xfrm rot="10800000">
-            <a:off x="1151952" y="4041120"/>
-            <a:ext cx="2988000" cy="468000"/>
-          </a:xfrm>
-          <a:prstGeom prst="uturnArrow">
-            <a:avLst>
-              <a:gd name="adj1" fmla="val 6596"/>
-              <a:gd name="adj2" fmla="val 25000"/>
-              <a:gd name="adj3" fmla="val 25000"/>
-              <a:gd name="adj4" fmla="val 50000"/>
-              <a:gd name="adj5" fmla="val 100000"/>
-            </a:avLst>
-          </a:prstGeom>
-          <a:solidFill>
-            <a:srgbClr val="626262"/>
-          </a:solidFill>
-          <a:ln>
+            </a:ln>
+          </p:spPr>
+          <p:style>
+            <a:lnRef idx="2">
+              <a:schemeClr val="accent1">
+                <a:shade val="50000"/>
+              </a:schemeClr>
+            </a:lnRef>
+            <a:fillRef idx="1">
+              <a:schemeClr val="accent1"/>
+            </a:fillRef>
+            <a:effectRef idx="0">
+              <a:schemeClr val="accent1"/>
+            </a:effectRef>
+            <a:fontRef idx="minor">
+              <a:schemeClr val="lt1"/>
+            </a:fontRef>
+          </p:style>
+          <p:txBody>
+            <a:bodyPr rtlCol="0" anchor="ctr"/>
+            <a:lstStyle/>
+            <a:p>
+              <a:pPr algn="ctr"/>
+              <a:endParaRPr lang="ko-KR" altLang="en-US">
+                <a:solidFill>
+                  <a:schemeClr val="tx1"/>
+                </a:solidFill>
+              </a:endParaRPr>
+            </a:p>
+          </p:txBody>
+        </p:sp>
+        <p:sp>
+          <p:nvSpPr>
+            <p:cNvPr id="19" name="U자형 화살표 18"/>
+            <p:cNvSpPr/>
+            <p:nvPr/>
+          </p:nvSpPr>
+          <p:spPr>
+            <a:xfrm rot="10800000">
+              <a:off x="1151952" y="4689191"/>
+              <a:ext cx="2988000" cy="468000"/>
+            </a:xfrm>
+            <a:prstGeom prst="uturnArrow">
+              <a:avLst>
+                <a:gd name="adj1" fmla="val 6596"/>
+                <a:gd name="adj2" fmla="val 25000"/>
+                <a:gd name="adj3" fmla="val 25000"/>
+                <a:gd name="adj4" fmla="val 50000"/>
+                <a:gd name="adj5" fmla="val 100000"/>
+              </a:avLst>
+            </a:prstGeom>
             <a:solidFill>
               <a:srgbClr val="626262"/>
             </a:solidFill>
-          </a:ln>
-        </p:spPr>
-        <p:style>
-          <a:lnRef idx="2">
-            <a:schemeClr val="accent1">
-              <a:shade val="50000"/>
-            </a:schemeClr>
-          </a:lnRef>
-          <a:fillRef idx="1">
-            <a:schemeClr val="accent1"/>
-          </a:fillRef>
-          <a:effectRef idx="0">
-            <a:schemeClr val="accent1"/>
-          </a:effectRef>
-          <a:fontRef idx="minor">
-            <a:schemeClr val="lt1"/>
-          </a:fontRef>
-        </p:style>
-        <p:txBody>
-          <a:bodyPr rtlCol="0" anchor="ctr"/>
-          <a:lstStyle/>
-          <a:p>
-            <a:pPr algn="ctr"/>
-            <a:endParaRPr lang="ko-KR" altLang="en-US">
+            <a:ln>
               <a:solidFill>
-                <a:schemeClr val="tx1"/>
+                <a:srgbClr val="626262"/>
               </a:solidFill>
-            </a:endParaRPr>
-          </a:p>
-        </p:txBody>
-      </p:sp>
+            </a:ln>
+          </p:spPr>
+          <p:style>
+            <a:lnRef idx="2">
+              <a:schemeClr val="accent1">
+                <a:shade val="50000"/>
+              </a:schemeClr>
+            </a:lnRef>
+            <a:fillRef idx="1">
+              <a:schemeClr val="accent1"/>
+            </a:fillRef>
+            <a:effectRef idx="0">
+              <a:schemeClr val="accent1"/>
+            </a:effectRef>
+            <a:fontRef idx="minor">
+              <a:schemeClr val="lt1"/>
+            </a:fontRef>
+          </p:style>
+          <p:txBody>
+            <a:bodyPr rtlCol="0" anchor="ctr"/>
+            <a:lstStyle/>
+            <a:p>
+              <a:pPr algn="ctr"/>
+              <a:endParaRPr lang="ko-KR" altLang="en-US">
+                <a:solidFill>
+                  <a:schemeClr val="tx1"/>
+                </a:solidFill>
+              </a:endParaRPr>
+            </a:p>
+          </p:txBody>
+        </p:sp>
+        <p:sp>
+          <p:nvSpPr>
+            <p:cNvPr id="3" name="TextBox 2"/>
+            <p:cNvSpPr txBox="1"/>
+            <p:nvPr/>
+          </p:nvSpPr>
+          <p:spPr>
+            <a:xfrm>
+              <a:off x="2123848" y="5826006"/>
+              <a:ext cx="1080000" cy="292388"/>
+            </a:xfrm>
+            <a:prstGeom prst="rect">
+              <a:avLst/>
+            </a:prstGeom>
+            <a:noFill/>
+          </p:spPr>
+          <p:txBody>
+            <a:bodyPr wrap="square" rtlCol="0">
+              <a:spAutoFit/>
+            </a:bodyPr>
+            <a:lstStyle/>
+            <a:p>
+              <a:r>
+                <a:rPr lang="ko-KR" altLang="en-US" sz="1300" dirty="0" smtClean="0"/>
+                <a:t>마스크 배송</a:t>
+              </a:r>
+              <a:endParaRPr lang="ko-KR" altLang="en-US" sz="1300" dirty="0"/>
+            </a:p>
+          </p:txBody>
+        </p:sp>
+        <p:sp>
+          <p:nvSpPr>
+            <p:cNvPr id="5" name="TextBox 4"/>
+            <p:cNvSpPr txBox="1"/>
+            <p:nvPr/>
+          </p:nvSpPr>
+          <p:spPr>
+            <a:xfrm>
+              <a:off x="1979712" y="2204864"/>
+              <a:ext cx="1944216" cy="323165"/>
+            </a:xfrm>
+            <a:prstGeom prst="rect">
+              <a:avLst/>
+            </a:prstGeom>
+            <a:noFill/>
+          </p:spPr>
+          <p:txBody>
+            <a:bodyPr wrap="square" rtlCol="0">
+              <a:spAutoFit/>
+            </a:bodyPr>
+            <a:lstStyle/>
+            <a:p>
+              <a:r>
+                <a:rPr lang="ko-KR" altLang="en-US" sz="1500" dirty="0" smtClean="0"/>
+                <a:t>남은 마스크 수</a:t>
+              </a:r>
+              <a:endParaRPr lang="ko-KR" altLang="en-US" sz="1500" dirty="0"/>
+            </a:p>
+          </p:txBody>
+        </p:sp>
+      </p:grpSp>
     </p:spTree>
     <p:extLst>
       <p:ext uri="{BB962C8B-B14F-4D97-AF65-F5344CB8AC3E}">
@@ -4629,7 +4749,7 @@
           <p:cNvPr id="4" name="내용 개체 틀 8" descr="스크린샷이(가) 표시된 사진&#10;&#10;&#10;&#10;자동 생성된 설명">
             <a:extLst>
               <a:ext uri="{FF2B5EF4-FFF2-40B4-BE49-F238E27FC236}">
-                <a16:creationId xmlns:a16="http://schemas.microsoft.com/office/drawing/2014/main" id="{49F20AB3-A0D8-E445-957D-6C1CF569A8C4}"/>
+                <a16:creationId xmlns:a16="http://schemas.microsoft.com/office/drawing/2014/main" xmlns="" id="{49F20AB3-A0D8-E445-957D-6C1CF569A8C4}"/>
               </a:ext>
             </a:extLst>
           </p:cNvPr>
@@ -4735,7 +4855,7 @@
           <p:cNvPr id="2" name="제목 1">
             <a:extLst>
               <a:ext uri="{FF2B5EF4-FFF2-40B4-BE49-F238E27FC236}">
-                <a16:creationId xmlns:a16="http://schemas.microsoft.com/office/drawing/2014/main" id="{A616ACF8-0967-254E-9A89-A97507292D4D}"/>
+                <a16:creationId xmlns:a16="http://schemas.microsoft.com/office/drawing/2014/main" xmlns="" id="{A616ACF8-0967-254E-9A89-A97507292D4D}"/>
               </a:ext>
             </a:extLst>
           </p:cNvPr>
@@ -4763,7 +4883,7 @@
           <p:cNvPr id="3" name="내용 개체 틀 2">
             <a:extLst>
               <a:ext uri="{FF2B5EF4-FFF2-40B4-BE49-F238E27FC236}">
-                <a16:creationId xmlns:a16="http://schemas.microsoft.com/office/drawing/2014/main" id="{A9EE0F75-50A2-D04C-82B0-482E543CA08F}"/>
+                <a16:creationId xmlns:a16="http://schemas.microsoft.com/office/drawing/2014/main" xmlns="" id="{A9EE0F75-50A2-D04C-82B0-482E543CA08F}"/>
               </a:ext>
             </a:extLst>
           </p:cNvPr>
@@ -4897,7 +5017,7 @@
           <p:cNvPr id="2" name="제목 1">
             <a:extLst>
               <a:ext uri="{FF2B5EF4-FFF2-40B4-BE49-F238E27FC236}">
-                <a16:creationId xmlns:a16="http://schemas.microsoft.com/office/drawing/2014/main" id="{28F98C9A-6B41-9E48-9587-94770AFED79E}"/>
+                <a16:creationId xmlns:a16="http://schemas.microsoft.com/office/drawing/2014/main" xmlns="" id="{28F98C9A-6B41-9E48-9587-94770AFED79E}"/>
               </a:ext>
             </a:extLst>
           </p:cNvPr>
@@ -4933,7 +5053,7 @@
           <p:cNvPr id="3" name="내용 개체 틀 2">
             <a:extLst>
               <a:ext uri="{FF2B5EF4-FFF2-40B4-BE49-F238E27FC236}">
-                <a16:creationId xmlns:a16="http://schemas.microsoft.com/office/drawing/2014/main" id="{E883A23E-B406-1348-839E-7F8B6950D10E}"/>
+                <a16:creationId xmlns:a16="http://schemas.microsoft.com/office/drawing/2014/main" xmlns="" id="{E883A23E-B406-1348-839E-7F8B6950D10E}"/>
               </a:ext>
             </a:extLst>
           </p:cNvPr>
@@ -5056,7 +5176,7 @@
           <p:cNvPr id="2" name="제목 1">
             <a:extLst>
               <a:ext uri="{FF2B5EF4-FFF2-40B4-BE49-F238E27FC236}">
-                <a16:creationId xmlns:a16="http://schemas.microsoft.com/office/drawing/2014/main" id="{9C508281-2DF6-3F4B-B03E-499380C0C441}"/>
+                <a16:creationId xmlns:a16="http://schemas.microsoft.com/office/drawing/2014/main" xmlns="" id="{9C508281-2DF6-3F4B-B03E-499380C0C441}"/>
               </a:ext>
             </a:extLst>
           </p:cNvPr>
@@ -5084,7 +5204,7 @@
           <p:cNvPr id="3" name="내용 개체 틀 2">
             <a:extLst>
               <a:ext uri="{FF2B5EF4-FFF2-40B4-BE49-F238E27FC236}">
-                <a16:creationId xmlns:a16="http://schemas.microsoft.com/office/drawing/2014/main" id="{C088C665-85BA-2947-B1EE-D2C597E1ADDB}"/>
+                <a16:creationId xmlns:a16="http://schemas.microsoft.com/office/drawing/2014/main" xmlns="" id="{C088C665-85BA-2947-B1EE-D2C597E1ADDB}"/>
               </a:ext>
             </a:extLst>
           </p:cNvPr>
@@ -5139,7 +5259,7 @@
           <p:cNvPr id="3" name="내용 개체 틀 2">
             <a:extLst>
               <a:ext uri="{FF2B5EF4-FFF2-40B4-BE49-F238E27FC236}">
-                <a16:creationId xmlns:a16="http://schemas.microsoft.com/office/drawing/2014/main" id="{6F98B7E9-F878-0E42-A16C-75C889AFE0CE}"/>
+                <a16:creationId xmlns:a16="http://schemas.microsoft.com/office/drawing/2014/main" xmlns="" id="{6F98B7E9-F878-0E42-A16C-75C889AFE0CE}"/>
               </a:ext>
             </a:extLst>
           </p:cNvPr>
@@ -5219,45 +5339,11 @@
           <a:chExt cx="0" cy="0"/>
         </a:xfrm>
       </p:grpSpPr>
-      <p:sp>
-        <p:nvSpPr>
-          <p:cNvPr id="2" name="제목 1"/>
-          <p:cNvSpPr>
-            <a:spLocks noGrp="1"/>
-          </p:cNvSpPr>
-          <p:nvPr>
-            <p:ph type="ctrTitle"/>
-          </p:nvPr>
-        </p:nvSpPr>
-        <p:spPr>
-          <a:xfrm>
-            <a:off x="685800" y="1556792"/>
-            <a:ext cx="7772400" cy="1470025"/>
-          </a:xfrm>
-        </p:spPr>
-        <p:txBody>
-          <a:bodyPr/>
-          <a:lstStyle/>
-          <a:p>
-            <a:r>
-              <a:rPr lang="ko-KR" altLang="en-US" dirty="0" err="1"/>
-              <a:t>쏴리질러</a:t>
-            </a:r>
-            <a:endParaRPr lang="ko-KR" altLang="en-US" dirty="0"/>
-          </a:p>
-        </p:txBody>
-      </p:sp>
       <p:pic>
         <p:nvPicPr>
-          <p:cNvPr id="5" name="그림 4" descr="화이트보드, 텍스트이(가) 표시된 사진&#10;&#10;&#10;&#10;자동 생성된 설명">
-            <a:extLst>
-              <a:ext uri="{FF2B5EF4-FFF2-40B4-BE49-F238E27FC236}">
-                <a16:creationId xmlns:a16="http://schemas.microsoft.com/office/drawing/2014/main" id="{1D58E705-B7A9-5141-B8CE-407942A08043}"/>
-              </a:ext>
-            </a:extLst>
-          </p:cNvPr>
+          <p:cNvPr id="1026" name="Picture 2" descr="C:\Users\Administrator\Downloads\icon-crop (1).gif"/>
           <p:cNvPicPr>
-            <a:picLocks noChangeAspect="1"/>
+            <a:picLocks noChangeAspect="1" noChangeArrowheads="1"/>
           </p:cNvPicPr>
           <p:nvPr/>
         </p:nvPicPr>
@@ -5269,20 +5355,59 @@
               </a:ext>
             </a:extLst>
           </a:blip>
+          <a:srcRect/>
           <a:stretch>
             <a:fillRect/>
           </a:stretch>
         </p:blipFill>
-        <p:spPr>
+        <p:spPr bwMode="auto">
           <a:xfrm>
-            <a:off x="2483768" y="3600450"/>
-            <a:ext cx="4267200" cy="2400300"/>
+            <a:off x="2699792" y="2637312"/>
+            <a:ext cx="3600000" cy="3600000"/>
           </a:xfrm>
           <a:prstGeom prst="rect">
             <a:avLst/>
           </a:prstGeom>
+          <a:noFill/>
+          <a:extLst>
+            <a:ext uri="{909E8E84-426E-40DD-AFC4-6F175D3DCCD1}">
+              <a14:hiddenFill xmlns:a14="http://schemas.microsoft.com/office/drawing/2010/main">
+                <a:solidFill>
+                  <a:srgbClr val="FFFFFF"/>
+                </a:solidFill>
+              </a14:hiddenFill>
+            </a:ext>
+          </a:extLst>
         </p:spPr>
       </p:pic>
+      <p:sp>
+        <p:nvSpPr>
+          <p:cNvPr id="2" name="제목 1"/>
+          <p:cNvSpPr>
+            <a:spLocks noGrp="1"/>
+          </p:cNvSpPr>
+          <p:nvPr>
+            <p:ph type="ctrTitle"/>
+          </p:nvPr>
+        </p:nvSpPr>
+        <p:spPr>
+          <a:xfrm>
+            <a:off x="685800" y="1556792"/>
+            <a:ext cx="7772400" cy="1470025"/>
+          </a:xfrm>
+        </p:spPr>
+        <p:txBody>
+          <a:bodyPr/>
+          <a:lstStyle/>
+          <a:p>
+            <a:r>
+              <a:rPr lang="ko-KR" altLang="en-US" dirty="0" err="1"/>
+              <a:t>쏴리질러</a:t>
+            </a:r>
+            <a:endParaRPr lang="ko-KR" altLang="en-US" dirty="0"/>
+          </a:p>
+        </p:txBody>
+      </p:sp>
     </p:spTree>
     <p:extLst>
       <p:ext uri="{BB962C8B-B14F-4D97-AF65-F5344CB8AC3E}">
@@ -5318,7 +5443,7 @@
           <p:cNvPr id="2" name="제목 1">
             <a:extLst>
               <a:ext uri="{FF2B5EF4-FFF2-40B4-BE49-F238E27FC236}">
-                <a16:creationId xmlns:a16="http://schemas.microsoft.com/office/drawing/2014/main" id="{3409D811-9620-E144-9E2D-42A6803A50B0}"/>
+                <a16:creationId xmlns:a16="http://schemas.microsoft.com/office/drawing/2014/main" xmlns="" id="{3409D811-9620-E144-9E2D-42A6803A50B0}"/>
               </a:ext>
             </a:extLst>
           </p:cNvPr>
@@ -5346,7 +5471,7 @@
           <p:cNvPr id="3" name="내용 개체 틀 2">
             <a:extLst>
               <a:ext uri="{FF2B5EF4-FFF2-40B4-BE49-F238E27FC236}">
-                <a16:creationId xmlns:a16="http://schemas.microsoft.com/office/drawing/2014/main" id="{393D240D-69BC-C24F-B228-B79939338B18}"/>
+                <a16:creationId xmlns:a16="http://schemas.microsoft.com/office/drawing/2014/main" xmlns="" id="{393D240D-69BC-C24F-B228-B79939338B18}"/>
               </a:ext>
             </a:extLst>
           </p:cNvPr>
@@ -5465,7 +5590,7 @@
           <p:cNvPr id="2" name="제목 1">
             <a:extLst>
               <a:ext uri="{FF2B5EF4-FFF2-40B4-BE49-F238E27FC236}">
-                <a16:creationId xmlns:a16="http://schemas.microsoft.com/office/drawing/2014/main" id="{CC5C8BD3-3AF1-C748-835F-F0A286C90A18}"/>
+                <a16:creationId xmlns:a16="http://schemas.microsoft.com/office/drawing/2014/main" xmlns="" id="{CC5C8BD3-3AF1-C748-835F-F0A286C90A18}"/>
               </a:ext>
             </a:extLst>
           </p:cNvPr>
@@ -5535,7 +5660,7 @@
           <p:cNvPr id="2" name="제목 1">
             <a:extLst>
               <a:ext uri="{FF2B5EF4-FFF2-40B4-BE49-F238E27FC236}">
-                <a16:creationId xmlns:a16="http://schemas.microsoft.com/office/drawing/2014/main" id="{117210B6-0999-9C4F-954D-22D6B30F9E70}"/>
+                <a16:creationId xmlns:a16="http://schemas.microsoft.com/office/drawing/2014/main" xmlns="" id="{117210B6-0999-9C4F-954D-22D6B30F9E70}"/>
               </a:ext>
             </a:extLst>
           </p:cNvPr>
@@ -5565,7 +5690,7 @@
           <p:cNvPr id="9" name="내용 개체 틀 8" descr="스크린샷이(가) 표시된 사진&#10;&#10;&#10;&#10;자동 생성된 설명">
             <a:extLst>
               <a:ext uri="{FF2B5EF4-FFF2-40B4-BE49-F238E27FC236}">
-                <a16:creationId xmlns:a16="http://schemas.microsoft.com/office/drawing/2014/main" id="{49F20AB3-A0D8-E445-957D-6C1CF569A8C4}"/>
+                <a16:creationId xmlns:a16="http://schemas.microsoft.com/office/drawing/2014/main" xmlns="" id="{49F20AB3-A0D8-E445-957D-6C1CF569A8C4}"/>
               </a:ext>
             </a:extLst>
           </p:cNvPr>
@@ -5602,7 +5727,7 @@
           <p:cNvPr id="10" name="내용 개체 틀 4" descr="스크린샷이(가) 표시된 사진&#10;&#10;&#10;&#10;자동 생성된 설명">
             <a:extLst>
               <a:ext uri="{FF2B5EF4-FFF2-40B4-BE49-F238E27FC236}">
-                <a16:creationId xmlns:a16="http://schemas.microsoft.com/office/drawing/2014/main" id="{8ECB2695-C803-364D-BF30-932C21F166BA}"/>
+                <a16:creationId xmlns:a16="http://schemas.microsoft.com/office/drawing/2014/main" xmlns="" id="{8ECB2695-C803-364D-BF30-932C21F166BA}"/>
               </a:ext>
             </a:extLst>
           </p:cNvPr>
@@ -5668,7 +5793,7 @@
           <p:cNvPr id="2" name="제목 1">
             <a:extLst>
               <a:ext uri="{FF2B5EF4-FFF2-40B4-BE49-F238E27FC236}">
-                <a16:creationId xmlns:a16="http://schemas.microsoft.com/office/drawing/2014/main" id="{117210B6-0999-9C4F-954D-22D6B30F9E70}"/>
+                <a16:creationId xmlns:a16="http://schemas.microsoft.com/office/drawing/2014/main" xmlns="" id="{117210B6-0999-9C4F-954D-22D6B30F9E70}"/>
               </a:ext>
             </a:extLst>
           </p:cNvPr>
@@ -5696,7 +5821,7 @@
           <p:cNvPr id="9" name="내용 개체 틀 8" descr="스크린샷이(가) 표시된 사진&#10;&#10;&#10;&#10;자동 생성된 설명">
             <a:extLst>
               <a:ext uri="{FF2B5EF4-FFF2-40B4-BE49-F238E27FC236}">
-                <a16:creationId xmlns:a16="http://schemas.microsoft.com/office/drawing/2014/main" id="{49F20AB3-A0D8-E445-957D-6C1CF569A8C4}"/>
+                <a16:creationId xmlns:a16="http://schemas.microsoft.com/office/drawing/2014/main" xmlns="" id="{49F20AB3-A0D8-E445-957D-6C1CF569A8C4}"/>
               </a:ext>
             </a:extLst>
           </p:cNvPr>
@@ -5733,7 +5858,7 @@
           <p:cNvPr id="10" name="내용 개체 틀 4" descr="스크린샷이(가) 표시된 사진&#10;&#10;&#10;&#10;자동 생성된 설명">
             <a:extLst>
               <a:ext uri="{FF2B5EF4-FFF2-40B4-BE49-F238E27FC236}">
-                <a16:creationId xmlns:a16="http://schemas.microsoft.com/office/drawing/2014/main" id="{8ECB2695-C803-364D-BF30-932C21F166BA}"/>
+                <a16:creationId xmlns:a16="http://schemas.microsoft.com/office/drawing/2014/main" xmlns="" id="{8ECB2695-C803-364D-BF30-932C21F166BA}"/>
               </a:ext>
             </a:extLst>
           </p:cNvPr>
@@ -5799,7 +5924,7 @@
           <p:cNvPr id="2" name="제목 1">
             <a:extLst>
               <a:ext uri="{FF2B5EF4-FFF2-40B4-BE49-F238E27FC236}">
-                <a16:creationId xmlns:a16="http://schemas.microsoft.com/office/drawing/2014/main" id="{117210B6-0999-9C4F-954D-22D6B30F9E70}"/>
+                <a16:creationId xmlns:a16="http://schemas.microsoft.com/office/drawing/2014/main" xmlns="" id="{117210B6-0999-9C4F-954D-22D6B30F9E70}"/>
               </a:ext>
             </a:extLst>
           </p:cNvPr>
@@ -5829,7 +5954,7 @@
           <p:cNvPr id="9" name="내용 개체 틀 8" descr="스크린샷이(가) 표시된 사진&#10;&#10;&#10;&#10;자동 생성된 설명">
             <a:extLst>
               <a:ext uri="{FF2B5EF4-FFF2-40B4-BE49-F238E27FC236}">
-                <a16:creationId xmlns:a16="http://schemas.microsoft.com/office/drawing/2014/main" id="{49F20AB3-A0D8-E445-957D-6C1CF569A8C4}"/>
+                <a16:creationId xmlns:a16="http://schemas.microsoft.com/office/drawing/2014/main" xmlns="" id="{49F20AB3-A0D8-E445-957D-6C1CF569A8C4}"/>
               </a:ext>
             </a:extLst>
           </p:cNvPr>
@@ -5866,7 +5991,7 @@
           <p:cNvPr id="10" name="내용 개체 틀 4" descr="스크린샷이(가) 표시된 사진&#10;&#10;&#10;&#10;자동 생성된 설명">
             <a:extLst>
               <a:ext uri="{FF2B5EF4-FFF2-40B4-BE49-F238E27FC236}">
-                <a16:creationId xmlns:a16="http://schemas.microsoft.com/office/drawing/2014/main" id="{8ECB2695-C803-364D-BF30-932C21F166BA}"/>
+                <a16:creationId xmlns:a16="http://schemas.microsoft.com/office/drawing/2014/main" xmlns="" id="{8ECB2695-C803-364D-BF30-932C21F166BA}"/>
               </a:ext>
             </a:extLst>
           </p:cNvPr>
@@ -5958,7 +6083,7 @@
           <p:cNvPr id="4" name="내용 개체 틀 8" descr="스크린샷이(가) 표시된 사진&#10;&#10;&#10;&#10;자동 생성된 설명">
             <a:extLst>
               <a:ext uri="{FF2B5EF4-FFF2-40B4-BE49-F238E27FC236}">
-                <a16:creationId xmlns:a16="http://schemas.microsoft.com/office/drawing/2014/main" id="{49F20AB3-A0D8-E445-957D-6C1CF569A8C4}"/>
+                <a16:creationId xmlns:a16="http://schemas.microsoft.com/office/drawing/2014/main" xmlns="" id="{49F20AB3-A0D8-E445-957D-6C1CF569A8C4}"/>
               </a:ext>
             </a:extLst>
           </p:cNvPr>
@@ -6094,7 +6219,7 @@
           <p:cNvPr id="4" name="내용 개체 틀 8" descr="스크린샷이(가) 표시된 사진&#10;&#10;&#10;&#10;자동 생성된 설명">
             <a:extLst>
               <a:ext uri="{FF2B5EF4-FFF2-40B4-BE49-F238E27FC236}">
-                <a16:creationId xmlns:a16="http://schemas.microsoft.com/office/drawing/2014/main" id="{49F20AB3-A0D8-E445-957D-6C1CF569A8C4}"/>
+                <a16:creationId xmlns:a16="http://schemas.microsoft.com/office/drawing/2014/main" xmlns="" id="{49F20AB3-A0D8-E445-957D-6C1CF569A8C4}"/>
               </a:ext>
             </a:extLst>
           </p:cNvPr>
@@ -6752,7 +6877,7 @@
   <a:extraClrSchemeLst/>
   <a:extLst>
     <a:ext uri="{05A4C25C-085E-4340-85A3-A5531E510DB2}">
-      <thm15:themeFamily xmlns:thm15="http://schemas.microsoft.com/office/thememl/2012/main" name="Office Theme" id="{62F939B6-93AF-4DB8-9C6B-D6C7DFDC589F}" vid="{4A3C46E8-61CC-4603-A589-7422A47A8E4A}"/>
+      <thm15:themeFamily xmlns:thm15="http://schemas.microsoft.com/office/thememl/2012/main" xmlns="" name="Office Theme" id="{62F939B6-93AF-4DB8-9C6B-D6C7DFDC589F}" vid="{4A3C46E8-61CC-4603-A589-7422A47A8E4A}"/>
     </a:ext>
   </a:extLst>
 </a:theme>

--- a/ideatoneppt.pptx
+++ b/ideatoneppt.pptx
@@ -4411,7 +4411,7 @@
           </p:blipFill>
           <p:spPr bwMode="auto">
             <a:xfrm>
-              <a:off x="2123848" y="4941168"/>
+              <a:off x="2123848" y="5013176"/>
               <a:ext cx="1080000" cy="1080000"/>
             </a:xfrm>
             <a:prstGeom prst="rect">

--- a/ideatoneppt.pptx
+++ b/ideatoneppt.pptx
@@ -5,7 +5,7 @@
     <p:sldMasterId id="2147483648" r:id="rId1"/>
   </p:sldMasterIdLst>
   <p:notesMasterIdLst>
-    <p:notesMasterId r:id="rId17"/>
+    <p:notesMasterId r:id="rId18"/>
   </p:notesMasterIdLst>
   <p:sldIdLst>
     <p:sldId id="266" r:id="rId2"/>
@@ -17,12 +17,13 @@
     <p:sldId id="274" r:id="rId8"/>
     <p:sldId id="267" r:id="rId9"/>
     <p:sldId id="275" r:id="rId10"/>
-    <p:sldId id="278" r:id="rId11"/>
-    <p:sldId id="277" r:id="rId12"/>
-    <p:sldId id="261" r:id="rId13"/>
-    <p:sldId id="262" r:id="rId14"/>
-    <p:sldId id="263" r:id="rId15"/>
-    <p:sldId id="264" r:id="rId16"/>
+    <p:sldId id="279" r:id="rId11"/>
+    <p:sldId id="278" r:id="rId12"/>
+    <p:sldId id="277" r:id="rId13"/>
+    <p:sldId id="261" r:id="rId14"/>
+    <p:sldId id="262" r:id="rId15"/>
+    <p:sldId id="263" r:id="rId16"/>
+    <p:sldId id="264" r:id="rId17"/>
   </p:sldIdLst>
   <p:sldSz cx="9144000" cy="6858000" type="screen4x3"/>
   <p:notesSz cx="6858000" cy="9144000"/>
@@ -123,7 +124,7 @@
   </p:defaultTextStyle>
   <p:extLst>
     <p:ext uri="{EFAFB233-063F-42B5-8137-9DF3F51BA10A}">
-      <p15:sldGuideLst xmlns:p15="http://schemas.microsoft.com/office/powerpoint/2012/main" xmlns="">
+      <p15:sldGuideLst xmlns:p15="http://schemas.microsoft.com/office/powerpoint/2012/main">
         <p15:guide id="1" orient="horz" pos="2160">
           <p15:clr>
             <a:srgbClr val="A4A3A4"/>
@@ -222,7 +223,7 @@
           <a:p>
             <a:fld id="{A6C8F092-C767-FC4F-B808-83A348BB618C}" type="datetimeFigureOut">
               <a:rPr kumimoji="1" lang="ko-KR" altLang="en-US" smtClean="0"/>
-              <a:t>2018-11-10</a:t>
+              <a:t>2018. 11. 10.</a:t>
             </a:fld>
             <a:endParaRPr kumimoji="1" lang="ko-KR" altLang="en-US"/>
           </a:p>
@@ -956,7 +957,15 @@
           <a:p>
             <a:r>
               <a:rPr kumimoji="1" lang="ko-KR" altLang="en-US" dirty="0"/>
-              <a:t>외출 시간 설정</a:t>
+              <a:t>마스크 와 미세먼지에 관련된 여러가지를 </a:t>
+            </a:r>
+            <a:r>
+              <a:rPr kumimoji="1" lang="en-US" altLang="ko-KR" dirty="0"/>
+              <a:t>(</a:t>
+            </a:r>
+            <a:r>
+              <a:rPr kumimoji="1" lang="ko-KR" altLang="en-US" dirty="0"/>
+              <a:t>예를 들어 공기청정기</a:t>
             </a:r>
             <a:r>
               <a:rPr kumimoji="1" lang="en-US" altLang="ko-KR" dirty="0"/>
@@ -964,7 +973,23 @@
             </a:r>
             <a:r>
               <a:rPr kumimoji="1" lang="ko-KR" altLang="en-US" dirty="0"/>
-              <a:t> 갑작스러운 미세먼지 공습 알림</a:t>
+              <a:t> 화장품</a:t>
+            </a:r>
+            <a:r>
+              <a:rPr kumimoji="1" lang="en-US" altLang="ko-KR" dirty="0"/>
+              <a:t>,</a:t>
+            </a:r>
+            <a:r>
+              <a:rPr kumimoji="1" lang="ko-KR" altLang="en-US" dirty="0"/>
+              <a:t>음식 등</a:t>
+            </a:r>
+            <a:r>
+              <a:rPr kumimoji="1" lang="en-US" altLang="ko-KR" dirty="0"/>
+              <a:t>)</a:t>
+            </a:r>
+            <a:r>
+              <a:rPr kumimoji="1" lang="ko-KR" altLang="en-US" dirty="0"/>
+              <a:t>  구매할 수 있음</a:t>
             </a:r>
           </a:p>
         </p:txBody>
@@ -986,7 +1011,102 @@
           <a:p>
             <a:fld id="{F769AE6D-0ADA-CF4D-9503-F3CACB96690B}" type="slidenum">
               <a:rPr kumimoji="1" lang="ko-KR" altLang="en-US" smtClean="0"/>
-              <a:t>11</a:t>
+              <a:t>10</a:t>
+            </a:fld>
+            <a:endParaRPr kumimoji="1" lang="ko-KR" altLang="en-US"/>
+          </a:p>
+        </p:txBody>
+      </p:sp>
+    </p:spTree>
+    <p:extLst>
+      <p:ext uri="{BB962C8B-B14F-4D97-AF65-F5344CB8AC3E}">
+        <p14:creationId xmlns:p14="http://schemas.microsoft.com/office/powerpoint/2010/main" val="684301187"/>
+      </p:ext>
+    </p:extLst>
+  </p:cSld>
+  <p:clrMapOvr>
+    <a:masterClrMapping/>
+  </p:clrMapOvr>
+</p:notes>
+</file>
+
+<file path=ppt/notesSlides/notesSlide6.xml><?xml version="1.0" encoding="utf-8"?>
+<p:notes xmlns:a="http://schemas.openxmlformats.org/drawingml/2006/main" xmlns:r="http://schemas.openxmlformats.org/officeDocument/2006/relationships" xmlns:p="http://schemas.openxmlformats.org/presentationml/2006/main">
+  <p:cSld>
+    <p:spTree>
+      <p:nvGrpSpPr>
+        <p:cNvPr id="1" name=""/>
+        <p:cNvGrpSpPr/>
+        <p:nvPr/>
+      </p:nvGrpSpPr>
+      <p:grpSpPr>
+        <a:xfrm>
+          <a:off x="0" y="0"/>
+          <a:ext cx="0" cy="0"/>
+          <a:chOff x="0" y="0"/>
+          <a:chExt cx="0" cy="0"/>
+        </a:xfrm>
+      </p:grpSpPr>
+      <p:sp>
+        <p:nvSpPr>
+          <p:cNvPr id="2" name="슬라이드 이미지 개체 틀 1"/>
+          <p:cNvSpPr>
+            <a:spLocks noGrp="1" noRot="1" noChangeAspect="1"/>
+          </p:cNvSpPr>
+          <p:nvPr>
+            <p:ph type="sldImg"/>
+          </p:nvPr>
+        </p:nvSpPr>
+        <p:spPr/>
+      </p:sp>
+      <p:sp>
+        <p:nvSpPr>
+          <p:cNvPr id="3" name="슬라이드 노트 개체 틀 2"/>
+          <p:cNvSpPr>
+            <a:spLocks noGrp="1"/>
+          </p:cNvSpPr>
+          <p:nvPr>
+            <p:ph type="body" idx="1"/>
+          </p:nvPr>
+        </p:nvSpPr>
+        <p:spPr/>
+        <p:txBody>
+          <a:bodyPr/>
+          <a:lstStyle/>
+          <a:p>
+            <a:r>
+              <a:rPr kumimoji="1" lang="ko-KR" altLang="en-US" dirty="0"/>
+              <a:t>외출 시간 설정</a:t>
+            </a:r>
+            <a:r>
+              <a:rPr kumimoji="1" lang="en-US" altLang="ko-KR" dirty="0"/>
+              <a:t>,</a:t>
+            </a:r>
+            <a:r>
+              <a:rPr kumimoji="1" lang="ko-KR" altLang="en-US" dirty="0"/>
+              <a:t> 갑작스러운 미세먼지 공습 알림</a:t>
+            </a:r>
+          </a:p>
+        </p:txBody>
+      </p:sp>
+      <p:sp>
+        <p:nvSpPr>
+          <p:cNvPr id="4" name="슬라이드 번호 개체 틀 3"/>
+          <p:cNvSpPr>
+            <a:spLocks noGrp="1"/>
+          </p:cNvSpPr>
+          <p:nvPr>
+            <p:ph type="sldNum" sz="quarter" idx="5"/>
+          </p:nvPr>
+        </p:nvSpPr>
+        <p:spPr/>
+        <p:txBody>
+          <a:bodyPr/>
+          <a:lstStyle/>
+          <a:p>
+            <a:fld id="{F769AE6D-0ADA-CF4D-9503-F3CACB96690B}" type="slidenum">
+              <a:rPr kumimoji="1" lang="ko-KR" altLang="en-US" smtClean="0"/>
+              <a:t>12</a:t>
             </a:fld>
             <a:endParaRPr kumimoji="1" lang="ko-KR" altLang="en-US"/>
           </a:p>
@@ -996,6 +1116,113 @@
     <p:extLst>
       <p:ext uri="{BB962C8B-B14F-4D97-AF65-F5344CB8AC3E}">
         <p14:creationId xmlns:p14="http://schemas.microsoft.com/office/powerpoint/2010/main" val="708971674"/>
+      </p:ext>
+    </p:extLst>
+  </p:cSld>
+  <p:clrMapOvr>
+    <a:masterClrMapping/>
+  </p:clrMapOvr>
+</p:notes>
+</file>
+
+<file path=ppt/notesSlides/notesSlide7.xml><?xml version="1.0" encoding="utf-8"?>
+<p:notes xmlns:a="http://schemas.openxmlformats.org/drawingml/2006/main" xmlns:r="http://schemas.openxmlformats.org/officeDocument/2006/relationships" xmlns:p="http://schemas.openxmlformats.org/presentationml/2006/main">
+  <p:cSld>
+    <p:spTree>
+      <p:nvGrpSpPr>
+        <p:cNvPr id="1" name=""/>
+        <p:cNvGrpSpPr/>
+        <p:nvPr/>
+      </p:nvGrpSpPr>
+      <p:grpSpPr>
+        <a:xfrm>
+          <a:off x="0" y="0"/>
+          <a:ext cx="0" cy="0"/>
+          <a:chOff x="0" y="0"/>
+          <a:chExt cx="0" cy="0"/>
+        </a:xfrm>
+      </p:grpSpPr>
+      <p:sp>
+        <p:nvSpPr>
+          <p:cNvPr id="2" name="슬라이드 이미지 개체 틀 1"/>
+          <p:cNvSpPr>
+            <a:spLocks noGrp="1" noRot="1" noChangeAspect="1"/>
+          </p:cNvSpPr>
+          <p:nvPr>
+            <p:ph type="sldImg"/>
+          </p:nvPr>
+        </p:nvSpPr>
+        <p:spPr/>
+      </p:sp>
+      <p:sp>
+        <p:nvSpPr>
+          <p:cNvPr id="3" name="슬라이드 노트 개체 틀 2"/>
+          <p:cNvSpPr>
+            <a:spLocks noGrp="1"/>
+          </p:cNvSpPr>
+          <p:nvPr>
+            <p:ph type="body" idx="1"/>
+          </p:nvPr>
+        </p:nvSpPr>
+        <p:spPr/>
+        <p:txBody>
+          <a:bodyPr/>
+          <a:lstStyle/>
+          <a:p>
+            <a:r>
+              <a:rPr kumimoji="1" lang="ko-KR" altLang="en-US" dirty="0"/>
+              <a:t>저희 앱의 핵심 경쟁력은 앞서 말한 쇼핑몰 기능에서 제휴업체로부터 광고료를 받아 이익을 창출하면서  </a:t>
+            </a:r>
+            <a:endParaRPr kumimoji="1" lang="en-US" altLang="ko-KR" dirty="0"/>
+          </a:p>
+          <a:p>
+            <a:r>
+              <a:rPr kumimoji="1" lang="ko-KR" altLang="en-US" dirty="0"/>
+              <a:t>소비자들에게는 </a:t>
+            </a:r>
+            <a:r>
+              <a:rPr kumimoji="1" lang="ko-KR" altLang="en-US" dirty="0" err="1"/>
+              <a:t>알람</a:t>
+            </a:r>
+            <a:r>
+              <a:rPr kumimoji="1" lang="ko-KR" altLang="en-US" dirty="0"/>
+              <a:t> 기능을 통해 편의를 제공하는 것 입니다</a:t>
+            </a:r>
+            <a:r>
+              <a:rPr kumimoji="1" lang="en-US" altLang="ko-KR" dirty="0"/>
+              <a:t>.</a:t>
+            </a:r>
+            <a:endParaRPr kumimoji="1" lang="ko-KR" altLang="en-US" dirty="0"/>
+          </a:p>
+        </p:txBody>
+      </p:sp>
+      <p:sp>
+        <p:nvSpPr>
+          <p:cNvPr id="4" name="슬라이드 번호 개체 틀 3"/>
+          <p:cNvSpPr>
+            <a:spLocks noGrp="1"/>
+          </p:cNvSpPr>
+          <p:nvPr>
+            <p:ph type="sldNum" sz="quarter" idx="5"/>
+          </p:nvPr>
+        </p:nvSpPr>
+        <p:spPr/>
+        <p:txBody>
+          <a:bodyPr/>
+          <a:lstStyle/>
+          <a:p>
+            <a:fld id="{F769AE6D-0ADA-CF4D-9503-F3CACB96690B}" type="slidenum">
+              <a:rPr kumimoji="1" lang="ko-KR" altLang="en-US" smtClean="0"/>
+              <a:t>13</a:t>
+            </a:fld>
+            <a:endParaRPr kumimoji="1" lang="ko-KR" altLang="en-US"/>
+          </a:p>
+        </p:txBody>
+      </p:sp>
+    </p:spTree>
+    <p:extLst>
+      <p:ext uri="{BB962C8B-B14F-4D97-AF65-F5344CB8AC3E}">
+        <p14:creationId xmlns:p14="http://schemas.microsoft.com/office/powerpoint/2010/main" val="2968190343"/>
       </p:ext>
     </p:extLst>
   </p:cSld>
@@ -1184,7 +1411,7 @@
           <a:p>
             <a:fld id="{8E20E162-3880-4AB0-B825-B924C8552DF4}" type="datetimeFigureOut">
               <a:rPr lang="ko-KR" altLang="en-US" smtClean="0"/>
-              <a:t>2018-11-10</a:t>
+              <a:t>2018. 11. 10.</a:t>
             </a:fld>
             <a:endParaRPr lang="ko-KR" altLang="en-US"/>
           </a:p>
@@ -1352,7 +1579,7 @@
           <a:p>
             <a:fld id="{8E20E162-3880-4AB0-B825-B924C8552DF4}" type="datetimeFigureOut">
               <a:rPr lang="ko-KR" altLang="en-US" smtClean="0"/>
-              <a:t>2018-11-10</a:t>
+              <a:t>2018. 11. 10.</a:t>
             </a:fld>
             <a:endParaRPr lang="ko-KR" altLang="en-US"/>
           </a:p>
@@ -1530,7 +1757,7 @@
           <a:p>
             <a:fld id="{8E20E162-3880-4AB0-B825-B924C8552DF4}" type="datetimeFigureOut">
               <a:rPr lang="ko-KR" altLang="en-US" smtClean="0"/>
-              <a:t>2018-11-10</a:t>
+              <a:t>2018. 11. 10.</a:t>
             </a:fld>
             <a:endParaRPr lang="ko-KR" altLang="en-US"/>
           </a:p>
@@ -1698,7 +1925,7 @@
           <a:p>
             <a:fld id="{8E20E162-3880-4AB0-B825-B924C8552DF4}" type="datetimeFigureOut">
               <a:rPr lang="ko-KR" altLang="en-US" smtClean="0"/>
-              <a:t>2018-11-10</a:t>
+              <a:t>2018. 11. 10.</a:t>
             </a:fld>
             <a:endParaRPr lang="ko-KR" altLang="en-US"/>
           </a:p>
@@ -1943,7 +2170,7 @@
           <a:p>
             <a:fld id="{8E20E162-3880-4AB0-B825-B924C8552DF4}" type="datetimeFigureOut">
               <a:rPr lang="ko-KR" altLang="en-US" smtClean="0"/>
-              <a:t>2018-11-10</a:t>
+              <a:t>2018. 11. 10.</a:t>
             </a:fld>
             <a:endParaRPr lang="ko-KR" altLang="en-US"/>
           </a:p>
@@ -2228,7 +2455,7 @@
           <a:p>
             <a:fld id="{8E20E162-3880-4AB0-B825-B924C8552DF4}" type="datetimeFigureOut">
               <a:rPr lang="ko-KR" altLang="en-US" smtClean="0"/>
-              <a:t>2018-11-10</a:t>
+              <a:t>2018. 11. 10.</a:t>
             </a:fld>
             <a:endParaRPr lang="ko-KR" altLang="en-US"/>
           </a:p>
@@ -2647,7 +2874,7 @@
           <a:p>
             <a:fld id="{8E20E162-3880-4AB0-B825-B924C8552DF4}" type="datetimeFigureOut">
               <a:rPr lang="ko-KR" altLang="en-US" smtClean="0"/>
-              <a:t>2018-11-10</a:t>
+              <a:t>2018. 11. 10.</a:t>
             </a:fld>
             <a:endParaRPr lang="ko-KR" altLang="en-US"/>
           </a:p>
@@ -2764,7 +2991,7 @@
           <a:p>
             <a:fld id="{8E20E162-3880-4AB0-B825-B924C8552DF4}" type="datetimeFigureOut">
               <a:rPr lang="ko-KR" altLang="en-US" smtClean="0"/>
-              <a:t>2018-11-10</a:t>
+              <a:t>2018. 11. 10.</a:t>
             </a:fld>
             <a:endParaRPr lang="ko-KR" altLang="en-US"/>
           </a:p>
@@ -2859,7 +3086,7 @@
           <a:p>
             <a:fld id="{8E20E162-3880-4AB0-B825-B924C8552DF4}" type="datetimeFigureOut">
               <a:rPr lang="ko-KR" altLang="en-US" smtClean="0"/>
-              <a:t>2018-11-10</a:t>
+              <a:t>2018. 11. 10.</a:t>
             </a:fld>
             <a:endParaRPr lang="ko-KR" altLang="en-US"/>
           </a:p>
@@ -3134,7 +3361,7 @@
           <a:p>
             <a:fld id="{8E20E162-3880-4AB0-B825-B924C8552DF4}" type="datetimeFigureOut">
               <a:rPr lang="ko-KR" altLang="en-US" smtClean="0"/>
-              <a:t>2018-11-10</a:t>
+              <a:t>2018. 11. 10.</a:t>
             </a:fld>
             <a:endParaRPr lang="ko-KR" altLang="en-US"/>
           </a:p>
@@ -3386,7 +3613,7 @@
           <a:p>
             <a:fld id="{8E20E162-3880-4AB0-B825-B924C8552DF4}" type="datetimeFigureOut">
               <a:rPr lang="ko-KR" altLang="en-US" smtClean="0"/>
-              <a:t>2018-11-10</a:t>
+              <a:t>2018. 11. 10.</a:t>
             </a:fld>
             <a:endParaRPr lang="ko-KR" altLang="en-US"/>
           </a:p>
@@ -3597,7 +3824,7 @@
           <a:p>
             <a:fld id="{8E20E162-3880-4AB0-B825-B924C8552DF4}" type="datetimeFigureOut">
               <a:rPr lang="ko-KR" altLang="en-US" smtClean="0"/>
-              <a:t>2018-11-10</a:t>
+              <a:t>2018. 11. 10.</a:t>
             </a:fld>
             <a:endParaRPr lang="ko-KR" altLang="en-US"/>
           </a:p>
@@ -3977,7 +4204,7 @@
           <p:cNvPr id="2" name="제목 1">
             <a:extLst>
               <a:ext uri="{FF2B5EF4-FFF2-40B4-BE49-F238E27FC236}">
-                <a16:creationId xmlns:a16="http://schemas.microsoft.com/office/drawing/2014/main" xmlns="" id="{E8EBD7A7-4630-1047-9A97-D89735A59B12}"/>
+                <a16:creationId xmlns:a16="http://schemas.microsoft.com/office/drawing/2014/main" id="{E8EBD7A7-4630-1047-9A97-D89735A59B12}"/>
               </a:ext>
             </a:extLst>
           </p:cNvPr>
@@ -4013,7 +4240,7 @@
           <p:cNvPr id="3" name="내용 개체 틀 2">
             <a:extLst>
               <a:ext uri="{FF2B5EF4-FFF2-40B4-BE49-F238E27FC236}">
-                <a16:creationId xmlns:a16="http://schemas.microsoft.com/office/drawing/2014/main" xmlns="" id="{BA9874B2-5A79-0C4C-AEDC-6599047D15CC}"/>
+                <a16:creationId xmlns:a16="http://schemas.microsoft.com/office/drawing/2014/main" id="{BA9874B2-5A79-0C4C-AEDC-6599047D15CC}"/>
               </a:ext>
             </a:extLst>
           </p:cNvPr>
@@ -4184,10 +4411,6 @@
             </a:r>
           </a:p>
           <a:p>
-            <a:r>
-              <a:rPr lang="ko-KR" altLang="en-US" dirty="0"/>
-              <a:t/>
-            </a:r>
             <a:br>
               <a:rPr lang="ko-KR" altLang="en-US" dirty="0"/>
             </a:br>
@@ -4268,6 +4491,106 @@
           <a:chExt cx="0" cy="0"/>
         </a:xfrm>
       </p:grpSpPr>
+      <p:pic>
+        <p:nvPicPr>
+          <p:cNvPr id="6" name="내용 개체 틀 8" descr="스크린샷이(가) 표시된 사진&#10;&#10;&#10;&#10;자동 생성된 설명">
+            <a:extLst>
+              <a:ext uri="{FF2B5EF4-FFF2-40B4-BE49-F238E27FC236}">
+                <a16:creationId xmlns:a16="http://schemas.microsoft.com/office/drawing/2014/main" id="{0E816373-5551-9F4B-951C-E3D21C53B6C8}"/>
+              </a:ext>
+            </a:extLst>
+          </p:cNvPr>
+          <p:cNvPicPr>
+            <a:picLocks noChangeAspect="1"/>
+          </p:cNvPicPr>
+          <p:nvPr/>
+        </p:nvPicPr>
+        <p:blipFill rotWithShape="1">
+          <a:blip r:embed="rId3">
+            <a:extLst>
+              <a:ext uri="{28A0092B-C50C-407E-A947-70E740481C1C}">
+                <a14:useLocalDpi xmlns:a14="http://schemas.microsoft.com/office/drawing/2010/main" val="0"/>
+              </a:ext>
+            </a:extLst>
+          </a:blip>
+          <a:srcRect l="23539" t="33410" r="26460" b="7724"/>
+          <a:stretch/>
+        </p:blipFill>
+        <p:spPr>
+          <a:xfrm>
+            <a:off x="3276120" y="1690840"/>
+            <a:ext cx="2376000" cy="4135166"/>
+          </a:xfrm>
+          <a:prstGeom prst="flowChartAlternateProcess">
+            <a:avLst/>
+          </a:prstGeom>
+        </p:spPr>
+      </p:pic>
+      <p:pic>
+        <p:nvPicPr>
+          <p:cNvPr id="5" name="내용 개체 틀 4" descr="스크린샷이(가) 표시된 사진&#10;&#10;&#10;&#10;자동 생성된 설명">
+            <a:extLst>
+              <a:ext uri="{FF2B5EF4-FFF2-40B4-BE49-F238E27FC236}">
+                <a16:creationId xmlns:a16="http://schemas.microsoft.com/office/drawing/2014/main" id="{493F555A-8FE9-6046-A7BC-6595E736DF91}"/>
+              </a:ext>
+            </a:extLst>
+          </p:cNvPr>
+          <p:cNvPicPr>
+            <a:picLocks noGrp="1" noChangeAspect="1"/>
+          </p:cNvPicPr>
+          <p:nvPr>
+            <p:ph idx="1"/>
+          </p:nvPr>
+        </p:nvPicPr>
+        <p:blipFill>
+          <a:blip r:embed="rId4">
+            <a:extLst>
+              <a:ext uri="{28A0092B-C50C-407E-A947-70E740481C1C}">
+                <a14:useLocalDpi xmlns:a14="http://schemas.microsoft.com/office/drawing/2010/main" val="0"/>
+              </a:ext>
+            </a:extLst>
+          </a:blip>
+          <a:stretch>
+            <a:fillRect/>
+          </a:stretch>
+        </p:blipFill>
+        <p:spPr>
+          <a:xfrm>
+            <a:off x="3491880" y="2200559"/>
+            <a:ext cx="2016223" cy="2966601"/>
+          </a:xfrm>
+        </p:spPr>
+      </p:pic>
+    </p:spTree>
+    <p:extLst>
+      <p:ext uri="{BB962C8B-B14F-4D97-AF65-F5344CB8AC3E}">
+        <p14:creationId xmlns:p14="http://schemas.microsoft.com/office/powerpoint/2010/main" val="1455769635"/>
+      </p:ext>
+    </p:extLst>
+  </p:cSld>
+  <p:clrMapOvr>
+    <a:masterClrMapping/>
+  </p:clrMapOvr>
+</p:sld>
+</file>
+
+<file path=ppt/slides/slide11.xml><?xml version="1.0" encoding="utf-8"?>
+<p:sld xmlns:a="http://schemas.openxmlformats.org/drawingml/2006/main" xmlns:r="http://schemas.openxmlformats.org/officeDocument/2006/relationships" xmlns:p="http://schemas.openxmlformats.org/presentationml/2006/main">
+  <p:cSld>
+    <p:spTree>
+      <p:nvGrpSpPr>
+        <p:cNvPr id="1" name=""/>
+        <p:cNvGrpSpPr/>
+        <p:nvPr/>
+      </p:nvGrpSpPr>
+      <p:grpSpPr>
+        <a:xfrm>
+          <a:off x="0" y="0"/>
+          <a:ext cx="0" cy="0"/>
+          <a:chOff x="0" y="0"/>
+          <a:chExt cx="0" cy="0"/>
+        </a:xfrm>
+      </p:grpSpPr>
       <p:sp>
         <p:nvSpPr>
           <p:cNvPr id="2" name="제목 1"/>
@@ -4303,7 +4626,7 @@
           <p:cNvPr id="4" name="내용 개체 틀 8" descr="스크린샷이(가) 표시된 사진&#10;&#10;&#10;&#10;자동 생성된 설명">
             <a:extLst>
               <a:ext uri="{FF2B5EF4-FFF2-40B4-BE49-F238E27FC236}">
-                <a16:creationId xmlns:a16="http://schemas.microsoft.com/office/drawing/2014/main" xmlns="" id="{49F20AB3-A0D8-E445-957D-6C1CF569A8C4}"/>
+                <a16:creationId xmlns:a16="http://schemas.microsoft.com/office/drawing/2014/main" id="{49F20AB3-A0D8-E445-957D-6C1CF569A8C4}"/>
               </a:ext>
             </a:extLst>
           </p:cNvPr>
@@ -4648,10 +4971,9 @@
             <a:lstStyle/>
             <a:p>
               <a:r>
-                <a:rPr lang="ko-KR" altLang="en-US" sz="1300" dirty="0" smtClean="0"/>
+                <a:rPr lang="ko-KR" altLang="en-US" sz="1300" dirty="0"/>
                 <a:t>마스크 배송</a:t>
               </a:r>
-              <a:endParaRPr lang="ko-KR" altLang="en-US" sz="1300" dirty="0"/>
             </a:p>
           </p:txBody>
         </p:sp>
@@ -4678,10 +5000,9 @@
             <a:lstStyle/>
             <a:p>
               <a:r>
-                <a:rPr lang="ko-KR" altLang="en-US" sz="1500" dirty="0" smtClean="0"/>
+                <a:rPr lang="ko-KR" altLang="en-US" sz="1500" dirty="0"/>
                 <a:t>남은 마스크 수</a:t>
               </a:r>
-              <a:endParaRPr lang="ko-KR" altLang="en-US" sz="1500" dirty="0"/>
             </a:p>
           </p:txBody>
         </p:sp>
@@ -4699,7 +5020,7 @@
 </p:sld>
 </file>
 
-<file path=ppt/slides/slide11.xml><?xml version="1.0" encoding="utf-8"?>
+<file path=ppt/slides/slide12.xml><?xml version="1.0" encoding="utf-8"?>
 <p:sld xmlns:a="http://schemas.openxmlformats.org/drawingml/2006/main" xmlns:r="http://schemas.openxmlformats.org/officeDocument/2006/relationships" xmlns:p="http://schemas.openxmlformats.org/presentationml/2006/main">
   <p:cSld>
     <p:spTree>
@@ -4749,7 +5070,7 @@
           <p:cNvPr id="4" name="내용 개체 틀 8" descr="스크린샷이(가) 표시된 사진&#10;&#10;&#10;&#10;자동 생성된 설명">
             <a:extLst>
               <a:ext uri="{FF2B5EF4-FFF2-40B4-BE49-F238E27FC236}">
-                <a16:creationId xmlns:a16="http://schemas.microsoft.com/office/drawing/2014/main" xmlns="" id="{49F20AB3-A0D8-E445-957D-6C1CF569A8C4}"/>
+                <a16:creationId xmlns:a16="http://schemas.microsoft.com/office/drawing/2014/main" id="{49F20AB3-A0D8-E445-957D-6C1CF569A8C4}"/>
               </a:ext>
             </a:extLst>
           </p:cNvPr>
@@ -4820,172 +5141,46 @@
           </a:extLst>
         </p:spPr>
       </p:pic>
+      <p:pic>
+        <p:nvPicPr>
+          <p:cNvPr id="5" name="그림 4" descr="실내이(가) 표시된 사진&#10;&#10;&#10;&#10;자동 생성된 설명">
+            <a:extLst>
+              <a:ext uri="{FF2B5EF4-FFF2-40B4-BE49-F238E27FC236}">
+                <a16:creationId xmlns:a16="http://schemas.microsoft.com/office/drawing/2014/main" id="{9E7717B7-90BA-3F4B-9BB0-475AC09E75EA}"/>
+              </a:ext>
+            </a:extLst>
+          </p:cNvPr>
+          <p:cNvPicPr>
+            <a:picLocks/>
+          </p:cNvPicPr>
+          <p:nvPr/>
+        </p:nvPicPr>
+        <p:blipFill>
+          <a:blip r:embed="rId5">
+            <a:extLst>
+              <a:ext uri="{28A0092B-C50C-407E-A947-70E740481C1C}">
+                <a14:useLocalDpi xmlns:a14="http://schemas.microsoft.com/office/drawing/2010/main" val="0"/>
+              </a:ext>
+            </a:extLst>
+          </a:blip>
+          <a:stretch>
+            <a:fillRect/>
+          </a:stretch>
+        </p:blipFill>
+        <p:spPr>
+          <a:xfrm>
+            <a:off x="5789160" y="2204864"/>
+            <a:ext cx="2023200" cy="2973600"/>
+          </a:xfrm>
+          <a:prstGeom prst="rect">
+            <a:avLst/>
+          </a:prstGeom>
+        </p:spPr>
+      </p:pic>
     </p:spTree>
     <p:extLst>
       <p:ext uri="{BB962C8B-B14F-4D97-AF65-F5344CB8AC3E}">
         <p14:creationId xmlns:p14="http://schemas.microsoft.com/office/powerpoint/2010/main" val="3212548607"/>
-      </p:ext>
-    </p:extLst>
-  </p:cSld>
-  <p:clrMapOvr>
-    <a:masterClrMapping/>
-  </p:clrMapOvr>
-</p:sld>
-</file>
-
-<file path=ppt/slides/slide12.xml><?xml version="1.0" encoding="utf-8"?>
-<p:sld xmlns:a="http://schemas.openxmlformats.org/drawingml/2006/main" xmlns:r="http://schemas.openxmlformats.org/officeDocument/2006/relationships" xmlns:p="http://schemas.openxmlformats.org/presentationml/2006/main">
-  <p:cSld>
-    <p:spTree>
-      <p:nvGrpSpPr>
-        <p:cNvPr id="1" name=""/>
-        <p:cNvGrpSpPr/>
-        <p:nvPr/>
-      </p:nvGrpSpPr>
-      <p:grpSpPr>
-        <a:xfrm>
-          <a:off x="0" y="0"/>
-          <a:ext cx="0" cy="0"/>
-          <a:chOff x="0" y="0"/>
-          <a:chExt cx="0" cy="0"/>
-        </a:xfrm>
-      </p:grpSpPr>
-      <p:sp>
-        <p:nvSpPr>
-          <p:cNvPr id="2" name="제목 1">
-            <a:extLst>
-              <a:ext uri="{FF2B5EF4-FFF2-40B4-BE49-F238E27FC236}">
-                <a16:creationId xmlns:a16="http://schemas.microsoft.com/office/drawing/2014/main" xmlns="" id="{A616ACF8-0967-254E-9A89-A97507292D4D}"/>
-              </a:ext>
-            </a:extLst>
-          </p:cNvPr>
-          <p:cNvSpPr>
-            <a:spLocks noGrp="1"/>
-          </p:cNvSpPr>
-          <p:nvPr>
-            <p:ph type="title"/>
-          </p:nvPr>
-        </p:nvSpPr>
-        <p:spPr/>
-        <p:txBody>
-          <a:bodyPr/>
-          <a:lstStyle/>
-          <a:p>
-            <a:r>
-              <a:rPr kumimoji="1" lang="ko-KR" altLang="en-US" dirty="0"/>
-              <a:t>핵심 경쟁력</a:t>
-            </a:r>
-          </a:p>
-        </p:txBody>
-      </p:sp>
-      <p:sp>
-        <p:nvSpPr>
-          <p:cNvPr id="3" name="내용 개체 틀 2">
-            <a:extLst>
-              <a:ext uri="{FF2B5EF4-FFF2-40B4-BE49-F238E27FC236}">
-                <a16:creationId xmlns:a16="http://schemas.microsoft.com/office/drawing/2014/main" xmlns="" id="{A9EE0F75-50A2-D04C-82B0-482E543CA08F}"/>
-              </a:ext>
-            </a:extLst>
-          </p:cNvPr>
-          <p:cNvSpPr>
-            <a:spLocks noGrp="1"/>
-          </p:cNvSpPr>
-          <p:nvPr>
-            <p:ph idx="1"/>
-          </p:nvPr>
-        </p:nvSpPr>
-        <p:spPr/>
-        <p:txBody>
-          <a:bodyPr/>
-          <a:lstStyle/>
-          <a:p>
-            <a:r>
-              <a:rPr kumimoji="1" lang="ko-KR" altLang="en-US" dirty="0"/>
-              <a:t>여기에 제휴업체 소개</a:t>
-            </a:r>
-            <a:r>
-              <a:rPr kumimoji="1" lang="en-US" altLang="ko-KR" dirty="0"/>
-              <a:t>(</a:t>
-            </a:r>
-            <a:r>
-              <a:rPr kumimoji="1" lang="ko-KR" altLang="en-US" dirty="0"/>
-              <a:t>이익창출을 목적으로 하되 </a:t>
-            </a:r>
-            <a:r>
-              <a:rPr kumimoji="1" lang="ko-KR" altLang="en-US" dirty="0" err="1"/>
-              <a:t>알람</a:t>
-            </a:r>
-            <a:r>
-              <a:rPr kumimoji="1" lang="ko-KR" altLang="en-US" dirty="0"/>
-              <a:t> 기능을 하는 걸로 </a:t>
-            </a:r>
-            <a:r>
-              <a:rPr kumimoji="1" lang="en-US" altLang="ko-KR" dirty="0"/>
-              <a:t>)</a:t>
-            </a:r>
-          </a:p>
-          <a:p>
-            <a:r>
-              <a:rPr kumimoji="1" lang="ko-KR" altLang="en-US" dirty="0"/>
-              <a:t>이익 창출 방법</a:t>
-            </a:r>
-            <a:r>
-              <a:rPr kumimoji="1" lang="en-US" altLang="ko-KR" dirty="0"/>
-              <a:t>- </a:t>
-            </a:r>
-            <a:r>
-              <a:rPr kumimoji="1" lang="ko-KR" altLang="en-US" dirty="0"/>
-              <a:t>㈜마스크</a:t>
-            </a:r>
-            <a:endParaRPr kumimoji="1" lang="en-US" altLang="ko-KR" dirty="0"/>
-          </a:p>
-          <a:p>
-            <a:pPr marL="0" indent="0">
-              <a:buNone/>
-            </a:pPr>
-            <a:r>
-              <a:rPr kumimoji="1" lang="en-US" altLang="ko-KR" dirty="0"/>
-              <a:t>                     - (</a:t>
-            </a:r>
-            <a:r>
-              <a:rPr kumimoji="1" lang="ko-KR" altLang="en-US" dirty="0"/>
-              <a:t>부</a:t>
-            </a:r>
-            <a:r>
-              <a:rPr kumimoji="1" lang="en-US" altLang="ko-KR" dirty="0"/>
-              <a:t>)</a:t>
-            </a:r>
-            <a:r>
-              <a:rPr kumimoji="1" lang="ko-KR" altLang="en-US" dirty="0"/>
-              <a:t>화장품</a:t>
-            </a:r>
-            <a:r>
-              <a:rPr kumimoji="1" lang="en-US" altLang="ko-KR" dirty="0"/>
-              <a:t>, </a:t>
-            </a:r>
-            <a:r>
-              <a:rPr kumimoji="1" lang="ko-KR" altLang="en-US" dirty="0"/>
-              <a:t>공기청정기</a:t>
-            </a:r>
-            <a:r>
-              <a:rPr kumimoji="1" lang="en-US" altLang="ko-KR" dirty="0"/>
-              <a:t>,</a:t>
-            </a:r>
-            <a:r>
-              <a:rPr kumimoji="1" lang="ko-KR" altLang="en-US" dirty="0"/>
-              <a:t>음식</a:t>
-            </a:r>
-            <a:endParaRPr kumimoji="1" lang="en-US" altLang="ko-KR" dirty="0"/>
-          </a:p>
-          <a:p>
-            <a:endParaRPr kumimoji="1" lang="ko-KR" altLang="en-US" dirty="0"/>
-          </a:p>
-        </p:txBody>
-      </p:sp>
-    </p:spTree>
-    <p:extLst>
-      <p:ext uri="{BB962C8B-B14F-4D97-AF65-F5344CB8AC3E}">
-        <p14:creationId xmlns:p14="http://schemas.microsoft.com/office/powerpoint/2010/main" val="1092442487"/>
       </p:ext>
     </p:extLst>
   </p:cSld>
@@ -5017,7 +5212,7 @@
           <p:cNvPr id="2" name="제목 1">
             <a:extLst>
               <a:ext uri="{FF2B5EF4-FFF2-40B4-BE49-F238E27FC236}">
-                <a16:creationId xmlns:a16="http://schemas.microsoft.com/office/drawing/2014/main" xmlns="" id="{28F98C9A-6B41-9E48-9587-94770AFED79E}"/>
+                <a16:creationId xmlns:a16="http://schemas.microsoft.com/office/drawing/2014/main" id="{A616ACF8-0967-254E-9A89-A97507292D4D}"/>
               </a:ext>
             </a:extLst>
           </p:cNvPr>
@@ -5035,116 +5230,159 @@
           <a:p>
             <a:r>
               <a:rPr kumimoji="1" lang="ko-KR" altLang="en-US" dirty="0"/>
-              <a:t>시장</a:t>
-            </a:r>
-            <a:r>
-              <a:rPr kumimoji="1" lang="en-US" altLang="ko-KR" dirty="0"/>
-              <a:t>/</a:t>
-            </a:r>
-            <a:r>
-              <a:rPr kumimoji="1" lang="ko-KR" altLang="en-US" dirty="0"/>
-              <a:t>경쟁 분석</a:t>
-            </a:r>
-          </a:p>
-        </p:txBody>
-      </p:sp>
-      <p:sp>
-        <p:nvSpPr>
-          <p:cNvPr id="3" name="내용 개체 틀 2">
+              <a:t>핵심 경쟁력</a:t>
+            </a:r>
+          </a:p>
+        </p:txBody>
+      </p:sp>
+      <p:pic>
+        <p:nvPicPr>
+          <p:cNvPr id="4" name="내용 개체 틀 8" descr="스크린샷이(가) 표시된 사진&#10;&#10;&#10;&#10;자동 생성된 설명">
             <a:extLst>
               <a:ext uri="{FF2B5EF4-FFF2-40B4-BE49-F238E27FC236}">
-                <a16:creationId xmlns:a16="http://schemas.microsoft.com/office/drawing/2014/main" xmlns="" id="{E883A23E-B406-1348-839E-7F8B6950D10E}"/>
+                <a16:creationId xmlns:a16="http://schemas.microsoft.com/office/drawing/2014/main" id="{CDC00A24-94FD-414F-8171-CCB5F9E5C7F6}"/>
               </a:ext>
             </a:extLst>
           </p:cNvPr>
-          <p:cNvSpPr>
-            <a:spLocks noGrp="1"/>
-          </p:cNvSpPr>
+          <p:cNvPicPr>
+            <a:picLocks noGrp="1"/>
+          </p:cNvPicPr>
           <p:nvPr>
             <p:ph idx="1"/>
           </p:nvPr>
-        </p:nvSpPr>
-        <p:spPr/>
-        <p:txBody>
-          <a:bodyPr/>
-          <a:lstStyle/>
-          <a:p>
-            <a:r>
-              <a:rPr kumimoji="1" lang="en" altLang="ko-KR" dirty="0"/>
-              <a:t>research</a:t>
-            </a:r>
-            <a:r>
-              <a:rPr kumimoji="1" lang="ko-KR" altLang="en-US" dirty="0" err="1"/>
-              <a:t>를</a:t>
-            </a:r>
-            <a:r>
-              <a:rPr kumimoji="1" lang="ko-KR" altLang="en-US" dirty="0"/>
-              <a:t> 해서 공급 업체 중에서도 메이저로 할 거냐 마이너로 할 거냐</a:t>
-            </a:r>
-          </a:p>
-          <a:p>
-            <a:r>
-              <a:rPr kumimoji="1" lang="en-US" altLang="ko-KR" dirty="0"/>
-              <a:t>1. </a:t>
-            </a:r>
-            <a:r>
-              <a:rPr kumimoji="1" lang="ko-KR" altLang="en-US" dirty="0"/>
-              <a:t>기성 업체</a:t>
-            </a:r>
-            <a:r>
-              <a:rPr kumimoji="1" lang="en-US" altLang="ko-KR" dirty="0"/>
-              <a:t>(</a:t>
-            </a:r>
-            <a:r>
-              <a:rPr kumimoji="1" lang="ko-KR" altLang="en-US" dirty="0"/>
-              <a:t>있는 것을 홍보하거나 정보를 알려주는 것</a:t>
-            </a:r>
-            <a:r>
-              <a:rPr kumimoji="1" lang="en-US" altLang="ko-KR" dirty="0"/>
-              <a:t>)</a:t>
-            </a:r>
-          </a:p>
-          <a:p>
-            <a:r>
-              <a:rPr kumimoji="1" lang="en-US" altLang="ko-KR" dirty="0"/>
-              <a:t>2. </a:t>
-            </a:r>
-            <a:r>
-              <a:rPr kumimoji="1" lang="ko-KR" altLang="en-US" dirty="0"/>
-              <a:t>서비스화</a:t>
-            </a:r>
-            <a:r>
-              <a:rPr kumimoji="1" lang="en-US" altLang="ko-KR" dirty="0"/>
-              <a:t>(</a:t>
-            </a:r>
-            <a:r>
-              <a:rPr kumimoji="1" lang="ko-KR" altLang="en-US" dirty="0"/>
-              <a:t>다른 차원으로 넘어가는 것</a:t>
-            </a:r>
-            <a:r>
-              <a:rPr kumimoji="1" lang="en-US" altLang="ko-KR" dirty="0"/>
-              <a:t>)(</a:t>
-            </a:r>
-            <a:r>
-              <a:rPr kumimoji="1" lang="en" altLang="ko-KR" dirty="0"/>
-              <a:t>ex : </a:t>
-            </a:r>
-            <a:r>
-              <a:rPr kumimoji="1" lang="ko-KR" altLang="en-US" dirty="0"/>
-              <a:t>정기 배송 등</a:t>
-            </a:r>
-            <a:r>
-              <a:rPr kumimoji="1" lang="en-US" altLang="ko-KR" dirty="0"/>
-              <a:t>)</a:t>
-            </a:r>
-            <a:endParaRPr kumimoji="1" lang="ko-KR" altLang="en-US" dirty="0"/>
-          </a:p>
-        </p:txBody>
-      </p:sp>
+        </p:nvPicPr>
+        <p:blipFill rotWithShape="1">
+          <a:blip r:embed="rId3">
+            <a:extLst>
+              <a:ext uri="{28A0092B-C50C-407E-A947-70E740481C1C}">
+                <a14:useLocalDpi xmlns:a14="http://schemas.microsoft.com/office/drawing/2010/main" val="0"/>
+              </a:ext>
+            </a:extLst>
+          </a:blip>
+          <a:srcRect l="23539" t="33410" r="26460" b="7724"/>
+          <a:stretch/>
+        </p:blipFill>
+        <p:spPr>
+          <a:xfrm>
+            <a:off x="1619672" y="1600200"/>
+            <a:ext cx="2376000" cy="4136400"/>
+          </a:xfrm>
+          <a:prstGeom prst="flowChartAlternateProcess">
+            <a:avLst/>
+          </a:prstGeom>
+        </p:spPr>
+      </p:pic>
+      <p:pic>
+        <p:nvPicPr>
+          <p:cNvPr id="5" name="내용 개체 틀 4" descr="스크린샷이(가) 표시된 사진&#10;&#10;&#10;&#10;자동 생성된 설명">
+            <a:extLst>
+              <a:ext uri="{FF2B5EF4-FFF2-40B4-BE49-F238E27FC236}">
+                <a16:creationId xmlns:a16="http://schemas.microsoft.com/office/drawing/2014/main" id="{9EAAC680-6AEB-B941-9E42-0387D5A32B26}"/>
+              </a:ext>
+            </a:extLst>
+          </p:cNvPr>
+          <p:cNvPicPr>
+            <a:picLocks/>
+          </p:cNvPicPr>
+          <p:nvPr/>
+        </p:nvPicPr>
+        <p:blipFill>
+          <a:blip r:embed="rId4">
+            <a:extLst>
+              <a:ext uri="{28A0092B-C50C-407E-A947-70E740481C1C}">
+                <a14:useLocalDpi xmlns:a14="http://schemas.microsoft.com/office/drawing/2010/main" val="0"/>
+              </a:ext>
+            </a:extLst>
+          </a:blip>
+          <a:stretch>
+            <a:fillRect/>
+          </a:stretch>
+        </p:blipFill>
+        <p:spPr>
+          <a:xfrm>
+            <a:off x="1836805" y="2111584"/>
+            <a:ext cx="2026800" cy="2973600"/>
+          </a:xfrm>
+          <a:prstGeom prst="rect">
+            <a:avLst/>
+          </a:prstGeom>
+        </p:spPr>
+      </p:pic>
+      <p:pic>
+        <p:nvPicPr>
+          <p:cNvPr id="6" name="내용 개체 틀 8" descr="스크린샷이(가) 표시된 사진&#10;&#10;&#10;&#10;자동 생성된 설명">
+            <a:extLst>
+              <a:ext uri="{FF2B5EF4-FFF2-40B4-BE49-F238E27FC236}">
+                <a16:creationId xmlns:a16="http://schemas.microsoft.com/office/drawing/2014/main" id="{2C4A354A-62A4-6E44-A3F1-9BFC6D40FB24}"/>
+              </a:ext>
+            </a:extLst>
+          </p:cNvPr>
+          <p:cNvPicPr>
+            <a:picLocks noChangeAspect="1"/>
+          </p:cNvPicPr>
+          <p:nvPr/>
+        </p:nvPicPr>
+        <p:blipFill rotWithShape="1">
+          <a:blip r:embed="rId3">
+            <a:extLst>
+              <a:ext uri="{28A0092B-C50C-407E-A947-70E740481C1C}">
+                <a14:useLocalDpi xmlns:a14="http://schemas.microsoft.com/office/drawing/2010/main" val="0"/>
+              </a:ext>
+            </a:extLst>
+          </a:blip>
+          <a:srcRect l="23539" t="33410" r="26460" b="7724"/>
+          <a:stretch/>
+        </p:blipFill>
+        <p:spPr>
+          <a:xfrm>
+            <a:off x="5508104" y="1628800"/>
+            <a:ext cx="2376000" cy="4135166"/>
+          </a:xfrm>
+          <a:prstGeom prst="flowChartAlternateProcess">
+            <a:avLst/>
+          </a:prstGeom>
+        </p:spPr>
+      </p:pic>
+      <p:pic>
+        <p:nvPicPr>
+          <p:cNvPr id="8" name="그림 7" descr="실내이(가) 표시된 사진&#10;&#10;&#10;&#10;자동 생성된 설명">
+            <a:extLst>
+              <a:ext uri="{FF2B5EF4-FFF2-40B4-BE49-F238E27FC236}">
+                <a16:creationId xmlns:a16="http://schemas.microsoft.com/office/drawing/2014/main" id="{0E819101-F64A-3D43-8B12-F927FAF27F6C}"/>
+              </a:ext>
+            </a:extLst>
+          </p:cNvPr>
+          <p:cNvPicPr>
+            <a:picLocks/>
+          </p:cNvPicPr>
+          <p:nvPr/>
+        </p:nvPicPr>
+        <p:blipFill>
+          <a:blip r:embed="rId5">
+            <a:extLst>
+              <a:ext uri="{28A0092B-C50C-407E-A947-70E740481C1C}">
+                <a14:useLocalDpi xmlns:a14="http://schemas.microsoft.com/office/drawing/2010/main" val="0"/>
+              </a:ext>
+            </a:extLst>
+          </a:blip>
+          <a:stretch>
+            <a:fillRect/>
+          </a:stretch>
+        </p:blipFill>
+        <p:spPr>
+          <a:xfrm>
+            <a:off x="5716888" y="2142824"/>
+            <a:ext cx="2023200" cy="2973600"/>
+          </a:xfrm>
+          <a:prstGeom prst="rect">
+            <a:avLst/>
+          </a:prstGeom>
+        </p:spPr>
+      </p:pic>
     </p:spTree>
     <p:extLst>
       <p:ext uri="{BB962C8B-B14F-4D97-AF65-F5344CB8AC3E}">
-        <p14:creationId xmlns:p14="http://schemas.microsoft.com/office/powerpoint/2010/main" val="4222687490"/>
+        <p14:creationId xmlns:p14="http://schemas.microsoft.com/office/powerpoint/2010/main" val="1092442487"/>
       </p:ext>
     </p:extLst>
   </p:cSld>
@@ -5176,7 +5414,7 @@
           <p:cNvPr id="2" name="제목 1">
             <a:extLst>
               <a:ext uri="{FF2B5EF4-FFF2-40B4-BE49-F238E27FC236}">
-                <a16:creationId xmlns:a16="http://schemas.microsoft.com/office/drawing/2014/main" xmlns="" id="{9C508281-2DF6-3F4B-B03E-499380C0C441}"/>
+                <a16:creationId xmlns:a16="http://schemas.microsoft.com/office/drawing/2014/main" id="{28F98C9A-6B41-9E48-9587-94770AFED79E}"/>
               </a:ext>
             </a:extLst>
           </p:cNvPr>
@@ -5194,7 +5432,15 @@
           <a:p>
             <a:r>
               <a:rPr kumimoji="1" lang="ko-KR" altLang="en-US" dirty="0"/>
-              <a:t>질의응답</a:t>
+              <a:t>시장</a:t>
+            </a:r>
+            <a:r>
+              <a:rPr kumimoji="1" lang="en-US" altLang="ko-KR" dirty="0"/>
+              <a:t>/</a:t>
+            </a:r>
+            <a:r>
+              <a:rPr kumimoji="1" lang="ko-KR" altLang="en-US" dirty="0"/>
+              <a:t>경쟁 분석</a:t>
             </a:r>
           </a:p>
         </p:txBody>
@@ -5204,7 +5450,7 @@
           <p:cNvPr id="3" name="내용 개체 틀 2">
             <a:extLst>
               <a:ext uri="{FF2B5EF4-FFF2-40B4-BE49-F238E27FC236}">
-                <a16:creationId xmlns:a16="http://schemas.microsoft.com/office/drawing/2014/main" xmlns="" id="{C088C665-85BA-2947-B1EE-D2C597E1ADDB}"/>
+                <a16:creationId xmlns:a16="http://schemas.microsoft.com/office/drawing/2014/main" id="{E883A23E-B406-1348-839E-7F8B6950D10E}"/>
               </a:ext>
             </a:extLst>
           </p:cNvPr>
@@ -5220,6 +5466,74 @@
           <a:bodyPr/>
           <a:lstStyle/>
           <a:p>
+            <a:r>
+              <a:rPr kumimoji="1" lang="en" altLang="ko-KR" dirty="0"/>
+              <a:t>research</a:t>
+            </a:r>
+            <a:r>
+              <a:rPr kumimoji="1" lang="ko-KR" altLang="en-US" dirty="0" err="1"/>
+              <a:t>를</a:t>
+            </a:r>
+            <a:r>
+              <a:rPr kumimoji="1" lang="ko-KR" altLang="en-US" dirty="0"/>
+              <a:t> 해서 공급 업체 중에서도 메이저로 할 거냐 마이너로 할 거냐</a:t>
+            </a:r>
+          </a:p>
+          <a:p>
+            <a:r>
+              <a:rPr kumimoji="1" lang="en-US" altLang="ko-KR" dirty="0"/>
+              <a:t>1. </a:t>
+            </a:r>
+            <a:r>
+              <a:rPr kumimoji="1" lang="ko-KR" altLang="en-US" dirty="0"/>
+              <a:t>기성 업체</a:t>
+            </a:r>
+            <a:r>
+              <a:rPr kumimoji="1" lang="en-US" altLang="ko-KR" dirty="0"/>
+              <a:t>(</a:t>
+            </a:r>
+            <a:r>
+              <a:rPr kumimoji="1" lang="ko-KR" altLang="en-US" dirty="0"/>
+              <a:t>있는 것을 홍보하거나 정보를 알려주는 것</a:t>
+            </a:r>
+            <a:r>
+              <a:rPr kumimoji="1" lang="en-US" altLang="ko-KR" dirty="0"/>
+              <a:t>)</a:t>
+            </a:r>
+          </a:p>
+          <a:p>
+            <a:r>
+              <a:rPr kumimoji="1" lang="en-US" altLang="ko-KR" dirty="0"/>
+              <a:t>2. </a:t>
+            </a:r>
+            <a:r>
+              <a:rPr kumimoji="1" lang="ko-KR" altLang="en-US" dirty="0"/>
+              <a:t>서비스화</a:t>
+            </a:r>
+            <a:r>
+              <a:rPr kumimoji="1" lang="en-US" altLang="ko-KR" dirty="0"/>
+              <a:t>(</a:t>
+            </a:r>
+            <a:r>
+              <a:rPr kumimoji="1" lang="ko-KR" altLang="en-US" dirty="0"/>
+              <a:t>다른 차원으로 넘어가는 것</a:t>
+            </a:r>
+            <a:r>
+              <a:rPr kumimoji="1" lang="en-US" altLang="ko-KR" dirty="0"/>
+              <a:t>)(</a:t>
+            </a:r>
+            <a:r>
+              <a:rPr kumimoji="1" lang="en" altLang="ko-KR" dirty="0"/>
+              <a:t>ex : </a:t>
+            </a:r>
+            <a:r>
+              <a:rPr kumimoji="1" lang="ko-KR" altLang="en-US" dirty="0"/>
+              <a:t>정기 배송 등</a:t>
+            </a:r>
+            <a:r>
+              <a:rPr kumimoji="1" lang="en-US" altLang="ko-KR" dirty="0"/>
+              <a:t>)</a:t>
+            </a:r>
             <a:endParaRPr kumimoji="1" lang="ko-KR" altLang="en-US" dirty="0"/>
           </a:p>
         </p:txBody>
@@ -5227,7 +5541,7 @@
     </p:spTree>
     <p:extLst>
       <p:ext uri="{BB962C8B-B14F-4D97-AF65-F5344CB8AC3E}">
-        <p14:creationId xmlns:p14="http://schemas.microsoft.com/office/powerpoint/2010/main" val="1759387882"/>
+        <p14:creationId xmlns:p14="http://schemas.microsoft.com/office/powerpoint/2010/main" val="4222687490"/>
       </p:ext>
     </p:extLst>
   </p:cSld>
@@ -5256,10 +5570,73 @@
       </p:grpSpPr>
       <p:sp>
         <p:nvSpPr>
+          <p:cNvPr id="2" name="제목 1">
+            <a:extLst>
+              <a:ext uri="{FF2B5EF4-FFF2-40B4-BE49-F238E27FC236}">
+                <a16:creationId xmlns:a16="http://schemas.microsoft.com/office/drawing/2014/main" id="{9C508281-2DF6-3F4B-B03E-499380C0C441}"/>
+              </a:ext>
+            </a:extLst>
+          </p:cNvPr>
+          <p:cNvSpPr>
+            <a:spLocks noGrp="1"/>
+          </p:cNvSpPr>
+          <p:nvPr>
+            <p:ph type="title"/>
+          </p:nvPr>
+        </p:nvSpPr>
+        <p:spPr>
+          <a:xfrm>
+            <a:off x="457200" y="2636912"/>
+            <a:ext cx="8229600" cy="1143000"/>
+          </a:xfrm>
+        </p:spPr>
+        <p:txBody>
+          <a:bodyPr/>
+          <a:lstStyle/>
+          <a:p>
+            <a:r>
+              <a:rPr kumimoji="1" lang="ko-KR" altLang="en-US" dirty="0"/>
+              <a:t>질의응답</a:t>
+            </a:r>
+          </a:p>
+        </p:txBody>
+      </p:sp>
+    </p:spTree>
+    <p:extLst>
+      <p:ext uri="{BB962C8B-B14F-4D97-AF65-F5344CB8AC3E}">
+        <p14:creationId xmlns:p14="http://schemas.microsoft.com/office/powerpoint/2010/main" val="1759387882"/>
+      </p:ext>
+    </p:extLst>
+  </p:cSld>
+  <p:clrMapOvr>
+    <a:masterClrMapping/>
+  </p:clrMapOvr>
+</p:sld>
+</file>
+
+<file path=ppt/slides/slide16.xml><?xml version="1.0" encoding="utf-8"?>
+<p:sld xmlns:a="http://schemas.openxmlformats.org/drawingml/2006/main" xmlns:r="http://schemas.openxmlformats.org/officeDocument/2006/relationships" xmlns:p="http://schemas.openxmlformats.org/presentationml/2006/main">
+  <p:cSld>
+    <p:spTree>
+      <p:nvGrpSpPr>
+        <p:cNvPr id="1" name=""/>
+        <p:cNvGrpSpPr/>
+        <p:nvPr/>
+      </p:nvGrpSpPr>
+      <p:grpSpPr>
+        <a:xfrm>
+          <a:off x="0" y="0"/>
+          <a:ext cx="0" cy="0"/>
+          <a:chOff x="0" y="0"/>
+          <a:chExt cx="0" cy="0"/>
+        </a:xfrm>
+      </p:grpSpPr>
+      <p:sp>
+        <p:nvSpPr>
           <p:cNvPr id="3" name="내용 개체 틀 2">
             <a:extLst>
               <a:ext uri="{FF2B5EF4-FFF2-40B4-BE49-F238E27FC236}">
-                <a16:creationId xmlns:a16="http://schemas.microsoft.com/office/drawing/2014/main" xmlns="" id="{6F98B7E9-F878-0E42-A16C-75C889AFE0CE}"/>
+                <a16:creationId xmlns:a16="http://schemas.microsoft.com/office/drawing/2014/main" id="{6F98B7E9-F878-0E42-A16C-75C889AFE0CE}"/>
               </a:ext>
             </a:extLst>
           </p:cNvPr>
@@ -5272,8 +5649,8 @@
         </p:nvSpPr>
         <p:spPr>
           <a:xfrm>
-            <a:off x="457200" y="260648"/>
-            <a:ext cx="8229600" cy="5865515"/>
+            <a:off x="457200" y="2708920"/>
+            <a:ext cx="8229600" cy="864096"/>
           </a:xfrm>
         </p:spPr>
         <p:txBody>
@@ -5285,25 +5662,11 @@
             </a:pPr>
             <a:r>
               <a:rPr kumimoji="1" lang="ko-KR" altLang="en-US" dirty="0"/>
-              <a:t>감사합니다 </a:t>
-            </a:r>
-            <a:r>
-              <a:rPr kumimoji="1" lang="en-US" altLang="ko-KR" dirty="0">
-                <a:sym typeface="Wingdings" pitchFamily="2" charset="2"/>
-              </a:rPr>
-              <a:t>:</a:t>
-            </a:r>
-            <a:r>
-              <a:rPr kumimoji="1" lang="ko-KR" altLang="en-US" dirty="0">
-                <a:sym typeface="Wingdings" pitchFamily="2" charset="2"/>
-              </a:rPr>
-              <a:t> </a:t>
-            </a:r>
-            <a:r>
-              <a:rPr kumimoji="1" lang="en-US" altLang="ko-KR" dirty="0">
-                <a:sym typeface="Wingdings" pitchFamily="2" charset="2"/>
-              </a:rPr>
-              <a:t>)</a:t>
+              <a:t>감사합니다</a:t>
+            </a:r>
+            <a:r>
+              <a:rPr kumimoji="1" lang="en-US" altLang="ko-KR" dirty="0"/>
+              <a:t>.</a:t>
             </a:r>
             <a:endParaRPr kumimoji="1" lang="ko-KR" altLang="en-US" dirty="0"/>
           </a:p>
@@ -5443,7 +5806,7 @@
           <p:cNvPr id="2" name="제목 1">
             <a:extLst>
               <a:ext uri="{FF2B5EF4-FFF2-40B4-BE49-F238E27FC236}">
-                <a16:creationId xmlns:a16="http://schemas.microsoft.com/office/drawing/2014/main" xmlns="" id="{3409D811-9620-E144-9E2D-42A6803A50B0}"/>
+                <a16:creationId xmlns:a16="http://schemas.microsoft.com/office/drawing/2014/main" id="{3409D811-9620-E144-9E2D-42A6803A50B0}"/>
               </a:ext>
             </a:extLst>
           </p:cNvPr>
@@ -5471,7 +5834,7 @@
           <p:cNvPr id="3" name="내용 개체 틀 2">
             <a:extLst>
               <a:ext uri="{FF2B5EF4-FFF2-40B4-BE49-F238E27FC236}">
-                <a16:creationId xmlns:a16="http://schemas.microsoft.com/office/drawing/2014/main" xmlns="" id="{393D240D-69BC-C24F-B228-B79939338B18}"/>
+                <a16:creationId xmlns:a16="http://schemas.microsoft.com/office/drawing/2014/main" id="{393D240D-69BC-C24F-B228-B79939338B18}"/>
               </a:ext>
             </a:extLst>
           </p:cNvPr>
@@ -5590,7 +5953,7 @@
           <p:cNvPr id="2" name="제목 1">
             <a:extLst>
               <a:ext uri="{FF2B5EF4-FFF2-40B4-BE49-F238E27FC236}">
-                <a16:creationId xmlns:a16="http://schemas.microsoft.com/office/drawing/2014/main" xmlns="" id="{CC5C8BD3-3AF1-C748-835F-F0A286C90A18}"/>
+                <a16:creationId xmlns:a16="http://schemas.microsoft.com/office/drawing/2014/main" id="{CC5C8BD3-3AF1-C748-835F-F0A286C90A18}"/>
               </a:ext>
             </a:extLst>
           </p:cNvPr>
@@ -5660,7 +6023,7 @@
           <p:cNvPr id="2" name="제목 1">
             <a:extLst>
               <a:ext uri="{FF2B5EF4-FFF2-40B4-BE49-F238E27FC236}">
-                <a16:creationId xmlns:a16="http://schemas.microsoft.com/office/drawing/2014/main" xmlns="" id="{117210B6-0999-9C4F-954D-22D6B30F9E70}"/>
+                <a16:creationId xmlns:a16="http://schemas.microsoft.com/office/drawing/2014/main" id="{117210B6-0999-9C4F-954D-22D6B30F9E70}"/>
               </a:ext>
             </a:extLst>
           </p:cNvPr>
@@ -5690,7 +6053,7 @@
           <p:cNvPr id="9" name="내용 개체 틀 8" descr="스크린샷이(가) 표시된 사진&#10;&#10;&#10;&#10;자동 생성된 설명">
             <a:extLst>
               <a:ext uri="{FF2B5EF4-FFF2-40B4-BE49-F238E27FC236}">
-                <a16:creationId xmlns:a16="http://schemas.microsoft.com/office/drawing/2014/main" xmlns="" id="{49F20AB3-A0D8-E445-957D-6C1CF569A8C4}"/>
+                <a16:creationId xmlns:a16="http://schemas.microsoft.com/office/drawing/2014/main" id="{49F20AB3-A0D8-E445-957D-6C1CF569A8C4}"/>
               </a:ext>
             </a:extLst>
           </p:cNvPr>
@@ -5727,7 +6090,7 @@
           <p:cNvPr id="10" name="내용 개체 틀 4" descr="스크린샷이(가) 표시된 사진&#10;&#10;&#10;&#10;자동 생성된 설명">
             <a:extLst>
               <a:ext uri="{FF2B5EF4-FFF2-40B4-BE49-F238E27FC236}">
-                <a16:creationId xmlns:a16="http://schemas.microsoft.com/office/drawing/2014/main" xmlns="" id="{8ECB2695-C803-364D-BF30-932C21F166BA}"/>
+                <a16:creationId xmlns:a16="http://schemas.microsoft.com/office/drawing/2014/main" id="{8ECB2695-C803-364D-BF30-932C21F166BA}"/>
               </a:ext>
             </a:extLst>
           </p:cNvPr>
@@ -5793,7 +6156,7 @@
           <p:cNvPr id="2" name="제목 1">
             <a:extLst>
               <a:ext uri="{FF2B5EF4-FFF2-40B4-BE49-F238E27FC236}">
-                <a16:creationId xmlns:a16="http://schemas.microsoft.com/office/drawing/2014/main" xmlns="" id="{117210B6-0999-9C4F-954D-22D6B30F9E70}"/>
+                <a16:creationId xmlns:a16="http://schemas.microsoft.com/office/drawing/2014/main" id="{117210B6-0999-9C4F-954D-22D6B30F9E70}"/>
               </a:ext>
             </a:extLst>
           </p:cNvPr>
@@ -5821,7 +6184,7 @@
           <p:cNvPr id="9" name="내용 개체 틀 8" descr="스크린샷이(가) 표시된 사진&#10;&#10;&#10;&#10;자동 생성된 설명">
             <a:extLst>
               <a:ext uri="{FF2B5EF4-FFF2-40B4-BE49-F238E27FC236}">
-                <a16:creationId xmlns:a16="http://schemas.microsoft.com/office/drawing/2014/main" xmlns="" id="{49F20AB3-A0D8-E445-957D-6C1CF569A8C4}"/>
+                <a16:creationId xmlns:a16="http://schemas.microsoft.com/office/drawing/2014/main" id="{49F20AB3-A0D8-E445-957D-6C1CF569A8C4}"/>
               </a:ext>
             </a:extLst>
           </p:cNvPr>
@@ -5858,7 +6221,7 @@
           <p:cNvPr id="10" name="내용 개체 틀 4" descr="스크린샷이(가) 표시된 사진&#10;&#10;&#10;&#10;자동 생성된 설명">
             <a:extLst>
               <a:ext uri="{FF2B5EF4-FFF2-40B4-BE49-F238E27FC236}">
-                <a16:creationId xmlns:a16="http://schemas.microsoft.com/office/drawing/2014/main" xmlns="" id="{8ECB2695-C803-364D-BF30-932C21F166BA}"/>
+                <a16:creationId xmlns:a16="http://schemas.microsoft.com/office/drawing/2014/main" id="{8ECB2695-C803-364D-BF30-932C21F166BA}"/>
               </a:ext>
             </a:extLst>
           </p:cNvPr>
@@ -5924,7 +6287,7 @@
           <p:cNvPr id="2" name="제목 1">
             <a:extLst>
               <a:ext uri="{FF2B5EF4-FFF2-40B4-BE49-F238E27FC236}">
-                <a16:creationId xmlns:a16="http://schemas.microsoft.com/office/drawing/2014/main" xmlns="" id="{117210B6-0999-9C4F-954D-22D6B30F9E70}"/>
+                <a16:creationId xmlns:a16="http://schemas.microsoft.com/office/drawing/2014/main" id="{117210B6-0999-9C4F-954D-22D6B30F9E70}"/>
               </a:ext>
             </a:extLst>
           </p:cNvPr>
@@ -5954,7 +6317,7 @@
           <p:cNvPr id="9" name="내용 개체 틀 8" descr="스크린샷이(가) 표시된 사진&#10;&#10;&#10;&#10;자동 생성된 설명">
             <a:extLst>
               <a:ext uri="{FF2B5EF4-FFF2-40B4-BE49-F238E27FC236}">
-                <a16:creationId xmlns:a16="http://schemas.microsoft.com/office/drawing/2014/main" xmlns="" id="{49F20AB3-A0D8-E445-957D-6C1CF569A8C4}"/>
+                <a16:creationId xmlns:a16="http://schemas.microsoft.com/office/drawing/2014/main" id="{49F20AB3-A0D8-E445-957D-6C1CF569A8C4}"/>
               </a:ext>
             </a:extLst>
           </p:cNvPr>
@@ -5991,7 +6354,7 @@
           <p:cNvPr id="10" name="내용 개체 틀 4" descr="스크린샷이(가) 표시된 사진&#10;&#10;&#10;&#10;자동 생성된 설명">
             <a:extLst>
               <a:ext uri="{FF2B5EF4-FFF2-40B4-BE49-F238E27FC236}">
-                <a16:creationId xmlns:a16="http://schemas.microsoft.com/office/drawing/2014/main" xmlns="" id="{8ECB2695-C803-364D-BF30-932C21F166BA}"/>
+                <a16:creationId xmlns:a16="http://schemas.microsoft.com/office/drawing/2014/main" id="{8ECB2695-C803-364D-BF30-932C21F166BA}"/>
               </a:ext>
             </a:extLst>
           </p:cNvPr>
@@ -6083,7 +6446,7 @@
           <p:cNvPr id="4" name="내용 개체 틀 8" descr="스크린샷이(가) 표시된 사진&#10;&#10;&#10;&#10;자동 생성된 설명">
             <a:extLst>
               <a:ext uri="{FF2B5EF4-FFF2-40B4-BE49-F238E27FC236}">
-                <a16:creationId xmlns:a16="http://schemas.microsoft.com/office/drawing/2014/main" xmlns="" id="{49F20AB3-A0D8-E445-957D-6C1CF569A8C4}"/>
+                <a16:creationId xmlns:a16="http://schemas.microsoft.com/office/drawing/2014/main" id="{49F20AB3-A0D8-E445-957D-6C1CF569A8C4}"/>
               </a:ext>
             </a:extLst>
           </p:cNvPr>
@@ -6219,7 +6582,7 @@
           <p:cNvPr id="4" name="내용 개체 틀 8" descr="스크린샷이(가) 표시된 사진&#10;&#10;&#10;&#10;자동 생성된 설명">
             <a:extLst>
               <a:ext uri="{FF2B5EF4-FFF2-40B4-BE49-F238E27FC236}">
-                <a16:creationId xmlns:a16="http://schemas.microsoft.com/office/drawing/2014/main" xmlns="" id="{49F20AB3-A0D8-E445-957D-6C1CF569A8C4}"/>
+                <a16:creationId xmlns:a16="http://schemas.microsoft.com/office/drawing/2014/main" id="{49F20AB3-A0D8-E445-957D-6C1CF569A8C4}"/>
               </a:ext>
             </a:extLst>
           </p:cNvPr>
@@ -6877,7 +7240,7 @@
   <a:extraClrSchemeLst/>
   <a:extLst>
     <a:ext uri="{05A4C25C-085E-4340-85A3-A5531E510DB2}">
-      <thm15:themeFamily xmlns:thm15="http://schemas.microsoft.com/office/thememl/2012/main" xmlns="" name="Office Theme" id="{62F939B6-93AF-4DB8-9C6B-D6C7DFDC589F}" vid="{4A3C46E8-61CC-4603-A589-7422A47A8E4A}"/>
+      <thm15:themeFamily xmlns:thm15="http://schemas.microsoft.com/office/thememl/2012/main" name="Office Theme" id="{62F939B6-93AF-4DB8-9C6B-D6C7DFDC589F}" vid="{4A3C46E8-61CC-4603-A589-7422A47A8E4A}"/>
     </a:ext>
   </a:extLst>
 </a:theme>

--- a/ideatoneppt.pptx
+++ b/ideatoneppt.pptx
@@ -5,25 +5,27 @@
     <p:sldMasterId id="2147483648" r:id="rId1"/>
   </p:sldMasterIdLst>
   <p:notesMasterIdLst>
-    <p:notesMasterId r:id="rId18"/>
+    <p:notesMasterId r:id="rId20"/>
   </p:notesMasterIdLst>
   <p:sldIdLst>
     <p:sldId id="266" r:id="rId2"/>
     <p:sldId id="256" r:id="rId3"/>
-    <p:sldId id="258" r:id="rId4"/>
-    <p:sldId id="257" r:id="rId5"/>
-    <p:sldId id="260" r:id="rId6"/>
-    <p:sldId id="273" r:id="rId7"/>
-    <p:sldId id="274" r:id="rId8"/>
-    <p:sldId id="267" r:id="rId9"/>
-    <p:sldId id="275" r:id="rId10"/>
-    <p:sldId id="279" r:id="rId11"/>
-    <p:sldId id="278" r:id="rId12"/>
-    <p:sldId id="277" r:id="rId13"/>
-    <p:sldId id="261" r:id="rId14"/>
-    <p:sldId id="262" r:id="rId15"/>
-    <p:sldId id="263" r:id="rId16"/>
-    <p:sldId id="264" r:id="rId17"/>
+    <p:sldId id="280" r:id="rId4"/>
+    <p:sldId id="258" r:id="rId5"/>
+    <p:sldId id="257" r:id="rId6"/>
+    <p:sldId id="260" r:id="rId7"/>
+    <p:sldId id="273" r:id="rId8"/>
+    <p:sldId id="274" r:id="rId9"/>
+    <p:sldId id="267" r:id="rId10"/>
+    <p:sldId id="275" r:id="rId11"/>
+    <p:sldId id="279" r:id="rId12"/>
+    <p:sldId id="278" r:id="rId13"/>
+    <p:sldId id="277" r:id="rId14"/>
+    <p:sldId id="261" r:id="rId15"/>
+    <p:sldId id="262" r:id="rId16"/>
+    <p:sldId id="281" r:id="rId17"/>
+    <p:sldId id="263" r:id="rId18"/>
+    <p:sldId id="264" r:id="rId19"/>
   </p:sldIdLst>
   <p:sldSz cx="9144000" cy="6858000" type="screen4x3"/>
   <p:notesSz cx="6858000" cy="9144000"/>
@@ -511,7 +513,7 @@
           <a:p>
             <a:r>
               <a:rPr kumimoji="1" lang="ko-KR" altLang="en-US" dirty="0" err="1"/>
-              <a:t>였였였였</a:t>
+              <a:t>기획배경</a:t>
             </a:r>
             <a:endParaRPr kumimoji="1" lang="ko-KR" altLang="en-US" dirty="0"/>
           </a:p>
@@ -534,7 +536,7 @@
           <a:p>
             <a:fld id="{F769AE6D-0ADA-CF4D-9503-F3CACB96690B}" type="slidenum">
               <a:rPr kumimoji="1" lang="ko-KR" altLang="en-US" smtClean="0"/>
-              <a:t>4</a:t>
+              <a:t>5</a:t>
             </a:fld>
             <a:endParaRPr kumimoji="1" lang="ko-KR" altLang="en-US"/>
           </a:p>
@@ -652,7 +654,7 @@
           <a:p>
             <a:fld id="{F769AE6D-0ADA-CF4D-9503-F3CACB96690B}" type="slidenum">
               <a:rPr kumimoji="1" lang="ko-KR" altLang="en-US" smtClean="0"/>
-              <a:t>5</a:t>
+              <a:t>6</a:t>
             </a:fld>
             <a:endParaRPr kumimoji="1" lang="ko-KR" altLang="en-US"/>
           </a:p>
@@ -736,7 +738,7 @@
           <a:p>
             <a:fld id="{F769AE6D-0ADA-CF4D-9503-F3CACB96690B}" type="slidenum">
               <a:rPr kumimoji="1" lang="ko-KR" altLang="en-US" smtClean="0"/>
-              <a:t>6</a:t>
+              <a:t>7</a:t>
             </a:fld>
             <a:endParaRPr kumimoji="1" lang="ko-KR" altLang="en-US"/>
           </a:p>
@@ -892,7 +894,7 @@
           <a:p>
             <a:fld id="{F769AE6D-0ADA-CF4D-9503-F3CACB96690B}" type="slidenum">
               <a:rPr kumimoji="1" lang="ko-KR" altLang="en-US" smtClean="0"/>
-              <a:t>7</a:t>
+              <a:t>8</a:t>
             </a:fld>
             <a:endParaRPr kumimoji="1" lang="ko-KR" altLang="en-US"/>
           </a:p>
@@ -1011,7 +1013,7 @@
           <a:p>
             <a:fld id="{F769AE6D-0ADA-CF4D-9503-F3CACB96690B}" type="slidenum">
               <a:rPr kumimoji="1" lang="ko-KR" altLang="en-US" smtClean="0"/>
-              <a:t>10</a:t>
+              <a:t>11</a:t>
             </a:fld>
             <a:endParaRPr kumimoji="1" lang="ko-KR" altLang="en-US"/>
           </a:p>
@@ -1106,7 +1108,7 @@
           <a:p>
             <a:fld id="{F769AE6D-0ADA-CF4D-9503-F3CACB96690B}" type="slidenum">
               <a:rPr kumimoji="1" lang="ko-KR" altLang="en-US" smtClean="0"/>
-              <a:t>12</a:t>
+              <a:t>13</a:t>
             </a:fld>
             <a:endParaRPr kumimoji="1" lang="ko-KR" altLang="en-US"/>
           </a:p>
@@ -1213,7 +1215,7 @@
           <a:p>
             <a:fld id="{F769AE6D-0ADA-CF4D-9503-F3CACB96690B}" type="slidenum">
               <a:rPr kumimoji="1" lang="ko-KR" altLang="en-US" smtClean="0"/>
-              <a:t>13</a:t>
+              <a:t>14</a:t>
             </a:fld>
             <a:endParaRPr kumimoji="1" lang="ko-KR" altLang="en-US"/>
           </a:p>
@@ -4491,6 +4493,142 @@
           <a:chExt cx="0" cy="0"/>
         </a:xfrm>
       </p:grpSpPr>
+      <p:sp>
+        <p:nvSpPr>
+          <p:cNvPr id="2" name="제목 1"/>
+          <p:cNvSpPr>
+            <a:spLocks noGrp="1"/>
+          </p:cNvSpPr>
+          <p:nvPr>
+            <p:ph type="title"/>
+          </p:nvPr>
+        </p:nvSpPr>
+        <p:spPr/>
+        <p:txBody>
+          <a:bodyPr/>
+          <a:lstStyle/>
+          <a:p>
+            <a:r>
+              <a:rPr lang="ko-KR" altLang="en-US" dirty="0"/>
+              <a:t>쇼핑 기능</a:t>
+            </a:r>
+            <a:r>
+              <a:rPr lang="en-US" altLang="ko-KR" dirty="0"/>
+              <a:t>&amp;</a:t>
+            </a:r>
+            <a:r>
+              <a:rPr lang="ko-KR" altLang="en-US" dirty="0"/>
+              <a:t>리뷰 관리</a:t>
+            </a:r>
+          </a:p>
+        </p:txBody>
+      </p:sp>
+      <p:pic>
+        <p:nvPicPr>
+          <p:cNvPr id="4" name="내용 개체 틀 8" descr="스크린샷이(가) 표시된 사진&#10;&#10;&#10;&#10;자동 생성된 설명">
+            <a:extLst>
+              <a:ext uri="{FF2B5EF4-FFF2-40B4-BE49-F238E27FC236}">
+                <a16:creationId xmlns:a16="http://schemas.microsoft.com/office/drawing/2014/main" id="{49F20AB3-A0D8-E445-957D-6C1CF569A8C4}"/>
+              </a:ext>
+            </a:extLst>
+          </p:cNvPr>
+          <p:cNvPicPr>
+            <a:picLocks noChangeAspect="1"/>
+          </p:cNvPicPr>
+          <p:nvPr/>
+        </p:nvPicPr>
+        <p:blipFill rotWithShape="1">
+          <a:blip r:embed="rId2">
+            <a:extLst>
+              <a:ext uri="{28A0092B-C50C-407E-A947-70E740481C1C}">
+                <a14:useLocalDpi xmlns:a14="http://schemas.microsoft.com/office/drawing/2010/main" val="0"/>
+              </a:ext>
+            </a:extLst>
+          </a:blip>
+          <a:srcRect l="23539" t="33410" r="26460" b="7724"/>
+          <a:stretch/>
+        </p:blipFill>
+        <p:spPr>
+          <a:xfrm>
+            <a:off x="3276120" y="1690840"/>
+            <a:ext cx="2376000" cy="4135166"/>
+          </a:xfrm>
+          <a:prstGeom prst="flowChartAlternateProcess">
+            <a:avLst/>
+          </a:prstGeom>
+        </p:spPr>
+      </p:pic>
+      <p:pic>
+        <p:nvPicPr>
+          <p:cNvPr id="1026" name="Picture 2" descr="C:\Users\Administrator\Downloads\menu.gif"/>
+          <p:cNvPicPr>
+            <a:picLocks noChangeAspect="1" noChangeArrowheads="1"/>
+          </p:cNvPicPr>
+          <p:nvPr/>
+        </p:nvPicPr>
+        <p:blipFill>
+          <a:blip r:embed="rId3" cstate="print">
+            <a:extLst>
+              <a:ext uri="{28A0092B-C50C-407E-A947-70E740481C1C}">
+                <a14:useLocalDpi xmlns:a14="http://schemas.microsoft.com/office/drawing/2010/main" val="0"/>
+              </a:ext>
+            </a:extLst>
+          </a:blip>
+          <a:srcRect/>
+          <a:stretch>
+            <a:fillRect/>
+          </a:stretch>
+        </p:blipFill>
+        <p:spPr bwMode="auto">
+          <a:xfrm>
+            <a:off x="3492144" y="2194392"/>
+            <a:ext cx="2023200" cy="2973051"/>
+          </a:xfrm>
+          <a:prstGeom prst="rect">
+            <a:avLst/>
+          </a:prstGeom>
+          <a:noFill/>
+          <a:extLst>
+            <a:ext uri="{909E8E84-426E-40DD-AFC4-6F175D3DCCD1}">
+              <a14:hiddenFill xmlns:a14="http://schemas.microsoft.com/office/drawing/2010/main">
+                <a:solidFill>
+                  <a:srgbClr val="FFFFFF"/>
+                </a:solidFill>
+              </a14:hiddenFill>
+            </a:ext>
+          </a:extLst>
+        </p:spPr>
+      </p:pic>
+    </p:spTree>
+    <p:extLst>
+      <p:ext uri="{BB962C8B-B14F-4D97-AF65-F5344CB8AC3E}">
+        <p14:creationId xmlns:p14="http://schemas.microsoft.com/office/powerpoint/2010/main" val="2127569690"/>
+      </p:ext>
+    </p:extLst>
+  </p:cSld>
+  <p:clrMapOvr>
+    <a:masterClrMapping/>
+  </p:clrMapOvr>
+</p:sld>
+</file>
+
+<file path=ppt/slides/slide11.xml><?xml version="1.0" encoding="utf-8"?>
+<p:sld xmlns:a="http://schemas.openxmlformats.org/drawingml/2006/main" xmlns:r="http://schemas.openxmlformats.org/officeDocument/2006/relationships" xmlns:p="http://schemas.openxmlformats.org/presentationml/2006/main">
+  <p:cSld>
+    <p:spTree>
+      <p:nvGrpSpPr>
+        <p:cNvPr id="1" name=""/>
+        <p:cNvGrpSpPr/>
+        <p:nvPr/>
+      </p:nvGrpSpPr>
+      <p:grpSpPr>
+        <a:xfrm>
+          <a:off x="0" y="0"/>
+          <a:ext cx="0" cy="0"/>
+          <a:chOff x="0" y="0"/>
+          <a:chExt cx="0" cy="0"/>
+        </a:xfrm>
+      </p:grpSpPr>
       <p:pic>
         <p:nvPicPr>
           <p:cNvPr id="6" name="내용 개체 틀 8" descr="스크린샷이(가) 표시된 사진&#10;&#10;&#10;&#10;자동 생성된 설명">
@@ -4574,7 +4712,7 @@
 </p:sld>
 </file>
 
-<file path=ppt/slides/slide11.xml><?xml version="1.0" encoding="utf-8"?>
+<file path=ppt/slides/slide12.xml><?xml version="1.0" encoding="utf-8"?>
 <p:sld xmlns:a="http://schemas.openxmlformats.org/drawingml/2006/main" xmlns:r="http://schemas.openxmlformats.org/officeDocument/2006/relationships" xmlns:p="http://schemas.openxmlformats.org/presentationml/2006/main">
   <p:cSld>
     <p:spTree>
@@ -5020,7 +5158,7 @@
 </p:sld>
 </file>
 
-<file path=ppt/slides/slide12.xml><?xml version="1.0" encoding="utf-8"?>
+<file path=ppt/slides/slide13.xml><?xml version="1.0" encoding="utf-8"?>
 <p:sld xmlns:a="http://schemas.openxmlformats.org/drawingml/2006/main" xmlns:r="http://schemas.openxmlformats.org/officeDocument/2006/relationships" xmlns:p="http://schemas.openxmlformats.org/presentationml/2006/main">
   <p:cSld>
     <p:spTree>
@@ -5190,7 +5328,7 @@
 </p:sld>
 </file>
 
-<file path=ppt/slides/slide13.xml><?xml version="1.0" encoding="utf-8"?>
+<file path=ppt/slides/slide14.xml><?xml version="1.0" encoding="utf-8"?>
 <p:sld xmlns:a="http://schemas.openxmlformats.org/drawingml/2006/main" xmlns:r="http://schemas.openxmlformats.org/officeDocument/2006/relationships" xmlns:p="http://schemas.openxmlformats.org/presentationml/2006/main">
   <p:cSld>
     <p:spTree>
@@ -5392,165 +5530,6 @@
 </p:sld>
 </file>
 
-<file path=ppt/slides/slide14.xml><?xml version="1.0" encoding="utf-8"?>
-<p:sld xmlns:a="http://schemas.openxmlformats.org/drawingml/2006/main" xmlns:r="http://schemas.openxmlformats.org/officeDocument/2006/relationships" xmlns:p="http://schemas.openxmlformats.org/presentationml/2006/main">
-  <p:cSld>
-    <p:spTree>
-      <p:nvGrpSpPr>
-        <p:cNvPr id="1" name=""/>
-        <p:cNvGrpSpPr/>
-        <p:nvPr/>
-      </p:nvGrpSpPr>
-      <p:grpSpPr>
-        <a:xfrm>
-          <a:off x="0" y="0"/>
-          <a:ext cx="0" cy="0"/>
-          <a:chOff x="0" y="0"/>
-          <a:chExt cx="0" cy="0"/>
-        </a:xfrm>
-      </p:grpSpPr>
-      <p:sp>
-        <p:nvSpPr>
-          <p:cNvPr id="2" name="제목 1">
-            <a:extLst>
-              <a:ext uri="{FF2B5EF4-FFF2-40B4-BE49-F238E27FC236}">
-                <a16:creationId xmlns:a16="http://schemas.microsoft.com/office/drawing/2014/main" id="{28F98C9A-6B41-9E48-9587-94770AFED79E}"/>
-              </a:ext>
-            </a:extLst>
-          </p:cNvPr>
-          <p:cNvSpPr>
-            <a:spLocks noGrp="1"/>
-          </p:cNvSpPr>
-          <p:nvPr>
-            <p:ph type="title"/>
-          </p:nvPr>
-        </p:nvSpPr>
-        <p:spPr/>
-        <p:txBody>
-          <a:bodyPr/>
-          <a:lstStyle/>
-          <a:p>
-            <a:r>
-              <a:rPr kumimoji="1" lang="ko-KR" altLang="en-US" dirty="0"/>
-              <a:t>시장</a:t>
-            </a:r>
-            <a:r>
-              <a:rPr kumimoji="1" lang="en-US" altLang="ko-KR" dirty="0"/>
-              <a:t>/</a:t>
-            </a:r>
-            <a:r>
-              <a:rPr kumimoji="1" lang="ko-KR" altLang="en-US" dirty="0"/>
-              <a:t>경쟁 분석</a:t>
-            </a:r>
-          </a:p>
-        </p:txBody>
-      </p:sp>
-      <p:sp>
-        <p:nvSpPr>
-          <p:cNvPr id="3" name="내용 개체 틀 2">
-            <a:extLst>
-              <a:ext uri="{FF2B5EF4-FFF2-40B4-BE49-F238E27FC236}">
-                <a16:creationId xmlns:a16="http://schemas.microsoft.com/office/drawing/2014/main" id="{E883A23E-B406-1348-839E-7F8B6950D10E}"/>
-              </a:ext>
-            </a:extLst>
-          </p:cNvPr>
-          <p:cNvSpPr>
-            <a:spLocks noGrp="1"/>
-          </p:cNvSpPr>
-          <p:nvPr>
-            <p:ph idx="1"/>
-          </p:nvPr>
-        </p:nvSpPr>
-        <p:spPr/>
-        <p:txBody>
-          <a:bodyPr/>
-          <a:lstStyle/>
-          <a:p>
-            <a:r>
-              <a:rPr kumimoji="1" lang="en" altLang="ko-KR" dirty="0"/>
-              <a:t>research</a:t>
-            </a:r>
-            <a:r>
-              <a:rPr kumimoji="1" lang="ko-KR" altLang="en-US" dirty="0" err="1"/>
-              <a:t>를</a:t>
-            </a:r>
-            <a:r>
-              <a:rPr kumimoji="1" lang="ko-KR" altLang="en-US" dirty="0"/>
-              <a:t> 해서 공급 업체 중에서도 메이저로 할 거냐 마이너로 할 거냐</a:t>
-            </a:r>
-          </a:p>
-          <a:p>
-            <a:r>
-              <a:rPr kumimoji="1" lang="en-US" altLang="ko-KR" dirty="0"/>
-              <a:t>1. </a:t>
-            </a:r>
-            <a:r>
-              <a:rPr kumimoji="1" lang="ko-KR" altLang="en-US" dirty="0"/>
-              <a:t>기성 업체</a:t>
-            </a:r>
-            <a:r>
-              <a:rPr kumimoji="1" lang="en-US" altLang="ko-KR" dirty="0"/>
-              <a:t>(</a:t>
-            </a:r>
-            <a:r>
-              <a:rPr kumimoji="1" lang="ko-KR" altLang="en-US" dirty="0"/>
-              <a:t>있는 것을 홍보하거나 정보를 알려주는 것</a:t>
-            </a:r>
-            <a:r>
-              <a:rPr kumimoji="1" lang="en-US" altLang="ko-KR" dirty="0"/>
-              <a:t>)</a:t>
-            </a:r>
-          </a:p>
-          <a:p>
-            <a:r>
-              <a:rPr kumimoji="1" lang="en-US" altLang="ko-KR" dirty="0"/>
-              <a:t>2. </a:t>
-            </a:r>
-            <a:r>
-              <a:rPr kumimoji="1" lang="ko-KR" altLang="en-US" dirty="0"/>
-              <a:t>서비스화</a:t>
-            </a:r>
-            <a:r>
-              <a:rPr kumimoji="1" lang="en-US" altLang="ko-KR" dirty="0"/>
-              <a:t>(</a:t>
-            </a:r>
-            <a:r>
-              <a:rPr kumimoji="1" lang="ko-KR" altLang="en-US" dirty="0"/>
-              <a:t>다른 차원으로 넘어가는 것</a:t>
-            </a:r>
-            <a:r>
-              <a:rPr kumimoji="1" lang="en-US" altLang="ko-KR" dirty="0"/>
-              <a:t>)(</a:t>
-            </a:r>
-            <a:r>
-              <a:rPr kumimoji="1" lang="en" altLang="ko-KR" dirty="0"/>
-              <a:t>ex : </a:t>
-            </a:r>
-            <a:r>
-              <a:rPr kumimoji="1" lang="ko-KR" altLang="en-US" dirty="0"/>
-              <a:t>정기 배송 등</a:t>
-            </a:r>
-            <a:r>
-              <a:rPr kumimoji="1" lang="en-US" altLang="ko-KR" dirty="0"/>
-              <a:t>)</a:t>
-            </a:r>
-            <a:endParaRPr kumimoji="1" lang="ko-KR" altLang="en-US" dirty="0"/>
-          </a:p>
-        </p:txBody>
-      </p:sp>
-    </p:spTree>
-    <p:extLst>
-      <p:ext uri="{BB962C8B-B14F-4D97-AF65-F5344CB8AC3E}">
-        <p14:creationId xmlns:p14="http://schemas.microsoft.com/office/powerpoint/2010/main" val="4222687490"/>
-      </p:ext>
-    </p:extLst>
-  </p:cSld>
-  <p:clrMapOvr>
-    <a:masterClrMapping/>
-  </p:clrMapOvr>
-</p:sld>
-</file>
-
 <file path=ppt/slides/slide15.xml><?xml version="1.0" encoding="utf-8"?>
 <p:sld xmlns:a="http://schemas.openxmlformats.org/drawingml/2006/main" xmlns:r="http://schemas.openxmlformats.org/officeDocument/2006/relationships" xmlns:p="http://schemas.openxmlformats.org/presentationml/2006/main">
   <p:cSld>
@@ -5573,7 +5552,7 @@
           <p:cNvPr id="2" name="제목 1">
             <a:extLst>
               <a:ext uri="{FF2B5EF4-FFF2-40B4-BE49-F238E27FC236}">
-                <a16:creationId xmlns:a16="http://schemas.microsoft.com/office/drawing/2014/main" id="{9C508281-2DF6-3F4B-B03E-499380C0C441}"/>
+                <a16:creationId xmlns:a16="http://schemas.microsoft.com/office/drawing/2014/main" id="{28F98C9A-6B41-9E48-9587-94770AFED79E}"/>
               </a:ext>
             </a:extLst>
           </p:cNvPr>
@@ -5584,27 +5563,123 @@
             <p:ph type="title"/>
           </p:nvPr>
         </p:nvSpPr>
-        <p:spPr>
-          <a:xfrm>
-            <a:off x="457200" y="2636912"/>
-            <a:ext cx="8229600" cy="1143000"/>
-          </a:xfrm>
-        </p:spPr>
+        <p:spPr/>
         <p:txBody>
           <a:bodyPr/>
           <a:lstStyle/>
           <a:p>
             <a:r>
               <a:rPr kumimoji="1" lang="ko-KR" altLang="en-US" dirty="0"/>
-              <a:t>질의응답</a:t>
-            </a:r>
+              <a:t>시장</a:t>
+            </a:r>
+            <a:r>
+              <a:rPr kumimoji="1" lang="en-US" altLang="ko-KR" dirty="0"/>
+              <a:t>/</a:t>
+            </a:r>
+            <a:r>
+              <a:rPr kumimoji="1" lang="ko-KR" altLang="en-US" dirty="0"/>
+              <a:t>경쟁 분석</a:t>
+            </a:r>
+          </a:p>
+        </p:txBody>
+      </p:sp>
+      <p:sp>
+        <p:nvSpPr>
+          <p:cNvPr id="3" name="내용 개체 틀 2">
+            <a:extLst>
+              <a:ext uri="{FF2B5EF4-FFF2-40B4-BE49-F238E27FC236}">
+                <a16:creationId xmlns:a16="http://schemas.microsoft.com/office/drawing/2014/main" id="{E883A23E-B406-1348-839E-7F8B6950D10E}"/>
+              </a:ext>
+            </a:extLst>
+          </p:cNvPr>
+          <p:cNvSpPr>
+            <a:spLocks noGrp="1"/>
+          </p:cNvSpPr>
+          <p:nvPr>
+            <p:ph idx="1"/>
+          </p:nvPr>
+        </p:nvSpPr>
+        <p:spPr/>
+        <p:txBody>
+          <a:bodyPr/>
+          <a:lstStyle/>
+          <a:p>
+            <a:r>
+              <a:rPr kumimoji="1" lang="en" altLang="ko-KR" dirty="0"/>
+              <a:t>research</a:t>
+            </a:r>
+            <a:r>
+              <a:rPr kumimoji="1" lang="ko-KR" altLang="en-US" dirty="0" err="1"/>
+              <a:t>를</a:t>
+            </a:r>
+            <a:r>
+              <a:rPr kumimoji="1" lang="ko-KR" altLang="en-US" dirty="0"/>
+              <a:t> 해서 공급 업체 중에서도 메이저로 할 거냐 마이너로 할 거냐</a:t>
+            </a:r>
+          </a:p>
+          <a:p>
+            <a:r>
+              <a:rPr kumimoji="1" lang="en-US" altLang="ko-KR" dirty="0"/>
+              <a:t>1. </a:t>
+            </a:r>
+            <a:r>
+              <a:rPr kumimoji="1" lang="ko-KR" altLang="en-US" dirty="0"/>
+              <a:t>기성 업체</a:t>
+            </a:r>
+            <a:r>
+              <a:rPr kumimoji="1" lang="en-US" altLang="ko-KR" dirty="0"/>
+              <a:t>(</a:t>
+            </a:r>
+            <a:r>
+              <a:rPr kumimoji="1" lang="ko-KR" altLang="en-US" dirty="0"/>
+              <a:t>있는 것을 홍보하거나 정보를 알려주는 것</a:t>
+            </a:r>
+            <a:r>
+              <a:rPr kumimoji="1" lang="en-US" altLang="ko-KR" dirty="0"/>
+              <a:t>)</a:t>
+            </a:r>
+          </a:p>
+          <a:p>
+            <a:r>
+              <a:rPr kumimoji="1" lang="en-US" altLang="ko-KR" dirty="0"/>
+              <a:t>2. </a:t>
+            </a:r>
+            <a:r>
+              <a:rPr kumimoji="1" lang="ko-KR" altLang="en-US" dirty="0"/>
+              <a:t>서비스화</a:t>
+            </a:r>
+            <a:r>
+              <a:rPr kumimoji="1" lang="en-US" altLang="ko-KR" dirty="0"/>
+              <a:t>(</a:t>
+            </a:r>
+            <a:r>
+              <a:rPr kumimoji="1" lang="ko-KR" altLang="en-US" dirty="0"/>
+              <a:t>다른 차원으로 넘어가는 것</a:t>
+            </a:r>
+            <a:r>
+              <a:rPr kumimoji="1" lang="en-US" altLang="ko-KR" dirty="0"/>
+              <a:t>)(</a:t>
+            </a:r>
+            <a:r>
+              <a:rPr kumimoji="1" lang="en" altLang="ko-KR" dirty="0"/>
+              <a:t>ex : </a:t>
+            </a:r>
+            <a:r>
+              <a:rPr kumimoji="1" lang="ko-KR" altLang="en-US" dirty="0"/>
+              <a:t>정기 배송 등</a:t>
+            </a:r>
+            <a:r>
+              <a:rPr kumimoji="1" lang="en-US" altLang="ko-KR" dirty="0"/>
+              <a:t>)</a:t>
+            </a:r>
+            <a:endParaRPr kumimoji="1" lang="ko-KR" altLang="en-US" dirty="0"/>
           </a:p>
         </p:txBody>
       </p:sp>
     </p:spTree>
     <p:extLst>
       <p:ext uri="{BB962C8B-B14F-4D97-AF65-F5344CB8AC3E}">
-        <p14:creationId xmlns:p14="http://schemas.microsoft.com/office/powerpoint/2010/main" val="1759387882"/>
+        <p14:creationId xmlns:p14="http://schemas.microsoft.com/office/powerpoint/2010/main" val="4222687490"/>
       </p:ext>
     </p:extLst>
   </p:cSld>
@@ -5633,6 +5708,134 @@
       </p:grpSpPr>
       <p:sp>
         <p:nvSpPr>
+          <p:cNvPr id="2" name="제목 1">
+            <a:extLst>
+              <a:ext uri="{FF2B5EF4-FFF2-40B4-BE49-F238E27FC236}">
+                <a16:creationId xmlns:a16="http://schemas.microsoft.com/office/drawing/2014/main" id="{4315451D-EFE7-3F45-9AAB-825F3C23A024}"/>
+              </a:ext>
+            </a:extLst>
+          </p:cNvPr>
+          <p:cNvSpPr>
+            <a:spLocks noGrp="1"/>
+          </p:cNvSpPr>
+          <p:nvPr>
+            <p:ph type="title"/>
+          </p:nvPr>
+        </p:nvSpPr>
+        <p:spPr>
+          <a:xfrm>
+            <a:off x="457200" y="274638"/>
+            <a:ext cx="8229600" cy="6034682"/>
+          </a:xfrm>
+        </p:spPr>
+        <p:txBody>
+          <a:bodyPr/>
+          <a:lstStyle/>
+          <a:p>
+            <a:r>
+              <a:rPr kumimoji="1" lang="ko-KR" altLang="en-US" dirty="0"/>
+              <a:t>시뮬레이션</a:t>
+            </a:r>
+          </a:p>
+        </p:txBody>
+      </p:sp>
+    </p:spTree>
+    <p:extLst>
+      <p:ext uri="{BB962C8B-B14F-4D97-AF65-F5344CB8AC3E}">
+        <p14:creationId xmlns:p14="http://schemas.microsoft.com/office/powerpoint/2010/main" val="3017893354"/>
+      </p:ext>
+    </p:extLst>
+  </p:cSld>
+  <p:clrMapOvr>
+    <a:masterClrMapping/>
+  </p:clrMapOvr>
+</p:sld>
+</file>
+
+<file path=ppt/slides/slide17.xml><?xml version="1.0" encoding="utf-8"?>
+<p:sld xmlns:a="http://schemas.openxmlformats.org/drawingml/2006/main" xmlns:r="http://schemas.openxmlformats.org/officeDocument/2006/relationships" xmlns:p="http://schemas.openxmlformats.org/presentationml/2006/main">
+  <p:cSld>
+    <p:spTree>
+      <p:nvGrpSpPr>
+        <p:cNvPr id="1" name=""/>
+        <p:cNvGrpSpPr/>
+        <p:nvPr/>
+      </p:nvGrpSpPr>
+      <p:grpSpPr>
+        <a:xfrm>
+          <a:off x="0" y="0"/>
+          <a:ext cx="0" cy="0"/>
+          <a:chOff x="0" y="0"/>
+          <a:chExt cx="0" cy="0"/>
+        </a:xfrm>
+      </p:grpSpPr>
+      <p:sp>
+        <p:nvSpPr>
+          <p:cNvPr id="2" name="제목 1">
+            <a:extLst>
+              <a:ext uri="{FF2B5EF4-FFF2-40B4-BE49-F238E27FC236}">
+                <a16:creationId xmlns:a16="http://schemas.microsoft.com/office/drawing/2014/main" id="{9C508281-2DF6-3F4B-B03E-499380C0C441}"/>
+              </a:ext>
+            </a:extLst>
+          </p:cNvPr>
+          <p:cNvSpPr>
+            <a:spLocks noGrp="1"/>
+          </p:cNvSpPr>
+          <p:nvPr>
+            <p:ph type="title"/>
+          </p:nvPr>
+        </p:nvSpPr>
+        <p:spPr>
+          <a:xfrm>
+            <a:off x="457200" y="2636912"/>
+            <a:ext cx="8229600" cy="1143000"/>
+          </a:xfrm>
+        </p:spPr>
+        <p:txBody>
+          <a:bodyPr>
+            <a:normAutofit/>
+          </a:bodyPr>
+          <a:lstStyle/>
+          <a:p>
+            <a:r>
+              <a:rPr kumimoji="1" lang="ko-KR" altLang="en-US" dirty="0"/>
+              <a:t>질의응답</a:t>
+            </a:r>
+          </a:p>
+        </p:txBody>
+      </p:sp>
+    </p:spTree>
+    <p:extLst>
+      <p:ext uri="{BB962C8B-B14F-4D97-AF65-F5344CB8AC3E}">
+        <p14:creationId xmlns:p14="http://schemas.microsoft.com/office/powerpoint/2010/main" val="1759387882"/>
+      </p:ext>
+    </p:extLst>
+  </p:cSld>
+  <p:clrMapOvr>
+    <a:masterClrMapping/>
+  </p:clrMapOvr>
+</p:sld>
+</file>
+
+<file path=ppt/slides/slide18.xml><?xml version="1.0" encoding="utf-8"?>
+<p:sld xmlns:a="http://schemas.openxmlformats.org/drawingml/2006/main" xmlns:r="http://schemas.openxmlformats.org/officeDocument/2006/relationships" xmlns:p="http://schemas.openxmlformats.org/presentationml/2006/main">
+  <p:cSld>
+    <p:spTree>
+      <p:nvGrpSpPr>
+        <p:cNvPr id="1" name=""/>
+        <p:cNvGrpSpPr/>
+        <p:nvPr/>
+      </p:nvGrpSpPr>
+      <p:grpSpPr>
+        <a:xfrm>
+          <a:off x="0" y="0"/>
+          <a:ext cx="0" cy="0"/>
+          <a:chOff x="0" y="0"/>
+          <a:chExt cx="0" cy="0"/>
+        </a:xfrm>
+      </p:grpSpPr>
+      <p:sp>
+        <p:nvSpPr>
           <p:cNvPr id="3" name="내용 개체 틀 2">
             <a:extLst>
               <a:ext uri="{FF2B5EF4-FFF2-40B4-BE49-F238E27FC236}">
@@ -5649,8 +5852,8 @@
         </p:nvSpPr>
         <p:spPr>
           <a:xfrm>
-            <a:off x="457200" y="2708920"/>
-            <a:ext cx="8229600" cy="864096"/>
+            <a:off x="251520" y="4581128"/>
+            <a:ext cx="8229600" cy="1656184"/>
           </a:xfrm>
         </p:spPr>
         <p:txBody>
@@ -5662,11 +5865,36 @@
             </a:pPr>
             <a:r>
               <a:rPr kumimoji="1" lang="ko-KR" altLang="en-US" dirty="0"/>
-              <a:t>감사합니다</a:t>
+              <a:t>이상 </a:t>
+            </a:r>
+            <a:r>
+              <a:rPr kumimoji="1" lang="ko-KR" altLang="en-US" dirty="0" err="1"/>
+              <a:t>쏴리질러였습니다</a:t>
             </a:r>
             <a:r>
               <a:rPr kumimoji="1" lang="en-US" altLang="ko-KR" dirty="0"/>
               <a:t>.</a:t>
+            </a:r>
+          </a:p>
+          <a:p>
+            <a:pPr marL="0" indent="0">
+              <a:buNone/>
+            </a:pPr>
+            <a:r>
+              <a:rPr kumimoji="1" lang="ko-KR" altLang="en-US" dirty="0"/>
+              <a:t>감사합니다 </a:t>
+            </a:r>
+            <a:r>
+              <a:rPr kumimoji="1" lang="en-US" altLang="ko-KR" dirty="0"/>
+              <a:t>:</a:t>
+            </a:r>
+            <a:r>
+              <a:rPr kumimoji="1" lang="ko-KR" altLang="en-US" dirty="0"/>
+              <a:t> </a:t>
+            </a:r>
+            <a:r>
+              <a:rPr kumimoji="1" lang="en-US" altLang="ko-KR" dirty="0"/>
+              <a:t>)</a:t>
             </a:r>
             <a:endParaRPr kumimoji="1" lang="ko-KR" altLang="en-US" dirty="0"/>
           </a:p>
@@ -5806,7 +6034,7 @@
           <p:cNvPr id="2" name="제목 1">
             <a:extLst>
               <a:ext uri="{FF2B5EF4-FFF2-40B4-BE49-F238E27FC236}">
-                <a16:creationId xmlns:a16="http://schemas.microsoft.com/office/drawing/2014/main" id="{3409D811-9620-E144-9E2D-42A6803A50B0}"/>
+                <a16:creationId xmlns:a16="http://schemas.microsoft.com/office/drawing/2014/main" id="{917E2B41-8B87-7647-908C-7257B71C60BB}"/>
               </a:ext>
             </a:extLst>
           </p:cNvPr>
@@ -5824,7 +6052,7 @@
           <a:p>
             <a:r>
               <a:rPr kumimoji="1" lang="ko-KR" altLang="en-US" dirty="0"/>
-              <a:t>팀원 소개</a:t>
+              <a:t>목차</a:t>
             </a:r>
           </a:p>
         </p:txBody>
@@ -5834,7 +6062,7 @@
           <p:cNvPr id="3" name="내용 개체 틀 2">
             <a:extLst>
               <a:ext uri="{FF2B5EF4-FFF2-40B4-BE49-F238E27FC236}">
-                <a16:creationId xmlns:a16="http://schemas.microsoft.com/office/drawing/2014/main" id="{393D240D-69BC-C24F-B228-B79939338B18}"/>
+                <a16:creationId xmlns:a16="http://schemas.microsoft.com/office/drawing/2014/main" id="{A068290E-9BC6-ED49-AE19-1271CFFD3E0D}"/>
               </a:ext>
             </a:extLst>
           </p:cNvPr>
@@ -5852,76 +6080,65 @@
           <a:p>
             <a:r>
               <a:rPr kumimoji="1" lang="ko-KR" altLang="en-US" dirty="0"/>
-              <a:t>조장</a:t>
+              <a:t>팀원 소개</a:t>
+            </a:r>
+            <a:endParaRPr kumimoji="1" lang="en-US" altLang="ko-KR" dirty="0"/>
+          </a:p>
+          <a:p>
+            <a:r>
+              <a:rPr kumimoji="1" lang="ko-KR" altLang="en-US" dirty="0"/>
+              <a:t>기획 배경</a:t>
+            </a:r>
+            <a:endParaRPr kumimoji="1" lang="en-US" altLang="ko-KR" dirty="0"/>
+          </a:p>
+          <a:p>
+            <a:r>
+              <a:rPr kumimoji="1" lang="ko-KR" altLang="en-US" dirty="0"/>
+              <a:t>서비스 소개</a:t>
+            </a:r>
+            <a:endParaRPr kumimoji="1" lang="en-US" altLang="ko-KR" dirty="0"/>
+          </a:p>
+          <a:p>
+            <a:r>
+              <a:rPr kumimoji="1" lang="ko-KR" altLang="en-US" dirty="0"/>
+              <a:t>핵심경쟁력</a:t>
+            </a:r>
+            <a:endParaRPr kumimoji="1" lang="en-US" altLang="ko-KR" dirty="0"/>
+          </a:p>
+          <a:p>
+            <a:r>
+              <a:rPr kumimoji="1" lang="ko-KR" altLang="en-US" dirty="0"/>
+              <a:t>시장</a:t>
             </a:r>
             <a:r>
               <a:rPr kumimoji="1" lang="en-US" altLang="ko-KR" dirty="0"/>
-              <a:t>-</a:t>
+              <a:t>/</a:t>
             </a:r>
             <a:r>
               <a:rPr kumimoji="1" lang="ko-KR" altLang="en-US" dirty="0"/>
-              <a:t>박상민</a:t>
+              <a:t>경쟁 분석</a:t>
             </a:r>
             <a:endParaRPr kumimoji="1" lang="en-US" altLang="ko-KR" dirty="0"/>
           </a:p>
           <a:p>
             <a:r>
               <a:rPr kumimoji="1" lang="ko-KR" altLang="en-US" dirty="0"/>
-              <a:t>디자이너</a:t>
-            </a:r>
-            <a:r>
-              <a:rPr kumimoji="1" lang="en-US" altLang="ko-KR" dirty="0"/>
-              <a:t>-</a:t>
-            </a:r>
-            <a:r>
-              <a:rPr kumimoji="1" lang="ko-KR" altLang="en-US" dirty="0"/>
-              <a:t>김재현</a:t>
+              <a:t>시뮬레이션</a:t>
             </a:r>
             <a:endParaRPr kumimoji="1" lang="en-US" altLang="ko-KR" dirty="0"/>
           </a:p>
           <a:p>
-            <a:r>
-              <a:rPr kumimoji="1" lang="ko-KR" altLang="en-US" dirty="0"/>
-              <a:t>기획</a:t>
-            </a:r>
-            <a:r>
-              <a:rPr kumimoji="1" lang="en-US" altLang="ko-KR" dirty="0"/>
-              <a:t>-</a:t>
-            </a:r>
-            <a:r>
-              <a:rPr kumimoji="1" lang="ko-KR" altLang="en-US" dirty="0" err="1"/>
-              <a:t>문수림</a:t>
-            </a:r>
-            <a:r>
-              <a:rPr kumimoji="1" lang="ko-KR" altLang="en-US" dirty="0"/>
-              <a:t> 이수정 조형래</a:t>
-            </a:r>
             <a:endParaRPr kumimoji="1" lang="en-US" altLang="ko-KR" dirty="0"/>
           </a:p>
           <a:p>
-            <a:pPr marL="0" indent="0">
-              <a:buNone/>
-            </a:pPr>
-            <a:endParaRPr kumimoji="1" lang="en-US" altLang="ko-KR" dirty="0"/>
-          </a:p>
-          <a:p>
-            <a:pPr marL="0" indent="0">
-              <a:buNone/>
-            </a:pPr>
-            <a:endParaRPr kumimoji="1" lang="en-US" altLang="ko-KR" dirty="0"/>
-          </a:p>
-          <a:p>
-            <a:pPr marL="0" indent="0">
-              <a:buNone/>
-            </a:pPr>
-            <a:endParaRPr kumimoji="1" lang="en-US" altLang="ko-KR" dirty="0"/>
+            <a:endParaRPr kumimoji="1" lang="ko-KR" altLang="en-US" dirty="0"/>
           </a:p>
         </p:txBody>
       </p:sp>
     </p:spTree>
     <p:extLst>
       <p:ext uri="{BB962C8B-B14F-4D97-AF65-F5344CB8AC3E}">
-        <p14:creationId xmlns:p14="http://schemas.microsoft.com/office/powerpoint/2010/main" val="1602398143"/>
+        <p14:creationId xmlns:p14="http://schemas.microsoft.com/office/powerpoint/2010/main" val="987149704"/>
       </p:ext>
     </p:extLst>
   </p:cSld>
@@ -5953,6 +6170,153 @@
           <p:cNvPr id="2" name="제목 1">
             <a:extLst>
               <a:ext uri="{FF2B5EF4-FFF2-40B4-BE49-F238E27FC236}">
+                <a16:creationId xmlns:a16="http://schemas.microsoft.com/office/drawing/2014/main" id="{3409D811-9620-E144-9E2D-42A6803A50B0}"/>
+              </a:ext>
+            </a:extLst>
+          </p:cNvPr>
+          <p:cNvSpPr>
+            <a:spLocks noGrp="1"/>
+          </p:cNvSpPr>
+          <p:nvPr>
+            <p:ph type="title"/>
+          </p:nvPr>
+        </p:nvSpPr>
+        <p:spPr/>
+        <p:txBody>
+          <a:bodyPr/>
+          <a:lstStyle/>
+          <a:p>
+            <a:r>
+              <a:rPr kumimoji="1" lang="ko-KR" altLang="en-US" dirty="0"/>
+              <a:t>팀원 소개</a:t>
+            </a:r>
+          </a:p>
+        </p:txBody>
+      </p:sp>
+      <p:sp>
+        <p:nvSpPr>
+          <p:cNvPr id="3" name="내용 개체 틀 2">
+            <a:extLst>
+              <a:ext uri="{FF2B5EF4-FFF2-40B4-BE49-F238E27FC236}">
+                <a16:creationId xmlns:a16="http://schemas.microsoft.com/office/drawing/2014/main" id="{393D240D-69BC-C24F-B228-B79939338B18}"/>
+              </a:ext>
+            </a:extLst>
+          </p:cNvPr>
+          <p:cNvSpPr>
+            <a:spLocks noGrp="1"/>
+          </p:cNvSpPr>
+          <p:nvPr>
+            <p:ph idx="1"/>
+          </p:nvPr>
+        </p:nvSpPr>
+        <p:spPr/>
+        <p:txBody>
+          <a:bodyPr/>
+          <a:lstStyle/>
+          <a:p>
+            <a:r>
+              <a:rPr kumimoji="1" lang="ko-KR" altLang="en-US" dirty="0"/>
+              <a:t>조장</a:t>
+            </a:r>
+            <a:r>
+              <a:rPr kumimoji="1" lang="en-US" altLang="ko-KR" dirty="0"/>
+              <a:t>-</a:t>
+            </a:r>
+            <a:r>
+              <a:rPr kumimoji="1" lang="ko-KR" altLang="en-US" dirty="0"/>
+              <a:t>박상민</a:t>
+            </a:r>
+            <a:endParaRPr kumimoji="1" lang="en-US" altLang="ko-KR" dirty="0"/>
+          </a:p>
+          <a:p>
+            <a:r>
+              <a:rPr kumimoji="1" lang="ko-KR" altLang="en-US" dirty="0"/>
+              <a:t>디자이너</a:t>
+            </a:r>
+            <a:r>
+              <a:rPr kumimoji="1" lang="en-US" altLang="ko-KR" dirty="0"/>
+              <a:t>-</a:t>
+            </a:r>
+            <a:r>
+              <a:rPr kumimoji="1" lang="ko-KR" altLang="en-US" dirty="0"/>
+              <a:t>김재현</a:t>
+            </a:r>
+            <a:endParaRPr kumimoji="1" lang="en-US" altLang="ko-KR" dirty="0"/>
+          </a:p>
+          <a:p>
+            <a:r>
+              <a:rPr kumimoji="1" lang="ko-KR" altLang="en-US" dirty="0"/>
+              <a:t>기획</a:t>
+            </a:r>
+            <a:r>
+              <a:rPr kumimoji="1" lang="en-US" altLang="ko-KR" dirty="0"/>
+              <a:t>-</a:t>
+            </a:r>
+            <a:r>
+              <a:rPr kumimoji="1" lang="ko-KR" altLang="en-US" dirty="0" err="1"/>
+              <a:t>문수림</a:t>
+            </a:r>
+            <a:r>
+              <a:rPr kumimoji="1" lang="ko-KR" altLang="en-US" dirty="0"/>
+              <a:t> 이수정 조형래</a:t>
+            </a:r>
+            <a:endParaRPr kumimoji="1" lang="en-US" altLang="ko-KR" dirty="0"/>
+          </a:p>
+          <a:p>
+            <a:pPr marL="0" indent="0">
+              <a:buNone/>
+            </a:pPr>
+            <a:endParaRPr kumimoji="1" lang="en-US" altLang="ko-KR" dirty="0"/>
+          </a:p>
+          <a:p>
+            <a:pPr marL="0" indent="0">
+              <a:buNone/>
+            </a:pPr>
+            <a:endParaRPr kumimoji="1" lang="en-US" altLang="ko-KR" dirty="0"/>
+          </a:p>
+          <a:p>
+            <a:pPr marL="0" indent="0">
+              <a:buNone/>
+            </a:pPr>
+            <a:endParaRPr kumimoji="1" lang="en-US" altLang="ko-KR" dirty="0"/>
+          </a:p>
+        </p:txBody>
+      </p:sp>
+    </p:spTree>
+    <p:extLst>
+      <p:ext uri="{BB962C8B-B14F-4D97-AF65-F5344CB8AC3E}">
+        <p14:creationId xmlns:p14="http://schemas.microsoft.com/office/powerpoint/2010/main" val="1602398143"/>
+      </p:ext>
+    </p:extLst>
+  </p:cSld>
+  <p:clrMapOvr>
+    <a:masterClrMapping/>
+  </p:clrMapOvr>
+</p:sld>
+</file>
+
+<file path=ppt/slides/slide5.xml><?xml version="1.0" encoding="utf-8"?>
+<p:sld xmlns:a="http://schemas.openxmlformats.org/drawingml/2006/main" xmlns:r="http://schemas.openxmlformats.org/officeDocument/2006/relationships" xmlns:p="http://schemas.openxmlformats.org/presentationml/2006/main">
+  <p:cSld>
+    <p:spTree>
+      <p:nvGrpSpPr>
+        <p:cNvPr id="1" name=""/>
+        <p:cNvGrpSpPr/>
+        <p:nvPr/>
+      </p:nvGrpSpPr>
+      <p:grpSpPr>
+        <a:xfrm>
+          <a:off x="0" y="0"/>
+          <a:ext cx="0" cy="0"/>
+          <a:chOff x="0" y="0"/>
+          <a:chExt cx="0" cy="0"/>
+        </a:xfrm>
+      </p:grpSpPr>
+      <p:sp>
+        <p:nvSpPr>
+          <p:cNvPr id="2" name="제목 1">
+            <a:extLst>
+              <a:ext uri="{FF2B5EF4-FFF2-40B4-BE49-F238E27FC236}">
                 <a16:creationId xmlns:a16="http://schemas.microsoft.com/office/drawing/2014/main" id="{CC5C8BD3-3AF1-C748-835F-F0A286C90A18}"/>
               </a:ext>
             </a:extLst>
@@ -6001,7 +6365,7 @@
 </p:sld>
 </file>
 
-<file path=ppt/slides/slide5.xml><?xml version="1.0" encoding="utf-8"?>
+<file path=ppt/slides/slide6.xml><?xml version="1.0" encoding="utf-8"?>
 <p:sld xmlns:a="http://schemas.openxmlformats.org/drawingml/2006/main" xmlns:r="http://schemas.openxmlformats.org/officeDocument/2006/relationships" xmlns:p="http://schemas.openxmlformats.org/presentationml/2006/main">
   <p:cSld>
     <p:spTree>
@@ -6134,7 +6498,7 @@
 </p:sld>
 </file>
 
-<file path=ppt/slides/slide6.xml><?xml version="1.0" encoding="utf-8"?>
+<file path=ppt/slides/slide7.xml><?xml version="1.0" encoding="utf-8"?>
 <p:sld xmlns:a="http://schemas.openxmlformats.org/drawingml/2006/main" xmlns:r="http://schemas.openxmlformats.org/officeDocument/2006/relationships" xmlns:p="http://schemas.openxmlformats.org/presentationml/2006/main">
   <p:cSld>
     <p:spTree>
@@ -6265,7 +6629,7 @@
 </p:sld>
 </file>
 
-<file path=ppt/slides/slide7.xml><?xml version="1.0" encoding="utf-8"?>
+<file path=ppt/slides/slide8.xml><?xml version="1.0" encoding="utf-8"?>
 <p:sld xmlns:a="http://schemas.openxmlformats.org/drawingml/2006/main" xmlns:r="http://schemas.openxmlformats.org/officeDocument/2006/relationships" xmlns:p="http://schemas.openxmlformats.org/presentationml/2006/main">
   <p:cSld>
     <p:spTree>
@@ -6398,7 +6762,7 @@
 </p:sld>
 </file>
 
-<file path=ppt/slides/slide8.xml><?xml version="1.0" encoding="utf-8"?>
+<file path=ppt/slides/slide9.xml><?xml version="1.0" encoding="utf-8"?>
 <p:sld xmlns:a="http://schemas.openxmlformats.org/drawingml/2006/main" xmlns:r="http://schemas.openxmlformats.org/officeDocument/2006/relationships" xmlns:p="http://schemas.openxmlformats.org/presentationml/2006/main">
   <p:cSld>
     <p:spTree>
@@ -6521,142 +6885,6 @@
     <p:extLst>
       <p:ext uri="{BB962C8B-B14F-4D97-AF65-F5344CB8AC3E}">
         <p14:creationId xmlns:p14="http://schemas.microsoft.com/office/powerpoint/2010/main" val="2008364674"/>
-      </p:ext>
-    </p:extLst>
-  </p:cSld>
-  <p:clrMapOvr>
-    <a:masterClrMapping/>
-  </p:clrMapOvr>
-</p:sld>
-</file>
-
-<file path=ppt/slides/slide9.xml><?xml version="1.0" encoding="utf-8"?>
-<p:sld xmlns:a="http://schemas.openxmlformats.org/drawingml/2006/main" xmlns:r="http://schemas.openxmlformats.org/officeDocument/2006/relationships" xmlns:p="http://schemas.openxmlformats.org/presentationml/2006/main">
-  <p:cSld>
-    <p:spTree>
-      <p:nvGrpSpPr>
-        <p:cNvPr id="1" name=""/>
-        <p:cNvGrpSpPr/>
-        <p:nvPr/>
-      </p:nvGrpSpPr>
-      <p:grpSpPr>
-        <a:xfrm>
-          <a:off x="0" y="0"/>
-          <a:ext cx="0" cy="0"/>
-          <a:chOff x="0" y="0"/>
-          <a:chExt cx="0" cy="0"/>
-        </a:xfrm>
-      </p:grpSpPr>
-      <p:sp>
-        <p:nvSpPr>
-          <p:cNvPr id="2" name="제목 1"/>
-          <p:cNvSpPr>
-            <a:spLocks noGrp="1"/>
-          </p:cNvSpPr>
-          <p:nvPr>
-            <p:ph type="title"/>
-          </p:nvPr>
-        </p:nvSpPr>
-        <p:spPr/>
-        <p:txBody>
-          <a:bodyPr/>
-          <a:lstStyle/>
-          <a:p>
-            <a:r>
-              <a:rPr lang="ko-KR" altLang="en-US" dirty="0"/>
-              <a:t>쇼핑 기능</a:t>
-            </a:r>
-            <a:r>
-              <a:rPr lang="en-US" altLang="ko-KR" dirty="0"/>
-              <a:t>&amp;</a:t>
-            </a:r>
-            <a:r>
-              <a:rPr lang="ko-KR" altLang="en-US" dirty="0"/>
-              <a:t>리뷰 관리</a:t>
-            </a:r>
-          </a:p>
-        </p:txBody>
-      </p:sp>
-      <p:pic>
-        <p:nvPicPr>
-          <p:cNvPr id="4" name="내용 개체 틀 8" descr="스크린샷이(가) 표시된 사진&#10;&#10;&#10;&#10;자동 생성된 설명">
-            <a:extLst>
-              <a:ext uri="{FF2B5EF4-FFF2-40B4-BE49-F238E27FC236}">
-                <a16:creationId xmlns:a16="http://schemas.microsoft.com/office/drawing/2014/main" id="{49F20AB3-A0D8-E445-957D-6C1CF569A8C4}"/>
-              </a:ext>
-            </a:extLst>
-          </p:cNvPr>
-          <p:cNvPicPr>
-            <a:picLocks noChangeAspect="1"/>
-          </p:cNvPicPr>
-          <p:nvPr/>
-        </p:nvPicPr>
-        <p:blipFill rotWithShape="1">
-          <a:blip r:embed="rId2">
-            <a:extLst>
-              <a:ext uri="{28A0092B-C50C-407E-A947-70E740481C1C}">
-                <a14:useLocalDpi xmlns:a14="http://schemas.microsoft.com/office/drawing/2010/main" val="0"/>
-              </a:ext>
-            </a:extLst>
-          </a:blip>
-          <a:srcRect l="23539" t="33410" r="26460" b="7724"/>
-          <a:stretch/>
-        </p:blipFill>
-        <p:spPr>
-          <a:xfrm>
-            <a:off x="3276120" y="1690840"/>
-            <a:ext cx="2376000" cy="4135166"/>
-          </a:xfrm>
-          <a:prstGeom prst="flowChartAlternateProcess">
-            <a:avLst/>
-          </a:prstGeom>
-        </p:spPr>
-      </p:pic>
-      <p:pic>
-        <p:nvPicPr>
-          <p:cNvPr id="1026" name="Picture 2" descr="C:\Users\Administrator\Downloads\menu.gif"/>
-          <p:cNvPicPr>
-            <a:picLocks noChangeAspect="1" noChangeArrowheads="1"/>
-          </p:cNvPicPr>
-          <p:nvPr/>
-        </p:nvPicPr>
-        <p:blipFill>
-          <a:blip r:embed="rId3" cstate="print">
-            <a:extLst>
-              <a:ext uri="{28A0092B-C50C-407E-A947-70E740481C1C}">
-                <a14:useLocalDpi xmlns:a14="http://schemas.microsoft.com/office/drawing/2010/main" val="0"/>
-              </a:ext>
-            </a:extLst>
-          </a:blip>
-          <a:srcRect/>
-          <a:stretch>
-            <a:fillRect/>
-          </a:stretch>
-        </p:blipFill>
-        <p:spPr bwMode="auto">
-          <a:xfrm>
-            <a:off x="3492144" y="2194392"/>
-            <a:ext cx="2023200" cy="2973051"/>
-          </a:xfrm>
-          <a:prstGeom prst="rect">
-            <a:avLst/>
-          </a:prstGeom>
-          <a:noFill/>
-          <a:extLst>
-            <a:ext uri="{909E8E84-426E-40DD-AFC4-6F175D3DCCD1}">
-              <a14:hiddenFill xmlns:a14="http://schemas.microsoft.com/office/drawing/2010/main">
-                <a:solidFill>
-                  <a:srgbClr val="FFFFFF"/>
-                </a:solidFill>
-              </a14:hiddenFill>
-            </a:ext>
-          </a:extLst>
-        </p:spPr>
-      </p:pic>
-    </p:spTree>
-    <p:extLst>
-      <p:ext uri="{BB962C8B-B14F-4D97-AF65-F5344CB8AC3E}">
-        <p14:creationId xmlns:p14="http://schemas.microsoft.com/office/powerpoint/2010/main" val="2127569690"/>
       </p:ext>
     </p:extLst>
   </p:cSld>

--- a/ideatoneppt.pptx
+++ b/ideatoneppt.pptx
@@ -126,7 +126,7 @@
   </p:defaultTextStyle>
   <p:extLst>
     <p:ext uri="{EFAFB233-063F-42B5-8137-9DF3F51BA10A}">
-      <p15:sldGuideLst xmlns:p15="http://schemas.microsoft.com/office/powerpoint/2012/main">
+      <p15:sldGuideLst xmlns:p15="http://schemas.microsoft.com/office/powerpoint/2012/main" xmlns="">
         <p15:guide id="1" orient="horz" pos="2160">
           <p15:clr>
             <a:srgbClr val="A4A3A4"/>
@@ -225,7 +225,7 @@
           <a:p>
             <a:fld id="{A6C8F092-C767-FC4F-B808-83A348BB618C}" type="datetimeFigureOut">
               <a:rPr kumimoji="1" lang="ko-KR" altLang="en-US" smtClean="0"/>
-              <a:t>2018. 11. 10.</a:t>
+              <a:t>2018-11-10</a:t>
             </a:fld>
             <a:endParaRPr kumimoji="1" lang="ko-KR" altLang="en-US"/>
           </a:p>
@@ -1413,7 +1413,7 @@
           <a:p>
             <a:fld id="{8E20E162-3880-4AB0-B825-B924C8552DF4}" type="datetimeFigureOut">
               <a:rPr lang="ko-KR" altLang="en-US" smtClean="0"/>
-              <a:t>2018. 11. 10.</a:t>
+              <a:t>2018-11-10</a:t>
             </a:fld>
             <a:endParaRPr lang="ko-KR" altLang="en-US"/>
           </a:p>
@@ -1581,7 +1581,7 @@
           <a:p>
             <a:fld id="{8E20E162-3880-4AB0-B825-B924C8552DF4}" type="datetimeFigureOut">
               <a:rPr lang="ko-KR" altLang="en-US" smtClean="0"/>
-              <a:t>2018. 11. 10.</a:t>
+              <a:t>2018-11-10</a:t>
             </a:fld>
             <a:endParaRPr lang="ko-KR" altLang="en-US"/>
           </a:p>
@@ -1759,7 +1759,7 @@
           <a:p>
             <a:fld id="{8E20E162-3880-4AB0-B825-B924C8552DF4}" type="datetimeFigureOut">
               <a:rPr lang="ko-KR" altLang="en-US" smtClean="0"/>
-              <a:t>2018. 11. 10.</a:t>
+              <a:t>2018-11-10</a:t>
             </a:fld>
             <a:endParaRPr lang="ko-KR" altLang="en-US"/>
           </a:p>
@@ -1927,7 +1927,7 @@
           <a:p>
             <a:fld id="{8E20E162-3880-4AB0-B825-B924C8552DF4}" type="datetimeFigureOut">
               <a:rPr lang="ko-KR" altLang="en-US" smtClean="0"/>
-              <a:t>2018. 11. 10.</a:t>
+              <a:t>2018-11-10</a:t>
             </a:fld>
             <a:endParaRPr lang="ko-KR" altLang="en-US"/>
           </a:p>
@@ -2172,7 +2172,7 @@
           <a:p>
             <a:fld id="{8E20E162-3880-4AB0-B825-B924C8552DF4}" type="datetimeFigureOut">
               <a:rPr lang="ko-KR" altLang="en-US" smtClean="0"/>
-              <a:t>2018. 11. 10.</a:t>
+              <a:t>2018-11-10</a:t>
             </a:fld>
             <a:endParaRPr lang="ko-KR" altLang="en-US"/>
           </a:p>
@@ -2457,7 +2457,7 @@
           <a:p>
             <a:fld id="{8E20E162-3880-4AB0-B825-B924C8552DF4}" type="datetimeFigureOut">
               <a:rPr lang="ko-KR" altLang="en-US" smtClean="0"/>
-              <a:t>2018. 11. 10.</a:t>
+              <a:t>2018-11-10</a:t>
             </a:fld>
             <a:endParaRPr lang="ko-KR" altLang="en-US"/>
           </a:p>
@@ -2876,7 +2876,7 @@
           <a:p>
             <a:fld id="{8E20E162-3880-4AB0-B825-B924C8552DF4}" type="datetimeFigureOut">
               <a:rPr lang="ko-KR" altLang="en-US" smtClean="0"/>
-              <a:t>2018. 11. 10.</a:t>
+              <a:t>2018-11-10</a:t>
             </a:fld>
             <a:endParaRPr lang="ko-KR" altLang="en-US"/>
           </a:p>
@@ -2993,7 +2993,7 @@
           <a:p>
             <a:fld id="{8E20E162-3880-4AB0-B825-B924C8552DF4}" type="datetimeFigureOut">
               <a:rPr lang="ko-KR" altLang="en-US" smtClean="0"/>
-              <a:t>2018. 11. 10.</a:t>
+              <a:t>2018-11-10</a:t>
             </a:fld>
             <a:endParaRPr lang="ko-KR" altLang="en-US"/>
           </a:p>
@@ -3088,7 +3088,7 @@
           <a:p>
             <a:fld id="{8E20E162-3880-4AB0-B825-B924C8552DF4}" type="datetimeFigureOut">
               <a:rPr lang="ko-KR" altLang="en-US" smtClean="0"/>
-              <a:t>2018. 11. 10.</a:t>
+              <a:t>2018-11-10</a:t>
             </a:fld>
             <a:endParaRPr lang="ko-KR" altLang="en-US"/>
           </a:p>
@@ -3363,7 +3363,7 @@
           <a:p>
             <a:fld id="{8E20E162-3880-4AB0-B825-B924C8552DF4}" type="datetimeFigureOut">
               <a:rPr lang="ko-KR" altLang="en-US" smtClean="0"/>
-              <a:t>2018. 11. 10.</a:t>
+              <a:t>2018-11-10</a:t>
             </a:fld>
             <a:endParaRPr lang="ko-KR" altLang="en-US"/>
           </a:p>
@@ -3615,7 +3615,7 @@
           <a:p>
             <a:fld id="{8E20E162-3880-4AB0-B825-B924C8552DF4}" type="datetimeFigureOut">
               <a:rPr lang="ko-KR" altLang="en-US" smtClean="0"/>
-              <a:t>2018. 11. 10.</a:t>
+              <a:t>2018-11-10</a:t>
             </a:fld>
             <a:endParaRPr lang="ko-KR" altLang="en-US"/>
           </a:p>
@@ -3826,7 +3826,7 @@
           <a:p>
             <a:fld id="{8E20E162-3880-4AB0-B825-B924C8552DF4}" type="datetimeFigureOut">
               <a:rPr lang="ko-KR" altLang="en-US" smtClean="0"/>
-              <a:t>2018. 11. 10.</a:t>
+              <a:t>2018-11-10</a:t>
             </a:fld>
             <a:endParaRPr lang="ko-KR" altLang="en-US"/>
           </a:p>
@@ -4206,7 +4206,7 @@
           <p:cNvPr id="2" name="제목 1">
             <a:extLst>
               <a:ext uri="{FF2B5EF4-FFF2-40B4-BE49-F238E27FC236}">
-                <a16:creationId xmlns:a16="http://schemas.microsoft.com/office/drawing/2014/main" id="{E8EBD7A7-4630-1047-9A97-D89735A59B12}"/>
+                <a16:creationId xmlns:a16="http://schemas.microsoft.com/office/drawing/2014/main" xmlns="" id="{E8EBD7A7-4630-1047-9A97-D89735A59B12}"/>
               </a:ext>
             </a:extLst>
           </p:cNvPr>
@@ -4242,7 +4242,7 @@
           <p:cNvPr id="3" name="내용 개체 틀 2">
             <a:extLst>
               <a:ext uri="{FF2B5EF4-FFF2-40B4-BE49-F238E27FC236}">
-                <a16:creationId xmlns:a16="http://schemas.microsoft.com/office/drawing/2014/main" id="{BA9874B2-5A79-0C4C-AEDC-6599047D15CC}"/>
+                <a16:creationId xmlns:a16="http://schemas.microsoft.com/office/drawing/2014/main" xmlns="" id="{BA9874B2-5A79-0C4C-AEDC-6599047D15CC}"/>
               </a:ext>
             </a:extLst>
           </p:cNvPr>
@@ -4413,6 +4413,10 @@
             </a:r>
           </a:p>
           <a:p>
+            <a:r>
+              <a:rPr lang="ko-KR" altLang="en-US" dirty="0"/>
+              <a:t/>
+            </a:r>
             <a:br>
               <a:rPr lang="ko-KR" altLang="en-US" dirty="0"/>
             </a:br>
@@ -4528,7 +4532,7 @@
           <p:cNvPr id="4" name="내용 개체 틀 8" descr="스크린샷이(가) 표시된 사진&#10;&#10;&#10;&#10;자동 생성된 설명">
             <a:extLst>
               <a:ext uri="{FF2B5EF4-FFF2-40B4-BE49-F238E27FC236}">
-                <a16:creationId xmlns:a16="http://schemas.microsoft.com/office/drawing/2014/main" id="{49F20AB3-A0D8-E445-957D-6C1CF569A8C4}"/>
+                <a16:creationId xmlns:a16="http://schemas.microsoft.com/office/drawing/2014/main" xmlns="" id="{49F20AB3-A0D8-E445-957D-6C1CF569A8C4}"/>
               </a:ext>
             </a:extLst>
           </p:cNvPr>
@@ -4581,13 +4585,20 @@
         </p:blipFill>
         <p:spPr bwMode="auto">
           <a:xfrm>
-            <a:off x="3492144" y="2194392"/>
-            <a:ext cx="2023200" cy="2973051"/>
+            <a:off x="3492144" y="2194391"/>
+            <a:ext cx="2044800" cy="3004792"/>
           </a:xfrm>
           <a:prstGeom prst="rect">
             <a:avLst/>
           </a:prstGeom>
           <a:noFill/>
+          <a:ln>
+            <a:solidFill>
+              <a:schemeClr val="bg1">
+                <a:lumMod val="50000"/>
+              </a:schemeClr>
+            </a:solidFill>
+          </a:ln>
           <a:extLst>
             <a:ext uri="{909E8E84-426E-40DD-AFC4-6F175D3DCCD1}">
               <a14:hiddenFill xmlns:a14="http://schemas.microsoft.com/office/drawing/2010/main">
@@ -4634,7 +4645,7 @@
           <p:cNvPr id="6" name="내용 개체 틀 8" descr="스크린샷이(가) 표시된 사진&#10;&#10;&#10;&#10;자동 생성된 설명">
             <a:extLst>
               <a:ext uri="{FF2B5EF4-FFF2-40B4-BE49-F238E27FC236}">
-                <a16:creationId xmlns:a16="http://schemas.microsoft.com/office/drawing/2014/main" id="{0E816373-5551-9F4B-951C-E3D21C53B6C8}"/>
+                <a16:creationId xmlns:a16="http://schemas.microsoft.com/office/drawing/2014/main" xmlns="" id="{0E816373-5551-9F4B-951C-E3D21C53B6C8}"/>
               </a:ext>
             </a:extLst>
           </p:cNvPr>
@@ -4669,7 +4680,7 @@
           <p:cNvPr id="5" name="내용 개체 틀 4" descr="스크린샷이(가) 표시된 사진&#10;&#10;&#10;&#10;자동 생성된 설명">
             <a:extLst>
               <a:ext uri="{FF2B5EF4-FFF2-40B4-BE49-F238E27FC236}">
-                <a16:creationId xmlns:a16="http://schemas.microsoft.com/office/drawing/2014/main" id="{493F555A-8FE9-6046-A7BC-6595E736DF91}"/>
+                <a16:creationId xmlns:a16="http://schemas.microsoft.com/office/drawing/2014/main" xmlns="" id="{493F555A-8FE9-6046-A7BC-6595E736DF91}"/>
               </a:ext>
             </a:extLst>
           </p:cNvPr>
@@ -4681,7 +4692,7 @@
           </p:nvPr>
         </p:nvPicPr>
         <p:blipFill>
-          <a:blip r:embed="rId4">
+          <a:blip r:embed="rId4" cstate="print">
             <a:extLst>
               <a:ext uri="{28A0092B-C50C-407E-A947-70E740481C1C}">
                 <a14:useLocalDpi xmlns:a14="http://schemas.microsoft.com/office/drawing/2010/main" val="0"/>
@@ -4694,9 +4705,16 @@
         </p:blipFill>
         <p:spPr>
           <a:xfrm>
-            <a:off x="3491880" y="2200559"/>
-            <a:ext cx="2016223" cy="2966601"/>
+            <a:off x="3491879" y="2200558"/>
+            <a:ext cx="2044800" cy="3008648"/>
           </a:xfrm>
+          <a:ln>
+            <a:solidFill>
+              <a:schemeClr val="bg1">
+                <a:lumMod val="50000"/>
+              </a:schemeClr>
+            </a:solidFill>
+          </a:ln>
         </p:spPr>
       </p:pic>
     </p:spTree>
@@ -4764,7 +4782,7 @@
           <p:cNvPr id="4" name="내용 개체 틀 8" descr="스크린샷이(가) 표시된 사진&#10;&#10;&#10;&#10;자동 생성된 설명">
             <a:extLst>
               <a:ext uri="{FF2B5EF4-FFF2-40B4-BE49-F238E27FC236}">
-                <a16:creationId xmlns:a16="http://schemas.microsoft.com/office/drawing/2014/main" id="{49F20AB3-A0D8-E445-957D-6C1CF569A8C4}"/>
+                <a16:creationId xmlns:a16="http://schemas.microsoft.com/office/drawing/2014/main" xmlns="" id="{49F20AB3-A0D8-E445-957D-6C1CF569A8C4}"/>
               </a:ext>
             </a:extLst>
           </p:cNvPr>
@@ -4817,13 +4835,20 @@
         </p:blipFill>
         <p:spPr bwMode="auto">
           <a:xfrm>
-            <a:off x="6084432" y="2194392"/>
-            <a:ext cx="2023200" cy="2973051"/>
+            <a:off x="6084432" y="2194391"/>
+            <a:ext cx="2044800" cy="3004792"/>
           </a:xfrm>
           <a:prstGeom prst="rect">
             <a:avLst/>
           </a:prstGeom>
           <a:noFill/>
+          <a:ln>
+            <a:solidFill>
+              <a:schemeClr val="bg1">
+                <a:lumMod val="50000"/>
+              </a:schemeClr>
+            </a:solidFill>
+          </a:ln>
           <a:extLst>
             <a:ext uri="{909E8E84-426E-40DD-AFC4-6F175D3DCCD1}">
               <a14:hiddenFill xmlns:a14="http://schemas.microsoft.com/office/drawing/2010/main">
@@ -5208,7 +5233,7 @@
           <p:cNvPr id="4" name="내용 개체 틀 8" descr="스크린샷이(가) 표시된 사진&#10;&#10;&#10;&#10;자동 생성된 설명">
             <a:extLst>
               <a:ext uri="{FF2B5EF4-FFF2-40B4-BE49-F238E27FC236}">
-                <a16:creationId xmlns:a16="http://schemas.microsoft.com/office/drawing/2014/main" id="{49F20AB3-A0D8-E445-957D-6C1CF569A8C4}"/>
+                <a16:creationId xmlns:a16="http://schemas.microsoft.com/office/drawing/2014/main" xmlns="" id="{49F20AB3-A0D8-E445-957D-6C1CF569A8C4}"/>
               </a:ext>
             </a:extLst>
           </p:cNvPr>
@@ -5261,13 +5286,20 @@
         </p:blipFill>
         <p:spPr bwMode="auto">
           <a:xfrm>
-            <a:off x="3492144" y="2194392"/>
-            <a:ext cx="2023200" cy="2973051"/>
+            <a:off x="3492144" y="2194391"/>
+            <a:ext cx="2044800" cy="3004792"/>
           </a:xfrm>
           <a:prstGeom prst="rect">
             <a:avLst/>
           </a:prstGeom>
           <a:noFill/>
+          <a:ln>
+            <a:solidFill>
+              <a:schemeClr val="bg1">
+                <a:lumMod val="50000"/>
+              </a:schemeClr>
+            </a:solidFill>
+          </a:ln>
           <a:extLst>
             <a:ext uri="{909E8E84-426E-40DD-AFC4-6F175D3DCCD1}">
               <a14:hiddenFill xmlns:a14="http://schemas.microsoft.com/office/drawing/2010/main">
@@ -5284,7 +5316,7 @@
           <p:cNvPr id="5" name="그림 4" descr="실내이(가) 표시된 사진&#10;&#10;&#10;&#10;자동 생성된 설명">
             <a:extLst>
               <a:ext uri="{FF2B5EF4-FFF2-40B4-BE49-F238E27FC236}">
-                <a16:creationId xmlns:a16="http://schemas.microsoft.com/office/drawing/2014/main" id="{9E7717B7-90BA-3F4B-9BB0-475AC09E75EA}"/>
+                <a16:creationId xmlns:a16="http://schemas.microsoft.com/office/drawing/2014/main" xmlns="" id="{9E7717B7-90BA-3F4B-9BB0-475AC09E75EA}"/>
               </a:ext>
             </a:extLst>
           </p:cNvPr>
@@ -5294,7 +5326,7 @@
           <p:nvPr/>
         </p:nvPicPr>
         <p:blipFill>
-          <a:blip r:embed="rId5">
+          <a:blip r:embed="rId5" cstate="print">
             <a:extLst>
               <a:ext uri="{28A0092B-C50C-407E-A947-70E740481C1C}">
                 <a14:useLocalDpi xmlns:a14="http://schemas.microsoft.com/office/drawing/2010/main" val="0"/>
@@ -5308,11 +5340,18 @@
         <p:spPr>
           <a:xfrm>
             <a:off x="5789160" y="2204864"/>
-            <a:ext cx="2023200" cy="2973600"/>
+            <a:ext cx="2044800" cy="2973600"/>
           </a:xfrm>
           <a:prstGeom prst="rect">
             <a:avLst/>
           </a:prstGeom>
+          <a:ln>
+            <a:solidFill>
+              <a:schemeClr val="bg1">
+                <a:lumMod val="50000"/>
+              </a:schemeClr>
+            </a:solidFill>
+          </a:ln>
         </p:spPr>
       </p:pic>
     </p:spTree>
@@ -5350,7 +5389,7 @@
           <p:cNvPr id="2" name="제목 1">
             <a:extLst>
               <a:ext uri="{FF2B5EF4-FFF2-40B4-BE49-F238E27FC236}">
-                <a16:creationId xmlns:a16="http://schemas.microsoft.com/office/drawing/2014/main" id="{A616ACF8-0967-254E-9A89-A97507292D4D}"/>
+                <a16:creationId xmlns:a16="http://schemas.microsoft.com/office/drawing/2014/main" xmlns="" id="{A616ACF8-0967-254E-9A89-A97507292D4D}"/>
               </a:ext>
             </a:extLst>
           </p:cNvPr>
@@ -5378,7 +5417,7 @@
           <p:cNvPr id="4" name="내용 개체 틀 8" descr="스크린샷이(가) 표시된 사진&#10;&#10;&#10;&#10;자동 생성된 설명">
             <a:extLst>
               <a:ext uri="{FF2B5EF4-FFF2-40B4-BE49-F238E27FC236}">
-                <a16:creationId xmlns:a16="http://schemas.microsoft.com/office/drawing/2014/main" id="{CDC00A24-94FD-414F-8171-CCB5F9E5C7F6}"/>
+                <a16:creationId xmlns:a16="http://schemas.microsoft.com/office/drawing/2014/main" xmlns="" id="{CDC00A24-94FD-414F-8171-CCB5F9E5C7F6}"/>
               </a:ext>
             </a:extLst>
           </p:cNvPr>
@@ -5415,7 +5454,7 @@
           <p:cNvPr id="5" name="내용 개체 틀 4" descr="스크린샷이(가) 표시된 사진&#10;&#10;&#10;&#10;자동 생성된 설명">
             <a:extLst>
               <a:ext uri="{FF2B5EF4-FFF2-40B4-BE49-F238E27FC236}">
-                <a16:creationId xmlns:a16="http://schemas.microsoft.com/office/drawing/2014/main" id="{9EAAC680-6AEB-B941-9E42-0387D5A32B26}"/>
+                <a16:creationId xmlns:a16="http://schemas.microsoft.com/office/drawing/2014/main" xmlns="" id="{9EAAC680-6AEB-B941-9E42-0387D5A32B26}"/>
               </a:ext>
             </a:extLst>
           </p:cNvPr>
@@ -5425,7 +5464,7 @@
           <p:nvPr/>
         </p:nvPicPr>
         <p:blipFill>
-          <a:blip r:embed="rId4">
+          <a:blip r:embed="rId4" cstate="print">
             <a:extLst>
               <a:ext uri="{28A0092B-C50C-407E-A947-70E740481C1C}">
                 <a14:useLocalDpi xmlns:a14="http://schemas.microsoft.com/office/drawing/2010/main" val="0"/>
@@ -5439,11 +5478,18 @@
         <p:spPr>
           <a:xfrm>
             <a:off x="1836805" y="2111584"/>
-            <a:ext cx="2026800" cy="2973600"/>
+            <a:ext cx="2044800" cy="2973600"/>
           </a:xfrm>
           <a:prstGeom prst="rect">
             <a:avLst/>
           </a:prstGeom>
+          <a:ln>
+            <a:solidFill>
+              <a:schemeClr val="bg1">
+                <a:lumMod val="50000"/>
+              </a:schemeClr>
+            </a:solidFill>
+          </a:ln>
         </p:spPr>
       </p:pic>
       <p:pic>
@@ -5451,7 +5497,7 @@
           <p:cNvPr id="6" name="내용 개체 틀 8" descr="스크린샷이(가) 표시된 사진&#10;&#10;&#10;&#10;자동 생성된 설명">
             <a:extLst>
               <a:ext uri="{FF2B5EF4-FFF2-40B4-BE49-F238E27FC236}">
-                <a16:creationId xmlns:a16="http://schemas.microsoft.com/office/drawing/2014/main" id="{2C4A354A-62A4-6E44-A3F1-9BFC6D40FB24}"/>
+                <a16:creationId xmlns:a16="http://schemas.microsoft.com/office/drawing/2014/main" xmlns="" id="{2C4A354A-62A4-6E44-A3F1-9BFC6D40FB24}"/>
               </a:ext>
             </a:extLst>
           </p:cNvPr>
@@ -5486,7 +5532,7 @@
           <p:cNvPr id="8" name="그림 7" descr="실내이(가) 표시된 사진&#10;&#10;&#10;&#10;자동 생성된 설명">
             <a:extLst>
               <a:ext uri="{FF2B5EF4-FFF2-40B4-BE49-F238E27FC236}">
-                <a16:creationId xmlns:a16="http://schemas.microsoft.com/office/drawing/2014/main" id="{0E819101-F64A-3D43-8B12-F927FAF27F6C}"/>
+                <a16:creationId xmlns:a16="http://schemas.microsoft.com/office/drawing/2014/main" xmlns="" id="{0E819101-F64A-3D43-8B12-F927FAF27F6C}"/>
               </a:ext>
             </a:extLst>
           </p:cNvPr>
@@ -5496,7 +5542,7 @@
           <p:nvPr/>
         </p:nvPicPr>
         <p:blipFill>
-          <a:blip r:embed="rId5">
+          <a:blip r:embed="rId5" cstate="print">
             <a:extLst>
               <a:ext uri="{28A0092B-C50C-407E-A947-70E740481C1C}">
                 <a14:useLocalDpi xmlns:a14="http://schemas.microsoft.com/office/drawing/2010/main" val="0"/>
@@ -5509,12 +5555,19 @@
         </p:blipFill>
         <p:spPr>
           <a:xfrm>
-            <a:off x="5716888" y="2142824"/>
-            <a:ext cx="2023200" cy="2973600"/>
+            <a:off x="5724128" y="2142824"/>
+            <a:ext cx="2044800" cy="2973600"/>
           </a:xfrm>
           <a:prstGeom prst="rect">
             <a:avLst/>
           </a:prstGeom>
+          <a:ln>
+            <a:solidFill>
+              <a:schemeClr val="bg1">
+                <a:lumMod val="50000"/>
+              </a:schemeClr>
+            </a:solidFill>
+          </a:ln>
         </p:spPr>
       </p:pic>
     </p:spTree>
@@ -5552,7 +5605,7 @@
           <p:cNvPr id="2" name="제목 1">
             <a:extLst>
               <a:ext uri="{FF2B5EF4-FFF2-40B4-BE49-F238E27FC236}">
-                <a16:creationId xmlns:a16="http://schemas.microsoft.com/office/drawing/2014/main" id="{28F98C9A-6B41-9E48-9587-94770AFED79E}"/>
+                <a16:creationId xmlns:a16="http://schemas.microsoft.com/office/drawing/2014/main" xmlns="" id="{28F98C9A-6B41-9E48-9587-94770AFED79E}"/>
               </a:ext>
             </a:extLst>
           </p:cNvPr>
@@ -5588,7 +5641,7 @@
           <p:cNvPr id="3" name="내용 개체 틀 2">
             <a:extLst>
               <a:ext uri="{FF2B5EF4-FFF2-40B4-BE49-F238E27FC236}">
-                <a16:creationId xmlns:a16="http://schemas.microsoft.com/office/drawing/2014/main" id="{E883A23E-B406-1348-839E-7F8B6950D10E}"/>
+                <a16:creationId xmlns:a16="http://schemas.microsoft.com/office/drawing/2014/main" xmlns="" id="{E883A23E-B406-1348-839E-7F8B6950D10E}"/>
               </a:ext>
             </a:extLst>
           </p:cNvPr>
@@ -5711,7 +5764,7 @@
           <p:cNvPr id="2" name="제목 1">
             <a:extLst>
               <a:ext uri="{FF2B5EF4-FFF2-40B4-BE49-F238E27FC236}">
-                <a16:creationId xmlns:a16="http://schemas.microsoft.com/office/drawing/2014/main" id="{4315451D-EFE7-3F45-9AAB-825F3C23A024}"/>
+                <a16:creationId xmlns:a16="http://schemas.microsoft.com/office/drawing/2014/main" xmlns="" id="{4315451D-EFE7-3F45-9AAB-825F3C23A024}"/>
               </a:ext>
             </a:extLst>
           </p:cNvPr>
@@ -5774,7 +5827,7 @@
           <p:cNvPr id="2" name="제목 1">
             <a:extLst>
               <a:ext uri="{FF2B5EF4-FFF2-40B4-BE49-F238E27FC236}">
-                <a16:creationId xmlns:a16="http://schemas.microsoft.com/office/drawing/2014/main" id="{9C508281-2DF6-3F4B-B03E-499380C0C441}"/>
+                <a16:creationId xmlns:a16="http://schemas.microsoft.com/office/drawing/2014/main" xmlns="" id="{9C508281-2DF6-3F4B-B03E-499380C0C441}"/>
               </a:ext>
             </a:extLst>
           </p:cNvPr>
@@ -5839,7 +5892,7 @@
           <p:cNvPr id="3" name="내용 개체 틀 2">
             <a:extLst>
               <a:ext uri="{FF2B5EF4-FFF2-40B4-BE49-F238E27FC236}">
-                <a16:creationId xmlns:a16="http://schemas.microsoft.com/office/drawing/2014/main" id="{6F98B7E9-F878-0E42-A16C-75C889AFE0CE}"/>
+                <a16:creationId xmlns:a16="http://schemas.microsoft.com/office/drawing/2014/main" xmlns="" id="{6F98B7E9-F878-0E42-A16C-75C889AFE0CE}"/>
               </a:ext>
             </a:extLst>
           </p:cNvPr>
@@ -6034,7 +6087,7 @@
           <p:cNvPr id="2" name="제목 1">
             <a:extLst>
               <a:ext uri="{FF2B5EF4-FFF2-40B4-BE49-F238E27FC236}">
-                <a16:creationId xmlns:a16="http://schemas.microsoft.com/office/drawing/2014/main" id="{917E2B41-8B87-7647-908C-7257B71C60BB}"/>
+                <a16:creationId xmlns:a16="http://schemas.microsoft.com/office/drawing/2014/main" xmlns="" id="{917E2B41-8B87-7647-908C-7257B71C60BB}"/>
               </a:ext>
             </a:extLst>
           </p:cNvPr>
@@ -6062,7 +6115,7 @@
           <p:cNvPr id="3" name="내용 개체 틀 2">
             <a:extLst>
               <a:ext uri="{FF2B5EF4-FFF2-40B4-BE49-F238E27FC236}">
-                <a16:creationId xmlns:a16="http://schemas.microsoft.com/office/drawing/2014/main" id="{A068290E-9BC6-ED49-AE19-1271CFFD3E0D}"/>
+                <a16:creationId xmlns:a16="http://schemas.microsoft.com/office/drawing/2014/main" xmlns="" id="{A068290E-9BC6-ED49-AE19-1271CFFD3E0D}"/>
               </a:ext>
             </a:extLst>
           </p:cNvPr>
@@ -6170,7 +6223,7 @@
           <p:cNvPr id="2" name="제목 1">
             <a:extLst>
               <a:ext uri="{FF2B5EF4-FFF2-40B4-BE49-F238E27FC236}">
-                <a16:creationId xmlns:a16="http://schemas.microsoft.com/office/drawing/2014/main" id="{3409D811-9620-E144-9E2D-42A6803A50B0}"/>
+                <a16:creationId xmlns:a16="http://schemas.microsoft.com/office/drawing/2014/main" xmlns="" id="{3409D811-9620-E144-9E2D-42A6803A50B0}"/>
               </a:ext>
             </a:extLst>
           </p:cNvPr>
@@ -6198,7 +6251,7 @@
           <p:cNvPr id="3" name="내용 개체 틀 2">
             <a:extLst>
               <a:ext uri="{FF2B5EF4-FFF2-40B4-BE49-F238E27FC236}">
-                <a16:creationId xmlns:a16="http://schemas.microsoft.com/office/drawing/2014/main" id="{393D240D-69BC-C24F-B228-B79939338B18}"/>
+                <a16:creationId xmlns:a16="http://schemas.microsoft.com/office/drawing/2014/main" xmlns="" id="{393D240D-69BC-C24F-B228-B79939338B18}"/>
               </a:ext>
             </a:extLst>
           </p:cNvPr>
@@ -6317,7 +6370,7 @@
           <p:cNvPr id="2" name="제목 1">
             <a:extLst>
               <a:ext uri="{FF2B5EF4-FFF2-40B4-BE49-F238E27FC236}">
-                <a16:creationId xmlns:a16="http://schemas.microsoft.com/office/drawing/2014/main" id="{CC5C8BD3-3AF1-C748-835F-F0A286C90A18}"/>
+                <a16:creationId xmlns:a16="http://schemas.microsoft.com/office/drawing/2014/main" xmlns="" id="{CC5C8BD3-3AF1-C748-835F-F0A286C90A18}"/>
               </a:ext>
             </a:extLst>
           </p:cNvPr>
@@ -6387,7 +6440,7 @@
           <p:cNvPr id="2" name="제목 1">
             <a:extLst>
               <a:ext uri="{FF2B5EF4-FFF2-40B4-BE49-F238E27FC236}">
-                <a16:creationId xmlns:a16="http://schemas.microsoft.com/office/drawing/2014/main" id="{117210B6-0999-9C4F-954D-22D6B30F9E70}"/>
+                <a16:creationId xmlns:a16="http://schemas.microsoft.com/office/drawing/2014/main" xmlns="" id="{117210B6-0999-9C4F-954D-22D6B30F9E70}"/>
               </a:ext>
             </a:extLst>
           </p:cNvPr>
@@ -6417,7 +6470,7 @@
           <p:cNvPr id="9" name="내용 개체 틀 8" descr="스크린샷이(가) 표시된 사진&#10;&#10;&#10;&#10;자동 생성된 설명">
             <a:extLst>
               <a:ext uri="{FF2B5EF4-FFF2-40B4-BE49-F238E27FC236}">
-                <a16:creationId xmlns:a16="http://schemas.microsoft.com/office/drawing/2014/main" id="{49F20AB3-A0D8-E445-957D-6C1CF569A8C4}"/>
+                <a16:creationId xmlns:a16="http://schemas.microsoft.com/office/drawing/2014/main" xmlns="" id="{49F20AB3-A0D8-E445-957D-6C1CF569A8C4}"/>
               </a:ext>
             </a:extLst>
           </p:cNvPr>
@@ -6454,7 +6507,7 @@
           <p:cNvPr id="10" name="내용 개체 틀 4" descr="스크린샷이(가) 표시된 사진&#10;&#10;&#10;&#10;자동 생성된 설명">
             <a:extLst>
               <a:ext uri="{FF2B5EF4-FFF2-40B4-BE49-F238E27FC236}">
-                <a16:creationId xmlns:a16="http://schemas.microsoft.com/office/drawing/2014/main" id="{8ECB2695-C803-364D-BF30-932C21F166BA}"/>
+                <a16:creationId xmlns:a16="http://schemas.microsoft.com/office/drawing/2014/main" xmlns="" id="{8ECB2695-C803-364D-BF30-932C21F166BA}"/>
               </a:ext>
             </a:extLst>
           </p:cNvPr>
@@ -6477,12 +6530,19 @@
         </p:blipFill>
         <p:spPr>
           <a:xfrm>
-            <a:off x="3419608" y="2472154"/>
-            <a:ext cx="2023200" cy="2962296"/>
+            <a:off x="3419872" y="2472153"/>
+            <a:ext cx="2044800" cy="2993922"/>
           </a:xfrm>
           <a:prstGeom prst="rect">
             <a:avLst/>
           </a:prstGeom>
+          <a:ln>
+            <a:solidFill>
+              <a:schemeClr val="bg1">
+                <a:lumMod val="50000"/>
+              </a:schemeClr>
+            </a:solidFill>
+          </a:ln>
         </p:spPr>
       </p:pic>
     </p:spTree>
@@ -6520,7 +6580,7 @@
           <p:cNvPr id="2" name="제목 1">
             <a:extLst>
               <a:ext uri="{FF2B5EF4-FFF2-40B4-BE49-F238E27FC236}">
-                <a16:creationId xmlns:a16="http://schemas.microsoft.com/office/drawing/2014/main" id="{117210B6-0999-9C4F-954D-22D6B30F9E70}"/>
+                <a16:creationId xmlns:a16="http://schemas.microsoft.com/office/drawing/2014/main" xmlns="" id="{117210B6-0999-9C4F-954D-22D6B30F9E70}"/>
               </a:ext>
             </a:extLst>
           </p:cNvPr>
@@ -6548,7 +6608,7 @@
           <p:cNvPr id="9" name="내용 개체 틀 8" descr="스크린샷이(가) 표시된 사진&#10;&#10;&#10;&#10;자동 생성된 설명">
             <a:extLst>
               <a:ext uri="{FF2B5EF4-FFF2-40B4-BE49-F238E27FC236}">
-                <a16:creationId xmlns:a16="http://schemas.microsoft.com/office/drawing/2014/main" id="{49F20AB3-A0D8-E445-957D-6C1CF569A8C4}"/>
+                <a16:creationId xmlns:a16="http://schemas.microsoft.com/office/drawing/2014/main" xmlns="" id="{49F20AB3-A0D8-E445-957D-6C1CF569A8C4}"/>
               </a:ext>
             </a:extLst>
           </p:cNvPr>
@@ -6585,7 +6645,7 @@
           <p:cNvPr id="10" name="내용 개체 틀 4" descr="스크린샷이(가) 표시된 사진&#10;&#10;&#10;&#10;자동 생성된 설명">
             <a:extLst>
               <a:ext uri="{FF2B5EF4-FFF2-40B4-BE49-F238E27FC236}">
-                <a16:creationId xmlns:a16="http://schemas.microsoft.com/office/drawing/2014/main" id="{8ECB2695-C803-364D-BF30-932C21F166BA}"/>
+                <a16:creationId xmlns:a16="http://schemas.microsoft.com/office/drawing/2014/main" xmlns="" id="{8ECB2695-C803-364D-BF30-932C21F166BA}"/>
               </a:ext>
             </a:extLst>
           </p:cNvPr>
@@ -6609,11 +6669,18 @@
         <p:spPr>
           <a:xfrm>
             <a:off x="3419608" y="2472154"/>
-            <a:ext cx="2023200" cy="2962296"/>
+            <a:ext cx="2044800" cy="2993922"/>
           </a:xfrm>
           <a:prstGeom prst="rect">
             <a:avLst/>
           </a:prstGeom>
+          <a:ln>
+            <a:solidFill>
+              <a:schemeClr val="bg1">
+                <a:lumMod val="50000"/>
+              </a:schemeClr>
+            </a:solidFill>
+          </a:ln>
         </p:spPr>
       </p:pic>
     </p:spTree>
@@ -6651,7 +6718,7 @@
           <p:cNvPr id="2" name="제목 1">
             <a:extLst>
               <a:ext uri="{FF2B5EF4-FFF2-40B4-BE49-F238E27FC236}">
-                <a16:creationId xmlns:a16="http://schemas.microsoft.com/office/drawing/2014/main" id="{117210B6-0999-9C4F-954D-22D6B30F9E70}"/>
+                <a16:creationId xmlns:a16="http://schemas.microsoft.com/office/drawing/2014/main" xmlns="" id="{117210B6-0999-9C4F-954D-22D6B30F9E70}"/>
               </a:ext>
             </a:extLst>
           </p:cNvPr>
@@ -6681,7 +6748,7 @@
           <p:cNvPr id="9" name="내용 개체 틀 8" descr="스크린샷이(가) 표시된 사진&#10;&#10;&#10;&#10;자동 생성된 설명">
             <a:extLst>
               <a:ext uri="{FF2B5EF4-FFF2-40B4-BE49-F238E27FC236}">
-                <a16:creationId xmlns:a16="http://schemas.microsoft.com/office/drawing/2014/main" id="{49F20AB3-A0D8-E445-957D-6C1CF569A8C4}"/>
+                <a16:creationId xmlns:a16="http://schemas.microsoft.com/office/drawing/2014/main" xmlns="" id="{49F20AB3-A0D8-E445-957D-6C1CF569A8C4}"/>
               </a:ext>
             </a:extLst>
           </p:cNvPr>
@@ -6718,7 +6785,7 @@
           <p:cNvPr id="10" name="내용 개체 틀 4" descr="스크린샷이(가) 표시된 사진&#10;&#10;&#10;&#10;자동 생성된 설명">
             <a:extLst>
               <a:ext uri="{FF2B5EF4-FFF2-40B4-BE49-F238E27FC236}">
-                <a16:creationId xmlns:a16="http://schemas.microsoft.com/office/drawing/2014/main" id="{8ECB2695-C803-364D-BF30-932C21F166BA}"/>
+                <a16:creationId xmlns:a16="http://schemas.microsoft.com/office/drawing/2014/main" xmlns="" id="{8ECB2695-C803-364D-BF30-932C21F166BA}"/>
               </a:ext>
             </a:extLst>
           </p:cNvPr>
@@ -6742,11 +6809,18 @@
         <p:spPr>
           <a:xfrm>
             <a:off x="3419608" y="2472154"/>
-            <a:ext cx="2023200" cy="2962296"/>
+            <a:ext cx="2044800" cy="2993922"/>
           </a:xfrm>
           <a:prstGeom prst="rect">
             <a:avLst/>
           </a:prstGeom>
+          <a:ln>
+            <a:solidFill>
+              <a:schemeClr val="bg1">
+                <a:lumMod val="50000"/>
+              </a:schemeClr>
+            </a:solidFill>
+          </a:ln>
         </p:spPr>
       </p:pic>
     </p:spTree>
@@ -6810,7 +6884,7 @@
           <p:cNvPr id="4" name="내용 개체 틀 8" descr="스크린샷이(가) 표시된 사진&#10;&#10;&#10;&#10;자동 생성된 설명">
             <a:extLst>
               <a:ext uri="{FF2B5EF4-FFF2-40B4-BE49-F238E27FC236}">
-                <a16:creationId xmlns:a16="http://schemas.microsoft.com/office/drawing/2014/main" id="{49F20AB3-A0D8-E445-957D-6C1CF569A8C4}"/>
+                <a16:creationId xmlns:a16="http://schemas.microsoft.com/office/drawing/2014/main" xmlns="" id="{49F20AB3-A0D8-E445-957D-6C1CF569A8C4}"/>
               </a:ext>
             </a:extLst>
           </p:cNvPr>
@@ -6863,13 +6937,20 @@
         </p:blipFill>
         <p:spPr bwMode="auto">
           <a:xfrm>
-            <a:off x="3492144" y="2194392"/>
-            <a:ext cx="2023200" cy="2973051"/>
+            <a:off x="3492144" y="2194391"/>
+            <a:ext cx="2044800" cy="3004792"/>
           </a:xfrm>
           <a:prstGeom prst="rect">
             <a:avLst/>
           </a:prstGeom>
           <a:noFill/>
+          <a:ln>
+            <a:solidFill>
+              <a:schemeClr val="bg1">
+                <a:lumMod val="50000"/>
+              </a:schemeClr>
+            </a:solidFill>
+          </a:ln>
           <a:extLst>
             <a:ext uri="{909E8E84-426E-40DD-AFC4-6F175D3DCCD1}">
               <a14:hiddenFill xmlns:a14="http://schemas.microsoft.com/office/drawing/2010/main">
@@ -7468,7 +7549,7 @@
   <a:extraClrSchemeLst/>
   <a:extLst>
     <a:ext uri="{05A4C25C-085E-4340-85A3-A5531E510DB2}">
-      <thm15:themeFamily xmlns:thm15="http://schemas.microsoft.com/office/thememl/2012/main" name="Office Theme" id="{62F939B6-93AF-4DB8-9C6B-D6C7DFDC589F}" vid="{4A3C46E8-61CC-4603-A589-7422A47A8E4A}"/>
+      <thm15:themeFamily xmlns:thm15="http://schemas.microsoft.com/office/thememl/2012/main" xmlns="" name="Office Theme" id="{62F939B6-93AF-4DB8-9C6B-D6C7DFDC589F}" vid="{4A3C46E8-61CC-4603-A589-7422A47A8E4A}"/>
     </a:ext>
   </a:extLst>
 </a:theme>

--- a/ideatoneppt.pptx
+++ b/ideatoneppt.pptx
@@ -5,7 +5,7 @@
     <p:sldMasterId id="2147483648" r:id="rId1"/>
   </p:sldMasterIdLst>
   <p:notesMasterIdLst>
-    <p:notesMasterId r:id="rId20"/>
+    <p:notesMasterId r:id="rId22"/>
   </p:notesMasterIdLst>
   <p:sldIdLst>
     <p:sldId id="266" r:id="rId2"/>
@@ -21,11 +21,13 @@
     <p:sldId id="279" r:id="rId12"/>
     <p:sldId id="278" r:id="rId13"/>
     <p:sldId id="277" r:id="rId14"/>
-    <p:sldId id="261" r:id="rId15"/>
-    <p:sldId id="262" r:id="rId16"/>
-    <p:sldId id="281" r:id="rId17"/>
-    <p:sldId id="263" r:id="rId18"/>
-    <p:sldId id="264" r:id="rId19"/>
+    <p:sldId id="282" r:id="rId15"/>
+    <p:sldId id="283" r:id="rId16"/>
+    <p:sldId id="261" r:id="rId17"/>
+    <p:sldId id="262" r:id="rId18"/>
+    <p:sldId id="281" r:id="rId19"/>
+    <p:sldId id="263" r:id="rId20"/>
+    <p:sldId id="264" r:id="rId21"/>
   </p:sldIdLst>
   <p:sldSz cx="9144000" cy="6858000" type="screen4x3"/>
   <p:notesSz cx="6858000" cy="9144000"/>
@@ -126,7 +128,7 @@
   </p:defaultTextStyle>
   <p:extLst>
     <p:ext uri="{EFAFB233-063F-42B5-8137-9DF3F51BA10A}">
-      <p15:sldGuideLst xmlns:p15="http://schemas.microsoft.com/office/powerpoint/2012/main" xmlns="">
+      <p15:sldGuideLst xmlns:p15="http://schemas.microsoft.com/office/powerpoint/2012/main">
         <p15:guide id="1" orient="horz" pos="2160">
           <p15:clr>
             <a:srgbClr val="A4A3A4"/>
@@ -225,7 +227,7 @@
           <a:p>
             <a:fld id="{A6C8F092-C767-FC4F-B808-83A348BB618C}" type="datetimeFigureOut">
               <a:rPr kumimoji="1" lang="ko-KR" altLang="en-US" smtClean="0"/>
-              <a:t>2018-11-10</a:t>
+              <a:t>2018. 11. 10.</a:t>
             </a:fld>
             <a:endParaRPr kumimoji="1" lang="ko-KR" altLang="en-US"/>
           </a:p>
@@ -1173,6 +1175,108 @@
           <a:p>
             <a:r>
               <a:rPr kumimoji="1" lang="ko-KR" altLang="en-US" dirty="0"/>
+              <a:t>가입 후 첫 구매 시 실내에서도 청결하게 마스크를 보관할 수 있도록 마스크 케이스를 지급합니다</a:t>
+            </a:r>
+            <a:r>
+              <a:rPr kumimoji="1" lang="en-US" altLang="ko-KR" dirty="0"/>
+              <a:t>.</a:t>
+            </a:r>
+          </a:p>
+          <a:p>
+            <a:r>
+              <a:rPr kumimoji="1" lang="ko-KR" altLang="en-US" dirty="0"/>
+              <a:t>연속 구매 기간으로 등급을 정하여 기업에서 지원받은 사은품을 제공합니다</a:t>
+            </a:r>
+            <a:r>
+              <a:rPr kumimoji="1" lang="en-US" altLang="ko-KR" dirty="0"/>
+              <a:t>.</a:t>
+            </a:r>
+            <a:endParaRPr kumimoji="1" lang="ko-KR" altLang="en-US" dirty="0"/>
+          </a:p>
+        </p:txBody>
+      </p:sp>
+      <p:sp>
+        <p:nvSpPr>
+          <p:cNvPr id="4" name="슬라이드 번호 개체 틀 3"/>
+          <p:cNvSpPr>
+            <a:spLocks noGrp="1"/>
+          </p:cNvSpPr>
+          <p:nvPr>
+            <p:ph type="sldNum" sz="quarter" idx="5"/>
+          </p:nvPr>
+        </p:nvSpPr>
+        <p:spPr/>
+        <p:txBody>
+          <a:bodyPr/>
+          <a:lstStyle/>
+          <a:p>
+            <a:fld id="{F769AE6D-0ADA-CF4D-9503-F3CACB96690B}" type="slidenum">
+              <a:rPr kumimoji="1" lang="ko-KR" altLang="en-US" smtClean="0"/>
+              <a:t>15</a:t>
+            </a:fld>
+            <a:endParaRPr kumimoji="1" lang="ko-KR" altLang="en-US"/>
+          </a:p>
+        </p:txBody>
+      </p:sp>
+    </p:spTree>
+    <p:extLst>
+      <p:ext uri="{BB962C8B-B14F-4D97-AF65-F5344CB8AC3E}">
+        <p14:creationId xmlns:p14="http://schemas.microsoft.com/office/powerpoint/2010/main" val="3907211209"/>
+      </p:ext>
+    </p:extLst>
+  </p:cSld>
+  <p:clrMapOvr>
+    <a:masterClrMapping/>
+  </p:clrMapOvr>
+</p:notes>
+</file>
+
+<file path=ppt/notesSlides/notesSlide8.xml><?xml version="1.0" encoding="utf-8"?>
+<p:notes xmlns:a="http://schemas.openxmlformats.org/drawingml/2006/main" xmlns:r="http://schemas.openxmlformats.org/officeDocument/2006/relationships" xmlns:p="http://schemas.openxmlformats.org/presentationml/2006/main">
+  <p:cSld>
+    <p:spTree>
+      <p:nvGrpSpPr>
+        <p:cNvPr id="1" name=""/>
+        <p:cNvGrpSpPr/>
+        <p:nvPr/>
+      </p:nvGrpSpPr>
+      <p:grpSpPr>
+        <a:xfrm>
+          <a:off x="0" y="0"/>
+          <a:ext cx="0" cy="0"/>
+          <a:chOff x="0" y="0"/>
+          <a:chExt cx="0" cy="0"/>
+        </a:xfrm>
+      </p:grpSpPr>
+      <p:sp>
+        <p:nvSpPr>
+          <p:cNvPr id="2" name="슬라이드 이미지 개체 틀 1"/>
+          <p:cNvSpPr>
+            <a:spLocks noGrp="1" noRot="1" noChangeAspect="1"/>
+          </p:cNvSpPr>
+          <p:nvPr>
+            <p:ph type="sldImg"/>
+          </p:nvPr>
+        </p:nvSpPr>
+        <p:spPr/>
+      </p:sp>
+      <p:sp>
+        <p:nvSpPr>
+          <p:cNvPr id="3" name="슬라이드 노트 개체 틀 2"/>
+          <p:cNvSpPr>
+            <a:spLocks noGrp="1"/>
+          </p:cNvSpPr>
+          <p:nvPr>
+            <p:ph type="body" idx="1"/>
+          </p:nvPr>
+        </p:nvSpPr>
+        <p:spPr/>
+        <p:txBody>
+          <a:bodyPr/>
+          <a:lstStyle/>
+          <a:p>
+            <a:r>
+              <a:rPr kumimoji="1" lang="ko-KR" altLang="en-US" dirty="0"/>
               <a:t>저희 앱의 핵심 경쟁력은 앞서 말한 쇼핑몰 기능에서 제휴업체로부터 광고료를 받아 이익을 창출하면서  </a:t>
             </a:r>
             <a:endParaRPr kumimoji="1" lang="en-US" altLang="ko-KR" dirty="0"/>
@@ -1215,7 +1319,7 @@
           <a:p>
             <a:fld id="{F769AE6D-0ADA-CF4D-9503-F3CACB96690B}" type="slidenum">
               <a:rPr kumimoji="1" lang="ko-KR" altLang="en-US" smtClean="0"/>
-              <a:t>14</a:t>
+              <a:t>16</a:t>
             </a:fld>
             <a:endParaRPr kumimoji="1" lang="ko-KR" altLang="en-US"/>
           </a:p>
@@ -1413,7 +1517,7 @@
           <a:p>
             <a:fld id="{8E20E162-3880-4AB0-B825-B924C8552DF4}" type="datetimeFigureOut">
               <a:rPr lang="ko-KR" altLang="en-US" smtClean="0"/>
-              <a:t>2018-11-10</a:t>
+              <a:t>2018. 11. 10.</a:t>
             </a:fld>
             <a:endParaRPr lang="ko-KR" altLang="en-US"/>
           </a:p>
@@ -1581,7 +1685,7 @@
           <a:p>
             <a:fld id="{8E20E162-3880-4AB0-B825-B924C8552DF4}" type="datetimeFigureOut">
               <a:rPr lang="ko-KR" altLang="en-US" smtClean="0"/>
-              <a:t>2018-11-10</a:t>
+              <a:t>2018. 11. 10.</a:t>
             </a:fld>
             <a:endParaRPr lang="ko-KR" altLang="en-US"/>
           </a:p>
@@ -1759,7 +1863,7 @@
           <a:p>
             <a:fld id="{8E20E162-3880-4AB0-B825-B924C8552DF4}" type="datetimeFigureOut">
               <a:rPr lang="ko-KR" altLang="en-US" smtClean="0"/>
-              <a:t>2018-11-10</a:t>
+              <a:t>2018. 11. 10.</a:t>
             </a:fld>
             <a:endParaRPr lang="ko-KR" altLang="en-US"/>
           </a:p>
@@ -1927,7 +2031,7 @@
           <a:p>
             <a:fld id="{8E20E162-3880-4AB0-B825-B924C8552DF4}" type="datetimeFigureOut">
               <a:rPr lang="ko-KR" altLang="en-US" smtClean="0"/>
-              <a:t>2018-11-10</a:t>
+              <a:t>2018. 11. 10.</a:t>
             </a:fld>
             <a:endParaRPr lang="ko-KR" altLang="en-US"/>
           </a:p>
@@ -2172,7 +2276,7 @@
           <a:p>
             <a:fld id="{8E20E162-3880-4AB0-B825-B924C8552DF4}" type="datetimeFigureOut">
               <a:rPr lang="ko-KR" altLang="en-US" smtClean="0"/>
-              <a:t>2018-11-10</a:t>
+              <a:t>2018. 11. 10.</a:t>
             </a:fld>
             <a:endParaRPr lang="ko-KR" altLang="en-US"/>
           </a:p>
@@ -2457,7 +2561,7 @@
           <a:p>
             <a:fld id="{8E20E162-3880-4AB0-B825-B924C8552DF4}" type="datetimeFigureOut">
               <a:rPr lang="ko-KR" altLang="en-US" smtClean="0"/>
-              <a:t>2018-11-10</a:t>
+              <a:t>2018. 11. 10.</a:t>
             </a:fld>
             <a:endParaRPr lang="ko-KR" altLang="en-US"/>
           </a:p>
@@ -2876,7 +2980,7 @@
           <a:p>
             <a:fld id="{8E20E162-3880-4AB0-B825-B924C8552DF4}" type="datetimeFigureOut">
               <a:rPr lang="ko-KR" altLang="en-US" smtClean="0"/>
-              <a:t>2018-11-10</a:t>
+              <a:t>2018. 11. 10.</a:t>
             </a:fld>
             <a:endParaRPr lang="ko-KR" altLang="en-US"/>
           </a:p>
@@ -2993,7 +3097,7 @@
           <a:p>
             <a:fld id="{8E20E162-3880-4AB0-B825-B924C8552DF4}" type="datetimeFigureOut">
               <a:rPr lang="ko-KR" altLang="en-US" smtClean="0"/>
-              <a:t>2018-11-10</a:t>
+              <a:t>2018. 11. 10.</a:t>
             </a:fld>
             <a:endParaRPr lang="ko-KR" altLang="en-US"/>
           </a:p>
@@ -3088,7 +3192,7 @@
           <a:p>
             <a:fld id="{8E20E162-3880-4AB0-B825-B924C8552DF4}" type="datetimeFigureOut">
               <a:rPr lang="ko-KR" altLang="en-US" smtClean="0"/>
-              <a:t>2018-11-10</a:t>
+              <a:t>2018. 11. 10.</a:t>
             </a:fld>
             <a:endParaRPr lang="ko-KR" altLang="en-US"/>
           </a:p>
@@ -3363,7 +3467,7 @@
           <a:p>
             <a:fld id="{8E20E162-3880-4AB0-B825-B924C8552DF4}" type="datetimeFigureOut">
               <a:rPr lang="ko-KR" altLang="en-US" smtClean="0"/>
-              <a:t>2018-11-10</a:t>
+              <a:t>2018. 11. 10.</a:t>
             </a:fld>
             <a:endParaRPr lang="ko-KR" altLang="en-US"/>
           </a:p>
@@ -3615,7 +3719,7 @@
           <a:p>
             <a:fld id="{8E20E162-3880-4AB0-B825-B924C8552DF4}" type="datetimeFigureOut">
               <a:rPr lang="ko-KR" altLang="en-US" smtClean="0"/>
-              <a:t>2018-11-10</a:t>
+              <a:t>2018. 11. 10.</a:t>
             </a:fld>
             <a:endParaRPr lang="ko-KR" altLang="en-US"/>
           </a:p>
@@ -3826,7 +3930,7 @@
           <a:p>
             <a:fld id="{8E20E162-3880-4AB0-B825-B924C8552DF4}" type="datetimeFigureOut">
               <a:rPr lang="ko-KR" altLang="en-US" smtClean="0"/>
-              <a:t>2018-11-10</a:t>
+              <a:t>2018. 11. 10.</a:t>
             </a:fld>
             <a:endParaRPr lang="ko-KR" altLang="en-US"/>
           </a:p>
@@ -4206,7 +4310,7 @@
           <p:cNvPr id="2" name="제목 1">
             <a:extLst>
               <a:ext uri="{FF2B5EF4-FFF2-40B4-BE49-F238E27FC236}">
-                <a16:creationId xmlns:a16="http://schemas.microsoft.com/office/drawing/2014/main" xmlns="" id="{E8EBD7A7-4630-1047-9A97-D89735A59B12}"/>
+                <a16:creationId xmlns:a16="http://schemas.microsoft.com/office/drawing/2014/main" id="{E8EBD7A7-4630-1047-9A97-D89735A59B12}"/>
               </a:ext>
             </a:extLst>
           </p:cNvPr>
@@ -4242,7 +4346,7 @@
           <p:cNvPr id="3" name="내용 개체 틀 2">
             <a:extLst>
               <a:ext uri="{FF2B5EF4-FFF2-40B4-BE49-F238E27FC236}">
-                <a16:creationId xmlns:a16="http://schemas.microsoft.com/office/drawing/2014/main" xmlns="" id="{BA9874B2-5A79-0C4C-AEDC-6599047D15CC}"/>
+                <a16:creationId xmlns:a16="http://schemas.microsoft.com/office/drawing/2014/main" id="{BA9874B2-5A79-0C4C-AEDC-6599047D15CC}"/>
               </a:ext>
             </a:extLst>
           </p:cNvPr>
@@ -4413,10 +4517,6 @@
             </a:r>
           </a:p>
           <a:p>
-            <a:r>
-              <a:rPr lang="ko-KR" altLang="en-US" dirty="0"/>
-              <a:t/>
-            </a:r>
             <a:br>
               <a:rPr lang="ko-KR" altLang="en-US" dirty="0"/>
             </a:br>
@@ -4532,7 +4632,7 @@
           <p:cNvPr id="4" name="내용 개체 틀 8" descr="스크린샷이(가) 표시된 사진&#10;&#10;&#10;&#10;자동 생성된 설명">
             <a:extLst>
               <a:ext uri="{FF2B5EF4-FFF2-40B4-BE49-F238E27FC236}">
-                <a16:creationId xmlns:a16="http://schemas.microsoft.com/office/drawing/2014/main" xmlns="" id="{49F20AB3-A0D8-E445-957D-6C1CF569A8C4}"/>
+                <a16:creationId xmlns:a16="http://schemas.microsoft.com/office/drawing/2014/main" id="{49F20AB3-A0D8-E445-957D-6C1CF569A8C4}"/>
               </a:ext>
             </a:extLst>
           </p:cNvPr>
@@ -4645,7 +4745,7 @@
           <p:cNvPr id="6" name="내용 개체 틀 8" descr="스크린샷이(가) 표시된 사진&#10;&#10;&#10;&#10;자동 생성된 설명">
             <a:extLst>
               <a:ext uri="{FF2B5EF4-FFF2-40B4-BE49-F238E27FC236}">
-                <a16:creationId xmlns:a16="http://schemas.microsoft.com/office/drawing/2014/main" xmlns="" id="{0E816373-5551-9F4B-951C-E3D21C53B6C8}"/>
+                <a16:creationId xmlns:a16="http://schemas.microsoft.com/office/drawing/2014/main" id="{0E816373-5551-9F4B-951C-E3D21C53B6C8}"/>
               </a:ext>
             </a:extLst>
           </p:cNvPr>
@@ -4680,7 +4780,7 @@
           <p:cNvPr id="5" name="내용 개체 틀 4" descr="스크린샷이(가) 표시된 사진&#10;&#10;&#10;&#10;자동 생성된 설명">
             <a:extLst>
               <a:ext uri="{FF2B5EF4-FFF2-40B4-BE49-F238E27FC236}">
-                <a16:creationId xmlns:a16="http://schemas.microsoft.com/office/drawing/2014/main" xmlns="" id="{493F555A-8FE9-6046-A7BC-6595E736DF91}"/>
+                <a16:creationId xmlns:a16="http://schemas.microsoft.com/office/drawing/2014/main" id="{493F555A-8FE9-6046-A7BC-6595E736DF91}"/>
               </a:ext>
             </a:extLst>
           </p:cNvPr>
@@ -4782,7 +4882,7 @@
           <p:cNvPr id="4" name="내용 개체 틀 8" descr="스크린샷이(가) 표시된 사진&#10;&#10;&#10;&#10;자동 생성된 설명">
             <a:extLst>
               <a:ext uri="{FF2B5EF4-FFF2-40B4-BE49-F238E27FC236}">
-                <a16:creationId xmlns:a16="http://schemas.microsoft.com/office/drawing/2014/main" xmlns="" id="{49F20AB3-A0D8-E445-957D-6C1CF569A8C4}"/>
+                <a16:creationId xmlns:a16="http://schemas.microsoft.com/office/drawing/2014/main" id="{49F20AB3-A0D8-E445-957D-6C1CF569A8C4}"/>
               </a:ext>
             </a:extLst>
           </p:cNvPr>
@@ -5233,7 +5333,7 @@
           <p:cNvPr id="4" name="내용 개체 틀 8" descr="스크린샷이(가) 표시된 사진&#10;&#10;&#10;&#10;자동 생성된 설명">
             <a:extLst>
               <a:ext uri="{FF2B5EF4-FFF2-40B4-BE49-F238E27FC236}">
-                <a16:creationId xmlns:a16="http://schemas.microsoft.com/office/drawing/2014/main" xmlns="" id="{49F20AB3-A0D8-E445-957D-6C1CF569A8C4}"/>
+                <a16:creationId xmlns:a16="http://schemas.microsoft.com/office/drawing/2014/main" id="{49F20AB3-A0D8-E445-957D-6C1CF569A8C4}"/>
               </a:ext>
             </a:extLst>
           </p:cNvPr>
@@ -5316,7 +5416,7 @@
           <p:cNvPr id="5" name="그림 4" descr="실내이(가) 표시된 사진&#10;&#10;&#10;&#10;자동 생성된 설명">
             <a:extLst>
               <a:ext uri="{FF2B5EF4-FFF2-40B4-BE49-F238E27FC236}">
-                <a16:creationId xmlns:a16="http://schemas.microsoft.com/office/drawing/2014/main" xmlns="" id="{9E7717B7-90BA-3F4B-9BB0-475AC09E75EA}"/>
+                <a16:creationId xmlns:a16="http://schemas.microsoft.com/office/drawing/2014/main" id="{9E7717B7-90BA-3F4B-9BB0-475AC09E75EA}"/>
               </a:ext>
             </a:extLst>
           </p:cNvPr>
@@ -5389,7 +5489,230 @@
           <p:cNvPr id="2" name="제목 1">
             <a:extLst>
               <a:ext uri="{FF2B5EF4-FFF2-40B4-BE49-F238E27FC236}">
-                <a16:creationId xmlns:a16="http://schemas.microsoft.com/office/drawing/2014/main" xmlns="" id="{A616ACF8-0967-254E-9A89-A97507292D4D}"/>
+                <a16:creationId xmlns:a16="http://schemas.microsoft.com/office/drawing/2014/main" id="{B3E67219-9E56-B643-8AAD-21B8A41E8B0B}"/>
+              </a:ext>
+            </a:extLst>
+          </p:cNvPr>
+          <p:cNvSpPr>
+            <a:spLocks noGrp="1"/>
+          </p:cNvSpPr>
+          <p:nvPr>
+            <p:ph type="title"/>
+          </p:nvPr>
+        </p:nvSpPr>
+        <p:spPr/>
+        <p:txBody>
+          <a:bodyPr/>
+          <a:lstStyle/>
+          <a:p>
+            <a:r>
+              <a:rPr kumimoji="1" lang="ko-KR" altLang="en-US" dirty="0"/>
+              <a:t>부가 기능</a:t>
+            </a:r>
+          </a:p>
+        </p:txBody>
+      </p:sp>
+      <p:sp>
+        <p:nvSpPr>
+          <p:cNvPr id="3" name="내용 개체 틀 2">
+            <a:extLst>
+              <a:ext uri="{FF2B5EF4-FFF2-40B4-BE49-F238E27FC236}">
+                <a16:creationId xmlns:a16="http://schemas.microsoft.com/office/drawing/2014/main" id="{FC1989A7-4B97-174F-8433-BD11ABAAE8E6}"/>
+              </a:ext>
+            </a:extLst>
+          </p:cNvPr>
+          <p:cNvSpPr>
+            <a:spLocks noGrp="1"/>
+          </p:cNvSpPr>
+          <p:nvPr>
+            <p:ph idx="1"/>
+          </p:nvPr>
+        </p:nvSpPr>
+        <p:spPr/>
+        <p:txBody>
+          <a:bodyPr/>
+          <a:lstStyle/>
+          <a:p>
+            <a:r>
+              <a:rPr lang="ko-KR" altLang="en-US" dirty="0"/>
+              <a:t>로딩 시간에 미세먼지 위험성 문구 </a:t>
+            </a:r>
+          </a:p>
+          <a:p>
+            <a:pPr marL="0" indent="0">
+              <a:buNone/>
+            </a:pPr>
+            <a:endParaRPr kumimoji="1" lang="ko-KR" altLang="en-US" dirty="0"/>
+          </a:p>
+        </p:txBody>
+      </p:sp>
+      <p:pic>
+        <p:nvPicPr>
+          <p:cNvPr id="5" name="그림 4">
+            <a:extLst>
+              <a:ext uri="{FF2B5EF4-FFF2-40B4-BE49-F238E27FC236}">
+                <a16:creationId xmlns:a16="http://schemas.microsoft.com/office/drawing/2014/main" id="{0B8D02C7-3554-A64D-8604-F2FBCC4E8C93}"/>
+              </a:ext>
+            </a:extLst>
+          </p:cNvPr>
+          <p:cNvPicPr>
+            <a:picLocks noChangeAspect="1"/>
+          </p:cNvPicPr>
+          <p:nvPr/>
+        </p:nvPicPr>
+        <p:blipFill>
+          <a:blip r:embed="rId2">
+            <a:extLst>
+              <a:ext uri="{28A0092B-C50C-407E-A947-70E740481C1C}">
+                <a14:useLocalDpi xmlns:a14="http://schemas.microsoft.com/office/drawing/2010/main" val="0"/>
+              </a:ext>
+            </a:extLst>
+          </a:blip>
+          <a:stretch>
+            <a:fillRect/>
+          </a:stretch>
+        </p:blipFill>
+        <p:spPr>
+          <a:xfrm>
+            <a:off x="3457716" y="2569262"/>
+            <a:ext cx="2482436" cy="3822952"/>
+          </a:xfrm>
+          <a:prstGeom prst="rect">
+            <a:avLst/>
+          </a:prstGeom>
+        </p:spPr>
+      </p:pic>
+    </p:spTree>
+    <p:extLst>
+      <p:ext uri="{BB962C8B-B14F-4D97-AF65-F5344CB8AC3E}">
+        <p14:creationId xmlns:p14="http://schemas.microsoft.com/office/powerpoint/2010/main" val="1681394064"/>
+      </p:ext>
+    </p:extLst>
+  </p:cSld>
+  <p:clrMapOvr>
+    <a:masterClrMapping/>
+  </p:clrMapOvr>
+</p:sld>
+</file>
+
+<file path=ppt/slides/slide15.xml><?xml version="1.0" encoding="utf-8"?>
+<p:sld xmlns:a="http://schemas.openxmlformats.org/drawingml/2006/main" xmlns:r="http://schemas.openxmlformats.org/officeDocument/2006/relationships" xmlns:p="http://schemas.openxmlformats.org/presentationml/2006/main">
+  <p:cSld>
+    <p:spTree>
+      <p:nvGrpSpPr>
+        <p:cNvPr id="1" name=""/>
+        <p:cNvGrpSpPr/>
+        <p:nvPr/>
+      </p:nvGrpSpPr>
+      <p:grpSpPr>
+        <a:xfrm>
+          <a:off x="0" y="0"/>
+          <a:ext cx="0" cy="0"/>
+          <a:chOff x="0" y="0"/>
+          <a:chExt cx="0" cy="0"/>
+        </a:xfrm>
+      </p:grpSpPr>
+      <p:sp>
+        <p:nvSpPr>
+          <p:cNvPr id="2" name="제목 1">
+            <a:extLst>
+              <a:ext uri="{FF2B5EF4-FFF2-40B4-BE49-F238E27FC236}">
+                <a16:creationId xmlns:a16="http://schemas.microsoft.com/office/drawing/2014/main" id="{E921A3CD-DEE7-534B-98DB-63E6D409D542}"/>
+              </a:ext>
+            </a:extLst>
+          </p:cNvPr>
+          <p:cNvSpPr>
+            <a:spLocks noGrp="1"/>
+          </p:cNvSpPr>
+          <p:nvPr>
+            <p:ph type="title"/>
+          </p:nvPr>
+        </p:nvSpPr>
+        <p:spPr/>
+        <p:txBody>
+          <a:bodyPr/>
+          <a:lstStyle/>
+          <a:p>
+            <a:r>
+              <a:rPr kumimoji="1" lang="ko-KR" altLang="en-US" dirty="0"/>
+              <a:t>부가 기능</a:t>
+            </a:r>
+          </a:p>
+        </p:txBody>
+      </p:sp>
+      <p:sp>
+        <p:nvSpPr>
+          <p:cNvPr id="3" name="내용 개체 틀 2">
+            <a:extLst>
+              <a:ext uri="{FF2B5EF4-FFF2-40B4-BE49-F238E27FC236}">
+                <a16:creationId xmlns:a16="http://schemas.microsoft.com/office/drawing/2014/main" id="{1EABABCB-9CF2-094B-AD12-43CA60885568}"/>
+              </a:ext>
+            </a:extLst>
+          </p:cNvPr>
+          <p:cNvSpPr>
+            <a:spLocks noGrp="1"/>
+          </p:cNvSpPr>
+          <p:nvPr>
+            <p:ph idx="1"/>
+          </p:nvPr>
+        </p:nvSpPr>
+        <p:spPr/>
+        <p:txBody>
+          <a:bodyPr/>
+          <a:lstStyle/>
+          <a:p>
+            <a:r>
+              <a:rPr lang="ko-KR" altLang="en-US" dirty="0"/>
+              <a:t>케이스 및 사은품 제공</a:t>
+            </a:r>
+          </a:p>
+          <a:p>
+            <a:r>
+              <a:rPr lang="ko-KR" altLang="en-US" dirty="0"/>
+              <a:t>등급제도</a:t>
+            </a:r>
+          </a:p>
+          <a:p>
+            <a:endParaRPr kumimoji="1" lang="ko-KR" altLang="en-US" dirty="0"/>
+          </a:p>
+        </p:txBody>
+      </p:sp>
+    </p:spTree>
+    <p:extLst>
+      <p:ext uri="{BB962C8B-B14F-4D97-AF65-F5344CB8AC3E}">
+        <p14:creationId xmlns:p14="http://schemas.microsoft.com/office/powerpoint/2010/main" val="3072596693"/>
+      </p:ext>
+    </p:extLst>
+  </p:cSld>
+  <p:clrMapOvr>
+    <a:masterClrMapping/>
+  </p:clrMapOvr>
+</p:sld>
+</file>
+
+<file path=ppt/slides/slide16.xml><?xml version="1.0" encoding="utf-8"?>
+<p:sld xmlns:a="http://schemas.openxmlformats.org/drawingml/2006/main" xmlns:r="http://schemas.openxmlformats.org/officeDocument/2006/relationships" xmlns:p="http://schemas.openxmlformats.org/presentationml/2006/main">
+  <p:cSld>
+    <p:spTree>
+      <p:nvGrpSpPr>
+        <p:cNvPr id="1" name=""/>
+        <p:cNvGrpSpPr/>
+        <p:nvPr/>
+      </p:nvGrpSpPr>
+      <p:grpSpPr>
+        <a:xfrm>
+          <a:off x="0" y="0"/>
+          <a:ext cx="0" cy="0"/>
+          <a:chOff x="0" y="0"/>
+          <a:chExt cx="0" cy="0"/>
+        </a:xfrm>
+      </p:grpSpPr>
+      <p:sp>
+        <p:nvSpPr>
+          <p:cNvPr id="2" name="제목 1">
+            <a:extLst>
+              <a:ext uri="{FF2B5EF4-FFF2-40B4-BE49-F238E27FC236}">
+                <a16:creationId xmlns:a16="http://schemas.microsoft.com/office/drawing/2014/main" id="{A616ACF8-0967-254E-9A89-A97507292D4D}"/>
               </a:ext>
             </a:extLst>
           </p:cNvPr>
@@ -5417,7 +5740,7 @@
           <p:cNvPr id="4" name="내용 개체 틀 8" descr="스크린샷이(가) 표시된 사진&#10;&#10;&#10;&#10;자동 생성된 설명">
             <a:extLst>
               <a:ext uri="{FF2B5EF4-FFF2-40B4-BE49-F238E27FC236}">
-                <a16:creationId xmlns:a16="http://schemas.microsoft.com/office/drawing/2014/main" xmlns="" id="{CDC00A24-94FD-414F-8171-CCB5F9E5C7F6}"/>
+                <a16:creationId xmlns:a16="http://schemas.microsoft.com/office/drawing/2014/main" id="{CDC00A24-94FD-414F-8171-CCB5F9E5C7F6}"/>
               </a:ext>
             </a:extLst>
           </p:cNvPr>
@@ -5454,7 +5777,7 @@
           <p:cNvPr id="5" name="내용 개체 틀 4" descr="스크린샷이(가) 표시된 사진&#10;&#10;&#10;&#10;자동 생성된 설명">
             <a:extLst>
               <a:ext uri="{FF2B5EF4-FFF2-40B4-BE49-F238E27FC236}">
-                <a16:creationId xmlns:a16="http://schemas.microsoft.com/office/drawing/2014/main" xmlns="" id="{9EAAC680-6AEB-B941-9E42-0387D5A32B26}"/>
+                <a16:creationId xmlns:a16="http://schemas.microsoft.com/office/drawing/2014/main" id="{9EAAC680-6AEB-B941-9E42-0387D5A32B26}"/>
               </a:ext>
             </a:extLst>
           </p:cNvPr>
@@ -5497,7 +5820,7 @@
           <p:cNvPr id="6" name="내용 개체 틀 8" descr="스크린샷이(가) 표시된 사진&#10;&#10;&#10;&#10;자동 생성된 설명">
             <a:extLst>
               <a:ext uri="{FF2B5EF4-FFF2-40B4-BE49-F238E27FC236}">
-                <a16:creationId xmlns:a16="http://schemas.microsoft.com/office/drawing/2014/main" xmlns="" id="{2C4A354A-62A4-6E44-A3F1-9BFC6D40FB24}"/>
+                <a16:creationId xmlns:a16="http://schemas.microsoft.com/office/drawing/2014/main" id="{2C4A354A-62A4-6E44-A3F1-9BFC6D40FB24}"/>
               </a:ext>
             </a:extLst>
           </p:cNvPr>
@@ -5532,7 +5855,7 @@
           <p:cNvPr id="8" name="그림 7" descr="실내이(가) 표시된 사진&#10;&#10;&#10;&#10;자동 생성된 설명">
             <a:extLst>
               <a:ext uri="{FF2B5EF4-FFF2-40B4-BE49-F238E27FC236}">
-                <a16:creationId xmlns:a16="http://schemas.microsoft.com/office/drawing/2014/main" xmlns="" id="{0E819101-F64A-3D43-8B12-F927FAF27F6C}"/>
+                <a16:creationId xmlns:a16="http://schemas.microsoft.com/office/drawing/2014/main" id="{0E819101-F64A-3D43-8B12-F927FAF27F6C}"/>
               </a:ext>
             </a:extLst>
           </p:cNvPr>
@@ -5583,228 +5906,6 @@
 </p:sld>
 </file>
 
-<file path=ppt/slides/slide15.xml><?xml version="1.0" encoding="utf-8"?>
-<p:sld xmlns:a="http://schemas.openxmlformats.org/drawingml/2006/main" xmlns:r="http://schemas.openxmlformats.org/officeDocument/2006/relationships" xmlns:p="http://schemas.openxmlformats.org/presentationml/2006/main">
-  <p:cSld>
-    <p:spTree>
-      <p:nvGrpSpPr>
-        <p:cNvPr id="1" name=""/>
-        <p:cNvGrpSpPr/>
-        <p:nvPr/>
-      </p:nvGrpSpPr>
-      <p:grpSpPr>
-        <a:xfrm>
-          <a:off x="0" y="0"/>
-          <a:ext cx="0" cy="0"/>
-          <a:chOff x="0" y="0"/>
-          <a:chExt cx="0" cy="0"/>
-        </a:xfrm>
-      </p:grpSpPr>
-      <p:sp>
-        <p:nvSpPr>
-          <p:cNvPr id="2" name="제목 1">
-            <a:extLst>
-              <a:ext uri="{FF2B5EF4-FFF2-40B4-BE49-F238E27FC236}">
-                <a16:creationId xmlns:a16="http://schemas.microsoft.com/office/drawing/2014/main" xmlns="" id="{28F98C9A-6B41-9E48-9587-94770AFED79E}"/>
-              </a:ext>
-            </a:extLst>
-          </p:cNvPr>
-          <p:cNvSpPr>
-            <a:spLocks noGrp="1"/>
-          </p:cNvSpPr>
-          <p:nvPr>
-            <p:ph type="title"/>
-          </p:nvPr>
-        </p:nvSpPr>
-        <p:spPr/>
-        <p:txBody>
-          <a:bodyPr/>
-          <a:lstStyle/>
-          <a:p>
-            <a:r>
-              <a:rPr kumimoji="1" lang="ko-KR" altLang="en-US" dirty="0"/>
-              <a:t>시장</a:t>
-            </a:r>
-            <a:r>
-              <a:rPr kumimoji="1" lang="en-US" altLang="ko-KR" dirty="0"/>
-              <a:t>/</a:t>
-            </a:r>
-            <a:r>
-              <a:rPr kumimoji="1" lang="ko-KR" altLang="en-US" dirty="0"/>
-              <a:t>경쟁 분석</a:t>
-            </a:r>
-          </a:p>
-        </p:txBody>
-      </p:sp>
-      <p:sp>
-        <p:nvSpPr>
-          <p:cNvPr id="3" name="내용 개체 틀 2">
-            <a:extLst>
-              <a:ext uri="{FF2B5EF4-FFF2-40B4-BE49-F238E27FC236}">
-                <a16:creationId xmlns:a16="http://schemas.microsoft.com/office/drawing/2014/main" xmlns="" id="{E883A23E-B406-1348-839E-7F8B6950D10E}"/>
-              </a:ext>
-            </a:extLst>
-          </p:cNvPr>
-          <p:cNvSpPr>
-            <a:spLocks noGrp="1"/>
-          </p:cNvSpPr>
-          <p:nvPr>
-            <p:ph idx="1"/>
-          </p:nvPr>
-        </p:nvSpPr>
-        <p:spPr/>
-        <p:txBody>
-          <a:bodyPr/>
-          <a:lstStyle/>
-          <a:p>
-            <a:r>
-              <a:rPr kumimoji="1" lang="en" altLang="ko-KR" dirty="0"/>
-              <a:t>research</a:t>
-            </a:r>
-            <a:r>
-              <a:rPr kumimoji="1" lang="ko-KR" altLang="en-US" dirty="0" err="1"/>
-              <a:t>를</a:t>
-            </a:r>
-            <a:r>
-              <a:rPr kumimoji="1" lang="ko-KR" altLang="en-US" dirty="0"/>
-              <a:t> 해서 공급 업체 중에서도 메이저로 할 거냐 마이너로 할 거냐</a:t>
-            </a:r>
-          </a:p>
-          <a:p>
-            <a:r>
-              <a:rPr kumimoji="1" lang="en-US" altLang="ko-KR" dirty="0"/>
-              <a:t>1. </a:t>
-            </a:r>
-            <a:r>
-              <a:rPr kumimoji="1" lang="ko-KR" altLang="en-US" dirty="0"/>
-              <a:t>기성 업체</a:t>
-            </a:r>
-            <a:r>
-              <a:rPr kumimoji="1" lang="en-US" altLang="ko-KR" dirty="0"/>
-              <a:t>(</a:t>
-            </a:r>
-            <a:r>
-              <a:rPr kumimoji="1" lang="ko-KR" altLang="en-US" dirty="0"/>
-              <a:t>있는 것을 홍보하거나 정보를 알려주는 것</a:t>
-            </a:r>
-            <a:r>
-              <a:rPr kumimoji="1" lang="en-US" altLang="ko-KR" dirty="0"/>
-              <a:t>)</a:t>
-            </a:r>
-          </a:p>
-          <a:p>
-            <a:r>
-              <a:rPr kumimoji="1" lang="en-US" altLang="ko-KR" dirty="0"/>
-              <a:t>2. </a:t>
-            </a:r>
-            <a:r>
-              <a:rPr kumimoji="1" lang="ko-KR" altLang="en-US" dirty="0"/>
-              <a:t>서비스화</a:t>
-            </a:r>
-            <a:r>
-              <a:rPr kumimoji="1" lang="en-US" altLang="ko-KR" dirty="0"/>
-              <a:t>(</a:t>
-            </a:r>
-            <a:r>
-              <a:rPr kumimoji="1" lang="ko-KR" altLang="en-US" dirty="0"/>
-              <a:t>다른 차원으로 넘어가는 것</a:t>
-            </a:r>
-            <a:r>
-              <a:rPr kumimoji="1" lang="en-US" altLang="ko-KR" dirty="0"/>
-              <a:t>)(</a:t>
-            </a:r>
-            <a:r>
-              <a:rPr kumimoji="1" lang="en" altLang="ko-KR" dirty="0"/>
-              <a:t>ex : </a:t>
-            </a:r>
-            <a:r>
-              <a:rPr kumimoji="1" lang="ko-KR" altLang="en-US" dirty="0"/>
-              <a:t>정기 배송 등</a:t>
-            </a:r>
-            <a:r>
-              <a:rPr kumimoji="1" lang="en-US" altLang="ko-KR" dirty="0"/>
-              <a:t>)</a:t>
-            </a:r>
-            <a:endParaRPr kumimoji="1" lang="ko-KR" altLang="en-US" dirty="0"/>
-          </a:p>
-        </p:txBody>
-      </p:sp>
-    </p:spTree>
-    <p:extLst>
-      <p:ext uri="{BB962C8B-B14F-4D97-AF65-F5344CB8AC3E}">
-        <p14:creationId xmlns:p14="http://schemas.microsoft.com/office/powerpoint/2010/main" val="4222687490"/>
-      </p:ext>
-    </p:extLst>
-  </p:cSld>
-  <p:clrMapOvr>
-    <a:masterClrMapping/>
-  </p:clrMapOvr>
-</p:sld>
-</file>
-
-<file path=ppt/slides/slide16.xml><?xml version="1.0" encoding="utf-8"?>
-<p:sld xmlns:a="http://schemas.openxmlformats.org/drawingml/2006/main" xmlns:r="http://schemas.openxmlformats.org/officeDocument/2006/relationships" xmlns:p="http://schemas.openxmlformats.org/presentationml/2006/main">
-  <p:cSld>
-    <p:spTree>
-      <p:nvGrpSpPr>
-        <p:cNvPr id="1" name=""/>
-        <p:cNvGrpSpPr/>
-        <p:nvPr/>
-      </p:nvGrpSpPr>
-      <p:grpSpPr>
-        <a:xfrm>
-          <a:off x="0" y="0"/>
-          <a:ext cx="0" cy="0"/>
-          <a:chOff x="0" y="0"/>
-          <a:chExt cx="0" cy="0"/>
-        </a:xfrm>
-      </p:grpSpPr>
-      <p:sp>
-        <p:nvSpPr>
-          <p:cNvPr id="2" name="제목 1">
-            <a:extLst>
-              <a:ext uri="{FF2B5EF4-FFF2-40B4-BE49-F238E27FC236}">
-                <a16:creationId xmlns:a16="http://schemas.microsoft.com/office/drawing/2014/main" xmlns="" id="{4315451D-EFE7-3F45-9AAB-825F3C23A024}"/>
-              </a:ext>
-            </a:extLst>
-          </p:cNvPr>
-          <p:cNvSpPr>
-            <a:spLocks noGrp="1"/>
-          </p:cNvSpPr>
-          <p:nvPr>
-            <p:ph type="title"/>
-          </p:nvPr>
-        </p:nvSpPr>
-        <p:spPr>
-          <a:xfrm>
-            <a:off x="457200" y="274638"/>
-            <a:ext cx="8229600" cy="6034682"/>
-          </a:xfrm>
-        </p:spPr>
-        <p:txBody>
-          <a:bodyPr/>
-          <a:lstStyle/>
-          <a:p>
-            <a:r>
-              <a:rPr kumimoji="1" lang="ko-KR" altLang="en-US" dirty="0"/>
-              <a:t>시뮬레이션</a:t>
-            </a:r>
-          </a:p>
-        </p:txBody>
-      </p:sp>
-    </p:spTree>
-    <p:extLst>
-      <p:ext uri="{BB962C8B-B14F-4D97-AF65-F5344CB8AC3E}">
-        <p14:creationId xmlns:p14="http://schemas.microsoft.com/office/powerpoint/2010/main" val="3017893354"/>
-      </p:ext>
-    </p:extLst>
-  </p:cSld>
-  <p:clrMapOvr>
-    <a:masterClrMapping/>
-  </p:clrMapOvr>
-</p:sld>
-</file>
-
 <file path=ppt/slides/slide17.xml><?xml version="1.0" encoding="utf-8"?>
 <p:sld xmlns:a="http://schemas.openxmlformats.org/drawingml/2006/main" xmlns:r="http://schemas.openxmlformats.org/officeDocument/2006/relationships" xmlns:p="http://schemas.openxmlformats.org/presentationml/2006/main">
   <p:cSld>
@@ -5827,7 +5928,7 @@
           <p:cNvPr id="2" name="제목 1">
             <a:extLst>
               <a:ext uri="{FF2B5EF4-FFF2-40B4-BE49-F238E27FC236}">
-                <a16:creationId xmlns:a16="http://schemas.microsoft.com/office/drawing/2014/main" xmlns="" id="{9C508281-2DF6-3F4B-B03E-499380C0C441}"/>
+                <a16:creationId xmlns:a16="http://schemas.microsoft.com/office/drawing/2014/main" id="{28F98C9A-6B41-9E48-9587-94770AFED79E}"/>
               </a:ext>
             </a:extLst>
           </p:cNvPr>
@@ -5838,29 +5939,123 @@
             <p:ph type="title"/>
           </p:nvPr>
         </p:nvSpPr>
-        <p:spPr>
-          <a:xfrm>
-            <a:off x="457200" y="2636912"/>
-            <a:ext cx="8229600" cy="1143000"/>
-          </a:xfrm>
-        </p:spPr>
-        <p:txBody>
-          <a:bodyPr>
-            <a:normAutofit/>
-          </a:bodyPr>
+        <p:spPr/>
+        <p:txBody>
+          <a:bodyPr/>
           <a:lstStyle/>
           <a:p>
             <a:r>
               <a:rPr kumimoji="1" lang="ko-KR" altLang="en-US" dirty="0"/>
-              <a:t>질의응답</a:t>
-            </a:r>
+              <a:t>시장</a:t>
+            </a:r>
+            <a:r>
+              <a:rPr kumimoji="1" lang="en-US" altLang="ko-KR" dirty="0"/>
+              <a:t>/</a:t>
+            </a:r>
+            <a:r>
+              <a:rPr kumimoji="1" lang="ko-KR" altLang="en-US" dirty="0"/>
+              <a:t>경쟁 분석</a:t>
+            </a:r>
+          </a:p>
+        </p:txBody>
+      </p:sp>
+      <p:sp>
+        <p:nvSpPr>
+          <p:cNvPr id="3" name="내용 개체 틀 2">
+            <a:extLst>
+              <a:ext uri="{FF2B5EF4-FFF2-40B4-BE49-F238E27FC236}">
+                <a16:creationId xmlns:a16="http://schemas.microsoft.com/office/drawing/2014/main" id="{E883A23E-B406-1348-839E-7F8B6950D10E}"/>
+              </a:ext>
+            </a:extLst>
+          </p:cNvPr>
+          <p:cNvSpPr>
+            <a:spLocks noGrp="1"/>
+          </p:cNvSpPr>
+          <p:nvPr>
+            <p:ph idx="1"/>
+          </p:nvPr>
+        </p:nvSpPr>
+        <p:spPr/>
+        <p:txBody>
+          <a:bodyPr/>
+          <a:lstStyle/>
+          <a:p>
+            <a:r>
+              <a:rPr kumimoji="1" lang="en" altLang="ko-KR" dirty="0"/>
+              <a:t>research</a:t>
+            </a:r>
+            <a:r>
+              <a:rPr kumimoji="1" lang="ko-KR" altLang="en-US" dirty="0" err="1"/>
+              <a:t>를</a:t>
+            </a:r>
+            <a:r>
+              <a:rPr kumimoji="1" lang="ko-KR" altLang="en-US" dirty="0"/>
+              <a:t> 해서 공급 업체 중에서도 메이저로 할 거냐 마이너로 할 거냐</a:t>
+            </a:r>
+          </a:p>
+          <a:p>
+            <a:r>
+              <a:rPr kumimoji="1" lang="en-US" altLang="ko-KR" dirty="0"/>
+              <a:t>1. </a:t>
+            </a:r>
+            <a:r>
+              <a:rPr kumimoji="1" lang="ko-KR" altLang="en-US" dirty="0"/>
+              <a:t>기성 업체</a:t>
+            </a:r>
+            <a:r>
+              <a:rPr kumimoji="1" lang="en-US" altLang="ko-KR" dirty="0"/>
+              <a:t>(</a:t>
+            </a:r>
+            <a:r>
+              <a:rPr kumimoji="1" lang="ko-KR" altLang="en-US" dirty="0"/>
+              <a:t>있는 것을 홍보하거나 정보를 알려주는 것</a:t>
+            </a:r>
+            <a:r>
+              <a:rPr kumimoji="1" lang="en-US" altLang="ko-KR" dirty="0"/>
+              <a:t>)</a:t>
+            </a:r>
+          </a:p>
+          <a:p>
+            <a:r>
+              <a:rPr kumimoji="1" lang="en-US" altLang="ko-KR" dirty="0"/>
+              <a:t>2. </a:t>
+            </a:r>
+            <a:r>
+              <a:rPr kumimoji="1" lang="ko-KR" altLang="en-US" dirty="0"/>
+              <a:t>서비스화</a:t>
+            </a:r>
+            <a:r>
+              <a:rPr kumimoji="1" lang="en-US" altLang="ko-KR" dirty="0"/>
+              <a:t>(</a:t>
+            </a:r>
+            <a:r>
+              <a:rPr kumimoji="1" lang="ko-KR" altLang="en-US" dirty="0"/>
+              <a:t>다른 차원으로 넘어가는 것</a:t>
+            </a:r>
+            <a:r>
+              <a:rPr kumimoji="1" lang="en-US" altLang="ko-KR" dirty="0"/>
+              <a:t>)(</a:t>
+            </a:r>
+            <a:r>
+              <a:rPr kumimoji="1" lang="en" altLang="ko-KR" dirty="0"/>
+              <a:t>ex : </a:t>
+            </a:r>
+            <a:r>
+              <a:rPr kumimoji="1" lang="ko-KR" altLang="en-US" dirty="0"/>
+              <a:t>정기 배송 등</a:t>
+            </a:r>
+            <a:r>
+              <a:rPr kumimoji="1" lang="en-US" altLang="ko-KR" dirty="0"/>
+              <a:t>)</a:t>
+            </a:r>
+            <a:endParaRPr kumimoji="1" lang="ko-KR" altLang="en-US" dirty="0"/>
           </a:p>
         </p:txBody>
       </p:sp>
     </p:spTree>
     <p:extLst>
       <p:ext uri="{BB962C8B-B14F-4D97-AF65-F5344CB8AC3E}">
-        <p14:creationId xmlns:p14="http://schemas.microsoft.com/office/powerpoint/2010/main" val="1759387882"/>
+        <p14:creationId xmlns:p14="http://schemas.microsoft.com/office/powerpoint/2010/main" val="4222687490"/>
       </p:ext>
     </p:extLst>
   </p:cSld>
@@ -5889,10 +6084,10 @@
       </p:grpSpPr>
       <p:sp>
         <p:nvSpPr>
-          <p:cNvPr id="3" name="내용 개체 틀 2">
+          <p:cNvPr id="2" name="제목 1">
             <a:extLst>
               <a:ext uri="{FF2B5EF4-FFF2-40B4-BE49-F238E27FC236}">
-                <a16:creationId xmlns:a16="http://schemas.microsoft.com/office/drawing/2014/main" xmlns="" id="{6F98B7E9-F878-0E42-A16C-75C889AFE0CE}"/>
+                <a16:creationId xmlns:a16="http://schemas.microsoft.com/office/drawing/2014/main" id="{4315451D-EFE7-3F45-9AAB-825F3C23A024}"/>
               </a:ext>
             </a:extLst>
           </p:cNvPr>
@@ -5900,63 +6095,95 @@
             <a:spLocks noGrp="1"/>
           </p:cNvSpPr>
           <p:nvPr>
-            <p:ph idx="1"/>
+            <p:ph type="title"/>
           </p:nvPr>
         </p:nvSpPr>
         <p:spPr>
           <a:xfrm>
-            <a:off x="251520" y="4581128"/>
-            <a:ext cx="8229600" cy="1656184"/>
+            <a:off x="457200" y="274638"/>
+            <a:ext cx="8229600" cy="6034682"/>
           </a:xfrm>
         </p:spPr>
         <p:txBody>
           <a:bodyPr/>
           <a:lstStyle/>
           <a:p>
-            <a:pPr marL="0" indent="0">
-              <a:buNone/>
-            </a:pPr>
             <a:r>
               <a:rPr kumimoji="1" lang="ko-KR" altLang="en-US" dirty="0"/>
-              <a:t>이상 </a:t>
-            </a:r>
-            <a:r>
-              <a:rPr kumimoji="1" lang="ko-KR" altLang="en-US" dirty="0" err="1"/>
-              <a:t>쏴리질러였습니다</a:t>
-            </a:r>
-            <a:r>
-              <a:rPr kumimoji="1" lang="en-US" altLang="ko-KR" dirty="0"/>
-              <a:t>.</a:t>
-            </a:r>
-          </a:p>
-          <a:p>
-            <a:pPr marL="0" indent="0">
-              <a:buNone/>
-            </a:pPr>
-            <a:r>
-              <a:rPr kumimoji="1" lang="ko-KR" altLang="en-US" dirty="0"/>
-              <a:t>감사합니다 </a:t>
-            </a:r>
-            <a:r>
-              <a:rPr kumimoji="1" lang="en-US" altLang="ko-KR" dirty="0"/>
-              <a:t>:</a:t>
-            </a:r>
-            <a:r>
-              <a:rPr kumimoji="1" lang="ko-KR" altLang="en-US" dirty="0"/>
-              <a:t> </a:t>
-            </a:r>
-            <a:r>
-              <a:rPr kumimoji="1" lang="en-US" altLang="ko-KR" dirty="0"/>
-              <a:t>)</a:t>
-            </a:r>
-            <a:endParaRPr kumimoji="1" lang="ko-KR" altLang="en-US" dirty="0"/>
+              <a:t>시뮬레이션</a:t>
+            </a:r>
           </a:p>
         </p:txBody>
       </p:sp>
     </p:spTree>
     <p:extLst>
       <p:ext uri="{BB962C8B-B14F-4D97-AF65-F5344CB8AC3E}">
-        <p14:creationId xmlns:p14="http://schemas.microsoft.com/office/powerpoint/2010/main" val="3977145828"/>
+        <p14:creationId xmlns:p14="http://schemas.microsoft.com/office/powerpoint/2010/main" val="3017893354"/>
+      </p:ext>
+    </p:extLst>
+  </p:cSld>
+  <p:clrMapOvr>
+    <a:masterClrMapping/>
+  </p:clrMapOvr>
+</p:sld>
+</file>
+
+<file path=ppt/slides/slide19.xml><?xml version="1.0" encoding="utf-8"?>
+<p:sld xmlns:a="http://schemas.openxmlformats.org/drawingml/2006/main" xmlns:r="http://schemas.openxmlformats.org/officeDocument/2006/relationships" xmlns:p="http://schemas.openxmlformats.org/presentationml/2006/main">
+  <p:cSld>
+    <p:spTree>
+      <p:nvGrpSpPr>
+        <p:cNvPr id="1" name=""/>
+        <p:cNvGrpSpPr/>
+        <p:nvPr/>
+      </p:nvGrpSpPr>
+      <p:grpSpPr>
+        <a:xfrm>
+          <a:off x="0" y="0"/>
+          <a:ext cx="0" cy="0"/>
+          <a:chOff x="0" y="0"/>
+          <a:chExt cx="0" cy="0"/>
+        </a:xfrm>
+      </p:grpSpPr>
+      <p:sp>
+        <p:nvSpPr>
+          <p:cNvPr id="2" name="제목 1">
+            <a:extLst>
+              <a:ext uri="{FF2B5EF4-FFF2-40B4-BE49-F238E27FC236}">
+                <a16:creationId xmlns:a16="http://schemas.microsoft.com/office/drawing/2014/main" id="{9C508281-2DF6-3F4B-B03E-499380C0C441}"/>
+              </a:ext>
+            </a:extLst>
+          </p:cNvPr>
+          <p:cNvSpPr>
+            <a:spLocks noGrp="1"/>
+          </p:cNvSpPr>
+          <p:nvPr>
+            <p:ph type="title"/>
+          </p:nvPr>
+        </p:nvSpPr>
+        <p:spPr>
+          <a:xfrm>
+            <a:off x="457200" y="2636912"/>
+            <a:ext cx="8229600" cy="1143000"/>
+          </a:xfrm>
+        </p:spPr>
+        <p:txBody>
+          <a:bodyPr>
+            <a:normAutofit/>
+          </a:bodyPr>
+          <a:lstStyle/>
+          <a:p>
+            <a:r>
+              <a:rPr kumimoji="1" lang="ko-KR" altLang="en-US" dirty="0"/>
+              <a:t>질의응답</a:t>
+            </a:r>
+          </a:p>
+        </p:txBody>
+      </p:sp>
+    </p:spTree>
+    <p:extLst>
+      <p:ext uri="{BB962C8B-B14F-4D97-AF65-F5344CB8AC3E}">
+        <p14:creationId xmlns:p14="http://schemas.microsoft.com/office/powerpoint/2010/main" val="1759387882"/>
       </p:ext>
     </p:extLst>
   </p:cSld>
@@ -6065,6 +6292,102 @@
 </p:sld>
 </file>
 
+<file path=ppt/slides/slide20.xml><?xml version="1.0" encoding="utf-8"?>
+<p:sld xmlns:a="http://schemas.openxmlformats.org/drawingml/2006/main" xmlns:r="http://schemas.openxmlformats.org/officeDocument/2006/relationships" xmlns:p="http://schemas.openxmlformats.org/presentationml/2006/main">
+  <p:cSld>
+    <p:spTree>
+      <p:nvGrpSpPr>
+        <p:cNvPr id="1" name=""/>
+        <p:cNvGrpSpPr/>
+        <p:nvPr/>
+      </p:nvGrpSpPr>
+      <p:grpSpPr>
+        <a:xfrm>
+          <a:off x="0" y="0"/>
+          <a:ext cx="0" cy="0"/>
+          <a:chOff x="0" y="0"/>
+          <a:chExt cx="0" cy="0"/>
+        </a:xfrm>
+      </p:grpSpPr>
+      <p:sp>
+        <p:nvSpPr>
+          <p:cNvPr id="3" name="내용 개체 틀 2">
+            <a:extLst>
+              <a:ext uri="{FF2B5EF4-FFF2-40B4-BE49-F238E27FC236}">
+                <a16:creationId xmlns:a16="http://schemas.microsoft.com/office/drawing/2014/main" id="{6F98B7E9-F878-0E42-A16C-75C889AFE0CE}"/>
+              </a:ext>
+            </a:extLst>
+          </p:cNvPr>
+          <p:cNvSpPr>
+            <a:spLocks noGrp="1"/>
+          </p:cNvSpPr>
+          <p:nvPr>
+            <p:ph idx="1"/>
+          </p:nvPr>
+        </p:nvSpPr>
+        <p:spPr>
+          <a:xfrm>
+            <a:off x="251520" y="4581128"/>
+            <a:ext cx="8229600" cy="1656184"/>
+          </a:xfrm>
+        </p:spPr>
+        <p:txBody>
+          <a:bodyPr/>
+          <a:lstStyle/>
+          <a:p>
+            <a:pPr marL="0" indent="0">
+              <a:buNone/>
+            </a:pPr>
+            <a:r>
+              <a:rPr kumimoji="1" lang="ko-KR" altLang="en-US" dirty="0"/>
+              <a:t>이상 </a:t>
+            </a:r>
+            <a:r>
+              <a:rPr kumimoji="1" lang="ko-KR" altLang="en-US" dirty="0" err="1"/>
+              <a:t>쏴리질러였습니다</a:t>
+            </a:r>
+            <a:r>
+              <a:rPr kumimoji="1" lang="en-US" altLang="ko-KR" dirty="0"/>
+              <a:t>.</a:t>
+            </a:r>
+          </a:p>
+          <a:p>
+            <a:pPr marL="0" indent="0">
+              <a:buNone/>
+            </a:pPr>
+            <a:r>
+              <a:rPr kumimoji="1" lang="ko-KR" altLang="en-US" dirty="0"/>
+              <a:t>감사합니다 </a:t>
+            </a:r>
+            <a:r>
+              <a:rPr kumimoji="1" lang="en-US" altLang="ko-KR" dirty="0"/>
+              <a:t>:</a:t>
+            </a:r>
+            <a:r>
+              <a:rPr kumimoji="1" lang="ko-KR" altLang="en-US" dirty="0"/>
+              <a:t> </a:t>
+            </a:r>
+            <a:r>
+              <a:rPr kumimoji="1" lang="en-US" altLang="ko-KR" dirty="0"/>
+              <a:t>)</a:t>
+            </a:r>
+            <a:endParaRPr kumimoji="1" lang="ko-KR" altLang="en-US" dirty="0"/>
+          </a:p>
+        </p:txBody>
+      </p:sp>
+    </p:spTree>
+    <p:extLst>
+      <p:ext uri="{BB962C8B-B14F-4D97-AF65-F5344CB8AC3E}">
+        <p14:creationId xmlns:p14="http://schemas.microsoft.com/office/powerpoint/2010/main" val="3977145828"/>
+      </p:ext>
+    </p:extLst>
+  </p:cSld>
+  <p:clrMapOvr>
+    <a:masterClrMapping/>
+  </p:clrMapOvr>
+</p:sld>
+</file>
+
 <file path=ppt/slides/slide3.xml><?xml version="1.0" encoding="utf-8"?>
 <p:sld xmlns:a="http://schemas.openxmlformats.org/drawingml/2006/main" xmlns:r="http://schemas.openxmlformats.org/officeDocument/2006/relationships" xmlns:p="http://schemas.openxmlformats.org/presentationml/2006/main">
   <p:cSld>
@@ -6087,7 +6410,7 @@
           <p:cNvPr id="2" name="제목 1">
             <a:extLst>
               <a:ext uri="{FF2B5EF4-FFF2-40B4-BE49-F238E27FC236}">
-                <a16:creationId xmlns:a16="http://schemas.microsoft.com/office/drawing/2014/main" xmlns="" id="{917E2B41-8B87-7647-908C-7257B71C60BB}"/>
+                <a16:creationId xmlns:a16="http://schemas.microsoft.com/office/drawing/2014/main" id="{917E2B41-8B87-7647-908C-7257B71C60BB}"/>
               </a:ext>
             </a:extLst>
           </p:cNvPr>
@@ -6115,7 +6438,7 @@
           <p:cNvPr id="3" name="내용 개체 틀 2">
             <a:extLst>
               <a:ext uri="{FF2B5EF4-FFF2-40B4-BE49-F238E27FC236}">
-                <a16:creationId xmlns:a16="http://schemas.microsoft.com/office/drawing/2014/main" xmlns="" id="{A068290E-9BC6-ED49-AE19-1271CFFD3E0D}"/>
+                <a16:creationId xmlns:a16="http://schemas.microsoft.com/office/drawing/2014/main" id="{A068290E-9BC6-ED49-AE19-1271CFFD3E0D}"/>
               </a:ext>
             </a:extLst>
           </p:cNvPr>
@@ -6128,7 +6451,9 @@
         </p:nvSpPr>
         <p:spPr/>
         <p:txBody>
-          <a:bodyPr/>
+          <a:bodyPr>
+            <a:normAutofit/>
+          </a:bodyPr>
           <a:lstStyle/>
           <a:p>
             <a:r>
@@ -6148,6 +6473,13 @@
             <a:r>
               <a:rPr kumimoji="1" lang="ko-KR" altLang="en-US" dirty="0"/>
               <a:t>서비스 소개</a:t>
+            </a:r>
+            <a:endParaRPr kumimoji="1" lang="en-US" altLang="ko-KR" dirty="0"/>
+          </a:p>
+          <a:p>
+            <a:r>
+              <a:rPr kumimoji="1" lang="ko-KR" altLang="en-US" dirty="0"/>
+              <a:t>부가 기능</a:t>
             </a:r>
             <a:endParaRPr kumimoji="1" lang="en-US" altLang="ko-KR" dirty="0"/>
           </a:p>
@@ -6223,7 +6555,7 @@
           <p:cNvPr id="2" name="제목 1">
             <a:extLst>
               <a:ext uri="{FF2B5EF4-FFF2-40B4-BE49-F238E27FC236}">
-                <a16:creationId xmlns:a16="http://schemas.microsoft.com/office/drawing/2014/main" xmlns="" id="{3409D811-9620-E144-9E2D-42A6803A50B0}"/>
+                <a16:creationId xmlns:a16="http://schemas.microsoft.com/office/drawing/2014/main" id="{3409D811-9620-E144-9E2D-42A6803A50B0}"/>
               </a:ext>
             </a:extLst>
           </p:cNvPr>
@@ -6251,7 +6583,7 @@
           <p:cNvPr id="3" name="내용 개체 틀 2">
             <a:extLst>
               <a:ext uri="{FF2B5EF4-FFF2-40B4-BE49-F238E27FC236}">
-                <a16:creationId xmlns:a16="http://schemas.microsoft.com/office/drawing/2014/main" xmlns="" id="{393D240D-69BC-C24F-B228-B79939338B18}"/>
+                <a16:creationId xmlns:a16="http://schemas.microsoft.com/office/drawing/2014/main" id="{393D240D-69BC-C24F-B228-B79939338B18}"/>
               </a:ext>
             </a:extLst>
           </p:cNvPr>
@@ -6370,7 +6702,7 @@
           <p:cNvPr id="2" name="제목 1">
             <a:extLst>
               <a:ext uri="{FF2B5EF4-FFF2-40B4-BE49-F238E27FC236}">
-                <a16:creationId xmlns:a16="http://schemas.microsoft.com/office/drawing/2014/main" xmlns="" id="{CC5C8BD3-3AF1-C748-835F-F0A286C90A18}"/>
+                <a16:creationId xmlns:a16="http://schemas.microsoft.com/office/drawing/2014/main" id="{CC5C8BD3-3AF1-C748-835F-F0A286C90A18}"/>
               </a:ext>
             </a:extLst>
           </p:cNvPr>
@@ -6440,7 +6772,7 @@
           <p:cNvPr id="2" name="제목 1">
             <a:extLst>
               <a:ext uri="{FF2B5EF4-FFF2-40B4-BE49-F238E27FC236}">
-                <a16:creationId xmlns:a16="http://schemas.microsoft.com/office/drawing/2014/main" xmlns="" id="{117210B6-0999-9C4F-954D-22D6B30F9E70}"/>
+                <a16:creationId xmlns:a16="http://schemas.microsoft.com/office/drawing/2014/main" id="{117210B6-0999-9C4F-954D-22D6B30F9E70}"/>
               </a:ext>
             </a:extLst>
           </p:cNvPr>
@@ -6470,7 +6802,7 @@
           <p:cNvPr id="9" name="내용 개체 틀 8" descr="스크린샷이(가) 표시된 사진&#10;&#10;&#10;&#10;자동 생성된 설명">
             <a:extLst>
               <a:ext uri="{FF2B5EF4-FFF2-40B4-BE49-F238E27FC236}">
-                <a16:creationId xmlns:a16="http://schemas.microsoft.com/office/drawing/2014/main" xmlns="" id="{49F20AB3-A0D8-E445-957D-6C1CF569A8C4}"/>
+                <a16:creationId xmlns:a16="http://schemas.microsoft.com/office/drawing/2014/main" id="{49F20AB3-A0D8-E445-957D-6C1CF569A8C4}"/>
               </a:ext>
             </a:extLst>
           </p:cNvPr>
@@ -6507,7 +6839,7 @@
           <p:cNvPr id="10" name="내용 개체 틀 4" descr="스크린샷이(가) 표시된 사진&#10;&#10;&#10;&#10;자동 생성된 설명">
             <a:extLst>
               <a:ext uri="{FF2B5EF4-FFF2-40B4-BE49-F238E27FC236}">
-                <a16:creationId xmlns:a16="http://schemas.microsoft.com/office/drawing/2014/main" xmlns="" id="{8ECB2695-C803-364D-BF30-932C21F166BA}"/>
+                <a16:creationId xmlns:a16="http://schemas.microsoft.com/office/drawing/2014/main" id="{8ECB2695-C803-364D-BF30-932C21F166BA}"/>
               </a:ext>
             </a:extLst>
           </p:cNvPr>
@@ -6580,7 +6912,7 @@
           <p:cNvPr id="2" name="제목 1">
             <a:extLst>
               <a:ext uri="{FF2B5EF4-FFF2-40B4-BE49-F238E27FC236}">
-                <a16:creationId xmlns:a16="http://schemas.microsoft.com/office/drawing/2014/main" xmlns="" id="{117210B6-0999-9C4F-954D-22D6B30F9E70}"/>
+                <a16:creationId xmlns:a16="http://schemas.microsoft.com/office/drawing/2014/main" id="{117210B6-0999-9C4F-954D-22D6B30F9E70}"/>
               </a:ext>
             </a:extLst>
           </p:cNvPr>
@@ -6608,7 +6940,7 @@
           <p:cNvPr id="9" name="내용 개체 틀 8" descr="스크린샷이(가) 표시된 사진&#10;&#10;&#10;&#10;자동 생성된 설명">
             <a:extLst>
               <a:ext uri="{FF2B5EF4-FFF2-40B4-BE49-F238E27FC236}">
-                <a16:creationId xmlns:a16="http://schemas.microsoft.com/office/drawing/2014/main" xmlns="" id="{49F20AB3-A0D8-E445-957D-6C1CF569A8C4}"/>
+                <a16:creationId xmlns:a16="http://schemas.microsoft.com/office/drawing/2014/main" id="{49F20AB3-A0D8-E445-957D-6C1CF569A8C4}"/>
               </a:ext>
             </a:extLst>
           </p:cNvPr>
@@ -6645,7 +6977,7 @@
           <p:cNvPr id="10" name="내용 개체 틀 4" descr="스크린샷이(가) 표시된 사진&#10;&#10;&#10;&#10;자동 생성된 설명">
             <a:extLst>
               <a:ext uri="{FF2B5EF4-FFF2-40B4-BE49-F238E27FC236}">
-                <a16:creationId xmlns:a16="http://schemas.microsoft.com/office/drawing/2014/main" xmlns="" id="{8ECB2695-C803-364D-BF30-932C21F166BA}"/>
+                <a16:creationId xmlns:a16="http://schemas.microsoft.com/office/drawing/2014/main" id="{8ECB2695-C803-364D-BF30-932C21F166BA}"/>
               </a:ext>
             </a:extLst>
           </p:cNvPr>
@@ -6718,7 +7050,7 @@
           <p:cNvPr id="2" name="제목 1">
             <a:extLst>
               <a:ext uri="{FF2B5EF4-FFF2-40B4-BE49-F238E27FC236}">
-                <a16:creationId xmlns:a16="http://schemas.microsoft.com/office/drawing/2014/main" xmlns="" id="{117210B6-0999-9C4F-954D-22D6B30F9E70}"/>
+                <a16:creationId xmlns:a16="http://schemas.microsoft.com/office/drawing/2014/main" id="{117210B6-0999-9C4F-954D-22D6B30F9E70}"/>
               </a:ext>
             </a:extLst>
           </p:cNvPr>
@@ -6748,7 +7080,7 @@
           <p:cNvPr id="9" name="내용 개체 틀 8" descr="스크린샷이(가) 표시된 사진&#10;&#10;&#10;&#10;자동 생성된 설명">
             <a:extLst>
               <a:ext uri="{FF2B5EF4-FFF2-40B4-BE49-F238E27FC236}">
-                <a16:creationId xmlns:a16="http://schemas.microsoft.com/office/drawing/2014/main" xmlns="" id="{49F20AB3-A0D8-E445-957D-6C1CF569A8C4}"/>
+                <a16:creationId xmlns:a16="http://schemas.microsoft.com/office/drawing/2014/main" id="{49F20AB3-A0D8-E445-957D-6C1CF569A8C4}"/>
               </a:ext>
             </a:extLst>
           </p:cNvPr>
@@ -6785,7 +7117,7 @@
           <p:cNvPr id="10" name="내용 개체 틀 4" descr="스크린샷이(가) 표시된 사진&#10;&#10;&#10;&#10;자동 생성된 설명">
             <a:extLst>
               <a:ext uri="{FF2B5EF4-FFF2-40B4-BE49-F238E27FC236}">
-                <a16:creationId xmlns:a16="http://schemas.microsoft.com/office/drawing/2014/main" xmlns="" id="{8ECB2695-C803-364D-BF30-932C21F166BA}"/>
+                <a16:creationId xmlns:a16="http://schemas.microsoft.com/office/drawing/2014/main" id="{8ECB2695-C803-364D-BF30-932C21F166BA}"/>
               </a:ext>
             </a:extLst>
           </p:cNvPr>
@@ -6884,7 +7216,7 @@
           <p:cNvPr id="4" name="내용 개체 틀 8" descr="스크린샷이(가) 표시된 사진&#10;&#10;&#10;&#10;자동 생성된 설명">
             <a:extLst>
               <a:ext uri="{FF2B5EF4-FFF2-40B4-BE49-F238E27FC236}">
-                <a16:creationId xmlns:a16="http://schemas.microsoft.com/office/drawing/2014/main" xmlns="" id="{49F20AB3-A0D8-E445-957D-6C1CF569A8C4}"/>
+                <a16:creationId xmlns:a16="http://schemas.microsoft.com/office/drawing/2014/main" id="{49F20AB3-A0D8-E445-957D-6C1CF569A8C4}"/>
               </a:ext>
             </a:extLst>
           </p:cNvPr>
@@ -7549,7 +7881,7 @@
   <a:extraClrSchemeLst/>
   <a:extLst>
     <a:ext uri="{05A4C25C-085E-4340-85A3-A5531E510DB2}">
-      <thm15:themeFamily xmlns:thm15="http://schemas.microsoft.com/office/thememl/2012/main" xmlns="" name="Office Theme" id="{62F939B6-93AF-4DB8-9C6B-D6C7DFDC589F}" vid="{4A3C46E8-61CC-4603-A589-7422A47A8E4A}"/>
+      <thm15:themeFamily xmlns:thm15="http://schemas.microsoft.com/office/thememl/2012/main" name="Office Theme" id="{62F939B6-93AF-4DB8-9C6B-D6C7DFDC589F}" vid="{4A3C46E8-61CC-4603-A589-7422A47A8E4A}"/>
     </a:ext>
   </a:extLst>
 </a:theme>

--- a/ideatoneppt.pptx
+++ b/ideatoneppt.pptx
@@ -1329,6 +1329,93 @@
     <p:extLst>
       <p:ext uri="{BB962C8B-B14F-4D97-AF65-F5344CB8AC3E}">
         <p14:creationId xmlns:p14="http://schemas.microsoft.com/office/powerpoint/2010/main" val="2968190343"/>
+      </p:ext>
+    </p:extLst>
+  </p:cSld>
+  <p:clrMapOvr>
+    <a:masterClrMapping/>
+  </p:clrMapOvr>
+</p:notes>
+</file>
+
+<file path=ppt/notesSlides/notesSlide9.xml><?xml version="1.0" encoding="utf-8"?>
+<p:notes xmlns:a="http://schemas.openxmlformats.org/drawingml/2006/main" xmlns:r="http://schemas.openxmlformats.org/officeDocument/2006/relationships" xmlns:p="http://schemas.openxmlformats.org/presentationml/2006/main">
+  <p:cSld>
+    <p:spTree>
+      <p:nvGrpSpPr>
+        <p:cNvPr id="1" name=""/>
+        <p:cNvGrpSpPr/>
+        <p:nvPr/>
+      </p:nvGrpSpPr>
+      <p:grpSpPr>
+        <a:xfrm>
+          <a:off x="0" y="0"/>
+          <a:ext cx="0" cy="0"/>
+          <a:chOff x="0" y="0"/>
+          <a:chExt cx="0" cy="0"/>
+        </a:xfrm>
+      </p:grpSpPr>
+      <p:sp>
+        <p:nvSpPr>
+          <p:cNvPr id="2" name="슬라이드 이미지 개체 틀 1"/>
+          <p:cNvSpPr>
+            <a:spLocks noGrp="1" noRot="1" noChangeAspect="1"/>
+          </p:cNvSpPr>
+          <p:nvPr>
+            <p:ph type="sldImg"/>
+          </p:nvPr>
+        </p:nvSpPr>
+        <p:spPr/>
+      </p:sp>
+      <p:sp>
+        <p:nvSpPr>
+          <p:cNvPr id="3" name="슬라이드 노트 개체 틀 2"/>
+          <p:cNvSpPr>
+            <a:spLocks noGrp="1"/>
+          </p:cNvSpPr>
+          <p:nvPr>
+            <p:ph type="body" idx="1"/>
+          </p:nvPr>
+        </p:nvSpPr>
+        <p:spPr/>
+        <p:txBody>
+          <a:bodyPr/>
+          <a:lstStyle/>
+          <a:p>
+            <a:r>
+              <a:rPr kumimoji="1" lang="ko-KR" altLang="en-US" dirty="0"/>
+              <a:t>마스크 사용량이 증가하는 그래프를 보여주고 우리 앱의 사용률도 같이 증가할 것이라고 예상</a:t>
+            </a:r>
+          </a:p>
+        </p:txBody>
+      </p:sp>
+      <p:sp>
+        <p:nvSpPr>
+          <p:cNvPr id="4" name="슬라이드 번호 개체 틀 3"/>
+          <p:cNvSpPr>
+            <a:spLocks noGrp="1"/>
+          </p:cNvSpPr>
+          <p:nvPr>
+            <p:ph type="sldNum" sz="quarter" idx="5"/>
+          </p:nvPr>
+        </p:nvSpPr>
+        <p:spPr/>
+        <p:txBody>
+          <a:bodyPr/>
+          <a:lstStyle/>
+          <a:p>
+            <a:fld id="{F769AE6D-0ADA-CF4D-9503-F3CACB96690B}" type="slidenum">
+              <a:rPr kumimoji="1" lang="ko-KR" altLang="en-US" smtClean="0"/>
+              <a:t>17</a:t>
+            </a:fld>
+            <a:endParaRPr kumimoji="1" lang="ko-KR" altLang="en-US"/>
+          </a:p>
+        </p:txBody>
+      </p:sp>
+    </p:spTree>
+    <p:extLst>
+      <p:ext uri="{BB962C8B-B14F-4D97-AF65-F5344CB8AC3E}">
+        <p14:creationId xmlns:p14="http://schemas.microsoft.com/office/powerpoint/2010/main" val="782068433"/>
       </p:ext>
     </p:extLst>
   </p:cSld>
@@ -5980,75 +6067,42 @@
           <a:bodyPr/>
           <a:lstStyle/>
           <a:p>
-            <a:r>
-              <a:rPr kumimoji="1" lang="en" altLang="ko-KR" dirty="0"/>
-              <a:t>research</a:t>
+            <a:pPr marL="0" indent="0">
+              <a:buNone/>
+            </a:pPr>
+            <a:r>
+              <a:rPr kumimoji="1" lang="ko-KR" altLang="en-US" dirty="0"/>
+              <a:t>현재 마스크 시장이 </a:t>
             </a:r>
             <a:r>
               <a:rPr kumimoji="1" lang="ko-KR" altLang="en-US" dirty="0" err="1"/>
-              <a:t>를</a:t>
+              <a:t>형성되어있는</a:t>
             </a:r>
             <a:r>
               <a:rPr kumimoji="1" lang="ko-KR" altLang="en-US" dirty="0"/>
-              <a:t> 해서 공급 업체 중에서도 메이저로 할 거냐 마이너로 할 거냐</a:t>
-            </a:r>
-          </a:p>
-          <a:p>
-            <a:r>
-              <a:rPr kumimoji="1" lang="en-US" altLang="ko-KR" dirty="0"/>
-              <a:t>1. </a:t>
-            </a:r>
+              <a:t> 것을 어떻게 더 서비스화 시킬지</a:t>
+            </a:r>
+            <a:endParaRPr kumimoji="1" lang="en-US" altLang="ko-KR" dirty="0"/>
+          </a:p>
+          <a:p>
+            <a:pPr marL="0" indent="0">
+              <a:buNone/>
+            </a:pPr>
             <a:r>
               <a:rPr kumimoji="1" lang="ko-KR" altLang="en-US" dirty="0"/>
-              <a:t>기성 업체</a:t>
-            </a:r>
-            <a:r>
-              <a:rPr kumimoji="1" lang="en-US" altLang="ko-KR" dirty="0"/>
-              <a:t>(</a:t>
-            </a:r>
+              <a:t>미세미세와의 차이점</a:t>
+            </a:r>
+            <a:endParaRPr kumimoji="1" lang="en-US" altLang="ko-KR" dirty="0"/>
+          </a:p>
+          <a:p>
+            <a:pPr marL="0" indent="0">
+              <a:buNone/>
+            </a:pPr>
             <a:r>
               <a:rPr kumimoji="1" lang="ko-KR" altLang="en-US" dirty="0"/>
-              <a:t>있는 것을 홍보하거나 정보를 알려주는 것</a:t>
-            </a:r>
-            <a:r>
-              <a:rPr kumimoji="1" lang="en-US" altLang="ko-KR" dirty="0"/>
-              <a:t>)</a:t>
-            </a:r>
-          </a:p>
-          <a:p>
-            <a:r>
-              <a:rPr kumimoji="1" lang="en-US" altLang="ko-KR" dirty="0"/>
-              <a:t>2. </a:t>
-            </a:r>
-            <a:r>
-              <a:rPr kumimoji="1" lang="ko-KR" altLang="en-US" dirty="0"/>
-              <a:t>서비스화</a:t>
-            </a:r>
-            <a:r>
-              <a:rPr kumimoji="1" lang="en-US" altLang="ko-KR" dirty="0"/>
-              <a:t>(</a:t>
-            </a:r>
-            <a:r>
-              <a:rPr kumimoji="1" lang="ko-KR" altLang="en-US" dirty="0"/>
-              <a:t>다른 차원으로 넘어가는 것</a:t>
-            </a:r>
-            <a:r>
-              <a:rPr kumimoji="1" lang="en-US" altLang="ko-KR" dirty="0"/>
-              <a:t>)(</a:t>
-            </a:r>
-            <a:r>
-              <a:rPr kumimoji="1" lang="en" altLang="ko-KR" dirty="0"/>
-              <a:t>ex : </a:t>
-            </a:r>
-            <a:r>
-              <a:rPr kumimoji="1" lang="ko-KR" altLang="en-US" dirty="0"/>
-              <a:t>정기 배송 등</a:t>
-            </a:r>
-            <a:r>
-              <a:rPr kumimoji="1" lang="en-US" altLang="ko-KR" dirty="0"/>
-              <a:t>)</a:t>
-            </a:r>
-            <a:endParaRPr kumimoji="1" lang="ko-KR" altLang="en-US" dirty="0"/>
+              <a:t>구체적 통계</a:t>
+            </a:r>
+            <a:endParaRPr kumimoji="1" lang="en-US" altLang="ko-KR" dirty="0"/>
           </a:p>
         </p:txBody>
       </p:sp>

--- a/ideatoneppt.pptx
+++ b/ideatoneppt.pptx
@@ -5,7 +5,7 @@
     <p:sldMasterId id="2147483648" r:id="rId1"/>
   </p:sldMasterIdLst>
   <p:notesMasterIdLst>
-    <p:notesMasterId r:id="rId22"/>
+    <p:notesMasterId r:id="rId23"/>
   </p:notesMasterIdLst>
   <p:sldIdLst>
     <p:sldId id="266" r:id="rId2"/>
@@ -25,9 +25,10 @@
     <p:sldId id="283" r:id="rId16"/>
     <p:sldId id="261" r:id="rId17"/>
     <p:sldId id="262" r:id="rId18"/>
-    <p:sldId id="281" r:id="rId19"/>
-    <p:sldId id="263" r:id="rId20"/>
-    <p:sldId id="264" r:id="rId21"/>
+    <p:sldId id="284" r:id="rId19"/>
+    <p:sldId id="281" r:id="rId20"/>
+    <p:sldId id="263" r:id="rId21"/>
+    <p:sldId id="264" r:id="rId22"/>
   </p:sldIdLst>
   <p:sldSz cx="9144000" cy="6858000" type="screen4x3"/>
   <p:notesSz cx="6858000" cy="9144000"/>
@@ -128,7 +129,7 @@
   </p:defaultTextStyle>
   <p:extLst>
     <p:ext uri="{EFAFB233-063F-42B5-8137-9DF3F51BA10A}">
-      <p15:sldGuideLst xmlns:p15="http://schemas.microsoft.com/office/powerpoint/2012/main">
+      <p15:sldGuideLst xmlns:p15="http://schemas.microsoft.com/office/powerpoint/2012/main" xmlns="">
         <p15:guide id="1" orient="horz" pos="2160">
           <p15:clr>
             <a:srgbClr val="A4A3A4"/>
@@ -227,7 +228,7 @@
           <a:p>
             <a:fld id="{A6C8F092-C767-FC4F-B808-83A348BB618C}" type="datetimeFigureOut">
               <a:rPr kumimoji="1" lang="ko-KR" altLang="en-US" smtClean="0"/>
-              <a:t>2018. 11. 10.</a:t>
+              <a:t>2018-11-10</a:t>
             </a:fld>
             <a:endParaRPr kumimoji="1" lang="ko-KR" altLang="en-US"/>
           </a:p>
@@ -557,6 +558,118 @@
 </p:notes>
 </file>
 
+<file path=ppt/notesSlides/notesSlide10.xml><?xml version="1.0" encoding="utf-8"?>
+<p:notes xmlns:a="http://schemas.openxmlformats.org/drawingml/2006/main" xmlns:r="http://schemas.openxmlformats.org/officeDocument/2006/relationships" xmlns:p="http://schemas.openxmlformats.org/presentationml/2006/main">
+  <p:cSld>
+    <p:spTree>
+      <p:nvGrpSpPr>
+        <p:cNvPr id="1" name=""/>
+        <p:cNvGrpSpPr/>
+        <p:nvPr/>
+      </p:nvGrpSpPr>
+      <p:grpSpPr>
+        <a:xfrm>
+          <a:off x="0" y="0"/>
+          <a:ext cx="0" cy="0"/>
+          <a:chOff x="0" y="0"/>
+          <a:chExt cx="0" cy="0"/>
+        </a:xfrm>
+      </p:grpSpPr>
+      <p:sp>
+        <p:nvSpPr>
+          <p:cNvPr id="2" name="슬라이드 이미지 개체 틀 1"/>
+          <p:cNvSpPr>
+            <a:spLocks noGrp="1" noRot="1" noChangeAspect="1"/>
+          </p:cNvSpPr>
+          <p:nvPr>
+            <p:ph type="sldImg"/>
+          </p:nvPr>
+        </p:nvSpPr>
+        <p:spPr/>
+      </p:sp>
+      <p:sp>
+        <p:nvSpPr>
+          <p:cNvPr id="3" name="슬라이드 노트 개체 틀 2"/>
+          <p:cNvSpPr>
+            <a:spLocks noGrp="1"/>
+          </p:cNvSpPr>
+          <p:nvPr>
+            <p:ph type="body" idx="1"/>
+          </p:nvPr>
+        </p:nvSpPr>
+        <p:spPr/>
+        <p:txBody>
+          <a:bodyPr/>
+          <a:lstStyle/>
+          <a:p>
+            <a:r>
+              <a:rPr lang="ko-KR" altLang="en-US" dirty="0" smtClean="0"/>
+              <a:t>마스크 사용량이 증가</a:t>
+            </a:r>
+            <a:r>
+              <a:rPr lang="en-US" altLang="ko-KR" dirty="0" smtClean="0"/>
+              <a:t>,</a:t>
+            </a:r>
+            <a:r>
+              <a:rPr lang="en-US" altLang="ko-KR" baseline="0" dirty="0" smtClean="0"/>
+              <a:t> </a:t>
+            </a:r>
+            <a:r>
+              <a:rPr lang="ko-KR" altLang="en-US" baseline="0" dirty="0" smtClean="0"/>
+              <a:t>마스크 특허 출원이 증가함에 따라 기업이 저희 </a:t>
+            </a:r>
+            <a:r>
+              <a:rPr lang="ko-KR" altLang="en-US" baseline="0" dirty="0" err="1" smtClean="0"/>
+              <a:t>앱을</a:t>
+            </a:r>
+            <a:r>
+              <a:rPr lang="ko-KR" altLang="en-US" baseline="0" dirty="0" smtClean="0"/>
+              <a:t> 이용 할 것입니다</a:t>
+            </a:r>
+            <a:r>
+              <a:rPr lang="en-US" altLang="ko-KR" baseline="0" dirty="0" smtClean="0"/>
+              <a:t>.</a:t>
+            </a:r>
+            <a:endParaRPr lang="ko-KR" altLang="en-US" dirty="0"/>
+          </a:p>
+        </p:txBody>
+      </p:sp>
+      <p:sp>
+        <p:nvSpPr>
+          <p:cNvPr id="4" name="슬라이드 번호 개체 틀 3"/>
+          <p:cNvSpPr>
+            <a:spLocks noGrp="1"/>
+          </p:cNvSpPr>
+          <p:nvPr>
+            <p:ph type="sldNum" sz="quarter" idx="10"/>
+          </p:nvPr>
+        </p:nvSpPr>
+        <p:spPr/>
+        <p:txBody>
+          <a:bodyPr/>
+          <a:lstStyle/>
+          <a:p>
+            <a:fld id="{F769AE6D-0ADA-CF4D-9503-F3CACB96690B}" type="slidenum">
+              <a:rPr kumimoji="1" lang="ko-KR" altLang="en-US" smtClean="0"/>
+              <a:t>18</a:t>
+            </a:fld>
+            <a:endParaRPr kumimoji="1" lang="ko-KR" altLang="en-US"/>
+          </a:p>
+        </p:txBody>
+      </p:sp>
+    </p:spTree>
+    <p:extLst>
+      <p:ext uri="{BB962C8B-B14F-4D97-AF65-F5344CB8AC3E}">
+        <p14:creationId xmlns:p14="http://schemas.microsoft.com/office/powerpoint/2010/main" val="2548379551"/>
+      </p:ext>
+    </p:extLst>
+  </p:cSld>
+  <p:clrMapOvr>
+    <a:masterClrMapping/>
+  </p:clrMapOvr>
+</p:notes>
+</file>
+
 <file path=ppt/notesSlides/notesSlide2.xml><?xml version="1.0" encoding="utf-8"?>
 <p:notes xmlns:a="http://schemas.openxmlformats.org/drawingml/2006/main" xmlns:r="http://schemas.openxmlformats.org/officeDocument/2006/relationships" xmlns:p="http://schemas.openxmlformats.org/presentationml/2006/main">
   <p:cSld>
@@ -1604,7 +1717,7 @@
           <a:p>
             <a:fld id="{8E20E162-3880-4AB0-B825-B924C8552DF4}" type="datetimeFigureOut">
               <a:rPr lang="ko-KR" altLang="en-US" smtClean="0"/>
-              <a:t>2018. 11. 10.</a:t>
+              <a:t>2018-11-10</a:t>
             </a:fld>
             <a:endParaRPr lang="ko-KR" altLang="en-US"/>
           </a:p>
@@ -1772,7 +1885,7 @@
           <a:p>
             <a:fld id="{8E20E162-3880-4AB0-B825-B924C8552DF4}" type="datetimeFigureOut">
               <a:rPr lang="ko-KR" altLang="en-US" smtClean="0"/>
-              <a:t>2018. 11. 10.</a:t>
+              <a:t>2018-11-10</a:t>
             </a:fld>
             <a:endParaRPr lang="ko-KR" altLang="en-US"/>
           </a:p>
@@ -1950,7 +2063,7 @@
           <a:p>
             <a:fld id="{8E20E162-3880-4AB0-B825-B924C8552DF4}" type="datetimeFigureOut">
               <a:rPr lang="ko-KR" altLang="en-US" smtClean="0"/>
-              <a:t>2018. 11. 10.</a:t>
+              <a:t>2018-11-10</a:t>
             </a:fld>
             <a:endParaRPr lang="ko-KR" altLang="en-US"/>
           </a:p>
@@ -2118,7 +2231,7 @@
           <a:p>
             <a:fld id="{8E20E162-3880-4AB0-B825-B924C8552DF4}" type="datetimeFigureOut">
               <a:rPr lang="ko-KR" altLang="en-US" smtClean="0"/>
-              <a:t>2018. 11. 10.</a:t>
+              <a:t>2018-11-10</a:t>
             </a:fld>
             <a:endParaRPr lang="ko-KR" altLang="en-US"/>
           </a:p>
@@ -2363,7 +2476,7 @@
           <a:p>
             <a:fld id="{8E20E162-3880-4AB0-B825-B924C8552DF4}" type="datetimeFigureOut">
               <a:rPr lang="ko-KR" altLang="en-US" smtClean="0"/>
-              <a:t>2018. 11. 10.</a:t>
+              <a:t>2018-11-10</a:t>
             </a:fld>
             <a:endParaRPr lang="ko-KR" altLang="en-US"/>
           </a:p>
@@ -2648,7 +2761,7 @@
           <a:p>
             <a:fld id="{8E20E162-3880-4AB0-B825-B924C8552DF4}" type="datetimeFigureOut">
               <a:rPr lang="ko-KR" altLang="en-US" smtClean="0"/>
-              <a:t>2018. 11. 10.</a:t>
+              <a:t>2018-11-10</a:t>
             </a:fld>
             <a:endParaRPr lang="ko-KR" altLang="en-US"/>
           </a:p>
@@ -3067,7 +3180,7 @@
           <a:p>
             <a:fld id="{8E20E162-3880-4AB0-B825-B924C8552DF4}" type="datetimeFigureOut">
               <a:rPr lang="ko-KR" altLang="en-US" smtClean="0"/>
-              <a:t>2018. 11. 10.</a:t>
+              <a:t>2018-11-10</a:t>
             </a:fld>
             <a:endParaRPr lang="ko-KR" altLang="en-US"/>
           </a:p>
@@ -3184,7 +3297,7 @@
           <a:p>
             <a:fld id="{8E20E162-3880-4AB0-B825-B924C8552DF4}" type="datetimeFigureOut">
               <a:rPr lang="ko-KR" altLang="en-US" smtClean="0"/>
-              <a:t>2018. 11. 10.</a:t>
+              <a:t>2018-11-10</a:t>
             </a:fld>
             <a:endParaRPr lang="ko-KR" altLang="en-US"/>
           </a:p>
@@ -3279,7 +3392,7 @@
           <a:p>
             <a:fld id="{8E20E162-3880-4AB0-B825-B924C8552DF4}" type="datetimeFigureOut">
               <a:rPr lang="ko-KR" altLang="en-US" smtClean="0"/>
-              <a:t>2018. 11. 10.</a:t>
+              <a:t>2018-11-10</a:t>
             </a:fld>
             <a:endParaRPr lang="ko-KR" altLang="en-US"/>
           </a:p>
@@ -3554,7 +3667,7 @@
           <a:p>
             <a:fld id="{8E20E162-3880-4AB0-B825-B924C8552DF4}" type="datetimeFigureOut">
               <a:rPr lang="ko-KR" altLang="en-US" smtClean="0"/>
-              <a:t>2018. 11. 10.</a:t>
+              <a:t>2018-11-10</a:t>
             </a:fld>
             <a:endParaRPr lang="ko-KR" altLang="en-US"/>
           </a:p>
@@ -3806,7 +3919,7 @@
           <a:p>
             <a:fld id="{8E20E162-3880-4AB0-B825-B924C8552DF4}" type="datetimeFigureOut">
               <a:rPr lang="ko-KR" altLang="en-US" smtClean="0"/>
-              <a:t>2018. 11. 10.</a:t>
+              <a:t>2018-11-10</a:t>
             </a:fld>
             <a:endParaRPr lang="ko-KR" altLang="en-US"/>
           </a:p>
@@ -4017,7 +4130,7 @@
           <a:p>
             <a:fld id="{8E20E162-3880-4AB0-B825-B924C8552DF4}" type="datetimeFigureOut">
               <a:rPr lang="ko-KR" altLang="en-US" smtClean="0"/>
-              <a:t>2018. 11. 10.</a:t>
+              <a:t>2018-11-10</a:t>
             </a:fld>
             <a:endParaRPr lang="ko-KR" altLang="en-US"/>
           </a:p>
@@ -4397,7 +4510,7 @@
           <p:cNvPr id="2" name="제목 1">
             <a:extLst>
               <a:ext uri="{FF2B5EF4-FFF2-40B4-BE49-F238E27FC236}">
-                <a16:creationId xmlns:a16="http://schemas.microsoft.com/office/drawing/2014/main" id="{E8EBD7A7-4630-1047-9A97-D89735A59B12}"/>
+                <a16:creationId xmlns:a16="http://schemas.microsoft.com/office/drawing/2014/main" xmlns="" id="{E8EBD7A7-4630-1047-9A97-D89735A59B12}"/>
               </a:ext>
             </a:extLst>
           </p:cNvPr>
@@ -4433,7 +4546,7 @@
           <p:cNvPr id="3" name="내용 개체 틀 2">
             <a:extLst>
               <a:ext uri="{FF2B5EF4-FFF2-40B4-BE49-F238E27FC236}">
-                <a16:creationId xmlns:a16="http://schemas.microsoft.com/office/drawing/2014/main" id="{BA9874B2-5A79-0C4C-AEDC-6599047D15CC}"/>
+                <a16:creationId xmlns:a16="http://schemas.microsoft.com/office/drawing/2014/main" xmlns="" id="{BA9874B2-5A79-0C4C-AEDC-6599047D15CC}"/>
               </a:ext>
             </a:extLst>
           </p:cNvPr>
@@ -4604,6 +4717,10 @@
             </a:r>
           </a:p>
           <a:p>
+            <a:r>
+              <a:rPr lang="ko-KR" altLang="en-US" dirty="0"/>
+              <a:t/>
+            </a:r>
             <a:br>
               <a:rPr lang="ko-KR" altLang="en-US" dirty="0"/>
             </a:br>
@@ -4719,7 +4836,7 @@
           <p:cNvPr id="4" name="내용 개체 틀 8" descr="스크린샷이(가) 표시된 사진&#10;&#10;&#10;&#10;자동 생성된 설명">
             <a:extLst>
               <a:ext uri="{FF2B5EF4-FFF2-40B4-BE49-F238E27FC236}">
-                <a16:creationId xmlns:a16="http://schemas.microsoft.com/office/drawing/2014/main" id="{49F20AB3-A0D8-E445-957D-6C1CF569A8C4}"/>
+                <a16:creationId xmlns:a16="http://schemas.microsoft.com/office/drawing/2014/main" xmlns="" id="{49F20AB3-A0D8-E445-957D-6C1CF569A8C4}"/>
               </a:ext>
             </a:extLst>
           </p:cNvPr>
@@ -4832,7 +4949,7 @@
           <p:cNvPr id="6" name="내용 개체 틀 8" descr="스크린샷이(가) 표시된 사진&#10;&#10;&#10;&#10;자동 생성된 설명">
             <a:extLst>
               <a:ext uri="{FF2B5EF4-FFF2-40B4-BE49-F238E27FC236}">
-                <a16:creationId xmlns:a16="http://schemas.microsoft.com/office/drawing/2014/main" id="{0E816373-5551-9F4B-951C-E3D21C53B6C8}"/>
+                <a16:creationId xmlns:a16="http://schemas.microsoft.com/office/drawing/2014/main" xmlns="" id="{0E816373-5551-9F4B-951C-E3D21C53B6C8}"/>
               </a:ext>
             </a:extLst>
           </p:cNvPr>
@@ -4867,7 +4984,7 @@
           <p:cNvPr id="5" name="내용 개체 틀 4" descr="스크린샷이(가) 표시된 사진&#10;&#10;&#10;&#10;자동 생성된 설명">
             <a:extLst>
               <a:ext uri="{FF2B5EF4-FFF2-40B4-BE49-F238E27FC236}">
-                <a16:creationId xmlns:a16="http://schemas.microsoft.com/office/drawing/2014/main" id="{493F555A-8FE9-6046-A7BC-6595E736DF91}"/>
+                <a16:creationId xmlns:a16="http://schemas.microsoft.com/office/drawing/2014/main" xmlns="" id="{493F555A-8FE9-6046-A7BC-6595E736DF91}"/>
               </a:ext>
             </a:extLst>
           </p:cNvPr>
@@ -4969,7 +5086,7 @@
           <p:cNvPr id="4" name="내용 개체 틀 8" descr="스크린샷이(가) 표시된 사진&#10;&#10;&#10;&#10;자동 생성된 설명">
             <a:extLst>
               <a:ext uri="{FF2B5EF4-FFF2-40B4-BE49-F238E27FC236}">
-                <a16:creationId xmlns:a16="http://schemas.microsoft.com/office/drawing/2014/main" id="{49F20AB3-A0D8-E445-957D-6C1CF569A8C4}"/>
+                <a16:creationId xmlns:a16="http://schemas.microsoft.com/office/drawing/2014/main" xmlns="" id="{49F20AB3-A0D8-E445-957D-6C1CF569A8C4}"/>
               </a:ext>
             </a:extLst>
           </p:cNvPr>
@@ -5420,7 +5537,7 @@
           <p:cNvPr id="4" name="내용 개체 틀 8" descr="스크린샷이(가) 표시된 사진&#10;&#10;&#10;&#10;자동 생성된 설명">
             <a:extLst>
               <a:ext uri="{FF2B5EF4-FFF2-40B4-BE49-F238E27FC236}">
-                <a16:creationId xmlns:a16="http://schemas.microsoft.com/office/drawing/2014/main" id="{49F20AB3-A0D8-E445-957D-6C1CF569A8C4}"/>
+                <a16:creationId xmlns:a16="http://schemas.microsoft.com/office/drawing/2014/main" xmlns="" id="{49F20AB3-A0D8-E445-957D-6C1CF569A8C4}"/>
               </a:ext>
             </a:extLst>
           </p:cNvPr>
@@ -5503,7 +5620,7 @@
           <p:cNvPr id="5" name="그림 4" descr="실내이(가) 표시된 사진&#10;&#10;&#10;&#10;자동 생성된 설명">
             <a:extLst>
               <a:ext uri="{FF2B5EF4-FFF2-40B4-BE49-F238E27FC236}">
-                <a16:creationId xmlns:a16="http://schemas.microsoft.com/office/drawing/2014/main" id="{9E7717B7-90BA-3F4B-9BB0-475AC09E75EA}"/>
+                <a16:creationId xmlns:a16="http://schemas.microsoft.com/office/drawing/2014/main" xmlns="" id="{9E7717B7-90BA-3F4B-9BB0-475AC09E75EA}"/>
               </a:ext>
             </a:extLst>
           </p:cNvPr>
@@ -5576,7 +5693,7 @@
           <p:cNvPr id="2" name="제목 1">
             <a:extLst>
               <a:ext uri="{FF2B5EF4-FFF2-40B4-BE49-F238E27FC236}">
-                <a16:creationId xmlns:a16="http://schemas.microsoft.com/office/drawing/2014/main" id="{B3E67219-9E56-B643-8AAD-21B8A41E8B0B}"/>
+                <a16:creationId xmlns:a16="http://schemas.microsoft.com/office/drawing/2014/main" xmlns="" id="{B3E67219-9E56-B643-8AAD-21B8A41E8B0B}"/>
               </a:ext>
             </a:extLst>
           </p:cNvPr>
@@ -5604,7 +5721,7 @@
           <p:cNvPr id="3" name="내용 개체 틀 2">
             <a:extLst>
               <a:ext uri="{FF2B5EF4-FFF2-40B4-BE49-F238E27FC236}">
-                <a16:creationId xmlns:a16="http://schemas.microsoft.com/office/drawing/2014/main" id="{FC1989A7-4B97-174F-8433-BD11ABAAE8E6}"/>
+                <a16:creationId xmlns:a16="http://schemas.microsoft.com/office/drawing/2014/main" xmlns="" id="{FC1989A7-4B97-174F-8433-BD11ABAAE8E6}"/>
               </a:ext>
             </a:extLst>
           </p:cNvPr>
@@ -5638,7 +5755,7 @@
           <p:cNvPr id="5" name="그림 4">
             <a:extLst>
               <a:ext uri="{FF2B5EF4-FFF2-40B4-BE49-F238E27FC236}">
-                <a16:creationId xmlns:a16="http://schemas.microsoft.com/office/drawing/2014/main" id="{0B8D02C7-3554-A64D-8604-F2FBCC4E8C93}"/>
+                <a16:creationId xmlns:a16="http://schemas.microsoft.com/office/drawing/2014/main" xmlns="" id="{0B8D02C7-3554-A64D-8604-F2FBCC4E8C93}"/>
               </a:ext>
             </a:extLst>
           </p:cNvPr>
@@ -5704,7 +5821,7 @@
           <p:cNvPr id="2" name="제목 1">
             <a:extLst>
               <a:ext uri="{FF2B5EF4-FFF2-40B4-BE49-F238E27FC236}">
-                <a16:creationId xmlns:a16="http://schemas.microsoft.com/office/drawing/2014/main" id="{E921A3CD-DEE7-534B-98DB-63E6D409D542}"/>
+                <a16:creationId xmlns:a16="http://schemas.microsoft.com/office/drawing/2014/main" xmlns="" id="{E921A3CD-DEE7-534B-98DB-63E6D409D542}"/>
               </a:ext>
             </a:extLst>
           </p:cNvPr>
@@ -5732,7 +5849,7 @@
           <p:cNvPr id="3" name="내용 개체 틀 2">
             <a:extLst>
               <a:ext uri="{FF2B5EF4-FFF2-40B4-BE49-F238E27FC236}">
-                <a16:creationId xmlns:a16="http://schemas.microsoft.com/office/drawing/2014/main" id="{1EABABCB-9CF2-094B-AD12-43CA60885568}"/>
+                <a16:creationId xmlns:a16="http://schemas.microsoft.com/office/drawing/2014/main" xmlns="" id="{1EABABCB-9CF2-094B-AD12-43CA60885568}"/>
               </a:ext>
             </a:extLst>
           </p:cNvPr>
@@ -5799,7 +5916,7 @@
           <p:cNvPr id="2" name="제목 1">
             <a:extLst>
               <a:ext uri="{FF2B5EF4-FFF2-40B4-BE49-F238E27FC236}">
-                <a16:creationId xmlns:a16="http://schemas.microsoft.com/office/drawing/2014/main" id="{A616ACF8-0967-254E-9A89-A97507292D4D}"/>
+                <a16:creationId xmlns:a16="http://schemas.microsoft.com/office/drawing/2014/main" xmlns="" id="{A616ACF8-0967-254E-9A89-A97507292D4D}"/>
               </a:ext>
             </a:extLst>
           </p:cNvPr>
@@ -5827,7 +5944,7 @@
           <p:cNvPr id="4" name="내용 개체 틀 8" descr="스크린샷이(가) 표시된 사진&#10;&#10;&#10;&#10;자동 생성된 설명">
             <a:extLst>
               <a:ext uri="{FF2B5EF4-FFF2-40B4-BE49-F238E27FC236}">
-                <a16:creationId xmlns:a16="http://schemas.microsoft.com/office/drawing/2014/main" id="{CDC00A24-94FD-414F-8171-CCB5F9E5C7F6}"/>
+                <a16:creationId xmlns:a16="http://schemas.microsoft.com/office/drawing/2014/main" xmlns="" id="{CDC00A24-94FD-414F-8171-CCB5F9E5C7F6}"/>
               </a:ext>
             </a:extLst>
           </p:cNvPr>
@@ -5864,7 +5981,7 @@
           <p:cNvPr id="5" name="내용 개체 틀 4" descr="스크린샷이(가) 표시된 사진&#10;&#10;&#10;&#10;자동 생성된 설명">
             <a:extLst>
               <a:ext uri="{FF2B5EF4-FFF2-40B4-BE49-F238E27FC236}">
-                <a16:creationId xmlns:a16="http://schemas.microsoft.com/office/drawing/2014/main" id="{9EAAC680-6AEB-B941-9E42-0387D5A32B26}"/>
+                <a16:creationId xmlns:a16="http://schemas.microsoft.com/office/drawing/2014/main" xmlns="" id="{9EAAC680-6AEB-B941-9E42-0387D5A32B26}"/>
               </a:ext>
             </a:extLst>
           </p:cNvPr>
@@ -5907,7 +6024,7 @@
           <p:cNvPr id="6" name="내용 개체 틀 8" descr="스크린샷이(가) 표시된 사진&#10;&#10;&#10;&#10;자동 생성된 설명">
             <a:extLst>
               <a:ext uri="{FF2B5EF4-FFF2-40B4-BE49-F238E27FC236}">
-                <a16:creationId xmlns:a16="http://schemas.microsoft.com/office/drawing/2014/main" id="{2C4A354A-62A4-6E44-A3F1-9BFC6D40FB24}"/>
+                <a16:creationId xmlns:a16="http://schemas.microsoft.com/office/drawing/2014/main" xmlns="" id="{2C4A354A-62A4-6E44-A3F1-9BFC6D40FB24}"/>
               </a:ext>
             </a:extLst>
           </p:cNvPr>
@@ -5942,7 +6059,7 @@
           <p:cNvPr id="8" name="그림 7" descr="실내이(가) 표시된 사진&#10;&#10;&#10;&#10;자동 생성된 설명">
             <a:extLst>
               <a:ext uri="{FF2B5EF4-FFF2-40B4-BE49-F238E27FC236}">
-                <a16:creationId xmlns:a16="http://schemas.microsoft.com/office/drawing/2014/main" id="{0E819101-F64A-3D43-8B12-F927FAF27F6C}"/>
+                <a16:creationId xmlns:a16="http://schemas.microsoft.com/office/drawing/2014/main" xmlns="" id="{0E819101-F64A-3D43-8B12-F927FAF27F6C}"/>
               </a:ext>
             </a:extLst>
           </p:cNvPr>
@@ -6015,7 +6132,7 @@
           <p:cNvPr id="2" name="제목 1">
             <a:extLst>
               <a:ext uri="{FF2B5EF4-FFF2-40B4-BE49-F238E27FC236}">
-                <a16:creationId xmlns:a16="http://schemas.microsoft.com/office/drawing/2014/main" id="{28F98C9A-6B41-9E48-9587-94770AFED79E}"/>
+                <a16:creationId xmlns:a16="http://schemas.microsoft.com/office/drawing/2014/main" xmlns="" id="{28F98C9A-6B41-9E48-9587-94770AFED79E}"/>
               </a:ext>
             </a:extLst>
           </p:cNvPr>
@@ -6051,7 +6168,7 @@
           <p:cNvPr id="3" name="내용 개체 틀 2">
             <a:extLst>
               <a:ext uri="{FF2B5EF4-FFF2-40B4-BE49-F238E27FC236}">
-                <a16:creationId xmlns:a16="http://schemas.microsoft.com/office/drawing/2014/main" id="{E883A23E-B406-1348-839E-7F8B6950D10E}"/>
+                <a16:creationId xmlns:a16="http://schemas.microsoft.com/office/drawing/2014/main" xmlns="" id="{E883A23E-B406-1348-839E-7F8B6950D10E}"/>
               </a:ext>
             </a:extLst>
           </p:cNvPr>
@@ -6098,10 +6215,6 @@
             <a:pPr marL="0" indent="0">
               <a:buNone/>
             </a:pPr>
-            <a:r>
-              <a:rPr kumimoji="1" lang="ko-KR" altLang="en-US" dirty="0"/>
-              <a:t>구체적 통계</a:t>
-            </a:r>
             <a:endParaRPr kumimoji="1" lang="en-US" altLang="ko-KR" dirty="0"/>
           </a:p>
         </p:txBody>
@@ -6138,13 +6251,7 @@
       </p:grpSpPr>
       <p:sp>
         <p:nvSpPr>
-          <p:cNvPr id="2" name="제목 1">
-            <a:extLst>
-              <a:ext uri="{FF2B5EF4-FFF2-40B4-BE49-F238E27FC236}">
-                <a16:creationId xmlns:a16="http://schemas.microsoft.com/office/drawing/2014/main" id="{4315451D-EFE7-3F45-9AAB-825F3C23A024}"/>
-              </a:ext>
-            </a:extLst>
-          </p:cNvPr>
+          <p:cNvPr id="2" name="제목 1"/>
           <p:cNvSpPr>
             <a:spLocks noGrp="1"/>
           </p:cNvSpPr>
@@ -6152,27 +6259,56 @@
             <p:ph type="title"/>
           </p:nvPr>
         </p:nvSpPr>
-        <p:spPr>
-          <a:xfrm>
-            <a:off x="457200" y="274638"/>
-            <a:ext cx="8229600" cy="6034682"/>
-          </a:xfrm>
-        </p:spPr>
-        <p:txBody>
-          <a:bodyPr/>
-          <a:lstStyle/>
-          <a:p>
-            <a:r>
-              <a:rPr kumimoji="1" lang="ko-KR" altLang="en-US" dirty="0"/>
-              <a:t>시뮬레이션</a:t>
-            </a:r>
+        <p:spPr/>
+        <p:txBody>
+          <a:bodyPr>
+            <a:normAutofit/>
+          </a:bodyPr>
+          <a:lstStyle/>
+          <a:p>
+            <a:r>
+              <a:rPr kumimoji="1" lang="ko-KR" altLang="en-US" sz="2000" dirty="0"/>
+              <a:t>마스크 사용량이 증가하는 그래프를 보여주고 우리 </a:t>
+            </a:r>
+            <a:r>
+              <a:rPr kumimoji="1" lang="ko-KR" altLang="en-US" sz="2000" dirty="0" err="1"/>
+              <a:t>앱의</a:t>
+            </a:r>
+            <a:r>
+              <a:rPr kumimoji="1" lang="ko-KR" altLang="en-US" sz="2000" dirty="0"/>
+              <a:t> 사용률도 같이 증가할 것이라고 </a:t>
+            </a:r>
+            <a:r>
+              <a:rPr kumimoji="1" lang="ko-KR" altLang="en-US" sz="2000" dirty="0" smtClean="0"/>
+              <a:t>예상</a:t>
+            </a:r>
+            <a:endParaRPr lang="ko-KR" altLang="en-US" sz="2000" dirty="0"/>
+          </a:p>
+        </p:txBody>
+      </p:sp>
+      <p:sp>
+        <p:nvSpPr>
+          <p:cNvPr id="3" name="내용 개체 틀 2"/>
+          <p:cNvSpPr>
+            <a:spLocks noGrp="1"/>
+          </p:cNvSpPr>
+          <p:nvPr>
+            <p:ph idx="1"/>
+          </p:nvPr>
+        </p:nvSpPr>
+        <p:spPr/>
+        <p:txBody>
+          <a:bodyPr/>
+          <a:lstStyle/>
+          <a:p>
+            <a:endParaRPr lang="ko-KR" altLang="en-US" dirty="0"/>
           </a:p>
         </p:txBody>
       </p:sp>
     </p:spTree>
     <p:extLst>
       <p:ext uri="{BB962C8B-B14F-4D97-AF65-F5344CB8AC3E}">
-        <p14:creationId xmlns:p14="http://schemas.microsoft.com/office/powerpoint/2010/main" val="3017893354"/>
+        <p14:creationId xmlns:p14="http://schemas.microsoft.com/office/powerpoint/2010/main" val="1962127112"/>
       </p:ext>
     </p:extLst>
   </p:cSld>
@@ -6204,7 +6340,7 @@
           <p:cNvPr id="2" name="제목 1">
             <a:extLst>
               <a:ext uri="{FF2B5EF4-FFF2-40B4-BE49-F238E27FC236}">
-                <a16:creationId xmlns:a16="http://schemas.microsoft.com/office/drawing/2014/main" id="{9C508281-2DF6-3F4B-B03E-499380C0C441}"/>
+                <a16:creationId xmlns:a16="http://schemas.microsoft.com/office/drawing/2014/main" xmlns="" id="{4315451D-EFE7-3F45-9AAB-825F3C23A024}"/>
               </a:ext>
             </a:extLst>
           </p:cNvPr>
@@ -6217,19 +6353,17 @@
         </p:nvSpPr>
         <p:spPr>
           <a:xfrm>
-            <a:off x="457200" y="2636912"/>
-            <a:ext cx="8229600" cy="1143000"/>
+            <a:off x="457200" y="274638"/>
+            <a:ext cx="8229600" cy="6034682"/>
           </a:xfrm>
         </p:spPr>
         <p:txBody>
-          <a:bodyPr>
-            <a:normAutofit/>
-          </a:bodyPr>
+          <a:bodyPr/>
           <a:lstStyle/>
           <a:p>
             <a:r>
               <a:rPr kumimoji="1" lang="ko-KR" altLang="en-US" dirty="0"/>
-              <a:t>질의응답</a:t>
+              <a:t>시뮬레이션</a:t>
             </a:r>
           </a:p>
         </p:txBody>
@@ -6237,7 +6371,7 @@
     </p:spTree>
     <p:extLst>
       <p:ext uri="{BB962C8B-B14F-4D97-AF65-F5344CB8AC3E}">
-        <p14:creationId xmlns:p14="http://schemas.microsoft.com/office/powerpoint/2010/main" val="1759387882"/>
+        <p14:creationId xmlns:p14="http://schemas.microsoft.com/office/powerpoint/2010/main" val="3017893354"/>
       </p:ext>
     </p:extLst>
   </p:cSld>
@@ -6365,10 +6499,75 @@
       </p:grpSpPr>
       <p:sp>
         <p:nvSpPr>
+          <p:cNvPr id="2" name="제목 1">
+            <a:extLst>
+              <a:ext uri="{FF2B5EF4-FFF2-40B4-BE49-F238E27FC236}">
+                <a16:creationId xmlns:a16="http://schemas.microsoft.com/office/drawing/2014/main" xmlns="" id="{9C508281-2DF6-3F4B-B03E-499380C0C441}"/>
+              </a:ext>
+            </a:extLst>
+          </p:cNvPr>
+          <p:cNvSpPr>
+            <a:spLocks noGrp="1"/>
+          </p:cNvSpPr>
+          <p:nvPr>
+            <p:ph type="title"/>
+          </p:nvPr>
+        </p:nvSpPr>
+        <p:spPr>
+          <a:xfrm>
+            <a:off x="457200" y="2636912"/>
+            <a:ext cx="8229600" cy="1143000"/>
+          </a:xfrm>
+        </p:spPr>
+        <p:txBody>
+          <a:bodyPr>
+            <a:normAutofit/>
+          </a:bodyPr>
+          <a:lstStyle/>
+          <a:p>
+            <a:r>
+              <a:rPr kumimoji="1" lang="ko-KR" altLang="en-US" dirty="0"/>
+              <a:t>질의응답</a:t>
+            </a:r>
+          </a:p>
+        </p:txBody>
+      </p:sp>
+    </p:spTree>
+    <p:extLst>
+      <p:ext uri="{BB962C8B-B14F-4D97-AF65-F5344CB8AC3E}">
+        <p14:creationId xmlns:p14="http://schemas.microsoft.com/office/powerpoint/2010/main" val="1759387882"/>
+      </p:ext>
+    </p:extLst>
+  </p:cSld>
+  <p:clrMapOvr>
+    <a:masterClrMapping/>
+  </p:clrMapOvr>
+</p:sld>
+</file>
+
+<file path=ppt/slides/slide21.xml><?xml version="1.0" encoding="utf-8"?>
+<p:sld xmlns:a="http://schemas.openxmlformats.org/drawingml/2006/main" xmlns:r="http://schemas.openxmlformats.org/officeDocument/2006/relationships" xmlns:p="http://schemas.openxmlformats.org/presentationml/2006/main">
+  <p:cSld>
+    <p:spTree>
+      <p:nvGrpSpPr>
+        <p:cNvPr id="1" name=""/>
+        <p:cNvGrpSpPr/>
+        <p:nvPr/>
+      </p:nvGrpSpPr>
+      <p:grpSpPr>
+        <a:xfrm>
+          <a:off x="0" y="0"/>
+          <a:ext cx="0" cy="0"/>
+          <a:chOff x="0" y="0"/>
+          <a:chExt cx="0" cy="0"/>
+        </a:xfrm>
+      </p:grpSpPr>
+      <p:sp>
+        <p:nvSpPr>
           <p:cNvPr id="3" name="내용 개체 틀 2">
             <a:extLst>
               <a:ext uri="{FF2B5EF4-FFF2-40B4-BE49-F238E27FC236}">
-                <a16:creationId xmlns:a16="http://schemas.microsoft.com/office/drawing/2014/main" id="{6F98B7E9-F878-0E42-A16C-75C889AFE0CE}"/>
+                <a16:creationId xmlns:a16="http://schemas.microsoft.com/office/drawing/2014/main" xmlns="" id="{6F98B7E9-F878-0E42-A16C-75C889AFE0CE}"/>
               </a:ext>
             </a:extLst>
           </p:cNvPr>
@@ -6464,7 +6663,7 @@
           <p:cNvPr id="2" name="제목 1">
             <a:extLst>
               <a:ext uri="{FF2B5EF4-FFF2-40B4-BE49-F238E27FC236}">
-                <a16:creationId xmlns:a16="http://schemas.microsoft.com/office/drawing/2014/main" id="{917E2B41-8B87-7647-908C-7257B71C60BB}"/>
+                <a16:creationId xmlns:a16="http://schemas.microsoft.com/office/drawing/2014/main" xmlns="" id="{917E2B41-8B87-7647-908C-7257B71C60BB}"/>
               </a:ext>
             </a:extLst>
           </p:cNvPr>
@@ -6492,7 +6691,7 @@
           <p:cNvPr id="3" name="내용 개체 틀 2">
             <a:extLst>
               <a:ext uri="{FF2B5EF4-FFF2-40B4-BE49-F238E27FC236}">
-                <a16:creationId xmlns:a16="http://schemas.microsoft.com/office/drawing/2014/main" id="{A068290E-9BC6-ED49-AE19-1271CFFD3E0D}"/>
+                <a16:creationId xmlns:a16="http://schemas.microsoft.com/office/drawing/2014/main" xmlns="" id="{A068290E-9BC6-ED49-AE19-1271CFFD3E0D}"/>
               </a:ext>
             </a:extLst>
           </p:cNvPr>
@@ -6609,7 +6808,7 @@
           <p:cNvPr id="2" name="제목 1">
             <a:extLst>
               <a:ext uri="{FF2B5EF4-FFF2-40B4-BE49-F238E27FC236}">
-                <a16:creationId xmlns:a16="http://schemas.microsoft.com/office/drawing/2014/main" id="{3409D811-9620-E144-9E2D-42A6803A50B0}"/>
+                <a16:creationId xmlns:a16="http://schemas.microsoft.com/office/drawing/2014/main" xmlns="" id="{3409D811-9620-E144-9E2D-42A6803A50B0}"/>
               </a:ext>
             </a:extLst>
           </p:cNvPr>
@@ -6637,7 +6836,7 @@
           <p:cNvPr id="3" name="내용 개체 틀 2">
             <a:extLst>
               <a:ext uri="{FF2B5EF4-FFF2-40B4-BE49-F238E27FC236}">
-                <a16:creationId xmlns:a16="http://schemas.microsoft.com/office/drawing/2014/main" id="{393D240D-69BC-C24F-B228-B79939338B18}"/>
+                <a16:creationId xmlns:a16="http://schemas.microsoft.com/office/drawing/2014/main" xmlns="" id="{393D240D-69BC-C24F-B228-B79939338B18}"/>
               </a:ext>
             </a:extLst>
           </p:cNvPr>
@@ -6756,7 +6955,7 @@
           <p:cNvPr id="2" name="제목 1">
             <a:extLst>
               <a:ext uri="{FF2B5EF4-FFF2-40B4-BE49-F238E27FC236}">
-                <a16:creationId xmlns:a16="http://schemas.microsoft.com/office/drawing/2014/main" id="{CC5C8BD3-3AF1-C748-835F-F0A286C90A18}"/>
+                <a16:creationId xmlns:a16="http://schemas.microsoft.com/office/drawing/2014/main" xmlns="" id="{CC5C8BD3-3AF1-C748-835F-F0A286C90A18}"/>
               </a:ext>
             </a:extLst>
           </p:cNvPr>
@@ -6826,7 +7025,7 @@
           <p:cNvPr id="2" name="제목 1">
             <a:extLst>
               <a:ext uri="{FF2B5EF4-FFF2-40B4-BE49-F238E27FC236}">
-                <a16:creationId xmlns:a16="http://schemas.microsoft.com/office/drawing/2014/main" id="{117210B6-0999-9C4F-954D-22D6B30F9E70}"/>
+                <a16:creationId xmlns:a16="http://schemas.microsoft.com/office/drawing/2014/main" xmlns="" id="{117210B6-0999-9C4F-954D-22D6B30F9E70}"/>
               </a:ext>
             </a:extLst>
           </p:cNvPr>
@@ -6856,7 +7055,7 @@
           <p:cNvPr id="9" name="내용 개체 틀 8" descr="스크린샷이(가) 표시된 사진&#10;&#10;&#10;&#10;자동 생성된 설명">
             <a:extLst>
               <a:ext uri="{FF2B5EF4-FFF2-40B4-BE49-F238E27FC236}">
-                <a16:creationId xmlns:a16="http://schemas.microsoft.com/office/drawing/2014/main" id="{49F20AB3-A0D8-E445-957D-6C1CF569A8C4}"/>
+                <a16:creationId xmlns:a16="http://schemas.microsoft.com/office/drawing/2014/main" xmlns="" id="{49F20AB3-A0D8-E445-957D-6C1CF569A8C4}"/>
               </a:ext>
             </a:extLst>
           </p:cNvPr>
@@ -6893,7 +7092,7 @@
           <p:cNvPr id="10" name="내용 개체 틀 4" descr="스크린샷이(가) 표시된 사진&#10;&#10;&#10;&#10;자동 생성된 설명">
             <a:extLst>
               <a:ext uri="{FF2B5EF4-FFF2-40B4-BE49-F238E27FC236}">
-                <a16:creationId xmlns:a16="http://schemas.microsoft.com/office/drawing/2014/main" id="{8ECB2695-C803-364D-BF30-932C21F166BA}"/>
+                <a16:creationId xmlns:a16="http://schemas.microsoft.com/office/drawing/2014/main" xmlns="" id="{8ECB2695-C803-364D-BF30-932C21F166BA}"/>
               </a:ext>
             </a:extLst>
           </p:cNvPr>
@@ -6966,7 +7165,7 @@
           <p:cNvPr id="2" name="제목 1">
             <a:extLst>
               <a:ext uri="{FF2B5EF4-FFF2-40B4-BE49-F238E27FC236}">
-                <a16:creationId xmlns:a16="http://schemas.microsoft.com/office/drawing/2014/main" id="{117210B6-0999-9C4F-954D-22D6B30F9E70}"/>
+                <a16:creationId xmlns:a16="http://schemas.microsoft.com/office/drawing/2014/main" xmlns="" id="{117210B6-0999-9C4F-954D-22D6B30F9E70}"/>
               </a:ext>
             </a:extLst>
           </p:cNvPr>
@@ -6994,7 +7193,7 @@
           <p:cNvPr id="9" name="내용 개체 틀 8" descr="스크린샷이(가) 표시된 사진&#10;&#10;&#10;&#10;자동 생성된 설명">
             <a:extLst>
               <a:ext uri="{FF2B5EF4-FFF2-40B4-BE49-F238E27FC236}">
-                <a16:creationId xmlns:a16="http://schemas.microsoft.com/office/drawing/2014/main" id="{49F20AB3-A0D8-E445-957D-6C1CF569A8C4}"/>
+                <a16:creationId xmlns:a16="http://schemas.microsoft.com/office/drawing/2014/main" xmlns="" id="{49F20AB3-A0D8-E445-957D-6C1CF569A8C4}"/>
               </a:ext>
             </a:extLst>
           </p:cNvPr>
@@ -7031,7 +7230,7 @@
           <p:cNvPr id="10" name="내용 개체 틀 4" descr="스크린샷이(가) 표시된 사진&#10;&#10;&#10;&#10;자동 생성된 설명">
             <a:extLst>
               <a:ext uri="{FF2B5EF4-FFF2-40B4-BE49-F238E27FC236}">
-                <a16:creationId xmlns:a16="http://schemas.microsoft.com/office/drawing/2014/main" id="{8ECB2695-C803-364D-BF30-932C21F166BA}"/>
+                <a16:creationId xmlns:a16="http://schemas.microsoft.com/office/drawing/2014/main" xmlns="" id="{8ECB2695-C803-364D-BF30-932C21F166BA}"/>
               </a:ext>
             </a:extLst>
           </p:cNvPr>
@@ -7104,7 +7303,7 @@
           <p:cNvPr id="2" name="제목 1">
             <a:extLst>
               <a:ext uri="{FF2B5EF4-FFF2-40B4-BE49-F238E27FC236}">
-                <a16:creationId xmlns:a16="http://schemas.microsoft.com/office/drawing/2014/main" id="{117210B6-0999-9C4F-954D-22D6B30F9E70}"/>
+                <a16:creationId xmlns:a16="http://schemas.microsoft.com/office/drawing/2014/main" xmlns="" id="{117210B6-0999-9C4F-954D-22D6B30F9E70}"/>
               </a:ext>
             </a:extLst>
           </p:cNvPr>
@@ -7134,7 +7333,7 @@
           <p:cNvPr id="9" name="내용 개체 틀 8" descr="스크린샷이(가) 표시된 사진&#10;&#10;&#10;&#10;자동 생성된 설명">
             <a:extLst>
               <a:ext uri="{FF2B5EF4-FFF2-40B4-BE49-F238E27FC236}">
-                <a16:creationId xmlns:a16="http://schemas.microsoft.com/office/drawing/2014/main" id="{49F20AB3-A0D8-E445-957D-6C1CF569A8C4}"/>
+                <a16:creationId xmlns:a16="http://schemas.microsoft.com/office/drawing/2014/main" xmlns="" id="{49F20AB3-A0D8-E445-957D-6C1CF569A8C4}"/>
               </a:ext>
             </a:extLst>
           </p:cNvPr>
@@ -7171,7 +7370,7 @@
           <p:cNvPr id="10" name="내용 개체 틀 4" descr="스크린샷이(가) 표시된 사진&#10;&#10;&#10;&#10;자동 생성된 설명">
             <a:extLst>
               <a:ext uri="{FF2B5EF4-FFF2-40B4-BE49-F238E27FC236}">
-                <a16:creationId xmlns:a16="http://schemas.microsoft.com/office/drawing/2014/main" id="{8ECB2695-C803-364D-BF30-932C21F166BA}"/>
+                <a16:creationId xmlns:a16="http://schemas.microsoft.com/office/drawing/2014/main" xmlns="" id="{8ECB2695-C803-364D-BF30-932C21F166BA}"/>
               </a:ext>
             </a:extLst>
           </p:cNvPr>
@@ -7270,7 +7469,7 @@
           <p:cNvPr id="4" name="내용 개체 틀 8" descr="스크린샷이(가) 표시된 사진&#10;&#10;&#10;&#10;자동 생성된 설명">
             <a:extLst>
               <a:ext uri="{FF2B5EF4-FFF2-40B4-BE49-F238E27FC236}">
-                <a16:creationId xmlns:a16="http://schemas.microsoft.com/office/drawing/2014/main" id="{49F20AB3-A0D8-E445-957D-6C1CF569A8C4}"/>
+                <a16:creationId xmlns:a16="http://schemas.microsoft.com/office/drawing/2014/main" xmlns="" id="{49F20AB3-A0D8-E445-957D-6C1CF569A8C4}"/>
               </a:ext>
             </a:extLst>
           </p:cNvPr>
@@ -7935,7 +8134,7 @@
   <a:extraClrSchemeLst/>
   <a:extLst>
     <a:ext uri="{05A4C25C-085E-4340-85A3-A5531E510DB2}">
-      <thm15:themeFamily xmlns:thm15="http://schemas.microsoft.com/office/thememl/2012/main" name="Office Theme" id="{62F939B6-93AF-4DB8-9C6B-D6C7DFDC589F}" vid="{4A3C46E8-61CC-4603-A589-7422A47A8E4A}"/>
+      <thm15:themeFamily xmlns:thm15="http://schemas.microsoft.com/office/thememl/2012/main" xmlns="" name="Office Theme" id="{62F939B6-93AF-4DB8-9C6B-D6C7DFDC589F}" vid="{4A3C46E8-61CC-4603-A589-7422A47A8E4A}"/>
     </a:ext>
   </a:extLst>
 </a:theme>

--- a/ideatoneppt.pptx
+++ b/ideatoneppt.pptx
@@ -129,7 +129,7 @@
   </p:defaultTextStyle>
   <p:extLst>
     <p:ext uri="{EFAFB233-063F-42B5-8137-9DF3F51BA10A}">
-      <p15:sldGuideLst xmlns:p15="http://schemas.microsoft.com/office/powerpoint/2012/main" xmlns="">
+      <p15:sldGuideLst xmlns="" xmlns:p15="http://schemas.microsoft.com/office/powerpoint/2012/main">
         <p15:guide id="1" orient="horz" pos="2160">
           <p15:clr>
             <a:srgbClr val="A4A3A4"/>
@@ -1287,24 +1287,24 @@
           <a:lstStyle/>
           <a:p>
             <a:r>
-              <a:rPr kumimoji="1" lang="ko-KR" altLang="en-US" dirty="0"/>
+              <a:rPr kumimoji="1" lang="ko-KR" altLang="en-US" dirty="0" smtClean="0"/>
               <a:t>가입 후 첫 구매 시 실내에서도 청결하게 마스크를 보관할 수 있도록 마스크 케이스를 지급합니다</a:t>
             </a:r>
             <a:r>
-              <a:rPr kumimoji="1" lang="en-US" altLang="ko-KR" dirty="0"/>
+              <a:rPr kumimoji="1" lang="en-US" altLang="ko-KR" dirty="0" smtClean="0"/>
               <a:t>.</a:t>
             </a:r>
           </a:p>
           <a:p>
             <a:r>
-              <a:rPr kumimoji="1" lang="ko-KR" altLang="en-US" dirty="0"/>
-              <a:t>연속 구매 기간으로 등급을 정하여 기업에서 지원받은 사은품을 제공합니다</a:t>
-            </a:r>
-            <a:r>
-              <a:rPr kumimoji="1" lang="en-US" altLang="ko-KR" dirty="0"/>
+              <a:rPr kumimoji="1" lang="ko-KR" altLang="en-US" dirty="0" smtClean="0"/>
+              <a:t>연속 구매 기간으로 사용자의 등급을 정하여 기업에서 지원받은 사은품을 제공함으로써 소비자의 가격부담을 줄일 수 있습니다</a:t>
+            </a:r>
+            <a:r>
+              <a:rPr kumimoji="1" lang="en-US" altLang="ko-KR" smtClean="0"/>
               <a:t>.</a:t>
             </a:r>
-            <a:endParaRPr kumimoji="1" lang="ko-KR" altLang="en-US" dirty="0"/>
+            <a:endParaRPr kumimoji="1" lang="en-US" altLang="ko-KR" dirty="0"/>
           </a:p>
         </p:txBody>
       </p:sp>
@@ -4510,7 +4510,7 @@
           <p:cNvPr id="2" name="제목 1">
             <a:extLst>
               <a:ext uri="{FF2B5EF4-FFF2-40B4-BE49-F238E27FC236}">
-                <a16:creationId xmlns:a16="http://schemas.microsoft.com/office/drawing/2014/main" xmlns="" id="{E8EBD7A7-4630-1047-9A97-D89735A59B12}"/>
+                <a16:creationId xmlns="" xmlns:a16="http://schemas.microsoft.com/office/drawing/2014/main" id="{E8EBD7A7-4630-1047-9A97-D89735A59B12}"/>
               </a:ext>
             </a:extLst>
           </p:cNvPr>
@@ -4546,7 +4546,7 @@
           <p:cNvPr id="3" name="내용 개체 틀 2">
             <a:extLst>
               <a:ext uri="{FF2B5EF4-FFF2-40B4-BE49-F238E27FC236}">
-                <a16:creationId xmlns:a16="http://schemas.microsoft.com/office/drawing/2014/main" xmlns="" id="{BA9874B2-5A79-0C4C-AEDC-6599047D15CC}"/>
+                <a16:creationId xmlns="" xmlns:a16="http://schemas.microsoft.com/office/drawing/2014/main" id="{BA9874B2-5A79-0C4C-AEDC-6599047D15CC}"/>
               </a:ext>
             </a:extLst>
           </p:cNvPr>
@@ -4836,7 +4836,7 @@
           <p:cNvPr id="4" name="내용 개체 틀 8" descr="스크린샷이(가) 표시된 사진&#10;&#10;&#10;&#10;자동 생성된 설명">
             <a:extLst>
               <a:ext uri="{FF2B5EF4-FFF2-40B4-BE49-F238E27FC236}">
-                <a16:creationId xmlns:a16="http://schemas.microsoft.com/office/drawing/2014/main" xmlns="" id="{49F20AB3-A0D8-E445-957D-6C1CF569A8C4}"/>
+                <a16:creationId xmlns="" xmlns:a16="http://schemas.microsoft.com/office/drawing/2014/main" id="{49F20AB3-A0D8-E445-957D-6C1CF569A8C4}"/>
               </a:ext>
             </a:extLst>
           </p:cNvPr>
@@ -4949,7 +4949,7 @@
           <p:cNvPr id="6" name="내용 개체 틀 8" descr="스크린샷이(가) 표시된 사진&#10;&#10;&#10;&#10;자동 생성된 설명">
             <a:extLst>
               <a:ext uri="{FF2B5EF4-FFF2-40B4-BE49-F238E27FC236}">
-                <a16:creationId xmlns:a16="http://schemas.microsoft.com/office/drawing/2014/main" xmlns="" id="{0E816373-5551-9F4B-951C-E3D21C53B6C8}"/>
+                <a16:creationId xmlns="" xmlns:a16="http://schemas.microsoft.com/office/drawing/2014/main" id="{0E816373-5551-9F4B-951C-E3D21C53B6C8}"/>
               </a:ext>
             </a:extLst>
           </p:cNvPr>
@@ -4984,7 +4984,7 @@
           <p:cNvPr id="5" name="내용 개체 틀 4" descr="스크린샷이(가) 표시된 사진&#10;&#10;&#10;&#10;자동 생성된 설명">
             <a:extLst>
               <a:ext uri="{FF2B5EF4-FFF2-40B4-BE49-F238E27FC236}">
-                <a16:creationId xmlns:a16="http://schemas.microsoft.com/office/drawing/2014/main" xmlns="" id="{493F555A-8FE9-6046-A7BC-6595E736DF91}"/>
+                <a16:creationId xmlns="" xmlns:a16="http://schemas.microsoft.com/office/drawing/2014/main" id="{493F555A-8FE9-6046-A7BC-6595E736DF91}"/>
               </a:ext>
             </a:extLst>
           </p:cNvPr>
@@ -5086,7 +5086,7 @@
           <p:cNvPr id="4" name="내용 개체 틀 8" descr="스크린샷이(가) 표시된 사진&#10;&#10;&#10;&#10;자동 생성된 설명">
             <a:extLst>
               <a:ext uri="{FF2B5EF4-FFF2-40B4-BE49-F238E27FC236}">
-                <a16:creationId xmlns:a16="http://schemas.microsoft.com/office/drawing/2014/main" xmlns="" id="{49F20AB3-A0D8-E445-957D-6C1CF569A8C4}"/>
+                <a16:creationId xmlns="" xmlns:a16="http://schemas.microsoft.com/office/drawing/2014/main" id="{49F20AB3-A0D8-E445-957D-6C1CF569A8C4}"/>
               </a:ext>
             </a:extLst>
           </p:cNvPr>
@@ -5537,7 +5537,7 @@
           <p:cNvPr id="4" name="내용 개체 틀 8" descr="스크린샷이(가) 표시된 사진&#10;&#10;&#10;&#10;자동 생성된 설명">
             <a:extLst>
               <a:ext uri="{FF2B5EF4-FFF2-40B4-BE49-F238E27FC236}">
-                <a16:creationId xmlns:a16="http://schemas.microsoft.com/office/drawing/2014/main" xmlns="" id="{49F20AB3-A0D8-E445-957D-6C1CF569A8C4}"/>
+                <a16:creationId xmlns="" xmlns:a16="http://schemas.microsoft.com/office/drawing/2014/main" id="{49F20AB3-A0D8-E445-957D-6C1CF569A8C4}"/>
               </a:ext>
             </a:extLst>
           </p:cNvPr>
@@ -5620,7 +5620,7 @@
           <p:cNvPr id="5" name="그림 4" descr="실내이(가) 표시된 사진&#10;&#10;&#10;&#10;자동 생성된 설명">
             <a:extLst>
               <a:ext uri="{FF2B5EF4-FFF2-40B4-BE49-F238E27FC236}">
-                <a16:creationId xmlns:a16="http://schemas.microsoft.com/office/drawing/2014/main" xmlns="" id="{9E7717B7-90BA-3F4B-9BB0-475AC09E75EA}"/>
+                <a16:creationId xmlns="" xmlns:a16="http://schemas.microsoft.com/office/drawing/2014/main" id="{9E7717B7-90BA-3F4B-9BB0-475AC09E75EA}"/>
               </a:ext>
             </a:extLst>
           </p:cNvPr>
@@ -5693,7 +5693,7 @@
           <p:cNvPr id="2" name="제목 1">
             <a:extLst>
               <a:ext uri="{FF2B5EF4-FFF2-40B4-BE49-F238E27FC236}">
-                <a16:creationId xmlns:a16="http://schemas.microsoft.com/office/drawing/2014/main" xmlns="" id="{B3E67219-9E56-B643-8AAD-21B8A41E8B0B}"/>
+                <a16:creationId xmlns="" xmlns:a16="http://schemas.microsoft.com/office/drawing/2014/main" id="{B3E67219-9E56-B643-8AAD-21B8A41E8B0B}"/>
               </a:ext>
             </a:extLst>
           </p:cNvPr>
@@ -5721,7 +5721,7 @@
           <p:cNvPr id="3" name="내용 개체 틀 2">
             <a:extLst>
               <a:ext uri="{FF2B5EF4-FFF2-40B4-BE49-F238E27FC236}">
-                <a16:creationId xmlns:a16="http://schemas.microsoft.com/office/drawing/2014/main" xmlns="" id="{FC1989A7-4B97-174F-8433-BD11ABAAE8E6}"/>
+                <a16:creationId xmlns="" xmlns:a16="http://schemas.microsoft.com/office/drawing/2014/main" id="{FC1989A7-4B97-174F-8433-BD11ABAAE8E6}"/>
               </a:ext>
             </a:extLst>
           </p:cNvPr>
@@ -5755,7 +5755,7 @@
           <p:cNvPr id="5" name="그림 4">
             <a:extLst>
               <a:ext uri="{FF2B5EF4-FFF2-40B4-BE49-F238E27FC236}">
-                <a16:creationId xmlns:a16="http://schemas.microsoft.com/office/drawing/2014/main" xmlns="" id="{0B8D02C7-3554-A64D-8604-F2FBCC4E8C93}"/>
+                <a16:creationId xmlns="" xmlns:a16="http://schemas.microsoft.com/office/drawing/2014/main" id="{0B8D02C7-3554-A64D-8604-F2FBCC4E8C93}"/>
               </a:ext>
             </a:extLst>
           </p:cNvPr>
@@ -5821,7 +5821,7 @@
           <p:cNvPr id="2" name="제목 1">
             <a:extLst>
               <a:ext uri="{FF2B5EF4-FFF2-40B4-BE49-F238E27FC236}">
-                <a16:creationId xmlns:a16="http://schemas.microsoft.com/office/drawing/2014/main" xmlns="" id="{E921A3CD-DEE7-534B-98DB-63E6D409D542}"/>
+                <a16:creationId xmlns="" xmlns:a16="http://schemas.microsoft.com/office/drawing/2014/main" id="{E921A3CD-DEE7-534B-98DB-63E6D409D542}"/>
               </a:ext>
             </a:extLst>
           </p:cNvPr>
@@ -5849,7 +5849,7 @@
           <p:cNvPr id="3" name="내용 개체 틀 2">
             <a:extLst>
               <a:ext uri="{FF2B5EF4-FFF2-40B4-BE49-F238E27FC236}">
-                <a16:creationId xmlns:a16="http://schemas.microsoft.com/office/drawing/2014/main" xmlns="" id="{1EABABCB-9CF2-094B-AD12-43CA60885568}"/>
+                <a16:creationId xmlns="" xmlns:a16="http://schemas.microsoft.com/office/drawing/2014/main" id="{1EABABCB-9CF2-094B-AD12-43CA60885568}"/>
               </a:ext>
             </a:extLst>
           </p:cNvPr>
@@ -5916,7 +5916,7 @@
           <p:cNvPr id="2" name="제목 1">
             <a:extLst>
               <a:ext uri="{FF2B5EF4-FFF2-40B4-BE49-F238E27FC236}">
-                <a16:creationId xmlns:a16="http://schemas.microsoft.com/office/drawing/2014/main" xmlns="" id="{A616ACF8-0967-254E-9A89-A97507292D4D}"/>
+                <a16:creationId xmlns="" xmlns:a16="http://schemas.microsoft.com/office/drawing/2014/main" id="{A616ACF8-0967-254E-9A89-A97507292D4D}"/>
               </a:ext>
             </a:extLst>
           </p:cNvPr>
@@ -5944,7 +5944,7 @@
           <p:cNvPr id="4" name="내용 개체 틀 8" descr="스크린샷이(가) 표시된 사진&#10;&#10;&#10;&#10;자동 생성된 설명">
             <a:extLst>
               <a:ext uri="{FF2B5EF4-FFF2-40B4-BE49-F238E27FC236}">
-                <a16:creationId xmlns:a16="http://schemas.microsoft.com/office/drawing/2014/main" xmlns="" id="{CDC00A24-94FD-414F-8171-CCB5F9E5C7F6}"/>
+                <a16:creationId xmlns="" xmlns:a16="http://schemas.microsoft.com/office/drawing/2014/main" id="{CDC00A24-94FD-414F-8171-CCB5F9E5C7F6}"/>
               </a:ext>
             </a:extLst>
           </p:cNvPr>
@@ -5981,7 +5981,7 @@
           <p:cNvPr id="5" name="내용 개체 틀 4" descr="스크린샷이(가) 표시된 사진&#10;&#10;&#10;&#10;자동 생성된 설명">
             <a:extLst>
               <a:ext uri="{FF2B5EF4-FFF2-40B4-BE49-F238E27FC236}">
-                <a16:creationId xmlns:a16="http://schemas.microsoft.com/office/drawing/2014/main" xmlns="" id="{9EAAC680-6AEB-B941-9E42-0387D5A32B26}"/>
+                <a16:creationId xmlns="" xmlns:a16="http://schemas.microsoft.com/office/drawing/2014/main" id="{9EAAC680-6AEB-B941-9E42-0387D5A32B26}"/>
               </a:ext>
             </a:extLst>
           </p:cNvPr>
@@ -6024,7 +6024,7 @@
           <p:cNvPr id="6" name="내용 개체 틀 8" descr="스크린샷이(가) 표시된 사진&#10;&#10;&#10;&#10;자동 생성된 설명">
             <a:extLst>
               <a:ext uri="{FF2B5EF4-FFF2-40B4-BE49-F238E27FC236}">
-                <a16:creationId xmlns:a16="http://schemas.microsoft.com/office/drawing/2014/main" xmlns="" id="{2C4A354A-62A4-6E44-A3F1-9BFC6D40FB24}"/>
+                <a16:creationId xmlns="" xmlns:a16="http://schemas.microsoft.com/office/drawing/2014/main" id="{2C4A354A-62A4-6E44-A3F1-9BFC6D40FB24}"/>
               </a:ext>
             </a:extLst>
           </p:cNvPr>
@@ -6059,7 +6059,7 @@
           <p:cNvPr id="8" name="그림 7" descr="실내이(가) 표시된 사진&#10;&#10;&#10;&#10;자동 생성된 설명">
             <a:extLst>
               <a:ext uri="{FF2B5EF4-FFF2-40B4-BE49-F238E27FC236}">
-                <a16:creationId xmlns:a16="http://schemas.microsoft.com/office/drawing/2014/main" xmlns="" id="{0E819101-F64A-3D43-8B12-F927FAF27F6C}"/>
+                <a16:creationId xmlns="" xmlns:a16="http://schemas.microsoft.com/office/drawing/2014/main" id="{0E819101-F64A-3D43-8B12-F927FAF27F6C}"/>
               </a:ext>
             </a:extLst>
           </p:cNvPr>
@@ -6132,7 +6132,7 @@
           <p:cNvPr id="2" name="제목 1">
             <a:extLst>
               <a:ext uri="{FF2B5EF4-FFF2-40B4-BE49-F238E27FC236}">
-                <a16:creationId xmlns:a16="http://schemas.microsoft.com/office/drawing/2014/main" xmlns="" id="{28F98C9A-6B41-9E48-9587-94770AFED79E}"/>
+                <a16:creationId xmlns="" xmlns:a16="http://schemas.microsoft.com/office/drawing/2014/main" id="{28F98C9A-6B41-9E48-9587-94770AFED79E}"/>
               </a:ext>
             </a:extLst>
           </p:cNvPr>
@@ -6168,7 +6168,7 @@
           <p:cNvPr id="3" name="내용 개체 틀 2">
             <a:extLst>
               <a:ext uri="{FF2B5EF4-FFF2-40B4-BE49-F238E27FC236}">
-                <a16:creationId xmlns:a16="http://schemas.microsoft.com/office/drawing/2014/main" xmlns="" id="{E883A23E-B406-1348-839E-7F8B6950D10E}"/>
+                <a16:creationId xmlns="" xmlns:a16="http://schemas.microsoft.com/office/drawing/2014/main" id="{E883A23E-B406-1348-839E-7F8B6950D10E}"/>
               </a:ext>
             </a:extLst>
           </p:cNvPr>
@@ -6340,7 +6340,7 @@
           <p:cNvPr id="2" name="제목 1">
             <a:extLst>
               <a:ext uri="{FF2B5EF4-FFF2-40B4-BE49-F238E27FC236}">
-                <a16:creationId xmlns:a16="http://schemas.microsoft.com/office/drawing/2014/main" xmlns="" id="{4315451D-EFE7-3F45-9AAB-825F3C23A024}"/>
+                <a16:creationId xmlns="" xmlns:a16="http://schemas.microsoft.com/office/drawing/2014/main" id="{4315451D-EFE7-3F45-9AAB-825F3C23A024}"/>
               </a:ext>
             </a:extLst>
           </p:cNvPr>
@@ -6502,7 +6502,7 @@
           <p:cNvPr id="2" name="제목 1">
             <a:extLst>
               <a:ext uri="{FF2B5EF4-FFF2-40B4-BE49-F238E27FC236}">
-                <a16:creationId xmlns:a16="http://schemas.microsoft.com/office/drawing/2014/main" xmlns="" id="{9C508281-2DF6-3F4B-B03E-499380C0C441}"/>
+                <a16:creationId xmlns="" xmlns:a16="http://schemas.microsoft.com/office/drawing/2014/main" id="{9C508281-2DF6-3F4B-B03E-499380C0C441}"/>
               </a:ext>
             </a:extLst>
           </p:cNvPr>
@@ -6567,7 +6567,7 @@
           <p:cNvPr id="3" name="내용 개체 틀 2">
             <a:extLst>
               <a:ext uri="{FF2B5EF4-FFF2-40B4-BE49-F238E27FC236}">
-                <a16:creationId xmlns:a16="http://schemas.microsoft.com/office/drawing/2014/main" xmlns="" id="{6F98B7E9-F878-0E42-A16C-75C889AFE0CE}"/>
+                <a16:creationId xmlns="" xmlns:a16="http://schemas.microsoft.com/office/drawing/2014/main" id="{6F98B7E9-F878-0E42-A16C-75C889AFE0CE}"/>
               </a:ext>
             </a:extLst>
           </p:cNvPr>
@@ -6663,7 +6663,7 @@
           <p:cNvPr id="2" name="제목 1">
             <a:extLst>
               <a:ext uri="{FF2B5EF4-FFF2-40B4-BE49-F238E27FC236}">
-                <a16:creationId xmlns:a16="http://schemas.microsoft.com/office/drawing/2014/main" xmlns="" id="{917E2B41-8B87-7647-908C-7257B71C60BB}"/>
+                <a16:creationId xmlns="" xmlns:a16="http://schemas.microsoft.com/office/drawing/2014/main" id="{917E2B41-8B87-7647-908C-7257B71C60BB}"/>
               </a:ext>
             </a:extLst>
           </p:cNvPr>
@@ -6691,7 +6691,7 @@
           <p:cNvPr id="3" name="내용 개체 틀 2">
             <a:extLst>
               <a:ext uri="{FF2B5EF4-FFF2-40B4-BE49-F238E27FC236}">
-                <a16:creationId xmlns:a16="http://schemas.microsoft.com/office/drawing/2014/main" xmlns="" id="{A068290E-9BC6-ED49-AE19-1271CFFD3E0D}"/>
+                <a16:creationId xmlns="" xmlns:a16="http://schemas.microsoft.com/office/drawing/2014/main" id="{A068290E-9BC6-ED49-AE19-1271CFFD3E0D}"/>
               </a:ext>
             </a:extLst>
           </p:cNvPr>
@@ -6808,7 +6808,7 @@
           <p:cNvPr id="2" name="제목 1">
             <a:extLst>
               <a:ext uri="{FF2B5EF4-FFF2-40B4-BE49-F238E27FC236}">
-                <a16:creationId xmlns:a16="http://schemas.microsoft.com/office/drawing/2014/main" xmlns="" id="{3409D811-9620-E144-9E2D-42A6803A50B0}"/>
+                <a16:creationId xmlns="" xmlns:a16="http://schemas.microsoft.com/office/drawing/2014/main" id="{3409D811-9620-E144-9E2D-42A6803A50B0}"/>
               </a:ext>
             </a:extLst>
           </p:cNvPr>
@@ -6836,7 +6836,7 @@
           <p:cNvPr id="3" name="내용 개체 틀 2">
             <a:extLst>
               <a:ext uri="{FF2B5EF4-FFF2-40B4-BE49-F238E27FC236}">
-                <a16:creationId xmlns:a16="http://schemas.microsoft.com/office/drawing/2014/main" xmlns="" id="{393D240D-69BC-C24F-B228-B79939338B18}"/>
+                <a16:creationId xmlns="" xmlns:a16="http://schemas.microsoft.com/office/drawing/2014/main" id="{393D240D-69BC-C24F-B228-B79939338B18}"/>
               </a:ext>
             </a:extLst>
           </p:cNvPr>
@@ -6955,7 +6955,7 @@
           <p:cNvPr id="2" name="제목 1">
             <a:extLst>
               <a:ext uri="{FF2B5EF4-FFF2-40B4-BE49-F238E27FC236}">
-                <a16:creationId xmlns:a16="http://schemas.microsoft.com/office/drawing/2014/main" xmlns="" id="{CC5C8BD3-3AF1-C748-835F-F0A286C90A18}"/>
+                <a16:creationId xmlns="" xmlns:a16="http://schemas.microsoft.com/office/drawing/2014/main" id="{CC5C8BD3-3AF1-C748-835F-F0A286C90A18}"/>
               </a:ext>
             </a:extLst>
           </p:cNvPr>
@@ -7025,7 +7025,7 @@
           <p:cNvPr id="2" name="제목 1">
             <a:extLst>
               <a:ext uri="{FF2B5EF4-FFF2-40B4-BE49-F238E27FC236}">
-                <a16:creationId xmlns:a16="http://schemas.microsoft.com/office/drawing/2014/main" xmlns="" id="{117210B6-0999-9C4F-954D-22D6B30F9E70}"/>
+                <a16:creationId xmlns="" xmlns:a16="http://schemas.microsoft.com/office/drawing/2014/main" id="{117210B6-0999-9C4F-954D-22D6B30F9E70}"/>
               </a:ext>
             </a:extLst>
           </p:cNvPr>
@@ -7055,7 +7055,7 @@
           <p:cNvPr id="9" name="내용 개체 틀 8" descr="스크린샷이(가) 표시된 사진&#10;&#10;&#10;&#10;자동 생성된 설명">
             <a:extLst>
               <a:ext uri="{FF2B5EF4-FFF2-40B4-BE49-F238E27FC236}">
-                <a16:creationId xmlns:a16="http://schemas.microsoft.com/office/drawing/2014/main" xmlns="" id="{49F20AB3-A0D8-E445-957D-6C1CF569A8C4}"/>
+                <a16:creationId xmlns="" xmlns:a16="http://schemas.microsoft.com/office/drawing/2014/main" id="{49F20AB3-A0D8-E445-957D-6C1CF569A8C4}"/>
               </a:ext>
             </a:extLst>
           </p:cNvPr>
@@ -7092,7 +7092,7 @@
           <p:cNvPr id="10" name="내용 개체 틀 4" descr="스크린샷이(가) 표시된 사진&#10;&#10;&#10;&#10;자동 생성된 설명">
             <a:extLst>
               <a:ext uri="{FF2B5EF4-FFF2-40B4-BE49-F238E27FC236}">
-                <a16:creationId xmlns:a16="http://schemas.microsoft.com/office/drawing/2014/main" xmlns="" id="{8ECB2695-C803-364D-BF30-932C21F166BA}"/>
+                <a16:creationId xmlns="" xmlns:a16="http://schemas.microsoft.com/office/drawing/2014/main" id="{8ECB2695-C803-364D-BF30-932C21F166BA}"/>
               </a:ext>
             </a:extLst>
           </p:cNvPr>
@@ -7165,7 +7165,7 @@
           <p:cNvPr id="2" name="제목 1">
             <a:extLst>
               <a:ext uri="{FF2B5EF4-FFF2-40B4-BE49-F238E27FC236}">
-                <a16:creationId xmlns:a16="http://schemas.microsoft.com/office/drawing/2014/main" xmlns="" id="{117210B6-0999-9C4F-954D-22D6B30F9E70}"/>
+                <a16:creationId xmlns="" xmlns:a16="http://schemas.microsoft.com/office/drawing/2014/main" id="{117210B6-0999-9C4F-954D-22D6B30F9E70}"/>
               </a:ext>
             </a:extLst>
           </p:cNvPr>
@@ -7193,7 +7193,7 @@
           <p:cNvPr id="9" name="내용 개체 틀 8" descr="스크린샷이(가) 표시된 사진&#10;&#10;&#10;&#10;자동 생성된 설명">
             <a:extLst>
               <a:ext uri="{FF2B5EF4-FFF2-40B4-BE49-F238E27FC236}">
-                <a16:creationId xmlns:a16="http://schemas.microsoft.com/office/drawing/2014/main" xmlns="" id="{49F20AB3-A0D8-E445-957D-6C1CF569A8C4}"/>
+                <a16:creationId xmlns="" xmlns:a16="http://schemas.microsoft.com/office/drawing/2014/main" id="{49F20AB3-A0D8-E445-957D-6C1CF569A8C4}"/>
               </a:ext>
             </a:extLst>
           </p:cNvPr>
@@ -7230,7 +7230,7 @@
           <p:cNvPr id="10" name="내용 개체 틀 4" descr="스크린샷이(가) 표시된 사진&#10;&#10;&#10;&#10;자동 생성된 설명">
             <a:extLst>
               <a:ext uri="{FF2B5EF4-FFF2-40B4-BE49-F238E27FC236}">
-                <a16:creationId xmlns:a16="http://schemas.microsoft.com/office/drawing/2014/main" xmlns="" id="{8ECB2695-C803-364D-BF30-932C21F166BA}"/>
+                <a16:creationId xmlns="" xmlns:a16="http://schemas.microsoft.com/office/drawing/2014/main" id="{8ECB2695-C803-364D-BF30-932C21F166BA}"/>
               </a:ext>
             </a:extLst>
           </p:cNvPr>
@@ -7303,7 +7303,7 @@
           <p:cNvPr id="2" name="제목 1">
             <a:extLst>
               <a:ext uri="{FF2B5EF4-FFF2-40B4-BE49-F238E27FC236}">
-                <a16:creationId xmlns:a16="http://schemas.microsoft.com/office/drawing/2014/main" xmlns="" id="{117210B6-0999-9C4F-954D-22D6B30F9E70}"/>
+                <a16:creationId xmlns="" xmlns:a16="http://schemas.microsoft.com/office/drawing/2014/main" id="{117210B6-0999-9C4F-954D-22D6B30F9E70}"/>
               </a:ext>
             </a:extLst>
           </p:cNvPr>
@@ -7333,7 +7333,7 @@
           <p:cNvPr id="9" name="내용 개체 틀 8" descr="스크린샷이(가) 표시된 사진&#10;&#10;&#10;&#10;자동 생성된 설명">
             <a:extLst>
               <a:ext uri="{FF2B5EF4-FFF2-40B4-BE49-F238E27FC236}">
-                <a16:creationId xmlns:a16="http://schemas.microsoft.com/office/drawing/2014/main" xmlns="" id="{49F20AB3-A0D8-E445-957D-6C1CF569A8C4}"/>
+                <a16:creationId xmlns="" xmlns:a16="http://schemas.microsoft.com/office/drawing/2014/main" id="{49F20AB3-A0D8-E445-957D-6C1CF569A8C4}"/>
               </a:ext>
             </a:extLst>
           </p:cNvPr>
@@ -7370,7 +7370,7 @@
           <p:cNvPr id="10" name="내용 개체 틀 4" descr="스크린샷이(가) 표시된 사진&#10;&#10;&#10;&#10;자동 생성된 설명">
             <a:extLst>
               <a:ext uri="{FF2B5EF4-FFF2-40B4-BE49-F238E27FC236}">
-                <a16:creationId xmlns:a16="http://schemas.microsoft.com/office/drawing/2014/main" xmlns="" id="{8ECB2695-C803-364D-BF30-932C21F166BA}"/>
+                <a16:creationId xmlns="" xmlns:a16="http://schemas.microsoft.com/office/drawing/2014/main" id="{8ECB2695-C803-364D-BF30-932C21F166BA}"/>
               </a:ext>
             </a:extLst>
           </p:cNvPr>
@@ -7469,7 +7469,7 @@
           <p:cNvPr id="4" name="내용 개체 틀 8" descr="스크린샷이(가) 표시된 사진&#10;&#10;&#10;&#10;자동 생성된 설명">
             <a:extLst>
               <a:ext uri="{FF2B5EF4-FFF2-40B4-BE49-F238E27FC236}">
-                <a16:creationId xmlns:a16="http://schemas.microsoft.com/office/drawing/2014/main" xmlns="" id="{49F20AB3-A0D8-E445-957D-6C1CF569A8C4}"/>
+                <a16:creationId xmlns="" xmlns:a16="http://schemas.microsoft.com/office/drawing/2014/main" id="{49F20AB3-A0D8-E445-957D-6C1CF569A8C4}"/>
               </a:ext>
             </a:extLst>
           </p:cNvPr>
@@ -8134,7 +8134,7 @@
   <a:extraClrSchemeLst/>
   <a:extLst>
     <a:ext uri="{05A4C25C-085E-4340-85A3-A5531E510DB2}">
-      <thm15:themeFamily xmlns:thm15="http://schemas.microsoft.com/office/thememl/2012/main" xmlns="" name="Office Theme" id="{62F939B6-93AF-4DB8-9C6B-D6C7DFDC589F}" vid="{4A3C46E8-61CC-4603-A589-7422A47A8E4A}"/>
+      <thm15:themeFamily xmlns="" xmlns:thm15="http://schemas.microsoft.com/office/thememl/2012/main" name="Office Theme" id="{62F939B6-93AF-4DB8-9C6B-D6C7DFDC589F}" vid="{4A3C46E8-61CC-4603-A589-7422A47A8E4A}"/>
     </a:ext>
   </a:extLst>
 </a:theme>

--- a/ideatoneppt.pptx
+++ b/ideatoneppt.pptx
@@ -2,10 +2,10 @@
 <file path=ppt/presentation.xml><?xml version="1.0" encoding="utf-8"?>
 <p:presentation xmlns:a="http://schemas.openxmlformats.org/drawingml/2006/main" xmlns:r="http://schemas.openxmlformats.org/officeDocument/2006/relationships" xmlns:p="http://schemas.openxmlformats.org/presentationml/2006/main" saveSubsetFonts="1">
   <p:sldMasterIdLst>
-    <p:sldMasterId id="2147483648" r:id="rId1"/>
+    <p:sldMasterId id="2147483696" r:id="rId1"/>
   </p:sldMasterIdLst>
   <p:notesMasterIdLst>
-    <p:notesMasterId r:id="rId23"/>
+    <p:notesMasterId r:id="rId22"/>
   </p:notesMasterIdLst>
   <p:sldIdLst>
     <p:sldId id="266" r:id="rId2"/>
@@ -28,7 +28,6 @@
     <p:sldId id="284" r:id="rId19"/>
     <p:sldId id="281" r:id="rId20"/>
     <p:sldId id="263" r:id="rId21"/>
-    <p:sldId id="264" r:id="rId22"/>
   </p:sldIdLst>
   <p:sldSz cx="9144000" cy="6858000" type="screen4x3"/>
   <p:notesSz cx="6858000" cy="9144000"/>
@@ -129,7 +128,7 @@
   </p:defaultTextStyle>
   <p:extLst>
     <p:ext uri="{EFAFB233-063F-42B5-8137-9DF3F51BA10A}">
-      <p15:sldGuideLst xmlns="" xmlns:p15="http://schemas.microsoft.com/office/powerpoint/2012/main">
+      <p15:sldGuideLst xmlns:p15="http://schemas.microsoft.com/office/powerpoint/2012/main">
         <p15:guide id="1" orient="horz" pos="2160">
           <p15:clr>
             <a:srgbClr val="A4A3A4"/>
@@ -228,7 +227,7 @@
           <a:p>
             <a:fld id="{A6C8F092-C767-FC4F-B808-83A348BB618C}" type="datetimeFigureOut">
               <a:rPr kumimoji="1" lang="ko-KR" altLang="en-US" smtClean="0"/>
-              <a:t>2018-11-10</a:t>
+              <a:t>2018. 11. 10.</a:t>
             </a:fld>
             <a:endParaRPr kumimoji="1" lang="ko-KR" altLang="en-US"/>
           </a:p>
@@ -558,118 +557,6 @@
 </p:notes>
 </file>
 
-<file path=ppt/notesSlides/notesSlide10.xml><?xml version="1.0" encoding="utf-8"?>
-<p:notes xmlns:a="http://schemas.openxmlformats.org/drawingml/2006/main" xmlns:r="http://schemas.openxmlformats.org/officeDocument/2006/relationships" xmlns:p="http://schemas.openxmlformats.org/presentationml/2006/main">
-  <p:cSld>
-    <p:spTree>
-      <p:nvGrpSpPr>
-        <p:cNvPr id="1" name=""/>
-        <p:cNvGrpSpPr/>
-        <p:nvPr/>
-      </p:nvGrpSpPr>
-      <p:grpSpPr>
-        <a:xfrm>
-          <a:off x="0" y="0"/>
-          <a:ext cx="0" cy="0"/>
-          <a:chOff x="0" y="0"/>
-          <a:chExt cx="0" cy="0"/>
-        </a:xfrm>
-      </p:grpSpPr>
-      <p:sp>
-        <p:nvSpPr>
-          <p:cNvPr id="2" name="슬라이드 이미지 개체 틀 1"/>
-          <p:cNvSpPr>
-            <a:spLocks noGrp="1" noRot="1" noChangeAspect="1"/>
-          </p:cNvSpPr>
-          <p:nvPr>
-            <p:ph type="sldImg"/>
-          </p:nvPr>
-        </p:nvSpPr>
-        <p:spPr/>
-      </p:sp>
-      <p:sp>
-        <p:nvSpPr>
-          <p:cNvPr id="3" name="슬라이드 노트 개체 틀 2"/>
-          <p:cNvSpPr>
-            <a:spLocks noGrp="1"/>
-          </p:cNvSpPr>
-          <p:nvPr>
-            <p:ph type="body" idx="1"/>
-          </p:nvPr>
-        </p:nvSpPr>
-        <p:spPr/>
-        <p:txBody>
-          <a:bodyPr/>
-          <a:lstStyle/>
-          <a:p>
-            <a:r>
-              <a:rPr lang="ko-KR" altLang="en-US" dirty="0" smtClean="0"/>
-              <a:t>마스크 사용량이 증가</a:t>
-            </a:r>
-            <a:r>
-              <a:rPr lang="en-US" altLang="ko-KR" dirty="0" smtClean="0"/>
-              <a:t>,</a:t>
-            </a:r>
-            <a:r>
-              <a:rPr lang="en-US" altLang="ko-KR" baseline="0" dirty="0" smtClean="0"/>
-              <a:t> </a:t>
-            </a:r>
-            <a:r>
-              <a:rPr lang="ko-KR" altLang="en-US" baseline="0" dirty="0" smtClean="0"/>
-              <a:t>마스크 특허 출원이 증가함에 따라 기업이 저희 </a:t>
-            </a:r>
-            <a:r>
-              <a:rPr lang="ko-KR" altLang="en-US" baseline="0" dirty="0" err="1" smtClean="0"/>
-              <a:t>앱을</a:t>
-            </a:r>
-            <a:r>
-              <a:rPr lang="ko-KR" altLang="en-US" baseline="0" dirty="0" smtClean="0"/>
-              <a:t> 이용 할 것입니다</a:t>
-            </a:r>
-            <a:r>
-              <a:rPr lang="en-US" altLang="ko-KR" baseline="0" dirty="0" smtClean="0"/>
-              <a:t>.</a:t>
-            </a:r>
-            <a:endParaRPr lang="ko-KR" altLang="en-US" dirty="0"/>
-          </a:p>
-        </p:txBody>
-      </p:sp>
-      <p:sp>
-        <p:nvSpPr>
-          <p:cNvPr id="4" name="슬라이드 번호 개체 틀 3"/>
-          <p:cNvSpPr>
-            <a:spLocks noGrp="1"/>
-          </p:cNvSpPr>
-          <p:nvPr>
-            <p:ph type="sldNum" sz="quarter" idx="10"/>
-          </p:nvPr>
-        </p:nvSpPr>
-        <p:spPr/>
-        <p:txBody>
-          <a:bodyPr/>
-          <a:lstStyle/>
-          <a:p>
-            <a:fld id="{F769AE6D-0ADA-CF4D-9503-F3CACB96690B}" type="slidenum">
-              <a:rPr kumimoji="1" lang="ko-KR" altLang="en-US" smtClean="0"/>
-              <a:t>18</a:t>
-            </a:fld>
-            <a:endParaRPr kumimoji="1" lang="ko-KR" altLang="en-US"/>
-          </a:p>
-        </p:txBody>
-      </p:sp>
-    </p:spTree>
-    <p:extLst>
-      <p:ext uri="{BB962C8B-B14F-4D97-AF65-F5344CB8AC3E}">
-        <p14:creationId xmlns:p14="http://schemas.microsoft.com/office/powerpoint/2010/main" val="2548379551"/>
-      </p:ext>
-    </p:extLst>
-  </p:cSld>
-  <p:clrMapOvr>
-    <a:masterClrMapping/>
-  </p:clrMapOvr>
-</p:notes>
-</file>
-
 <file path=ppt/notesSlides/notesSlide2.xml><?xml version="1.0" encoding="utf-8"?>
 <p:notes xmlns:a="http://schemas.openxmlformats.org/drawingml/2006/main" xmlns:r="http://schemas.openxmlformats.org/officeDocument/2006/relationships" xmlns:p="http://schemas.openxmlformats.org/presentationml/2006/main">
   <p:cSld>
@@ -1287,21 +1174,21 @@
           <a:lstStyle/>
           <a:p>
             <a:r>
-              <a:rPr kumimoji="1" lang="ko-KR" altLang="en-US" dirty="0" smtClean="0"/>
+              <a:rPr kumimoji="1" lang="ko-KR" altLang="en-US" dirty="0"/>
               <a:t>가입 후 첫 구매 시 실내에서도 청결하게 마스크를 보관할 수 있도록 마스크 케이스를 지급합니다</a:t>
             </a:r>
             <a:r>
-              <a:rPr kumimoji="1" lang="en-US" altLang="ko-KR" dirty="0" smtClean="0"/>
+              <a:rPr kumimoji="1" lang="en-US" altLang="ko-KR" dirty="0"/>
               <a:t>.</a:t>
             </a:r>
           </a:p>
           <a:p>
             <a:r>
-              <a:rPr kumimoji="1" lang="ko-KR" altLang="en-US" dirty="0" smtClean="0"/>
+              <a:rPr kumimoji="1" lang="ko-KR" altLang="en-US" dirty="0"/>
               <a:t>연속 구매 기간으로 사용자의 등급을 정하여 기업에서 지원받은 사은품을 제공함으로써 소비자의 가격부담을 줄일 수 있습니다</a:t>
             </a:r>
             <a:r>
-              <a:rPr kumimoji="1" lang="en-US" altLang="ko-KR" smtClean="0"/>
+              <a:rPr kumimoji="1" lang="en-US" altLang="ko-KR"/>
               <a:t>.</a:t>
             </a:r>
             <a:endParaRPr kumimoji="1" lang="en-US" altLang="ko-KR" dirty="0"/>
@@ -1497,8 +1384,21 @@
           <a:p>
             <a:r>
               <a:rPr kumimoji="1" lang="ko-KR" altLang="en-US" dirty="0"/>
-              <a:t>마스크 사용량이 증가하는 그래프를 보여주고 우리 앱의 사용률도 같이 증가할 것이라고 예상</a:t>
-            </a:r>
+              <a:t>마스크 사용량이 증가</a:t>
+            </a:r>
+            <a:r>
+              <a:rPr kumimoji="1" lang="en-US" altLang="ko-KR" dirty="0"/>
+              <a:t>, </a:t>
+            </a:r>
+            <a:r>
+              <a:rPr kumimoji="1" lang="ko-KR" altLang="en-US" dirty="0"/>
+              <a:t>마스크 특허 출원이 증가함에 따라 기업이 저희 앱을 이용 할 것입니다</a:t>
+            </a:r>
+            <a:r>
+              <a:rPr kumimoji="1" lang="en-US" altLang="ko-KR" dirty="0"/>
+              <a:t>.</a:t>
+            </a:r>
+            <a:endParaRPr kumimoji="1" lang="ko-KR" altLang="en-US" dirty="0"/>
           </a:p>
         </p:txBody>
       </p:sp>
@@ -1557,7 +1457,13 @@
       </p:grpSpPr>
       <p:sp>
         <p:nvSpPr>
-          <p:cNvPr id="2" name="제목 1"/>
+          <p:cNvPr id="2" name="제목 1">
+            <a:extLst>
+              <a:ext uri="{FF2B5EF4-FFF2-40B4-BE49-F238E27FC236}">
+                <a16:creationId xmlns:a16="http://schemas.microsoft.com/office/drawing/2014/main" id="{39A6F674-6C29-9E44-BEED-81FDCCEA6F67}"/>
+              </a:ext>
+            </a:extLst>
+          </p:cNvPr>
           <p:cNvSpPr>
             <a:spLocks noGrp="1"/>
           </p:cNvSpPr>
@@ -1567,16 +1473,20 @@
         </p:nvSpPr>
         <p:spPr>
           <a:xfrm>
-            <a:off x="685800" y="2130425"/>
-            <a:ext cx="7772400" cy="1470025"/>
+            <a:off x="1143000" y="1122363"/>
+            <a:ext cx="6858000" cy="2387600"/>
           </a:xfrm>
         </p:spPr>
         <p:txBody>
-          <a:bodyPr/>
-          <a:lstStyle/>
-          <a:p>
-            <a:r>
-              <a:rPr lang="ko-KR" altLang="en-US"/>
+          <a:bodyPr anchor="b"/>
+          <a:lstStyle>
+            <a:lvl1pPr algn="ctr">
+              <a:defRPr sz="4500"/>
+            </a:lvl1pPr>
+          </a:lstStyle>
+          <a:p>
+            <a:r>
+              <a:rPr kumimoji="1" lang="ko-KR" altLang="en-US"/>
               <a:t>마스터 제목 스타일 편집</a:t>
             </a:r>
           </a:p>
@@ -1584,7 +1494,13 @@
       </p:sp>
       <p:sp>
         <p:nvSpPr>
-          <p:cNvPr id="3" name="부제목 2"/>
+          <p:cNvPr id="3" name="부제목 2">
+            <a:extLst>
+              <a:ext uri="{FF2B5EF4-FFF2-40B4-BE49-F238E27FC236}">
+                <a16:creationId xmlns:a16="http://schemas.microsoft.com/office/drawing/2014/main" id="{15536E85-C269-ED46-89B4-48195AE6C84D}"/>
+              </a:ext>
+            </a:extLst>
+          </p:cNvPr>
           <p:cNvSpPr>
             <a:spLocks noGrp="1"/>
           </p:cNvSpPr>
@@ -1594,8 +1510,8 @@
         </p:nvSpPr>
         <p:spPr>
           <a:xfrm>
-            <a:off x="1371600" y="3886200"/>
-            <a:ext cx="6400800" cy="1752600"/>
+            <a:off x="1143000" y="3602038"/>
+            <a:ext cx="6858000" cy="1655762"/>
           </a:xfrm>
         </p:spPr>
         <p:txBody>
@@ -1603,106 +1519,58 @@
           <a:lstStyle>
             <a:lvl1pPr marL="0" indent="0" algn="ctr">
               <a:buNone/>
-              <a:defRPr>
-                <a:solidFill>
-                  <a:schemeClr val="tx1">
-                    <a:tint val="75000"/>
-                  </a:schemeClr>
-                </a:solidFill>
-              </a:defRPr>
+              <a:defRPr sz="1800"/>
             </a:lvl1pPr>
-            <a:lvl2pPr marL="457200" indent="0" algn="ctr">
+            <a:lvl2pPr marL="342900" indent="0" algn="ctr">
               <a:buNone/>
-              <a:defRPr>
-                <a:solidFill>
-                  <a:schemeClr val="tx1">
-                    <a:tint val="75000"/>
-                  </a:schemeClr>
-                </a:solidFill>
-              </a:defRPr>
+              <a:defRPr sz="1500"/>
             </a:lvl2pPr>
-            <a:lvl3pPr marL="914400" indent="0" algn="ctr">
+            <a:lvl3pPr marL="685800" indent="0" algn="ctr">
               <a:buNone/>
-              <a:defRPr>
-                <a:solidFill>
-                  <a:schemeClr val="tx1">
-                    <a:tint val="75000"/>
-                  </a:schemeClr>
-                </a:solidFill>
-              </a:defRPr>
+              <a:defRPr sz="1350"/>
             </a:lvl3pPr>
-            <a:lvl4pPr marL="1371600" indent="0" algn="ctr">
+            <a:lvl4pPr marL="1028700" indent="0" algn="ctr">
               <a:buNone/>
-              <a:defRPr>
-                <a:solidFill>
-                  <a:schemeClr val="tx1">
-                    <a:tint val="75000"/>
-                  </a:schemeClr>
-                </a:solidFill>
-              </a:defRPr>
+              <a:defRPr sz="1200"/>
             </a:lvl4pPr>
-            <a:lvl5pPr marL="1828800" indent="0" algn="ctr">
+            <a:lvl5pPr marL="1371600" indent="0" algn="ctr">
               <a:buNone/>
-              <a:defRPr>
-                <a:solidFill>
-                  <a:schemeClr val="tx1">
-                    <a:tint val="75000"/>
-                  </a:schemeClr>
-                </a:solidFill>
-              </a:defRPr>
+              <a:defRPr sz="1200"/>
             </a:lvl5pPr>
-            <a:lvl6pPr marL="2286000" indent="0" algn="ctr">
+            <a:lvl6pPr marL="1714500" indent="0" algn="ctr">
               <a:buNone/>
-              <a:defRPr>
-                <a:solidFill>
-                  <a:schemeClr val="tx1">
-                    <a:tint val="75000"/>
-                  </a:schemeClr>
-                </a:solidFill>
-              </a:defRPr>
+              <a:defRPr sz="1200"/>
             </a:lvl6pPr>
-            <a:lvl7pPr marL="2743200" indent="0" algn="ctr">
+            <a:lvl7pPr marL="2057400" indent="0" algn="ctr">
               <a:buNone/>
-              <a:defRPr>
-                <a:solidFill>
-                  <a:schemeClr val="tx1">
-                    <a:tint val="75000"/>
-                  </a:schemeClr>
-                </a:solidFill>
-              </a:defRPr>
+              <a:defRPr sz="1200"/>
             </a:lvl7pPr>
-            <a:lvl8pPr marL="3200400" indent="0" algn="ctr">
+            <a:lvl8pPr marL="2400300" indent="0" algn="ctr">
               <a:buNone/>
-              <a:defRPr>
-                <a:solidFill>
-                  <a:schemeClr val="tx1">
-                    <a:tint val="75000"/>
-                  </a:schemeClr>
-                </a:solidFill>
-              </a:defRPr>
+              <a:defRPr sz="1200"/>
             </a:lvl8pPr>
-            <a:lvl9pPr marL="3657600" indent="0" algn="ctr">
+            <a:lvl9pPr marL="2743200" indent="0" algn="ctr">
               <a:buNone/>
-              <a:defRPr>
-                <a:solidFill>
-                  <a:schemeClr val="tx1">
-                    <a:tint val="75000"/>
-                  </a:schemeClr>
-                </a:solidFill>
-              </a:defRPr>
+              <a:defRPr sz="1200"/>
             </a:lvl9pPr>
           </a:lstStyle>
           <a:p>
             <a:r>
-              <a:rPr lang="ko-KR" altLang="en-US"/>
-              <a:t>마스터 부제목 스타일 편집</a:t>
-            </a:r>
-          </a:p>
-        </p:txBody>
-      </p:sp>
-      <p:sp>
-        <p:nvSpPr>
-          <p:cNvPr id="4" name="날짜 개체 틀 3"/>
+              <a:rPr kumimoji="1" lang="ko-KR" altLang="en-US"/>
+              <a:t>클릭하여 마스터 부제목 스타일 편집</a:t>
+            </a:r>
+          </a:p>
+        </p:txBody>
+      </p:sp>
+      <p:sp>
+        <p:nvSpPr>
+          <p:cNvPr id="4" name="날짜 개체 틀 3">
+            <a:extLst>
+              <a:ext uri="{FF2B5EF4-FFF2-40B4-BE49-F238E27FC236}">
+                <a16:creationId xmlns:a16="http://schemas.microsoft.com/office/drawing/2014/main" id="{0D6C0EAC-CF16-8644-AC9D-934061FB59D1}"/>
+              </a:ext>
+            </a:extLst>
+          </p:cNvPr>
           <p:cNvSpPr>
             <a:spLocks noGrp="1"/>
           </p:cNvSpPr>
@@ -1717,7 +1585,7 @@
           <a:p>
             <a:fld id="{8E20E162-3880-4AB0-B825-B924C8552DF4}" type="datetimeFigureOut">
               <a:rPr lang="ko-KR" altLang="en-US" smtClean="0"/>
-              <a:t>2018-11-10</a:t>
+              <a:t>2018. 11. 10.</a:t>
             </a:fld>
             <a:endParaRPr lang="ko-KR" altLang="en-US"/>
           </a:p>
@@ -1725,7 +1593,13 @@
       </p:sp>
       <p:sp>
         <p:nvSpPr>
-          <p:cNvPr id="5" name="바닥글 개체 틀 4"/>
+          <p:cNvPr id="5" name="바닥글 개체 틀 4">
+            <a:extLst>
+              <a:ext uri="{FF2B5EF4-FFF2-40B4-BE49-F238E27FC236}">
+                <a16:creationId xmlns:a16="http://schemas.microsoft.com/office/drawing/2014/main" id="{776126CF-7E0A-014E-A8DC-0EB3C384EAD7}"/>
+              </a:ext>
+            </a:extLst>
+          </p:cNvPr>
           <p:cNvSpPr>
             <a:spLocks noGrp="1"/>
           </p:cNvSpPr>
@@ -1744,7 +1618,13 @@
       </p:sp>
       <p:sp>
         <p:nvSpPr>
-          <p:cNvPr id="6" name="슬라이드 번호 개체 틀 5"/>
+          <p:cNvPr id="6" name="슬라이드 번호 개체 틀 5">
+            <a:extLst>
+              <a:ext uri="{FF2B5EF4-FFF2-40B4-BE49-F238E27FC236}">
+                <a16:creationId xmlns:a16="http://schemas.microsoft.com/office/drawing/2014/main" id="{BCC1EA82-8BE9-6146-8FA8-B0205215DB15}"/>
+              </a:ext>
+            </a:extLst>
+          </p:cNvPr>
           <p:cNvSpPr>
             <a:spLocks noGrp="1"/>
           </p:cNvSpPr>
@@ -1768,7 +1648,7 @@
     </p:spTree>
     <p:extLst>
       <p:ext uri="{BB962C8B-B14F-4D97-AF65-F5344CB8AC3E}">
-        <p14:creationId xmlns:p14="http://schemas.microsoft.com/office/powerpoint/2010/main" val="1262415462"/>
+        <p14:creationId xmlns:p14="http://schemas.microsoft.com/office/powerpoint/2010/main" val="2416983822"/>
       </p:ext>
     </p:extLst>
   </p:cSld>
@@ -1797,7 +1677,13 @@
       </p:grpSpPr>
       <p:sp>
         <p:nvSpPr>
-          <p:cNvPr id="2" name="제목 1"/>
+          <p:cNvPr id="2" name="제목 1">
+            <a:extLst>
+              <a:ext uri="{FF2B5EF4-FFF2-40B4-BE49-F238E27FC236}">
+                <a16:creationId xmlns:a16="http://schemas.microsoft.com/office/drawing/2014/main" id="{81AF4CF2-F5F2-D749-8162-8EB0D821014D}"/>
+              </a:ext>
+            </a:extLst>
+          </p:cNvPr>
           <p:cNvSpPr>
             <a:spLocks noGrp="1"/>
           </p:cNvSpPr>
@@ -1811,7 +1697,7 @@
           <a:lstStyle/>
           <a:p>
             <a:r>
-              <a:rPr lang="ko-KR" altLang="en-US"/>
+              <a:rPr kumimoji="1" lang="ko-KR" altLang="en-US"/>
               <a:t>마스터 제목 스타일 편집</a:t>
             </a:r>
           </a:p>
@@ -1819,7 +1705,13 @@
       </p:sp>
       <p:sp>
         <p:nvSpPr>
-          <p:cNvPr id="3" name="세로 텍스트 개체 틀 2"/>
+          <p:cNvPr id="3" name="세로 텍스트 개체 틀 2">
+            <a:extLst>
+              <a:ext uri="{FF2B5EF4-FFF2-40B4-BE49-F238E27FC236}">
+                <a16:creationId xmlns:a16="http://schemas.microsoft.com/office/drawing/2014/main" id="{4A640FBC-752C-4649-88C4-33A36F4C4620}"/>
+              </a:ext>
+            </a:extLst>
+          </p:cNvPr>
           <p:cNvSpPr>
             <a:spLocks noGrp="1"/>
           </p:cNvSpPr>
@@ -1832,45 +1724,26 @@
           <a:bodyPr vert="eaVert"/>
           <a:lstStyle/>
           <a:p>
-            <a:pPr lvl="0"/>
-            <a:r>
-              <a:rPr lang="ko-KR" altLang="en-US"/>
-              <a:t>마스터 텍스트 스타일을 편집합니다</a:t>
-            </a:r>
-          </a:p>
-          <a:p>
-            <a:pPr lvl="1"/>
-            <a:r>
-              <a:rPr lang="ko-KR" altLang="en-US"/>
-              <a:t>둘째 수준</a:t>
-            </a:r>
-          </a:p>
-          <a:p>
-            <a:pPr lvl="2"/>
-            <a:r>
-              <a:rPr lang="ko-KR" altLang="en-US"/>
-              <a:t>셋째 수준</a:t>
-            </a:r>
-          </a:p>
-          <a:p>
-            <a:pPr lvl="3"/>
-            <a:r>
-              <a:rPr lang="ko-KR" altLang="en-US"/>
-              <a:t>넷째 수준</a:t>
-            </a:r>
-          </a:p>
-          <a:p>
-            <a:pPr lvl="4"/>
-            <a:r>
-              <a:rPr lang="ko-KR" altLang="en-US"/>
-              <a:t>다섯째 수준</a:t>
-            </a:r>
-          </a:p>
-        </p:txBody>
-      </p:sp>
-      <p:sp>
-        <p:nvSpPr>
-          <p:cNvPr id="4" name="날짜 개체 틀 3"/>
+            <a:r>
+              <a:rPr kumimoji="1" lang="ko-KR" altLang="en-US"/>
+              <a:t>마스터 텍스트 스타일 편집
+둘째 수준
+셋째 수준
+넷째 수준
+다섯째 수준</a:t>
+            </a:r>
+          </a:p>
+        </p:txBody>
+      </p:sp>
+      <p:sp>
+        <p:nvSpPr>
+          <p:cNvPr id="4" name="날짜 개체 틀 3">
+            <a:extLst>
+              <a:ext uri="{FF2B5EF4-FFF2-40B4-BE49-F238E27FC236}">
+                <a16:creationId xmlns:a16="http://schemas.microsoft.com/office/drawing/2014/main" id="{8CD4184B-A597-F948-93FE-64A91FFB9F58}"/>
+              </a:ext>
+            </a:extLst>
+          </p:cNvPr>
           <p:cNvSpPr>
             <a:spLocks noGrp="1"/>
           </p:cNvSpPr>
@@ -1885,7 +1758,7 @@
           <a:p>
             <a:fld id="{8E20E162-3880-4AB0-B825-B924C8552DF4}" type="datetimeFigureOut">
               <a:rPr lang="ko-KR" altLang="en-US" smtClean="0"/>
-              <a:t>2018-11-10</a:t>
+              <a:t>2018. 11. 10.</a:t>
             </a:fld>
             <a:endParaRPr lang="ko-KR" altLang="en-US"/>
           </a:p>
@@ -1893,7 +1766,13 @@
       </p:sp>
       <p:sp>
         <p:nvSpPr>
-          <p:cNvPr id="5" name="바닥글 개체 틀 4"/>
+          <p:cNvPr id="5" name="바닥글 개체 틀 4">
+            <a:extLst>
+              <a:ext uri="{FF2B5EF4-FFF2-40B4-BE49-F238E27FC236}">
+                <a16:creationId xmlns:a16="http://schemas.microsoft.com/office/drawing/2014/main" id="{9EE85462-FB9B-2F4F-9031-33948E47952C}"/>
+              </a:ext>
+            </a:extLst>
+          </p:cNvPr>
           <p:cNvSpPr>
             <a:spLocks noGrp="1"/>
           </p:cNvSpPr>
@@ -1912,7 +1791,13 @@
       </p:sp>
       <p:sp>
         <p:nvSpPr>
-          <p:cNvPr id="6" name="슬라이드 번호 개체 틀 5"/>
+          <p:cNvPr id="6" name="슬라이드 번호 개체 틀 5">
+            <a:extLst>
+              <a:ext uri="{FF2B5EF4-FFF2-40B4-BE49-F238E27FC236}">
+                <a16:creationId xmlns:a16="http://schemas.microsoft.com/office/drawing/2014/main" id="{589EFE2C-704F-3B4A-AB21-67B2BA0F4088}"/>
+              </a:ext>
+            </a:extLst>
+          </p:cNvPr>
           <p:cNvSpPr>
             <a:spLocks noGrp="1"/>
           </p:cNvSpPr>
@@ -1936,7 +1821,7 @@
     </p:spTree>
     <p:extLst>
       <p:ext uri="{BB962C8B-B14F-4D97-AF65-F5344CB8AC3E}">
-        <p14:creationId xmlns:p14="http://schemas.microsoft.com/office/powerpoint/2010/main" val="1782662461"/>
+        <p14:creationId xmlns:p14="http://schemas.microsoft.com/office/powerpoint/2010/main" val="3309411102"/>
       </p:ext>
     </p:extLst>
   </p:cSld>
@@ -1965,7 +1850,13 @@
       </p:grpSpPr>
       <p:sp>
         <p:nvSpPr>
-          <p:cNvPr id="2" name="세로 제목 1"/>
+          <p:cNvPr id="2" name="세로 제목 1">
+            <a:extLst>
+              <a:ext uri="{FF2B5EF4-FFF2-40B4-BE49-F238E27FC236}">
+                <a16:creationId xmlns:a16="http://schemas.microsoft.com/office/drawing/2014/main" id="{DE9085BD-E867-3E41-8138-ED01A7AF30D8}"/>
+              </a:ext>
+            </a:extLst>
+          </p:cNvPr>
           <p:cNvSpPr>
             <a:spLocks noGrp="1"/>
           </p:cNvSpPr>
@@ -1975,8 +1866,8 @@
         </p:nvSpPr>
         <p:spPr>
           <a:xfrm>
-            <a:off x="6629400" y="274638"/>
-            <a:ext cx="2057400" cy="5851525"/>
+            <a:off x="6543675" y="365125"/>
+            <a:ext cx="1971675" cy="5811838"/>
           </a:xfrm>
         </p:spPr>
         <p:txBody>
@@ -1984,7 +1875,7 @@
           <a:lstStyle/>
           <a:p>
             <a:r>
-              <a:rPr lang="ko-KR" altLang="en-US"/>
+              <a:rPr kumimoji="1" lang="ko-KR" altLang="en-US"/>
               <a:t>마스터 제목 스타일 편집</a:t>
             </a:r>
           </a:p>
@@ -1992,7 +1883,13 @@
       </p:sp>
       <p:sp>
         <p:nvSpPr>
-          <p:cNvPr id="3" name="세로 텍스트 개체 틀 2"/>
+          <p:cNvPr id="3" name="세로 텍스트 개체 틀 2">
+            <a:extLst>
+              <a:ext uri="{FF2B5EF4-FFF2-40B4-BE49-F238E27FC236}">
+                <a16:creationId xmlns:a16="http://schemas.microsoft.com/office/drawing/2014/main" id="{876E0575-C488-F041-83C6-D4D149BD78B3}"/>
+              </a:ext>
+            </a:extLst>
+          </p:cNvPr>
           <p:cNvSpPr>
             <a:spLocks noGrp="1"/>
           </p:cNvSpPr>
@@ -2002,53 +1899,34 @@
         </p:nvSpPr>
         <p:spPr>
           <a:xfrm>
-            <a:off x="457200" y="274638"/>
-            <a:ext cx="6019800" cy="5851525"/>
+            <a:off x="628650" y="365125"/>
+            <a:ext cx="5800725" cy="5811838"/>
           </a:xfrm>
         </p:spPr>
         <p:txBody>
           <a:bodyPr vert="eaVert"/>
           <a:lstStyle/>
           <a:p>
-            <a:pPr lvl="0"/>
-            <a:r>
-              <a:rPr lang="ko-KR" altLang="en-US"/>
-              <a:t>마스터 텍스트 스타일을 편집합니다</a:t>
-            </a:r>
-          </a:p>
-          <a:p>
-            <a:pPr lvl="1"/>
-            <a:r>
-              <a:rPr lang="ko-KR" altLang="en-US"/>
-              <a:t>둘째 수준</a:t>
-            </a:r>
-          </a:p>
-          <a:p>
-            <a:pPr lvl="2"/>
-            <a:r>
-              <a:rPr lang="ko-KR" altLang="en-US"/>
-              <a:t>셋째 수준</a:t>
-            </a:r>
-          </a:p>
-          <a:p>
-            <a:pPr lvl="3"/>
-            <a:r>
-              <a:rPr lang="ko-KR" altLang="en-US"/>
-              <a:t>넷째 수준</a:t>
-            </a:r>
-          </a:p>
-          <a:p>
-            <a:pPr lvl="4"/>
-            <a:r>
-              <a:rPr lang="ko-KR" altLang="en-US"/>
-              <a:t>다섯째 수준</a:t>
-            </a:r>
-          </a:p>
-        </p:txBody>
-      </p:sp>
-      <p:sp>
-        <p:nvSpPr>
-          <p:cNvPr id="4" name="날짜 개체 틀 3"/>
+            <a:r>
+              <a:rPr kumimoji="1" lang="ko-KR" altLang="en-US"/>
+              <a:t>마스터 텍스트 스타일 편집
+둘째 수준
+셋째 수준
+넷째 수준
+다섯째 수준</a:t>
+            </a:r>
+          </a:p>
+        </p:txBody>
+      </p:sp>
+      <p:sp>
+        <p:nvSpPr>
+          <p:cNvPr id="4" name="날짜 개체 틀 3">
+            <a:extLst>
+              <a:ext uri="{FF2B5EF4-FFF2-40B4-BE49-F238E27FC236}">
+                <a16:creationId xmlns:a16="http://schemas.microsoft.com/office/drawing/2014/main" id="{6B718A11-DD2B-824B-8D32-D2A4D811CDA5}"/>
+              </a:ext>
+            </a:extLst>
+          </p:cNvPr>
           <p:cNvSpPr>
             <a:spLocks noGrp="1"/>
           </p:cNvSpPr>
@@ -2063,7 +1941,7 @@
           <a:p>
             <a:fld id="{8E20E162-3880-4AB0-B825-B924C8552DF4}" type="datetimeFigureOut">
               <a:rPr lang="ko-KR" altLang="en-US" smtClean="0"/>
-              <a:t>2018-11-10</a:t>
+              <a:t>2018. 11. 10.</a:t>
             </a:fld>
             <a:endParaRPr lang="ko-KR" altLang="en-US"/>
           </a:p>
@@ -2071,7 +1949,13 @@
       </p:sp>
       <p:sp>
         <p:nvSpPr>
-          <p:cNvPr id="5" name="바닥글 개체 틀 4"/>
+          <p:cNvPr id="5" name="바닥글 개체 틀 4">
+            <a:extLst>
+              <a:ext uri="{FF2B5EF4-FFF2-40B4-BE49-F238E27FC236}">
+                <a16:creationId xmlns:a16="http://schemas.microsoft.com/office/drawing/2014/main" id="{B94230E2-8FE4-9944-869D-ED6FADEF6B13}"/>
+              </a:ext>
+            </a:extLst>
+          </p:cNvPr>
           <p:cNvSpPr>
             <a:spLocks noGrp="1"/>
           </p:cNvSpPr>
@@ -2090,7 +1974,13 @@
       </p:sp>
       <p:sp>
         <p:nvSpPr>
-          <p:cNvPr id="6" name="슬라이드 번호 개체 틀 5"/>
+          <p:cNvPr id="6" name="슬라이드 번호 개체 틀 5">
+            <a:extLst>
+              <a:ext uri="{FF2B5EF4-FFF2-40B4-BE49-F238E27FC236}">
+                <a16:creationId xmlns:a16="http://schemas.microsoft.com/office/drawing/2014/main" id="{60B00DAA-B8BE-E447-82B9-BF7767BB61A1}"/>
+              </a:ext>
+            </a:extLst>
+          </p:cNvPr>
           <p:cNvSpPr>
             <a:spLocks noGrp="1"/>
           </p:cNvSpPr>
@@ -2114,7 +2004,7 @@
     </p:spTree>
     <p:extLst>
       <p:ext uri="{BB962C8B-B14F-4D97-AF65-F5344CB8AC3E}">
-        <p14:creationId xmlns:p14="http://schemas.microsoft.com/office/powerpoint/2010/main" val="2525651505"/>
+        <p14:creationId xmlns:p14="http://schemas.microsoft.com/office/powerpoint/2010/main" val="1647420030"/>
       </p:ext>
     </p:extLst>
   </p:cSld>
@@ -2143,7 +2033,13 @@
       </p:grpSpPr>
       <p:sp>
         <p:nvSpPr>
-          <p:cNvPr id="2" name="제목 1"/>
+          <p:cNvPr id="2" name="제목 1">
+            <a:extLst>
+              <a:ext uri="{FF2B5EF4-FFF2-40B4-BE49-F238E27FC236}">
+                <a16:creationId xmlns:a16="http://schemas.microsoft.com/office/drawing/2014/main" id="{D0D0597C-5199-6545-B3FA-EBC5EC29DCD5}"/>
+              </a:ext>
+            </a:extLst>
+          </p:cNvPr>
           <p:cNvSpPr>
             <a:spLocks noGrp="1"/>
           </p:cNvSpPr>
@@ -2157,7 +2053,7 @@
           <a:lstStyle/>
           <a:p>
             <a:r>
-              <a:rPr lang="ko-KR" altLang="en-US"/>
+              <a:rPr kumimoji="1" lang="ko-KR" altLang="en-US"/>
               <a:t>마스터 제목 스타일 편집</a:t>
             </a:r>
           </a:p>
@@ -2165,7 +2061,13 @@
       </p:sp>
       <p:sp>
         <p:nvSpPr>
-          <p:cNvPr id="3" name="내용 개체 틀 2"/>
+          <p:cNvPr id="3" name="내용 개체 틀 2">
+            <a:extLst>
+              <a:ext uri="{FF2B5EF4-FFF2-40B4-BE49-F238E27FC236}">
+                <a16:creationId xmlns:a16="http://schemas.microsoft.com/office/drawing/2014/main" id="{51FCD8ED-88BA-4640-B85B-05E185B3A4A4}"/>
+              </a:ext>
+            </a:extLst>
+          </p:cNvPr>
           <p:cNvSpPr>
             <a:spLocks noGrp="1"/>
           </p:cNvSpPr>
@@ -2178,45 +2080,26 @@
           <a:bodyPr/>
           <a:lstStyle/>
           <a:p>
-            <a:pPr lvl="0"/>
-            <a:r>
-              <a:rPr lang="ko-KR" altLang="en-US"/>
-              <a:t>마스터 텍스트 스타일을 편집합니다</a:t>
-            </a:r>
-          </a:p>
-          <a:p>
-            <a:pPr lvl="1"/>
-            <a:r>
-              <a:rPr lang="ko-KR" altLang="en-US"/>
-              <a:t>둘째 수준</a:t>
-            </a:r>
-          </a:p>
-          <a:p>
-            <a:pPr lvl="2"/>
-            <a:r>
-              <a:rPr lang="ko-KR" altLang="en-US"/>
-              <a:t>셋째 수준</a:t>
-            </a:r>
-          </a:p>
-          <a:p>
-            <a:pPr lvl="3"/>
-            <a:r>
-              <a:rPr lang="ko-KR" altLang="en-US"/>
-              <a:t>넷째 수준</a:t>
-            </a:r>
-          </a:p>
-          <a:p>
-            <a:pPr lvl="4"/>
-            <a:r>
-              <a:rPr lang="ko-KR" altLang="en-US"/>
-              <a:t>다섯째 수준</a:t>
-            </a:r>
-          </a:p>
-        </p:txBody>
-      </p:sp>
-      <p:sp>
-        <p:nvSpPr>
-          <p:cNvPr id="4" name="날짜 개체 틀 3"/>
+            <a:r>
+              <a:rPr kumimoji="1" lang="ko-KR" altLang="en-US"/>
+              <a:t>마스터 텍스트 스타일 편집
+둘째 수준
+셋째 수준
+넷째 수준
+다섯째 수준</a:t>
+            </a:r>
+          </a:p>
+        </p:txBody>
+      </p:sp>
+      <p:sp>
+        <p:nvSpPr>
+          <p:cNvPr id="4" name="날짜 개체 틀 3">
+            <a:extLst>
+              <a:ext uri="{FF2B5EF4-FFF2-40B4-BE49-F238E27FC236}">
+                <a16:creationId xmlns:a16="http://schemas.microsoft.com/office/drawing/2014/main" id="{8D257B8F-33E4-664D-A59A-E3BC7D00B72C}"/>
+              </a:ext>
+            </a:extLst>
+          </p:cNvPr>
           <p:cNvSpPr>
             <a:spLocks noGrp="1"/>
           </p:cNvSpPr>
@@ -2231,7 +2114,7 @@
           <a:p>
             <a:fld id="{8E20E162-3880-4AB0-B825-B924C8552DF4}" type="datetimeFigureOut">
               <a:rPr lang="ko-KR" altLang="en-US" smtClean="0"/>
-              <a:t>2018-11-10</a:t>
+              <a:t>2018. 11. 10.</a:t>
             </a:fld>
             <a:endParaRPr lang="ko-KR" altLang="en-US"/>
           </a:p>
@@ -2239,7 +2122,13 @@
       </p:sp>
       <p:sp>
         <p:nvSpPr>
-          <p:cNvPr id="5" name="바닥글 개체 틀 4"/>
+          <p:cNvPr id="5" name="바닥글 개체 틀 4">
+            <a:extLst>
+              <a:ext uri="{FF2B5EF4-FFF2-40B4-BE49-F238E27FC236}">
+                <a16:creationId xmlns:a16="http://schemas.microsoft.com/office/drawing/2014/main" id="{43F282F2-CEF7-474B-9C52-41BAF9860D34}"/>
+              </a:ext>
+            </a:extLst>
+          </p:cNvPr>
           <p:cNvSpPr>
             <a:spLocks noGrp="1"/>
           </p:cNvSpPr>
@@ -2258,7 +2147,13 @@
       </p:sp>
       <p:sp>
         <p:nvSpPr>
-          <p:cNvPr id="6" name="슬라이드 번호 개체 틀 5"/>
+          <p:cNvPr id="6" name="슬라이드 번호 개체 틀 5">
+            <a:extLst>
+              <a:ext uri="{FF2B5EF4-FFF2-40B4-BE49-F238E27FC236}">
+                <a16:creationId xmlns:a16="http://schemas.microsoft.com/office/drawing/2014/main" id="{5FB01995-3E90-F844-AC37-5E23B0165169}"/>
+              </a:ext>
+            </a:extLst>
+          </p:cNvPr>
           <p:cNvSpPr>
             <a:spLocks noGrp="1"/>
           </p:cNvSpPr>
@@ -2282,7 +2177,7 @@
     </p:spTree>
     <p:extLst>
       <p:ext uri="{BB962C8B-B14F-4D97-AF65-F5344CB8AC3E}">
-        <p14:creationId xmlns:p14="http://schemas.microsoft.com/office/powerpoint/2010/main" val="1385824956"/>
+        <p14:creationId xmlns:p14="http://schemas.microsoft.com/office/powerpoint/2010/main" val="1047041601"/>
       </p:ext>
     </p:extLst>
   </p:cSld>
@@ -2311,7 +2206,13 @@
       </p:grpSpPr>
       <p:sp>
         <p:nvSpPr>
-          <p:cNvPr id="2" name="제목 1"/>
+          <p:cNvPr id="2" name="제목 1">
+            <a:extLst>
+              <a:ext uri="{FF2B5EF4-FFF2-40B4-BE49-F238E27FC236}">
+                <a16:creationId xmlns:a16="http://schemas.microsoft.com/office/drawing/2014/main" id="{2D9FE927-7267-AA4B-8CE1-DF535FA7673E}"/>
+              </a:ext>
+            </a:extLst>
+          </p:cNvPr>
           <p:cNvSpPr>
             <a:spLocks noGrp="1"/>
           </p:cNvSpPr>
@@ -2321,20 +2222,20 @@
         </p:nvSpPr>
         <p:spPr>
           <a:xfrm>
-            <a:off x="722313" y="4406900"/>
-            <a:ext cx="7772400" cy="1362075"/>
+            <a:off x="623888" y="1709739"/>
+            <a:ext cx="7886700" cy="2852737"/>
           </a:xfrm>
         </p:spPr>
         <p:txBody>
-          <a:bodyPr anchor="t"/>
+          <a:bodyPr anchor="b"/>
           <a:lstStyle>
-            <a:lvl1pPr algn="l">
-              <a:defRPr sz="4000" b="1" cap="all"/>
+            <a:lvl1pPr>
+              <a:defRPr sz="4500"/>
             </a:lvl1pPr>
           </a:lstStyle>
           <a:p>
             <a:r>
-              <a:rPr lang="ko-KR" altLang="en-US"/>
+              <a:rPr kumimoji="1" lang="ko-KR" altLang="en-US"/>
               <a:t>마스터 제목 스타일 편집</a:t>
             </a:r>
           </a:p>
@@ -2342,7 +2243,13 @@
       </p:sp>
       <p:sp>
         <p:nvSpPr>
-          <p:cNvPr id="3" name="텍스트 개체 틀 2"/>
+          <p:cNvPr id="3" name="텍스트 개체 틀 2">
+            <a:extLst>
+              <a:ext uri="{FF2B5EF4-FFF2-40B4-BE49-F238E27FC236}">
+                <a16:creationId xmlns:a16="http://schemas.microsoft.com/office/drawing/2014/main" id="{E1339336-B642-1A4D-B1C2-9DE4A0F94F2D}"/>
+              </a:ext>
+            </a:extLst>
+          </p:cNvPr>
           <p:cNvSpPr>
             <a:spLocks noGrp="1"/>
           </p:cNvSpPr>
@@ -2352,24 +2259,14 @@
         </p:nvSpPr>
         <p:spPr>
           <a:xfrm>
-            <a:off x="722313" y="2906713"/>
-            <a:ext cx="7772400" cy="1500187"/>
+            <a:off x="623888" y="4589464"/>
+            <a:ext cx="7886700" cy="1500187"/>
           </a:xfrm>
         </p:spPr>
         <p:txBody>
-          <a:bodyPr anchor="b"/>
+          <a:bodyPr/>
           <a:lstStyle>
             <a:lvl1pPr marL="0" indent="0">
-              <a:buNone/>
-              <a:defRPr sz="2000">
-                <a:solidFill>
-                  <a:schemeClr val="tx1">
-                    <a:tint val="75000"/>
-                  </a:schemeClr>
-                </a:solidFill>
-              </a:defRPr>
-            </a:lvl1pPr>
-            <a:lvl2pPr marL="457200" indent="0">
               <a:buNone/>
               <a:defRPr sz="1800">
                 <a:solidFill>
@@ -2378,10 +2275,20 @@
                   </a:schemeClr>
                 </a:solidFill>
               </a:defRPr>
+            </a:lvl1pPr>
+            <a:lvl2pPr marL="342900" indent="0">
+              <a:buNone/>
+              <a:defRPr sz="1500">
+                <a:solidFill>
+                  <a:schemeClr val="tx1">
+                    <a:tint val="75000"/>
+                  </a:schemeClr>
+                </a:solidFill>
+              </a:defRPr>
             </a:lvl2pPr>
-            <a:lvl3pPr marL="914400" indent="0">
+            <a:lvl3pPr marL="685800" indent="0">
               <a:buNone/>
-              <a:defRPr sz="1600">
+              <a:defRPr sz="1350">
                 <a:solidFill>
                   <a:schemeClr val="tx1">
                     <a:tint val="75000"/>
@@ -2389,9 +2296,9 @@
                 </a:solidFill>
               </a:defRPr>
             </a:lvl3pPr>
-            <a:lvl4pPr marL="1371600" indent="0">
+            <a:lvl4pPr marL="1028700" indent="0">
               <a:buNone/>
-              <a:defRPr sz="1400">
+              <a:defRPr sz="1200">
                 <a:solidFill>
                   <a:schemeClr val="tx1">
                     <a:tint val="75000"/>
@@ -2399,9 +2306,9 @@
                 </a:solidFill>
               </a:defRPr>
             </a:lvl4pPr>
-            <a:lvl5pPr marL="1828800" indent="0">
+            <a:lvl5pPr marL="1371600" indent="0">
               <a:buNone/>
-              <a:defRPr sz="1400">
+              <a:defRPr sz="1200">
                 <a:solidFill>
                   <a:schemeClr val="tx1">
                     <a:tint val="75000"/>
@@ -2409,9 +2316,9 @@
                 </a:solidFill>
               </a:defRPr>
             </a:lvl5pPr>
-            <a:lvl6pPr marL="2286000" indent="0">
+            <a:lvl6pPr marL="1714500" indent="0">
               <a:buNone/>
-              <a:defRPr sz="1400">
+              <a:defRPr sz="1200">
                 <a:solidFill>
                   <a:schemeClr val="tx1">
                     <a:tint val="75000"/>
@@ -2419,9 +2326,9 @@
                 </a:solidFill>
               </a:defRPr>
             </a:lvl6pPr>
-            <a:lvl7pPr marL="2743200" indent="0">
+            <a:lvl7pPr marL="2057400" indent="0">
               <a:buNone/>
-              <a:defRPr sz="1400">
+              <a:defRPr sz="1200">
                 <a:solidFill>
                   <a:schemeClr val="tx1">
                     <a:tint val="75000"/>
@@ -2429,9 +2336,9 @@
                 </a:solidFill>
               </a:defRPr>
             </a:lvl7pPr>
-            <a:lvl8pPr marL="3200400" indent="0">
+            <a:lvl8pPr marL="2400300" indent="0">
               <a:buNone/>
-              <a:defRPr sz="1400">
+              <a:defRPr sz="1200">
                 <a:solidFill>
                   <a:schemeClr val="tx1">
                     <a:tint val="75000"/>
@@ -2439,9 +2346,9 @@
                 </a:solidFill>
               </a:defRPr>
             </a:lvl8pPr>
-            <a:lvl9pPr marL="3657600" indent="0">
+            <a:lvl9pPr marL="2743200" indent="0">
               <a:buNone/>
-              <a:defRPr sz="1400">
+              <a:defRPr sz="1200">
                 <a:solidFill>
                   <a:schemeClr val="tx1">
                     <a:tint val="75000"/>
@@ -2451,17 +2358,26 @@
             </a:lvl9pPr>
           </a:lstStyle>
           <a:p>
-            <a:pPr lvl="0"/>
-            <a:r>
-              <a:rPr lang="ko-KR" altLang="en-US"/>
-              <a:t>마스터 텍스트 스타일을 편집합니다</a:t>
-            </a:r>
-          </a:p>
-        </p:txBody>
-      </p:sp>
-      <p:sp>
-        <p:nvSpPr>
-          <p:cNvPr id="4" name="날짜 개체 틀 3"/>
+            <a:r>
+              <a:rPr kumimoji="1" lang="ko-KR" altLang="en-US"/>
+              <a:t>마스터 텍스트 스타일 편집
+둘째 수준
+셋째 수준
+넷째 수준
+다섯째 수준</a:t>
+            </a:r>
+          </a:p>
+        </p:txBody>
+      </p:sp>
+      <p:sp>
+        <p:nvSpPr>
+          <p:cNvPr id="4" name="날짜 개체 틀 3">
+            <a:extLst>
+              <a:ext uri="{FF2B5EF4-FFF2-40B4-BE49-F238E27FC236}">
+                <a16:creationId xmlns:a16="http://schemas.microsoft.com/office/drawing/2014/main" id="{CB05C91A-79DA-B74C-918C-D3E4DEE41EED}"/>
+              </a:ext>
+            </a:extLst>
+          </p:cNvPr>
           <p:cNvSpPr>
             <a:spLocks noGrp="1"/>
           </p:cNvSpPr>
@@ -2476,7 +2392,7 @@
           <a:p>
             <a:fld id="{8E20E162-3880-4AB0-B825-B924C8552DF4}" type="datetimeFigureOut">
               <a:rPr lang="ko-KR" altLang="en-US" smtClean="0"/>
-              <a:t>2018-11-10</a:t>
+              <a:t>2018. 11. 10.</a:t>
             </a:fld>
             <a:endParaRPr lang="ko-KR" altLang="en-US"/>
           </a:p>
@@ -2484,7 +2400,13 @@
       </p:sp>
       <p:sp>
         <p:nvSpPr>
-          <p:cNvPr id="5" name="바닥글 개체 틀 4"/>
+          <p:cNvPr id="5" name="바닥글 개체 틀 4">
+            <a:extLst>
+              <a:ext uri="{FF2B5EF4-FFF2-40B4-BE49-F238E27FC236}">
+                <a16:creationId xmlns:a16="http://schemas.microsoft.com/office/drawing/2014/main" id="{CF21351F-2257-604F-ACC6-E6D649D81929}"/>
+              </a:ext>
+            </a:extLst>
+          </p:cNvPr>
           <p:cNvSpPr>
             <a:spLocks noGrp="1"/>
           </p:cNvSpPr>
@@ -2503,7 +2425,13 @@
       </p:sp>
       <p:sp>
         <p:nvSpPr>
-          <p:cNvPr id="6" name="슬라이드 번호 개체 틀 5"/>
+          <p:cNvPr id="6" name="슬라이드 번호 개체 틀 5">
+            <a:extLst>
+              <a:ext uri="{FF2B5EF4-FFF2-40B4-BE49-F238E27FC236}">
+                <a16:creationId xmlns:a16="http://schemas.microsoft.com/office/drawing/2014/main" id="{6F34AC64-63C6-3540-92E9-FC744058C788}"/>
+              </a:ext>
+            </a:extLst>
+          </p:cNvPr>
           <p:cNvSpPr>
             <a:spLocks noGrp="1"/>
           </p:cNvSpPr>
@@ -2527,7 +2455,7 @@
     </p:spTree>
     <p:extLst>
       <p:ext uri="{BB962C8B-B14F-4D97-AF65-F5344CB8AC3E}">
-        <p14:creationId xmlns:p14="http://schemas.microsoft.com/office/powerpoint/2010/main" val="3513540172"/>
+        <p14:creationId xmlns:p14="http://schemas.microsoft.com/office/powerpoint/2010/main" val="754280974"/>
       </p:ext>
     </p:extLst>
   </p:cSld>
@@ -2556,7 +2484,13 @@
       </p:grpSpPr>
       <p:sp>
         <p:nvSpPr>
-          <p:cNvPr id="2" name="제목 1"/>
+          <p:cNvPr id="2" name="제목 1">
+            <a:extLst>
+              <a:ext uri="{FF2B5EF4-FFF2-40B4-BE49-F238E27FC236}">
+                <a16:creationId xmlns:a16="http://schemas.microsoft.com/office/drawing/2014/main" id="{33C7847F-E9DB-4D42-A16E-F74630E73BBA}"/>
+              </a:ext>
+            </a:extLst>
+          </p:cNvPr>
           <p:cNvSpPr>
             <a:spLocks noGrp="1"/>
           </p:cNvSpPr>
@@ -2570,7 +2504,7 @@
           <a:lstStyle/>
           <a:p>
             <a:r>
-              <a:rPr lang="ko-KR" altLang="en-US"/>
+              <a:rPr kumimoji="1" lang="ko-KR" altLang="en-US"/>
               <a:t>마스터 제목 스타일 편집</a:t>
             </a:r>
           </a:p>
@@ -2578,7 +2512,13 @@
       </p:sp>
       <p:sp>
         <p:nvSpPr>
-          <p:cNvPr id="3" name="내용 개체 틀 2"/>
+          <p:cNvPr id="3" name="내용 개체 틀 2">
+            <a:extLst>
+              <a:ext uri="{FF2B5EF4-FFF2-40B4-BE49-F238E27FC236}">
+                <a16:creationId xmlns:a16="http://schemas.microsoft.com/office/drawing/2014/main" id="{DA91B415-790D-FA41-84D6-7217DF1503F6}"/>
+              </a:ext>
+            </a:extLst>
+          </p:cNvPr>
           <p:cNvSpPr>
             <a:spLocks noGrp="1"/>
           </p:cNvSpPr>
@@ -2588,81 +2528,34 @@
         </p:nvSpPr>
         <p:spPr>
           <a:xfrm>
-            <a:off x="457200" y="1600200"/>
-            <a:ext cx="4038600" cy="4525963"/>
+            <a:off x="628650" y="1825625"/>
+            <a:ext cx="3886200" cy="4351338"/>
           </a:xfrm>
         </p:spPr>
         <p:txBody>
           <a:bodyPr/>
-          <a:lstStyle>
-            <a:lvl1pPr>
-              <a:defRPr sz="2800"/>
-            </a:lvl1pPr>
-            <a:lvl2pPr>
-              <a:defRPr sz="2400"/>
-            </a:lvl2pPr>
-            <a:lvl3pPr>
-              <a:defRPr sz="2000"/>
-            </a:lvl3pPr>
-            <a:lvl4pPr>
-              <a:defRPr sz="1800"/>
-            </a:lvl4pPr>
-            <a:lvl5pPr>
-              <a:defRPr sz="1800"/>
-            </a:lvl5pPr>
-            <a:lvl6pPr>
-              <a:defRPr sz="1800"/>
-            </a:lvl6pPr>
-            <a:lvl7pPr>
-              <a:defRPr sz="1800"/>
-            </a:lvl7pPr>
-            <a:lvl8pPr>
-              <a:defRPr sz="1800"/>
-            </a:lvl8pPr>
-            <a:lvl9pPr>
-              <a:defRPr sz="1800"/>
-            </a:lvl9pPr>
-          </a:lstStyle>
-          <a:p>
-            <a:pPr lvl="0"/>
-            <a:r>
-              <a:rPr lang="ko-KR" altLang="en-US"/>
-              <a:t>마스터 텍스트 스타일을 편집합니다</a:t>
-            </a:r>
-          </a:p>
-          <a:p>
-            <a:pPr lvl="1"/>
-            <a:r>
-              <a:rPr lang="ko-KR" altLang="en-US"/>
-              <a:t>둘째 수준</a:t>
-            </a:r>
-          </a:p>
-          <a:p>
-            <a:pPr lvl="2"/>
-            <a:r>
-              <a:rPr lang="ko-KR" altLang="en-US"/>
-              <a:t>셋째 수준</a:t>
-            </a:r>
-          </a:p>
-          <a:p>
-            <a:pPr lvl="3"/>
-            <a:r>
-              <a:rPr lang="ko-KR" altLang="en-US"/>
-              <a:t>넷째 수준</a:t>
-            </a:r>
-          </a:p>
-          <a:p>
-            <a:pPr lvl="4"/>
-            <a:r>
-              <a:rPr lang="ko-KR" altLang="en-US"/>
-              <a:t>다섯째 수준</a:t>
-            </a:r>
-          </a:p>
-        </p:txBody>
-      </p:sp>
-      <p:sp>
-        <p:nvSpPr>
-          <p:cNvPr id="4" name="내용 개체 틀 3"/>
+          <a:lstStyle/>
+          <a:p>
+            <a:r>
+              <a:rPr kumimoji="1" lang="ko-KR" altLang="en-US"/>
+              <a:t>마스터 텍스트 스타일 편집
+둘째 수준
+셋째 수준
+넷째 수준
+다섯째 수준</a:t>
+            </a:r>
+          </a:p>
+        </p:txBody>
+      </p:sp>
+      <p:sp>
+        <p:nvSpPr>
+          <p:cNvPr id="4" name="내용 개체 틀 3">
+            <a:extLst>
+              <a:ext uri="{FF2B5EF4-FFF2-40B4-BE49-F238E27FC236}">
+                <a16:creationId xmlns:a16="http://schemas.microsoft.com/office/drawing/2014/main" id="{719E1319-EE1F-0B47-8217-2B7BDD9E29A1}"/>
+              </a:ext>
+            </a:extLst>
+          </p:cNvPr>
           <p:cNvSpPr>
             <a:spLocks noGrp="1"/>
           </p:cNvSpPr>
@@ -2672,81 +2565,34 @@
         </p:nvSpPr>
         <p:spPr>
           <a:xfrm>
-            <a:off x="4648200" y="1600200"/>
-            <a:ext cx="4038600" cy="4525963"/>
+            <a:off x="4629150" y="1825625"/>
+            <a:ext cx="3886200" cy="4351338"/>
           </a:xfrm>
         </p:spPr>
         <p:txBody>
           <a:bodyPr/>
-          <a:lstStyle>
-            <a:lvl1pPr>
-              <a:defRPr sz="2800"/>
-            </a:lvl1pPr>
-            <a:lvl2pPr>
-              <a:defRPr sz="2400"/>
-            </a:lvl2pPr>
-            <a:lvl3pPr>
-              <a:defRPr sz="2000"/>
-            </a:lvl3pPr>
-            <a:lvl4pPr>
-              <a:defRPr sz="1800"/>
-            </a:lvl4pPr>
-            <a:lvl5pPr>
-              <a:defRPr sz="1800"/>
-            </a:lvl5pPr>
-            <a:lvl6pPr>
-              <a:defRPr sz="1800"/>
-            </a:lvl6pPr>
-            <a:lvl7pPr>
-              <a:defRPr sz="1800"/>
-            </a:lvl7pPr>
-            <a:lvl8pPr>
-              <a:defRPr sz="1800"/>
-            </a:lvl8pPr>
-            <a:lvl9pPr>
-              <a:defRPr sz="1800"/>
-            </a:lvl9pPr>
-          </a:lstStyle>
-          <a:p>
-            <a:pPr lvl="0"/>
-            <a:r>
-              <a:rPr lang="ko-KR" altLang="en-US"/>
-              <a:t>마스터 텍스트 스타일을 편집합니다</a:t>
-            </a:r>
-          </a:p>
-          <a:p>
-            <a:pPr lvl="1"/>
-            <a:r>
-              <a:rPr lang="ko-KR" altLang="en-US"/>
-              <a:t>둘째 수준</a:t>
-            </a:r>
-          </a:p>
-          <a:p>
-            <a:pPr lvl="2"/>
-            <a:r>
-              <a:rPr lang="ko-KR" altLang="en-US"/>
-              <a:t>셋째 수준</a:t>
-            </a:r>
-          </a:p>
-          <a:p>
-            <a:pPr lvl="3"/>
-            <a:r>
-              <a:rPr lang="ko-KR" altLang="en-US"/>
-              <a:t>넷째 수준</a:t>
-            </a:r>
-          </a:p>
-          <a:p>
-            <a:pPr lvl="4"/>
-            <a:r>
-              <a:rPr lang="ko-KR" altLang="en-US"/>
-              <a:t>다섯째 수준</a:t>
-            </a:r>
-          </a:p>
-        </p:txBody>
-      </p:sp>
-      <p:sp>
-        <p:nvSpPr>
-          <p:cNvPr id="5" name="날짜 개체 틀 4"/>
+          <a:lstStyle/>
+          <a:p>
+            <a:r>
+              <a:rPr kumimoji="1" lang="ko-KR" altLang="en-US"/>
+              <a:t>마스터 텍스트 스타일 편집
+둘째 수준
+셋째 수준
+넷째 수준
+다섯째 수준</a:t>
+            </a:r>
+          </a:p>
+        </p:txBody>
+      </p:sp>
+      <p:sp>
+        <p:nvSpPr>
+          <p:cNvPr id="5" name="날짜 개체 틀 4">
+            <a:extLst>
+              <a:ext uri="{FF2B5EF4-FFF2-40B4-BE49-F238E27FC236}">
+                <a16:creationId xmlns:a16="http://schemas.microsoft.com/office/drawing/2014/main" id="{BE2E52D0-5594-F945-8945-EAE493CA0EBD}"/>
+              </a:ext>
+            </a:extLst>
+          </p:cNvPr>
           <p:cNvSpPr>
             <a:spLocks noGrp="1"/>
           </p:cNvSpPr>
@@ -2761,7 +2607,7 @@
           <a:p>
             <a:fld id="{8E20E162-3880-4AB0-B825-B924C8552DF4}" type="datetimeFigureOut">
               <a:rPr lang="ko-KR" altLang="en-US" smtClean="0"/>
-              <a:t>2018-11-10</a:t>
+              <a:t>2018. 11. 10.</a:t>
             </a:fld>
             <a:endParaRPr lang="ko-KR" altLang="en-US"/>
           </a:p>
@@ -2769,7 +2615,13 @@
       </p:sp>
       <p:sp>
         <p:nvSpPr>
-          <p:cNvPr id="6" name="바닥글 개체 틀 5"/>
+          <p:cNvPr id="6" name="바닥글 개체 틀 5">
+            <a:extLst>
+              <a:ext uri="{FF2B5EF4-FFF2-40B4-BE49-F238E27FC236}">
+                <a16:creationId xmlns:a16="http://schemas.microsoft.com/office/drawing/2014/main" id="{091C751D-0A31-8A4E-B137-2F3BB9B3183C}"/>
+              </a:ext>
+            </a:extLst>
+          </p:cNvPr>
           <p:cNvSpPr>
             <a:spLocks noGrp="1"/>
           </p:cNvSpPr>
@@ -2788,7 +2640,13 @@
       </p:sp>
       <p:sp>
         <p:nvSpPr>
-          <p:cNvPr id="7" name="슬라이드 번호 개체 틀 6"/>
+          <p:cNvPr id="7" name="슬라이드 번호 개체 틀 6">
+            <a:extLst>
+              <a:ext uri="{FF2B5EF4-FFF2-40B4-BE49-F238E27FC236}">
+                <a16:creationId xmlns:a16="http://schemas.microsoft.com/office/drawing/2014/main" id="{958BDCE2-00D2-5E48-959B-4F2DEB7955B3}"/>
+              </a:ext>
+            </a:extLst>
+          </p:cNvPr>
           <p:cNvSpPr>
             <a:spLocks noGrp="1"/>
           </p:cNvSpPr>
@@ -2812,7 +2670,7 @@
     </p:spTree>
     <p:extLst>
       <p:ext uri="{BB962C8B-B14F-4D97-AF65-F5344CB8AC3E}">
-        <p14:creationId xmlns:p14="http://schemas.microsoft.com/office/powerpoint/2010/main" val="2649396067"/>
+        <p14:creationId xmlns:p14="http://schemas.microsoft.com/office/powerpoint/2010/main" val="1833176443"/>
       </p:ext>
     </p:extLst>
   </p:cSld>
@@ -2841,44 +2699,57 @@
       </p:grpSpPr>
       <p:sp>
         <p:nvSpPr>
-          <p:cNvPr id="2" name="제목 1"/>
+          <p:cNvPr id="2" name="제목 1">
+            <a:extLst>
+              <a:ext uri="{FF2B5EF4-FFF2-40B4-BE49-F238E27FC236}">
+                <a16:creationId xmlns:a16="http://schemas.microsoft.com/office/drawing/2014/main" id="{0ED06DFA-047C-8F40-9161-CA0A64F238C1}"/>
+              </a:ext>
+            </a:extLst>
+          </p:cNvPr>
           <p:cNvSpPr>
             <a:spLocks noGrp="1"/>
           </p:cNvSpPr>
           <p:nvPr>
             <p:ph type="title"/>
-          </p:nvPr>
-        </p:nvSpPr>
-        <p:spPr/>
-        <p:txBody>
-          <a:bodyPr/>
-          <a:lstStyle>
-            <a:lvl1pPr>
-              <a:defRPr/>
-            </a:lvl1pPr>
-          </a:lstStyle>
-          <a:p>
-            <a:r>
-              <a:rPr lang="ko-KR" altLang="en-US"/>
-              <a:t>마스터 제목 스타일 편집</a:t>
-            </a:r>
-          </a:p>
-        </p:txBody>
-      </p:sp>
-      <p:sp>
-        <p:nvSpPr>
-          <p:cNvPr id="3" name="텍스트 개체 틀 2"/>
-          <p:cNvSpPr>
-            <a:spLocks noGrp="1"/>
-          </p:cNvSpPr>
-          <p:nvPr>
-            <p:ph type="body" idx="1"/>
           </p:nvPr>
         </p:nvSpPr>
         <p:spPr>
           <a:xfrm>
-            <a:off x="457200" y="1535113"/>
-            <a:ext cx="4040188" cy="639762"/>
+            <a:off x="629841" y="365126"/>
+            <a:ext cx="7886700" cy="1325563"/>
+          </a:xfrm>
+        </p:spPr>
+        <p:txBody>
+          <a:bodyPr/>
+          <a:lstStyle/>
+          <a:p>
+            <a:r>
+              <a:rPr kumimoji="1" lang="ko-KR" altLang="en-US"/>
+              <a:t>마스터 제목 스타일 편집</a:t>
+            </a:r>
+          </a:p>
+        </p:txBody>
+      </p:sp>
+      <p:sp>
+        <p:nvSpPr>
+          <p:cNvPr id="3" name="텍스트 개체 틀 2">
+            <a:extLst>
+              <a:ext uri="{FF2B5EF4-FFF2-40B4-BE49-F238E27FC236}">
+                <a16:creationId xmlns:a16="http://schemas.microsoft.com/office/drawing/2014/main" id="{DD40715B-DC90-4D4D-AB3F-C7BB40D2BE45}"/>
+              </a:ext>
+            </a:extLst>
+          </p:cNvPr>
+          <p:cNvSpPr>
+            <a:spLocks noGrp="1"/>
+          </p:cNvSpPr>
+          <p:nvPr>
+            <p:ph type="body" idx="1"/>
+          </p:nvPr>
+        </p:nvSpPr>
+        <p:spPr>
+          <a:xfrm>
+            <a:off x="629842" y="1681163"/>
+            <a:ext cx="3868340" cy="823912"/>
           </a:xfrm>
         </p:spPr>
         <p:txBody>
@@ -2886,53 +2757,62 @@
           <a:lstStyle>
             <a:lvl1pPr marL="0" indent="0">
               <a:buNone/>
-              <a:defRPr sz="2400" b="1"/>
+              <a:defRPr sz="1800" b="1"/>
             </a:lvl1pPr>
-            <a:lvl2pPr marL="457200" indent="0">
+            <a:lvl2pPr marL="342900" indent="0">
               <a:buNone/>
-              <a:defRPr sz="2000" b="1"/>
+              <a:defRPr sz="1500" b="1"/>
             </a:lvl2pPr>
-            <a:lvl3pPr marL="914400" indent="0">
+            <a:lvl3pPr marL="685800" indent="0">
               <a:buNone/>
-              <a:defRPr sz="1800" b="1"/>
+              <a:defRPr sz="1350" b="1"/>
             </a:lvl3pPr>
-            <a:lvl4pPr marL="1371600" indent="0">
+            <a:lvl4pPr marL="1028700" indent="0">
               <a:buNone/>
-              <a:defRPr sz="1600" b="1"/>
+              <a:defRPr sz="1200" b="1"/>
             </a:lvl4pPr>
-            <a:lvl5pPr marL="1828800" indent="0">
+            <a:lvl5pPr marL="1371600" indent="0">
               <a:buNone/>
-              <a:defRPr sz="1600" b="1"/>
+              <a:defRPr sz="1200" b="1"/>
             </a:lvl5pPr>
-            <a:lvl6pPr marL="2286000" indent="0">
+            <a:lvl6pPr marL="1714500" indent="0">
               <a:buNone/>
-              <a:defRPr sz="1600" b="1"/>
+              <a:defRPr sz="1200" b="1"/>
             </a:lvl6pPr>
-            <a:lvl7pPr marL="2743200" indent="0">
+            <a:lvl7pPr marL="2057400" indent="0">
               <a:buNone/>
-              <a:defRPr sz="1600" b="1"/>
+              <a:defRPr sz="1200" b="1"/>
             </a:lvl7pPr>
-            <a:lvl8pPr marL="3200400" indent="0">
+            <a:lvl8pPr marL="2400300" indent="0">
               <a:buNone/>
-              <a:defRPr sz="1600" b="1"/>
+              <a:defRPr sz="1200" b="1"/>
             </a:lvl8pPr>
-            <a:lvl9pPr marL="3657600" indent="0">
+            <a:lvl9pPr marL="2743200" indent="0">
               <a:buNone/>
-              <a:defRPr sz="1600" b="1"/>
+              <a:defRPr sz="1200" b="1"/>
             </a:lvl9pPr>
           </a:lstStyle>
           <a:p>
-            <a:pPr lvl="0"/>
-            <a:r>
-              <a:rPr lang="ko-KR" altLang="en-US"/>
-              <a:t>마스터 텍스트 스타일을 편집합니다</a:t>
-            </a:r>
-          </a:p>
-        </p:txBody>
-      </p:sp>
-      <p:sp>
-        <p:nvSpPr>
-          <p:cNvPr id="4" name="내용 개체 틀 3"/>
+            <a:r>
+              <a:rPr kumimoji="1" lang="ko-KR" altLang="en-US"/>
+              <a:t>마스터 텍스트 스타일 편집
+둘째 수준
+셋째 수준
+넷째 수준
+다섯째 수준</a:t>
+            </a:r>
+          </a:p>
+        </p:txBody>
+      </p:sp>
+      <p:sp>
+        <p:nvSpPr>
+          <p:cNvPr id="4" name="내용 개체 틀 3">
+            <a:extLst>
+              <a:ext uri="{FF2B5EF4-FFF2-40B4-BE49-F238E27FC236}">
+                <a16:creationId xmlns:a16="http://schemas.microsoft.com/office/drawing/2014/main" id="{ED6655BD-1C8C-7D46-BFA8-74548E4F4010}"/>
+              </a:ext>
+            </a:extLst>
+          </p:cNvPr>
           <p:cNvSpPr>
             <a:spLocks noGrp="1"/>
           </p:cNvSpPr>
@@ -2942,81 +2822,34 @@
         </p:nvSpPr>
         <p:spPr>
           <a:xfrm>
-            <a:off x="457200" y="2174875"/>
-            <a:ext cx="4040188" cy="3951288"/>
+            <a:off x="629842" y="2505075"/>
+            <a:ext cx="3868340" cy="3684588"/>
           </a:xfrm>
         </p:spPr>
         <p:txBody>
           <a:bodyPr/>
-          <a:lstStyle>
-            <a:lvl1pPr>
-              <a:defRPr sz="2400"/>
-            </a:lvl1pPr>
-            <a:lvl2pPr>
-              <a:defRPr sz="2000"/>
-            </a:lvl2pPr>
-            <a:lvl3pPr>
-              <a:defRPr sz="1800"/>
-            </a:lvl3pPr>
-            <a:lvl4pPr>
-              <a:defRPr sz="1600"/>
-            </a:lvl4pPr>
-            <a:lvl5pPr>
-              <a:defRPr sz="1600"/>
-            </a:lvl5pPr>
-            <a:lvl6pPr>
-              <a:defRPr sz="1600"/>
-            </a:lvl6pPr>
-            <a:lvl7pPr>
-              <a:defRPr sz="1600"/>
-            </a:lvl7pPr>
-            <a:lvl8pPr>
-              <a:defRPr sz="1600"/>
-            </a:lvl8pPr>
-            <a:lvl9pPr>
-              <a:defRPr sz="1600"/>
-            </a:lvl9pPr>
-          </a:lstStyle>
-          <a:p>
-            <a:pPr lvl="0"/>
-            <a:r>
-              <a:rPr lang="ko-KR" altLang="en-US"/>
-              <a:t>마스터 텍스트 스타일을 편집합니다</a:t>
-            </a:r>
-          </a:p>
-          <a:p>
-            <a:pPr lvl="1"/>
-            <a:r>
-              <a:rPr lang="ko-KR" altLang="en-US"/>
-              <a:t>둘째 수준</a:t>
-            </a:r>
-          </a:p>
-          <a:p>
-            <a:pPr lvl="2"/>
-            <a:r>
-              <a:rPr lang="ko-KR" altLang="en-US"/>
-              <a:t>셋째 수준</a:t>
-            </a:r>
-          </a:p>
-          <a:p>
-            <a:pPr lvl="3"/>
-            <a:r>
-              <a:rPr lang="ko-KR" altLang="en-US"/>
-              <a:t>넷째 수준</a:t>
-            </a:r>
-          </a:p>
-          <a:p>
-            <a:pPr lvl="4"/>
-            <a:r>
-              <a:rPr lang="ko-KR" altLang="en-US"/>
-              <a:t>다섯째 수준</a:t>
-            </a:r>
-          </a:p>
-        </p:txBody>
-      </p:sp>
-      <p:sp>
-        <p:nvSpPr>
-          <p:cNvPr id="5" name="텍스트 개체 틀 4"/>
+          <a:lstStyle/>
+          <a:p>
+            <a:r>
+              <a:rPr kumimoji="1" lang="ko-KR" altLang="en-US"/>
+              <a:t>마스터 텍스트 스타일 편집
+둘째 수준
+셋째 수준
+넷째 수준
+다섯째 수준</a:t>
+            </a:r>
+          </a:p>
+        </p:txBody>
+      </p:sp>
+      <p:sp>
+        <p:nvSpPr>
+          <p:cNvPr id="5" name="텍스트 개체 틀 4">
+            <a:extLst>
+              <a:ext uri="{FF2B5EF4-FFF2-40B4-BE49-F238E27FC236}">
+                <a16:creationId xmlns:a16="http://schemas.microsoft.com/office/drawing/2014/main" id="{877ACE58-E6F2-4F47-937A-BD37C0798B0D}"/>
+              </a:ext>
+            </a:extLst>
+          </p:cNvPr>
           <p:cNvSpPr>
             <a:spLocks noGrp="1"/>
           </p:cNvSpPr>
@@ -3026,8 +2859,8 @@
         </p:nvSpPr>
         <p:spPr>
           <a:xfrm>
-            <a:off x="4645025" y="1535113"/>
-            <a:ext cx="4041775" cy="639762"/>
+            <a:off x="4629150" y="1681163"/>
+            <a:ext cx="3887391" cy="823912"/>
           </a:xfrm>
         </p:spPr>
         <p:txBody>
@@ -3035,53 +2868,62 @@
           <a:lstStyle>
             <a:lvl1pPr marL="0" indent="0">
               <a:buNone/>
-              <a:defRPr sz="2400" b="1"/>
+              <a:defRPr sz="1800" b="1"/>
             </a:lvl1pPr>
-            <a:lvl2pPr marL="457200" indent="0">
+            <a:lvl2pPr marL="342900" indent="0">
               <a:buNone/>
-              <a:defRPr sz="2000" b="1"/>
+              <a:defRPr sz="1500" b="1"/>
             </a:lvl2pPr>
-            <a:lvl3pPr marL="914400" indent="0">
+            <a:lvl3pPr marL="685800" indent="0">
               <a:buNone/>
-              <a:defRPr sz="1800" b="1"/>
+              <a:defRPr sz="1350" b="1"/>
             </a:lvl3pPr>
-            <a:lvl4pPr marL="1371600" indent="0">
+            <a:lvl4pPr marL="1028700" indent="0">
               <a:buNone/>
-              <a:defRPr sz="1600" b="1"/>
+              <a:defRPr sz="1200" b="1"/>
             </a:lvl4pPr>
-            <a:lvl5pPr marL="1828800" indent="0">
+            <a:lvl5pPr marL="1371600" indent="0">
               <a:buNone/>
-              <a:defRPr sz="1600" b="1"/>
+              <a:defRPr sz="1200" b="1"/>
             </a:lvl5pPr>
-            <a:lvl6pPr marL="2286000" indent="0">
+            <a:lvl6pPr marL="1714500" indent="0">
               <a:buNone/>
-              <a:defRPr sz="1600" b="1"/>
+              <a:defRPr sz="1200" b="1"/>
             </a:lvl6pPr>
-            <a:lvl7pPr marL="2743200" indent="0">
+            <a:lvl7pPr marL="2057400" indent="0">
               <a:buNone/>
-              <a:defRPr sz="1600" b="1"/>
+              <a:defRPr sz="1200" b="1"/>
             </a:lvl7pPr>
-            <a:lvl8pPr marL="3200400" indent="0">
+            <a:lvl8pPr marL="2400300" indent="0">
               <a:buNone/>
-              <a:defRPr sz="1600" b="1"/>
+              <a:defRPr sz="1200" b="1"/>
             </a:lvl8pPr>
-            <a:lvl9pPr marL="3657600" indent="0">
+            <a:lvl9pPr marL="2743200" indent="0">
               <a:buNone/>
-              <a:defRPr sz="1600" b="1"/>
+              <a:defRPr sz="1200" b="1"/>
             </a:lvl9pPr>
           </a:lstStyle>
           <a:p>
-            <a:pPr lvl="0"/>
-            <a:r>
-              <a:rPr lang="ko-KR" altLang="en-US"/>
-              <a:t>마스터 텍스트 스타일을 편집합니다</a:t>
-            </a:r>
-          </a:p>
-        </p:txBody>
-      </p:sp>
-      <p:sp>
-        <p:nvSpPr>
-          <p:cNvPr id="6" name="내용 개체 틀 5"/>
+            <a:r>
+              <a:rPr kumimoji="1" lang="ko-KR" altLang="en-US"/>
+              <a:t>마스터 텍스트 스타일 편집
+둘째 수준
+셋째 수준
+넷째 수준
+다섯째 수준</a:t>
+            </a:r>
+          </a:p>
+        </p:txBody>
+      </p:sp>
+      <p:sp>
+        <p:nvSpPr>
+          <p:cNvPr id="6" name="내용 개체 틀 5">
+            <a:extLst>
+              <a:ext uri="{FF2B5EF4-FFF2-40B4-BE49-F238E27FC236}">
+                <a16:creationId xmlns:a16="http://schemas.microsoft.com/office/drawing/2014/main" id="{E9CCC889-9E7A-6D49-9238-B1FD953D476E}"/>
+              </a:ext>
+            </a:extLst>
+          </p:cNvPr>
           <p:cNvSpPr>
             <a:spLocks noGrp="1"/>
           </p:cNvSpPr>
@@ -3091,81 +2933,34 @@
         </p:nvSpPr>
         <p:spPr>
           <a:xfrm>
-            <a:off x="4645025" y="2174875"/>
-            <a:ext cx="4041775" cy="3951288"/>
+            <a:off x="4629150" y="2505075"/>
+            <a:ext cx="3887391" cy="3684588"/>
           </a:xfrm>
         </p:spPr>
         <p:txBody>
           <a:bodyPr/>
-          <a:lstStyle>
-            <a:lvl1pPr>
-              <a:defRPr sz="2400"/>
-            </a:lvl1pPr>
-            <a:lvl2pPr>
-              <a:defRPr sz="2000"/>
-            </a:lvl2pPr>
-            <a:lvl3pPr>
-              <a:defRPr sz="1800"/>
-            </a:lvl3pPr>
-            <a:lvl4pPr>
-              <a:defRPr sz="1600"/>
-            </a:lvl4pPr>
-            <a:lvl5pPr>
-              <a:defRPr sz="1600"/>
-            </a:lvl5pPr>
-            <a:lvl6pPr>
-              <a:defRPr sz="1600"/>
-            </a:lvl6pPr>
-            <a:lvl7pPr>
-              <a:defRPr sz="1600"/>
-            </a:lvl7pPr>
-            <a:lvl8pPr>
-              <a:defRPr sz="1600"/>
-            </a:lvl8pPr>
-            <a:lvl9pPr>
-              <a:defRPr sz="1600"/>
-            </a:lvl9pPr>
-          </a:lstStyle>
-          <a:p>
-            <a:pPr lvl="0"/>
-            <a:r>
-              <a:rPr lang="ko-KR" altLang="en-US"/>
-              <a:t>마스터 텍스트 스타일을 편집합니다</a:t>
-            </a:r>
-          </a:p>
-          <a:p>
-            <a:pPr lvl="1"/>
-            <a:r>
-              <a:rPr lang="ko-KR" altLang="en-US"/>
-              <a:t>둘째 수준</a:t>
-            </a:r>
-          </a:p>
-          <a:p>
-            <a:pPr lvl="2"/>
-            <a:r>
-              <a:rPr lang="ko-KR" altLang="en-US"/>
-              <a:t>셋째 수준</a:t>
-            </a:r>
-          </a:p>
-          <a:p>
-            <a:pPr lvl="3"/>
-            <a:r>
-              <a:rPr lang="ko-KR" altLang="en-US"/>
-              <a:t>넷째 수준</a:t>
-            </a:r>
-          </a:p>
-          <a:p>
-            <a:pPr lvl="4"/>
-            <a:r>
-              <a:rPr lang="ko-KR" altLang="en-US"/>
-              <a:t>다섯째 수준</a:t>
-            </a:r>
-          </a:p>
-        </p:txBody>
-      </p:sp>
-      <p:sp>
-        <p:nvSpPr>
-          <p:cNvPr id="7" name="날짜 개체 틀 6"/>
+          <a:lstStyle/>
+          <a:p>
+            <a:r>
+              <a:rPr kumimoji="1" lang="ko-KR" altLang="en-US"/>
+              <a:t>마스터 텍스트 스타일 편집
+둘째 수준
+셋째 수준
+넷째 수준
+다섯째 수준</a:t>
+            </a:r>
+          </a:p>
+        </p:txBody>
+      </p:sp>
+      <p:sp>
+        <p:nvSpPr>
+          <p:cNvPr id="7" name="날짜 개체 틀 6">
+            <a:extLst>
+              <a:ext uri="{FF2B5EF4-FFF2-40B4-BE49-F238E27FC236}">
+                <a16:creationId xmlns:a16="http://schemas.microsoft.com/office/drawing/2014/main" id="{00AFA6B6-3F16-4C4D-92D4-487BF24094F1}"/>
+              </a:ext>
+            </a:extLst>
+          </p:cNvPr>
           <p:cNvSpPr>
             <a:spLocks noGrp="1"/>
           </p:cNvSpPr>
@@ -3180,7 +2975,7 @@
           <a:p>
             <a:fld id="{8E20E162-3880-4AB0-B825-B924C8552DF4}" type="datetimeFigureOut">
               <a:rPr lang="ko-KR" altLang="en-US" smtClean="0"/>
-              <a:t>2018-11-10</a:t>
+              <a:t>2018. 11. 10.</a:t>
             </a:fld>
             <a:endParaRPr lang="ko-KR" altLang="en-US"/>
           </a:p>
@@ -3188,7 +2983,13 @@
       </p:sp>
       <p:sp>
         <p:nvSpPr>
-          <p:cNvPr id="8" name="바닥글 개체 틀 7"/>
+          <p:cNvPr id="8" name="바닥글 개체 틀 7">
+            <a:extLst>
+              <a:ext uri="{FF2B5EF4-FFF2-40B4-BE49-F238E27FC236}">
+                <a16:creationId xmlns:a16="http://schemas.microsoft.com/office/drawing/2014/main" id="{AC3261C5-4CC1-554D-8625-0551375D5D43}"/>
+              </a:ext>
+            </a:extLst>
+          </p:cNvPr>
           <p:cNvSpPr>
             <a:spLocks noGrp="1"/>
           </p:cNvSpPr>
@@ -3207,7 +3008,13 @@
       </p:sp>
       <p:sp>
         <p:nvSpPr>
-          <p:cNvPr id="9" name="슬라이드 번호 개체 틀 8"/>
+          <p:cNvPr id="9" name="슬라이드 번호 개체 틀 8">
+            <a:extLst>
+              <a:ext uri="{FF2B5EF4-FFF2-40B4-BE49-F238E27FC236}">
+                <a16:creationId xmlns:a16="http://schemas.microsoft.com/office/drawing/2014/main" id="{15836527-C1B7-284E-8264-70729C8164AE}"/>
+              </a:ext>
+            </a:extLst>
+          </p:cNvPr>
           <p:cNvSpPr>
             <a:spLocks noGrp="1"/>
           </p:cNvSpPr>
@@ -3231,7 +3038,7 @@
     </p:spTree>
     <p:extLst>
       <p:ext uri="{BB962C8B-B14F-4D97-AF65-F5344CB8AC3E}">
-        <p14:creationId xmlns:p14="http://schemas.microsoft.com/office/powerpoint/2010/main" val="1120928974"/>
+        <p14:creationId xmlns:p14="http://schemas.microsoft.com/office/powerpoint/2010/main" val="611537875"/>
       </p:ext>
     </p:extLst>
   </p:cSld>
@@ -3260,7 +3067,13 @@
       </p:grpSpPr>
       <p:sp>
         <p:nvSpPr>
-          <p:cNvPr id="2" name="제목 1"/>
+          <p:cNvPr id="2" name="제목 1">
+            <a:extLst>
+              <a:ext uri="{FF2B5EF4-FFF2-40B4-BE49-F238E27FC236}">
+                <a16:creationId xmlns:a16="http://schemas.microsoft.com/office/drawing/2014/main" id="{03186880-8D88-704F-AA8E-ED3B21D34E06}"/>
+              </a:ext>
+            </a:extLst>
+          </p:cNvPr>
           <p:cNvSpPr>
             <a:spLocks noGrp="1"/>
           </p:cNvSpPr>
@@ -3274,7 +3087,7 @@
           <a:lstStyle/>
           <a:p>
             <a:r>
-              <a:rPr lang="ko-KR" altLang="en-US"/>
+              <a:rPr kumimoji="1" lang="ko-KR" altLang="en-US"/>
               <a:t>마스터 제목 스타일 편집</a:t>
             </a:r>
           </a:p>
@@ -3282,7 +3095,13 @@
       </p:sp>
       <p:sp>
         <p:nvSpPr>
-          <p:cNvPr id="3" name="날짜 개체 틀 2"/>
+          <p:cNvPr id="3" name="날짜 개체 틀 2">
+            <a:extLst>
+              <a:ext uri="{FF2B5EF4-FFF2-40B4-BE49-F238E27FC236}">
+                <a16:creationId xmlns:a16="http://schemas.microsoft.com/office/drawing/2014/main" id="{61ECB7DC-5945-E940-BE6D-DFAD3BF72F55}"/>
+              </a:ext>
+            </a:extLst>
+          </p:cNvPr>
           <p:cNvSpPr>
             <a:spLocks noGrp="1"/>
           </p:cNvSpPr>
@@ -3297,7 +3116,7 @@
           <a:p>
             <a:fld id="{8E20E162-3880-4AB0-B825-B924C8552DF4}" type="datetimeFigureOut">
               <a:rPr lang="ko-KR" altLang="en-US" smtClean="0"/>
-              <a:t>2018-11-10</a:t>
+              <a:t>2018. 11. 10.</a:t>
             </a:fld>
             <a:endParaRPr lang="ko-KR" altLang="en-US"/>
           </a:p>
@@ -3305,7 +3124,13 @@
       </p:sp>
       <p:sp>
         <p:nvSpPr>
-          <p:cNvPr id="4" name="바닥글 개체 틀 3"/>
+          <p:cNvPr id="4" name="바닥글 개체 틀 3">
+            <a:extLst>
+              <a:ext uri="{FF2B5EF4-FFF2-40B4-BE49-F238E27FC236}">
+                <a16:creationId xmlns:a16="http://schemas.microsoft.com/office/drawing/2014/main" id="{470A8A85-CFC2-C345-8A9C-8DEEACE7EE28}"/>
+              </a:ext>
+            </a:extLst>
+          </p:cNvPr>
           <p:cNvSpPr>
             <a:spLocks noGrp="1"/>
           </p:cNvSpPr>
@@ -3324,7 +3149,13 @@
       </p:sp>
       <p:sp>
         <p:nvSpPr>
-          <p:cNvPr id="5" name="슬라이드 번호 개체 틀 4"/>
+          <p:cNvPr id="5" name="슬라이드 번호 개체 틀 4">
+            <a:extLst>
+              <a:ext uri="{FF2B5EF4-FFF2-40B4-BE49-F238E27FC236}">
+                <a16:creationId xmlns:a16="http://schemas.microsoft.com/office/drawing/2014/main" id="{E9CD78BD-0138-1D47-867B-26D01C487003}"/>
+              </a:ext>
+            </a:extLst>
+          </p:cNvPr>
           <p:cNvSpPr>
             <a:spLocks noGrp="1"/>
           </p:cNvSpPr>
@@ -3348,7 +3179,7 @@
     </p:spTree>
     <p:extLst>
       <p:ext uri="{BB962C8B-B14F-4D97-AF65-F5344CB8AC3E}">
-        <p14:creationId xmlns:p14="http://schemas.microsoft.com/office/powerpoint/2010/main" val="1831236143"/>
+        <p14:creationId xmlns:p14="http://schemas.microsoft.com/office/powerpoint/2010/main" val="3445106543"/>
       </p:ext>
     </p:extLst>
   </p:cSld>
@@ -3377,7 +3208,13 @@
       </p:grpSpPr>
       <p:sp>
         <p:nvSpPr>
-          <p:cNvPr id="2" name="날짜 개체 틀 1"/>
+          <p:cNvPr id="2" name="날짜 개체 틀 1">
+            <a:extLst>
+              <a:ext uri="{FF2B5EF4-FFF2-40B4-BE49-F238E27FC236}">
+                <a16:creationId xmlns:a16="http://schemas.microsoft.com/office/drawing/2014/main" id="{47117497-A1D9-7F48-A024-798D13AF8F06}"/>
+              </a:ext>
+            </a:extLst>
+          </p:cNvPr>
           <p:cNvSpPr>
             <a:spLocks noGrp="1"/>
           </p:cNvSpPr>
@@ -3392,7 +3229,7 @@
           <a:p>
             <a:fld id="{8E20E162-3880-4AB0-B825-B924C8552DF4}" type="datetimeFigureOut">
               <a:rPr lang="ko-KR" altLang="en-US" smtClean="0"/>
-              <a:t>2018-11-10</a:t>
+              <a:t>2018. 11. 10.</a:t>
             </a:fld>
             <a:endParaRPr lang="ko-KR" altLang="en-US"/>
           </a:p>
@@ -3400,7 +3237,13 @@
       </p:sp>
       <p:sp>
         <p:nvSpPr>
-          <p:cNvPr id="3" name="바닥글 개체 틀 2"/>
+          <p:cNvPr id="3" name="바닥글 개체 틀 2">
+            <a:extLst>
+              <a:ext uri="{FF2B5EF4-FFF2-40B4-BE49-F238E27FC236}">
+                <a16:creationId xmlns:a16="http://schemas.microsoft.com/office/drawing/2014/main" id="{C3D34E72-7B9C-ED4C-B2C8-949E8D6F0D63}"/>
+              </a:ext>
+            </a:extLst>
+          </p:cNvPr>
           <p:cNvSpPr>
             <a:spLocks noGrp="1"/>
           </p:cNvSpPr>
@@ -3419,7 +3262,13 @@
       </p:sp>
       <p:sp>
         <p:nvSpPr>
-          <p:cNvPr id="4" name="슬라이드 번호 개체 틀 3"/>
+          <p:cNvPr id="4" name="슬라이드 번호 개체 틀 3">
+            <a:extLst>
+              <a:ext uri="{FF2B5EF4-FFF2-40B4-BE49-F238E27FC236}">
+                <a16:creationId xmlns:a16="http://schemas.microsoft.com/office/drawing/2014/main" id="{5D109698-057E-8E41-8B4C-2B9583A9476B}"/>
+              </a:ext>
+            </a:extLst>
+          </p:cNvPr>
           <p:cNvSpPr>
             <a:spLocks noGrp="1"/>
           </p:cNvSpPr>
@@ -3443,7 +3292,7 @@
     </p:spTree>
     <p:extLst>
       <p:ext uri="{BB962C8B-B14F-4D97-AF65-F5344CB8AC3E}">
-        <p14:creationId xmlns:p14="http://schemas.microsoft.com/office/powerpoint/2010/main" val="677339581"/>
+        <p14:creationId xmlns:p14="http://schemas.microsoft.com/office/powerpoint/2010/main" val="1459243266"/>
       </p:ext>
     </p:extLst>
   </p:cSld>
@@ -3472,7 +3321,13 @@
       </p:grpSpPr>
       <p:sp>
         <p:nvSpPr>
-          <p:cNvPr id="2" name="제목 1"/>
+          <p:cNvPr id="2" name="제목 1">
+            <a:extLst>
+              <a:ext uri="{FF2B5EF4-FFF2-40B4-BE49-F238E27FC236}">
+                <a16:creationId xmlns:a16="http://schemas.microsoft.com/office/drawing/2014/main" id="{27EDF7AE-5E1F-9B44-9523-C391998B161E}"/>
+              </a:ext>
+            </a:extLst>
+          </p:cNvPr>
           <p:cNvSpPr>
             <a:spLocks noGrp="1"/>
           </p:cNvSpPr>
@@ -3482,20 +3337,20 @@
         </p:nvSpPr>
         <p:spPr>
           <a:xfrm>
-            <a:off x="457200" y="273050"/>
-            <a:ext cx="3008313" cy="1162050"/>
+            <a:off x="629841" y="457200"/>
+            <a:ext cx="2949178" cy="1600200"/>
           </a:xfrm>
         </p:spPr>
         <p:txBody>
           <a:bodyPr anchor="b"/>
           <a:lstStyle>
-            <a:lvl1pPr algn="l">
-              <a:defRPr sz="2000" b="1"/>
+            <a:lvl1pPr>
+              <a:defRPr sz="2400"/>
             </a:lvl1pPr>
           </a:lstStyle>
           <a:p>
             <a:r>
-              <a:rPr lang="ko-KR" altLang="en-US"/>
+              <a:rPr kumimoji="1" lang="ko-KR" altLang="en-US"/>
               <a:t>마스터 제목 스타일 편집</a:t>
             </a:r>
           </a:p>
@@ -3503,7 +3358,13 @@
       </p:sp>
       <p:sp>
         <p:nvSpPr>
-          <p:cNvPr id="3" name="내용 개체 틀 2"/>
+          <p:cNvPr id="3" name="내용 개체 틀 2">
+            <a:extLst>
+              <a:ext uri="{FF2B5EF4-FFF2-40B4-BE49-F238E27FC236}">
+                <a16:creationId xmlns:a16="http://schemas.microsoft.com/office/drawing/2014/main" id="{96956357-5DC3-D14A-B769-18D008F1A24B}"/>
+              </a:ext>
+            </a:extLst>
+          </p:cNvPr>
           <p:cNvSpPr>
             <a:spLocks noGrp="1"/>
           </p:cNvSpPr>
@@ -3513,81 +3374,62 @@
         </p:nvSpPr>
         <p:spPr>
           <a:xfrm>
-            <a:off x="3575050" y="273050"/>
-            <a:ext cx="5111750" cy="5853113"/>
+            <a:off x="3887391" y="987426"/>
+            <a:ext cx="4629150" cy="4873625"/>
           </a:xfrm>
         </p:spPr>
         <p:txBody>
           <a:bodyPr/>
           <a:lstStyle>
             <a:lvl1pPr>
-              <a:defRPr sz="3200"/>
+              <a:defRPr sz="2400"/>
             </a:lvl1pPr>
             <a:lvl2pPr>
-              <a:defRPr sz="2800"/>
+              <a:defRPr sz="2100"/>
             </a:lvl2pPr>
             <a:lvl3pPr>
-              <a:defRPr sz="2400"/>
+              <a:defRPr sz="1800"/>
             </a:lvl3pPr>
             <a:lvl4pPr>
-              <a:defRPr sz="2000"/>
+              <a:defRPr sz="1500"/>
             </a:lvl4pPr>
             <a:lvl5pPr>
-              <a:defRPr sz="2000"/>
+              <a:defRPr sz="1500"/>
             </a:lvl5pPr>
             <a:lvl6pPr>
-              <a:defRPr sz="2000"/>
+              <a:defRPr sz="1500"/>
             </a:lvl6pPr>
             <a:lvl7pPr>
-              <a:defRPr sz="2000"/>
+              <a:defRPr sz="1500"/>
             </a:lvl7pPr>
             <a:lvl8pPr>
-              <a:defRPr sz="2000"/>
+              <a:defRPr sz="1500"/>
             </a:lvl8pPr>
             <a:lvl9pPr>
-              <a:defRPr sz="2000"/>
+              <a:defRPr sz="1500"/>
             </a:lvl9pPr>
           </a:lstStyle>
           <a:p>
-            <a:pPr lvl="0"/>
-            <a:r>
-              <a:rPr lang="ko-KR" altLang="en-US"/>
-              <a:t>마스터 텍스트 스타일을 편집합니다</a:t>
-            </a:r>
-          </a:p>
-          <a:p>
-            <a:pPr lvl="1"/>
-            <a:r>
-              <a:rPr lang="ko-KR" altLang="en-US"/>
-              <a:t>둘째 수준</a:t>
-            </a:r>
-          </a:p>
-          <a:p>
-            <a:pPr lvl="2"/>
-            <a:r>
-              <a:rPr lang="ko-KR" altLang="en-US"/>
-              <a:t>셋째 수준</a:t>
-            </a:r>
-          </a:p>
-          <a:p>
-            <a:pPr lvl="3"/>
-            <a:r>
-              <a:rPr lang="ko-KR" altLang="en-US"/>
-              <a:t>넷째 수준</a:t>
-            </a:r>
-          </a:p>
-          <a:p>
-            <a:pPr lvl="4"/>
-            <a:r>
-              <a:rPr lang="ko-KR" altLang="en-US"/>
-              <a:t>다섯째 수준</a:t>
-            </a:r>
-          </a:p>
-        </p:txBody>
-      </p:sp>
-      <p:sp>
-        <p:nvSpPr>
-          <p:cNvPr id="4" name="텍스트 개체 틀 3"/>
+            <a:r>
+              <a:rPr kumimoji="1" lang="ko-KR" altLang="en-US"/>
+              <a:t>마스터 텍스트 스타일 편집
+둘째 수준
+셋째 수준
+넷째 수준
+다섯째 수준</a:t>
+            </a:r>
+          </a:p>
+        </p:txBody>
+      </p:sp>
+      <p:sp>
+        <p:nvSpPr>
+          <p:cNvPr id="4" name="텍스트 개체 틀 3">
+            <a:extLst>
+              <a:ext uri="{FF2B5EF4-FFF2-40B4-BE49-F238E27FC236}">
+                <a16:creationId xmlns:a16="http://schemas.microsoft.com/office/drawing/2014/main" id="{33B65B6C-5D9F-414D-A9EE-CFD85C6F4075}"/>
+              </a:ext>
+            </a:extLst>
+          </p:cNvPr>
           <p:cNvSpPr>
             <a:spLocks noGrp="1"/>
           </p:cNvSpPr>
@@ -3597,8 +3439,8 @@
         </p:nvSpPr>
         <p:spPr>
           <a:xfrm>
-            <a:off x="457200" y="1435100"/>
-            <a:ext cx="3008313" cy="4691063"/>
+            <a:off x="629841" y="2057400"/>
+            <a:ext cx="2949178" cy="3811588"/>
           </a:xfrm>
         </p:spPr>
         <p:txBody>
@@ -3606,53 +3448,62 @@
           <a:lstStyle>
             <a:lvl1pPr marL="0" indent="0">
               <a:buNone/>
-              <a:defRPr sz="1400"/>
+              <a:defRPr sz="1200"/>
             </a:lvl1pPr>
-            <a:lvl2pPr marL="457200" indent="0">
+            <a:lvl2pPr marL="342900" indent="0">
               <a:buNone/>
-              <a:defRPr sz="1200"/>
+              <a:defRPr sz="1050"/>
             </a:lvl2pPr>
-            <a:lvl3pPr marL="914400" indent="0">
-              <a:buNone/>
-              <a:defRPr sz="1000"/>
-            </a:lvl3pPr>
-            <a:lvl4pPr marL="1371600" indent="0">
+            <a:lvl3pPr marL="685800" indent="0">
               <a:buNone/>
               <a:defRPr sz="900"/>
+            </a:lvl3pPr>
+            <a:lvl4pPr marL="1028700" indent="0">
+              <a:buNone/>
+              <a:defRPr sz="750"/>
             </a:lvl4pPr>
-            <a:lvl5pPr marL="1828800" indent="0">
+            <a:lvl5pPr marL="1371600" indent="0">
               <a:buNone/>
-              <a:defRPr sz="900"/>
+              <a:defRPr sz="750"/>
             </a:lvl5pPr>
-            <a:lvl6pPr marL="2286000" indent="0">
+            <a:lvl6pPr marL="1714500" indent="0">
               <a:buNone/>
-              <a:defRPr sz="900"/>
+              <a:defRPr sz="750"/>
             </a:lvl6pPr>
-            <a:lvl7pPr marL="2743200" indent="0">
+            <a:lvl7pPr marL="2057400" indent="0">
               <a:buNone/>
-              <a:defRPr sz="900"/>
+              <a:defRPr sz="750"/>
             </a:lvl7pPr>
-            <a:lvl8pPr marL="3200400" indent="0">
+            <a:lvl8pPr marL="2400300" indent="0">
               <a:buNone/>
-              <a:defRPr sz="900"/>
+              <a:defRPr sz="750"/>
             </a:lvl8pPr>
-            <a:lvl9pPr marL="3657600" indent="0">
+            <a:lvl9pPr marL="2743200" indent="0">
               <a:buNone/>
-              <a:defRPr sz="900"/>
+              <a:defRPr sz="750"/>
             </a:lvl9pPr>
           </a:lstStyle>
           <a:p>
-            <a:pPr lvl="0"/>
-            <a:r>
-              <a:rPr lang="ko-KR" altLang="en-US"/>
-              <a:t>마스터 텍스트 스타일을 편집합니다</a:t>
-            </a:r>
-          </a:p>
-        </p:txBody>
-      </p:sp>
-      <p:sp>
-        <p:nvSpPr>
-          <p:cNvPr id="5" name="날짜 개체 틀 4"/>
+            <a:r>
+              <a:rPr kumimoji="1" lang="ko-KR" altLang="en-US"/>
+              <a:t>마스터 텍스트 스타일 편집
+둘째 수준
+셋째 수준
+넷째 수준
+다섯째 수준</a:t>
+            </a:r>
+          </a:p>
+        </p:txBody>
+      </p:sp>
+      <p:sp>
+        <p:nvSpPr>
+          <p:cNvPr id="5" name="날짜 개체 틀 4">
+            <a:extLst>
+              <a:ext uri="{FF2B5EF4-FFF2-40B4-BE49-F238E27FC236}">
+                <a16:creationId xmlns:a16="http://schemas.microsoft.com/office/drawing/2014/main" id="{5F0C3DBD-B303-8F44-861C-07F510360BFB}"/>
+              </a:ext>
+            </a:extLst>
+          </p:cNvPr>
           <p:cNvSpPr>
             <a:spLocks noGrp="1"/>
           </p:cNvSpPr>
@@ -3667,7 +3518,7 @@
           <a:p>
             <a:fld id="{8E20E162-3880-4AB0-B825-B924C8552DF4}" type="datetimeFigureOut">
               <a:rPr lang="ko-KR" altLang="en-US" smtClean="0"/>
-              <a:t>2018-11-10</a:t>
+              <a:t>2018. 11. 10.</a:t>
             </a:fld>
             <a:endParaRPr lang="ko-KR" altLang="en-US"/>
           </a:p>
@@ -3675,7 +3526,13 @@
       </p:sp>
       <p:sp>
         <p:nvSpPr>
-          <p:cNvPr id="6" name="바닥글 개체 틀 5"/>
+          <p:cNvPr id="6" name="바닥글 개체 틀 5">
+            <a:extLst>
+              <a:ext uri="{FF2B5EF4-FFF2-40B4-BE49-F238E27FC236}">
+                <a16:creationId xmlns:a16="http://schemas.microsoft.com/office/drawing/2014/main" id="{4E00FBA8-2D5F-C04E-808E-A2A26A7B402D}"/>
+              </a:ext>
+            </a:extLst>
+          </p:cNvPr>
           <p:cNvSpPr>
             <a:spLocks noGrp="1"/>
           </p:cNvSpPr>
@@ -3694,7 +3551,13 @@
       </p:sp>
       <p:sp>
         <p:nvSpPr>
-          <p:cNvPr id="7" name="슬라이드 번호 개체 틀 6"/>
+          <p:cNvPr id="7" name="슬라이드 번호 개체 틀 6">
+            <a:extLst>
+              <a:ext uri="{FF2B5EF4-FFF2-40B4-BE49-F238E27FC236}">
+                <a16:creationId xmlns:a16="http://schemas.microsoft.com/office/drawing/2014/main" id="{29B3C1E0-E473-C44A-B885-D96968C59225}"/>
+              </a:ext>
+            </a:extLst>
+          </p:cNvPr>
           <p:cNvSpPr>
             <a:spLocks noGrp="1"/>
           </p:cNvSpPr>
@@ -3718,7 +3581,7 @@
     </p:spTree>
     <p:extLst>
       <p:ext uri="{BB962C8B-B14F-4D97-AF65-F5344CB8AC3E}">
-        <p14:creationId xmlns:p14="http://schemas.microsoft.com/office/powerpoint/2010/main" val="838390462"/>
+        <p14:creationId xmlns:p14="http://schemas.microsoft.com/office/powerpoint/2010/main" val="2466771619"/>
       </p:ext>
     </p:extLst>
   </p:cSld>
@@ -3747,7 +3610,13 @@
       </p:grpSpPr>
       <p:sp>
         <p:nvSpPr>
-          <p:cNvPr id="2" name="제목 1"/>
+          <p:cNvPr id="2" name="제목 1">
+            <a:extLst>
+              <a:ext uri="{FF2B5EF4-FFF2-40B4-BE49-F238E27FC236}">
+                <a16:creationId xmlns:a16="http://schemas.microsoft.com/office/drawing/2014/main" id="{46D059F7-CA58-2E45-8321-CA55B3FCD32C}"/>
+              </a:ext>
+            </a:extLst>
+          </p:cNvPr>
           <p:cNvSpPr>
             <a:spLocks noGrp="1"/>
           </p:cNvSpPr>
@@ -3757,20 +3626,20 @@
         </p:nvSpPr>
         <p:spPr>
           <a:xfrm>
-            <a:off x="1792288" y="4800600"/>
-            <a:ext cx="5486400" cy="566738"/>
+            <a:off x="629841" y="457200"/>
+            <a:ext cx="2949178" cy="1600200"/>
           </a:xfrm>
         </p:spPr>
         <p:txBody>
           <a:bodyPr anchor="b"/>
           <a:lstStyle>
-            <a:lvl1pPr algn="l">
-              <a:defRPr sz="2000" b="1"/>
+            <a:lvl1pPr>
+              <a:defRPr sz="2400"/>
             </a:lvl1pPr>
           </a:lstStyle>
           <a:p>
             <a:r>
-              <a:rPr lang="ko-KR" altLang="en-US"/>
+              <a:rPr kumimoji="1" lang="ko-KR" altLang="en-US"/>
               <a:t>마스터 제목 스타일 편집</a:t>
             </a:r>
           </a:p>
@@ -3778,7 +3647,13 @@
       </p:sp>
       <p:sp>
         <p:nvSpPr>
-          <p:cNvPr id="3" name="그림 개체 틀 2"/>
+          <p:cNvPr id="3" name="그림 개체 틀 2">
+            <a:extLst>
+              <a:ext uri="{FF2B5EF4-FFF2-40B4-BE49-F238E27FC236}">
+                <a16:creationId xmlns:a16="http://schemas.microsoft.com/office/drawing/2014/main" id="{182DAD12-4ECA-344E-8D21-137564D4AE23}"/>
+              </a:ext>
+            </a:extLst>
+          </p:cNvPr>
           <p:cNvSpPr>
             <a:spLocks noGrp="1"/>
           </p:cNvSpPr>
@@ -3788,8 +3663,8 @@
         </p:nvSpPr>
         <p:spPr>
           <a:xfrm>
-            <a:off x="1792288" y="612775"/>
-            <a:ext cx="5486400" cy="4114800"/>
+            <a:off x="3887391" y="987426"/>
+            <a:ext cx="4629150" cy="4873625"/>
           </a:xfrm>
         </p:spPr>
         <p:txBody>
@@ -3797,49 +3672,55 @@
           <a:lstStyle>
             <a:lvl1pPr marL="0" indent="0">
               <a:buNone/>
-              <a:defRPr sz="3200"/>
+              <a:defRPr sz="2400"/>
             </a:lvl1pPr>
-            <a:lvl2pPr marL="457200" indent="0">
+            <a:lvl2pPr marL="342900" indent="0">
               <a:buNone/>
-              <a:defRPr sz="2800"/>
+              <a:defRPr sz="2100"/>
             </a:lvl2pPr>
-            <a:lvl3pPr marL="914400" indent="0">
+            <a:lvl3pPr marL="685800" indent="0">
               <a:buNone/>
-              <a:defRPr sz="2400"/>
+              <a:defRPr sz="1800"/>
             </a:lvl3pPr>
-            <a:lvl4pPr marL="1371600" indent="0">
+            <a:lvl4pPr marL="1028700" indent="0">
               <a:buNone/>
-              <a:defRPr sz="2000"/>
+              <a:defRPr sz="1500"/>
             </a:lvl4pPr>
-            <a:lvl5pPr marL="1828800" indent="0">
+            <a:lvl5pPr marL="1371600" indent="0">
               <a:buNone/>
-              <a:defRPr sz="2000"/>
+              <a:defRPr sz="1500"/>
             </a:lvl5pPr>
-            <a:lvl6pPr marL="2286000" indent="0">
+            <a:lvl6pPr marL="1714500" indent="0">
               <a:buNone/>
-              <a:defRPr sz="2000"/>
+              <a:defRPr sz="1500"/>
             </a:lvl6pPr>
-            <a:lvl7pPr marL="2743200" indent="0">
+            <a:lvl7pPr marL="2057400" indent="0">
               <a:buNone/>
-              <a:defRPr sz="2000"/>
+              <a:defRPr sz="1500"/>
             </a:lvl7pPr>
-            <a:lvl8pPr marL="3200400" indent="0">
+            <a:lvl8pPr marL="2400300" indent="0">
               <a:buNone/>
-              <a:defRPr sz="2000"/>
+              <a:defRPr sz="1500"/>
             </a:lvl8pPr>
-            <a:lvl9pPr marL="3657600" indent="0">
+            <a:lvl9pPr marL="2743200" indent="0">
               <a:buNone/>
-              <a:defRPr sz="2000"/>
+              <a:defRPr sz="1500"/>
             </a:lvl9pPr>
           </a:lstStyle>
           <a:p>
-            <a:endParaRPr lang="ko-KR" altLang="en-US"/>
-          </a:p>
-        </p:txBody>
-      </p:sp>
-      <p:sp>
-        <p:nvSpPr>
-          <p:cNvPr id="4" name="텍스트 개체 틀 3"/>
+            <a:endParaRPr kumimoji="1" lang="ko-KR" altLang="en-US"/>
+          </a:p>
+        </p:txBody>
+      </p:sp>
+      <p:sp>
+        <p:nvSpPr>
+          <p:cNvPr id="4" name="텍스트 개체 틀 3">
+            <a:extLst>
+              <a:ext uri="{FF2B5EF4-FFF2-40B4-BE49-F238E27FC236}">
+                <a16:creationId xmlns:a16="http://schemas.microsoft.com/office/drawing/2014/main" id="{97168B4E-2F50-DC4F-B50F-2F9C9FF90EFD}"/>
+              </a:ext>
+            </a:extLst>
+          </p:cNvPr>
           <p:cNvSpPr>
             <a:spLocks noGrp="1"/>
           </p:cNvSpPr>
@@ -3849,8 +3730,8 @@
         </p:nvSpPr>
         <p:spPr>
           <a:xfrm>
-            <a:off x="1792288" y="5367338"/>
-            <a:ext cx="5486400" cy="804862"/>
+            <a:off x="629841" y="2057400"/>
+            <a:ext cx="2949178" cy="3811588"/>
           </a:xfrm>
         </p:spPr>
         <p:txBody>
@@ -3858,53 +3739,62 @@
           <a:lstStyle>
             <a:lvl1pPr marL="0" indent="0">
               <a:buNone/>
-              <a:defRPr sz="1400"/>
+              <a:defRPr sz="1200"/>
             </a:lvl1pPr>
-            <a:lvl2pPr marL="457200" indent="0">
+            <a:lvl2pPr marL="342900" indent="0">
               <a:buNone/>
-              <a:defRPr sz="1200"/>
+              <a:defRPr sz="1050"/>
             </a:lvl2pPr>
-            <a:lvl3pPr marL="914400" indent="0">
-              <a:buNone/>
-              <a:defRPr sz="1000"/>
-            </a:lvl3pPr>
-            <a:lvl4pPr marL="1371600" indent="0">
+            <a:lvl3pPr marL="685800" indent="0">
               <a:buNone/>
               <a:defRPr sz="900"/>
+            </a:lvl3pPr>
+            <a:lvl4pPr marL="1028700" indent="0">
+              <a:buNone/>
+              <a:defRPr sz="750"/>
             </a:lvl4pPr>
-            <a:lvl5pPr marL="1828800" indent="0">
+            <a:lvl5pPr marL="1371600" indent="0">
               <a:buNone/>
-              <a:defRPr sz="900"/>
+              <a:defRPr sz="750"/>
             </a:lvl5pPr>
-            <a:lvl6pPr marL="2286000" indent="0">
+            <a:lvl6pPr marL="1714500" indent="0">
               <a:buNone/>
-              <a:defRPr sz="900"/>
+              <a:defRPr sz="750"/>
             </a:lvl6pPr>
-            <a:lvl7pPr marL="2743200" indent="0">
+            <a:lvl7pPr marL="2057400" indent="0">
               <a:buNone/>
-              <a:defRPr sz="900"/>
+              <a:defRPr sz="750"/>
             </a:lvl7pPr>
-            <a:lvl8pPr marL="3200400" indent="0">
+            <a:lvl8pPr marL="2400300" indent="0">
               <a:buNone/>
-              <a:defRPr sz="900"/>
+              <a:defRPr sz="750"/>
             </a:lvl8pPr>
-            <a:lvl9pPr marL="3657600" indent="0">
+            <a:lvl9pPr marL="2743200" indent="0">
               <a:buNone/>
-              <a:defRPr sz="900"/>
+              <a:defRPr sz="750"/>
             </a:lvl9pPr>
           </a:lstStyle>
           <a:p>
-            <a:pPr lvl="0"/>
-            <a:r>
-              <a:rPr lang="ko-KR" altLang="en-US"/>
-              <a:t>마스터 텍스트 스타일을 편집합니다</a:t>
-            </a:r>
-          </a:p>
-        </p:txBody>
-      </p:sp>
-      <p:sp>
-        <p:nvSpPr>
-          <p:cNvPr id="5" name="날짜 개체 틀 4"/>
+            <a:r>
+              <a:rPr kumimoji="1" lang="ko-KR" altLang="en-US"/>
+              <a:t>마스터 텍스트 스타일 편집
+둘째 수준
+셋째 수준
+넷째 수준
+다섯째 수준</a:t>
+            </a:r>
+          </a:p>
+        </p:txBody>
+      </p:sp>
+      <p:sp>
+        <p:nvSpPr>
+          <p:cNvPr id="5" name="날짜 개체 틀 4">
+            <a:extLst>
+              <a:ext uri="{FF2B5EF4-FFF2-40B4-BE49-F238E27FC236}">
+                <a16:creationId xmlns:a16="http://schemas.microsoft.com/office/drawing/2014/main" id="{16C0411B-BB42-FB45-AB7B-97F1981000D0}"/>
+              </a:ext>
+            </a:extLst>
+          </p:cNvPr>
           <p:cNvSpPr>
             <a:spLocks noGrp="1"/>
           </p:cNvSpPr>
@@ -3919,7 +3809,7 @@
           <a:p>
             <a:fld id="{8E20E162-3880-4AB0-B825-B924C8552DF4}" type="datetimeFigureOut">
               <a:rPr lang="ko-KR" altLang="en-US" smtClean="0"/>
-              <a:t>2018-11-10</a:t>
+              <a:t>2018. 11. 10.</a:t>
             </a:fld>
             <a:endParaRPr lang="ko-KR" altLang="en-US"/>
           </a:p>
@@ -3927,7 +3817,13 @@
       </p:sp>
       <p:sp>
         <p:nvSpPr>
-          <p:cNvPr id="6" name="바닥글 개체 틀 5"/>
+          <p:cNvPr id="6" name="바닥글 개체 틀 5">
+            <a:extLst>
+              <a:ext uri="{FF2B5EF4-FFF2-40B4-BE49-F238E27FC236}">
+                <a16:creationId xmlns:a16="http://schemas.microsoft.com/office/drawing/2014/main" id="{27DDF197-A9C8-494E-8BB1-D552ED3C0C73}"/>
+              </a:ext>
+            </a:extLst>
+          </p:cNvPr>
           <p:cNvSpPr>
             <a:spLocks noGrp="1"/>
           </p:cNvSpPr>
@@ -3946,7 +3842,13 @@
       </p:sp>
       <p:sp>
         <p:nvSpPr>
-          <p:cNvPr id="7" name="슬라이드 번호 개체 틀 6"/>
+          <p:cNvPr id="7" name="슬라이드 번호 개체 틀 6">
+            <a:extLst>
+              <a:ext uri="{FF2B5EF4-FFF2-40B4-BE49-F238E27FC236}">
+                <a16:creationId xmlns:a16="http://schemas.microsoft.com/office/drawing/2014/main" id="{47EB2DA9-E2A0-3840-BB00-D589BE3E839D}"/>
+              </a:ext>
+            </a:extLst>
+          </p:cNvPr>
           <p:cNvSpPr>
             <a:spLocks noGrp="1"/>
           </p:cNvSpPr>
@@ -3970,7 +3872,7 @@
     </p:spTree>
     <p:extLst>
       <p:ext uri="{BB962C8B-B14F-4D97-AF65-F5344CB8AC3E}">
-        <p14:creationId xmlns:p14="http://schemas.microsoft.com/office/powerpoint/2010/main" val="1739838257"/>
+        <p14:creationId xmlns:p14="http://schemas.microsoft.com/office/powerpoint/2010/main" val="227971558"/>
       </p:ext>
     </p:extLst>
   </p:cSld>
@@ -4004,7 +3906,13 @@
       </p:grpSpPr>
       <p:sp>
         <p:nvSpPr>
-          <p:cNvPr id="2" name="제목 개체 틀 1"/>
+          <p:cNvPr id="2" name="제목 개체 틀 1">
+            <a:extLst>
+              <a:ext uri="{FF2B5EF4-FFF2-40B4-BE49-F238E27FC236}">
+                <a16:creationId xmlns:a16="http://schemas.microsoft.com/office/drawing/2014/main" id="{3ECC682E-EDAD-7D4E-8C17-63A0BF3C992D}"/>
+              </a:ext>
+            </a:extLst>
+          </p:cNvPr>
           <p:cNvSpPr>
             <a:spLocks noGrp="1"/>
           </p:cNvSpPr>
@@ -4014,8 +3922,8 @@
         </p:nvSpPr>
         <p:spPr>
           <a:xfrm>
-            <a:off x="457200" y="274638"/>
-            <a:ext cx="8229600" cy="1143000"/>
+            <a:off x="628650" y="365126"/>
+            <a:ext cx="7886700" cy="1325563"/>
           </a:xfrm>
           <a:prstGeom prst="rect">
             <a:avLst/>
@@ -4028,7 +3936,7 @@
           <a:lstStyle/>
           <a:p>
             <a:r>
-              <a:rPr lang="ko-KR" altLang="en-US"/>
+              <a:rPr kumimoji="1" lang="ko-KR" altLang="en-US"/>
               <a:t>마스터 제목 스타일 편집</a:t>
             </a:r>
           </a:p>
@@ -4036,7 +3944,13 @@
       </p:sp>
       <p:sp>
         <p:nvSpPr>
-          <p:cNvPr id="3" name="텍스트 개체 틀 2"/>
+          <p:cNvPr id="3" name="텍스트 개체 틀 2">
+            <a:extLst>
+              <a:ext uri="{FF2B5EF4-FFF2-40B4-BE49-F238E27FC236}">
+                <a16:creationId xmlns:a16="http://schemas.microsoft.com/office/drawing/2014/main" id="{11074699-6CBD-3748-8919-ED6B30FE3E0F}"/>
+              </a:ext>
+            </a:extLst>
+          </p:cNvPr>
           <p:cNvSpPr>
             <a:spLocks noGrp="1"/>
           </p:cNvSpPr>
@@ -4046,8 +3960,8 @@
         </p:nvSpPr>
         <p:spPr>
           <a:xfrm>
-            <a:off x="457200" y="1600200"/>
-            <a:ext cx="8229600" cy="4525963"/>
+            <a:off x="628650" y="1825625"/>
+            <a:ext cx="7886700" cy="4351338"/>
           </a:xfrm>
           <a:prstGeom prst="rect">
             <a:avLst/>
@@ -4059,45 +3973,26 @@
           </a:bodyPr>
           <a:lstStyle/>
           <a:p>
-            <a:pPr lvl="0"/>
-            <a:r>
-              <a:rPr lang="ko-KR" altLang="en-US"/>
-              <a:t>마스터 텍스트 스타일을 편집합니다</a:t>
-            </a:r>
-          </a:p>
-          <a:p>
-            <a:pPr lvl="1"/>
-            <a:r>
-              <a:rPr lang="ko-KR" altLang="en-US"/>
-              <a:t>둘째 수준</a:t>
-            </a:r>
-          </a:p>
-          <a:p>
-            <a:pPr lvl="2"/>
-            <a:r>
-              <a:rPr lang="ko-KR" altLang="en-US"/>
-              <a:t>셋째 수준</a:t>
-            </a:r>
-          </a:p>
-          <a:p>
-            <a:pPr lvl="3"/>
-            <a:r>
-              <a:rPr lang="ko-KR" altLang="en-US"/>
-              <a:t>넷째 수준</a:t>
-            </a:r>
-          </a:p>
-          <a:p>
-            <a:pPr lvl="4"/>
-            <a:r>
-              <a:rPr lang="ko-KR" altLang="en-US"/>
-              <a:t>다섯째 수준</a:t>
-            </a:r>
-          </a:p>
-        </p:txBody>
-      </p:sp>
-      <p:sp>
-        <p:nvSpPr>
-          <p:cNvPr id="4" name="날짜 개체 틀 3"/>
+            <a:r>
+              <a:rPr kumimoji="1" lang="ko-KR" altLang="en-US"/>
+              <a:t>마스터 텍스트 스타일 편집
+둘째 수준
+셋째 수준
+넷째 수준
+다섯째 수준</a:t>
+            </a:r>
+          </a:p>
+        </p:txBody>
+      </p:sp>
+      <p:sp>
+        <p:nvSpPr>
+          <p:cNvPr id="4" name="날짜 개체 틀 3">
+            <a:extLst>
+              <a:ext uri="{FF2B5EF4-FFF2-40B4-BE49-F238E27FC236}">
+                <a16:creationId xmlns:a16="http://schemas.microsoft.com/office/drawing/2014/main" id="{DAAE90FF-2C69-1643-8BAB-9E9670CF9B49}"/>
+              </a:ext>
+            </a:extLst>
+          </p:cNvPr>
           <p:cNvSpPr>
             <a:spLocks noGrp="1"/>
           </p:cNvSpPr>
@@ -4107,8 +4002,8 @@
         </p:nvSpPr>
         <p:spPr>
           <a:xfrm>
-            <a:off x="457200" y="6356350"/>
-            <a:ext cx="2133600" cy="365125"/>
+            <a:off x="628650" y="6356351"/>
+            <a:ext cx="2057400" cy="365125"/>
           </a:xfrm>
           <a:prstGeom prst="rect">
             <a:avLst/>
@@ -4118,7 +4013,7 @@
           <a:bodyPr vert="horz" lIns="91440" tIns="45720" rIns="91440" bIns="45720" rtlCol="0" anchor="ctr"/>
           <a:lstStyle>
             <a:lvl1pPr algn="l">
-              <a:defRPr sz="1200">
+              <a:defRPr sz="900">
                 <a:solidFill>
                   <a:schemeClr val="tx1">
                     <a:tint val="75000"/>
@@ -4130,7 +4025,7 @@
           <a:p>
             <a:fld id="{8E20E162-3880-4AB0-B825-B924C8552DF4}" type="datetimeFigureOut">
               <a:rPr lang="ko-KR" altLang="en-US" smtClean="0"/>
-              <a:t>2018-11-10</a:t>
+              <a:t>2018. 11. 10.</a:t>
             </a:fld>
             <a:endParaRPr lang="ko-KR" altLang="en-US"/>
           </a:p>
@@ -4138,7 +4033,13 @@
       </p:sp>
       <p:sp>
         <p:nvSpPr>
-          <p:cNvPr id="5" name="바닥글 개체 틀 4"/>
+          <p:cNvPr id="5" name="바닥글 개체 틀 4">
+            <a:extLst>
+              <a:ext uri="{FF2B5EF4-FFF2-40B4-BE49-F238E27FC236}">
+                <a16:creationId xmlns:a16="http://schemas.microsoft.com/office/drawing/2014/main" id="{FB42483D-E7FD-D848-9D22-23B20940B00C}"/>
+              </a:ext>
+            </a:extLst>
+          </p:cNvPr>
           <p:cNvSpPr>
             <a:spLocks noGrp="1"/>
           </p:cNvSpPr>
@@ -4148,8 +4049,8 @@
         </p:nvSpPr>
         <p:spPr>
           <a:xfrm>
-            <a:off x="3124200" y="6356350"/>
-            <a:ext cx="2895600" cy="365125"/>
+            <a:off x="3028950" y="6356351"/>
+            <a:ext cx="3086100" cy="365125"/>
           </a:xfrm>
           <a:prstGeom prst="rect">
             <a:avLst/>
@@ -4159,7 +4060,7 @@
           <a:bodyPr vert="horz" lIns="91440" tIns="45720" rIns="91440" bIns="45720" rtlCol="0" anchor="ctr"/>
           <a:lstStyle>
             <a:lvl1pPr algn="ctr">
-              <a:defRPr sz="1200">
+              <a:defRPr sz="900">
                 <a:solidFill>
                   <a:schemeClr val="tx1">
                     <a:tint val="75000"/>
@@ -4175,7 +4076,13 @@
       </p:sp>
       <p:sp>
         <p:nvSpPr>
-          <p:cNvPr id="6" name="슬라이드 번호 개체 틀 5"/>
+          <p:cNvPr id="6" name="슬라이드 번호 개체 틀 5">
+            <a:extLst>
+              <a:ext uri="{FF2B5EF4-FFF2-40B4-BE49-F238E27FC236}">
+                <a16:creationId xmlns:a16="http://schemas.microsoft.com/office/drawing/2014/main" id="{C1318B8B-1594-3444-9008-B80ECB9B2442}"/>
+              </a:ext>
+            </a:extLst>
+          </p:cNvPr>
           <p:cNvSpPr>
             <a:spLocks noGrp="1"/>
           </p:cNvSpPr>
@@ -4185,8 +4092,8 @@
         </p:nvSpPr>
         <p:spPr>
           <a:xfrm>
-            <a:off x="6553200" y="6356350"/>
-            <a:ext cx="2133600" cy="365125"/>
+            <a:off x="6457950" y="6356351"/>
+            <a:ext cx="2057400" cy="365125"/>
           </a:xfrm>
           <a:prstGeom prst="rect">
             <a:avLst/>
@@ -4196,7 +4103,7 @@
           <a:bodyPr vert="horz" lIns="91440" tIns="45720" rIns="91440" bIns="45720" rtlCol="0" anchor="ctr"/>
           <a:lstStyle>
             <a:lvl1pPr algn="r">
-              <a:defRPr sz="1200">
+              <a:defRPr sz="900">
                 <a:solidFill>
                   <a:schemeClr val="tx1">
                     <a:tint val="75000"/>
@@ -4217,32 +4124,35 @@
     </p:spTree>
     <p:extLst>
       <p:ext uri="{BB962C8B-B14F-4D97-AF65-F5344CB8AC3E}">
-        <p14:creationId xmlns:p14="http://schemas.microsoft.com/office/powerpoint/2010/main" val="1133354482"/>
+        <p14:creationId xmlns:p14="http://schemas.microsoft.com/office/powerpoint/2010/main" val="4043376813"/>
       </p:ext>
     </p:extLst>
   </p:cSld>
   <p:clrMap bg1="lt1" tx1="dk1" bg2="lt2" tx2="dk2" accent1="accent1" accent2="accent2" accent3="accent3" accent4="accent4" accent5="accent5" accent6="accent6" hlink="hlink" folHlink="folHlink"/>
   <p:sldLayoutIdLst>
-    <p:sldLayoutId id="2147483649" r:id="rId1"/>
-    <p:sldLayoutId id="2147483650" r:id="rId2"/>
-    <p:sldLayoutId id="2147483651" r:id="rId3"/>
-    <p:sldLayoutId id="2147483652" r:id="rId4"/>
-    <p:sldLayoutId id="2147483653" r:id="rId5"/>
-    <p:sldLayoutId id="2147483654" r:id="rId6"/>
-    <p:sldLayoutId id="2147483655" r:id="rId7"/>
-    <p:sldLayoutId id="2147483656" r:id="rId8"/>
-    <p:sldLayoutId id="2147483657" r:id="rId9"/>
-    <p:sldLayoutId id="2147483658" r:id="rId10"/>
-    <p:sldLayoutId id="2147483659" r:id="rId11"/>
+    <p:sldLayoutId id="2147483697" r:id="rId1"/>
+    <p:sldLayoutId id="2147483698" r:id="rId2"/>
+    <p:sldLayoutId id="2147483699" r:id="rId3"/>
+    <p:sldLayoutId id="2147483700" r:id="rId4"/>
+    <p:sldLayoutId id="2147483701" r:id="rId5"/>
+    <p:sldLayoutId id="2147483702" r:id="rId6"/>
+    <p:sldLayoutId id="2147483703" r:id="rId7"/>
+    <p:sldLayoutId id="2147483704" r:id="rId8"/>
+    <p:sldLayoutId id="2147483705" r:id="rId9"/>
+    <p:sldLayoutId id="2147483706" r:id="rId10"/>
+    <p:sldLayoutId id="2147483707" r:id="rId11"/>
   </p:sldLayoutIdLst>
   <p:txStyles>
     <p:titleStyle>
-      <a:lvl1pPr algn="ctr" defTabSz="914400" rtl="0" eaLnBrk="1" latinLnBrk="1" hangingPunct="1">
+      <a:lvl1pPr algn="l" defTabSz="685800" rtl="0" eaLnBrk="1" latinLnBrk="1" hangingPunct="1">
+        <a:lnSpc>
+          <a:spcPct val="90000"/>
+        </a:lnSpc>
         <a:spcBef>
           <a:spcPct val="0"/>
         </a:spcBef>
         <a:buNone/>
-        <a:defRPr sz="4400" kern="1200">
+        <a:defRPr sz="3300" kern="1200">
           <a:solidFill>
             <a:schemeClr val="tx1"/>
           </a:solidFill>
@@ -4253,13 +4163,16 @@
       </a:lvl1pPr>
     </p:titleStyle>
     <p:bodyStyle>
-      <a:lvl1pPr marL="342900" indent="-342900" algn="l" defTabSz="914400" rtl="0" eaLnBrk="1" latinLnBrk="1" hangingPunct="1">
+      <a:lvl1pPr marL="171450" indent="-171450" algn="l" defTabSz="685800" rtl="0" eaLnBrk="1" latinLnBrk="1" hangingPunct="1">
+        <a:lnSpc>
+          <a:spcPct val="90000"/>
+        </a:lnSpc>
         <a:spcBef>
-          <a:spcPct val="20000"/>
+          <a:spcPts val="750"/>
         </a:spcBef>
-        <a:buFont typeface="Arial" pitchFamily="34" charset="0"/>
+        <a:buFont typeface="Arial" panose="020B0604020202020204" pitchFamily="34" charset="0"/>
         <a:buChar char="•"/>
-        <a:defRPr sz="3200" kern="1200">
+        <a:defRPr sz="2100" kern="1200">
           <a:solidFill>
             <a:schemeClr val="tx1"/>
           </a:solidFill>
@@ -4268,13 +4181,16 @@
           <a:cs typeface="+mn-cs"/>
         </a:defRPr>
       </a:lvl1pPr>
-      <a:lvl2pPr marL="742950" indent="-285750" algn="l" defTabSz="914400" rtl="0" eaLnBrk="1" latinLnBrk="1" hangingPunct="1">
+      <a:lvl2pPr marL="514350" indent="-171450" algn="l" defTabSz="685800" rtl="0" eaLnBrk="1" latinLnBrk="1" hangingPunct="1">
+        <a:lnSpc>
+          <a:spcPct val="90000"/>
+        </a:lnSpc>
         <a:spcBef>
-          <a:spcPct val="20000"/>
+          <a:spcPts val="375"/>
         </a:spcBef>
-        <a:buFont typeface="Arial" pitchFamily="34" charset="0"/>
-        <a:buChar char="–"/>
-        <a:defRPr sz="2800" kern="1200">
+        <a:buFont typeface="Arial" panose="020B0604020202020204" pitchFamily="34" charset="0"/>
+        <a:buChar char="•"/>
+        <a:defRPr sz="1800" kern="1200">
           <a:solidFill>
             <a:schemeClr val="tx1"/>
           </a:solidFill>
@@ -4283,13 +4199,16 @@
           <a:cs typeface="+mn-cs"/>
         </a:defRPr>
       </a:lvl2pPr>
-      <a:lvl3pPr marL="1143000" indent="-228600" algn="l" defTabSz="914400" rtl="0" eaLnBrk="1" latinLnBrk="1" hangingPunct="1">
+      <a:lvl3pPr marL="857250" indent="-171450" algn="l" defTabSz="685800" rtl="0" eaLnBrk="1" latinLnBrk="1" hangingPunct="1">
+        <a:lnSpc>
+          <a:spcPct val="90000"/>
+        </a:lnSpc>
         <a:spcBef>
-          <a:spcPct val="20000"/>
+          <a:spcPts val="375"/>
         </a:spcBef>
-        <a:buFont typeface="Arial" pitchFamily="34" charset="0"/>
+        <a:buFont typeface="Arial" panose="020B0604020202020204" pitchFamily="34" charset="0"/>
         <a:buChar char="•"/>
-        <a:defRPr sz="2400" kern="1200">
+        <a:defRPr sz="1500" kern="1200">
           <a:solidFill>
             <a:schemeClr val="tx1"/>
           </a:solidFill>
@@ -4298,13 +4217,16 @@
           <a:cs typeface="+mn-cs"/>
         </a:defRPr>
       </a:lvl3pPr>
-      <a:lvl4pPr marL="1600200" indent="-228600" algn="l" defTabSz="914400" rtl="0" eaLnBrk="1" latinLnBrk="1" hangingPunct="1">
+      <a:lvl4pPr marL="1200150" indent="-171450" algn="l" defTabSz="685800" rtl="0" eaLnBrk="1" latinLnBrk="1" hangingPunct="1">
+        <a:lnSpc>
+          <a:spcPct val="90000"/>
+        </a:lnSpc>
         <a:spcBef>
-          <a:spcPct val="20000"/>
+          <a:spcPts val="375"/>
         </a:spcBef>
-        <a:buFont typeface="Arial" pitchFamily="34" charset="0"/>
-        <a:buChar char="–"/>
-        <a:defRPr sz="2000" kern="1200">
+        <a:buFont typeface="Arial" panose="020B0604020202020204" pitchFamily="34" charset="0"/>
+        <a:buChar char="•"/>
+        <a:defRPr sz="1350" kern="1200">
           <a:solidFill>
             <a:schemeClr val="tx1"/>
           </a:solidFill>
@@ -4313,13 +4235,16 @@
           <a:cs typeface="+mn-cs"/>
         </a:defRPr>
       </a:lvl4pPr>
-      <a:lvl5pPr marL="2057400" indent="-228600" algn="l" defTabSz="914400" rtl="0" eaLnBrk="1" latinLnBrk="1" hangingPunct="1">
+      <a:lvl5pPr marL="1543050" indent="-171450" algn="l" defTabSz="685800" rtl="0" eaLnBrk="1" latinLnBrk="1" hangingPunct="1">
+        <a:lnSpc>
+          <a:spcPct val="90000"/>
+        </a:lnSpc>
         <a:spcBef>
-          <a:spcPct val="20000"/>
+          <a:spcPts val="375"/>
         </a:spcBef>
-        <a:buFont typeface="Arial" pitchFamily="34" charset="0"/>
-        <a:buChar char="»"/>
-        <a:defRPr sz="2000" kern="1200">
+        <a:buFont typeface="Arial" panose="020B0604020202020204" pitchFamily="34" charset="0"/>
+        <a:buChar char="•"/>
+        <a:defRPr sz="1350" kern="1200">
           <a:solidFill>
             <a:schemeClr val="tx1"/>
           </a:solidFill>
@@ -4328,13 +4253,16 @@
           <a:cs typeface="+mn-cs"/>
         </a:defRPr>
       </a:lvl5pPr>
-      <a:lvl6pPr marL="2514600" indent="-228600" algn="l" defTabSz="914400" rtl="0" eaLnBrk="1" latinLnBrk="1" hangingPunct="1">
+      <a:lvl6pPr marL="1885950" indent="-171450" algn="l" defTabSz="685800" rtl="0" eaLnBrk="1" latinLnBrk="1" hangingPunct="1">
+        <a:lnSpc>
+          <a:spcPct val="90000"/>
+        </a:lnSpc>
         <a:spcBef>
-          <a:spcPct val="20000"/>
+          <a:spcPts val="375"/>
         </a:spcBef>
-        <a:buFont typeface="Arial" pitchFamily="34" charset="0"/>
+        <a:buFont typeface="Arial" panose="020B0604020202020204" pitchFamily="34" charset="0"/>
         <a:buChar char="•"/>
-        <a:defRPr sz="2000" kern="1200">
+        <a:defRPr sz="1350" kern="1200">
           <a:solidFill>
             <a:schemeClr val="tx1"/>
           </a:solidFill>
@@ -4343,13 +4271,16 @@
           <a:cs typeface="+mn-cs"/>
         </a:defRPr>
       </a:lvl6pPr>
-      <a:lvl7pPr marL="2971800" indent="-228600" algn="l" defTabSz="914400" rtl="0" eaLnBrk="1" latinLnBrk="1" hangingPunct="1">
+      <a:lvl7pPr marL="2228850" indent="-171450" algn="l" defTabSz="685800" rtl="0" eaLnBrk="1" latinLnBrk="1" hangingPunct="1">
+        <a:lnSpc>
+          <a:spcPct val="90000"/>
+        </a:lnSpc>
         <a:spcBef>
-          <a:spcPct val="20000"/>
+          <a:spcPts val="375"/>
         </a:spcBef>
-        <a:buFont typeface="Arial" pitchFamily="34" charset="0"/>
+        <a:buFont typeface="Arial" panose="020B0604020202020204" pitchFamily="34" charset="0"/>
         <a:buChar char="•"/>
-        <a:defRPr sz="2000" kern="1200">
+        <a:defRPr sz="1350" kern="1200">
           <a:solidFill>
             <a:schemeClr val="tx1"/>
           </a:solidFill>
@@ -4358,13 +4289,16 @@
           <a:cs typeface="+mn-cs"/>
         </a:defRPr>
       </a:lvl7pPr>
-      <a:lvl8pPr marL="3429000" indent="-228600" algn="l" defTabSz="914400" rtl="0" eaLnBrk="1" latinLnBrk="1" hangingPunct="1">
+      <a:lvl8pPr marL="2571750" indent="-171450" algn="l" defTabSz="685800" rtl="0" eaLnBrk="1" latinLnBrk="1" hangingPunct="1">
+        <a:lnSpc>
+          <a:spcPct val="90000"/>
+        </a:lnSpc>
         <a:spcBef>
-          <a:spcPct val="20000"/>
+          <a:spcPts val="375"/>
         </a:spcBef>
-        <a:buFont typeface="Arial" pitchFamily="34" charset="0"/>
+        <a:buFont typeface="Arial" panose="020B0604020202020204" pitchFamily="34" charset="0"/>
         <a:buChar char="•"/>
-        <a:defRPr sz="2000" kern="1200">
+        <a:defRPr sz="1350" kern="1200">
           <a:solidFill>
             <a:schemeClr val="tx1"/>
           </a:solidFill>
@@ -4373,13 +4307,16 @@
           <a:cs typeface="+mn-cs"/>
         </a:defRPr>
       </a:lvl8pPr>
-      <a:lvl9pPr marL="3886200" indent="-228600" algn="l" defTabSz="914400" rtl="0" eaLnBrk="1" latinLnBrk="1" hangingPunct="1">
+      <a:lvl9pPr marL="2914650" indent="-171450" algn="l" defTabSz="685800" rtl="0" eaLnBrk="1" latinLnBrk="1" hangingPunct="1">
+        <a:lnSpc>
+          <a:spcPct val="90000"/>
+        </a:lnSpc>
         <a:spcBef>
-          <a:spcPct val="20000"/>
+          <a:spcPts val="375"/>
         </a:spcBef>
-        <a:buFont typeface="Arial" pitchFamily="34" charset="0"/>
+        <a:buFont typeface="Arial" panose="020B0604020202020204" pitchFamily="34" charset="0"/>
         <a:buChar char="•"/>
-        <a:defRPr sz="2000" kern="1200">
+        <a:defRPr sz="1350" kern="1200">
           <a:solidFill>
             <a:schemeClr val="tx1"/>
           </a:solidFill>
@@ -4393,8 +4330,8 @@
       <a:defPPr>
         <a:defRPr lang="ko-KR"/>
       </a:defPPr>
-      <a:lvl1pPr marL="0" algn="l" defTabSz="914400" rtl="0" eaLnBrk="1" latinLnBrk="1" hangingPunct="1">
-        <a:defRPr sz="1800" kern="1200">
+      <a:lvl1pPr marL="0" algn="l" defTabSz="685800" rtl="0" eaLnBrk="1" latinLnBrk="1" hangingPunct="1">
+        <a:defRPr sz="1350" kern="1200">
           <a:solidFill>
             <a:schemeClr val="tx1"/>
           </a:solidFill>
@@ -4403,8 +4340,8 @@
           <a:cs typeface="+mn-cs"/>
         </a:defRPr>
       </a:lvl1pPr>
-      <a:lvl2pPr marL="457200" algn="l" defTabSz="914400" rtl="0" eaLnBrk="1" latinLnBrk="1" hangingPunct="1">
-        <a:defRPr sz="1800" kern="1200">
+      <a:lvl2pPr marL="342900" algn="l" defTabSz="685800" rtl="0" eaLnBrk="1" latinLnBrk="1" hangingPunct="1">
+        <a:defRPr sz="1350" kern="1200">
           <a:solidFill>
             <a:schemeClr val="tx1"/>
           </a:solidFill>
@@ -4413,8 +4350,8 @@
           <a:cs typeface="+mn-cs"/>
         </a:defRPr>
       </a:lvl2pPr>
-      <a:lvl3pPr marL="914400" algn="l" defTabSz="914400" rtl="0" eaLnBrk="1" latinLnBrk="1" hangingPunct="1">
-        <a:defRPr sz="1800" kern="1200">
+      <a:lvl3pPr marL="685800" algn="l" defTabSz="685800" rtl="0" eaLnBrk="1" latinLnBrk="1" hangingPunct="1">
+        <a:defRPr sz="1350" kern="1200">
           <a:solidFill>
             <a:schemeClr val="tx1"/>
           </a:solidFill>
@@ -4423,8 +4360,8 @@
           <a:cs typeface="+mn-cs"/>
         </a:defRPr>
       </a:lvl3pPr>
-      <a:lvl4pPr marL="1371600" algn="l" defTabSz="914400" rtl="0" eaLnBrk="1" latinLnBrk="1" hangingPunct="1">
-        <a:defRPr sz="1800" kern="1200">
+      <a:lvl4pPr marL="1028700" algn="l" defTabSz="685800" rtl="0" eaLnBrk="1" latinLnBrk="1" hangingPunct="1">
+        <a:defRPr sz="1350" kern="1200">
           <a:solidFill>
             <a:schemeClr val="tx1"/>
           </a:solidFill>
@@ -4433,8 +4370,8 @@
           <a:cs typeface="+mn-cs"/>
         </a:defRPr>
       </a:lvl4pPr>
-      <a:lvl5pPr marL="1828800" algn="l" defTabSz="914400" rtl="0" eaLnBrk="1" latinLnBrk="1" hangingPunct="1">
-        <a:defRPr sz="1800" kern="1200">
+      <a:lvl5pPr marL="1371600" algn="l" defTabSz="685800" rtl="0" eaLnBrk="1" latinLnBrk="1" hangingPunct="1">
+        <a:defRPr sz="1350" kern="1200">
           <a:solidFill>
             <a:schemeClr val="tx1"/>
           </a:solidFill>
@@ -4443,8 +4380,8 @@
           <a:cs typeface="+mn-cs"/>
         </a:defRPr>
       </a:lvl5pPr>
-      <a:lvl6pPr marL="2286000" algn="l" defTabSz="914400" rtl="0" eaLnBrk="1" latinLnBrk="1" hangingPunct="1">
-        <a:defRPr sz="1800" kern="1200">
+      <a:lvl6pPr marL="1714500" algn="l" defTabSz="685800" rtl="0" eaLnBrk="1" latinLnBrk="1" hangingPunct="1">
+        <a:defRPr sz="1350" kern="1200">
           <a:solidFill>
             <a:schemeClr val="tx1"/>
           </a:solidFill>
@@ -4453,8 +4390,8 @@
           <a:cs typeface="+mn-cs"/>
         </a:defRPr>
       </a:lvl6pPr>
-      <a:lvl7pPr marL="2743200" algn="l" defTabSz="914400" rtl="0" eaLnBrk="1" latinLnBrk="1" hangingPunct="1">
-        <a:defRPr sz="1800" kern="1200">
+      <a:lvl7pPr marL="2057400" algn="l" defTabSz="685800" rtl="0" eaLnBrk="1" latinLnBrk="1" hangingPunct="1">
+        <a:defRPr sz="1350" kern="1200">
           <a:solidFill>
             <a:schemeClr val="tx1"/>
           </a:solidFill>
@@ -4463,8 +4400,8 @@
           <a:cs typeface="+mn-cs"/>
         </a:defRPr>
       </a:lvl7pPr>
-      <a:lvl8pPr marL="3200400" algn="l" defTabSz="914400" rtl="0" eaLnBrk="1" latinLnBrk="1" hangingPunct="1">
-        <a:defRPr sz="1800" kern="1200">
+      <a:lvl8pPr marL="2400300" algn="l" defTabSz="685800" rtl="0" eaLnBrk="1" latinLnBrk="1" hangingPunct="1">
+        <a:defRPr sz="1350" kern="1200">
           <a:solidFill>
             <a:schemeClr val="tx1"/>
           </a:solidFill>
@@ -4473,8 +4410,8 @@
           <a:cs typeface="+mn-cs"/>
         </a:defRPr>
       </a:lvl8pPr>
-      <a:lvl9pPr marL="3657600" algn="l" defTabSz="914400" rtl="0" eaLnBrk="1" latinLnBrk="1" hangingPunct="1">
-        <a:defRPr sz="1800" kern="1200">
+      <a:lvl9pPr marL="2743200" algn="l" defTabSz="685800" rtl="0" eaLnBrk="1" latinLnBrk="1" hangingPunct="1">
+        <a:defRPr sz="1350" kern="1200">
           <a:solidFill>
             <a:schemeClr val="tx1"/>
           </a:solidFill>
@@ -4510,7 +4447,7 @@
           <p:cNvPr id="2" name="제목 1">
             <a:extLst>
               <a:ext uri="{FF2B5EF4-FFF2-40B4-BE49-F238E27FC236}">
-                <a16:creationId xmlns="" xmlns:a16="http://schemas.microsoft.com/office/drawing/2014/main" id="{E8EBD7A7-4630-1047-9A97-D89735A59B12}"/>
+                <a16:creationId xmlns:a16="http://schemas.microsoft.com/office/drawing/2014/main" id="{E8EBD7A7-4630-1047-9A97-D89735A59B12}"/>
               </a:ext>
             </a:extLst>
           </p:cNvPr>
@@ -4546,7 +4483,7 @@
           <p:cNvPr id="3" name="내용 개체 틀 2">
             <a:extLst>
               <a:ext uri="{FF2B5EF4-FFF2-40B4-BE49-F238E27FC236}">
-                <a16:creationId xmlns="" xmlns:a16="http://schemas.microsoft.com/office/drawing/2014/main" id="{BA9874B2-5A79-0C4C-AEDC-6599047D15CC}"/>
+                <a16:creationId xmlns:a16="http://schemas.microsoft.com/office/drawing/2014/main" id="{BA9874B2-5A79-0C4C-AEDC-6599047D15CC}"/>
               </a:ext>
             </a:extLst>
           </p:cNvPr>
@@ -4560,7 +4497,7 @@
         <p:spPr/>
         <p:txBody>
           <a:bodyPr>
-            <a:normAutofit fontScale="70000" lnSpcReduction="20000"/>
+            <a:normAutofit fontScale="92500"/>
           </a:bodyPr>
           <a:lstStyle/>
           <a:p>
@@ -4717,10 +4654,6 @@
             </a:r>
           </a:p>
           <a:p>
-            <a:r>
-              <a:rPr lang="ko-KR" altLang="en-US" dirty="0"/>
-              <a:t/>
-            </a:r>
             <a:br>
               <a:rPr lang="ko-KR" altLang="en-US" dirty="0"/>
             </a:br>
@@ -4787,6 +4720,14 @@
 <file path=ppt/slides/slide10.xml><?xml version="1.0" encoding="utf-8"?>
 <p:sld xmlns:a="http://schemas.openxmlformats.org/drawingml/2006/main" xmlns:r="http://schemas.openxmlformats.org/officeDocument/2006/relationships" xmlns:p="http://schemas.openxmlformats.org/presentationml/2006/main">
   <p:cSld>
+    <p:bg>
+      <p:bgPr>
+        <a:solidFill>
+          <a:srgbClr val="05022F"/>
+        </a:solidFill>
+        <a:effectLst/>
+      </p:bgPr>
+    </p:bg>
     <p:spTree>
       <p:nvGrpSpPr>
         <p:cNvPr id="1" name=""/>
@@ -4813,19 +4754,34 @@
         </p:nvSpPr>
         <p:spPr/>
         <p:txBody>
-          <a:bodyPr/>
+          <a:bodyPr>
+            <a:normAutofit/>
+          </a:bodyPr>
           <a:lstStyle/>
           <a:p>
-            <a:r>
-              <a:rPr lang="ko-KR" altLang="en-US" dirty="0"/>
+            <a:pPr algn="ctr"/>
+            <a:r>
+              <a:rPr lang="ko-KR" altLang="en-US" sz="4400" dirty="0">
+                <a:solidFill>
+                  <a:schemeClr val="bg1"/>
+                </a:solidFill>
+              </a:rPr>
               <a:t>쇼핑 기능</a:t>
             </a:r>
             <a:r>
-              <a:rPr lang="en-US" altLang="ko-KR" dirty="0"/>
+              <a:rPr lang="en-US" altLang="ko-KR" sz="4400" dirty="0">
+                <a:solidFill>
+                  <a:schemeClr val="bg1"/>
+                </a:solidFill>
+              </a:rPr>
               <a:t>&amp;</a:t>
             </a:r>
             <a:r>
-              <a:rPr lang="ko-KR" altLang="en-US" dirty="0"/>
+              <a:rPr lang="ko-KR" altLang="en-US" sz="4400" dirty="0">
+                <a:solidFill>
+                  <a:schemeClr val="bg1"/>
+                </a:solidFill>
+              </a:rPr>
               <a:t>리뷰 관리</a:t>
             </a:r>
           </a:p>
@@ -4836,7 +4792,7 @@
           <p:cNvPr id="4" name="내용 개체 틀 8" descr="스크린샷이(가) 표시된 사진&#10;&#10;&#10;&#10;자동 생성된 설명">
             <a:extLst>
               <a:ext uri="{FF2B5EF4-FFF2-40B4-BE49-F238E27FC236}">
-                <a16:creationId xmlns="" xmlns:a16="http://schemas.microsoft.com/office/drawing/2014/main" id="{49F20AB3-A0D8-E445-957D-6C1CF569A8C4}"/>
+                <a16:creationId xmlns:a16="http://schemas.microsoft.com/office/drawing/2014/main" id="{49F20AB3-A0D8-E445-957D-6C1CF569A8C4}"/>
               </a:ext>
             </a:extLst>
           </p:cNvPr>
@@ -4858,8 +4814,8 @@
         </p:blipFill>
         <p:spPr>
           <a:xfrm>
-            <a:off x="3276120" y="1690840"/>
-            <a:ext cx="2376000" cy="4135166"/>
+            <a:off x="3026640" y="1521793"/>
+            <a:ext cx="2874960" cy="5003551"/>
           </a:xfrm>
           <a:prstGeom prst="flowChartAlternateProcess">
             <a:avLst/>
@@ -4889,8 +4845,8 @@
         </p:blipFill>
         <p:spPr bwMode="auto">
           <a:xfrm>
-            <a:off x="3492144" y="2194391"/>
-            <a:ext cx="2044800" cy="3004792"/>
+            <a:off x="3277440" y="2144033"/>
+            <a:ext cx="2474208" cy="3635798"/>
           </a:xfrm>
           <a:prstGeom prst="rect">
             <a:avLst/>
@@ -4924,12 +4880,23 @@
   <p:clrMapOvr>
     <a:masterClrMapping/>
   </p:clrMapOvr>
+  <p:transition spd="slow">
+    <p:wipe/>
+  </p:transition>
 </p:sld>
 </file>
 
 <file path=ppt/slides/slide11.xml><?xml version="1.0" encoding="utf-8"?>
 <p:sld xmlns:a="http://schemas.openxmlformats.org/drawingml/2006/main" xmlns:r="http://schemas.openxmlformats.org/officeDocument/2006/relationships" xmlns:p="http://schemas.openxmlformats.org/presentationml/2006/main">
   <p:cSld>
+    <p:bg>
+      <p:bgPr>
+        <a:solidFill>
+          <a:srgbClr val="05022F"/>
+        </a:solidFill>
+        <a:effectLst/>
+      </p:bgPr>
+    </p:bg>
     <p:spTree>
       <p:nvGrpSpPr>
         <p:cNvPr id="1" name=""/>
@@ -4949,7 +4916,7 @@
           <p:cNvPr id="6" name="내용 개체 틀 8" descr="스크린샷이(가) 표시된 사진&#10;&#10;&#10;&#10;자동 생성된 설명">
             <a:extLst>
               <a:ext uri="{FF2B5EF4-FFF2-40B4-BE49-F238E27FC236}">
-                <a16:creationId xmlns="" xmlns:a16="http://schemas.microsoft.com/office/drawing/2014/main" id="{0E816373-5551-9F4B-951C-E3D21C53B6C8}"/>
+                <a16:creationId xmlns:a16="http://schemas.microsoft.com/office/drawing/2014/main" id="{0E816373-5551-9F4B-951C-E3D21C53B6C8}"/>
               </a:ext>
             </a:extLst>
           </p:cNvPr>
@@ -4971,8 +4938,8 @@
         </p:blipFill>
         <p:spPr>
           <a:xfrm>
-            <a:off x="3276120" y="1690840"/>
-            <a:ext cx="2376000" cy="4135166"/>
+            <a:off x="2882892" y="1006470"/>
+            <a:ext cx="3162456" cy="5503906"/>
           </a:xfrm>
           <a:prstGeom prst="flowChartAlternateProcess">
             <a:avLst/>
@@ -4984,7 +4951,7 @@
           <p:cNvPr id="5" name="내용 개체 틀 4" descr="스크린샷이(가) 표시된 사진&#10;&#10;&#10;&#10;자동 생성된 설명">
             <a:extLst>
               <a:ext uri="{FF2B5EF4-FFF2-40B4-BE49-F238E27FC236}">
-                <a16:creationId xmlns="" xmlns:a16="http://schemas.microsoft.com/office/drawing/2014/main" id="{493F555A-8FE9-6046-A7BC-6595E736DF91}"/>
+                <a16:creationId xmlns:a16="http://schemas.microsoft.com/office/drawing/2014/main" id="{493F555A-8FE9-6046-A7BC-6595E736DF91}"/>
               </a:ext>
             </a:extLst>
           </p:cNvPr>
@@ -5009,8 +4976,8 @@
         </p:blipFill>
         <p:spPr>
           <a:xfrm>
-            <a:off x="3491879" y="2200558"/>
-            <a:ext cx="2044800" cy="3008648"/>
+            <a:off x="3153465" y="1702627"/>
+            <a:ext cx="2721629" cy="4004510"/>
           </a:xfrm>
           <a:ln>
             <a:solidFill>
@@ -5031,12 +4998,23 @@
   <p:clrMapOvr>
     <a:masterClrMapping/>
   </p:clrMapOvr>
+  <p:transition spd="slow">
+    <p:wipe/>
+  </p:transition>
 </p:sld>
 </file>
 
 <file path=ppt/slides/slide12.xml><?xml version="1.0" encoding="utf-8"?>
 <p:sld xmlns:a="http://schemas.openxmlformats.org/drawingml/2006/main" xmlns:r="http://schemas.openxmlformats.org/officeDocument/2006/relationships" xmlns:p="http://schemas.openxmlformats.org/presentationml/2006/main">
   <p:cSld>
+    <p:bg>
+      <p:bgPr>
+        <a:solidFill>
+          <a:srgbClr val="05022F"/>
+        </a:solidFill>
+        <a:effectLst/>
+      </p:bgPr>
+    </p:bg>
     <p:spTree>
       <p:nvGrpSpPr>
         <p:cNvPr id="1" name=""/>
@@ -5063,19 +5041,34 @@
         </p:nvSpPr>
         <p:spPr/>
         <p:txBody>
-          <a:bodyPr/>
+          <a:bodyPr>
+            <a:normAutofit/>
+          </a:bodyPr>
           <a:lstStyle/>
           <a:p>
-            <a:r>
-              <a:rPr lang="ko-KR" altLang="en-US" dirty="0"/>
+            <a:pPr algn="ctr"/>
+            <a:r>
+              <a:rPr lang="ko-KR" altLang="en-US" sz="4400" dirty="0">
+                <a:solidFill>
+                  <a:schemeClr val="bg1"/>
+                </a:solidFill>
+              </a:rPr>
               <a:t>정기배송 </a:t>
             </a:r>
             <a:r>
-              <a:rPr lang="en-US" altLang="ko-KR" dirty="0"/>
+              <a:rPr lang="en-US" altLang="ko-KR" sz="4400" dirty="0">
+                <a:solidFill>
+                  <a:schemeClr val="bg1"/>
+                </a:solidFill>
+              </a:rPr>
               <a:t>&amp; </a:t>
             </a:r>
             <a:r>
-              <a:rPr lang="ko-KR" altLang="en-US" dirty="0"/>
+              <a:rPr lang="ko-KR" altLang="en-US" sz="4400" dirty="0">
+                <a:solidFill>
+                  <a:schemeClr val="bg1"/>
+                </a:solidFill>
+              </a:rPr>
               <a:t>잔여 마스크 수</a:t>
             </a:r>
           </a:p>
@@ -5086,7 +5079,7 @@
           <p:cNvPr id="4" name="내용 개체 틀 8" descr="스크린샷이(가) 표시된 사진&#10;&#10;&#10;&#10;자동 생성된 설명">
             <a:extLst>
               <a:ext uri="{FF2B5EF4-FFF2-40B4-BE49-F238E27FC236}">
-                <a16:creationId xmlns="" xmlns:a16="http://schemas.microsoft.com/office/drawing/2014/main" id="{49F20AB3-A0D8-E445-957D-6C1CF569A8C4}"/>
+                <a16:creationId xmlns:a16="http://schemas.microsoft.com/office/drawing/2014/main" id="{49F20AB3-A0D8-E445-957D-6C1CF569A8C4}"/>
               </a:ext>
             </a:extLst>
           </p:cNvPr>
@@ -5173,9 +5166,9 @@
         <p:grpSpPr>
           <a:xfrm>
             <a:off x="434240" y="2204864"/>
-            <a:ext cx="4641816" cy="3913530"/>
+            <a:ext cx="4641816" cy="4176464"/>
             <a:chOff x="434240" y="2204864"/>
-            <a:chExt cx="4641816" cy="3913530"/>
+            <a:chExt cx="4641816" cy="4176464"/>
           </a:xfrm>
         </p:grpSpPr>
         <p:pic>
@@ -5423,7 +5416,7 @@
           </p:nvSpPr>
           <p:spPr>
             <a:xfrm>
-              <a:off x="2123848" y="5826006"/>
+              <a:off x="2123848" y="6088940"/>
               <a:ext cx="1080000" cy="292388"/>
             </a:xfrm>
             <a:prstGeom prst="rect">
@@ -5438,7 +5431,11 @@
             <a:lstStyle/>
             <a:p>
               <a:r>
-                <a:rPr lang="ko-KR" altLang="en-US" sz="1300" dirty="0"/>
+                <a:rPr lang="ko-KR" altLang="en-US" sz="1300" dirty="0">
+                  <a:solidFill>
+                    <a:schemeClr val="bg1"/>
+                  </a:solidFill>
+                </a:rPr>
                 <a:t>마스크 배송</a:t>
               </a:r>
             </a:p>
@@ -5467,7 +5464,11 @@
             <a:lstStyle/>
             <a:p>
               <a:r>
-                <a:rPr lang="ko-KR" altLang="en-US" sz="1500" dirty="0"/>
+                <a:rPr lang="ko-KR" altLang="en-US" sz="1500" dirty="0">
+                  <a:solidFill>
+                    <a:schemeClr val="bg1"/>
+                  </a:solidFill>
+                </a:rPr>
                 <a:t>남은 마스크 수</a:t>
               </a:r>
             </a:p>
@@ -5484,12 +5485,23 @@
   <p:clrMapOvr>
     <a:masterClrMapping/>
   </p:clrMapOvr>
+  <p:transition spd="slow">
+    <p:wipe/>
+  </p:transition>
 </p:sld>
 </file>
 
 <file path=ppt/slides/slide13.xml><?xml version="1.0" encoding="utf-8"?>
 <p:sld xmlns:a="http://schemas.openxmlformats.org/drawingml/2006/main" xmlns:r="http://schemas.openxmlformats.org/officeDocument/2006/relationships" xmlns:p="http://schemas.openxmlformats.org/presentationml/2006/main">
   <p:cSld>
+    <p:bg>
+      <p:bgPr>
+        <a:solidFill>
+          <a:srgbClr val="05022F"/>
+        </a:solidFill>
+        <a:effectLst/>
+      </p:bgPr>
+    </p:bg>
     <p:spTree>
       <p:nvGrpSpPr>
         <p:cNvPr id="1" name=""/>
@@ -5521,12 +5533,21 @@
           </a:bodyPr>
           <a:lstStyle/>
           <a:p>
-            <a:r>
-              <a:rPr lang="ko-KR" altLang="en-US" dirty="0" err="1"/>
+            <a:pPr algn="ctr"/>
+            <a:r>
+              <a:rPr lang="ko-KR" altLang="en-US" sz="4400" dirty="0" err="1">
+                <a:solidFill>
+                  <a:schemeClr val="bg1"/>
+                </a:solidFill>
+              </a:rPr>
               <a:t>알람</a:t>
             </a:r>
             <a:r>
-              <a:rPr lang="ko-KR" altLang="en-US" dirty="0"/>
+              <a:rPr lang="ko-KR" altLang="en-US" sz="4400" dirty="0">
+                <a:solidFill>
+                  <a:schemeClr val="bg1"/>
+                </a:solidFill>
+              </a:rPr>
               <a:t> 설정 기능</a:t>
             </a:r>
           </a:p>
@@ -5537,7 +5558,7 @@
           <p:cNvPr id="4" name="내용 개체 틀 8" descr="스크린샷이(가) 표시된 사진&#10;&#10;&#10;&#10;자동 생성된 설명">
             <a:extLst>
               <a:ext uri="{FF2B5EF4-FFF2-40B4-BE49-F238E27FC236}">
-                <a16:creationId xmlns="" xmlns:a16="http://schemas.microsoft.com/office/drawing/2014/main" id="{49F20AB3-A0D8-E445-957D-6C1CF569A8C4}"/>
+                <a16:creationId xmlns:a16="http://schemas.microsoft.com/office/drawing/2014/main" id="{49F20AB3-A0D8-E445-957D-6C1CF569A8C4}"/>
               </a:ext>
             </a:extLst>
           </p:cNvPr>
@@ -5559,8 +5580,8 @@
         </p:blipFill>
         <p:spPr>
           <a:xfrm>
-            <a:off x="3276120" y="1690840"/>
-            <a:ext cx="2376000" cy="4135166"/>
+            <a:off x="3065192" y="1449785"/>
+            <a:ext cx="2874960" cy="5003551"/>
           </a:xfrm>
           <a:prstGeom prst="flowChartAlternateProcess">
             <a:avLst/>
@@ -5590,8 +5611,8 @@
         </p:blipFill>
         <p:spPr bwMode="auto">
           <a:xfrm>
-            <a:off x="3492144" y="2194391"/>
-            <a:ext cx="2044800" cy="3004792"/>
+            <a:off x="3315992" y="2072025"/>
+            <a:ext cx="2474345" cy="3636000"/>
           </a:xfrm>
           <a:prstGeom prst="rect">
             <a:avLst/>
@@ -5620,7 +5641,7 @@
           <p:cNvPr id="5" name="그림 4" descr="실내이(가) 표시된 사진&#10;&#10;&#10;&#10;자동 생성된 설명">
             <a:extLst>
               <a:ext uri="{FF2B5EF4-FFF2-40B4-BE49-F238E27FC236}">
-                <a16:creationId xmlns="" xmlns:a16="http://schemas.microsoft.com/office/drawing/2014/main" id="{9E7717B7-90BA-3F4B-9BB0-475AC09E75EA}"/>
+                <a16:creationId xmlns:a16="http://schemas.microsoft.com/office/drawing/2014/main" id="{9E7717B7-90BA-3F4B-9BB0-475AC09E75EA}"/>
               </a:ext>
             </a:extLst>
           </p:cNvPr>
@@ -5643,8 +5664,8 @@
         </p:blipFill>
         <p:spPr>
           <a:xfrm>
-            <a:off x="5789160" y="2204864"/>
-            <a:ext cx="2044800" cy="2973600"/>
+            <a:off x="3315992" y="2054844"/>
+            <a:ext cx="2474208" cy="3636000"/>
           </a:xfrm>
           <a:prstGeom prst="rect">
             <a:avLst/>
@@ -5668,12 +5689,98 @@
   <p:clrMapOvr>
     <a:masterClrMapping/>
   </p:clrMapOvr>
+  <p:transition spd="slow">
+    <p:wipe/>
+  </p:transition>
+  <p:timing>
+    <p:tnLst>
+      <p:par>
+        <p:cTn id="1" dur="indefinite" restart="never" nodeType="tmRoot">
+          <p:childTnLst>
+            <p:seq concurrent="1" nextAc="seek">
+              <p:cTn id="2" dur="indefinite" nodeType="mainSeq">
+                <p:childTnLst>
+                  <p:par>
+                    <p:cTn id="3" fill="hold">
+                      <p:stCondLst>
+                        <p:cond delay="indefinite"/>
+                      </p:stCondLst>
+                      <p:childTnLst>
+                        <p:par>
+                          <p:cTn id="4" fill="hold">
+                            <p:stCondLst>
+                              <p:cond delay="0"/>
+                            </p:stCondLst>
+                            <p:childTnLst>
+                              <p:par>
+                                <p:cTn id="5" presetID="1" presetClass="entr" presetSubtype="0" fill="hold" nodeType="clickEffect">
+                                  <p:stCondLst>
+                                    <p:cond delay="500"/>
+                                  </p:stCondLst>
+                                  <p:childTnLst>
+                                    <p:set>
+                                      <p:cBhvr>
+                                        <p:cTn id="6" dur="1" fill="hold">
+                                          <p:stCondLst>
+                                            <p:cond delay="0"/>
+                                          </p:stCondLst>
+                                        </p:cTn>
+                                        <p:tgtEl>
+                                          <p:spTgt spid="5"/>
+                                        </p:tgtEl>
+                                        <p:attrNameLst>
+                                          <p:attrName>style.visibility</p:attrName>
+                                        </p:attrNameLst>
+                                      </p:cBhvr>
+                                      <p:to>
+                                        <p:strVal val="visible"/>
+                                      </p:to>
+                                    </p:set>
+                                  </p:childTnLst>
+                                </p:cTn>
+                              </p:par>
+                            </p:childTnLst>
+                          </p:cTn>
+                        </p:par>
+                      </p:childTnLst>
+                    </p:cTn>
+                  </p:par>
+                </p:childTnLst>
+              </p:cTn>
+              <p:prevCondLst>
+                <p:cond evt="onPrev" delay="0">
+                  <p:tgtEl>
+                    <p:sldTgt/>
+                  </p:tgtEl>
+                </p:cond>
+              </p:prevCondLst>
+              <p:nextCondLst>
+                <p:cond evt="onNext" delay="0">
+                  <p:tgtEl>
+                    <p:sldTgt/>
+                  </p:tgtEl>
+                </p:cond>
+              </p:nextCondLst>
+            </p:seq>
+          </p:childTnLst>
+        </p:cTn>
+      </p:par>
+    </p:tnLst>
+  </p:timing>
 </p:sld>
 </file>
 
 <file path=ppt/slides/slide14.xml><?xml version="1.0" encoding="utf-8"?>
 <p:sld xmlns:a="http://schemas.openxmlformats.org/drawingml/2006/main" xmlns:r="http://schemas.openxmlformats.org/officeDocument/2006/relationships" xmlns:p="http://schemas.openxmlformats.org/presentationml/2006/main">
   <p:cSld>
+    <p:bg>
+      <p:bgPr>
+        <a:solidFill>
+          <a:srgbClr val="05022F"/>
+        </a:solidFill>
+        <a:effectLst/>
+      </p:bgPr>
+    </p:bg>
     <p:spTree>
       <p:nvGrpSpPr>
         <p:cNvPr id="1" name=""/>
@@ -5693,7 +5800,7 @@
           <p:cNvPr id="2" name="제목 1">
             <a:extLst>
               <a:ext uri="{FF2B5EF4-FFF2-40B4-BE49-F238E27FC236}">
-                <a16:creationId xmlns="" xmlns:a16="http://schemas.microsoft.com/office/drawing/2014/main" id="{B3E67219-9E56-B643-8AAD-21B8A41E8B0B}"/>
+                <a16:creationId xmlns:a16="http://schemas.microsoft.com/office/drawing/2014/main" id="{B3E67219-9E56-B643-8AAD-21B8A41E8B0B}"/>
               </a:ext>
             </a:extLst>
           </p:cNvPr>
@@ -5702,6 +5809,41 @@
           </p:cNvSpPr>
           <p:nvPr>
             <p:ph type="title"/>
+          </p:nvPr>
+        </p:nvSpPr>
+        <p:spPr/>
+        <p:txBody>
+          <a:bodyPr>
+            <a:normAutofit/>
+          </a:bodyPr>
+          <a:lstStyle/>
+          <a:p>
+            <a:pPr algn="ctr"/>
+            <a:r>
+              <a:rPr kumimoji="1" lang="ko-KR" altLang="en-US" sz="4400" dirty="0">
+                <a:solidFill>
+                  <a:schemeClr val="bg1"/>
+                </a:solidFill>
+              </a:rPr>
+              <a:t>부가 기능</a:t>
+            </a:r>
+          </a:p>
+        </p:txBody>
+      </p:sp>
+      <p:sp>
+        <p:nvSpPr>
+          <p:cNvPr id="3" name="내용 개체 틀 2">
+            <a:extLst>
+              <a:ext uri="{FF2B5EF4-FFF2-40B4-BE49-F238E27FC236}">
+                <a16:creationId xmlns:a16="http://schemas.microsoft.com/office/drawing/2014/main" id="{FC1989A7-4B97-174F-8433-BD11ABAAE8E6}"/>
+              </a:ext>
+            </a:extLst>
+          </p:cNvPr>
+          <p:cNvSpPr>
+            <a:spLocks noGrp="1"/>
+          </p:cNvSpPr>
+          <p:nvPr>
+            <p:ph idx="1"/>
           </p:nvPr>
         </p:nvSpPr>
         <p:spPr/>
@@ -5709,36 +5851,15 @@
           <a:bodyPr/>
           <a:lstStyle/>
           <a:p>
-            <a:r>
-              <a:rPr kumimoji="1" lang="ko-KR" altLang="en-US" dirty="0"/>
-              <a:t>부가 기능</a:t>
-            </a:r>
-          </a:p>
-        </p:txBody>
-      </p:sp>
-      <p:sp>
-        <p:nvSpPr>
-          <p:cNvPr id="3" name="내용 개체 틀 2">
-            <a:extLst>
-              <a:ext uri="{FF2B5EF4-FFF2-40B4-BE49-F238E27FC236}">
-                <a16:creationId xmlns="" xmlns:a16="http://schemas.microsoft.com/office/drawing/2014/main" id="{FC1989A7-4B97-174F-8433-BD11ABAAE8E6}"/>
-              </a:ext>
-            </a:extLst>
-          </p:cNvPr>
-          <p:cNvSpPr>
-            <a:spLocks noGrp="1"/>
-          </p:cNvSpPr>
-          <p:nvPr>
-            <p:ph idx="1"/>
-          </p:nvPr>
-        </p:nvSpPr>
-        <p:spPr/>
-        <p:txBody>
-          <a:bodyPr/>
-          <a:lstStyle/>
-          <a:p>
-            <a:r>
-              <a:rPr lang="ko-KR" altLang="en-US" dirty="0"/>
+            <a:pPr marL="0" indent="0">
+              <a:buNone/>
+            </a:pPr>
+            <a:r>
+              <a:rPr lang="ko-KR" altLang="en-US" dirty="0">
+                <a:solidFill>
+                  <a:schemeClr val="bg1"/>
+                </a:solidFill>
+              </a:rPr>
               <a:t>로딩 시간에 미세먼지 위험성 문구 </a:t>
             </a:r>
           </a:p>
@@ -5755,7 +5876,7 @@
           <p:cNvPr id="5" name="그림 4">
             <a:extLst>
               <a:ext uri="{FF2B5EF4-FFF2-40B4-BE49-F238E27FC236}">
-                <a16:creationId xmlns="" xmlns:a16="http://schemas.microsoft.com/office/drawing/2014/main" id="{0B8D02C7-3554-A64D-8604-F2FBCC4E8C93}"/>
+                <a16:creationId xmlns:a16="http://schemas.microsoft.com/office/drawing/2014/main" id="{0B8D02C7-3554-A64D-8604-F2FBCC4E8C93}"/>
               </a:ext>
             </a:extLst>
           </p:cNvPr>
@@ -5778,8 +5899,8 @@
         </p:blipFill>
         <p:spPr>
           <a:xfrm>
-            <a:off x="3457716" y="2569262"/>
-            <a:ext cx="2482436" cy="3822952"/>
+            <a:off x="3333594" y="2378115"/>
+            <a:ext cx="2730680" cy="4205247"/>
           </a:xfrm>
           <a:prstGeom prst="rect">
             <a:avLst/>
@@ -5796,12 +5917,23 @@
   <p:clrMapOvr>
     <a:masterClrMapping/>
   </p:clrMapOvr>
+  <p:transition spd="slow">
+    <p:wipe/>
+  </p:transition>
 </p:sld>
 </file>
 
 <file path=ppt/slides/slide15.xml><?xml version="1.0" encoding="utf-8"?>
 <p:sld xmlns:a="http://schemas.openxmlformats.org/drawingml/2006/main" xmlns:r="http://schemas.openxmlformats.org/officeDocument/2006/relationships" xmlns:p="http://schemas.openxmlformats.org/presentationml/2006/main">
   <p:cSld>
+    <p:bg>
+      <p:bgPr>
+        <a:solidFill>
+          <a:srgbClr val="05022F"/>
+        </a:solidFill>
+        <a:effectLst/>
+      </p:bgPr>
+    </p:bg>
     <p:spTree>
       <p:nvGrpSpPr>
         <p:cNvPr id="1" name=""/>
@@ -5821,7 +5953,7 @@
           <p:cNvPr id="2" name="제목 1">
             <a:extLst>
               <a:ext uri="{FF2B5EF4-FFF2-40B4-BE49-F238E27FC236}">
-                <a16:creationId xmlns="" xmlns:a16="http://schemas.microsoft.com/office/drawing/2014/main" id="{E921A3CD-DEE7-534B-98DB-63E6D409D542}"/>
+                <a16:creationId xmlns:a16="http://schemas.microsoft.com/office/drawing/2014/main" id="{E921A3CD-DEE7-534B-98DB-63E6D409D542}"/>
               </a:ext>
             </a:extLst>
           </p:cNvPr>
@@ -5830,6 +5962,41 @@
           </p:cNvSpPr>
           <p:nvPr>
             <p:ph type="title"/>
+          </p:nvPr>
+        </p:nvSpPr>
+        <p:spPr/>
+        <p:txBody>
+          <a:bodyPr>
+            <a:normAutofit/>
+          </a:bodyPr>
+          <a:lstStyle/>
+          <a:p>
+            <a:pPr algn="ctr"/>
+            <a:r>
+              <a:rPr kumimoji="1" lang="ko-KR" altLang="en-US" sz="4400" dirty="0">
+                <a:solidFill>
+                  <a:schemeClr val="bg1"/>
+                </a:solidFill>
+              </a:rPr>
+              <a:t>부가 기능</a:t>
+            </a:r>
+          </a:p>
+        </p:txBody>
+      </p:sp>
+      <p:sp>
+        <p:nvSpPr>
+          <p:cNvPr id="3" name="내용 개체 틀 2">
+            <a:extLst>
+              <a:ext uri="{FF2B5EF4-FFF2-40B4-BE49-F238E27FC236}">
+                <a16:creationId xmlns:a16="http://schemas.microsoft.com/office/drawing/2014/main" id="{1EABABCB-9CF2-094B-AD12-43CA60885568}"/>
+              </a:ext>
+            </a:extLst>
+          </p:cNvPr>
+          <p:cNvSpPr>
+            <a:spLocks noGrp="1"/>
+          </p:cNvSpPr>
+          <p:nvPr>
+            <p:ph idx="1"/>
           </p:nvPr>
         </p:nvSpPr>
         <p:spPr/>
@@ -5838,41 +6005,21 @@
           <a:lstStyle/>
           <a:p>
             <a:r>
-              <a:rPr kumimoji="1" lang="ko-KR" altLang="en-US" dirty="0"/>
-              <a:t>부가 기능</a:t>
-            </a:r>
-          </a:p>
-        </p:txBody>
-      </p:sp>
-      <p:sp>
-        <p:nvSpPr>
-          <p:cNvPr id="3" name="내용 개체 틀 2">
-            <a:extLst>
-              <a:ext uri="{FF2B5EF4-FFF2-40B4-BE49-F238E27FC236}">
-                <a16:creationId xmlns="" xmlns:a16="http://schemas.microsoft.com/office/drawing/2014/main" id="{1EABABCB-9CF2-094B-AD12-43CA60885568}"/>
-              </a:ext>
-            </a:extLst>
-          </p:cNvPr>
-          <p:cNvSpPr>
-            <a:spLocks noGrp="1"/>
-          </p:cNvSpPr>
-          <p:nvPr>
-            <p:ph idx="1"/>
-          </p:nvPr>
-        </p:nvSpPr>
-        <p:spPr/>
-        <p:txBody>
-          <a:bodyPr/>
-          <a:lstStyle/>
-          <a:p>
-            <a:r>
-              <a:rPr lang="ko-KR" altLang="en-US" dirty="0"/>
+              <a:rPr lang="ko-KR" altLang="en-US" dirty="0">
+                <a:solidFill>
+                  <a:schemeClr val="bg1"/>
+                </a:solidFill>
+              </a:rPr>
               <a:t>케이스 및 사은품 제공</a:t>
             </a:r>
           </a:p>
           <a:p>
             <a:r>
-              <a:rPr lang="ko-KR" altLang="en-US" dirty="0"/>
+              <a:rPr lang="ko-KR" altLang="en-US" dirty="0">
+                <a:solidFill>
+                  <a:schemeClr val="bg1"/>
+                </a:solidFill>
+              </a:rPr>
               <a:t>등급제도</a:t>
             </a:r>
           </a:p>
@@ -5891,12 +6038,23 @@
   <p:clrMapOvr>
     <a:masterClrMapping/>
   </p:clrMapOvr>
+  <p:transition spd="slow">
+    <p:wipe/>
+  </p:transition>
 </p:sld>
 </file>
 
 <file path=ppt/slides/slide16.xml><?xml version="1.0" encoding="utf-8"?>
 <p:sld xmlns:a="http://schemas.openxmlformats.org/drawingml/2006/main" xmlns:r="http://schemas.openxmlformats.org/officeDocument/2006/relationships" xmlns:p="http://schemas.openxmlformats.org/presentationml/2006/main">
   <p:cSld>
+    <p:bg>
+      <p:bgPr>
+        <a:solidFill>
+          <a:srgbClr val="05022F"/>
+        </a:solidFill>
+        <a:effectLst/>
+      </p:bgPr>
+    </p:bg>
     <p:spTree>
       <p:nvGrpSpPr>
         <p:cNvPr id="1" name=""/>
@@ -5916,7 +6074,7 @@
           <p:cNvPr id="2" name="제목 1">
             <a:extLst>
               <a:ext uri="{FF2B5EF4-FFF2-40B4-BE49-F238E27FC236}">
-                <a16:creationId xmlns="" xmlns:a16="http://schemas.microsoft.com/office/drawing/2014/main" id="{A616ACF8-0967-254E-9A89-A97507292D4D}"/>
+                <a16:creationId xmlns:a16="http://schemas.microsoft.com/office/drawing/2014/main" id="{A616ACF8-0967-254E-9A89-A97507292D4D}"/>
               </a:ext>
             </a:extLst>
           </p:cNvPr>
@@ -5929,11 +6087,18 @@
         </p:nvSpPr>
         <p:spPr/>
         <p:txBody>
-          <a:bodyPr/>
+          <a:bodyPr>
+            <a:normAutofit/>
+          </a:bodyPr>
           <a:lstStyle/>
           <a:p>
-            <a:r>
-              <a:rPr kumimoji="1" lang="ko-KR" altLang="en-US" dirty="0"/>
+            <a:pPr algn="ctr"/>
+            <a:r>
+              <a:rPr kumimoji="1" lang="ko-KR" altLang="en-US" sz="4400" dirty="0">
+                <a:solidFill>
+                  <a:schemeClr val="bg1"/>
+                </a:solidFill>
+              </a:rPr>
               <a:t>핵심 경쟁력</a:t>
             </a:r>
           </a:p>
@@ -5944,7 +6109,7 @@
           <p:cNvPr id="4" name="내용 개체 틀 8" descr="스크린샷이(가) 표시된 사진&#10;&#10;&#10;&#10;자동 생성된 설명">
             <a:extLst>
               <a:ext uri="{FF2B5EF4-FFF2-40B4-BE49-F238E27FC236}">
-                <a16:creationId xmlns="" xmlns:a16="http://schemas.microsoft.com/office/drawing/2014/main" id="{CDC00A24-94FD-414F-8171-CCB5F9E5C7F6}"/>
+                <a16:creationId xmlns:a16="http://schemas.microsoft.com/office/drawing/2014/main" id="{CDC00A24-94FD-414F-8171-CCB5F9E5C7F6}"/>
               </a:ext>
             </a:extLst>
           </p:cNvPr>
@@ -5981,7 +6146,7 @@
           <p:cNvPr id="5" name="내용 개체 틀 4" descr="스크린샷이(가) 표시된 사진&#10;&#10;&#10;&#10;자동 생성된 설명">
             <a:extLst>
               <a:ext uri="{FF2B5EF4-FFF2-40B4-BE49-F238E27FC236}">
-                <a16:creationId xmlns="" xmlns:a16="http://schemas.microsoft.com/office/drawing/2014/main" id="{9EAAC680-6AEB-B941-9E42-0387D5A32B26}"/>
+                <a16:creationId xmlns:a16="http://schemas.microsoft.com/office/drawing/2014/main" id="{9EAAC680-6AEB-B941-9E42-0387D5A32B26}"/>
               </a:ext>
             </a:extLst>
           </p:cNvPr>
@@ -6024,7 +6189,7 @@
           <p:cNvPr id="6" name="내용 개체 틀 8" descr="스크린샷이(가) 표시된 사진&#10;&#10;&#10;&#10;자동 생성된 설명">
             <a:extLst>
               <a:ext uri="{FF2B5EF4-FFF2-40B4-BE49-F238E27FC236}">
-                <a16:creationId xmlns="" xmlns:a16="http://schemas.microsoft.com/office/drawing/2014/main" id="{2C4A354A-62A4-6E44-A3F1-9BFC6D40FB24}"/>
+                <a16:creationId xmlns:a16="http://schemas.microsoft.com/office/drawing/2014/main" id="{2C4A354A-62A4-6E44-A3F1-9BFC6D40FB24}"/>
               </a:ext>
             </a:extLst>
           </p:cNvPr>
@@ -6059,7 +6224,7 @@
           <p:cNvPr id="8" name="그림 7" descr="실내이(가) 표시된 사진&#10;&#10;&#10;&#10;자동 생성된 설명">
             <a:extLst>
               <a:ext uri="{FF2B5EF4-FFF2-40B4-BE49-F238E27FC236}">
-                <a16:creationId xmlns="" xmlns:a16="http://schemas.microsoft.com/office/drawing/2014/main" id="{0E819101-F64A-3D43-8B12-F927FAF27F6C}"/>
+                <a16:creationId xmlns:a16="http://schemas.microsoft.com/office/drawing/2014/main" id="{0E819101-F64A-3D43-8B12-F927FAF27F6C}"/>
               </a:ext>
             </a:extLst>
           </p:cNvPr>
@@ -6113,6 +6278,14 @@
 <file path=ppt/slides/slide17.xml><?xml version="1.0" encoding="utf-8"?>
 <p:sld xmlns:a="http://schemas.openxmlformats.org/drawingml/2006/main" xmlns:r="http://schemas.openxmlformats.org/officeDocument/2006/relationships" xmlns:p="http://schemas.openxmlformats.org/presentationml/2006/main">
   <p:cSld>
+    <p:bg>
+      <p:bgPr>
+        <a:solidFill>
+          <a:srgbClr val="05022F"/>
+        </a:solidFill>
+        <a:effectLst/>
+      </p:bgPr>
+    </p:bg>
     <p:spTree>
       <p:nvGrpSpPr>
         <p:cNvPr id="1" name=""/>
@@ -6132,7 +6305,7 @@
           <p:cNvPr id="2" name="제목 1">
             <a:extLst>
               <a:ext uri="{FF2B5EF4-FFF2-40B4-BE49-F238E27FC236}">
-                <a16:creationId xmlns="" xmlns:a16="http://schemas.microsoft.com/office/drawing/2014/main" id="{28F98C9A-6B41-9E48-9587-94770AFED79E}"/>
+                <a16:creationId xmlns:a16="http://schemas.microsoft.com/office/drawing/2014/main" id="{28F98C9A-6B41-9E48-9587-94770AFED79E}"/>
               </a:ext>
             </a:extLst>
           </p:cNvPr>
@@ -6145,80 +6318,111 @@
         </p:nvSpPr>
         <p:spPr/>
         <p:txBody>
-          <a:bodyPr/>
+          <a:bodyPr>
+            <a:normAutofit/>
+          </a:bodyPr>
           <a:lstStyle/>
           <a:p>
-            <a:r>
-              <a:rPr kumimoji="1" lang="ko-KR" altLang="en-US" dirty="0"/>
+            <a:pPr algn="ctr"/>
+            <a:r>
+              <a:rPr kumimoji="1" lang="ko-KR" altLang="en-US" sz="4400" dirty="0">
+                <a:solidFill>
+                  <a:schemeClr val="bg1"/>
+                </a:solidFill>
+              </a:rPr>
               <a:t>시장</a:t>
             </a:r>
             <a:r>
-              <a:rPr kumimoji="1" lang="en-US" altLang="ko-KR" dirty="0"/>
+              <a:rPr kumimoji="1" lang="en-US" altLang="ko-KR" sz="4400" dirty="0">
+                <a:solidFill>
+                  <a:schemeClr val="bg1"/>
+                </a:solidFill>
+              </a:rPr>
               <a:t>/</a:t>
             </a:r>
             <a:r>
-              <a:rPr kumimoji="1" lang="ko-KR" altLang="en-US" dirty="0"/>
+              <a:rPr kumimoji="1" lang="ko-KR" altLang="en-US" sz="4400" dirty="0">
+                <a:solidFill>
+                  <a:schemeClr val="bg1"/>
+                </a:solidFill>
+              </a:rPr>
               <a:t>경쟁 분석</a:t>
             </a:r>
           </a:p>
         </p:txBody>
       </p:sp>
-      <p:sp>
-        <p:nvSpPr>
-          <p:cNvPr id="3" name="내용 개체 틀 2">
-            <a:extLst>
-              <a:ext uri="{FF2B5EF4-FFF2-40B4-BE49-F238E27FC236}">
-                <a16:creationId xmlns="" xmlns:a16="http://schemas.microsoft.com/office/drawing/2014/main" id="{E883A23E-B406-1348-839E-7F8B6950D10E}"/>
-              </a:ext>
-            </a:extLst>
-          </p:cNvPr>
-          <p:cNvSpPr>
-            <a:spLocks noGrp="1"/>
-          </p:cNvSpPr>
-          <p:nvPr>
-            <p:ph idx="1"/>
-          </p:nvPr>
-        </p:nvSpPr>
-        <p:spPr/>
-        <p:txBody>
-          <a:bodyPr/>
-          <a:lstStyle/>
-          <a:p>
-            <a:pPr marL="0" indent="0">
-              <a:buNone/>
-            </a:pPr>
-            <a:r>
-              <a:rPr kumimoji="1" lang="ko-KR" altLang="en-US" dirty="0"/>
-              <a:t>현재 마스크 시장이 </a:t>
-            </a:r>
-            <a:r>
-              <a:rPr kumimoji="1" lang="ko-KR" altLang="en-US" dirty="0" err="1"/>
-              <a:t>형성되어있는</a:t>
-            </a:r>
-            <a:r>
-              <a:rPr kumimoji="1" lang="ko-KR" altLang="en-US" dirty="0"/>
-              <a:t> 것을 어떻게 더 서비스화 시킬지</a:t>
-            </a:r>
-            <a:endParaRPr kumimoji="1" lang="en-US" altLang="ko-KR" dirty="0"/>
-          </a:p>
-          <a:p>
-            <a:pPr marL="0" indent="0">
-              <a:buNone/>
-            </a:pPr>
-            <a:r>
-              <a:rPr kumimoji="1" lang="ko-KR" altLang="en-US" dirty="0"/>
-              <a:t>미세미세와의 차이점</a:t>
-            </a:r>
-            <a:endParaRPr kumimoji="1" lang="en-US" altLang="ko-KR" dirty="0"/>
-          </a:p>
-          <a:p>
-            <a:pPr marL="0" indent="0">
-              <a:buNone/>
-            </a:pPr>
-            <a:endParaRPr kumimoji="1" lang="en-US" altLang="ko-KR" dirty="0"/>
-          </a:p>
-        </p:txBody>
-      </p:sp>
+      <p:pic>
+        <p:nvPicPr>
+          <p:cNvPr id="5" name="그림 4" descr="스크린샷이(가) 표시된 사진&#10;&#10;&#10;&#10;자동 생성된 설명">
+            <a:extLst>
+              <a:ext uri="{FF2B5EF4-FFF2-40B4-BE49-F238E27FC236}">
+                <a16:creationId xmlns:a16="http://schemas.microsoft.com/office/drawing/2014/main" id="{ACFE52CA-D308-3141-871E-55B560EA30F3}"/>
+              </a:ext>
+            </a:extLst>
+          </p:cNvPr>
+          <p:cNvPicPr>
+            <a:picLocks noChangeAspect="1"/>
+          </p:cNvPicPr>
+          <p:nvPr/>
+        </p:nvPicPr>
+        <p:blipFill>
+          <a:blip r:embed="rId3">
+            <a:extLst>
+              <a:ext uri="{28A0092B-C50C-407E-A947-70E740481C1C}">
+                <a14:useLocalDpi xmlns:a14="http://schemas.microsoft.com/office/drawing/2010/main" val="0"/>
+              </a:ext>
+            </a:extLst>
+          </a:blip>
+          <a:stretch>
+            <a:fillRect/>
+          </a:stretch>
+        </p:blipFill>
+        <p:spPr>
+          <a:xfrm>
+            <a:off x="1115616" y="1527770"/>
+            <a:ext cx="7141596" cy="3802460"/>
+          </a:xfrm>
+          <a:prstGeom prst="rect">
+            <a:avLst/>
+          </a:prstGeom>
+        </p:spPr>
+      </p:pic>
+      <p:pic>
+        <p:nvPicPr>
+          <p:cNvPr id="7" name="그림 6">
+            <a:extLst>
+              <a:ext uri="{FF2B5EF4-FFF2-40B4-BE49-F238E27FC236}">
+                <a16:creationId xmlns:a16="http://schemas.microsoft.com/office/drawing/2014/main" id="{142ABC78-0C5A-1542-A263-A51AFF2159A5}"/>
+              </a:ext>
+            </a:extLst>
+          </p:cNvPr>
+          <p:cNvPicPr>
+            <a:picLocks noChangeAspect="1"/>
+          </p:cNvPicPr>
+          <p:nvPr/>
+        </p:nvPicPr>
+        <p:blipFill>
+          <a:blip r:embed="rId4">
+            <a:extLst>
+              <a:ext uri="{28A0092B-C50C-407E-A947-70E740481C1C}">
+                <a14:useLocalDpi xmlns:a14="http://schemas.microsoft.com/office/drawing/2010/main" val="0"/>
+              </a:ext>
+            </a:extLst>
+          </a:blip>
+          <a:stretch>
+            <a:fillRect/>
+          </a:stretch>
+        </p:blipFill>
+        <p:spPr>
+          <a:xfrm>
+            <a:off x="628650" y="1366692"/>
+            <a:ext cx="3602182" cy="5126182"/>
+          </a:xfrm>
+          <a:prstGeom prst="rect">
+            <a:avLst/>
+          </a:prstGeom>
+        </p:spPr>
+      </p:pic>
     </p:spTree>
     <p:extLst>
       <p:ext uri="{BB962C8B-B14F-4D97-AF65-F5344CB8AC3E}">
@@ -6229,12 +6433,232 @@
   <p:clrMapOvr>
     <a:masterClrMapping/>
   </p:clrMapOvr>
+  <p:timing>
+    <p:tnLst>
+      <p:par>
+        <p:cTn id="1" dur="indefinite" restart="never" nodeType="tmRoot">
+          <p:childTnLst>
+            <p:seq concurrent="1" nextAc="seek">
+              <p:cTn id="2" dur="indefinite" nodeType="mainSeq">
+                <p:childTnLst>
+                  <p:par>
+                    <p:cTn id="3" fill="hold">
+                      <p:stCondLst>
+                        <p:cond delay="indefinite"/>
+                      </p:stCondLst>
+                      <p:childTnLst>
+                        <p:par>
+                          <p:cTn id="4" fill="hold">
+                            <p:stCondLst>
+                              <p:cond delay="0"/>
+                            </p:stCondLst>
+                            <p:childTnLst>
+                              <p:par>
+                                <p:cTn id="5" presetID="2" presetClass="entr" presetSubtype="2" fill="hold" nodeType="clickEffect">
+                                  <p:stCondLst>
+                                    <p:cond delay="0"/>
+                                  </p:stCondLst>
+                                  <p:childTnLst>
+                                    <p:set>
+                                      <p:cBhvr>
+                                        <p:cTn id="6" dur="1" fill="hold">
+                                          <p:stCondLst>
+                                            <p:cond delay="0"/>
+                                          </p:stCondLst>
+                                        </p:cTn>
+                                        <p:tgtEl>
+                                          <p:spTgt spid="5"/>
+                                        </p:tgtEl>
+                                        <p:attrNameLst>
+                                          <p:attrName>style.visibility</p:attrName>
+                                        </p:attrNameLst>
+                                      </p:cBhvr>
+                                      <p:to>
+                                        <p:strVal val="visible"/>
+                                      </p:to>
+                                    </p:set>
+                                    <p:anim calcmode="lin" valueType="num">
+                                      <p:cBhvr additive="base">
+                                        <p:cTn id="7" dur="500" fill="hold"/>
+                                        <p:tgtEl>
+                                          <p:spTgt spid="5"/>
+                                        </p:tgtEl>
+                                        <p:attrNameLst>
+                                          <p:attrName>ppt_x</p:attrName>
+                                        </p:attrNameLst>
+                                      </p:cBhvr>
+                                      <p:tavLst>
+                                        <p:tav tm="0">
+                                          <p:val>
+                                            <p:strVal val="1+#ppt_w/2"/>
+                                          </p:val>
+                                        </p:tav>
+                                        <p:tav tm="100000">
+                                          <p:val>
+                                            <p:strVal val="#ppt_x"/>
+                                          </p:val>
+                                        </p:tav>
+                                      </p:tavLst>
+                                    </p:anim>
+                                    <p:anim calcmode="lin" valueType="num">
+                                      <p:cBhvr additive="base">
+                                        <p:cTn id="8" dur="500" fill="hold"/>
+                                        <p:tgtEl>
+                                          <p:spTgt spid="5"/>
+                                        </p:tgtEl>
+                                        <p:attrNameLst>
+                                          <p:attrName>ppt_y</p:attrName>
+                                        </p:attrNameLst>
+                                      </p:cBhvr>
+                                      <p:tavLst>
+                                        <p:tav tm="0">
+                                          <p:val>
+                                            <p:strVal val="#ppt_y"/>
+                                          </p:val>
+                                        </p:tav>
+                                        <p:tav tm="100000">
+                                          <p:val>
+                                            <p:strVal val="#ppt_y"/>
+                                          </p:val>
+                                        </p:tav>
+                                      </p:tavLst>
+                                    </p:anim>
+                                  </p:childTnLst>
+                                </p:cTn>
+                              </p:par>
+                            </p:childTnLst>
+                          </p:cTn>
+                        </p:par>
+                      </p:childTnLst>
+                    </p:cTn>
+                  </p:par>
+                  <p:par>
+                    <p:cTn id="9" fill="hold">
+                      <p:stCondLst>
+                        <p:cond delay="indefinite"/>
+                      </p:stCondLst>
+                      <p:childTnLst>
+                        <p:par>
+                          <p:cTn id="10" fill="hold">
+                            <p:stCondLst>
+                              <p:cond delay="0"/>
+                            </p:stCondLst>
+                            <p:childTnLst>
+                              <p:par>
+                                <p:cTn id="11" presetID="2" presetClass="entr" presetSubtype="2" fill="hold" nodeType="clickEffect">
+                                  <p:stCondLst>
+                                    <p:cond delay="0"/>
+                                  </p:stCondLst>
+                                  <p:childTnLst>
+                                    <p:set>
+                                      <p:cBhvr>
+                                        <p:cTn id="12" dur="1" fill="hold">
+                                          <p:stCondLst>
+                                            <p:cond delay="0"/>
+                                          </p:stCondLst>
+                                        </p:cTn>
+                                        <p:tgtEl>
+                                          <p:spTgt spid="7"/>
+                                        </p:tgtEl>
+                                        <p:attrNameLst>
+                                          <p:attrName>style.visibility</p:attrName>
+                                        </p:attrNameLst>
+                                      </p:cBhvr>
+                                      <p:to>
+                                        <p:strVal val="visible"/>
+                                      </p:to>
+                                    </p:set>
+                                    <p:anim calcmode="lin" valueType="num">
+                                      <p:cBhvr additive="base">
+                                        <p:cTn id="13" dur="500" fill="hold"/>
+                                        <p:tgtEl>
+                                          <p:spTgt spid="7"/>
+                                        </p:tgtEl>
+                                        <p:attrNameLst>
+                                          <p:attrName>ppt_x</p:attrName>
+                                        </p:attrNameLst>
+                                      </p:cBhvr>
+                                      <p:tavLst>
+                                        <p:tav tm="0">
+                                          <p:val>
+                                            <p:strVal val="1+#ppt_w/2"/>
+                                          </p:val>
+                                        </p:tav>
+                                        <p:tav tm="100000">
+                                          <p:val>
+                                            <p:strVal val="#ppt_x"/>
+                                          </p:val>
+                                        </p:tav>
+                                      </p:tavLst>
+                                    </p:anim>
+                                    <p:anim calcmode="lin" valueType="num">
+                                      <p:cBhvr additive="base">
+                                        <p:cTn id="14" dur="500" fill="hold"/>
+                                        <p:tgtEl>
+                                          <p:spTgt spid="7"/>
+                                        </p:tgtEl>
+                                        <p:attrNameLst>
+                                          <p:attrName>ppt_y</p:attrName>
+                                        </p:attrNameLst>
+                                      </p:cBhvr>
+                                      <p:tavLst>
+                                        <p:tav tm="0">
+                                          <p:val>
+                                            <p:strVal val="#ppt_y"/>
+                                          </p:val>
+                                        </p:tav>
+                                        <p:tav tm="100000">
+                                          <p:val>
+                                            <p:strVal val="#ppt_y"/>
+                                          </p:val>
+                                        </p:tav>
+                                      </p:tavLst>
+                                    </p:anim>
+                                  </p:childTnLst>
+                                </p:cTn>
+                              </p:par>
+                            </p:childTnLst>
+                          </p:cTn>
+                        </p:par>
+                      </p:childTnLst>
+                    </p:cTn>
+                  </p:par>
+                </p:childTnLst>
+              </p:cTn>
+              <p:prevCondLst>
+                <p:cond evt="onPrev" delay="0">
+                  <p:tgtEl>
+                    <p:sldTgt/>
+                  </p:tgtEl>
+                </p:cond>
+              </p:prevCondLst>
+              <p:nextCondLst>
+                <p:cond evt="onNext" delay="0">
+                  <p:tgtEl>
+                    <p:sldTgt/>
+                  </p:tgtEl>
+                </p:cond>
+              </p:nextCondLst>
+            </p:seq>
+          </p:childTnLst>
+        </p:cTn>
+      </p:par>
+    </p:tnLst>
+  </p:timing>
 </p:sld>
 </file>
 
 <file path=ppt/slides/slide18.xml><?xml version="1.0" encoding="utf-8"?>
 <p:sld xmlns:a="http://schemas.openxmlformats.org/drawingml/2006/main" xmlns:r="http://schemas.openxmlformats.org/officeDocument/2006/relationships" xmlns:p="http://schemas.openxmlformats.org/presentationml/2006/main">
   <p:cSld>
+    <p:bg>
+      <p:bgPr>
+        <a:solidFill>
+          <a:srgbClr val="05022F"/>
+        </a:solidFill>
+        <a:effectLst/>
+      </p:bgPr>
+    </p:bg>
     <p:spTree>
       <p:nvGrpSpPr>
         <p:cNvPr id="1" name=""/>
@@ -6251,7 +6675,13 @@
       </p:grpSpPr>
       <p:sp>
         <p:nvSpPr>
-          <p:cNvPr id="2" name="제목 1"/>
+          <p:cNvPr id="2" name="제목 1">
+            <a:extLst>
+              <a:ext uri="{FF2B5EF4-FFF2-40B4-BE49-F238E27FC236}">
+                <a16:creationId xmlns:a16="http://schemas.microsoft.com/office/drawing/2014/main" id="{C8AD03D6-13CE-8443-AB7F-B6FF8D9806DD}"/>
+              </a:ext>
+            </a:extLst>
+          </p:cNvPr>
           <p:cNvSpPr>
             <a:spLocks noGrp="1"/>
           </p:cNvSpPr>
@@ -6266,29 +6696,43 @@
           </a:bodyPr>
           <a:lstStyle/>
           <a:p>
-            <a:r>
-              <a:rPr kumimoji="1" lang="ko-KR" altLang="en-US" sz="2000" dirty="0"/>
-              <a:t>마스크 사용량이 증가하는 그래프를 보여주고 우리 </a:t>
-            </a:r>
-            <a:r>
-              <a:rPr kumimoji="1" lang="ko-KR" altLang="en-US" sz="2000" dirty="0" err="1"/>
-              <a:t>앱의</a:t>
-            </a:r>
-            <a:r>
-              <a:rPr kumimoji="1" lang="ko-KR" altLang="en-US" sz="2000" dirty="0"/>
-              <a:t> 사용률도 같이 증가할 것이라고 </a:t>
-            </a:r>
-            <a:r>
-              <a:rPr kumimoji="1" lang="ko-KR" altLang="en-US" sz="2000" dirty="0" smtClean="0"/>
-              <a:t>예상</a:t>
-            </a:r>
-            <a:endParaRPr lang="ko-KR" altLang="en-US" sz="2000" dirty="0"/>
-          </a:p>
-        </p:txBody>
-      </p:sp>
-      <p:sp>
-        <p:nvSpPr>
-          <p:cNvPr id="3" name="내용 개체 틀 2"/>
+            <a:pPr algn="ctr"/>
+            <a:r>
+              <a:rPr kumimoji="1" lang="ko-KR" altLang="en-US" sz="4400" dirty="0">
+                <a:solidFill>
+                  <a:schemeClr val="bg1"/>
+                </a:solidFill>
+              </a:rPr>
+              <a:t>시장</a:t>
+            </a:r>
+            <a:r>
+              <a:rPr kumimoji="1" lang="en-US" altLang="ko-KR" sz="4400" dirty="0">
+                <a:solidFill>
+                  <a:schemeClr val="bg1"/>
+                </a:solidFill>
+              </a:rPr>
+              <a:t>/</a:t>
+            </a:r>
+            <a:r>
+              <a:rPr kumimoji="1" lang="ko-KR" altLang="en-US" sz="4400" dirty="0">
+                <a:solidFill>
+                  <a:schemeClr val="bg1"/>
+                </a:solidFill>
+              </a:rPr>
+              <a:t>경쟁 분석</a:t>
+            </a:r>
+          </a:p>
+        </p:txBody>
+      </p:sp>
+      <p:sp>
+        <p:nvSpPr>
+          <p:cNvPr id="3" name="내용 개체 틀 2">
+            <a:extLst>
+              <a:ext uri="{FF2B5EF4-FFF2-40B4-BE49-F238E27FC236}">
+                <a16:creationId xmlns:a16="http://schemas.microsoft.com/office/drawing/2014/main" id="{AF19A6A7-7E82-CA4C-A93E-A08E39F6FD06}"/>
+              </a:ext>
+            </a:extLst>
+          </p:cNvPr>
           <p:cNvSpPr>
             <a:spLocks noGrp="1"/>
           </p:cNvSpPr>
@@ -6301,14 +6745,1036 @@
           <a:bodyPr/>
           <a:lstStyle/>
           <a:p>
-            <a:endParaRPr lang="ko-KR" altLang="en-US" dirty="0"/>
-          </a:p>
-        </p:txBody>
-      </p:sp>
+            <a:pPr marL="0" indent="0">
+              <a:buNone/>
+            </a:pPr>
+            <a:r>
+              <a:rPr kumimoji="1" lang="ko-KR" altLang="en-US" dirty="0">
+                <a:solidFill>
+                  <a:schemeClr val="bg1"/>
+                </a:solidFill>
+              </a:rPr>
+              <a:t>현 마스크 소비시장</a:t>
+            </a:r>
+            <a:r>
+              <a:rPr kumimoji="1" lang="en-US" altLang="ko-KR" dirty="0">
+                <a:solidFill>
+                  <a:schemeClr val="bg1"/>
+                </a:solidFill>
+              </a:rPr>
+              <a:t>(ex.</a:t>
+            </a:r>
+            <a:r>
+              <a:rPr kumimoji="1" lang="ko-KR" altLang="en-US" dirty="0" err="1">
+                <a:solidFill>
+                  <a:schemeClr val="bg1"/>
+                </a:solidFill>
+              </a:rPr>
+              <a:t>쿠팡</a:t>
+            </a:r>
+            <a:r>
+              <a:rPr kumimoji="1" lang="en-US" altLang="ko-KR" dirty="0">
+                <a:solidFill>
+                  <a:schemeClr val="bg1"/>
+                </a:solidFill>
+              </a:rPr>
+              <a:t>)</a:t>
+            </a:r>
+            <a:r>
+              <a:rPr kumimoji="1" lang="ko-KR" altLang="en-US" dirty="0">
+                <a:solidFill>
+                  <a:schemeClr val="bg1"/>
+                </a:solidFill>
+              </a:rPr>
+              <a:t>과 다른 점 </a:t>
+            </a:r>
+            <a:endParaRPr kumimoji="1" lang="en-US" altLang="ko-KR" dirty="0">
+              <a:solidFill>
+                <a:schemeClr val="bg1"/>
+              </a:solidFill>
+            </a:endParaRPr>
+          </a:p>
+        </p:txBody>
+      </p:sp>
+      <p:graphicFrame>
+        <p:nvGraphicFramePr>
+          <p:cNvPr id="4" name="표 3">
+            <a:extLst>
+              <a:ext uri="{FF2B5EF4-FFF2-40B4-BE49-F238E27FC236}">
+                <a16:creationId xmlns:a16="http://schemas.microsoft.com/office/drawing/2014/main" id="{9148BF90-0B9F-6E4E-8F0F-DCA0B9509CD3}"/>
+              </a:ext>
+            </a:extLst>
+          </p:cNvPr>
+          <p:cNvGraphicFramePr>
+            <a:graphicFrameLocks noGrp="1"/>
+          </p:cNvGraphicFramePr>
+          <p:nvPr>
+            <p:extLst>
+              <p:ext uri="{D42A27DB-BD31-4B8C-83A1-F6EECF244321}">
+                <p14:modId xmlns:p14="http://schemas.microsoft.com/office/powerpoint/2010/main" val="1213198987"/>
+              </p:ext>
+            </p:extLst>
+          </p:nvPr>
+        </p:nvGraphicFramePr>
+        <p:xfrm>
+          <a:off x="539552" y="2689860"/>
+          <a:ext cx="7920879" cy="1409700"/>
+        </p:xfrm>
+        <a:graphic>
+          <a:graphicData uri="http://schemas.openxmlformats.org/drawingml/2006/table">
+            <a:tbl>
+              <a:tblPr firstRow="1" bandRow="1">
+                <a:tableStyleId>{2D5ABB26-0587-4C30-8999-92F81FD0307C}</a:tableStyleId>
+              </a:tblPr>
+              <a:tblGrid>
+                <a:gridCol w="2640293">
+                  <a:extLst>
+                    <a:ext uri="{9D8B030D-6E8A-4147-A177-3AD203B41FA5}">
+                      <a16:colId xmlns:a16="http://schemas.microsoft.com/office/drawing/2014/main" val="3627239595"/>
+                    </a:ext>
+                  </a:extLst>
+                </a:gridCol>
+                <a:gridCol w="2640293">
+                  <a:extLst>
+                    <a:ext uri="{9D8B030D-6E8A-4147-A177-3AD203B41FA5}">
+                      <a16:colId xmlns:a16="http://schemas.microsoft.com/office/drawing/2014/main" val="1144892925"/>
+                    </a:ext>
+                  </a:extLst>
+                </a:gridCol>
+                <a:gridCol w="2640293">
+                  <a:extLst>
+                    <a:ext uri="{9D8B030D-6E8A-4147-A177-3AD203B41FA5}">
+                      <a16:colId xmlns:a16="http://schemas.microsoft.com/office/drawing/2014/main" val="3067702794"/>
+                    </a:ext>
+                  </a:extLst>
+                </a:gridCol>
+              </a:tblGrid>
+              <a:tr h="0">
+                <a:tc>
+                  <a:txBody>
+                    <a:bodyPr/>
+                    <a:lstStyle/>
+                    <a:p>
+                      <a:pPr latinLnBrk="1"/>
+                      <a:endParaRPr lang="ko-KR" altLang="en-US" dirty="0">
+                        <a:ln>
+                          <a:solidFill>
+                            <a:schemeClr val="bg1"/>
+                          </a:solidFill>
+                        </a:ln>
+                        <a:solidFill>
+                          <a:schemeClr val="bg1"/>
+                        </a:solidFill>
+                      </a:endParaRPr>
+                    </a:p>
+                  </a:txBody>
+                  <a:tcPr>
+                    <a:lnL w="12700" cap="flat" cmpd="sng" algn="ctr">
+                      <a:solidFill>
+                        <a:schemeClr val="bg1"/>
+                      </a:solidFill>
+                      <a:prstDash val="solid"/>
+                      <a:round/>
+                      <a:headEnd type="none" w="med" len="med"/>
+                      <a:tailEnd type="none" w="med" len="med"/>
+                    </a:lnL>
+                    <a:lnR w="12700" cap="flat" cmpd="sng" algn="ctr">
+                      <a:solidFill>
+                        <a:schemeClr val="bg1"/>
+                      </a:solidFill>
+                      <a:prstDash val="solid"/>
+                      <a:round/>
+                      <a:headEnd type="none" w="med" len="med"/>
+                      <a:tailEnd type="none" w="med" len="med"/>
+                    </a:lnR>
+                    <a:lnT w="12700" cap="flat" cmpd="sng" algn="ctr">
+                      <a:solidFill>
+                        <a:schemeClr val="bg1"/>
+                      </a:solidFill>
+                      <a:prstDash val="solid"/>
+                      <a:round/>
+                      <a:headEnd type="none" w="med" len="med"/>
+                      <a:tailEnd type="none" w="med" len="med"/>
+                    </a:lnT>
+                    <a:lnB w="12700" cap="flat" cmpd="sng" algn="ctr">
+                      <a:solidFill>
+                        <a:schemeClr val="bg1"/>
+                      </a:solidFill>
+                      <a:prstDash val="solid"/>
+                      <a:round/>
+                      <a:headEnd type="none" w="med" len="med"/>
+                      <a:tailEnd type="none" w="med" len="med"/>
+                    </a:lnB>
+                    <a:lnTlToBr w="12700" cmpd="sng">
+                      <a:noFill/>
+                      <a:prstDash val="solid"/>
+                    </a:lnTlToBr>
+                    <a:lnBlToTr w="12700" cmpd="sng">
+                      <a:noFill/>
+                      <a:prstDash val="solid"/>
+                    </a:lnBlToTr>
+                  </a:tcPr>
+                </a:tc>
+                <a:tc>
+                  <a:txBody>
+                    <a:bodyPr/>
+                    <a:lstStyle/>
+                    <a:p>
+                      <a:pPr latinLnBrk="1"/>
+                      <a:r>
+                        <a:rPr lang="ko-KR" altLang="en-US" dirty="0" err="1">
+                          <a:ln>
+                            <a:solidFill>
+                              <a:schemeClr val="bg1"/>
+                            </a:solidFill>
+                          </a:ln>
+                        </a:rPr>
+                        <a:t>쿠팡</a:t>
+                      </a:r>
+                      <a:endParaRPr lang="ko-KR" altLang="en-US" dirty="0">
+                        <a:ln>
+                          <a:solidFill>
+                            <a:schemeClr val="bg1"/>
+                          </a:solidFill>
+                        </a:ln>
+                        <a:solidFill>
+                          <a:schemeClr val="bg1"/>
+                        </a:solidFill>
+                      </a:endParaRPr>
+                    </a:p>
+                  </a:txBody>
+                  <a:tcPr>
+                    <a:lnL w="12700" cap="flat" cmpd="sng" algn="ctr">
+                      <a:solidFill>
+                        <a:schemeClr val="bg1"/>
+                      </a:solidFill>
+                      <a:prstDash val="solid"/>
+                      <a:round/>
+                      <a:headEnd type="none" w="med" len="med"/>
+                      <a:tailEnd type="none" w="med" len="med"/>
+                    </a:lnL>
+                    <a:lnR w="12700" cap="flat" cmpd="sng" algn="ctr">
+                      <a:solidFill>
+                        <a:schemeClr val="bg1"/>
+                      </a:solidFill>
+                      <a:prstDash val="solid"/>
+                      <a:round/>
+                      <a:headEnd type="none" w="med" len="med"/>
+                      <a:tailEnd type="none" w="med" len="med"/>
+                    </a:lnR>
+                    <a:lnT w="12700" cap="flat" cmpd="sng" algn="ctr">
+                      <a:solidFill>
+                        <a:schemeClr val="bg1"/>
+                      </a:solidFill>
+                      <a:prstDash val="solid"/>
+                      <a:round/>
+                      <a:headEnd type="none" w="med" len="med"/>
+                      <a:tailEnd type="none" w="med" len="med"/>
+                    </a:lnT>
+                    <a:lnB w="12700" cap="flat" cmpd="sng" algn="ctr">
+                      <a:solidFill>
+                        <a:schemeClr val="bg1"/>
+                      </a:solidFill>
+                      <a:prstDash val="solid"/>
+                      <a:round/>
+                      <a:headEnd type="none" w="med" len="med"/>
+                      <a:tailEnd type="none" w="med" len="med"/>
+                    </a:lnB>
+                    <a:lnTlToBr w="12700" cmpd="sng">
+                      <a:noFill/>
+                      <a:prstDash val="solid"/>
+                    </a:lnTlToBr>
+                    <a:lnBlToTr w="12700" cmpd="sng">
+                      <a:noFill/>
+                      <a:prstDash val="solid"/>
+                    </a:lnBlToTr>
+                  </a:tcPr>
+                </a:tc>
+                <a:tc>
+                  <a:txBody>
+                    <a:bodyPr/>
+                    <a:lstStyle/>
+                    <a:p>
+                      <a:pPr latinLnBrk="1"/>
+                      <a:r>
+                        <a:rPr lang="ko-KR" altLang="en-US" dirty="0" err="1">
+                          <a:ln>
+                            <a:solidFill>
+                              <a:schemeClr val="bg1"/>
+                            </a:solidFill>
+                          </a:ln>
+                        </a:rPr>
+                        <a:t>마쓱마쓱</a:t>
+                      </a:r>
+                      <a:endParaRPr lang="ko-KR" altLang="en-US" dirty="0">
+                        <a:ln>
+                          <a:solidFill>
+                            <a:schemeClr val="bg1"/>
+                          </a:solidFill>
+                        </a:ln>
+                        <a:solidFill>
+                          <a:schemeClr val="bg1"/>
+                        </a:solidFill>
+                      </a:endParaRPr>
+                    </a:p>
+                  </a:txBody>
+                  <a:tcPr>
+                    <a:lnL w="12700" cap="flat" cmpd="sng" algn="ctr">
+                      <a:solidFill>
+                        <a:schemeClr val="bg1"/>
+                      </a:solidFill>
+                      <a:prstDash val="solid"/>
+                      <a:round/>
+                      <a:headEnd type="none" w="med" len="med"/>
+                      <a:tailEnd type="none" w="med" len="med"/>
+                    </a:lnL>
+                    <a:lnR w="12700" cap="flat" cmpd="sng" algn="ctr">
+                      <a:solidFill>
+                        <a:schemeClr val="bg1"/>
+                      </a:solidFill>
+                      <a:prstDash val="solid"/>
+                      <a:round/>
+                      <a:headEnd type="none" w="med" len="med"/>
+                      <a:tailEnd type="none" w="med" len="med"/>
+                    </a:lnR>
+                    <a:lnT w="12700" cap="flat" cmpd="sng" algn="ctr">
+                      <a:solidFill>
+                        <a:schemeClr val="bg1"/>
+                      </a:solidFill>
+                      <a:prstDash val="solid"/>
+                      <a:round/>
+                      <a:headEnd type="none" w="med" len="med"/>
+                      <a:tailEnd type="none" w="med" len="med"/>
+                    </a:lnT>
+                    <a:lnB w="12700" cap="flat" cmpd="sng" algn="ctr">
+                      <a:solidFill>
+                        <a:schemeClr val="bg1"/>
+                      </a:solidFill>
+                      <a:prstDash val="solid"/>
+                      <a:round/>
+                      <a:headEnd type="none" w="med" len="med"/>
+                      <a:tailEnd type="none" w="med" len="med"/>
+                    </a:lnB>
+                    <a:lnTlToBr w="12700" cmpd="sng">
+                      <a:noFill/>
+                      <a:prstDash val="solid"/>
+                    </a:lnTlToBr>
+                    <a:lnBlToTr w="12700" cmpd="sng">
+                      <a:noFill/>
+                      <a:prstDash val="solid"/>
+                    </a:lnBlToTr>
+                  </a:tcPr>
+                </a:tc>
+                <a:extLst>
+                  <a:ext uri="{0D108BD9-81ED-4DB2-BD59-A6C34878D82A}">
+                    <a16:rowId xmlns:a16="http://schemas.microsoft.com/office/drawing/2014/main" val="2336861800"/>
+                  </a:ext>
+                </a:extLst>
+              </a:tr>
+              <a:tr h="370840">
+                <a:tc>
+                  <a:txBody>
+                    <a:bodyPr/>
+                    <a:lstStyle/>
+                    <a:p>
+                      <a:pPr latinLnBrk="1"/>
+                      <a:r>
+                        <a:rPr lang="ko-KR" altLang="en-US" dirty="0">
+                          <a:ln>
+                            <a:solidFill>
+                              <a:schemeClr val="bg1"/>
+                            </a:solidFill>
+                          </a:ln>
+                        </a:rPr>
+                        <a:t>정기 배송 기준</a:t>
+                      </a:r>
+                      <a:endParaRPr lang="ko-KR" altLang="en-US" dirty="0">
+                        <a:ln>
+                          <a:solidFill>
+                            <a:schemeClr val="bg1"/>
+                          </a:solidFill>
+                        </a:ln>
+                        <a:solidFill>
+                          <a:schemeClr val="bg1"/>
+                        </a:solidFill>
+                      </a:endParaRPr>
+                    </a:p>
+                  </a:txBody>
+                  <a:tcPr>
+                    <a:lnL w="12700" cap="flat" cmpd="sng" algn="ctr">
+                      <a:solidFill>
+                        <a:schemeClr val="bg1"/>
+                      </a:solidFill>
+                      <a:prstDash val="solid"/>
+                      <a:round/>
+                      <a:headEnd type="none" w="med" len="med"/>
+                      <a:tailEnd type="none" w="med" len="med"/>
+                    </a:lnL>
+                    <a:lnR w="12700" cap="flat" cmpd="sng" algn="ctr">
+                      <a:solidFill>
+                        <a:schemeClr val="bg1"/>
+                      </a:solidFill>
+                      <a:prstDash val="solid"/>
+                      <a:round/>
+                      <a:headEnd type="none" w="med" len="med"/>
+                      <a:tailEnd type="none" w="med" len="med"/>
+                    </a:lnR>
+                    <a:lnT w="12700" cap="flat" cmpd="sng" algn="ctr">
+                      <a:solidFill>
+                        <a:schemeClr val="bg1"/>
+                      </a:solidFill>
+                      <a:prstDash val="solid"/>
+                      <a:round/>
+                      <a:headEnd type="none" w="med" len="med"/>
+                      <a:tailEnd type="none" w="med" len="med"/>
+                    </a:lnT>
+                    <a:lnB w="12700" cap="flat" cmpd="sng" algn="ctr">
+                      <a:solidFill>
+                        <a:schemeClr val="bg1"/>
+                      </a:solidFill>
+                      <a:prstDash val="solid"/>
+                      <a:round/>
+                      <a:headEnd type="none" w="med" len="med"/>
+                      <a:tailEnd type="none" w="med" len="med"/>
+                    </a:lnB>
+                    <a:lnTlToBr w="12700" cmpd="sng">
+                      <a:noFill/>
+                      <a:prstDash val="solid"/>
+                    </a:lnTlToBr>
+                    <a:lnBlToTr w="12700" cmpd="sng">
+                      <a:noFill/>
+                      <a:prstDash val="solid"/>
+                    </a:lnBlToTr>
+                  </a:tcPr>
+                </a:tc>
+                <a:tc>
+                  <a:txBody>
+                    <a:bodyPr/>
+                    <a:lstStyle/>
+                    <a:p>
+                      <a:pPr latinLnBrk="1"/>
+                      <a:r>
+                        <a:rPr lang="ko-KR" altLang="en-US" dirty="0">
+                          <a:ln>
+                            <a:solidFill>
+                              <a:schemeClr val="bg1"/>
+                            </a:solidFill>
+                          </a:ln>
+                        </a:rPr>
+                        <a:t>일 수 기준</a:t>
+                      </a:r>
+                      <a:endParaRPr lang="ko-KR" altLang="en-US" dirty="0">
+                        <a:ln>
+                          <a:solidFill>
+                            <a:schemeClr val="bg1"/>
+                          </a:solidFill>
+                        </a:ln>
+                        <a:solidFill>
+                          <a:schemeClr val="bg1"/>
+                        </a:solidFill>
+                      </a:endParaRPr>
+                    </a:p>
+                  </a:txBody>
+                  <a:tcPr>
+                    <a:lnL w="12700" cap="flat" cmpd="sng" algn="ctr">
+                      <a:solidFill>
+                        <a:schemeClr val="bg1"/>
+                      </a:solidFill>
+                      <a:prstDash val="solid"/>
+                      <a:round/>
+                      <a:headEnd type="none" w="med" len="med"/>
+                      <a:tailEnd type="none" w="med" len="med"/>
+                    </a:lnL>
+                    <a:lnR w="12700" cap="flat" cmpd="sng" algn="ctr">
+                      <a:solidFill>
+                        <a:schemeClr val="bg1"/>
+                      </a:solidFill>
+                      <a:prstDash val="solid"/>
+                      <a:round/>
+                      <a:headEnd type="none" w="med" len="med"/>
+                      <a:tailEnd type="none" w="med" len="med"/>
+                    </a:lnR>
+                    <a:lnT w="12700" cap="flat" cmpd="sng" algn="ctr">
+                      <a:solidFill>
+                        <a:schemeClr val="bg1"/>
+                      </a:solidFill>
+                      <a:prstDash val="solid"/>
+                      <a:round/>
+                      <a:headEnd type="none" w="med" len="med"/>
+                      <a:tailEnd type="none" w="med" len="med"/>
+                    </a:lnT>
+                    <a:lnB w="12700" cap="flat" cmpd="sng" algn="ctr">
+                      <a:solidFill>
+                        <a:schemeClr val="bg1"/>
+                      </a:solidFill>
+                      <a:prstDash val="solid"/>
+                      <a:round/>
+                      <a:headEnd type="none" w="med" len="med"/>
+                      <a:tailEnd type="none" w="med" len="med"/>
+                    </a:lnB>
+                    <a:lnTlToBr w="12700" cmpd="sng">
+                      <a:noFill/>
+                      <a:prstDash val="solid"/>
+                    </a:lnTlToBr>
+                    <a:lnBlToTr w="12700" cmpd="sng">
+                      <a:noFill/>
+                      <a:prstDash val="solid"/>
+                    </a:lnBlToTr>
+                  </a:tcPr>
+                </a:tc>
+                <a:tc>
+                  <a:txBody>
+                    <a:bodyPr/>
+                    <a:lstStyle/>
+                    <a:p>
+                      <a:pPr latinLnBrk="1"/>
+                      <a:r>
+                        <a:rPr lang="ko-KR" altLang="en-US" dirty="0">
+                          <a:ln>
+                            <a:solidFill>
+                              <a:schemeClr val="bg1"/>
+                            </a:solidFill>
+                          </a:ln>
+                        </a:rPr>
+                        <a:t>남은 마스크 개수</a:t>
+                      </a:r>
+                      <a:endParaRPr lang="ko-KR" altLang="en-US" dirty="0">
+                        <a:ln>
+                          <a:solidFill>
+                            <a:schemeClr val="bg1"/>
+                          </a:solidFill>
+                        </a:ln>
+                        <a:solidFill>
+                          <a:schemeClr val="bg1"/>
+                        </a:solidFill>
+                      </a:endParaRPr>
+                    </a:p>
+                  </a:txBody>
+                  <a:tcPr>
+                    <a:lnL w="12700" cap="flat" cmpd="sng" algn="ctr">
+                      <a:solidFill>
+                        <a:schemeClr val="bg1"/>
+                      </a:solidFill>
+                      <a:prstDash val="solid"/>
+                      <a:round/>
+                      <a:headEnd type="none" w="med" len="med"/>
+                      <a:tailEnd type="none" w="med" len="med"/>
+                    </a:lnL>
+                    <a:lnR w="12700" cap="flat" cmpd="sng" algn="ctr">
+                      <a:solidFill>
+                        <a:schemeClr val="bg1"/>
+                      </a:solidFill>
+                      <a:prstDash val="solid"/>
+                      <a:round/>
+                      <a:headEnd type="none" w="med" len="med"/>
+                      <a:tailEnd type="none" w="med" len="med"/>
+                    </a:lnR>
+                    <a:lnT w="12700" cap="flat" cmpd="sng" algn="ctr">
+                      <a:solidFill>
+                        <a:schemeClr val="bg1"/>
+                      </a:solidFill>
+                      <a:prstDash val="solid"/>
+                      <a:round/>
+                      <a:headEnd type="none" w="med" len="med"/>
+                      <a:tailEnd type="none" w="med" len="med"/>
+                    </a:lnT>
+                    <a:lnB w="12700" cap="flat" cmpd="sng" algn="ctr">
+                      <a:solidFill>
+                        <a:schemeClr val="bg1"/>
+                      </a:solidFill>
+                      <a:prstDash val="solid"/>
+                      <a:round/>
+                      <a:headEnd type="none" w="med" len="med"/>
+                      <a:tailEnd type="none" w="med" len="med"/>
+                    </a:lnB>
+                    <a:lnTlToBr w="12700" cmpd="sng">
+                      <a:noFill/>
+                      <a:prstDash val="solid"/>
+                    </a:lnTlToBr>
+                    <a:lnBlToTr w="12700" cmpd="sng">
+                      <a:noFill/>
+                      <a:prstDash val="solid"/>
+                    </a:lnBlToTr>
+                  </a:tcPr>
+                </a:tc>
+                <a:extLst>
+                  <a:ext uri="{0D108BD9-81ED-4DB2-BD59-A6C34878D82A}">
+                    <a16:rowId xmlns:a16="http://schemas.microsoft.com/office/drawing/2014/main" val="3474909362"/>
+                  </a:ext>
+                </a:extLst>
+              </a:tr>
+              <a:tr h="370840">
+                <a:tc>
+                  <a:txBody>
+                    <a:bodyPr/>
+                    <a:lstStyle/>
+                    <a:p>
+                      <a:pPr latinLnBrk="1"/>
+                      <a:r>
+                        <a:rPr lang="ko-KR" altLang="en-US" dirty="0">
+                          <a:ln>
+                            <a:solidFill>
+                              <a:schemeClr val="bg1"/>
+                            </a:solidFill>
+                          </a:ln>
+                        </a:rPr>
+                        <a:t>알림 제공</a:t>
+                      </a:r>
+                      <a:endParaRPr lang="ko-KR" altLang="en-US" dirty="0">
+                        <a:ln>
+                          <a:solidFill>
+                            <a:schemeClr val="bg1"/>
+                          </a:solidFill>
+                        </a:ln>
+                        <a:solidFill>
+                          <a:schemeClr val="bg1"/>
+                        </a:solidFill>
+                      </a:endParaRPr>
+                    </a:p>
+                  </a:txBody>
+                  <a:tcPr>
+                    <a:lnL w="12700" cap="flat" cmpd="sng" algn="ctr">
+                      <a:solidFill>
+                        <a:schemeClr val="bg1"/>
+                      </a:solidFill>
+                      <a:prstDash val="solid"/>
+                      <a:round/>
+                      <a:headEnd type="none" w="med" len="med"/>
+                      <a:tailEnd type="none" w="med" len="med"/>
+                    </a:lnL>
+                    <a:lnR w="12700" cap="flat" cmpd="sng" algn="ctr">
+                      <a:solidFill>
+                        <a:schemeClr val="bg1"/>
+                      </a:solidFill>
+                      <a:prstDash val="solid"/>
+                      <a:round/>
+                      <a:headEnd type="none" w="med" len="med"/>
+                      <a:tailEnd type="none" w="med" len="med"/>
+                    </a:lnR>
+                    <a:lnT w="12700" cap="flat" cmpd="sng" algn="ctr">
+                      <a:solidFill>
+                        <a:schemeClr val="bg1"/>
+                      </a:solidFill>
+                      <a:prstDash val="solid"/>
+                      <a:round/>
+                      <a:headEnd type="none" w="med" len="med"/>
+                      <a:tailEnd type="none" w="med" len="med"/>
+                    </a:lnT>
+                    <a:lnB w="12700" cap="flat" cmpd="sng" algn="ctr">
+                      <a:solidFill>
+                        <a:schemeClr val="bg1"/>
+                      </a:solidFill>
+                      <a:prstDash val="solid"/>
+                      <a:round/>
+                      <a:headEnd type="none" w="med" len="med"/>
+                      <a:tailEnd type="none" w="med" len="med"/>
+                    </a:lnB>
+                    <a:lnTlToBr w="12700" cmpd="sng">
+                      <a:noFill/>
+                      <a:prstDash val="solid"/>
+                    </a:lnTlToBr>
+                    <a:lnBlToTr w="12700" cmpd="sng">
+                      <a:noFill/>
+                      <a:prstDash val="solid"/>
+                    </a:lnBlToTr>
+                  </a:tcPr>
+                </a:tc>
+                <a:tc>
+                  <a:txBody>
+                    <a:bodyPr/>
+                    <a:lstStyle/>
+                    <a:p>
+                      <a:pPr latinLnBrk="1"/>
+                      <a:r>
+                        <a:rPr lang="en-US" altLang="ko-KR" dirty="0">
+                          <a:ln>
+                            <a:solidFill>
+                              <a:schemeClr val="bg1"/>
+                            </a:solidFill>
+                          </a:ln>
+                        </a:rPr>
+                        <a:t>X</a:t>
+                      </a:r>
+                      <a:endParaRPr lang="ko-KR" altLang="en-US" dirty="0">
+                        <a:ln>
+                          <a:solidFill>
+                            <a:schemeClr val="bg1"/>
+                          </a:solidFill>
+                        </a:ln>
+                        <a:solidFill>
+                          <a:schemeClr val="bg1"/>
+                        </a:solidFill>
+                      </a:endParaRPr>
+                    </a:p>
+                  </a:txBody>
+                  <a:tcPr>
+                    <a:lnL w="12700" cap="flat" cmpd="sng" algn="ctr">
+                      <a:solidFill>
+                        <a:schemeClr val="bg1"/>
+                      </a:solidFill>
+                      <a:prstDash val="solid"/>
+                      <a:round/>
+                      <a:headEnd type="none" w="med" len="med"/>
+                      <a:tailEnd type="none" w="med" len="med"/>
+                    </a:lnL>
+                    <a:lnR w="12700" cap="flat" cmpd="sng" algn="ctr">
+                      <a:solidFill>
+                        <a:schemeClr val="bg1"/>
+                      </a:solidFill>
+                      <a:prstDash val="solid"/>
+                      <a:round/>
+                      <a:headEnd type="none" w="med" len="med"/>
+                      <a:tailEnd type="none" w="med" len="med"/>
+                    </a:lnR>
+                    <a:lnT w="12700" cap="flat" cmpd="sng" algn="ctr">
+                      <a:solidFill>
+                        <a:schemeClr val="bg1"/>
+                      </a:solidFill>
+                      <a:prstDash val="solid"/>
+                      <a:round/>
+                      <a:headEnd type="none" w="med" len="med"/>
+                      <a:tailEnd type="none" w="med" len="med"/>
+                    </a:lnT>
+                    <a:lnB w="12700" cap="flat" cmpd="sng" algn="ctr">
+                      <a:solidFill>
+                        <a:schemeClr val="bg1"/>
+                      </a:solidFill>
+                      <a:prstDash val="solid"/>
+                      <a:round/>
+                      <a:headEnd type="none" w="med" len="med"/>
+                      <a:tailEnd type="none" w="med" len="med"/>
+                    </a:lnB>
+                    <a:lnTlToBr w="12700" cmpd="sng">
+                      <a:noFill/>
+                      <a:prstDash val="solid"/>
+                    </a:lnTlToBr>
+                    <a:lnBlToTr w="12700" cmpd="sng">
+                      <a:noFill/>
+                      <a:prstDash val="solid"/>
+                    </a:lnBlToTr>
+                  </a:tcPr>
+                </a:tc>
+                <a:tc>
+                  <a:txBody>
+                    <a:bodyPr/>
+                    <a:lstStyle/>
+                    <a:p>
+                      <a:pPr latinLnBrk="1"/>
+                      <a:r>
+                        <a:rPr lang="en-US" altLang="ko-KR" dirty="0">
+                          <a:ln>
+                            <a:solidFill>
+                              <a:schemeClr val="bg1"/>
+                            </a:solidFill>
+                          </a:ln>
+                        </a:rPr>
+                        <a:t>O</a:t>
+                      </a:r>
+                      <a:endParaRPr lang="ko-KR" altLang="en-US" dirty="0">
+                        <a:ln>
+                          <a:solidFill>
+                            <a:schemeClr val="bg1"/>
+                          </a:solidFill>
+                        </a:ln>
+                        <a:solidFill>
+                          <a:schemeClr val="bg1"/>
+                        </a:solidFill>
+                      </a:endParaRPr>
+                    </a:p>
+                  </a:txBody>
+                  <a:tcPr>
+                    <a:lnL w="12700" cap="flat" cmpd="sng" algn="ctr">
+                      <a:solidFill>
+                        <a:schemeClr val="bg1"/>
+                      </a:solidFill>
+                      <a:prstDash val="solid"/>
+                      <a:round/>
+                      <a:headEnd type="none" w="med" len="med"/>
+                      <a:tailEnd type="none" w="med" len="med"/>
+                    </a:lnL>
+                    <a:lnR w="12700" cap="flat" cmpd="sng" algn="ctr">
+                      <a:solidFill>
+                        <a:schemeClr val="bg1"/>
+                      </a:solidFill>
+                      <a:prstDash val="solid"/>
+                      <a:round/>
+                      <a:headEnd type="none" w="med" len="med"/>
+                      <a:tailEnd type="none" w="med" len="med"/>
+                    </a:lnR>
+                    <a:lnT w="12700" cap="flat" cmpd="sng" algn="ctr">
+                      <a:solidFill>
+                        <a:schemeClr val="bg1"/>
+                      </a:solidFill>
+                      <a:prstDash val="solid"/>
+                      <a:round/>
+                      <a:headEnd type="none" w="med" len="med"/>
+                      <a:tailEnd type="none" w="med" len="med"/>
+                    </a:lnT>
+                    <a:lnB w="12700" cap="flat" cmpd="sng" algn="ctr">
+                      <a:solidFill>
+                        <a:schemeClr val="bg1"/>
+                      </a:solidFill>
+                      <a:prstDash val="solid"/>
+                      <a:round/>
+                      <a:headEnd type="none" w="med" len="med"/>
+                      <a:tailEnd type="none" w="med" len="med"/>
+                    </a:lnB>
+                    <a:lnTlToBr w="12700" cmpd="sng">
+                      <a:noFill/>
+                      <a:prstDash val="solid"/>
+                    </a:lnTlToBr>
+                    <a:lnBlToTr w="12700" cmpd="sng">
+                      <a:noFill/>
+                      <a:prstDash val="solid"/>
+                    </a:lnBlToTr>
+                  </a:tcPr>
+                </a:tc>
+                <a:extLst>
+                  <a:ext uri="{0D108BD9-81ED-4DB2-BD59-A6C34878D82A}">
+                    <a16:rowId xmlns:a16="http://schemas.microsoft.com/office/drawing/2014/main" val="3710501227"/>
+                  </a:ext>
+                </a:extLst>
+              </a:tr>
+              <a:tr h="370840">
+                <a:tc>
+                  <a:txBody>
+                    <a:bodyPr/>
+                    <a:lstStyle/>
+                    <a:p>
+                      <a:pPr latinLnBrk="1"/>
+                      <a:r>
+                        <a:rPr lang="ko-KR" altLang="en-US" dirty="0">
+                          <a:ln>
+                            <a:solidFill>
+                              <a:schemeClr val="bg1"/>
+                            </a:solidFill>
+                          </a:ln>
+                        </a:rPr>
+                        <a:t>미세먼지에 대한 정보</a:t>
+                      </a:r>
+                      <a:endParaRPr lang="ko-KR" altLang="en-US" dirty="0">
+                        <a:ln>
+                          <a:solidFill>
+                            <a:schemeClr val="bg1"/>
+                          </a:solidFill>
+                        </a:ln>
+                        <a:solidFill>
+                          <a:schemeClr val="bg1"/>
+                        </a:solidFill>
+                      </a:endParaRPr>
+                    </a:p>
+                  </a:txBody>
+                  <a:tcPr>
+                    <a:lnL w="12700" cap="flat" cmpd="sng" algn="ctr">
+                      <a:solidFill>
+                        <a:schemeClr val="bg1"/>
+                      </a:solidFill>
+                      <a:prstDash val="solid"/>
+                      <a:round/>
+                      <a:headEnd type="none" w="med" len="med"/>
+                      <a:tailEnd type="none" w="med" len="med"/>
+                    </a:lnL>
+                    <a:lnR w="12700" cap="flat" cmpd="sng" algn="ctr">
+                      <a:solidFill>
+                        <a:schemeClr val="bg1"/>
+                      </a:solidFill>
+                      <a:prstDash val="solid"/>
+                      <a:round/>
+                      <a:headEnd type="none" w="med" len="med"/>
+                      <a:tailEnd type="none" w="med" len="med"/>
+                    </a:lnR>
+                    <a:lnT w="12700" cap="flat" cmpd="sng" algn="ctr">
+                      <a:solidFill>
+                        <a:schemeClr val="bg1"/>
+                      </a:solidFill>
+                      <a:prstDash val="solid"/>
+                      <a:round/>
+                      <a:headEnd type="none" w="med" len="med"/>
+                      <a:tailEnd type="none" w="med" len="med"/>
+                    </a:lnT>
+                    <a:lnB w="12700" cap="flat" cmpd="sng" algn="ctr">
+                      <a:solidFill>
+                        <a:schemeClr val="bg1"/>
+                      </a:solidFill>
+                      <a:prstDash val="solid"/>
+                      <a:round/>
+                      <a:headEnd type="none" w="med" len="med"/>
+                      <a:tailEnd type="none" w="med" len="med"/>
+                    </a:lnB>
+                    <a:lnTlToBr w="12700" cmpd="sng">
+                      <a:noFill/>
+                      <a:prstDash val="solid"/>
+                    </a:lnTlToBr>
+                    <a:lnBlToTr w="12700" cmpd="sng">
+                      <a:noFill/>
+                      <a:prstDash val="solid"/>
+                    </a:lnBlToTr>
+                  </a:tcPr>
+                </a:tc>
+                <a:tc>
+                  <a:txBody>
+                    <a:bodyPr/>
+                    <a:lstStyle/>
+                    <a:p>
+                      <a:pPr latinLnBrk="1"/>
+                      <a:r>
+                        <a:rPr lang="ko-KR" altLang="en-US" dirty="0">
+                          <a:ln>
+                            <a:solidFill>
+                              <a:schemeClr val="bg1"/>
+                            </a:solidFill>
+                          </a:ln>
+                        </a:rPr>
+                        <a:t>제공 안함</a:t>
+                      </a:r>
+                      <a:endParaRPr lang="ko-KR" altLang="en-US" dirty="0">
+                        <a:ln>
+                          <a:solidFill>
+                            <a:schemeClr val="bg1"/>
+                          </a:solidFill>
+                        </a:ln>
+                        <a:solidFill>
+                          <a:schemeClr val="bg1"/>
+                        </a:solidFill>
+                      </a:endParaRPr>
+                    </a:p>
+                  </a:txBody>
+                  <a:tcPr>
+                    <a:lnL w="12700" cap="flat" cmpd="sng" algn="ctr">
+                      <a:solidFill>
+                        <a:schemeClr val="bg1"/>
+                      </a:solidFill>
+                      <a:prstDash val="solid"/>
+                      <a:round/>
+                      <a:headEnd type="none" w="med" len="med"/>
+                      <a:tailEnd type="none" w="med" len="med"/>
+                    </a:lnL>
+                    <a:lnR w="12700" cap="flat" cmpd="sng" algn="ctr">
+                      <a:solidFill>
+                        <a:schemeClr val="bg1"/>
+                      </a:solidFill>
+                      <a:prstDash val="solid"/>
+                      <a:round/>
+                      <a:headEnd type="none" w="med" len="med"/>
+                      <a:tailEnd type="none" w="med" len="med"/>
+                    </a:lnR>
+                    <a:lnT w="12700" cap="flat" cmpd="sng" algn="ctr">
+                      <a:solidFill>
+                        <a:schemeClr val="bg1"/>
+                      </a:solidFill>
+                      <a:prstDash val="solid"/>
+                      <a:round/>
+                      <a:headEnd type="none" w="med" len="med"/>
+                      <a:tailEnd type="none" w="med" len="med"/>
+                    </a:lnT>
+                    <a:lnB w="12700" cap="flat" cmpd="sng" algn="ctr">
+                      <a:solidFill>
+                        <a:schemeClr val="bg1"/>
+                      </a:solidFill>
+                      <a:prstDash val="solid"/>
+                      <a:round/>
+                      <a:headEnd type="none" w="med" len="med"/>
+                      <a:tailEnd type="none" w="med" len="med"/>
+                    </a:lnB>
+                    <a:lnTlToBr w="12700" cmpd="sng">
+                      <a:noFill/>
+                      <a:prstDash val="solid"/>
+                    </a:lnTlToBr>
+                    <a:lnBlToTr w="12700" cmpd="sng">
+                      <a:noFill/>
+                      <a:prstDash val="solid"/>
+                    </a:lnBlToTr>
+                  </a:tcPr>
+                </a:tc>
+                <a:tc>
+                  <a:txBody>
+                    <a:bodyPr/>
+                    <a:lstStyle/>
+                    <a:p>
+                      <a:pPr latinLnBrk="1"/>
+                      <a:r>
+                        <a:rPr lang="ko-KR" altLang="en-US" dirty="0">
+                          <a:ln>
+                            <a:solidFill>
+                              <a:schemeClr val="bg1"/>
+                            </a:solidFill>
+                          </a:ln>
+                        </a:rPr>
+                        <a:t>제공 함</a:t>
+                      </a:r>
+                      <a:endParaRPr lang="ko-KR" altLang="en-US" dirty="0">
+                        <a:ln>
+                          <a:solidFill>
+                            <a:schemeClr val="bg1"/>
+                          </a:solidFill>
+                        </a:ln>
+                        <a:solidFill>
+                          <a:schemeClr val="bg1"/>
+                        </a:solidFill>
+                      </a:endParaRPr>
+                    </a:p>
+                  </a:txBody>
+                  <a:tcPr>
+                    <a:lnL w="12700" cap="flat" cmpd="sng" algn="ctr">
+                      <a:solidFill>
+                        <a:schemeClr val="bg1"/>
+                      </a:solidFill>
+                      <a:prstDash val="solid"/>
+                      <a:round/>
+                      <a:headEnd type="none" w="med" len="med"/>
+                      <a:tailEnd type="none" w="med" len="med"/>
+                    </a:lnL>
+                    <a:lnR w="12700" cap="flat" cmpd="sng" algn="ctr">
+                      <a:solidFill>
+                        <a:schemeClr val="bg1"/>
+                      </a:solidFill>
+                      <a:prstDash val="solid"/>
+                      <a:round/>
+                      <a:headEnd type="none" w="med" len="med"/>
+                      <a:tailEnd type="none" w="med" len="med"/>
+                    </a:lnR>
+                    <a:lnT w="12700" cap="flat" cmpd="sng" algn="ctr">
+                      <a:solidFill>
+                        <a:schemeClr val="bg1"/>
+                      </a:solidFill>
+                      <a:prstDash val="solid"/>
+                      <a:round/>
+                      <a:headEnd type="none" w="med" len="med"/>
+                      <a:tailEnd type="none" w="med" len="med"/>
+                    </a:lnT>
+                    <a:lnB w="12700" cap="flat" cmpd="sng" algn="ctr">
+                      <a:solidFill>
+                        <a:schemeClr val="bg1"/>
+                      </a:solidFill>
+                      <a:prstDash val="solid"/>
+                      <a:round/>
+                      <a:headEnd type="none" w="med" len="med"/>
+                      <a:tailEnd type="none" w="med" len="med"/>
+                    </a:lnB>
+                    <a:lnTlToBr w="12700" cmpd="sng">
+                      <a:noFill/>
+                      <a:prstDash val="solid"/>
+                    </a:lnTlToBr>
+                    <a:lnBlToTr w="12700" cmpd="sng">
+                      <a:noFill/>
+                      <a:prstDash val="solid"/>
+                    </a:lnBlToTr>
+                  </a:tcPr>
+                </a:tc>
+                <a:extLst>
+                  <a:ext uri="{0D108BD9-81ED-4DB2-BD59-A6C34878D82A}">
+                    <a16:rowId xmlns:a16="http://schemas.microsoft.com/office/drawing/2014/main" val="3624655657"/>
+                  </a:ext>
+                </a:extLst>
+              </a:tr>
+            </a:tbl>
+          </a:graphicData>
+        </a:graphic>
+      </p:graphicFrame>
     </p:spTree>
     <p:extLst>
       <p:ext uri="{BB962C8B-B14F-4D97-AF65-F5344CB8AC3E}">
-        <p14:creationId xmlns:p14="http://schemas.microsoft.com/office/powerpoint/2010/main" val="1962127112"/>
+        <p14:creationId xmlns:p14="http://schemas.microsoft.com/office/powerpoint/2010/main" val="4251862036"/>
       </p:ext>
     </p:extLst>
   </p:cSld>
@@ -6321,6 +7787,14 @@
 <file path=ppt/slides/slide19.xml><?xml version="1.0" encoding="utf-8"?>
 <p:sld xmlns:a="http://schemas.openxmlformats.org/drawingml/2006/main" xmlns:r="http://schemas.openxmlformats.org/officeDocument/2006/relationships" xmlns:p="http://schemas.openxmlformats.org/presentationml/2006/main">
   <p:cSld>
+    <p:bg>
+      <p:bgPr>
+        <a:solidFill>
+          <a:srgbClr val="05022F"/>
+        </a:solidFill>
+        <a:effectLst/>
+      </p:bgPr>
+    </p:bg>
     <p:spTree>
       <p:nvGrpSpPr>
         <p:cNvPr id="1" name=""/>
@@ -6340,7 +7814,7 @@
           <p:cNvPr id="2" name="제목 1">
             <a:extLst>
               <a:ext uri="{FF2B5EF4-FFF2-40B4-BE49-F238E27FC236}">
-                <a16:creationId xmlns="" xmlns:a16="http://schemas.microsoft.com/office/drawing/2014/main" id="{4315451D-EFE7-3F45-9AAB-825F3C23A024}"/>
+                <a16:creationId xmlns:a16="http://schemas.microsoft.com/office/drawing/2014/main" id="{4315451D-EFE7-3F45-9AAB-825F3C23A024}"/>
               </a:ext>
             </a:extLst>
           </p:cNvPr>
@@ -6353,16 +7827,22 @@
         </p:nvSpPr>
         <p:spPr>
           <a:xfrm>
-            <a:off x="457200" y="274638"/>
-            <a:ext cx="8229600" cy="6034682"/>
+            <a:off x="628650" y="2895525"/>
+            <a:ext cx="7886700" cy="1325563"/>
           </a:xfrm>
         </p:spPr>
         <p:txBody>
-          <a:bodyPr/>
+          <a:bodyPr>
+            <a:normAutofit/>
+          </a:bodyPr>
           <a:lstStyle/>
           <a:p>
             <a:r>
-              <a:rPr kumimoji="1" lang="ko-KR" altLang="en-US" dirty="0"/>
+              <a:rPr kumimoji="1" lang="ko-KR" altLang="en-US" sz="4400" dirty="0">
+                <a:solidFill>
+                  <a:schemeClr val="bg1"/>
+                </a:solidFill>
+              </a:rPr>
               <a:t>시뮬레이션</a:t>
             </a:r>
           </a:p>
@@ -6384,6 +7864,14 @@
 <file path=ppt/slides/slide2.xml><?xml version="1.0" encoding="utf-8"?>
 <p:sld xmlns:a="http://schemas.openxmlformats.org/drawingml/2006/main" xmlns:r="http://schemas.openxmlformats.org/officeDocument/2006/relationships" xmlns:p="http://schemas.openxmlformats.org/presentationml/2006/main">
   <p:cSld>
+    <p:bg>
+      <p:bgPr>
+        <a:solidFill>
+          <a:srgbClr val="000000"/>
+        </a:solidFill>
+        <a:effectLst/>
+      </p:bgPr>
+    </p:bg>
     <p:spTree>
       <p:nvGrpSpPr>
         <p:cNvPr id="1" name=""/>
@@ -6406,23 +7894,22 @@
           </p:cNvPicPr>
           <p:nvPr/>
         </p:nvPicPr>
-        <p:blipFill>
+        <p:blipFill rotWithShape="1">
           <a:blip r:embed="rId2">
+            <a:alphaModFix amt="50000"/>
             <a:extLst>
               <a:ext uri="{28A0092B-C50C-407E-A947-70E740481C1C}">
                 <a14:useLocalDpi xmlns:a14="http://schemas.microsoft.com/office/drawing/2010/main" val="0"/>
               </a:ext>
             </a:extLst>
           </a:blip>
-          <a:srcRect/>
-          <a:stretch>
-            <a:fillRect/>
-          </a:stretch>
+          <a:srcRect t="15773" r="-1" b="9226"/>
+          <a:stretch/>
         </p:blipFill>
         <p:spPr bwMode="auto">
           <a:xfrm>
-            <a:off x="2699792" y="2637312"/>
-            <a:ext cx="3600000" cy="3600000"/>
+            <a:off x="20" y="1"/>
+            <a:ext cx="9143980" cy="6857999"/>
           </a:xfrm>
           <a:prstGeom prst="rect">
             <a:avLst/>
@@ -6451,19 +7938,33 @@
         </p:nvSpPr>
         <p:spPr>
           <a:xfrm>
-            <a:off x="685800" y="1556792"/>
-            <a:ext cx="7772400" cy="1470025"/>
+            <a:off x="1143000" y="3212976"/>
+            <a:ext cx="6858000" cy="809904"/>
           </a:xfrm>
         </p:spPr>
         <p:txBody>
-          <a:bodyPr/>
+          <a:bodyPr>
+            <a:normAutofit/>
+          </a:bodyPr>
           <a:lstStyle/>
           <a:p>
             <a:r>
-              <a:rPr lang="ko-KR" altLang="en-US" dirty="0" err="1"/>
+              <a:rPr lang="ko-KR" altLang="en-US" sz="4700" dirty="0" err="1">
+                <a:solidFill>
+                  <a:srgbClr val="FFFFFF"/>
+                </a:solidFill>
+                <a:latin typeface="GulimChe" panose="020B0609000101010101" pitchFamily="49" charset="-127"/>
+                <a:ea typeface="GulimChe" panose="020B0609000101010101" pitchFamily="49" charset="-127"/>
+              </a:rPr>
               <a:t>쏴리질러</a:t>
             </a:r>
-            <a:endParaRPr lang="ko-KR" altLang="en-US" dirty="0"/>
+            <a:endParaRPr lang="ko-KR" altLang="en-US" sz="4700" dirty="0">
+              <a:solidFill>
+                <a:srgbClr val="FFFFFF"/>
+              </a:solidFill>
+              <a:latin typeface="GulimChe" panose="020B0609000101010101" pitchFamily="49" charset="-127"/>
+              <a:ea typeface="GulimChe" panose="020B0609000101010101" pitchFamily="49" charset="-127"/>
+            </a:endParaRPr>
           </a:p>
         </p:txBody>
       </p:sp>
@@ -6475,14 +7976,146 @@
     </p:extLst>
   </p:cSld>
   <p:clrMapOvr>
-    <a:masterClrMapping/>
+    <a:overrideClrMapping bg1="dk1" tx1="lt1" bg2="dk2" tx2="lt2" accent1="accent1" accent2="accent2" accent3="accent3" accent4="accent4" accent5="accent5" accent6="accent6" hlink="hlink" folHlink="folHlink"/>
   </p:clrMapOvr>
+  <p:timing>
+    <p:tnLst>
+      <p:par>
+        <p:cTn id="1" dur="indefinite" restart="never" nodeType="tmRoot">
+          <p:childTnLst>
+            <p:seq concurrent="1" nextAc="seek">
+              <p:cTn id="2" dur="indefinite" nodeType="mainSeq">
+                <p:childTnLst>
+                  <p:par>
+                    <p:cTn id="3" fill="hold">
+                      <p:stCondLst>
+                        <p:cond delay="indefinite"/>
+                      </p:stCondLst>
+                      <p:childTnLst>
+                        <p:par>
+                          <p:cTn id="4" fill="hold">
+                            <p:stCondLst>
+                              <p:cond delay="0"/>
+                            </p:stCondLst>
+                            <p:childTnLst>
+                              <p:par>
+                                <p:cTn id="5" presetID="2" presetClass="entr" presetSubtype="4" fill="hold" grpId="0" nodeType="clickEffect">
+                                  <p:stCondLst>
+                                    <p:cond delay="0"/>
+                                  </p:stCondLst>
+                                  <p:childTnLst>
+                                    <p:set>
+                                      <p:cBhvr>
+                                        <p:cTn id="6" dur="1" fill="hold">
+                                          <p:stCondLst>
+                                            <p:cond delay="0"/>
+                                          </p:stCondLst>
+                                        </p:cTn>
+                                        <p:tgtEl>
+                                          <p:spTgt spid="2"/>
+                                        </p:tgtEl>
+                                        <p:attrNameLst>
+                                          <p:attrName>style.visibility</p:attrName>
+                                        </p:attrNameLst>
+                                      </p:cBhvr>
+                                      <p:to>
+                                        <p:strVal val="visible"/>
+                                      </p:to>
+                                    </p:set>
+                                    <p:anim calcmode="lin" valueType="num">
+                                      <p:cBhvr additive="base">
+                                        <p:cTn id="7" dur="500" fill="hold"/>
+                                        <p:tgtEl>
+                                          <p:spTgt spid="2"/>
+                                        </p:tgtEl>
+                                        <p:attrNameLst>
+                                          <p:attrName>ppt_x</p:attrName>
+                                        </p:attrNameLst>
+                                      </p:cBhvr>
+                                      <p:tavLst>
+                                        <p:tav tm="0">
+                                          <p:val>
+                                            <p:strVal val="#ppt_x"/>
+                                          </p:val>
+                                        </p:tav>
+                                        <p:tav tm="100000">
+                                          <p:val>
+                                            <p:strVal val="#ppt_x"/>
+                                          </p:val>
+                                        </p:tav>
+                                      </p:tavLst>
+                                    </p:anim>
+                                    <p:anim calcmode="lin" valueType="num">
+                                      <p:cBhvr additive="base">
+                                        <p:cTn id="8" dur="500" fill="hold"/>
+                                        <p:tgtEl>
+                                          <p:spTgt spid="2"/>
+                                        </p:tgtEl>
+                                        <p:attrNameLst>
+                                          <p:attrName>ppt_y</p:attrName>
+                                        </p:attrNameLst>
+                                      </p:cBhvr>
+                                      <p:tavLst>
+                                        <p:tav tm="0">
+                                          <p:val>
+                                            <p:strVal val="1+#ppt_h/2"/>
+                                          </p:val>
+                                        </p:tav>
+                                        <p:tav tm="100000">
+                                          <p:val>
+                                            <p:strVal val="#ppt_y"/>
+                                          </p:val>
+                                        </p:tav>
+                                      </p:tavLst>
+                                    </p:anim>
+                                  </p:childTnLst>
+                                </p:cTn>
+                              </p:par>
+                            </p:childTnLst>
+                          </p:cTn>
+                        </p:par>
+                      </p:childTnLst>
+                    </p:cTn>
+                  </p:par>
+                </p:childTnLst>
+              </p:cTn>
+              <p:prevCondLst>
+                <p:cond evt="onPrev" delay="0">
+                  <p:tgtEl>
+                    <p:sldTgt/>
+                  </p:tgtEl>
+                </p:cond>
+              </p:prevCondLst>
+              <p:nextCondLst>
+                <p:cond evt="onNext" delay="0">
+                  <p:tgtEl>
+                    <p:sldTgt/>
+                  </p:tgtEl>
+                </p:cond>
+              </p:nextCondLst>
+            </p:seq>
+          </p:childTnLst>
+        </p:cTn>
+      </p:par>
+    </p:tnLst>
+    <p:bldLst>
+      <p:bldP spid="2" grpId="0"/>
+    </p:bldLst>
+  </p:timing>
 </p:sld>
 </file>
 
 <file path=ppt/slides/slide20.xml><?xml version="1.0" encoding="utf-8"?>
 <p:sld xmlns:a="http://schemas.openxmlformats.org/drawingml/2006/main" xmlns:r="http://schemas.openxmlformats.org/officeDocument/2006/relationships" xmlns:p="http://schemas.openxmlformats.org/presentationml/2006/main">
   <p:cSld>
+    <p:bg>
+      <p:bgPr>
+        <a:solidFill>
+          <a:srgbClr val="05022F"/>
+        </a:solidFill>
+        <a:effectLst/>
+      </p:bgPr>
+    </p:bg>
     <p:spTree>
       <p:nvGrpSpPr>
         <p:cNvPr id="1" name=""/>
@@ -6502,7 +8135,7 @@
           <p:cNvPr id="2" name="제목 1">
             <a:extLst>
               <a:ext uri="{FF2B5EF4-FFF2-40B4-BE49-F238E27FC236}">
-                <a16:creationId xmlns="" xmlns:a16="http://schemas.microsoft.com/office/drawing/2014/main" id="{9C508281-2DF6-3F4B-B03E-499380C0C441}"/>
+                <a16:creationId xmlns:a16="http://schemas.microsoft.com/office/drawing/2014/main" id="{9C508281-2DF6-3F4B-B03E-499380C0C441}"/>
               </a:ext>
             </a:extLst>
           </p:cNvPr>
@@ -6515,7 +8148,7 @@
         </p:nvSpPr>
         <p:spPr>
           <a:xfrm>
-            <a:off x="457200" y="2636912"/>
+            <a:off x="590872" y="3006080"/>
             <a:ext cx="8229600" cy="1143000"/>
           </a:xfrm>
         </p:spPr>
@@ -6526,7 +8159,11 @@
           <a:lstStyle/>
           <a:p>
             <a:r>
-              <a:rPr kumimoji="1" lang="ko-KR" altLang="en-US" dirty="0"/>
+              <a:rPr kumimoji="1" lang="ko-KR" altLang="en-US" sz="4400" dirty="0">
+                <a:solidFill>
+                  <a:schemeClr val="bg1"/>
+                </a:solidFill>
+              </a:rPr>
               <a:t>질의응답</a:t>
             </a:r>
           </a:p>
@@ -6545,9 +8182,17 @@
 </p:sld>
 </file>
 
-<file path=ppt/slides/slide21.xml><?xml version="1.0" encoding="utf-8"?>
+<file path=ppt/slides/slide3.xml><?xml version="1.0" encoding="utf-8"?>
 <p:sld xmlns:a="http://schemas.openxmlformats.org/drawingml/2006/main" xmlns:r="http://schemas.openxmlformats.org/officeDocument/2006/relationships" xmlns:p="http://schemas.openxmlformats.org/presentationml/2006/main">
   <p:cSld>
+    <p:bg>
+      <p:bgPr>
+        <a:solidFill>
+          <a:schemeClr val="tx1"/>
+        </a:solidFill>
+        <a:effectLst/>
+      </p:bgPr>
+    </p:bg>
     <p:spTree>
       <p:nvGrpSpPr>
         <p:cNvPr id="1" name=""/>
@@ -6564,215 +8209,546 @@
       </p:grpSpPr>
       <p:sp>
         <p:nvSpPr>
+          <p:cNvPr id="7" name="제목 6">
+            <a:extLst>
+              <a:ext uri="{FF2B5EF4-FFF2-40B4-BE49-F238E27FC236}">
+                <a16:creationId xmlns:a16="http://schemas.microsoft.com/office/drawing/2014/main" id="{4783E590-82A1-C648-9C38-E4244AA23C2E}"/>
+              </a:ext>
+            </a:extLst>
+          </p:cNvPr>
+          <p:cNvSpPr>
+            <a:spLocks noGrp="1"/>
+          </p:cNvSpPr>
+          <p:nvPr>
+            <p:ph type="title"/>
+          </p:nvPr>
+        </p:nvSpPr>
+        <p:spPr/>
+        <p:txBody>
+          <a:bodyPr/>
+          <a:lstStyle/>
+          <a:p>
+            <a:r>
+              <a:rPr lang="en-US" altLang="ko-KR" dirty="0">
+                <a:solidFill>
+                  <a:schemeClr val="bg1"/>
+                </a:solidFill>
+              </a:rPr>
+              <a:t>                  </a:t>
+            </a:r>
+            <a:r>
+              <a:rPr lang="en-US" altLang="ko-KR" sz="4400" dirty="0">
+                <a:solidFill>
+                  <a:schemeClr val="bg1"/>
+                </a:solidFill>
+              </a:rPr>
+              <a:t>contents</a:t>
+            </a:r>
+            <a:endParaRPr lang="ko-KR" altLang="en-US" sz="4400" dirty="0">
+              <a:solidFill>
+                <a:schemeClr val="bg1"/>
+              </a:solidFill>
+            </a:endParaRPr>
+          </a:p>
+        </p:txBody>
+      </p:sp>
+      <p:sp>
+        <p:nvSpPr>
           <p:cNvPr id="3" name="내용 개체 틀 2">
             <a:extLst>
               <a:ext uri="{FF2B5EF4-FFF2-40B4-BE49-F238E27FC236}">
-                <a16:creationId xmlns="" xmlns:a16="http://schemas.microsoft.com/office/drawing/2014/main" id="{6F98B7E9-F878-0E42-A16C-75C889AFE0CE}"/>
-              </a:ext>
-            </a:extLst>
-          </p:cNvPr>
-          <p:cNvSpPr>
-            <a:spLocks noGrp="1"/>
-          </p:cNvSpPr>
-          <p:nvPr>
-            <p:ph idx="1"/>
+                <a16:creationId xmlns:a16="http://schemas.microsoft.com/office/drawing/2014/main" id="{A068290E-9BC6-ED49-AE19-1271CFFD3E0D}"/>
+              </a:ext>
+            </a:extLst>
+          </p:cNvPr>
+          <p:cNvSpPr>
+            <a:spLocks noGrp="1"/>
+          </p:cNvSpPr>
+          <p:nvPr>
+            <p:ph sz="half" idx="1"/>
           </p:nvPr>
         </p:nvSpPr>
         <p:spPr>
           <a:xfrm>
-            <a:off x="251520" y="4581128"/>
-            <a:ext cx="8229600" cy="1656184"/>
+            <a:off x="772666" y="2564904"/>
+            <a:ext cx="2575198" cy="2861444"/>
           </a:xfrm>
         </p:spPr>
         <p:txBody>
-          <a:bodyPr/>
+          <a:bodyPr anchor="ctr">
+            <a:normAutofit/>
+          </a:bodyPr>
           <a:lstStyle/>
           <a:p>
             <a:pPr marL="0" indent="0">
               <a:buNone/>
             </a:pPr>
             <a:r>
-              <a:rPr kumimoji="1" lang="ko-KR" altLang="en-US" dirty="0"/>
-              <a:t>이상 </a:t>
-            </a:r>
-            <a:r>
-              <a:rPr kumimoji="1" lang="ko-KR" altLang="en-US" dirty="0" err="1"/>
-              <a:t>쏴리질러였습니다</a:t>
-            </a:r>
-            <a:r>
-              <a:rPr kumimoji="1" lang="en-US" altLang="ko-KR" dirty="0"/>
-              <a:t>.</a:t>
-            </a:r>
+              <a:rPr kumimoji="1" lang="ko-KR" altLang="en-US" sz="2100" dirty="0">
+                <a:solidFill>
+                  <a:schemeClr val="bg1"/>
+                </a:solidFill>
+              </a:rPr>
+              <a:t>팀원 소개</a:t>
+            </a:r>
+            <a:endParaRPr kumimoji="1" lang="en-US" altLang="ko-KR" sz="2100" dirty="0">
+              <a:solidFill>
+                <a:schemeClr val="bg1"/>
+              </a:solidFill>
+            </a:endParaRPr>
           </a:p>
           <a:p>
             <a:pPr marL="0" indent="0">
               <a:buNone/>
             </a:pPr>
             <a:r>
-              <a:rPr kumimoji="1" lang="ko-KR" altLang="en-US" dirty="0"/>
-              <a:t>감사합니다 </a:t>
-            </a:r>
-            <a:r>
-              <a:rPr kumimoji="1" lang="en-US" altLang="ko-KR" dirty="0"/>
-              <a:t>:</a:t>
-            </a:r>
-            <a:r>
-              <a:rPr kumimoji="1" lang="ko-KR" altLang="en-US" dirty="0"/>
-              <a:t> </a:t>
-            </a:r>
-            <a:r>
-              <a:rPr kumimoji="1" lang="en-US" altLang="ko-KR" dirty="0"/>
-              <a:t>)</a:t>
-            </a:r>
-            <a:endParaRPr kumimoji="1" lang="ko-KR" altLang="en-US" dirty="0"/>
-          </a:p>
-        </p:txBody>
-      </p:sp>
-    </p:spTree>
-    <p:extLst>
-      <p:ext uri="{BB962C8B-B14F-4D97-AF65-F5344CB8AC3E}">
-        <p14:creationId xmlns:p14="http://schemas.microsoft.com/office/powerpoint/2010/main" val="3977145828"/>
-      </p:ext>
-    </p:extLst>
-  </p:cSld>
-  <p:clrMapOvr>
-    <a:masterClrMapping/>
-  </p:clrMapOvr>
-</p:sld>
-</file>
-
-<file path=ppt/slides/slide3.xml><?xml version="1.0" encoding="utf-8"?>
-<p:sld xmlns:a="http://schemas.openxmlformats.org/drawingml/2006/main" xmlns:r="http://schemas.openxmlformats.org/officeDocument/2006/relationships" xmlns:p="http://schemas.openxmlformats.org/presentationml/2006/main">
-  <p:cSld>
-    <p:spTree>
-      <p:nvGrpSpPr>
-        <p:cNvPr id="1" name=""/>
-        <p:cNvGrpSpPr/>
-        <p:nvPr/>
-      </p:nvGrpSpPr>
-      <p:grpSpPr>
-        <a:xfrm>
-          <a:off x="0" y="0"/>
-          <a:ext cx="0" cy="0"/>
-          <a:chOff x="0" y="0"/>
-          <a:chExt cx="0" cy="0"/>
-        </a:xfrm>
-      </p:grpSpPr>
-      <p:sp>
-        <p:nvSpPr>
-          <p:cNvPr id="2" name="제목 1">
-            <a:extLst>
-              <a:ext uri="{FF2B5EF4-FFF2-40B4-BE49-F238E27FC236}">
-                <a16:creationId xmlns="" xmlns:a16="http://schemas.microsoft.com/office/drawing/2014/main" id="{917E2B41-8B87-7647-908C-7257B71C60BB}"/>
-              </a:ext>
-            </a:extLst>
-          </p:cNvPr>
-          <p:cNvSpPr>
-            <a:spLocks noGrp="1"/>
-          </p:cNvSpPr>
-          <p:nvPr>
-            <p:ph type="title"/>
-          </p:nvPr>
-        </p:nvSpPr>
-        <p:spPr/>
+              <a:rPr kumimoji="1" lang="ko-KR" altLang="en-US" sz="2100" dirty="0">
+                <a:solidFill>
+                  <a:schemeClr val="bg1"/>
+                </a:solidFill>
+              </a:rPr>
+              <a:t>기획 배경</a:t>
+            </a:r>
+            <a:endParaRPr kumimoji="1" lang="en-US" altLang="ko-KR" sz="2100" dirty="0">
+              <a:solidFill>
+                <a:schemeClr val="bg1"/>
+              </a:solidFill>
+            </a:endParaRPr>
+          </a:p>
+          <a:p>
+            <a:pPr marL="0" indent="0">
+              <a:buNone/>
+            </a:pPr>
+            <a:endParaRPr kumimoji="1" lang="en-US" altLang="ko-KR" sz="2100" dirty="0"/>
+          </a:p>
+          <a:p>
+            <a:endParaRPr kumimoji="1" lang="ko-KR" altLang="en-US" sz="2100" dirty="0"/>
+          </a:p>
+        </p:txBody>
+      </p:sp>
+      <p:sp>
+        <p:nvSpPr>
+          <p:cNvPr id="9" name="내용 개체 틀 8">
+            <a:extLst>
+              <a:ext uri="{FF2B5EF4-FFF2-40B4-BE49-F238E27FC236}">
+                <a16:creationId xmlns:a16="http://schemas.microsoft.com/office/drawing/2014/main" id="{F0BC6555-57F2-234F-BEC8-595086235CDF}"/>
+              </a:ext>
+            </a:extLst>
+          </p:cNvPr>
+          <p:cNvSpPr>
+            <a:spLocks noGrp="1"/>
+          </p:cNvSpPr>
+          <p:nvPr>
+            <p:ph sz="half" idx="2"/>
+          </p:nvPr>
+        </p:nvSpPr>
+        <p:spPr>
+          <a:xfrm>
+            <a:off x="6444208" y="3212976"/>
+            <a:ext cx="2287166" cy="2747963"/>
+          </a:xfrm>
+        </p:spPr>
         <p:txBody>
           <a:bodyPr/>
           <a:lstStyle/>
           <a:p>
-            <a:r>
-              <a:rPr kumimoji="1" lang="ko-KR" altLang="en-US" dirty="0"/>
-              <a:t>목차</a:t>
-            </a:r>
-          </a:p>
-        </p:txBody>
-      </p:sp>
-      <p:sp>
-        <p:nvSpPr>
-          <p:cNvPr id="3" name="내용 개체 틀 2">
-            <a:extLst>
-              <a:ext uri="{FF2B5EF4-FFF2-40B4-BE49-F238E27FC236}">
-                <a16:creationId xmlns="" xmlns:a16="http://schemas.microsoft.com/office/drawing/2014/main" id="{A068290E-9BC6-ED49-AE19-1271CFFD3E0D}"/>
-              </a:ext>
-            </a:extLst>
-          </p:cNvPr>
-          <p:cNvSpPr>
-            <a:spLocks noGrp="1"/>
-          </p:cNvSpPr>
-          <p:nvPr>
-            <p:ph idx="1"/>
-          </p:nvPr>
-        </p:nvSpPr>
-        <p:spPr/>
-        <p:txBody>
-          <a:bodyPr>
+            <a:pPr marL="0" indent="0">
+              <a:buNone/>
+            </a:pPr>
+            <a:r>
+              <a:rPr kumimoji="1" lang="ko-KR" altLang="en-US" dirty="0">
+                <a:solidFill>
+                  <a:schemeClr val="bg1"/>
+                </a:solidFill>
+                <a:latin typeface="+mj-lt"/>
+              </a:rPr>
+              <a:t>핵심경쟁력</a:t>
+            </a:r>
+            <a:endParaRPr kumimoji="1" lang="en-US" altLang="ko-KR" dirty="0">
+              <a:solidFill>
+                <a:schemeClr val="bg1"/>
+              </a:solidFill>
+              <a:latin typeface="+mj-lt"/>
+            </a:endParaRPr>
+          </a:p>
+          <a:p>
+            <a:pPr marL="0" indent="0">
+              <a:buNone/>
+            </a:pPr>
+            <a:r>
+              <a:rPr kumimoji="1" lang="ko-KR" altLang="en-US" dirty="0">
+                <a:solidFill>
+                  <a:schemeClr val="bg1"/>
+                </a:solidFill>
+                <a:latin typeface="+mj-lt"/>
+              </a:rPr>
+              <a:t>시장</a:t>
+            </a:r>
+            <a:r>
+              <a:rPr kumimoji="1" lang="en-US" altLang="ko-KR" dirty="0">
+                <a:solidFill>
+                  <a:schemeClr val="bg1"/>
+                </a:solidFill>
+                <a:latin typeface="+mj-lt"/>
+              </a:rPr>
+              <a:t>/</a:t>
+            </a:r>
+            <a:r>
+              <a:rPr kumimoji="1" lang="ko-KR" altLang="en-US" dirty="0">
+                <a:solidFill>
+                  <a:schemeClr val="bg1"/>
+                </a:solidFill>
+                <a:latin typeface="+mj-lt"/>
+              </a:rPr>
+              <a:t>경쟁 분석</a:t>
+            </a:r>
+            <a:endParaRPr kumimoji="1" lang="en-US" altLang="ko-KR" dirty="0">
+              <a:solidFill>
+                <a:schemeClr val="bg1"/>
+              </a:solidFill>
+              <a:latin typeface="+mj-lt"/>
+            </a:endParaRPr>
+          </a:p>
+          <a:p>
+            <a:pPr marL="0" indent="0">
+              <a:buNone/>
+            </a:pPr>
+            <a:r>
+              <a:rPr kumimoji="1" lang="ko-KR" altLang="en-US" dirty="0">
+                <a:solidFill>
+                  <a:schemeClr val="bg1"/>
+                </a:solidFill>
+                <a:latin typeface="+mj-lt"/>
+              </a:rPr>
+              <a:t>시뮬레이션</a:t>
+            </a:r>
+            <a:endParaRPr kumimoji="1" lang="en-US" altLang="ko-KR" dirty="0">
+              <a:solidFill>
+                <a:schemeClr val="bg1"/>
+              </a:solidFill>
+              <a:latin typeface="+mj-lt"/>
+            </a:endParaRPr>
+          </a:p>
+          <a:p>
+            <a:endParaRPr kumimoji="1" lang="ko-KR" altLang="en-US" dirty="0"/>
+          </a:p>
+        </p:txBody>
+      </p:sp>
+      <p:sp>
+        <p:nvSpPr>
+          <p:cNvPr id="12" name="내용 개체 틀 8">
+            <a:extLst>
+              <a:ext uri="{FF2B5EF4-FFF2-40B4-BE49-F238E27FC236}">
+                <a16:creationId xmlns:a16="http://schemas.microsoft.com/office/drawing/2014/main" id="{38BC7D88-9C4D-B940-B68F-3646E587455A}"/>
+              </a:ext>
+            </a:extLst>
+          </p:cNvPr>
+          <p:cNvSpPr txBox="1">
+            <a:spLocks/>
+          </p:cNvSpPr>
+          <p:nvPr/>
+        </p:nvSpPr>
+        <p:spPr>
+          <a:xfrm>
+            <a:off x="3635896" y="3212976"/>
+            <a:ext cx="2016224" cy="2747963"/>
+          </a:xfrm>
+          <a:prstGeom prst="rect">
+            <a:avLst/>
+          </a:prstGeom>
+        </p:spPr>
+        <p:txBody>
+          <a:bodyPr vert="horz" lIns="91440" tIns="45720" rIns="91440" bIns="45720" rtlCol="0">
             <a:normAutofit/>
           </a:bodyPr>
-          <a:lstStyle/>
-          <a:p>
-            <a:r>
-              <a:rPr kumimoji="1" lang="ko-KR" altLang="en-US" dirty="0"/>
-              <a:t>팀원 소개</a:t>
-            </a:r>
-            <a:endParaRPr kumimoji="1" lang="en-US" altLang="ko-KR" dirty="0"/>
-          </a:p>
-          <a:p>
-            <a:r>
-              <a:rPr kumimoji="1" lang="ko-KR" altLang="en-US" dirty="0"/>
-              <a:t>기획 배경</a:t>
-            </a:r>
-            <a:endParaRPr kumimoji="1" lang="en-US" altLang="ko-KR" dirty="0"/>
-          </a:p>
-          <a:p>
-            <a:r>
-              <a:rPr kumimoji="1" lang="ko-KR" altLang="en-US" dirty="0"/>
+          <a:lstStyle>
+            <a:lvl1pPr marL="171450" indent="-171450" algn="l" defTabSz="685800" rtl="0" eaLnBrk="1" latinLnBrk="1" hangingPunct="1">
+              <a:lnSpc>
+                <a:spcPct val="90000"/>
+              </a:lnSpc>
+              <a:spcBef>
+                <a:spcPts val="750"/>
+              </a:spcBef>
+              <a:buFont typeface="Arial" panose="020B0604020202020204" pitchFamily="34" charset="0"/>
+              <a:buChar char="•"/>
+              <a:defRPr sz="2100" kern="1200">
+                <a:solidFill>
+                  <a:schemeClr val="tx1"/>
+                </a:solidFill>
+                <a:latin typeface="+mn-lt"/>
+                <a:ea typeface="+mn-ea"/>
+                <a:cs typeface="+mn-cs"/>
+              </a:defRPr>
+            </a:lvl1pPr>
+            <a:lvl2pPr marL="514350" indent="-171450" algn="l" defTabSz="685800" rtl="0" eaLnBrk="1" latinLnBrk="1" hangingPunct="1">
+              <a:lnSpc>
+                <a:spcPct val="90000"/>
+              </a:lnSpc>
+              <a:spcBef>
+                <a:spcPts val="375"/>
+              </a:spcBef>
+              <a:buFont typeface="Arial" panose="020B0604020202020204" pitchFamily="34" charset="0"/>
+              <a:buChar char="•"/>
+              <a:defRPr sz="1800" kern="1200">
+                <a:solidFill>
+                  <a:schemeClr val="tx1"/>
+                </a:solidFill>
+                <a:latin typeface="+mn-lt"/>
+                <a:ea typeface="+mn-ea"/>
+                <a:cs typeface="+mn-cs"/>
+              </a:defRPr>
+            </a:lvl2pPr>
+            <a:lvl3pPr marL="857250" indent="-171450" algn="l" defTabSz="685800" rtl="0" eaLnBrk="1" latinLnBrk="1" hangingPunct="1">
+              <a:lnSpc>
+                <a:spcPct val="90000"/>
+              </a:lnSpc>
+              <a:spcBef>
+                <a:spcPts val="375"/>
+              </a:spcBef>
+              <a:buFont typeface="Arial" panose="020B0604020202020204" pitchFamily="34" charset="0"/>
+              <a:buChar char="•"/>
+              <a:defRPr sz="1500" kern="1200">
+                <a:solidFill>
+                  <a:schemeClr val="tx1"/>
+                </a:solidFill>
+                <a:latin typeface="+mn-lt"/>
+                <a:ea typeface="+mn-ea"/>
+                <a:cs typeface="+mn-cs"/>
+              </a:defRPr>
+            </a:lvl3pPr>
+            <a:lvl4pPr marL="1200150" indent="-171450" algn="l" defTabSz="685800" rtl="0" eaLnBrk="1" latinLnBrk="1" hangingPunct="1">
+              <a:lnSpc>
+                <a:spcPct val="90000"/>
+              </a:lnSpc>
+              <a:spcBef>
+                <a:spcPts val="375"/>
+              </a:spcBef>
+              <a:buFont typeface="Arial" panose="020B0604020202020204" pitchFamily="34" charset="0"/>
+              <a:buChar char="•"/>
+              <a:defRPr sz="1350" kern="1200">
+                <a:solidFill>
+                  <a:schemeClr val="tx1"/>
+                </a:solidFill>
+                <a:latin typeface="+mn-lt"/>
+                <a:ea typeface="+mn-ea"/>
+                <a:cs typeface="+mn-cs"/>
+              </a:defRPr>
+            </a:lvl4pPr>
+            <a:lvl5pPr marL="1543050" indent="-171450" algn="l" defTabSz="685800" rtl="0" eaLnBrk="1" latinLnBrk="1" hangingPunct="1">
+              <a:lnSpc>
+                <a:spcPct val="90000"/>
+              </a:lnSpc>
+              <a:spcBef>
+                <a:spcPts val="375"/>
+              </a:spcBef>
+              <a:buFont typeface="Arial" panose="020B0604020202020204" pitchFamily="34" charset="0"/>
+              <a:buChar char="•"/>
+              <a:defRPr sz="1350" kern="1200">
+                <a:solidFill>
+                  <a:schemeClr val="tx1"/>
+                </a:solidFill>
+                <a:latin typeface="+mn-lt"/>
+                <a:ea typeface="+mn-ea"/>
+                <a:cs typeface="+mn-cs"/>
+              </a:defRPr>
+            </a:lvl5pPr>
+            <a:lvl6pPr marL="1885950" indent="-171450" algn="l" defTabSz="685800" rtl="0" eaLnBrk="1" latinLnBrk="1" hangingPunct="1">
+              <a:lnSpc>
+                <a:spcPct val="90000"/>
+              </a:lnSpc>
+              <a:spcBef>
+                <a:spcPts val="375"/>
+              </a:spcBef>
+              <a:buFont typeface="Arial" panose="020B0604020202020204" pitchFamily="34" charset="0"/>
+              <a:buChar char="•"/>
+              <a:defRPr sz="1350" kern="1200">
+                <a:solidFill>
+                  <a:schemeClr val="tx1"/>
+                </a:solidFill>
+                <a:latin typeface="+mn-lt"/>
+                <a:ea typeface="+mn-ea"/>
+                <a:cs typeface="+mn-cs"/>
+              </a:defRPr>
+            </a:lvl6pPr>
+            <a:lvl7pPr marL="2228850" indent="-171450" algn="l" defTabSz="685800" rtl="0" eaLnBrk="1" latinLnBrk="1" hangingPunct="1">
+              <a:lnSpc>
+                <a:spcPct val="90000"/>
+              </a:lnSpc>
+              <a:spcBef>
+                <a:spcPts val="375"/>
+              </a:spcBef>
+              <a:buFont typeface="Arial" panose="020B0604020202020204" pitchFamily="34" charset="0"/>
+              <a:buChar char="•"/>
+              <a:defRPr sz="1350" kern="1200">
+                <a:solidFill>
+                  <a:schemeClr val="tx1"/>
+                </a:solidFill>
+                <a:latin typeface="+mn-lt"/>
+                <a:ea typeface="+mn-ea"/>
+                <a:cs typeface="+mn-cs"/>
+              </a:defRPr>
+            </a:lvl7pPr>
+            <a:lvl8pPr marL="2571750" indent="-171450" algn="l" defTabSz="685800" rtl="0" eaLnBrk="1" latinLnBrk="1" hangingPunct="1">
+              <a:lnSpc>
+                <a:spcPct val="90000"/>
+              </a:lnSpc>
+              <a:spcBef>
+                <a:spcPts val="375"/>
+              </a:spcBef>
+              <a:buFont typeface="Arial" panose="020B0604020202020204" pitchFamily="34" charset="0"/>
+              <a:buChar char="•"/>
+              <a:defRPr sz="1350" kern="1200">
+                <a:solidFill>
+                  <a:schemeClr val="tx1"/>
+                </a:solidFill>
+                <a:latin typeface="+mn-lt"/>
+                <a:ea typeface="+mn-ea"/>
+                <a:cs typeface="+mn-cs"/>
+              </a:defRPr>
+            </a:lvl8pPr>
+            <a:lvl9pPr marL="2914650" indent="-171450" algn="l" defTabSz="685800" rtl="0" eaLnBrk="1" latinLnBrk="1" hangingPunct="1">
+              <a:lnSpc>
+                <a:spcPct val="90000"/>
+              </a:lnSpc>
+              <a:spcBef>
+                <a:spcPts val="375"/>
+              </a:spcBef>
+              <a:buFont typeface="Arial" panose="020B0604020202020204" pitchFamily="34" charset="0"/>
+              <a:buChar char="•"/>
+              <a:defRPr sz="1350" kern="1200">
+                <a:solidFill>
+                  <a:schemeClr val="tx1"/>
+                </a:solidFill>
+                <a:latin typeface="+mn-lt"/>
+                <a:ea typeface="+mn-ea"/>
+                <a:cs typeface="+mn-cs"/>
+              </a:defRPr>
+            </a:lvl9pPr>
+          </a:lstStyle>
+          <a:p>
+            <a:pPr marL="0" indent="0">
+              <a:buNone/>
+            </a:pPr>
+            <a:r>
+              <a:rPr kumimoji="1" lang="ko-KR" altLang="en-US" dirty="0">
+                <a:solidFill>
+                  <a:schemeClr val="bg1"/>
+                </a:solidFill>
+                <a:latin typeface="+mj-lt"/>
+              </a:rPr>
               <a:t>서비스 소개</a:t>
             </a:r>
-            <a:endParaRPr kumimoji="1" lang="en-US" altLang="ko-KR" dirty="0"/>
-          </a:p>
-          <a:p>
-            <a:r>
-              <a:rPr kumimoji="1" lang="ko-KR" altLang="en-US" dirty="0"/>
+            <a:endParaRPr kumimoji="1" lang="en-US" altLang="ko-KR" dirty="0">
+              <a:solidFill>
+                <a:schemeClr val="bg1"/>
+              </a:solidFill>
+              <a:latin typeface="+mj-lt"/>
+            </a:endParaRPr>
+          </a:p>
+          <a:p>
+            <a:pPr marL="0" indent="0">
+              <a:buNone/>
+            </a:pPr>
+            <a:r>
+              <a:rPr kumimoji="1" lang="ko-KR" altLang="en-US" dirty="0">
+                <a:solidFill>
+                  <a:schemeClr val="bg1"/>
+                </a:solidFill>
+                <a:latin typeface="+mj-lt"/>
+              </a:rPr>
               <a:t>부가 기능</a:t>
             </a:r>
-            <a:endParaRPr kumimoji="1" lang="en-US" altLang="ko-KR" dirty="0"/>
-          </a:p>
-          <a:p>
-            <a:r>
-              <a:rPr kumimoji="1" lang="ko-KR" altLang="en-US" dirty="0"/>
-              <a:t>핵심경쟁력</a:t>
-            </a:r>
-            <a:endParaRPr kumimoji="1" lang="en-US" altLang="ko-KR" dirty="0"/>
-          </a:p>
-          <a:p>
-            <a:r>
-              <a:rPr kumimoji="1" lang="ko-KR" altLang="en-US" dirty="0"/>
-              <a:t>시장</a:t>
-            </a:r>
-            <a:r>
-              <a:rPr kumimoji="1" lang="en-US" altLang="ko-KR" dirty="0"/>
-              <a:t>/</a:t>
-            </a:r>
-            <a:r>
-              <a:rPr kumimoji="1" lang="ko-KR" altLang="en-US" dirty="0"/>
-              <a:t>경쟁 분석</a:t>
-            </a:r>
-            <a:endParaRPr kumimoji="1" lang="en-US" altLang="ko-KR" dirty="0"/>
-          </a:p>
-          <a:p>
-            <a:r>
-              <a:rPr kumimoji="1" lang="ko-KR" altLang="en-US" dirty="0"/>
-              <a:t>시뮬레이션</a:t>
-            </a:r>
-            <a:endParaRPr kumimoji="1" lang="en-US" altLang="ko-KR" dirty="0"/>
-          </a:p>
-          <a:p>
-            <a:endParaRPr kumimoji="1" lang="en-US" altLang="ko-KR" dirty="0"/>
-          </a:p>
-          <a:p>
-            <a:endParaRPr kumimoji="1" lang="ko-KR" altLang="en-US" dirty="0"/>
-          </a:p>
-        </p:txBody>
-      </p:sp>
+            <a:endParaRPr kumimoji="1" lang="en-US" altLang="ko-KR" dirty="0">
+              <a:solidFill>
+                <a:schemeClr val="bg1"/>
+              </a:solidFill>
+              <a:latin typeface="+mj-lt"/>
+            </a:endParaRPr>
+          </a:p>
+        </p:txBody>
+      </p:sp>
+      <p:cxnSp>
+        <p:nvCxnSpPr>
+          <p:cNvPr id="13" name="직선 연결선[R] 12">
+            <a:extLst>
+              <a:ext uri="{FF2B5EF4-FFF2-40B4-BE49-F238E27FC236}">
+                <a16:creationId xmlns:a16="http://schemas.microsoft.com/office/drawing/2014/main" id="{DCF0ACFA-7C73-5740-8054-59CBCF299A5F}"/>
+              </a:ext>
+            </a:extLst>
+          </p:cNvPr>
+          <p:cNvCxnSpPr/>
+          <p:nvPr/>
+        </p:nvCxnSpPr>
+        <p:spPr>
+          <a:xfrm>
+            <a:off x="2987824" y="2204864"/>
+            <a:ext cx="0" cy="3456384"/>
+          </a:xfrm>
+          <a:prstGeom prst="line">
+            <a:avLst/>
+          </a:prstGeom>
+          <a:ln w="12700">
+            <a:solidFill>
+              <a:schemeClr val="bg1"/>
+            </a:solidFill>
+          </a:ln>
+        </p:spPr>
+        <p:style>
+          <a:lnRef idx="1">
+            <a:schemeClr val="accent1"/>
+          </a:lnRef>
+          <a:fillRef idx="0">
+            <a:schemeClr val="accent1"/>
+          </a:fillRef>
+          <a:effectRef idx="0">
+            <a:schemeClr val="accent1"/>
+          </a:effectRef>
+          <a:fontRef idx="minor">
+            <a:schemeClr val="tx1"/>
+          </a:fontRef>
+        </p:style>
+      </p:cxnSp>
+      <p:cxnSp>
+        <p:nvCxnSpPr>
+          <p:cNvPr id="16" name="직선 연결선[R] 15">
+            <a:extLst>
+              <a:ext uri="{FF2B5EF4-FFF2-40B4-BE49-F238E27FC236}">
+                <a16:creationId xmlns:a16="http://schemas.microsoft.com/office/drawing/2014/main" id="{BC7D7392-0431-F445-BD29-1C57C9A1BF57}"/>
+              </a:ext>
+            </a:extLst>
+          </p:cNvPr>
+          <p:cNvCxnSpPr/>
+          <p:nvPr/>
+        </p:nvCxnSpPr>
+        <p:spPr>
+          <a:xfrm>
+            <a:off x="5940152" y="2204864"/>
+            <a:ext cx="0" cy="3456384"/>
+          </a:xfrm>
+          <a:prstGeom prst="line">
+            <a:avLst/>
+          </a:prstGeom>
+          <a:ln w="12700">
+            <a:solidFill>
+              <a:schemeClr val="bg1"/>
+            </a:solidFill>
+          </a:ln>
+        </p:spPr>
+        <p:style>
+          <a:lnRef idx="1">
+            <a:schemeClr val="accent1"/>
+          </a:lnRef>
+          <a:fillRef idx="0">
+            <a:schemeClr val="accent1"/>
+          </a:fillRef>
+          <a:effectRef idx="0">
+            <a:schemeClr val="accent1"/>
+          </a:effectRef>
+          <a:fontRef idx="minor">
+            <a:schemeClr val="tx1"/>
+          </a:fontRef>
+        </p:style>
+      </p:cxnSp>
     </p:spTree>
     <p:extLst>
       <p:ext uri="{BB962C8B-B14F-4D97-AF65-F5344CB8AC3E}">
@@ -6789,6 +8765,14 @@
 <file path=ppt/slides/slide4.xml><?xml version="1.0" encoding="utf-8"?>
 <p:sld xmlns:a="http://schemas.openxmlformats.org/drawingml/2006/main" xmlns:r="http://schemas.openxmlformats.org/officeDocument/2006/relationships" xmlns:p="http://schemas.openxmlformats.org/presentationml/2006/main">
   <p:cSld>
+    <p:bg>
+      <p:bgPr>
+        <a:solidFill>
+          <a:schemeClr val="tx1"/>
+        </a:solidFill>
+        <a:effectLst/>
+      </p:bgPr>
+    </p:bg>
     <p:spTree>
       <p:nvGrpSpPr>
         <p:cNvPr id="1" name=""/>
@@ -6805,10 +8789,10 @@
       </p:grpSpPr>
       <p:sp>
         <p:nvSpPr>
-          <p:cNvPr id="2" name="제목 1">
-            <a:extLst>
-              <a:ext uri="{FF2B5EF4-FFF2-40B4-BE49-F238E27FC236}">
-                <a16:creationId xmlns="" xmlns:a16="http://schemas.microsoft.com/office/drawing/2014/main" id="{3409D811-9620-E144-9E2D-42A6803A50B0}"/>
+          <p:cNvPr id="5" name="제목 4">
+            <a:extLst>
+              <a:ext uri="{FF2B5EF4-FFF2-40B4-BE49-F238E27FC236}">
+                <a16:creationId xmlns:a16="http://schemas.microsoft.com/office/drawing/2014/main" id="{B6E4B8AE-757C-5044-8E11-B6F9011B287D}"/>
               </a:ext>
             </a:extLst>
           </p:cNvPr>
@@ -6821,11 +8805,27 @@
         </p:nvSpPr>
         <p:spPr/>
         <p:txBody>
-          <a:bodyPr/>
+          <a:bodyPr>
+            <a:normAutofit/>
+          </a:bodyPr>
           <a:lstStyle/>
           <a:p>
             <a:r>
-              <a:rPr kumimoji="1" lang="ko-KR" altLang="en-US" dirty="0"/>
+              <a:rPr lang="ko-KR" altLang="en-US" sz="4400" dirty="0">
+                <a:solidFill>
+                  <a:schemeClr val="bg1"/>
+                </a:solidFill>
+              </a:rPr>
+              <a:t>            </a:t>
+            </a:r>
+            <a:r>
+              <a:rPr lang="ko-KR" altLang="en-US" sz="4400" dirty="0">
+                <a:solidFill>
+                  <a:schemeClr val="bg1"/>
+                </a:solidFill>
+                <a:latin typeface="GulimChe" panose="020B0609000101010101" pitchFamily="49" charset="-127"/>
+                <a:ea typeface="GulimChe" panose="020B0609000101010101" pitchFamily="49" charset="-127"/>
+              </a:rPr>
               <a:t>팀원 소개</a:t>
             </a:r>
           </a:p>
@@ -6836,7 +8836,7 @@
           <p:cNvPr id="3" name="내용 개체 틀 2">
             <a:extLst>
               <a:ext uri="{FF2B5EF4-FFF2-40B4-BE49-F238E27FC236}">
-                <a16:creationId xmlns="" xmlns:a16="http://schemas.microsoft.com/office/drawing/2014/main" id="{393D240D-69BC-C24F-B228-B79939338B18}"/>
+                <a16:creationId xmlns:a16="http://schemas.microsoft.com/office/drawing/2014/main" id="{393D240D-69BC-C24F-B228-B79939338B18}"/>
               </a:ext>
             </a:extLst>
           </p:cNvPr>
@@ -6847,58 +8847,72 @@
             <p:ph idx="1"/>
           </p:nvPr>
         </p:nvSpPr>
-        <p:spPr/>
-        <p:txBody>
-          <a:bodyPr/>
+        <p:spPr>
+          <a:xfrm>
+            <a:off x="844674" y="1825625"/>
+            <a:ext cx="2431182" cy="4351338"/>
+          </a:xfrm>
+        </p:spPr>
+        <p:txBody>
+          <a:bodyPr anchor="ctr">
+            <a:normAutofit/>
+          </a:bodyPr>
           <a:lstStyle/>
           <a:p>
-            <a:r>
-              <a:rPr kumimoji="1" lang="ko-KR" altLang="en-US" dirty="0"/>
-              <a:t>조장</a:t>
-            </a:r>
-            <a:r>
-              <a:rPr kumimoji="1" lang="en-US" altLang="ko-KR" dirty="0"/>
-              <a:t>-</a:t>
-            </a:r>
-            <a:r>
-              <a:rPr kumimoji="1" lang="ko-KR" altLang="en-US" dirty="0"/>
-              <a:t>박상민</a:t>
-            </a:r>
-            <a:endParaRPr kumimoji="1" lang="en-US" altLang="ko-KR" dirty="0"/>
-          </a:p>
-          <a:p>
-            <a:r>
-              <a:rPr kumimoji="1" lang="ko-KR" altLang="en-US" dirty="0"/>
-              <a:t>디자이너</a:t>
-            </a:r>
-            <a:r>
-              <a:rPr kumimoji="1" lang="en-US" altLang="ko-KR" dirty="0"/>
-              <a:t>-</a:t>
-            </a:r>
-            <a:r>
-              <a:rPr kumimoji="1" lang="ko-KR" altLang="en-US" dirty="0"/>
-              <a:t>김재현</a:t>
-            </a:r>
-            <a:endParaRPr kumimoji="1" lang="en-US" altLang="ko-KR" dirty="0"/>
-          </a:p>
-          <a:p>
-            <a:r>
-              <a:rPr kumimoji="1" lang="ko-KR" altLang="en-US" dirty="0"/>
-              <a:t>기획</a:t>
-            </a:r>
-            <a:r>
-              <a:rPr kumimoji="1" lang="en-US" altLang="ko-KR" dirty="0"/>
-              <a:t>-</a:t>
-            </a:r>
-            <a:r>
-              <a:rPr kumimoji="1" lang="ko-KR" altLang="en-US" dirty="0" err="1"/>
-              <a:t>문수림</a:t>
-            </a:r>
-            <a:r>
-              <a:rPr kumimoji="1" lang="ko-KR" altLang="en-US" dirty="0"/>
-              <a:t> 이수정 조형래</a:t>
-            </a:r>
-            <a:endParaRPr kumimoji="1" lang="en-US" altLang="ko-KR" dirty="0"/>
+            <a:pPr marL="0" indent="0">
+              <a:buNone/>
+            </a:pPr>
+            <a:endParaRPr kumimoji="1" lang="en-US" altLang="ko-KR" dirty="0">
+              <a:solidFill>
+                <a:schemeClr val="bg1"/>
+              </a:solidFill>
+            </a:endParaRPr>
+          </a:p>
+          <a:p>
+            <a:pPr marL="0" indent="0">
+              <a:buNone/>
+            </a:pPr>
+            <a:r>
+              <a:rPr kumimoji="1" lang="ko-KR" altLang="en-US" dirty="0">
+                <a:solidFill>
+                  <a:schemeClr val="bg1"/>
+                </a:solidFill>
+              </a:rPr>
+              <a:t> 조장</a:t>
+            </a:r>
+            <a:endParaRPr kumimoji="1" lang="en-US" altLang="ko-KR" dirty="0">
+              <a:solidFill>
+                <a:schemeClr val="bg1"/>
+              </a:solidFill>
+            </a:endParaRPr>
+          </a:p>
+          <a:p>
+            <a:pPr marL="0" indent="0">
+              <a:buNone/>
+            </a:pPr>
+            <a:endParaRPr kumimoji="1" lang="en-US" altLang="ko-KR" dirty="0">
+              <a:solidFill>
+                <a:schemeClr val="bg1"/>
+              </a:solidFill>
+            </a:endParaRPr>
+          </a:p>
+          <a:p>
+            <a:pPr marL="0" indent="0">
+              <a:buNone/>
+            </a:pPr>
+            <a:r>
+              <a:rPr kumimoji="1" lang="ko-KR" altLang="en-US" dirty="0">
+                <a:solidFill>
+                  <a:schemeClr val="bg1"/>
+                </a:solidFill>
+              </a:rPr>
+              <a:t> 박상민</a:t>
+            </a:r>
+            <a:endParaRPr kumimoji="1" lang="en-US" altLang="ko-KR" dirty="0">
+              <a:solidFill>
+                <a:schemeClr val="bg1"/>
+              </a:solidFill>
+            </a:endParaRPr>
           </a:p>
           <a:p>
             <a:pPr marL="0" indent="0">
@@ -6920,6 +8934,697 @@
           </a:p>
         </p:txBody>
       </p:sp>
+      <p:sp>
+        <p:nvSpPr>
+          <p:cNvPr id="9" name="내용 개체 틀 2">
+            <a:extLst>
+              <a:ext uri="{FF2B5EF4-FFF2-40B4-BE49-F238E27FC236}">
+                <a16:creationId xmlns:a16="http://schemas.microsoft.com/office/drawing/2014/main" id="{8A0FB294-AB59-D241-80DE-E6A4987286C1}"/>
+              </a:ext>
+            </a:extLst>
+          </p:cNvPr>
+          <p:cNvSpPr txBox="1">
+            <a:spLocks/>
+          </p:cNvSpPr>
+          <p:nvPr/>
+        </p:nvSpPr>
+        <p:spPr>
+          <a:xfrm>
+            <a:off x="3364954" y="1772816"/>
+            <a:ext cx="2431182" cy="4351338"/>
+          </a:xfrm>
+          <a:prstGeom prst="rect">
+            <a:avLst/>
+          </a:prstGeom>
+        </p:spPr>
+        <p:txBody>
+          <a:bodyPr vert="horz" lIns="91440" tIns="45720" rIns="91440" bIns="45720" rtlCol="0" anchor="ctr">
+            <a:normAutofit/>
+          </a:bodyPr>
+          <a:lstStyle>
+            <a:lvl1pPr marL="171450" indent="-171450" algn="l" defTabSz="685800" rtl="0" eaLnBrk="1" latinLnBrk="1" hangingPunct="1">
+              <a:lnSpc>
+                <a:spcPct val="90000"/>
+              </a:lnSpc>
+              <a:spcBef>
+                <a:spcPts val="750"/>
+              </a:spcBef>
+              <a:buFont typeface="Arial" panose="020B0604020202020204" pitchFamily="34" charset="0"/>
+              <a:buChar char="•"/>
+              <a:defRPr sz="2100" kern="1200">
+                <a:solidFill>
+                  <a:schemeClr val="tx1"/>
+                </a:solidFill>
+                <a:latin typeface="+mn-lt"/>
+                <a:ea typeface="+mn-ea"/>
+                <a:cs typeface="+mn-cs"/>
+              </a:defRPr>
+            </a:lvl1pPr>
+            <a:lvl2pPr marL="514350" indent="-171450" algn="l" defTabSz="685800" rtl="0" eaLnBrk="1" latinLnBrk="1" hangingPunct="1">
+              <a:lnSpc>
+                <a:spcPct val="90000"/>
+              </a:lnSpc>
+              <a:spcBef>
+                <a:spcPts val="375"/>
+              </a:spcBef>
+              <a:buFont typeface="Arial" panose="020B0604020202020204" pitchFamily="34" charset="0"/>
+              <a:buChar char="•"/>
+              <a:defRPr sz="1800" kern="1200">
+                <a:solidFill>
+                  <a:schemeClr val="tx1"/>
+                </a:solidFill>
+                <a:latin typeface="+mn-lt"/>
+                <a:ea typeface="+mn-ea"/>
+                <a:cs typeface="+mn-cs"/>
+              </a:defRPr>
+            </a:lvl2pPr>
+            <a:lvl3pPr marL="857250" indent="-171450" algn="l" defTabSz="685800" rtl="0" eaLnBrk="1" latinLnBrk="1" hangingPunct="1">
+              <a:lnSpc>
+                <a:spcPct val="90000"/>
+              </a:lnSpc>
+              <a:spcBef>
+                <a:spcPts val="375"/>
+              </a:spcBef>
+              <a:buFont typeface="Arial" panose="020B0604020202020204" pitchFamily="34" charset="0"/>
+              <a:buChar char="•"/>
+              <a:defRPr sz="1500" kern="1200">
+                <a:solidFill>
+                  <a:schemeClr val="tx1"/>
+                </a:solidFill>
+                <a:latin typeface="+mn-lt"/>
+                <a:ea typeface="+mn-ea"/>
+                <a:cs typeface="+mn-cs"/>
+              </a:defRPr>
+            </a:lvl3pPr>
+            <a:lvl4pPr marL="1200150" indent="-171450" algn="l" defTabSz="685800" rtl="0" eaLnBrk="1" latinLnBrk="1" hangingPunct="1">
+              <a:lnSpc>
+                <a:spcPct val="90000"/>
+              </a:lnSpc>
+              <a:spcBef>
+                <a:spcPts val="375"/>
+              </a:spcBef>
+              <a:buFont typeface="Arial" panose="020B0604020202020204" pitchFamily="34" charset="0"/>
+              <a:buChar char="•"/>
+              <a:defRPr sz="1350" kern="1200">
+                <a:solidFill>
+                  <a:schemeClr val="tx1"/>
+                </a:solidFill>
+                <a:latin typeface="+mn-lt"/>
+                <a:ea typeface="+mn-ea"/>
+                <a:cs typeface="+mn-cs"/>
+              </a:defRPr>
+            </a:lvl4pPr>
+            <a:lvl5pPr marL="1543050" indent="-171450" algn="l" defTabSz="685800" rtl="0" eaLnBrk="1" latinLnBrk="1" hangingPunct="1">
+              <a:lnSpc>
+                <a:spcPct val="90000"/>
+              </a:lnSpc>
+              <a:spcBef>
+                <a:spcPts val="375"/>
+              </a:spcBef>
+              <a:buFont typeface="Arial" panose="020B0604020202020204" pitchFamily="34" charset="0"/>
+              <a:buChar char="•"/>
+              <a:defRPr sz="1350" kern="1200">
+                <a:solidFill>
+                  <a:schemeClr val="tx1"/>
+                </a:solidFill>
+                <a:latin typeface="+mn-lt"/>
+                <a:ea typeface="+mn-ea"/>
+                <a:cs typeface="+mn-cs"/>
+              </a:defRPr>
+            </a:lvl5pPr>
+            <a:lvl6pPr marL="1885950" indent="-171450" algn="l" defTabSz="685800" rtl="0" eaLnBrk="1" latinLnBrk="1" hangingPunct="1">
+              <a:lnSpc>
+                <a:spcPct val="90000"/>
+              </a:lnSpc>
+              <a:spcBef>
+                <a:spcPts val="375"/>
+              </a:spcBef>
+              <a:buFont typeface="Arial" panose="020B0604020202020204" pitchFamily="34" charset="0"/>
+              <a:buChar char="•"/>
+              <a:defRPr sz="1350" kern="1200">
+                <a:solidFill>
+                  <a:schemeClr val="tx1"/>
+                </a:solidFill>
+                <a:latin typeface="+mn-lt"/>
+                <a:ea typeface="+mn-ea"/>
+                <a:cs typeface="+mn-cs"/>
+              </a:defRPr>
+            </a:lvl6pPr>
+            <a:lvl7pPr marL="2228850" indent="-171450" algn="l" defTabSz="685800" rtl="0" eaLnBrk="1" latinLnBrk="1" hangingPunct="1">
+              <a:lnSpc>
+                <a:spcPct val="90000"/>
+              </a:lnSpc>
+              <a:spcBef>
+                <a:spcPts val="375"/>
+              </a:spcBef>
+              <a:buFont typeface="Arial" panose="020B0604020202020204" pitchFamily="34" charset="0"/>
+              <a:buChar char="•"/>
+              <a:defRPr sz="1350" kern="1200">
+                <a:solidFill>
+                  <a:schemeClr val="tx1"/>
+                </a:solidFill>
+                <a:latin typeface="+mn-lt"/>
+                <a:ea typeface="+mn-ea"/>
+                <a:cs typeface="+mn-cs"/>
+              </a:defRPr>
+            </a:lvl7pPr>
+            <a:lvl8pPr marL="2571750" indent="-171450" algn="l" defTabSz="685800" rtl="0" eaLnBrk="1" latinLnBrk="1" hangingPunct="1">
+              <a:lnSpc>
+                <a:spcPct val="90000"/>
+              </a:lnSpc>
+              <a:spcBef>
+                <a:spcPts val="375"/>
+              </a:spcBef>
+              <a:buFont typeface="Arial" panose="020B0604020202020204" pitchFamily="34" charset="0"/>
+              <a:buChar char="•"/>
+              <a:defRPr sz="1350" kern="1200">
+                <a:solidFill>
+                  <a:schemeClr val="tx1"/>
+                </a:solidFill>
+                <a:latin typeface="+mn-lt"/>
+                <a:ea typeface="+mn-ea"/>
+                <a:cs typeface="+mn-cs"/>
+              </a:defRPr>
+            </a:lvl8pPr>
+            <a:lvl9pPr marL="2914650" indent="-171450" algn="l" defTabSz="685800" rtl="0" eaLnBrk="1" latinLnBrk="1" hangingPunct="1">
+              <a:lnSpc>
+                <a:spcPct val="90000"/>
+              </a:lnSpc>
+              <a:spcBef>
+                <a:spcPts val="375"/>
+              </a:spcBef>
+              <a:buFont typeface="Arial" panose="020B0604020202020204" pitchFamily="34" charset="0"/>
+              <a:buChar char="•"/>
+              <a:defRPr sz="1350" kern="1200">
+                <a:solidFill>
+                  <a:schemeClr val="tx1"/>
+                </a:solidFill>
+                <a:latin typeface="+mn-lt"/>
+                <a:ea typeface="+mn-ea"/>
+                <a:cs typeface="+mn-cs"/>
+              </a:defRPr>
+            </a:lvl9pPr>
+          </a:lstStyle>
+          <a:p>
+            <a:pPr marL="0" indent="0">
+              <a:buNone/>
+            </a:pPr>
+            <a:endParaRPr kumimoji="1" lang="en-US" altLang="ko-KR" dirty="0">
+              <a:solidFill>
+                <a:schemeClr val="bg1"/>
+              </a:solidFill>
+            </a:endParaRPr>
+          </a:p>
+          <a:p>
+            <a:pPr marL="0" indent="0">
+              <a:buNone/>
+            </a:pPr>
+            <a:r>
+              <a:rPr kumimoji="1" lang="ko-KR" altLang="en-US" dirty="0">
+                <a:solidFill>
+                  <a:schemeClr val="bg1"/>
+                </a:solidFill>
+              </a:rPr>
+              <a:t> 디자이너</a:t>
+            </a:r>
+            <a:endParaRPr kumimoji="1" lang="en-US" altLang="ko-KR" dirty="0">
+              <a:solidFill>
+                <a:schemeClr val="bg1"/>
+              </a:solidFill>
+            </a:endParaRPr>
+          </a:p>
+          <a:p>
+            <a:pPr marL="0" indent="0">
+              <a:buNone/>
+            </a:pPr>
+            <a:endParaRPr kumimoji="1" lang="en-US" altLang="ko-KR" dirty="0">
+              <a:solidFill>
+                <a:schemeClr val="bg1"/>
+              </a:solidFill>
+            </a:endParaRPr>
+          </a:p>
+          <a:p>
+            <a:pPr marL="0" indent="0">
+              <a:buNone/>
+            </a:pPr>
+            <a:r>
+              <a:rPr kumimoji="1" lang="ko-KR" altLang="en-US" dirty="0">
+                <a:solidFill>
+                  <a:schemeClr val="bg1"/>
+                </a:solidFill>
+              </a:rPr>
+              <a:t> 김재현</a:t>
+            </a:r>
+            <a:endParaRPr kumimoji="1" lang="en-US" altLang="ko-KR" dirty="0">
+              <a:solidFill>
+                <a:schemeClr val="bg1"/>
+              </a:solidFill>
+            </a:endParaRPr>
+          </a:p>
+          <a:p>
+            <a:pPr marL="0" indent="0">
+              <a:buNone/>
+            </a:pPr>
+            <a:endParaRPr kumimoji="1" lang="en-US" altLang="ko-KR" dirty="0">
+              <a:solidFill>
+                <a:schemeClr val="bg1"/>
+              </a:solidFill>
+            </a:endParaRPr>
+          </a:p>
+          <a:p>
+            <a:pPr marL="0" indent="0">
+              <a:buNone/>
+            </a:pPr>
+            <a:endParaRPr kumimoji="1" lang="en-US" altLang="ko-KR" dirty="0">
+              <a:solidFill>
+                <a:schemeClr val="bg1"/>
+              </a:solidFill>
+            </a:endParaRPr>
+          </a:p>
+          <a:p>
+            <a:pPr marL="0" indent="0">
+              <a:buNone/>
+            </a:pPr>
+            <a:endParaRPr kumimoji="1" lang="en-US" altLang="ko-KR" dirty="0">
+              <a:solidFill>
+                <a:schemeClr val="bg1"/>
+              </a:solidFill>
+            </a:endParaRPr>
+          </a:p>
+        </p:txBody>
+      </p:sp>
+      <p:sp>
+        <p:nvSpPr>
+          <p:cNvPr id="11" name="내용 개체 틀 2">
+            <a:extLst>
+              <a:ext uri="{FF2B5EF4-FFF2-40B4-BE49-F238E27FC236}">
+                <a16:creationId xmlns:a16="http://schemas.microsoft.com/office/drawing/2014/main" id="{23833BB4-D5ED-B74F-9464-712E58425DAD}"/>
+              </a:ext>
+            </a:extLst>
+          </p:cNvPr>
+          <p:cNvSpPr txBox="1">
+            <a:spLocks/>
+          </p:cNvSpPr>
+          <p:nvPr/>
+        </p:nvSpPr>
+        <p:spPr>
+          <a:xfrm>
+            <a:off x="6228184" y="1772816"/>
+            <a:ext cx="2431182" cy="4351338"/>
+          </a:xfrm>
+          <a:prstGeom prst="rect">
+            <a:avLst/>
+          </a:prstGeom>
+        </p:spPr>
+        <p:txBody>
+          <a:bodyPr vert="horz" lIns="91440" tIns="45720" rIns="91440" bIns="45720" rtlCol="0" anchor="ctr">
+            <a:normAutofit/>
+          </a:bodyPr>
+          <a:lstStyle>
+            <a:lvl1pPr marL="171450" indent="-171450" algn="l" defTabSz="685800" rtl="0" eaLnBrk="1" latinLnBrk="1" hangingPunct="1">
+              <a:lnSpc>
+                <a:spcPct val="90000"/>
+              </a:lnSpc>
+              <a:spcBef>
+                <a:spcPts val="750"/>
+              </a:spcBef>
+              <a:buFont typeface="Arial" panose="020B0604020202020204" pitchFamily="34" charset="0"/>
+              <a:buChar char="•"/>
+              <a:defRPr sz="2100" kern="1200">
+                <a:solidFill>
+                  <a:schemeClr val="tx1"/>
+                </a:solidFill>
+                <a:latin typeface="+mn-lt"/>
+                <a:ea typeface="+mn-ea"/>
+                <a:cs typeface="+mn-cs"/>
+              </a:defRPr>
+            </a:lvl1pPr>
+            <a:lvl2pPr marL="514350" indent="-171450" algn="l" defTabSz="685800" rtl="0" eaLnBrk="1" latinLnBrk="1" hangingPunct="1">
+              <a:lnSpc>
+                <a:spcPct val="90000"/>
+              </a:lnSpc>
+              <a:spcBef>
+                <a:spcPts val="375"/>
+              </a:spcBef>
+              <a:buFont typeface="Arial" panose="020B0604020202020204" pitchFamily="34" charset="0"/>
+              <a:buChar char="•"/>
+              <a:defRPr sz="1800" kern="1200">
+                <a:solidFill>
+                  <a:schemeClr val="tx1"/>
+                </a:solidFill>
+                <a:latin typeface="+mn-lt"/>
+                <a:ea typeface="+mn-ea"/>
+                <a:cs typeface="+mn-cs"/>
+              </a:defRPr>
+            </a:lvl2pPr>
+            <a:lvl3pPr marL="857250" indent="-171450" algn="l" defTabSz="685800" rtl="0" eaLnBrk="1" latinLnBrk="1" hangingPunct="1">
+              <a:lnSpc>
+                <a:spcPct val="90000"/>
+              </a:lnSpc>
+              <a:spcBef>
+                <a:spcPts val="375"/>
+              </a:spcBef>
+              <a:buFont typeface="Arial" panose="020B0604020202020204" pitchFamily="34" charset="0"/>
+              <a:buChar char="•"/>
+              <a:defRPr sz="1500" kern="1200">
+                <a:solidFill>
+                  <a:schemeClr val="tx1"/>
+                </a:solidFill>
+                <a:latin typeface="+mn-lt"/>
+                <a:ea typeface="+mn-ea"/>
+                <a:cs typeface="+mn-cs"/>
+              </a:defRPr>
+            </a:lvl3pPr>
+            <a:lvl4pPr marL="1200150" indent="-171450" algn="l" defTabSz="685800" rtl="0" eaLnBrk="1" latinLnBrk="1" hangingPunct="1">
+              <a:lnSpc>
+                <a:spcPct val="90000"/>
+              </a:lnSpc>
+              <a:spcBef>
+                <a:spcPts val="375"/>
+              </a:spcBef>
+              <a:buFont typeface="Arial" panose="020B0604020202020204" pitchFamily="34" charset="0"/>
+              <a:buChar char="•"/>
+              <a:defRPr sz="1350" kern="1200">
+                <a:solidFill>
+                  <a:schemeClr val="tx1"/>
+                </a:solidFill>
+                <a:latin typeface="+mn-lt"/>
+                <a:ea typeface="+mn-ea"/>
+                <a:cs typeface="+mn-cs"/>
+              </a:defRPr>
+            </a:lvl4pPr>
+            <a:lvl5pPr marL="1543050" indent="-171450" algn="l" defTabSz="685800" rtl="0" eaLnBrk="1" latinLnBrk="1" hangingPunct="1">
+              <a:lnSpc>
+                <a:spcPct val="90000"/>
+              </a:lnSpc>
+              <a:spcBef>
+                <a:spcPts val="375"/>
+              </a:spcBef>
+              <a:buFont typeface="Arial" panose="020B0604020202020204" pitchFamily="34" charset="0"/>
+              <a:buChar char="•"/>
+              <a:defRPr sz="1350" kern="1200">
+                <a:solidFill>
+                  <a:schemeClr val="tx1"/>
+                </a:solidFill>
+                <a:latin typeface="+mn-lt"/>
+                <a:ea typeface="+mn-ea"/>
+                <a:cs typeface="+mn-cs"/>
+              </a:defRPr>
+            </a:lvl5pPr>
+            <a:lvl6pPr marL="1885950" indent="-171450" algn="l" defTabSz="685800" rtl="0" eaLnBrk="1" latinLnBrk="1" hangingPunct="1">
+              <a:lnSpc>
+                <a:spcPct val="90000"/>
+              </a:lnSpc>
+              <a:spcBef>
+                <a:spcPts val="375"/>
+              </a:spcBef>
+              <a:buFont typeface="Arial" panose="020B0604020202020204" pitchFamily="34" charset="0"/>
+              <a:buChar char="•"/>
+              <a:defRPr sz="1350" kern="1200">
+                <a:solidFill>
+                  <a:schemeClr val="tx1"/>
+                </a:solidFill>
+                <a:latin typeface="+mn-lt"/>
+                <a:ea typeface="+mn-ea"/>
+                <a:cs typeface="+mn-cs"/>
+              </a:defRPr>
+            </a:lvl6pPr>
+            <a:lvl7pPr marL="2228850" indent="-171450" algn="l" defTabSz="685800" rtl="0" eaLnBrk="1" latinLnBrk="1" hangingPunct="1">
+              <a:lnSpc>
+                <a:spcPct val="90000"/>
+              </a:lnSpc>
+              <a:spcBef>
+                <a:spcPts val="375"/>
+              </a:spcBef>
+              <a:buFont typeface="Arial" panose="020B0604020202020204" pitchFamily="34" charset="0"/>
+              <a:buChar char="•"/>
+              <a:defRPr sz="1350" kern="1200">
+                <a:solidFill>
+                  <a:schemeClr val="tx1"/>
+                </a:solidFill>
+                <a:latin typeface="+mn-lt"/>
+                <a:ea typeface="+mn-ea"/>
+                <a:cs typeface="+mn-cs"/>
+              </a:defRPr>
+            </a:lvl7pPr>
+            <a:lvl8pPr marL="2571750" indent="-171450" algn="l" defTabSz="685800" rtl="0" eaLnBrk="1" latinLnBrk="1" hangingPunct="1">
+              <a:lnSpc>
+                <a:spcPct val="90000"/>
+              </a:lnSpc>
+              <a:spcBef>
+                <a:spcPts val="375"/>
+              </a:spcBef>
+              <a:buFont typeface="Arial" panose="020B0604020202020204" pitchFamily="34" charset="0"/>
+              <a:buChar char="•"/>
+              <a:defRPr sz="1350" kern="1200">
+                <a:solidFill>
+                  <a:schemeClr val="tx1"/>
+                </a:solidFill>
+                <a:latin typeface="+mn-lt"/>
+                <a:ea typeface="+mn-ea"/>
+                <a:cs typeface="+mn-cs"/>
+              </a:defRPr>
+            </a:lvl8pPr>
+            <a:lvl9pPr marL="2914650" indent="-171450" algn="l" defTabSz="685800" rtl="0" eaLnBrk="1" latinLnBrk="1" hangingPunct="1">
+              <a:lnSpc>
+                <a:spcPct val="90000"/>
+              </a:lnSpc>
+              <a:spcBef>
+                <a:spcPts val="375"/>
+              </a:spcBef>
+              <a:buFont typeface="Arial" panose="020B0604020202020204" pitchFamily="34" charset="0"/>
+              <a:buChar char="•"/>
+              <a:defRPr sz="1350" kern="1200">
+                <a:solidFill>
+                  <a:schemeClr val="tx1"/>
+                </a:solidFill>
+                <a:latin typeface="+mn-lt"/>
+                <a:ea typeface="+mn-ea"/>
+                <a:cs typeface="+mn-cs"/>
+              </a:defRPr>
+            </a:lvl9pPr>
+          </a:lstStyle>
+          <a:p>
+            <a:endParaRPr kumimoji="1" lang="en-US" altLang="ko-KR" dirty="0"/>
+          </a:p>
+          <a:p>
+            <a:endParaRPr kumimoji="1" lang="en-US" altLang="ko-KR" dirty="0">
+              <a:solidFill>
+                <a:schemeClr val="bg1"/>
+              </a:solidFill>
+            </a:endParaRPr>
+          </a:p>
+          <a:p>
+            <a:endParaRPr kumimoji="1" lang="en-US" altLang="ko-KR" dirty="0">
+              <a:solidFill>
+                <a:schemeClr val="bg1"/>
+              </a:solidFill>
+            </a:endParaRPr>
+          </a:p>
+          <a:p>
+            <a:pPr marL="0" indent="0">
+              <a:buNone/>
+            </a:pPr>
+            <a:r>
+              <a:rPr kumimoji="1" lang="ko-KR" altLang="en-US" dirty="0">
+                <a:solidFill>
+                  <a:schemeClr val="bg1"/>
+                </a:solidFill>
+              </a:rPr>
+              <a:t> 기획</a:t>
+            </a:r>
+            <a:endParaRPr kumimoji="1" lang="en-US" altLang="ko-KR" dirty="0">
+              <a:solidFill>
+                <a:schemeClr val="bg1"/>
+              </a:solidFill>
+            </a:endParaRPr>
+          </a:p>
+          <a:p>
+            <a:pPr marL="0" indent="0">
+              <a:buNone/>
+            </a:pPr>
+            <a:endParaRPr kumimoji="1" lang="en-US" altLang="ko-KR" dirty="0">
+              <a:solidFill>
+                <a:schemeClr val="bg1"/>
+              </a:solidFill>
+            </a:endParaRPr>
+          </a:p>
+          <a:p>
+            <a:pPr marL="0" indent="0">
+              <a:buNone/>
+            </a:pPr>
+            <a:r>
+              <a:rPr kumimoji="1" lang="ko-KR" altLang="en-US" dirty="0">
+                <a:solidFill>
+                  <a:schemeClr val="bg1"/>
+                </a:solidFill>
+              </a:rPr>
+              <a:t> </a:t>
+            </a:r>
+            <a:r>
+              <a:rPr kumimoji="1" lang="ko-KR" altLang="en-US" dirty="0" err="1">
+                <a:solidFill>
+                  <a:schemeClr val="bg1"/>
+                </a:solidFill>
+              </a:rPr>
+              <a:t>문수림</a:t>
+            </a:r>
+            <a:endParaRPr kumimoji="1" lang="en-US" altLang="ko-KR" dirty="0">
+              <a:solidFill>
+                <a:schemeClr val="bg1"/>
+              </a:solidFill>
+            </a:endParaRPr>
+          </a:p>
+          <a:p>
+            <a:pPr marL="0" indent="0">
+              <a:buNone/>
+            </a:pPr>
+            <a:r>
+              <a:rPr kumimoji="1" lang="ko-KR" altLang="en-US" dirty="0">
+                <a:solidFill>
+                  <a:schemeClr val="bg1"/>
+                </a:solidFill>
+              </a:rPr>
+              <a:t> 이수정 </a:t>
+            </a:r>
+            <a:endParaRPr kumimoji="1" lang="en-US" altLang="ko-KR" dirty="0">
+              <a:solidFill>
+                <a:schemeClr val="bg1"/>
+              </a:solidFill>
+            </a:endParaRPr>
+          </a:p>
+          <a:p>
+            <a:pPr marL="0" indent="0">
+              <a:buNone/>
+            </a:pPr>
+            <a:r>
+              <a:rPr kumimoji="1" lang="ko-KR" altLang="en-US" dirty="0">
+                <a:solidFill>
+                  <a:schemeClr val="bg1"/>
+                </a:solidFill>
+              </a:rPr>
+              <a:t> 조형래</a:t>
+            </a:r>
+            <a:endParaRPr kumimoji="1" lang="en-US" altLang="ko-KR" dirty="0">
+              <a:solidFill>
+                <a:schemeClr val="bg1"/>
+              </a:solidFill>
+            </a:endParaRPr>
+          </a:p>
+          <a:p>
+            <a:pPr marL="0" indent="0">
+              <a:buNone/>
+            </a:pPr>
+            <a:endParaRPr kumimoji="1" lang="en-US" altLang="ko-KR" dirty="0">
+              <a:solidFill>
+                <a:schemeClr val="bg1"/>
+              </a:solidFill>
+            </a:endParaRPr>
+          </a:p>
+          <a:p>
+            <a:pPr marL="0" indent="0">
+              <a:buNone/>
+            </a:pPr>
+            <a:endParaRPr kumimoji="1" lang="en-US" altLang="ko-KR" dirty="0">
+              <a:solidFill>
+                <a:schemeClr val="bg1"/>
+              </a:solidFill>
+            </a:endParaRPr>
+          </a:p>
+          <a:p>
+            <a:pPr marL="0" indent="0">
+              <a:buNone/>
+            </a:pPr>
+            <a:endParaRPr kumimoji="1" lang="en-US" altLang="ko-KR" dirty="0">
+              <a:solidFill>
+                <a:schemeClr val="bg1"/>
+              </a:solidFill>
+            </a:endParaRPr>
+          </a:p>
+        </p:txBody>
+      </p:sp>
+      <p:cxnSp>
+        <p:nvCxnSpPr>
+          <p:cNvPr id="12" name="직선 연결선[R] 11">
+            <a:extLst>
+              <a:ext uri="{FF2B5EF4-FFF2-40B4-BE49-F238E27FC236}">
+                <a16:creationId xmlns:a16="http://schemas.microsoft.com/office/drawing/2014/main" id="{C1438434-D0FE-0840-B3FE-5E23B9B16495}"/>
+              </a:ext>
+            </a:extLst>
+          </p:cNvPr>
+          <p:cNvCxnSpPr/>
+          <p:nvPr/>
+        </p:nvCxnSpPr>
+        <p:spPr>
+          <a:xfrm>
+            <a:off x="2771800" y="2204864"/>
+            <a:ext cx="0" cy="3456384"/>
+          </a:xfrm>
+          <a:prstGeom prst="line">
+            <a:avLst/>
+          </a:prstGeom>
+          <a:ln w="12700">
+            <a:solidFill>
+              <a:schemeClr val="bg1"/>
+            </a:solidFill>
+          </a:ln>
+        </p:spPr>
+        <p:style>
+          <a:lnRef idx="1">
+            <a:schemeClr val="accent1"/>
+          </a:lnRef>
+          <a:fillRef idx="0">
+            <a:schemeClr val="accent1"/>
+          </a:fillRef>
+          <a:effectRef idx="0">
+            <a:schemeClr val="accent1"/>
+          </a:effectRef>
+          <a:fontRef idx="minor">
+            <a:schemeClr val="tx1"/>
+          </a:fontRef>
+        </p:style>
+      </p:cxnSp>
+      <p:cxnSp>
+        <p:nvCxnSpPr>
+          <p:cNvPr id="13" name="직선 연결선[R] 12">
+            <a:extLst>
+              <a:ext uri="{FF2B5EF4-FFF2-40B4-BE49-F238E27FC236}">
+                <a16:creationId xmlns:a16="http://schemas.microsoft.com/office/drawing/2014/main" id="{85D4DC05-7ABC-1547-8ADD-E641150E9A5D}"/>
+              </a:ext>
+            </a:extLst>
+          </p:cNvPr>
+          <p:cNvCxnSpPr/>
+          <p:nvPr/>
+        </p:nvCxnSpPr>
+        <p:spPr>
+          <a:xfrm>
+            <a:off x="5652120" y="2204864"/>
+            <a:ext cx="0" cy="3456384"/>
+          </a:xfrm>
+          <a:prstGeom prst="line">
+            <a:avLst/>
+          </a:prstGeom>
+          <a:ln w="12700">
+            <a:solidFill>
+              <a:schemeClr val="bg1"/>
+            </a:solidFill>
+          </a:ln>
+        </p:spPr>
+        <p:style>
+          <a:lnRef idx="1">
+            <a:schemeClr val="accent1"/>
+          </a:lnRef>
+          <a:fillRef idx="0">
+            <a:schemeClr val="accent1"/>
+          </a:fillRef>
+          <a:effectRef idx="0">
+            <a:schemeClr val="accent1"/>
+          </a:effectRef>
+          <a:fontRef idx="minor">
+            <a:schemeClr val="tx1"/>
+          </a:fontRef>
+        </p:style>
+      </p:cxnSp>
     </p:spTree>
     <p:extLst>
       <p:ext uri="{BB962C8B-B14F-4D97-AF65-F5344CB8AC3E}">
@@ -6936,6 +9641,14 @@
 <file path=ppt/slides/slide5.xml><?xml version="1.0" encoding="utf-8"?>
 <p:sld xmlns:a="http://schemas.openxmlformats.org/drawingml/2006/main" xmlns:r="http://schemas.openxmlformats.org/officeDocument/2006/relationships" xmlns:p="http://schemas.openxmlformats.org/presentationml/2006/main">
   <p:cSld>
+    <p:bg>
+      <p:bgPr>
+        <a:solidFill>
+          <a:schemeClr val="tx1"/>
+        </a:solidFill>
+        <a:effectLst/>
+      </p:bgPr>
+    </p:bg>
     <p:spTree>
       <p:nvGrpSpPr>
         <p:cNvPr id="1" name=""/>
@@ -6955,7 +9668,7 @@
           <p:cNvPr id="2" name="제목 1">
             <a:extLst>
               <a:ext uri="{FF2B5EF4-FFF2-40B4-BE49-F238E27FC236}">
-                <a16:creationId xmlns="" xmlns:a16="http://schemas.microsoft.com/office/drawing/2014/main" id="{CC5C8BD3-3AF1-C748-835F-F0A286C90A18}"/>
+                <a16:creationId xmlns:a16="http://schemas.microsoft.com/office/drawing/2014/main" id="{CC5C8BD3-3AF1-C748-835F-F0A286C90A18}"/>
               </a:ext>
             </a:extLst>
           </p:cNvPr>
@@ -6974,19 +9687,31 @@
         </p:spPr>
         <p:txBody>
           <a:bodyPr>
-            <a:normAutofit fontScale="90000"/>
+            <a:normAutofit/>
           </a:bodyPr>
           <a:lstStyle/>
           <a:p>
             <a:r>
-              <a:rPr kumimoji="1" lang="ko-KR" altLang="en-US" dirty="0"/>
+              <a:rPr kumimoji="1" lang="ko-KR" altLang="en-US" dirty="0">
+                <a:solidFill>
+                  <a:schemeClr val="bg1"/>
+                </a:solidFill>
+              </a:rPr>
               <a:t>마스크 사용에 관심있는 사람에게 어떻게 편리한 서비스를 제공할 수 있을까</a:t>
             </a:r>
             <a:r>
-              <a:rPr kumimoji="1" lang="en-US" altLang="ko-KR" dirty="0"/>
+              <a:rPr kumimoji="1" lang="en-US" altLang="ko-KR" dirty="0">
+                <a:solidFill>
+                  <a:schemeClr val="bg1"/>
+                </a:solidFill>
+              </a:rPr>
               <a:t>?</a:t>
             </a:r>
-            <a:endParaRPr kumimoji="1" lang="ko-KR" altLang="en-US" dirty="0"/>
+            <a:endParaRPr kumimoji="1" lang="ko-KR" altLang="en-US" dirty="0">
+              <a:solidFill>
+                <a:schemeClr val="bg1"/>
+              </a:solidFill>
+            </a:endParaRPr>
           </a:p>
         </p:txBody>
       </p:sp>
@@ -7006,6 +9731,14 @@
 <file path=ppt/slides/slide6.xml><?xml version="1.0" encoding="utf-8"?>
 <p:sld xmlns:a="http://schemas.openxmlformats.org/drawingml/2006/main" xmlns:r="http://schemas.openxmlformats.org/officeDocument/2006/relationships" xmlns:p="http://schemas.openxmlformats.org/presentationml/2006/main">
   <p:cSld>
+    <p:bg>
+      <p:bgPr>
+        <a:solidFill>
+          <a:srgbClr val="05022F"/>
+        </a:solidFill>
+        <a:effectLst/>
+      </p:bgPr>
+    </p:bg>
     <p:spTree>
       <p:nvGrpSpPr>
         <p:cNvPr id="1" name=""/>
@@ -7025,7 +9758,7 @@
           <p:cNvPr id="2" name="제목 1">
             <a:extLst>
               <a:ext uri="{FF2B5EF4-FFF2-40B4-BE49-F238E27FC236}">
-                <a16:creationId xmlns="" xmlns:a16="http://schemas.microsoft.com/office/drawing/2014/main" id="{117210B6-0999-9C4F-954D-22D6B30F9E70}"/>
+                <a16:creationId xmlns:a16="http://schemas.microsoft.com/office/drawing/2014/main" id="{117210B6-0999-9C4F-954D-22D6B30F9E70}"/>
               </a:ext>
             </a:extLst>
           </p:cNvPr>
@@ -7043,8 +9776,13 @@
           </a:bodyPr>
           <a:lstStyle/>
           <a:p>
-            <a:r>
-              <a:rPr kumimoji="1" lang="ko-KR" altLang="en-US" dirty="0"/>
+            <a:pPr algn="ctr"/>
+            <a:r>
+              <a:rPr kumimoji="1" lang="ko-KR" altLang="en-US" sz="4400" dirty="0">
+                <a:solidFill>
+                  <a:schemeClr val="bg1"/>
+                </a:solidFill>
+              </a:rPr>
               <a:t>마스크 교체 시간 알림</a:t>
             </a:r>
           </a:p>
@@ -7055,7 +9793,7 @@
           <p:cNvPr id="9" name="내용 개체 틀 8" descr="스크린샷이(가) 표시된 사진&#10;&#10;&#10;&#10;자동 생성된 설명">
             <a:extLst>
               <a:ext uri="{FF2B5EF4-FFF2-40B4-BE49-F238E27FC236}">
-                <a16:creationId xmlns="" xmlns:a16="http://schemas.microsoft.com/office/drawing/2014/main" id="{49F20AB3-A0D8-E445-957D-6C1CF569A8C4}"/>
+                <a16:creationId xmlns:a16="http://schemas.microsoft.com/office/drawing/2014/main" id="{49F20AB3-A0D8-E445-957D-6C1CF569A8C4}"/>
               </a:ext>
             </a:extLst>
           </p:cNvPr>
@@ -7079,8 +9817,8 @@
         </p:blipFill>
         <p:spPr>
           <a:xfrm>
-            <a:off x="3203848" y="1958130"/>
-            <a:ext cx="2376000" cy="4135166"/>
+            <a:off x="3026640" y="1523938"/>
+            <a:ext cx="2874960" cy="5003551"/>
           </a:xfrm>
           <a:prstGeom prst="flowChartAlternateProcess">
             <a:avLst/>
@@ -7092,7 +9830,7 @@
           <p:cNvPr id="10" name="내용 개체 틀 4" descr="스크린샷이(가) 표시된 사진&#10;&#10;&#10;&#10;자동 생성된 설명">
             <a:extLst>
               <a:ext uri="{FF2B5EF4-FFF2-40B4-BE49-F238E27FC236}">
-                <a16:creationId xmlns="" xmlns:a16="http://schemas.microsoft.com/office/drawing/2014/main" id="{8ECB2695-C803-364D-BF30-932C21F166BA}"/>
+                <a16:creationId xmlns:a16="http://schemas.microsoft.com/office/drawing/2014/main" id="{8ECB2695-C803-364D-BF30-932C21F166BA}"/>
               </a:ext>
             </a:extLst>
           </p:cNvPr>
@@ -7115,8 +9853,8 @@
         </p:blipFill>
         <p:spPr>
           <a:xfrm>
-            <a:off x="3419872" y="2472153"/>
-            <a:ext cx="2044800" cy="2993922"/>
+            <a:off x="3277440" y="2157792"/>
+            <a:ext cx="2474208" cy="3622645"/>
           </a:xfrm>
           <a:prstGeom prst="rect">
             <a:avLst/>
@@ -7140,12 +9878,23 @@
   <p:clrMapOvr>
     <a:masterClrMapping/>
   </p:clrMapOvr>
+  <p:transition spd="slow">
+    <p:wipe/>
+  </p:transition>
 </p:sld>
 </file>
 
 <file path=ppt/slides/slide7.xml><?xml version="1.0" encoding="utf-8"?>
 <p:sld xmlns:a="http://schemas.openxmlformats.org/drawingml/2006/main" xmlns:r="http://schemas.openxmlformats.org/officeDocument/2006/relationships" xmlns:p="http://schemas.openxmlformats.org/presentationml/2006/main">
   <p:cSld>
+    <p:bg>
+      <p:bgPr>
+        <a:solidFill>
+          <a:srgbClr val="05022F"/>
+        </a:solidFill>
+        <a:effectLst/>
+      </p:bgPr>
+    </p:bg>
     <p:spTree>
       <p:nvGrpSpPr>
         <p:cNvPr id="1" name=""/>
@@ -7165,7 +9914,7 @@
           <p:cNvPr id="2" name="제목 1">
             <a:extLst>
               <a:ext uri="{FF2B5EF4-FFF2-40B4-BE49-F238E27FC236}">
-                <a16:creationId xmlns="" xmlns:a16="http://schemas.microsoft.com/office/drawing/2014/main" id="{117210B6-0999-9C4F-954D-22D6B30F9E70}"/>
+                <a16:creationId xmlns:a16="http://schemas.microsoft.com/office/drawing/2014/main" id="{117210B6-0999-9C4F-954D-22D6B30F9E70}"/>
               </a:ext>
             </a:extLst>
           </p:cNvPr>
@@ -7178,11 +9927,18 @@
         </p:nvSpPr>
         <p:spPr/>
         <p:txBody>
-          <a:bodyPr/>
+          <a:bodyPr>
+            <a:normAutofit/>
+          </a:bodyPr>
           <a:lstStyle/>
           <a:p>
-            <a:r>
-              <a:rPr kumimoji="1" lang="ko-KR" altLang="en-US" dirty="0"/>
+            <a:pPr algn="ctr"/>
+            <a:r>
+              <a:rPr kumimoji="1" lang="ko-KR" altLang="en-US" sz="4400" dirty="0">
+                <a:solidFill>
+                  <a:schemeClr val="bg1"/>
+                </a:solidFill>
+              </a:rPr>
               <a:t>미세먼지 농도 확인</a:t>
             </a:r>
           </a:p>
@@ -7193,7 +9949,7 @@
           <p:cNvPr id="9" name="내용 개체 틀 8" descr="스크린샷이(가) 표시된 사진&#10;&#10;&#10;&#10;자동 생성된 설명">
             <a:extLst>
               <a:ext uri="{FF2B5EF4-FFF2-40B4-BE49-F238E27FC236}">
-                <a16:creationId xmlns="" xmlns:a16="http://schemas.microsoft.com/office/drawing/2014/main" id="{49F20AB3-A0D8-E445-957D-6C1CF569A8C4}"/>
+                <a16:creationId xmlns:a16="http://schemas.microsoft.com/office/drawing/2014/main" id="{49F20AB3-A0D8-E445-957D-6C1CF569A8C4}"/>
               </a:ext>
             </a:extLst>
           </p:cNvPr>
@@ -7217,8 +9973,8 @@
         </p:blipFill>
         <p:spPr>
           <a:xfrm>
-            <a:off x="3203848" y="1958130"/>
-            <a:ext cx="2376000" cy="4135166"/>
+            <a:off x="2954368" y="1523938"/>
+            <a:ext cx="2874960" cy="5003551"/>
           </a:xfrm>
           <a:prstGeom prst="flowChartAlternateProcess">
             <a:avLst/>
@@ -7230,7 +9986,7 @@
           <p:cNvPr id="10" name="내용 개체 틀 4" descr="스크린샷이(가) 표시된 사진&#10;&#10;&#10;&#10;자동 생성된 설명">
             <a:extLst>
               <a:ext uri="{FF2B5EF4-FFF2-40B4-BE49-F238E27FC236}">
-                <a16:creationId xmlns="" xmlns:a16="http://schemas.microsoft.com/office/drawing/2014/main" id="{8ECB2695-C803-364D-BF30-932C21F166BA}"/>
+                <a16:creationId xmlns:a16="http://schemas.microsoft.com/office/drawing/2014/main" id="{8ECB2695-C803-364D-BF30-932C21F166BA}"/>
               </a:ext>
             </a:extLst>
           </p:cNvPr>
@@ -7253,8 +10009,8 @@
         </p:blipFill>
         <p:spPr>
           <a:xfrm>
-            <a:off x="3419608" y="2472154"/>
-            <a:ext cx="2044800" cy="2993922"/>
+            <a:off x="3204904" y="2157793"/>
+            <a:ext cx="2474208" cy="3622645"/>
           </a:xfrm>
           <a:prstGeom prst="rect">
             <a:avLst/>
@@ -7278,12 +10034,23 @@
   <p:clrMapOvr>
     <a:masterClrMapping/>
   </p:clrMapOvr>
+  <p:transition spd="slow">
+    <p:wipe/>
+  </p:transition>
 </p:sld>
 </file>
 
 <file path=ppt/slides/slide8.xml><?xml version="1.0" encoding="utf-8"?>
 <p:sld xmlns:a="http://schemas.openxmlformats.org/drawingml/2006/main" xmlns:r="http://schemas.openxmlformats.org/officeDocument/2006/relationships" xmlns:p="http://schemas.openxmlformats.org/presentationml/2006/main">
   <p:cSld>
+    <p:bg>
+      <p:bgPr>
+        <a:solidFill>
+          <a:srgbClr val="05022F"/>
+        </a:solidFill>
+        <a:effectLst/>
+      </p:bgPr>
+    </p:bg>
     <p:spTree>
       <p:nvGrpSpPr>
         <p:cNvPr id="1" name=""/>
@@ -7303,7 +10070,7 @@
           <p:cNvPr id="2" name="제목 1">
             <a:extLst>
               <a:ext uri="{FF2B5EF4-FFF2-40B4-BE49-F238E27FC236}">
-                <a16:creationId xmlns="" xmlns:a16="http://schemas.microsoft.com/office/drawing/2014/main" id="{117210B6-0999-9C4F-954D-22D6B30F9E70}"/>
+                <a16:creationId xmlns:a16="http://schemas.microsoft.com/office/drawing/2014/main" id="{117210B6-0999-9C4F-954D-22D6B30F9E70}"/>
               </a:ext>
             </a:extLst>
           </p:cNvPr>
@@ -7321,8 +10088,13 @@
           </a:bodyPr>
           <a:lstStyle/>
           <a:p>
-            <a:r>
-              <a:rPr kumimoji="1" lang="ko-KR" altLang="en-US" dirty="0"/>
+            <a:pPr algn="ctr"/>
+            <a:r>
+              <a:rPr kumimoji="1" lang="ko-KR" altLang="en-US" sz="4400" dirty="0">
+                <a:solidFill>
+                  <a:schemeClr val="bg1"/>
+                </a:solidFill>
+              </a:rPr>
               <a:t>대기환경에 맞는 마스크 추천 </a:t>
             </a:r>
           </a:p>
@@ -7333,7 +10105,7 @@
           <p:cNvPr id="9" name="내용 개체 틀 8" descr="스크린샷이(가) 표시된 사진&#10;&#10;&#10;&#10;자동 생성된 설명">
             <a:extLst>
               <a:ext uri="{FF2B5EF4-FFF2-40B4-BE49-F238E27FC236}">
-                <a16:creationId xmlns="" xmlns:a16="http://schemas.microsoft.com/office/drawing/2014/main" id="{49F20AB3-A0D8-E445-957D-6C1CF569A8C4}"/>
+                <a16:creationId xmlns:a16="http://schemas.microsoft.com/office/drawing/2014/main" id="{49F20AB3-A0D8-E445-957D-6C1CF569A8C4}"/>
               </a:ext>
             </a:extLst>
           </p:cNvPr>
@@ -7357,8 +10129,8 @@
         </p:blipFill>
         <p:spPr>
           <a:xfrm>
-            <a:off x="3203848" y="1958130"/>
-            <a:ext cx="2376000" cy="4135166"/>
+            <a:off x="2954368" y="1523938"/>
+            <a:ext cx="2874960" cy="5003551"/>
           </a:xfrm>
           <a:prstGeom prst="flowChartAlternateProcess">
             <a:avLst/>
@@ -7370,7 +10142,7 @@
           <p:cNvPr id="10" name="내용 개체 틀 4" descr="스크린샷이(가) 표시된 사진&#10;&#10;&#10;&#10;자동 생성된 설명">
             <a:extLst>
               <a:ext uri="{FF2B5EF4-FFF2-40B4-BE49-F238E27FC236}">
-                <a16:creationId xmlns="" xmlns:a16="http://schemas.microsoft.com/office/drawing/2014/main" id="{8ECB2695-C803-364D-BF30-932C21F166BA}"/>
+                <a16:creationId xmlns:a16="http://schemas.microsoft.com/office/drawing/2014/main" id="{8ECB2695-C803-364D-BF30-932C21F166BA}"/>
               </a:ext>
             </a:extLst>
           </p:cNvPr>
@@ -7393,8 +10165,8 @@
         </p:blipFill>
         <p:spPr>
           <a:xfrm>
-            <a:off x="3419608" y="2472154"/>
-            <a:ext cx="2044800" cy="2993922"/>
+            <a:off x="3204904" y="2157793"/>
+            <a:ext cx="2474208" cy="3622645"/>
           </a:xfrm>
           <a:prstGeom prst="rect">
             <a:avLst/>
@@ -7418,12 +10190,23 @@
   <p:clrMapOvr>
     <a:masterClrMapping/>
   </p:clrMapOvr>
+  <p:transition spd="slow">
+    <p:wipe/>
+  </p:transition>
 </p:sld>
 </file>
 
 <file path=ppt/slides/slide9.xml><?xml version="1.0" encoding="utf-8"?>
 <p:sld xmlns:a="http://schemas.openxmlformats.org/drawingml/2006/main" xmlns:r="http://schemas.openxmlformats.org/officeDocument/2006/relationships" xmlns:p="http://schemas.openxmlformats.org/presentationml/2006/main">
   <p:cSld>
+    <p:bg>
+      <p:bgPr>
+        <a:solidFill>
+          <a:srgbClr val="05022F"/>
+        </a:solidFill>
+        <a:effectLst/>
+      </p:bgPr>
+    </p:bg>
     <p:spTree>
       <p:nvGrpSpPr>
         <p:cNvPr id="1" name=""/>
@@ -7450,15 +10233,26 @@
         </p:nvSpPr>
         <p:spPr/>
         <p:txBody>
-          <a:bodyPr/>
+          <a:bodyPr>
+            <a:normAutofit/>
+          </a:bodyPr>
           <a:lstStyle/>
           <a:p>
-            <a:r>
-              <a:rPr lang="ko-KR" altLang="en-US" dirty="0" err="1"/>
+            <a:pPr algn="ctr"/>
+            <a:r>
+              <a:rPr lang="ko-KR" altLang="en-US" sz="4400" dirty="0" err="1">
+                <a:solidFill>
+                  <a:schemeClr val="bg1"/>
+                </a:solidFill>
+              </a:rPr>
               <a:t>메뉴바</a:t>
             </a:r>
             <a:r>
-              <a:rPr lang="ko-KR" altLang="en-US" dirty="0"/>
+              <a:rPr lang="ko-KR" altLang="en-US" sz="4400" dirty="0">
+                <a:solidFill>
+                  <a:schemeClr val="bg1"/>
+                </a:solidFill>
+              </a:rPr>
               <a:t> 존재</a:t>
             </a:r>
           </a:p>
@@ -7469,7 +10263,7 @@
           <p:cNvPr id="4" name="내용 개체 틀 8" descr="스크린샷이(가) 표시된 사진&#10;&#10;&#10;&#10;자동 생성된 설명">
             <a:extLst>
               <a:ext uri="{FF2B5EF4-FFF2-40B4-BE49-F238E27FC236}">
-                <a16:creationId xmlns="" xmlns:a16="http://schemas.microsoft.com/office/drawing/2014/main" id="{49F20AB3-A0D8-E445-957D-6C1CF569A8C4}"/>
+                <a16:creationId xmlns:a16="http://schemas.microsoft.com/office/drawing/2014/main" id="{49F20AB3-A0D8-E445-957D-6C1CF569A8C4}"/>
               </a:ext>
             </a:extLst>
           </p:cNvPr>
@@ -7491,8 +10285,8 @@
         </p:blipFill>
         <p:spPr>
           <a:xfrm>
-            <a:off x="3276120" y="1690840"/>
-            <a:ext cx="2376000" cy="4135166"/>
+            <a:off x="3026640" y="1521793"/>
+            <a:ext cx="2874960" cy="5003551"/>
           </a:xfrm>
           <a:prstGeom prst="flowChartAlternateProcess">
             <a:avLst/>
@@ -7522,8 +10316,8 @@
         </p:blipFill>
         <p:spPr bwMode="auto">
           <a:xfrm>
-            <a:off x="3492144" y="2194391"/>
-            <a:ext cx="2044800" cy="3004792"/>
+            <a:off x="3277440" y="2144033"/>
+            <a:ext cx="2474208" cy="3635798"/>
           </a:xfrm>
           <a:prstGeom prst="rect">
             <a:avLst/>
@@ -7557,6 +10351,9 @@
   <p:clrMapOvr>
     <a:masterClrMapping/>
   </p:clrMapOvr>
+  <p:transition spd="slow">
+    <p:wipe/>
+  </p:transition>
 </p:sld>
 </file>
 
@@ -7571,44 +10368,44 @@
         <a:sysClr val="window" lastClr="FFFFFF"/>
       </a:lt1>
       <a:dk2>
-        <a:srgbClr val="1F497D"/>
+        <a:srgbClr val="44546A"/>
       </a:dk2>
       <a:lt2>
-        <a:srgbClr val="EEECE1"/>
+        <a:srgbClr val="E7E6E6"/>
       </a:lt2>
       <a:accent1>
-        <a:srgbClr val="4F81BD"/>
+        <a:srgbClr val="4472C4"/>
       </a:accent1>
       <a:accent2>
-        <a:srgbClr val="C0504D"/>
+        <a:srgbClr val="ED7D31"/>
       </a:accent2>
       <a:accent3>
-        <a:srgbClr val="9BBB59"/>
+        <a:srgbClr val="A5A5A5"/>
       </a:accent3>
       <a:accent4>
-        <a:srgbClr val="8064A2"/>
+        <a:srgbClr val="FFC000"/>
       </a:accent4>
       <a:accent5>
-        <a:srgbClr val="4BACC6"/>
+        <a:srgbClr val="5B9BD5"/>
       </a:accent5>
       <a:accent6>
-        <a:srgbClr val="F79646"/>
+        <a:srgbClr val="70AD47"/>
       </a:accent6>
       <a:hlink>
-        <a:srgbClr val="0000FF"/>
+        <a:srgbClr val="0563C1"/>
       </a:hlink>
       <a:folHlink>
-        <a:srgbClr val="800080"/>
+        <a:srgbClr val="954F72"/>
       </a:folHlink>
     </a:clrScheme>
     <a:fontScheme name="Office">
       <a:majorFont>
-        <a:latin typeface="맑은 고딕"/>
+        <a:latin typeface="맑은 고딕" panose="020F0302020204030204"/>
         <a:ea typeface=""/>
         <a:cs typeface=""/>
-        <a:font script="Jpan" typeface="ＭＳ Ｐゴシック"/>
+        <a:font script="Jpan" typeface="游ゴシック Light"/>
         <a:font script="Hang" typeface="맑은 고딕"/>
-        <a:font script="Hans" typeface="宋体"/>
+        <a:font script="Hans" typeface="等线 Light"/>
         <a:font script="Hant" typeface="新細明體"/>
         <a:font script="Arab" typeface="Times New Roman"/>
         <a:font script="Hebr" typeface="Times New Roman"/>
@@ -7636,14 +10433,31 @@
         <a:font script="Viet" typeface="Times New Roman"/>
         <a:font script="Uigh" typeface="Microsoft Uighur"/>
         <a:font script="Geor" typeface="Sylfaen"/>
+        <a:font script="Armn" typeface="Arial"/>
+        <a:font script="Bugi" typeface="Leelawadee UI"/>
+        <a:font script="Bopo" typeface="Microsoft JhengHei"/>
+        <a:font script="Java" typeface="Javanese Text"/>
+        <a:font script="Lisu" typeface="Segoe UI"/>
+        <a:font script="Mymr" typeface="Myanmar Text"/>
+        <a:font script="Nkoo" typeface="Ebrima"/>
+        <a:font script="Olck" typeface="Nirmala UI"/>
+        <a:font script="Osma" typeface="Ebrima"/>
+        <a:font script="Phag" typeface="Phagspa"/>
+        <a:font script="Syrn" typeface="Estrangelo Edessa"/>
+        <a:font script="Syrj" typeface="Estrangelo Edessa"/>
+        <a:font script="Syre" typeface="Estrangelo Edessa"/>
+        <a:font script="Sora" typeface="Nirmala UI"/>
+        <a:font script="Tale" typeface="Microsoft Tai Le"/>
+        <a:font script="Talu" typeface="Microsoft New Tai Lue"/>
+        <a:font script="Tfng" typeface="Ebrima"/>
       </a:majorFont>
       <a:minorFont>
-        <a:latin typeface="맑은 고딕"/>
+        <a:latin typeface="맑은 고딕" panose="020F0502020204030204"/>
         <a:ea typeface=""/>
         <a:cs typeface=""/>
-        <a:font script="Jpan" typeface="ＭＳ Ｐゴシック"/>
+        <a:font script="Jpan" typeface="游ゴシック"/>
         <a:font script="Hang" typeface="맑은 고딕"/>
-        <a:font script="Hans" typeface="宋体"/>
+        <a:font script="Hans" typeface="等线"/>
         <a:font script="Hant" typeface="新細明體"/>
         <a:font script="Arab" typeface="Arial"/>
         <a:font script="Hebr" typeface="Arial"/>
@@ -7671,6 +10485,23 @@
         <a:font script="Viet" typeface="Arial"/>
         <a:font script="Uigh" typeface="Microsoft Uighur"/>
         <a:font script="Geor" typeface="Sylfaen"/>
+        <a:font script="Armn" typeface="Arial"/>
+        <a:font script="Bugi" typeface="Leelawadee UI"/>
+        <a:font script="Bopo" typeface="Microsoft JhengHei"/>
+        <a:font script="Java" typeface="Javanese Text"/>
+        <a:font script="Lisu" typeface="Segoe UI"/>
+        <a:font script="Mymr" typeface="Myanmar Text"/>
+        <a:font script="Nkoo" typeface="Ebrima"/>
+        <a:font script="Olck" typeface="Nirmala UI"/>
+        <a:font script="Osma" typeface="Ebrima"/>
+        <a:font script="Phag" typeface="Phagspa"/>
+        <a:font script="Syrn" typeface="Estrangelo Edessa"/>
+        <a:font script="Syrj" typeface="Estrangelo Edessa"/>
+        <a:font script="Syre" typeface="Estrangelo Edessa"/>
+        <a:font script="Sora" typeface="Nirmala UI"/>
+        <a:font script="Tale" typeface="Microsoft Tai Le"/>
+        <a:font script="Talu" typeface="Microsoft New Tai Lue"/>
+        <a:font script="Tfng" typeface="Ebrima"/>
       </a:minorFont>
     </a:fontScheme>
     <a:fmtScheme name="Office">
@@ -7682,166 +10513,142 @@
           <a:gsLst>
             <a:gs pos="0">
               <a:schemeClr val="phClr">
-                <a:tint val="50000"/>
-                <a:satMod val="300000"/>
+                <a:lumMod val="110000"/>
+                <a:satMod val="105000"/>
+                <a:tint val="67000"/>
               </a:schemeClr>
             </a:gs>
-            <a:gs pos="35000">
+            <a:gs pos="50000">
               <a:schemeClr val="phClr">
-                <a:tint val="37000"/>
-                <a:satMod val="300000"/>
+                <a:lumMod val="105000"/>
+                <a:satMod val="103000"/>
+                <a:tint val="73000"/>
               </a:schemeClr>
             </a:gs>
             <a:gs pos="100000">
               <a:schemeClr val="phClr">
-                <a:tint val="15000"/>
-                <a:satMod val="350000"/>
+                <a:lumMod val="105000"/>
+                <a:satMod val="109000"/>
+                <a:tint val="81000"/>
               </a:schemeClr>
             </a:gs>
           </a:gsLst>
-          <a:lin ang="16200000" scaled="1"/>
+          <a:lin ang="5400000" scaled="0"/>
         </a:gradFill>
         <a:gradFill rotWithShape="1">
           <a:gsLst>
             <a:gs pos="0">
               <a:schemeClr val="phClr">
-                <a:shade val="51000"/>
-                <a:satMod val="130000"/>
+                <a:satMod val="103000"/>
+                <a:lumMod val="102000"/>
+                <a:tint val="94000"/>
               </a:schemeClr>
             </a:gs>
-            <a:gs pos="80000">
+            <a:gs pos="50000">
               <a:schemeClr val="phClr">
-                <a:shade val="93000"/>
-                <a:satMod val="130000"/>
+                <a:satMod val="110000"/>
+                <a:lumMod val="100000"/>
+                <a:shade val="100000"/>
               </a:schemeClr>
             </a:gs>
             <a:gs pos="100000">
               <a:schemeClr val="phClr">
-                <a:shade val="94000"/>
-                <a:satMod val="135000"/>
+                <a:lumMod val="99000"/>
+                <a:satMod val="120000"/>
+                <a:shade val="78000"/>
               </a:schemeClr>
             </a:gs>
           </a:gsLst>
-          <a:lin ang="16200000" scaled="0"/>
+          <a:lin ang="5400000" scaled="0"/>
         </a:gradFill>
       </a:fillStyleLst>
       <a:lnStyleLst>
-        <a:ln w="9525" cap="flat" cmpd="sng" algn="ctr">
-          <a:solidFill>
-            <a:schemeClr val="phClr">
-              <a:shade val="95000"/>
-              <a:satMod val="105000"/>
-            </a:schemeClr>
-          </a:solidFill>
-          <a:prstDash val="solid"/>
-        </a:ln>
-        <a:ln w="25400" cap="flat" cmpd="sng" algn="ctr">
+        <a:ln w="6350" cap="flat" cmpd="sng" algn="ctr">
           <a:solidFill>
             <a:schemeClr val="phClr"/>
           </a:solidFill>
           <a:prstDash val="solid"/>
+          <a:miter lim="800000"/>
         </a:ln>
-        <a:ln w="38100" cap="flat" cmpd="sng" algn="ctr">
+        <a:ln w="12700" cap="flat" cmpd="sng" algn="ctr">
           <a:solidFill>
             <a:schemeClr val="phClr"/>
           </a:solidFill>
           <a:prstDash val="solid"/>
+          <a:miter lim="800000"/>
+        </a:ln>
+        <a:ln w="19050" cap="flat" cmpd="sng" algn="ctr">
+          <a:solidFill>
+            <a:schemeClr val="phClr"/>
+          </a:solidFill>
+          <a:prstDash val="solid"/>
+          <a:miter lim="800000"/>
         </a:ln>
       </a:lnStyleLst>
       <a:effectStyleLst>
         <a:effectStyle>
+          <a:effectLst/>
+        </a:effectStyle>
+        <a:effectStyle>
+          <a:effectLst/>
+        </a:effectStyle>
+        <a:effectStyle>
           <a:effectLst>
-            <a:outerShdw blurRad="40000" dist="20000" dir="5400000" rotWithShape="0">
+            <a:outerShdw blurRad="57150" dist="19050" dir="5400000" algn="ctr" rotWithShape="0">
               <a:srgbClr val="000000">
-                <a:alpha val="38000"/>
+                <a:alpha val="63000"/>
               </a:srgbClr>
             </a:outerShdw>
           </a:effectLst>
-        </a:effectStyle>
-        <a:effectStyle>
-          <a:effectLst>
-            <a:outerShdw blurRad="40000" dist="23000" dir="5400000" rotWithShape="0">
-              <a:srgbClr val="000000">
-                <a:alpha val="35000"/>
-              </a:srgbClr>
-            </a:outerShdw>
-          </a:effectLst>
-        </a:effectStyle>
-        <a:effectStyle>
-          <a:effectLst>
-            <a:outerShdw blurRad="40000" dist="23000" dir="5400000" rotWithShape="0">
-              <a:srgbClr val="000000">
-                <a:alpha val="35000"/>
-              </a:srgbClr>
-            </a:outerShdw>
-          </a:effectLst>
-          <a:scene3d>
-            <a:camera prst="orthographicFront">
-              <a:rot lat="0" lon="0" rev="0"/>
-            </a:camera>
-            <a:lightRig rig="threePt" dir="t">
-              <a:rot lat="0" lon="0" rev="1200000"/>
-            </a:lightRig>
-          </a:scene3d>
-          <a:sp3d>
-            <a:bevelT w="63500" h="25400"/>
-          </a:sp3d>
         </a:effectStyle>
       </a:effectStyleLst>
       <a:bgFillStyleLst>
         <a:solidFill>
           <a:schemeClr val="phClr"/>
         </a:solidFill>
+        <a:solidFill>
+          <a:schemeClr val="phClr">
+            <a:tint val="95000"/>
+            <a:satMod val="170000"/>
+          </a:schemeClr>
+        </a:solidFill>
         <a:gradFill rotWithShape="1">
           <a:gsLst>
             <a:gs pos="0">
               <a:schemeClr val="phClr">
-                <a:tint val="40000"/>
-                <a:satMod val="350000"/>
+                <a:tint val="93000"/>
+                <a:satMod val="150000"/>
+                <a:shade val="98000"/>
+                <a:lumMod val="102000"/>
               </a:schemeClr>
             </a:gs>
-            <a:gs pos="40000">
+            <a:gs pos="50000">
               <a:schemeClr val="phClr">
-                <a:tint val="45000"/>
-                <a:shade val="99000"/>
-                <a:satMod val="350000"/>
+                <a:tint val="98000"/>
+                <a:satMod val="130000"/>
+                <a:shade val="90000"/>
+                <a:lumMod val="103000"/>
               </a:schemeClr>
             </a:gs>
             <a:gs pos="100000">
               <a:schemeClr val="phClr">
-                <a:shade val="20000"/>
-                <a:satMod val="255000"/>
+                <a:shade val="63000"/>
+                <a:satMod val="120000"/>
               </a:schemeClr>
             </a:gs>
           </a:gsLst>
-          <a:path path="circle">
-            <a:fillToRect l="50000" t="-80000" r="50000" b="180000"/>
-          </a:path>
-        </a:gradFill>
-        <a:gradFill rotWithShape="1">
-          <a:gsLst>
-            <a:gs pos="0">
-              <a:schemeClr val="phClr">
-                <a:tint val="80000"/>
-                <a:satMod val="300000"/>
-              </a:schemeClr>
-            </a:gs>
-            <a:gs pos="100000">
-              <a:schemeClr val="phClr">
-                <a:shade val="30000"/>
-                <a:satMod val="200000"/>
-              </a:schemeClr>
-            </a:gs>
-          </a:gsLst>
-          <a:path path="circle">
-            <a:fillToRect l="50000" t="50000" r="50000" b="50000"/>
-          </a:path>
+          <a:lin ang="5400000" scaled="0"/>
         </a:gradFill>
       </a:bgFillStyleLst>
     </a:fmtScheme>
   </a:themeElements>
   <a:objectDefaults/>
   <a:extraClrSchemeLst/>
+  <a:extLst>
+    <a:ext uri="{05A4C25C-085E-4340-85A3-A5531E510DB2}">
+      <thm15:themeFamily xmlns:thm15="http://schemas.microsoft.com/office/thememl/2012/main" name="Office Theme" id="{62F939B6-93AF-4DB8-9C6B-D6C7DFDC589F}" vid="{4A3C46E8-61CC-4603-A589-7422A47A8E4A}"/>
+    </a:ext>
+  </a:extLst>
 </a:theme>
 </file>
 
@@ -8134,7 +10941,7 @@
   <a:extraClrSchemeLst/>
   <a:extLst>
     <a:ext uri="{05A4C25C-085E-4340-85A3-A5531E510DB2}">
-      <thm15:themeFamily xmlns="" xmlns:thm15="http://schemas.microsoft.com/office/thememl/2012/main" name="Office Theme" id="{62F939B6-93AF-4DB8-9C6B-D6C7DFDC589F}" vid="{4A3C46E8-61CC-4603-A589-7422A47A8E4A}"/>
+      <thm15:themeFamily xmlns:thm15="http://schemas.microsoft.com/office/thememl/2012/main" name="Office Theme" id="{62F939B6-93AF-4DB8-9C6B-D6C7DFDC589F}" vid="{4A3C46E8-61CC-4603-A589-7422A47A8E4A}"/>
     </a:ext>
   </a:extLst>
 </a:theme>

--- a/ideatoneppt.pptx
+++ b/ideatoneppt.pptx
@@ -4883,6 +4883,84 @@
   <p:transition spd="slow">
     <p:wipe/>
   </p:transition>
+  <p:timing>
+    <p:tnLst>
+      <p:par>
+        <p:cTn id="1" dur="indefinite" restart="never" nodeType="tmRoot">
+          <p:childTnLst>
+            <p:seq concurrent="1" nextAc="seek">
+              <p:cTn id="2" dur="indefinite" nodeType="mainSeq">
+                <p:childTnLst>
+                  <p:par>
+                    <p:cTn id="3" fill="hold">
+                      <p:stCondLst>
+                        <p:cond delay="indefinite"/>
+                      </p:stCondLst>
+                      <p:childTnLst>
+                        <p:par>
+                          <p:cTn id="4" fill="hold">
+                            <p:stCondLst>
+                              <p:cond delay="0"/>
+                            </p:stCondLst>
+                            <p:childTnLst>
+                              <p:par>
+                                <p:cTn id="5" presetID="1" presetClass="entr" presetSubtype="0" fill="hold" grpId="0" nodeType="clickEffect">
+                                  <p:stCondLst>
+                                    <p:cond delay="500"/>
+                                  </p:stCondLst>
+                                  <p:childTnLst>
+                                    <p:set>
+                                      <p:cBhvr>
+                                        <p:cTn id="6" dur="1" fill="hold">
+                                          <p:stCondLst>
+                                            <p:cond delay="0"/>
+                                          </p:stCondLst>
+                                        </p:cTn>
+                                        <p:tgtEl>
+                                          <p:spTgt spid="2"/>
+                                        </p:tgtEl>
+                                        <p:attrNameLst>
+                                          <p:attrName>style.visibility</p:attrName>
+                                        </p:attrNameLst>
+                                      </p:cBhvr>
+                                      <p:to>
+                                        <p:strVal val="visible"/>
+                                      </p:to>
+                                    </p:set>
+                                  </p:childTnLst>
+                                </p:cTn>
+                              </p:par>
+                            </p:childTnLst>
+                          </p:cTn>
+                        </p:par>
+                      </p:childTnLst>
+                    </p:cTn>
+                  </p:par>
+                </p:childTnLst>
+              </p:cTn>
+              <p:prevCondLst>
+                <p:cond evt="onPrev" delay="0">
+                  <p:tgtEl>
+                    <p:sldTgt/>
+                  </p:tgtEl>
+                </p:cond>
+              </p:prevCondLst>
+              <p:nextCondLst>
+                <p:cond evt="onNext" delay="0">
+                  <p:tgtEl>
+                    <p:sldTgt/>
+                  </p:tgtEl>
+                </p:cond>
+              </p:nextCondLst>
+            </p:seq>
+          </p:childTnLst>
+        </p:cTn>
+      </p:par>
+    </p:tnLst>
+    <p:bldLst>
+      <p:bldP spid="2" grpId="0"/>
+    </p:bldLst>
+  </p:timing>
 </p:sld>
 </file>
 
@@ -7944,12 +8022,12 @@
         </p:spPr>
         <p:txBody>
           <a:bodyPr>
-            <a:normAutofit/>
+            <a:noAutofit/>
           </a:bodyPr>
           <a:lstStyle/>
           <a:p>
             <a:r>
-              <a:rPr lang="ko-KR" altLang="en-US" sz="4700" dirty="0" err="1">
+              <a:rPr lang="ko-KR" altLang="en-US" sz="10000" dirty="0" err="1">
                 <a:solidFill>
                   <a:srgbClr val="FFFFFF"/>
                 </a:solidFill>
@@ -7958,7 +8036,7 @@
               </a:rPr>
               <a:t>쏴리질러</a:t>
             </a:r>
-            <a:endParaRPr lang="ko-KR" altLang="en-US" sz="4700" dirty="0">
+            <a:endParaRPr lang="ko-KR" altLang="en-US" sz="10000" dirty="0">
               <a:solidFill>
                 <a:srgbClr val="FFFFFF"/>
               </a:solidFill>
@@ -7999,7 +8077,7 @@
                             </p:stCondLst>
                             <p:childTnLst>
                               <p:par>
-                                <p:cTn id="5" presetID="2" presetClass="entr" presetSubtype="4" fill="hold" grpId="0" nodeType="clickEffect">
+                                <p:cTn id="5" presetID="23" presetClass="entr" presetSubtype="16" fill="hold" grpId="0" nodeType="clickEffect">
                                   <p:stCondLst>
                                     <p:cond delay="0"/>
                                   </p:stCondLst>
@@ -8023,47 +8101,47 @@
                                       </p:to>
                                     </p:set>
                                     <p:anim calcmode="lin" valueType="num">
-                                      <p:cBhvr additive="base">
+                                      <p:cBhvr>
                                         <p:cTn id="7" dur="500" fill="hold"/>
                                         <p:tgtEl>
                                           <p:spTgt spid="2"/>
                                         </p:tgtEl>
                                         <p:attrNameLst>
-                                          <p:attrName>ppt_x</p:attrName>
+                                          <p:attrName>ppt_w</p:attrName>
                                         </p:attrNameLst>
                                       </p:cBhvr>
                                       <p:tavLst>
                                         <p:tav tm="0">
                                           <p:val>
-                                            <p:strVal val="#ppt_x"/>
+                                            <p:fltVal val="0"/>
                                           </p:val>
                                         </p:tav>
                                         <p:tav tm="100000">
                                           <p:val>
-                                            <p:strVal val="#ppt_x"/>
+                                            <p:strVal val="#ppt_w"/>
                                           </p:val>
                                         </p:tav>
                                       </p:tavLst>
                                     </p:anim>
                                     <p:anim calcmode="lin" valueType="num">
-                                      <p:cBhvr additive="base">
+                                      <p:cBhvr>
                                         <p:cTn id="8" dur="500" fill="hold"/>
                                         <p:tgtEl>
                                           <p:spTgt spid="2"/>
                                         </p:tgtEl>
                                         <p:attrNameLst>
-                                          <p:attrName>ppt_y</p:attrName>
+                                          <p:attrName>ppt_h</p:attrName>
                                         </p:attrNameLst>
                                       </p:cBhvr>
                                       <p:tavLst>
                                         <p:tav tm="0">
                                           <p:val>
-                                            <p:strVal val="1+#ppt_h/2"/>
+                                            <p:fltVal val="0"/>
                                           </p:val>
                                         </p:tav>
                                         <p:tav tm="100000">
                                           <p:val>
-                                            <p:strVal val="#ppt_y"/>
+                                            <p:strVal val="#ppt_h"/>
                                           </p:val>
                                         </p:tav>
                                       </p:tavLst>
@@ -10037,6 +10115,84 @@
   <p:transition spd="slow">
     <p:wipe/>
   </p:transition>
+  <p:timing>
+    <p:tnLst>
+      <p:par>
+        <p:cTn id="1" dur="indefinite" restart="never" nodeType="tmRoot">
+          <p:childTnLst>
+            <p:seq concurrent="1" nextAc="seek">
+              <p:cTn id="2" dur="indefinite" nodeType="mainSeq">
+                <p:childTnLst>
+                  <p:par>
+                    <p:cTn id="3" fill="hold">
+                      <p:stCondLst>
+                        <p:cond delay="indefinite"/>
+                      </p:stCondLst>
+                      <p:childTnLst>
+                        <p:par>
+                          <p:cTn id="4" fill="hold">
+                            <p:stCondLst>
+                              <p:cond delay="0"/>
+                            </p:stCondLst>
+                            <p:childTnLst>
+                              <p:par>
+                                <p:cTn id="5" presetID="1" presetClass="entr" presetSubtype="0" fill="hold" grpId="0" nodeType="clickEffect">
+                                  <p:stCondLst>
+                                    <p:cond delay="500"/>
+                                  </p:stCondLst>
+                                  <p:childTnLst>
+                                    <p:set>
+                                      <p:cBhvr>
+                                        <p:cTn id="6" dur="1" fill="hold">
+                                          <p:stCondLst>
+                                            <p:cond delay="0"/>
+                                          </p:stCondLst>
+                                        </p:cTn>
+                                        <p:tgtEl>
+                                          <p:spTgt spid="2"/>
+                                        </p:tgtEl>
+                                        <p:attrNameLst>
+                                          <p:attrName>style.visibility</p:attrName>
+                                        </p:attrNameLst>
+                                      </p:cBhvr>
+                                      <p:to>
+                                        <p:strVal val="visible"/>
+                                      </p:to>
+                                    </p:set>
+                                  </p:childTnLst>
+                                </p:cTn>
+                              </p:par>
+                            </p:childTnLst>
+                          </p:cTn>
+                        </p:par>
+                      </p:childTnLst>
+                    </p:cTn>
+                  </p:par>
+                </p:childTnLst>
+              </p:cTn>
+              <p:prevCondLst>
+                <p:cond evt="onPrev" delay="0">
+                  <p:tgtEl>
+                    <p:sldTgt/>
+                  </p:tgtEl>
+                </p:cond>
+              </p:prevCondLst>
+              <p:nextCondLst>
+                <p:cond evt="onNext" delay="0">
+                  <p:tgtEl>
+                    <p:sldTgt/>
+                  </p:tgtEl>
+                </p:cond>
+              </p:nextCondLst>
+            </p:seq>
+          </p:childTnLst>
+        </p:cTn>
+      </p:par>
+    </p:tnLst>
+    <p:bldLst>
+      <p:bldP spid="2" grpId="0"/>
+    </p:bldLst>
+  </p:timing>
 </p:sld>
 </file>
 
@@ -10193,6 +10349,84 @@
   <p:transition spd="slow">
     <p:wipe/>
   </p:transition>
+  <p:timing>
+    <p:tnLst>
+      <p:par>
+        <p:cTn id="1" dur="indefinite" restart="never" nodeType="tmRoot">
+          <p:childTnLst>
+            <p:seq concurrent="1" nextAc="seek">
+              <p:cTn id="2" dur="indefinite" nodeType="mainSeq">
+                <p:childTnLst>
+                  <p:par>
+                    <p:cTn id="3" fill="hold">
+                      <p:stCondLst>
+                        <p:cond delay="indefinite"/>
+                      </p:stCondLst>
+                      <p:childTnLst>
+                        <p:par>
+                          <p:cTn id="4" fill="hold">
+                            <p:stCondLst>
+                              <p:cond delay="0"/>
+                            </p:stCondLst>
+                            <p:childTnLst>
+                              <p:par>
+                                <p:cTn id="5" presetID="1" presetClass="entr" presetSubtype="0" fill="hold" grpId="0" nodeType="clickEffect">
+                                  <p:stCondLst>
+                                    <p:cond delay="500"/>
+                                  </p:stCondLst>
+                                  <p:childTnLst>
+                                    <p:set>
+                                      <p:cBhvr>
+                                        <p:cTn id="6" dur="1" fill="hold">
+                                          <p:stCondLst>
+                                            <p:cond delay="0"/>
+                                          </p:stCondLst>
+                                        </p:cTn>
+                                        <p:tgtEl>
+                                          <p:spTgt spid="2"/>
+                                        </p:tgtEl>
+                                        <p:attrNameLst>
+                                          <p:attrName>style.visibility</p:attrName>
+                                        </p:attrNameLst>
+                                      </p:cBhvr>
+                                      <p:to>
+                                        <p:strVal val="visible"/>
+                                      </p:to>
+                                    </p:set>
+                                  </p:childTnLst>
+                                </p:cTn>
+                              </p:par>
+                            </p:childTnLst>
+                          </p:cTn>
+                        </p:par>
+                      </p:childTnLst>
+                    </p:cTn>
+                  </p:par>
+                </p:childTnLst>
+              </p:cTn>
+              <p:prevCondLst>
+                <p:cond evt="onPrev" delay="0">
+                  <p:tgtEl>
+                    <p:sldTgt/>
+                  </p:tgtEl>
+                </p:cond>
+              </p:prevCondLst>
+              <p:nextCondLst>
+                <p:cond evt="onNext" delay="0">
+                  <p:tgtEl>
+                    <p:sldTgt/>
+                  </p:tgtEl>
+                </p:cond>
+              </p:nextCondLst>
+            </p:seq>
+          </p:childTnLst>
+        </p:cTn>
+      </p:par>
+    </p:tnLst>
+    <p:bldLst>
+      <p:bldP spid="2" grpId="0"/>
+    </p:bldLst>
+  </p:timing>
 </p:sld>
 </file>
 

--- a/ideatoneppt.pptx
+++ b/ideatoneppt.pptx
@@ -5,29 +5,21 @@
     <p:sldMasterId id="2147483696" r:id="rId1"/>
   </p:sldMasterIdLst>
   <p:notesMasterIdLst>
-    <p:notesMasterId r:id="rId22"/>
+    <p:notesMasterId r:id="rId14"/>
   </p:notesMasterIdLst>
   <p:sldIdLst>
-    <p:sldId id="266" r:id="rId2"/>
-    <p:sldId id="256" r:id="rId3"/>
-    <p:sldId id="280" r:id="rId4"/>
-    <p:sldId id="258" r:id="rId5"/>
-    <p:sldId id="257" r:id="rId6"/>
-    <p:sldId id="260" r:id="rId7"/>
-    <p:sldId id="273" r:id="rId8"/>
-    <p:sldId id="274" r:id="rId9"/>
-    <p:sldId id="267" r:id="rId10"/>
-    <p:sldId id="275" r:id="rId11"/>
-    <p:sldId id="279" r:id="rId12"/>
-    <p:sldId id="278" r:id="rId13"/>
-    <p:sldId id="277" r:id="rId14"/>
-    <p:sldId id="282" r:id="rId15"/>
-    <p:sldId id="283" r:id="rId16"/>
-    <p:sldId id="261" r:id="rId17"/>
-    <p:sldId id="262" r:id="rId18"/>
-    <p:sldId id="284" r:id="rId19"/>
-    <p:sldId id="281" r:id="rId20"/>
-    <p:sldId id="263" r:id="rId21"/>
+    <p:sldId id="256" r:id="rId2"/>
+    <p:sldId id="280" r:id="rId3"/>
+    <p:sldId id="258" r:id="rId4"/>
+    <p:sldId id="257" r:id="rId5"/>
+    <p:sldId id="260" r:id="rId6"/>
+    <p:sldId id="267" r:id="rId7"/>
+    <p:sldId id="278" r:id="rId8"/>
+    <p:sldId id="277" r:id="rId9"/>
+    <p:sldId id="282" r:id="rId10"/>
+    <p:sldId id="261" r:id="rId11"/>
+    <p:sldId id="262" r:id="rId12"/>
+    <p:sldId id="284" r:id="rId13"/>
   </p:sldIdLst>
   <p:sldSz cx="9144000" cy="6858000" type="screen4x3"/>
   <p:notesSz cx="6858000" cy="9144000"/>
@@ -538,7 +530,7 @@
           <a:p>
             <a:fld id="{F769AE6D-0ADA-CF4D-9503-F3CACB96690B}" type="slidenum">
               <a:rPr kumimoji="1" lang="ko-KR" altLang="en-US" smtClean="0"/>
-              <a:t>5</a:t>
+              <a:t>4</a:t>
             </a:fld>
             <a:endParaRPr kumimoji="1" lang="ko-KR" altLang="en-US"/>
           </a:p>
@@ -656,7 +648,7 @@
           <a:p>
             <a:fld id="{F769AE6D-0ADA-CF4D-9503-F3CACB96690B}" type="slidenum">
               <a:rPr kumimoji="1" lang="ko-KR" altLang="en-US" smtClean="0"/>
-              <a:t>6</a:t>
+              <a:t>5</a:t>
             </a:fld>
             <a:endParaRPr kumimoji="1" lang="ko-KR" altLang="en-US"/>
           </a:p>
@@ -719,7 +711,18 @@
           <a:bodyPr/>
           <a:lstStyle/>
           <a:p>
-            <a:endParaRPr kumimoji="1" lang="ko-KR" altLang="en-US" dirty="0"/>
+            <a:r>
+              <a:rPr kumimoji="1" lang="ko-KR" altLang="en-US" dirty="0"/>
+              <a:t>외출 시간 설정</a:t>
+            </a:r>
+            <a:r>
+              <a:rPr kumimoji="1" lang="en-US" altLang="ko-KR" dirty="0"/>
+              <a:t>,</a:t>
+            </a:r>
+            <a:r>
+              <a:rPr kumimoji="1" lang="ko-KR" altLang="en-US" dirty="0"/>
+              <a:t> 갑작스러운 미세먼지 공습 알림</a:t>
+            </a:r>
           </a:p>
         </p:txBody>
       </p:sp>
@@ -740,7 +743,7 @@
           <a:p>
             <a:fld id="{F769AE6D-0ADA-CF4D-9503-F3CACB96690B}" type="slidenum">
               <a:rPr kumimoji="1" lang="ko-KR" altLang="en-US" smtClean="0"/>
-              <a:t>7</a:t>
+              <a:t>8</a:t>
             </a:fld>
             <a:endParaRPr kumimoji="1" lang="ko-KR" altLang="en-US"/>
           </a:p>
@@ -749,7 +752,7 @@
     </p:spTree>
     <p:extLst>
       <p:ext uri="{BB962C8B-B14F-4D97-AF65-F5344CB8AC3E}">
-        <p14:creationId xmlns:p14="http://schemas.microsoft.com/office/powerpoint/2010/main" val="1624359601"/>
+        <p14:creationId xmlns:p14="http://schemas.microsoft.com/office/powerpoint/2010/main" val="708971674"/>
       </p:ext>
     </p:extLst>
   </p:cSld>
@@ -804,78 +807,29 @@
           <a:lstStyle/>
           <a:p>
             <a:r>
-              <a:rPr kumimoji="1" lang="en-US" altLang="ko-KR" dirty="0"/>
-              <a:t>KF80 : 0.6um</a:t>
+              <a:rPr kumimoji="1" lang="ko-KR" altLang="en-US" dirty="0"/>
+              <a:t>저희 앱의 핵심 경쟁력은 앞서 말한 쇼핑몰 기능에서 제휴업체로부터 광고료를 받아 이익을 창출하면서  </a:t>
+            </a:r>
+            <a:endParaRPr kumimoji="1" lang="en-US" altLang="ko-KR" dirty="0"/>
+          </a:p>
+          <a:p>
+            <a:r>
+              <a:rPr kumimoji="1" lang="ko-KR" altLang="en-US" dirty="0"/>
+              <a:t>소비자들에게는 </a:t>
+            </a:r>
+            <a:r>
+              <a:rPr kumimoji="1" lang="ko-KR" altLang="en-US" dirty="0" err="1"/>
+              <a:t>알람</a:t>
             </a:r>
             <a:r>
               <a:rPr kumimoji="1" lang="ko-KR" altLang="en-US" dirty="0"/>
-              <a:t>의 먼지들을 </a:t>
+              <a:t> 기능을 통해 편의를 제공하는 것 입니다</a:t>
             </a:r>
             <a:r>
               <a:rPr kumimoji="1" lang="en-US" altLang="ko-KR" dirty="0"/>
-              <a:t>80%</a:t>
+              <a:t>.</a:t>
             </a:r>
-            <a:r>
-              <a:rPr kumimoji="1" lang="ko-KR" altLang="en-US" dirty="0"/>
-              <a:t> 이상 차단 </a:t>
-            </a:r>
-            <a:r>
-              <a:rPr kumimoji="1" lang="en-US" altLang="ko-KR" dirty="0"/>
-              <a:t>,</a:t>
-            </a:r>
-            <a:r>
-              <a:rPr kumimoji="1" lang="ko-KR" altLang="en-US" dirty="0"/>
-              <a:t> </a:t>
-            </a:r>
-            <a:r>
-              <a:rPr kumimoji="1" lang="en-US" altLang="ko-KR" dirty="0"/>
-              <a:t>KF94 : 0.4um</a:t>
-            </a:r>
-            <a:r>
-              <a:rPr kumimoji="1" lang="ko-KR" altLang="en-US" dirty="0"/>
-              <a:t> 먼지들을 </a:t>
-            </a:r>
-            <a:r>
-              <a:rPr kumimoji="1" lang="en-US" altLang="ko-KR" dirty="0"/>
-              <a:t>94%</a:t>
-            </a:r>
-            <a:r>
-              <a:rPr kumimoji="1" lang="ko-KR" altLang="en-US" dirty="0"/>
-              <a:t> 이상 차단</a:t>
-            </a:r>
-            <a:r>
-              <a:rPr kumimoji="1" lang="en-US" altLang="ko-KR" dirty="0"/>
-              <a:t>,</a:t>
-            </a:r>
-            <a:r>
-              <a:rPr kumimoji="1" lang="ko-KR" altLang="en-US" dirty="0"/>
-              <a:t> </a:t>
-            </a:r>
-            <a:r>
-              <a:rPr kumimoji="1" lang="en-US" altLang="ko-KR" dirty="0"/>
-              <a:t>KF99</a:t>
-            </a:r>
-            <a:r>
-              <a:rPr kumimoji="1" lang="ko-KR" altLang="en-US" dirty="0"/>
-              <a:t> </a:t>
-            </a:r>
-            <a:r>
-              <a:rPr kumimoji="1" lang="en-US" altLang="ko-KR" dirty="0"/>
-              <a:t>: 0.4um</a:t>
-            </a:r>
-            <a:r>
-              <a:rPr kumimoji="1" lang="ko-KR" altLang="en-US" dirty="0"/>
-              <a:t>의 먼지들을 </a:t>
-            </a:r>
-            <a:r>
-              <a:rPr kumimoji="1" lang="en-US" altLang="ko-KR" dirty="0"/>
-              <a:t>99%</a:t>
-            </a:r>
-            <a:r>
-              <a:rPr kumimoji="1" lang="ko-KR" altLang="en-US" dirty="0"/>
-              <a:t>이상 차단 </a:t>
-            </a:r>
-            <a:endParaRPr kumimoji="1" lang="en-US" altLang="ko-KR" dirty="0"/>
+            <a:endParaRPr kumimoji="1" lang="ko-KR" altLang="en-US" dirty="0"/>
           </a:p>
         </p:txBody>
       </p:sp>
@@ -896,7 +850,7 @@
           <a:p>
             <a:fld id="{F769AE6D-0ADA-CF4D-9503-F3CACB96690B}" type="slidenum">
               <a:rPr kumimoji="1" lang="ko-KR" altLang="en-US" smtClean="0"/>
-              <a:t>8</a:t>
+              <a:t>10</a:t>
             </a:fld>
             <a:endParaRPr kumimoji="1" lang="ko-KR" altLang="en-US"/>
           </a:p>
@@ -905,7 +859,7 @@
     </p:spTree>
     <p:extLst>
       <p:ext uri="{BB962C8B-B14F-4D97-AF65-F5344CB8AC3E}">
-        <p14:creationId xmlns:p14="http://schemas.microsoft.com/office/powerpoint/2010/main" val="2490096732"/>
+        <p14:creationId xmlns:p14="http://schemas.microsoft.com/office/powerpoint/2010/main" val="2968190343"/>
       </p:ext>
     </p:extLst>
   </p:cSld>
@@ -961,429 +915,6 @@
           <a:p>
             <a:r>
               <a:rPr kumimoji="1" lang="ko-KR" altLang="en-US" dirty="0"/>
-              <a:t>마스크 와 미세먼지에 관련된 여러가지를 </a:t>
-            </a:r>
-            <a:r>
-              <a:rPr kumimoji="1" lang="en-US" altLang="ko-KR" dirty="0"/>
-              <a:t>(</a:t>
-            </a:r>
-            <a:r>
-              <a:rPr kumimoji="1" lang="ko-KR" altLang="en-US" dirty="0"/>
-              <a:t>예를 들어 공기청정기</a:t>
-            </a:r>
-            <a:r>
-              <a:rPr kumimoji="1" lang="en-US" altLang="ko-KR" dirty="0"/>
-              <a:t>,</a:t>
-            </a:r>
-            <a:r>
-              <a:rPr kumimoji="1" lang="ko-KR" altLang="en-US" dirty="0"/>
-              <a:t> 화장품</a:t>
-            </a:r>
-            <a:r>
-              <a:rPr kumimoji="1" lang="en-US" altLang="ko-KR" dirty="0"/>
-              <a:t>,</a:t>
-            </a:r>
-            <a:r>
-              <a:rPr kumimoji="1" lang="ko-KR" altLang="en-US" dirty="0"/>
-              <a:t>음식 등</a:t>
-            </a:r>
-            <a:r>
-              <a:rPr kumimoji="1" lang="en-US" altLang="ko-KR" dirty="0"/>
-              <a:t>)</a:t>
-            </a:r>
-            <a:r>
-              <a:rPr kumimoji="1" lang="ko-KR" altLang="en-US" dirty="0"/>
-              <a:t>  구매할 수 있음</a:t>
-            </a:r>
-          </a:p>
-        </p:txBody>
-      </p:sp>
-      <p:sp>
-        <p:nvSpPr>
-          <p:cNvPr id="4" name="슬라이드 번호 개체 틀 3"/>
-          <p:cNvSpPr>
-            <a:spLocks noGrp="1"/>
-          </p:cNvSpPr>
-          <p:nvPr>
-            <p:ph type="sldNum" sz="quarter" idx="5"/>
-          </p:nvPr>
-        </p:nvSpPr>
-        <p:spPr/>
-        <p:txBody>
-          <a:bodyPr/>
-          <a:lstStyle/>
-          <a:p>
-            <a:fld id="{F769AE6D-0ADA-CF4D-9503-F3CACB96690B}" type="slidenum">
-              <a:rPr kumimoji="1" lang="ko-KR" altLang="en-US" smtClean="0"/>
-              <a:t>11</a:t>
-            </a:fld>
-            <a:endParaRPr kumimoji="1" lang="ko-KR" altLang="en-US"/>
-          </a:p>
-        </p:txBody>
-      </p:sp>
-    </p:spTree>
-    <p:extLst>
-      <p:ext uri="{BB962C8B-B14F-4D97-AF65-F5344CB8AC3E}">
-        <p14:creationId xmlns:p14="http://schemas.microsoft.com/office/powerpoint/2010/main" val="684301187"/>
-      </p:ext>
-    </p:extLst>
-  </p:cSld>
-  <p:clrMapOvr>
-    <a:masterClrMapping/>
-  </p:clrMapOvr>
-</p:notes>
-</file>
-
-<file path=ppt/notesSlides/notesSlide6.xml><?xml version="1.0" encoding="utf-8"?>
-<p:notes xmlns:a="http://schemas.openxmlformats.org/drawingml/2006/main" xmlns:r="http://schemas.openxmlformats.org/officeDocument/2006/relationships" xmlns:p="http://schemas.openxmlformats.org/presentationml/2006/main">
-  <p:cSld>
-    <p:spTree>
-      <p:nvGrpSpPr>
-        <p:cNvPr id="1" name=""/>
-        <p:cNvGrpSpPr/>
-        <p:nvPr/>
-      </p:nvGrpSpPr>
-      <p:grpSpPr>
-        <a:xfrm>
-          <a:off x="0" y="0"/>
-          <a:ext cx="0" cy="0"/>
-          <a:chOff x="0" y="0"/>
-          <a:chExt cx="0" cy="0"/>
-        </a:xfrm>
-      </p:grpSpPr>
-      <p:sp>
-        <p:nvSpPr>
-          <p:cNvPr id="2" name="슬라이드 이미지 개체 틀 1"/>
-          <p:cNvSpPr>
-            <a:spLocks noGrp="1" noRot="1" noChangeAspect="1"/>
-          </p:cNvSpPr>
-          <p:nvPr>
-            <p:ph type="sldImg"/>
-          </p:nvPr>
-        </p:nvSpPr>
-        <p:spPr/>
-      </p:sp>
-      <p:sp>
-        <p:nvSpPr>
-          <p:cNvPr id="3" name="슬라이드 노트 개체 틀 2"/>
-          <p:cNvSpPr>
-            <a:spLocks noGrp="1"/>
-          </p:cNvSpPr>
-          <p:nvPr>
-            <p:ph type="body" idx="1"/>
-          </p:nvPr>
-        </p:nvSpPr>
-        <p:spPr/>
-        <p:txBody>
-          <a:bodyPr/>
-          <a:lstStyle/>
-          <a:p>
-            <a:r>
-              <a:rPr kumimoji="1" lang="ko-KR" altLang="en-US" dirty="0"/>
-              <a:t>외출 시간 설정</a:t>
-            </a:r>
-            <a:r>
-              <a:rPr kumimoji="1" lang="en-US" altLang="ko-KR" dirty="0"/>
-              <a:t>,</a:t>
-            </a:r>
-            <a:r>
-              <a:rPr kumimoji="1" lang="ko-KR" altLang="en-US" dirty="0"/>
-              <a:t> 갑작스러운 미세먼지 공습 알림</a:t>
-            </a:r>
-          </a:p>
-        </p:txBody>
-      </p:sp>
-      <p:sp>
-        <p:nvSpPr>
-          <p:cNvPr id="4" name="슬라이드 번호 개체 틀 3"/>
-          <p:cNvSpPr>
-            <a:spLocks noGrp="1"/>
-          </p:cNvSpPr>
-          <p:nvPr>
-            <p:ph type="sldNum" sz="quarter" idx="5"/>
-          </p:nvPr>
-        </p:nvSpPr>
-        <p:spPr/>
-        <p:txBody>
-          <a:bodyPr/>
-          <a:lstStyle/>
-          <a:p>
-            <a:fld id="{F769AE6D-0ADA-CF4D-9503-F3CACB96690B}" type="slidenum">
-              <a:rPr kumimoji="1" lang="ko-KR" altLang="en-US" smtClean="0"/>
-              <a:t>13</a:t>
-            </a:fld>
-            <a:endParaRPr kumimoji="1" lang="ko-KR" altLang="en-US"/>
-          </a:p>
-        </p:txBody>
-      </p:sp>
-    </p:spTree>
-    <p:extLst>
-      <p:ext uri="{BB962C8B-B14F-4D97-AF65-F5344CB8AC3E}">
-        <p14:creationId xmlns:p14="http://schemas.microsoft.com/office/powerpoint/2010/main" val="708971674"/>
-      </p:ext>
-    </p:extLst>
-  </p:cSld>
-  <p:clrMapOvr>
-    <a:masterClrMapping/>
-  </p:clrMapOvr>
-</p:notes>
-</file>
-
-<file path=ppt/notesSlides/notesSlide7.xml><?xml version="1.0" encoding="utf-8"?>
-<p:notes xmlns:a="http://schemas.openxmlformats.org/drawingml/2006/main" xmlns:r="http://schemas.openxmlformats.org/officeDocument/2006/relationships" xmlns:p="http://schemas.openxmlformats.org/presentationml/2006/main">
-  <p:cSld>
-    <p:spTree>
-      <p:nvGrpSpPr>
-        <p:cNvPr id="1" name=""/>
-        <p:cNvGrpSpPr/>
-        <p:nvPr/>
-      </p:nvGrpSpPr>
-      <p:grpSpPr>
-        <a:xfrm>
-          <a:off x="0" y="0"/>
-          <a:ext cx="0" cy="0"/>
-          <a:chOff x="0" y="0"/>
-          <a:chExt cx="0" cy="0"/>
-        </a:xfrm>
-      </p:grpSpPr>
-      <p:sp>
-        <p:nvSpPr>
-          <p:cNvPr id="2" name="슬라이드 이미지 개체 틀 1"/>
-          <p:cNvSpPr>
-            <a:spLocks noGrp="1" noRot="1" noChangeAspect="1"/>
-          </p:cNvSpPr>
-          <p:nvPr>
-            <p:ph type="sldImg"/>
-          </p:nvPr>
-        </p:nvSpPr>
-        <p:spPr/>
-      </p:sp>
-      <p:sp>
-        <p:nvSpPr>
-          <p:cNvPr id="3" name="슬라이드 노트 개체 틀 2"/>
-          <p:cNvSpPr>
-            <a:spLocks noGrp="1"/>
-          </p:cNvSpPr>
-          <p:nvPr>
-            <p:ph type="body" idx="1"/>
-          </p:nvPr>
-        </p:nvSpPr>
-        <p:spPr/>
-        <p:txBody>
-          <a:bodyPr/>
-          <a:lstStyle/>
-          <a:p>
-            <a:r>
-              <a:rPr kumimoji="1" lang="ko-KR" altLang="en-US" dirty="0"/>
-              <a:t>가입 후 첫 구매 시 실내에서도 청결하게 마스크를 보관할 수 있도록 마스크 케이스를 지급합니다</a:t>
-            </a:r>
-            <a:r>
-              <a:rPr kumimoji="1" lang="en-US" altLang="ko-KR" dirty="0"/>
-              <a:t>.</a:t>
-            </a:r>
-          </a:p>
-          <a:p>
-            <a:r>
-              <a:rPr kumimoji="1" lang="ko-KR" altLang="en-US" dirty="0"/>
-              <a:t>연속 구매 기간으로 사용자의 등급을 정하여 기업에서 지원받은 사은품을 제공함으로써 소비자의 가격부담을 줄일 수 있습니다</a:t>
-            </a:r>
-            <a:r>
-              <a:rPr kumimoji="1" lang="en-US" altLang="ko-KR"/>
-              <a:t>.</a:t>
-            </a:r>
-            <a:endParaRPr kumimoji="1" lang="en-US" altLang="ko-KR" dirty="0"/>
-          </a:p>
-        </p:txBody>
-      </p:sp>
-      <p:sp>
-        <p:nvSpPr>
-          <p:cNvPr id="4" name="슬라이드 번호 개체 틀 3"/>
-          <p:cNvSpPr>
-            <a:spLocks noGrp="1"/>
-          </p:cNvSpPr>
-          <p:nvPr>
-            <p:ph type="sldNum" sz="quarter" idx="5"/>
-          </p:nvPr>
-        </p:nvSpPr>
-        <p:spPr/>
-        <p:txBody>
-          <a:bodyPr/>
-          <a:lstStyle/>
-          <a:p>
-            <a:fld id="{F769AE6D-0ADA-CF4D-9503-F3CACB96690B}" type="slidenum">
-              <a:rPr kumimoji="1" lang="ko-KR" altLang="en-US" smtClean="0"/>
-              <a:t>15</a:t>
-            </a:fld>
-            <a:endParaRPr kumimoji="1" lang="ko-KR" altLang="en-US"/>
-          </a:p>
-        </p:txBody>
-      </p:sp>
-    </p:spTree>
-    <p:extLst>
-      <p:ext uri="{BB962C8B-B14F-4D97-AF65-F5344CB8AC3E}">
-        <p14:creationId xmlns:p14="http://schemas.microsoft.com/office/powerpoint/2010/main" val="3907211209"/>
-      </p:ext>
-    </p:extLst>
-  </p:cSld>
-  <p:clrMapOvr>
-    <a:masterClrMapping/>
-  </p:clrMapOvr>
-</p:notes>
-</file>
-
-<file path=ppt/notesSlides/notesSlide8.xml><?xml version="1.0" encoding="utf-8"?>
-<p:notes xmlns:a="http://schemas.openxmlformats.org/drawingml/2006/main" xmlns:r="http://schemas.openxmlformats.org/officeDocument/2006/relationships" xmlns:p="http://schemas.openxmlformats.org/presentationml/2006/main">
-  <p:cSld>
-    <p:spTree>
-      <p:nvGrpSpPr>
-        <p:cNvPr id="1" name=""/>
-        <p:cNvGrpSpPr/>
-        <p:nvPr/>
-      </p:nvGrpSpPr>
-      <p:grpSpPr>
-        <a:xfrm>
-          <a:off x="0" y="0"/>
-          <a:ext cx="0" cy="0"/>
-          <a:chOff x="0" y="0"/>
-          <a:chExt cx="0" cy="0"/>
-        </a:xfrm>
-      </p:grpSpPr>
-      <p:sp>
-        <p:nvSpPr>
-          <p:cNvPr id="2" name="슬라이드 이미지 개체 틀 1"/>
-          <p:cNvSpPr>
-            <a:spLocks noGrp="1" noRot="1" noChangeAspect="1"/>
-          </p:cNvSpPr>
-          <p:nvPr>
-            <p:ph type="sldImg"/>
-          </p:nvPr>
-        </p:nvSpPr>
-        <p:spPr/>
-      </p:sp>
-      <p:sp>
-        <p:nvSpPr>
-          <p:cNvPr id="3" name="슬라이드 노트 개체 틀 2"/>
-          <p:cNvSpPr>
-            <a:spLocks noGrp="1"/>
-          </p:cNvSpPr>
-          <p:nvPr>
-            <p:ph type="body" idx="1"/>
-          </p:nvPr>
-        </p:nvSpPr>
-        <p:spPr/>
-        <p:txBody>
-          <a:bodyPr/>
-          <a:lstStyle/>
-          <a:p>
-            <a:r>
-              <a:rPr kumimoji="1" lang="ko-KR" altLang="en-US" dirty="0"/>
-              <a:t>저희 앱의 핵심 경쟁력은 앞서 말한 쇼핑몰 기능에서 제휴업체로부터 광고료를 받아 이익을 창출하면서  </a:t>
-            </a:r>
-            <a:endParaRPr kumimoji="1" lang="en-US" altLang="ko-KR" dirty="0"/>
-          </a:p>
-          <a:p>
-            <a:r>
-              <a:rPr kumimoji="1" lang="ko-KR" altLang="en-US" dirty="0"/>
-              <a:t>소비자들에게는 </a:t>
-            </a:r>
-            <a:r>
-              <a:rPr kumimoji="1" lang="ko-KR" altLang="en-US" dirty="0" err="1"/>
-              <a:t>알람</a:t>
-            </a:r>
-            <a:r>
-              <a:rPr kumimoji="1" lang="ko-KR" altLang="en-US" dirty="0"/>
-              <a:t> 기능을 통해 편의를 제공하는 것 입니다</a:t>
-            </a:r>
-            <a:r>
-              <a:rPr kumimoji="1" lang="en-US" altLang="ko-KR" dirty="0"/>
-              <a:t>.</a:t>
-            </a:r>
-            <a:endParaRPr kumimoji="1" lang="ko-KR" altLang="en-US" dirty="0"/>
-          </a:p>
-        </p:txBody>
-      </p:sp>
-      <p:sp>
-        <p:nvSpPr>
-          <p:cNvPr id="4" name="슬라이드 번호 개체 틀 3"/>
-          <p:cNvSpPr>
-            <a:spLocks noGrp="1"/>
-          </p:cNvSpPr>
-          <p:nvPr>
-            <p:ph type="sldNum" sz="quarter" idx="5"/>
-          </p:nvPr>
-        </p:nvSpPr>
-        <p:spPr/>
-        <p:txBody>
-          <a:bodyPr/>
-          <a:lstStyle/>
-          <a:p>
-            <a:fld id="{F769AE6D-0ADA-CF4D-9503-F3CACB96690B}" type="slidenum">
-              <a:rPr kumimoji="1" lang="ko-KR" altLang="en-US" smtClean="0"/>
-              <a:t>16</a:t>
-            </a:fld>
-            <a:endParaRPr kumimoji="1" lang="ko-KR" altLang="en-US"/>
-          </a:p>
-        </p:txBody>
-      </p:sp>
-    </p:spTree>
-    <p:extLst>
-      <p:ext uri="{BB962C8B-B14F-4D97-AF65-F5344CB8AC3E}">
-        <p14:creationId xmlns:p14="http://schemas.microsoft.com/office/powerpoint/2010/main" val="2968190343"/>
-      </p:ext>
-    </p:extLst>
-  </p:cSld>
-  <p:clrMapOvr>
-    <a:masterClrMapping/>
-  </p:clrMapOvr>
-</p:notes>
-</file>
-
-<file path=ppt/notesSlides/notesSlide9.xml><?xml version="1.0" encoding="utf-8"?>
-<p:notes xmlns:a="http://schemas.openxmlformats.org/drawingml/2006/main" xmlns:r="http://schemas.openxmlformats.org/officeDocument/2006/relationships" xmlns:p="http://schemas.openxmlformats.org/presentationml/2006/main">
-  <p:cSld>
-    <p:spTree>
-      <p:nvGrpSpPr>
-        <p:cNvPr id="1" name=""/>
-        <p:cNvGrpSpPr/>
-        <p:nvPr/>
-      </p:nvGrpSpPr>
-      <p:grpSpPr>
-        <a:xfrm>
-          <a:off x="0" y="0"/>
-          <a:ext cx="0" cy="0"/>
-          <a:chOff x="0" y="0"/>
-          <a:chExt cx="0" cy="0"/>
-        </a:xfrm>
-      </p:grpSpPr>
-      <p:sp>
-        <p:nvSpPr>
-          <p:cNvPr id="2" name="슬라이드 이미지 개체 틀 1"/>
-          <p:cNvSpPr>
-            <a:spLocks noGrp="1" noRot="1" noChangeAspect="1"/>
-          </p:cNvSpPr>
-          <p:nvPr>
-            <p:ph type="sldImg"/>
-          </p:nvPr>
-        </p:nvSpPr>
-        <p:spPr/>
-      </p:sp>
-      <p:sp>
-        <p:nvSpPr>
-          <p:cNvPr id="3" name="슬라이드 노트 개체 틀 2"/>
-          <p:cNvSpPr>
-            <a:spLocks noGrp="1"/>
-          </p:cNvSpPr>
-          <p:nvPr>
-            <p:ph type="body" idx="1"/>
-          </p:nvPr>
-        </p:nvSpPr>
-        <p:spPr/>
-        <p:txBody>
-          <a:bodyPr/>
-          <a:lstStyle/>
-          <a:p>
-            <a:r>
-              <a:rPr kumimoji="1" lang="ko-KR" altLang="en-US" dirty="0"/>
               <a:t>마스크 사용량이 증가</a:t>
             </a:r>
             <a:r>
@@ -1419,7 +950,7 @@
           <a:p>
             <a:fld id="{F769AE6D-0ADA-CF4D-9503-F3CACB96690B}" type="slidenum">
               <a:rPr kumimoji="1" lang="ko-KR" altLang="en-US" smtClean="0"/>
-              <a:t>17</a:t>
+              <a:t>11</a:t>
             </a:fld>
             <a:endParaRPr kumimoji="1" lang="ko-KR" altLang="en-US"/>
           </a:p>
@@ -4428,302 +3959,10 @@
 <file path=ppt/slides/slide1.xml><?xml version="1.0" encoding="utf-8"?>
 <p:sld xmlns:a="http://schemas.openxmlformats.org/drawingml/2006/main" xmlns:r="http://schemas.openxmlformats.org/officeDocument/2006/relationships" xmlns:p="http://schemas.openxmlformats.org/presentationml/2006/main">
   <p:cSld>
-    <p:spTree>
-      <p:nvGrpSpPr>
-        <p:cNvPr id="1" name=""/>
-        <p:cNvGrpSpPr/>
-        <p:nvPr/>
-      </p:nvGrpSpPr>
-      <p:grpSpPr>
-        <a:xfrm>
-          <a:off x="0" y="0"/>
-          <a:ext cx="0" cy="0"/>
-          <a:chOff x="0" y="0"/>
-          <a:chExt cx="0" cy="0"/>
-        </a:xfrm>
-      </p:grpSpPr>
-      <p:sp>
-        <p:nvSpPr>
-          <p:cNvPr id="2" name="제목 1">
-            <a:extLst>
-              <a:ext uri="{FF2B5EF4-FFF2-40B4-BE49-F238E27FC236}">
-                <a16:creationId xmlns:a16="http://schemas.microsoft.com/office/drawing/2014/main" id="{E8EBD7A7-4630-1047-9A97-D89735A59B12}"/>
-              </a:ext>
-            </a:extLst>
-          </p:cNvPr>
-          <p:cNvSpPr>
-            <a:spLocks noGrp="1"/>
-          </p:cNvSpPr>
-          <p:nvPr>
-            <p:ph type="title"/>
-          </p:nvPr>
-        </p:nvSpPr>
-        <p:spPr/>
-        <p:txBody>
-          <a:bodyPr/>
-          <a:lstStyle/>
-          <a:p>
-            <a:r>
-              <a:rPr kumimoji="1" lang="ko-KR" altLang="en-US" dirty="0"/>
-              <a:t>서비스</a:t>
-            </a:r>
-            <a:r>
-              <a:rPr kumimoji="1" lang="en-US" altLang="ko-KR" dirty="0"/>
-              <a:t>/</a:t>
-            </a:r>
-            <a:r>
-              <a:rPr kumimoji="1" lang="ko-KR" altLang="en-US" dirty="0"/>
-              <a:t>제품 소개 목차</a:t>
-            </a:r>
-          </a:p>
-        </p:txBody>
-      </p:sp>
-      <p:sp>
-        <p:nvSpPr>
-          <p:cNvPr id="3" name="내용 개체 틀 2">
-            <a:extLst>
-              <a:ext uri="{FF2B5EF4-FFF2-40B4-BE49-F238E27FC236}">
-                <a16:creationId xmlns:a16="http://schemas.microsoft.com/office/drawing/2014/main" id="{BA9874B2-5A79-0C4C-AEDC-6599047D15CC}"/>
-              </a:ext>
-            </a:extLst>
-          </p:cNvPr>
-          <p:cNvSpPr>
-            <a:spLocks noGrp="1"/>
-          </p:cNvSpPr>
-          <p:nvPr>
-            <p:ph idx="1"/>
-          </p:nvPr>
-        </p:nvSpPr>
-        <p:spPr/>
-        <p:txBody>
-          <a:bodyPr>
-            <a:normAutofit fontScale="92500"/>
-          </a:bodyPr>
-          <a:lstStyle/>
-          <a:p>
-            <a:r>
-              <a:rPr lang="en-US" altLang="ko-KR" dirty="0"/>
-              <a:t>1.</a:t>
-            </a:r>
-            <a:r>
-              <a:rPr lang="ko-KR" altLang="en-US" dirty="0" err="1"/>
-              <a:t>마스크착용</a:t>
-            </a:r>
-            <a:r>
-              <a:rPr lang="ko-KR" altLang="en-US" dirty="0"/>
-              <a:t> 타이머 기능 </a:t>
-            </a:r>
-            <a:r>
-              <a:rPr lang="en-US" altLang="ko-KR" dirty="0"/>
-              <a:t>+ </a:t>
-            </a:r>
-            <a:r>
-              <a:rPr lang="ko-KR" altLang="en-US" dirty="0"/>
-              <a:t>교체 시간 알림</a:t>
-            </a:r>
-          </a:p>
-          <a:p>
-            <a:r>
-              <a:rPr lang="en-US" altLang="ko-KR" dirty="0"/>
-              <a:t>2.</a:t>
-            </a:r>
-            <a:r>
-              <a:rPr lang="ko-KR" altLang="en-US" dirty="0"/>
-              <a:t>마스크 농도 확인 기능</a:t>
-            </a:r>
-          </a:p>
-          <a:p>
-            <a:r>
-              <a:rPr lang="en-US" altLang="ko-KR" dirty="0"/>
-              <a:t>3.</a:t>
-            </a:r>
-            <a:r>
-              <a:rPr lang="ko-KR" altLang="en-US" dirty="0"/>
-              <a:t>마스크 추천 기능</a:t>
-            </a:r>
-          </a:p>
-          <a:p>
-            <a:r>
-              <a:rPr lang="en-US" altLang="ko-KR" dirty="0"/>
-              <a:t>4.</a:t>
-            </a:r>
-            <a:r>
-              <a:rPr lang="ko-KR" altLang="en-US" dirty="0"/>
-              <a:t>메뉴버튼 </a:t>
-            </a:r>
-            <a:r>
-              <a:rPr lang="en-US" altLang="ko-KR" dirty="0"/>
-              <a:t>- </a:t>
-            </a:r>
-            <a:r>
-              <a:rPr lang="ko-KR" altLang="en-US" dirty="0" err="1"/>
-              <a:t>쇼핑기능</a:t>
-            </a:r>
-            <a:r>
-              <a:rPr lang="en-US" altLang="ko-KR" dirty="0"/>
-              <a:t>(</a:t>
-            </a:r>
-            <a:r>
-              <a:rPr lang="ko-KR" altLang="en-US" dirty="0" err="1"/>
-              <a:t>리뷰관리</a:t>
-            </a:r>
-            <a:r>
-              <a:rPr lang="en-US" altLang="ko-KR" dirty="0"/>
-              <a:t>) + </a:t>
-            </a:r>
-            <a:r>
-              <a:rPr lang="ko-KR" altLang="en-US" dirty="0" err="1"/>
-              <a:t>정기배송</a:t>
-            </a:r>
-            <a:r>
-              <a:rPr lang="ko-KR" altLang="en-US" dirty="0"/>
-              <a:t> 기능</a:t>
-            </a:r>
-            <a:r>
-              <a:rPr lang="en-US" altLang="ko-KR" dirty="0"/>
-              <a:t>( </a:t>
-            </a:r>
-            <a:r>
-              <a:rPr lang="ko-KR" altLang="en-US" dirty="0"/>
-              <a:t>남은 마스크 확인</a:t>
-            </a:r>
-            <a:r>
-              <a:rPr lang="en-US" altLang="ko-KR" dirty="0"/>
-              <a:t>)</a:t>
-            </a:r>
-            <a:endParaRPr lang="ko-KR" altLang="en-US" dirty="0"/>
-          </a:p>
-          <a:p>
-            <a:r>
-              <a:rPr lang="en-US" altLang="ko-KR" dirty="0"/>
-              <a:t>5.</a:t>
-            </a:r>
-            <a:r>
-              <a:rPr lang="ko-KR" altLang="en-US" dirty="0" err="1"/>
-              <a:t>홈버튼</a:t>
-            </a:r>
-            <a:r>
-              <a:rPr lang="ko-KR" altLang="en-US" dirty="0"/>
-              <a:t> </a:t>
-            </a:r>
-            <a:r>
-              <a:rPr lang="ko-KR" altLang="en-US" dirty="0" err="1"/>
-              <a:t>알람설정</a:t>
-            </a:r>
-            <a:r>
-              <a:rPr lang="ko-KR" altLang="en-US" dirty="0"/>
-              <a:t> 기능 </a:t>
-            </a:r>
-            <a:r>
-              <a:rPr lang="en-US" altLang="ko-KR" dirty="0"/>
-              <a:t>- </a:t>
-            </a:r>
-            <a:r>
-              <a:rPr lang="ko-KR" altLang="en-US" dirty="0"/>
-              <a:t>외출 시간 설정 </a:t>
-            </a:r>
-          </a:p>
-          <a:p>
-            <a:r>
-              <a:rPr lang="en-US" altLang="ko-KR" dirty="0"/>
-              <a:t>6.</a:t>
-            </a:r>
-            <a:r>
-              <a:rPr lang="ko-KR" altLang="en-US" dirty="0" err="1"/>
-              <a:t>홈버튼</a:t>
-            </a:r>
-            <a:r>
-              <a:rPr lang="ko-KR" altLang="en-US" dirty="0"/>
-              <a:t> </a:t>
-            </a:r>
-            <a:r>
-              <a:rPr lang="ko-KR" altLang="en-US" dirty="0" err="1"/>
-              <a:t>알람설정</a:t>
-            </a:r>
-            <a:r>
-              <a:rPr lang="ko-KR" altLang="en-US" dirty="0"/>
-              <a:t> 기능 </a:t>
-            </a:r>
-            <a:r>
-              <a:rPr lang="en-US" altLang="ko-KR" dirty="0"/>
-              <a:t>- </a:t>
-            </a:r>
-            <a:r>
-              <a:rPr lang="ko-KR" altLang="en-US" dirty="0"/>
-              <a:t>갑작스러운 미세먼지 공습 알림</a:t>
-            </a:r>
-          </a:p>
-          <a:p>
-            <a:br>
-              <a:rPr lang="ko-KR" altLang="en-US" dirty="0"/>
-            </a:br>
-            <a:endParaRPr lang="ko-KR" altLang="en-US" dirty="0"/>
-          </a:p>
-          <a:p>
-            <a:r>
-              <a:rPr lang="ko-KR" altLang="en-US" dirty="0"/>
-              <a:t>부가기능</a:t>
-            </a:r>
-          </a:p>
-          <a:p>
-            <a:r>
-              <a:rPr lang="en-US" altLang="ko-KR" dirty="0"/>
-              <a:t>-</a:t>
-            </a:r>
-            <a:r>
-              <a:rPr lang="ko-KR" altLang="en-US" dirty="0" err="1"/>
-              <a:t>로딩시간에</a:t>
-            </a:r>
-            <a:r>
-              <a:rPr lang="ko-KR" altLang="en-US" dirty="0"/>
-              <a:t> 미세먼지 위험성 문구 </a:t>
-            </a:r>
-          </a:p>
-          <a:p>
-            <a:r>
-              <a:rPr lang="en-US" altLang="ko-KR" dirty="0"/>
-              <a:t>-</a:t>
-            </a:r>
-            <a:r>
-              <a:rPr lang="ko-KR" altLang="en-US" dirty="0"/>
-              <a:t>케이스 및 사은품 제공</a:t>
-            </a:r>
-          </a:p>
-          <a:p>
-            <a:r>
-              <a:rPr lang="en-US" altLang="ko-KR" dirty="0"/>
-              <a:t>-</a:t>
-            </a:r>
-            <a:r>
-              <a:rPr lang="ko-KR" altLang="en-US" dirty="0"/>
-              <a:t>등급제도</a:t>
-            </a:r>
-          </a:p>
-          <a:p>
-            <a:endParaRPr kumimoji="1" lang="ko-KR" altLang="en-US" dirty="0"/>
-          </a:p>
-        </p:txBody>
-      </p:sp>
-    </p:spTree>
-    <p:extLst>
-      <p:ext uri="{BB962C8B-B14F-4D97-AF65-F5344CB8AC3E}">
-        <p14:creationId xmlns:p14="http://schemas.microsoft.com/office/powerpoint/2010/main" val="100422861"/>
-      </p:ext>
-    </p:extLst>
-  </p:cSld>
-  <p:clrMapOvr>
-    <a:masterClrMapping/>
-  </p:clrMapOvr>
-</p:sld>
-</file>
-
-<file path=ppt/slides/slide10.xml><?xml version="1.0" encoding="utf-8"?>
-<p:sld xmlns:a="http://schemas.openxmlformats.org/drawingml/2006/main" xmlns:r="http://schemas.openxmlformats.org/officeDocument/2006/relationships" xmlns:p="http://schemas.openxmlformats.org/presentationml/2006/main">
-  <p:cSld>
     <p:bg>
       <p:bgPr>
         <a:solidFill>
-          <a:srgbClr val="05022F"/>
+          <a:srgbClr val="000000"/>
         </a:solidFill>
         <a:effectLst/>
       </p:bgPr>
@@ -4742,123 +3981,35 @@
           <a:chExt cx="0" cy="0"/>
         </a:xfrm>
       </p:grpSpPr>
-      <p:sp>
-        <p:nvSpPr>
-          <p:cNvPr id="2" name="제목 1"/>
-          <p:cNvSpPr>
-            <a:spLocks noGrp="1"/>
-          </p:cNvSpPr>
-          <p:nvPr>
-            <p:ph type="title"/>
-          </p:nvPr>
-        </p:nvSpPr>
-        <p:spPr/>
-        <p:txBody>
-          <a:bodyPr>
-            <a:normAutofit/>
-          </a:bodyPr>
-          <a:lstStyle/>
-          <a:p>
-            <a:pPr algn="ctr"/>
-            <a:r>
-              <a:rPr lang="ko-KR" altLang="en-US" sz="4400" dirty="0">
-                <a:solidFill>
-                  <a:schemeClr val="bg1"/>
-                </a:solidFill>
-              </a:rPr>
-              <a:t>쇼핑 기능</a:t>
-            </a:r>
-            <a:r>
-              <a:rPr lang="en-US" altLang="ko-KR" sz="4400" dirty="0">
-                <a:solidFill>
-                  <a:schemeClr val="bg1"/>
-                </a:solidFill>
-              </a:rPr>
-              <a:t>&amp;</a:t>
-            </a:r>
-            <a:r>
-              <a:rPr lang="ko-KR" altLang="en-US" sz="4400" dirty="0">
-                <a:solidFill>
-                  <a:schemeClr val="bg1"/>
-                </a:solidFill>
-              </a:rPr>
-              <a:t>리뷰 관리</a:t>
-            </a:r>
-          </a:p>
-        </p:txBody>
-      </p:sp>
       <p:pic>
         <p:nvPicPr>
-          <p:cNvPr id="4" name="내용 개체 틀 8" descr="스크린샷이(가) 표시된 사진&#10;&#10;&#10;&#10;자동 생성된 설명">
-            <a:extLst>
-              <a:ext uri="{FF2B5EF4-FFF2-40B4-BE49-F238E27FC236}">
-                <a16:creationId xmlns:a16="http://schemas.microsoft.com/office/drawing/2014/main" id="{49F20AB3-A0D8-E445-957D-6C1CF569A8C4}"/>
-              </a:ext>
-            </a:extLst>
-          </p:cNvPr>
+          <p:cNvPr id="1026" name="Picture 2" descr="C:\Users\Administrator\Downloads\icon-crop (1).gif"/>
           <p:cNvPicPr>
-            <a:picLocks noChangeAspect="1"/>
+            <a:picLocks noChangeAspect="1" noChangeArrowheads="1"/>
           </p:cNvPicPr>
           <p:nvPr/>
         </p:nvPicPr>
         <p:blipFill rotWithShape="1">
           <a:blip r:embed="rId2">
+            <a:alphaModFix amt="50000"/>
             <a:extLst>
               <a:ext uri="{28A0092B-C50C-407E-A947-70E740481C1C}">
                 <a14:useLocalDpi xmlns:a14="http://schemas.microsoft.com/office/drawing/2010/main" val="0"/>
               </a:ext>
             </a:extLst>
           </a:blip>
-          <a:srcRect l="23539" t="33410" r="26460" b="7724"/>
+          <a:srcRect t="15773" r="-1" b="9226"/>
           <a:stretch/>
-        </p:blipFill>
-        <p:spPr>
-          <a:xfrm>
-            <a:off x="3026640" y="1521793"/>
-            <a:ext cx="2874960" cy="5003551"/>
-          </a:xfrm>
-          <a:prstGeom prst="flowChartAlternateProcess">
-            <a:avLst/>
-          </a:prstGeom>
-        </p:spPr>
-      </p:pic>
-      <p:pic>
-        <p:nvPicPr>
-          <p:cNvPr id="1026" name="Picture 2" descr="C:\Users\Administrator\Downloads\menu.gif"/>
-          <p:cNvPicPr>
-            <a:picLocks noChangeAspect="1" noChangeArrowheads="1"/>
-          </p:cNvPicPr>
-          <p:nvPr/>
-        </p:nvPicPr>
-        <p:blipFill>
-          <a:blip r:embed="rId3" cstate="print">
-            <a:extLst>
-              <a:ext uri="{28A0092B-C50C-407E-A947-70E740481C1C}">
-                <a14:useLocalDpi xmlns:a14="http://schemas.microsoft.com/office/drawing/2010/main" val="0"/>
-              </a:ext>
-            </a:extLst>
-          </a:blip>
-          <a:srcRect/>
-          <a:stretch>
-            <a:fillRect/>
-          </a:stretch>
         </p:blipFill>
         <p:spPr bwMode="auto">
           <a:xfrm>
-            <a:off x="3277440" y="2144033"/>
-            <a:ext cx="2474208" cy="3635798"/>
+            <a:off x="20" y="1"/>
+            <a:ext cx="9143980" cy="6857999"/>
           </a:xfrm>
           <a:prstGeom prst="rect">
             <a:avLst/>
           </a:prstGeom>
           <a:noFill/>
-          <a:ln>
-            <a:solidFill>
-              <a:schemeClr val="bg1">
-                <a:lumMod val="50000"/>
-              </a:schemeClr>
-            </a:solidFill>
-          </a:ln>
           <a:extLst>
             <a:ext uri="{909E8E84-426E-40DD-AFC4-6F175D3DCCD1}">
               <a14:hiddenFill xmlns:a14="http://schemas.microsoft.com/office/drawing/2010/main">
@@ -4870,19 +4021,58 @@
           </a:extLst>
         </p:spPr>
       </p:pic>
+      <p:sp>
+        <p:nvSpPr>
+          <p:cNvPr id="2" name="제목 1"/>
+          <p:cNvSpPr>
+            <a:spLocks noGrp="1"/>
+          </p:cNvSpPr>
+          <p:nvPr>
+            <p:ph type="ctrTitle"/>
+          </p:nvPr>
+        </p:nvSpPr>
+        <p:spPr>
+          <a:xfrm>
+            <a:off x="1143000" y="3212976"/>
+            <a:ext cx="6858000" cy="809904"/>
+          </a:xfrm>
+        </p:spPr>
+        <p:txBody>
+          <a:bodyPr>
+            <a:noAutofit/>
+          </a:bodyPr>
+          <a:lstStyle/>
+          <a:p>
+            <a:r>
+              <a:rPr lang="ko-KR" altLang="en-US" sz="10000" dirty="0" err="1">
+                <a:solidFill>
+                  <a:srgbClr val="FFFFFF"/>
+                </a:solidFill>
+                <a:latin typeface="GulimChe" panose="020B0609000101010101" pitchFamily="49" charset="-127"/>
+                <a:ea typeface="GulimChe" panose="020B0609000101010101" pitchFamily="49" charset="-127"/>
+              </a:rPr>
+              <a:t>쏴리질러</a:t>
+            </a:r>
+            <a:endParaRPr lang="ko-KR" altLang="en-US" sz="10000" dirty="0">
+              <a:solidFill>
+                <a:srgbClr val="FFFFFF"/>
+              </a:solidFill>
+              <a:latin typeface="GulimChe" panose="020B0609000101010101" pitchFamily="49" charset="-127"/>
+              <a:ea typeface="GulimChe" panose="020B0609000101010101" pitchFamily="49" charset="-127"/>
+            </a:endParaRPr>
+          </a:p>
+        </p:txBody>
+      </p:sp>
     </p:spTree>
     <p:extLst>
       <p:ext uri="{BB962C8B-B14F-4D97-AF65-F5344CB8AC3E}">
-        <p14:creationId xmlns:p14="http://schemas.microsoft.com/office/powerpoint/2010/main" val="2127569690"/>
+        <p14:creationId xmlns:p14="http://schemas.microsoft.com/office/powerpoint/2010/main" val="1898608049"/>
       </p:ext>
     </p:extLst>
   </p:cSld>
   <p:clrMapOvr>
-    <a:masterClrMapping/>
+    <a:overrideClrMapping bg1="dk1" tx1="lt1" bg2="dk2" tx2="lt2" accent1="accent1" accent2="accent2" accent3="accent3" accent4="accent4" accent5="accent5" accent6="accent6" hlink="hlink" folHlink="folHlink"/>
   </p:clrMapOvr>
-  <p:transition spd="slow">
-    <p:wipe/>
-  </p:transition>
   <p:timing>
     <p:tnLst>
       <p:par>
@@ -4904,9 +4094,9 @@
                             </p:stCondLst>
                             <p:childTnLst>
                               <p:par>
-                                <p:cTn id="5" presetID="1" presetClass="entr" presetSubtype="0" fill="hold" grpId="0" nodeType="clickEffect">
+                                <p:cTn id="5" presetID="23" presetClass="entr" presetSubtype="16" fill="hold" grpId="0" nodeType="clickEffect">
                                   <p:stCondLst>
-                                    <p:cond delay="500"/>
+                                    <p:cond delay="0"/>
                                   </p:stCondLst>
                                   <p:childTnLst>
                                     <p:set>
@@ -4927,6 +4117,52 @@
                                         <p:strVal val="visible"/>
                                       </p:to>
                                     </p:set>
+                                    <p:anim calcmode="lin" valueType="num">
+                                      <p:cBhvr>
+                                        <p:cTn id="7" dur="500" fill="hold"/>
+                                        <p:tgtEl>
+                                          <p:spTgt spid="2"/>
+                                        </p:tgtEl>
+                                        <p:attrNameLst>
+                                          <p:attrName>ppt_w</p:attrName>
+                                        </p:attrNameLst>
+                                      </p:cBhvr>
+                                      <p:tavLst>
+                                        <p:tav tm="0">
+                                          <p:val>
+                                            <p:fltVal val="0"/>
+                                          </p:val>
+                                        </p:tav>
+                                        <p:tav tm="100000">
+                                          <p:val>
+                                            <p:strVal val="#ppt_w"/>
+                                          </p:val>
+                                        </p:tav>
+                                      </p:tavLst>
+                                    </p:anim>
+                                    <p:anim calcmode="lin" valueType="num">
+                                      <p:cBhvr>
+                                        <p:cTn id="8" dur="500" fill="hold"/>
+                                        <p:tgtEl>
+                                          <p:spTgt spid="2"/>
+                                        </p:tgtEl>
+                                        <p:attrNameLst>
+                                          <p:attrName>ppt_h</p:attrName>
+                                        </p:attrNameLst>
+                                      </p:cBhvr>
+                                      <p:tavLst>
+                                        <p:tav tm="0">
+                                          <p:val>
+                                            <p:fltVal val="0"/>
+                                          </p:val>
+                                        </p:tav>
+                                        <p:tav tm="100000">
+                                          <p:val>
+                                            <p:strVal val="#ppt_h"/>
+                                          </p:val>
+                                        </p:tav>
+                                      </p:tavLst>
+                                    </p:anim>
                                   </p:childTnLst>
                                 </p:cTn>
                               </p:par>
@@ -4964,1165 +4200,7 @@
 </p:sld>
 </file>
 
-<file path=ppt/slides/slide11.xml><?xml version="1.0" encoding="utf-8"?>
-<p:sld xmlns:a="http://schemas.openxmlformats.org/drawingml/2006/main" xmlns:r="http://schemas.openxmlformats.org/officeDocument/2006/relationships" xmlns:p="http://schemas.openxmlformats.org/presentationml/2006/main">
-  <p:cSld>
-    <p:bg>
-      <p:bgPr>
-        <a:solidFill>
-          <a:srgbClr val="05022F"/>
-        </a:solidFill>
-        <a:effectLst/>
-      </p:bgPr>
-    </p:bg>
-    <p:spTree>
-      <p:nvGrpSpPr>
-        <p:cNvPr id="1" name=""/>
-        <p:cNvGrpSpPr/>
-        <p:nvPr/>
-      </p:nvGrpSpPr>
-      <p:grpSpPr>
-        <a:xfrm>
-          <a:off x="0" y="0"/>
-          <a:ext cx="0" cy="0"/>
-          <a:chOff x="0" y="0"/>
-          <a:chExt cx="0" cy="0"/>
-        </a:xfrm>
-      </p:grpSpPr>
-      <p:pic>
-        <p:nvPicPr>
-          <p:cNvPr id="6" name="내용 개체 틀 8" descr="스크린샷이(가) 표시된 사진&#10;&#10;&#10;&#10;자동 생성된 설명">
-            <a:extLst>
-              <a:ext uri="{FF2B5EF4-FFF2-40B4-BE49-F238E27FC236}">
-                <a16:creationId xmlns:a16="http://schemas.microsoft.com/office/drawing/2014/main" id="{0E816373-5551-9F4B-951C-E3D21C53B6C8}"/>
-              </a:ext>
-            </a:extLst>
-          </p:cNvPr>
-          <p:cNvPicPr>
-            <a:picLocks noChangeAspect="1"/>
-          </p:cNvPicPr>
-          <p:nvPr/>
-        </p:nvPicPr>
-        <p:blipFill rotWithShape="1">
-          <a:blip r:embed="rId3">
-            <a:extLst>
-              <a:ext uri="{28A0092B-C50C-407E-A947-70E740481C1C}">
-                <a14:useLocalDpi xmlns:a14="http://schemas.microsoft.com/office/drawing/2010/main" val="0"/>
-              </a:ext>
-            </a:extLst>
-          </a:blip>
-          <a:srcRect l="23539" t="33410" r="26460" b="7724"/>
-          <a:stretch/>
-        </p:blipFill>
-        <p:spPr>
-          <a:xfrm>
-            <a:off x="2882892" y="1006470"/>
-            <a:ext cx="3162456" cy="5503906"/>
-          </a:xfrm>
-          <a:prstGeom prst="flowChartAlternateProcess">
-            <a:avLst/>
-          </a:prstGeom>
-        </p:spPr>
-      </p:pic>
-      <p:pic>
-        <p:nvPicPr>
-          <p:cNvPr id="5" name="내용 개체 틀 4" descr="스크린샷이(가) 표시된 사진&#10;&#10;&#10;&#10;자동 생성된 설명">
-            <a:extLst>
-              <a:ext uri="{FF2B5EF4-FFF2-40B4-BE49-F238E27FC236}">
-                <a16:creationId xmlns:a16="http://schemas.microsoft.com/office/drawing/2014/main" id="{493F555A-8FE9-6046-A7BC-6595E736DF91}"/>
-              </a:ext>
-            </a:extLst>
-          </p:cNvPr>
-          <p:cNvPicPr>
-            <a:picLocks noGrp="1" noChangeAspect="1"/>
-          </p:cNvPicPr>
-          <p:nvPr>
-            <p:ph idx="1"/>
-          </p:nvPr>
-        </p:nvPicPr>
-        <p:blipFill>
-          <a:blip r:embed="rId4" cstate="print">
-            <a:extLst>
-              <a:ext uri="{28A0092B-C50C-407E-A947-70E740481C1C}">
-                <a14:useLocalDpi xmlns:a14="http://schemas.microsoft.com/office/drawing/2010/main" val="0"/>
-              </a:ext>
-            </a:extLst>
-          </a:blip>
-          <a:stretch>
-            <a:fillRect/>
-          </a:stretch>
-        </p:blipFill>
-        <p:spPr>
-          <a:xfrm>
-            <a:off x="3153465" y="1702627"/>
-            <a:ext cx="2721629" cy="4004510"/>
-          </a:xfrm>
-          <a:ln>
-            <a:solidFill>
-              <a:schemeClr val="bg1">
-                <a:lumMod val="50000"/>
-              </a:schemeClr>
-            </a:solidFill>
-          </a:ln>
-        </p:spPr>
-      </p:pic>
-    </p:spTree>
-    <p:extLst>
-      <p:ext uri="{BB962C8B-B14F-4D97-AF65-F5344CB8AC3E}">
-        <p14:creationId xmlns:p14="http://schemas.microsoft.com/office/powerpoint/2010/main" val="1455769635"/>
-      </p:ext>
-    </p:extLst>
-  </p:cSld>
-  <p:clrMapOvr>
-    <a:masterClrMapping/>
-  </p:clrMapOvr>
-  <p:transition spd="slow">
-    <p:wipe/>
-  </p:transition>
-</p:sld>
-</file>
-
-<file path=ppt/slides/slide12.xml><?xml version="1.0" encoding="utf-8"?>
-<p:sld xmlns:a="http://schemas.openxmlformats.org/drawingml/2006/main" xmlns:r="http://schemas.openxmlformats.org/officeDocument/2006/relationships" xmlns:p="http://schemas.openxmlformats.org/presentationml/2006/main">
-  <p:cSld>
-    <p:bg>
-      <p:bgPr>
-        <a:solidFill>
-          <a:srgbClr val="05022F"/>
-        </a:solidFill>
-        <a:effectLst/>
-      </p:bgPr>
-    </p:bg>
-    <p:spTree>
-      <p:nvGrpSpPr>
-        <p:cNvPr id="1" name=""/>
-        <p:cNvGrpSpPr/>
-        <p:nvPr/>
-      </p:nvGrpSpPr>
-      <p:grpSpPr>
-        <a:xfrm>
-          <a:off x="0" y="0"/>
-          <a:ext cx="0" cy="0"/>
-          <a:chOff x="0" y="0"/>
-          <a:chExt cx="0" cy="0"/>
-        </a:xfrm>
-      </p:grpSpPr>
-      <p:sp>
-        <p:nvSpPr>
-          <p:cNvPr id="2" name="제목 1"/>
-          <p:cNvSpPr>
-            <a:spLocks noGrp="1"/>
-          </p:cNvSpPr>
-          <p:nvPr>
-            <p:ph type="title"/>
-          </p:nvPr>
-        </p:nvSpPr>
-        <p:spPr/>
-        <p:txBody>
-          <a:bodyPr>
-            <a:normAutofit/>
-          </a:bodyPr>
-          <a:lstStyle/>
-          <a:p>
-            <a:pPr algn="ctr"/>
-            <a:r>
-              <a:rPr lang="ko-KR" altLang="en-US" sz="4400" dirty="0">
-                <a:solidFill>
-                  <a:schemeClr val="bg1"/>
-                </a:solidFill>
-              </a:rPr>
-              <a:t>정기배송 </a:t>
-            </a:r>
-            <a:r>
-              <a:rPr lang="en-US" altLang="ko-KR" sz="4400" dirty="0">
-                <a:solidFill>
-                  <a:schemeClr val="bg1"/>
-                </a:solidFill>
-              </a:rPr>
-              <a:t>&amp; </a:t>
-            </a:r>
-            <a:r>
-              <a:rPr lang="ko-KR" altLang="en-US" sz="4400" dirty="0">
-                <a:solidFill>
-                  <a:schemeClr val="bg1"/>
-                </a:solidFill>
-              </a:rPr>
-              <a:t>잔여 마스크 수</a:t>
-            </a:r>
-          </a:p>
-        </p:txBody>
-      </p:sp>
-      <p:pic>
-        <p:nvPicPr>
-          <p:cNvPr id="4" name="내용 개체 틀 8" descr="스크린샷이(가) 표시된 사진&#10;&#10;&#10;&#10;자동 생성된 설명">
-            <a:extLst>
-              <a:ext uri="{FF2B5EF4-FFF2-40B4-BE49-F238E27FC236}">
-                <a16:creationId xmlns:a16="http://schemas.microsoft.com/office/drawing/2014/main" id="{49F20AB3-A0D8-E445-957D-6C1CF569A8C4}"/>
-              </a:ext>
-            </a:extLst>
-          </p:cNvPr>
-          <p:cNvPicPr>
-            <a:picLocks noChangeAspect="1"/>
-          </p:cNvPicPr>
-          <p:nvPr/>
-        </p:nvPicPr>
-        <p:blipFill rotWithShape="1">
-          <a:blip r:embed="rId2">
-            <a:extLst>
-              <a:ext uri="{28A0092B-C50C-407E-A947-70E740481C1C}">
-                <a14:useLocalDpi xmlns:a14="http://schemas.microsoft.com/office/drawing/2010/main" val="0"/>
-              </a:ext>
-            </a:extLst>
-          </a:blip>
-          <a:srcRect l="23539" t="33410" r="26460" b="7724"/>
-          <a:stretch/>
-        </p:blipFill>
-        <p:spPr>
-          <a:xfrm>
-            <a:off x="5868408" y="1690840"/>
-            <a:ext cx="2376000" cy="4135166"/>
-          </a:xfrm>
-          <a:prstGeom prst="flowChartAlternateProcess">
-            <a:avLst/>
-          </a:prstGeom>
-        </p:spPr>
-      </p:pic>
-      <p:pic>
-        <p:nvPicPr>
-          <p:cNvPr id="1026" name="Picture 2" descr="C:\Users\Administrator\Downloads\menu.gif"/>
-          <p:cNvPicPr>
-            <a:picLocks noChangeAspect="1" noChangeArrowheads="1"/>
-          </p:cNvPicPr>
-          <p:nvPr/>
-        </p:nvPicPr>
-        <p:blipFill>
-          <a:blip r:embed="rId3" cstate="print">
-            <a:extLst>
-              <a:ext uri="{28A0092B-C50C-407E-A947-70E740481C1C}">
-                <a14:useLocalDpi xmlns:a14="http://schemas.microsoft.com/office/drawing/2010/main" val="0"/>
-              </a:ext>
-            </a:extLst>
-          </a:blip>
-          <a:srcRect/>
-          <a:stretch>
-            <a:fillRect/>
-          </a:stretch>
-        </p:blipFill>
-        <p:spPr bwMode="auto">
-          <a:xfrm>
-            <a:off x="6084432" y="2194391"/>
-            <a:ext cx="2044800" cy="3004792"/>
-          </a:xfrm>
-          <a:prstGeom prst="rect">
-            <a:avLst/>
-          </a:prstGeom>
-          <a:noFill/>
-          <a:ln>
-            <a:solidFill>
-              <a:schemeClr val="bg1">
-                <a:lumMod val="50000"/>
-              </a:schemeClr>
-            </a:solidFill>
-          </a:ln>
-          <a:extLst>
-            <a:ext uri="{909E8E84-426E-40DD-AFC4-6F175D3DCCD1}">
-              <a14:hiddenFill xmlns:a14="http://schemas.microsoft.com/office/drawing/2010/main">
-                <a:solidFill>
-                  <a:srgbClr val="FFFFFF"/>
-                </a:solidFill>
-              </a14:hiddenFill>
-            </a:ext>
-          </a:extLst>
-        </p:spPr>
-      </p:pic>
-      <p:grpSp>
-        <p:nvGrpSpPr>
-          <p:cNvPr id="6" name="그룹 5"/>
-          <p:cNvGrpSpPr/>
-          <p:nvPr/>
-        </p:nvGrpSpPr>
-        <p:grpSpPr>
-          <a:xfrm>
-            <a:off x="434240" y="2204864"/>
-            <a:ext cx="4641816" cy="4176464"/>
-            <a:chOff x="434240" y="2204864"/>
-            <a:chExt cx="4641816" cy="4176464"/>
-          </a:xfrm>
-        </p:grpSpPr>
-        <p:pic>
-          <p:nvPicPr>
-            <p:cNvPr id="2050" name="Picture 2" descr="C:\Users\Administrator\Downloads\icon-crop (1).gif"/>
-            <p:cNvPicPr>
-              <a:picLocks noChangeAspect="1" noChangeArrowheads="1"/>
-            </p:cNvPicPr>
-            <p:nvPr/>
-          </p:nvPicPr>
-          <p:blipFill>
-            <a:blip r:embed="rId4" cstate="print">
-              <a:extLst>
-                <a:ext uri="{28A0092B-C50C-407E-A947-70E740481C1C}">
-                  <a14:useLocalDpi xmlns:a14="http://schemas.microsoft.com/office/drawing/2010/main" val="0"/>
-                </a:ext>
-              </a:extLst>
-            </a:blip>
-            <a:srcRect/>
-            <a:stretch>
-              <a:fillRect/>
-            </a:stretch>
-          </p:blipFill>
-          <p:spPr bwMode="auto">
-            <a:xfrm>
-              <a:off x="2123848" y="5013176"/>
-              <a:ext cx="1080000" cy="1080000"/>
-            </a:xfrm>
-            <a:prstGeom prst="rect">
-              <a:avLst/>
-            </a:prstGeom>
-            <a:noFill/>
-            <a:extLst>
-              <a:ext uri="{909E8E84-426E-40DD-AFC4-6F175D3DCCD1}">
-                <a14:hiddenFill xmlns:a14="http://schemas.microsoft.com/office/drawing/2010/main">
-                  <a:solidFill>
-                    <a:srgbClr val="FFFFFF"/>
-                  </a:solidFill>
-                </a14:hiddenFill>
-              </a:ext>
-            </a:extLst>
-          </p:spPr>
-        </p:pic>
-        <p:pic>
-          <p:nvPicPr>
-            <p:cNvPr id="1028" name="Picture 4" descr="C:\Users\Administrator\Documents\아이디어톤\집.png"/>
-            <p:cNvPicPr>
-              <a:picLocks noChangeAspect="1" noChangeArrowheads="1"/>
-            </p:cNvPicPr>
-            <p:nvPr/>
-          </p:nvPicPr>
-          <p:blipFill>
-            <a:blip r:embed="rId5">
-              <a:extLst>
-                <a:ext uri="{28A0092B-C50C-407E-A947-70E740481C1C}">
-                  <a14:useLocalDpi xmlns:a14="http://schemas.microsoft.com/office/drawing/2010/main" val="0"/>
-                </a:ext>
-              </a:extLst>
-            </a:blip>
-            <a:srcRect/>
-            <a:stretch>
-              <a:fillRect/>
-            </a:stretch>
-          </p:blipFill>
-          <p:spPr bwMode="auto">
-            <a:xfrm>
-              <a:off x="434240" y="3117344"/>
-              <a:ext cx="1463783" cy="1463783"/>
-            </a:xfrm>
-            <a:prstGeom prst="rect">
-              <a:avLst/>
-            </a:prstGeom>
-            <a:noFill/>
-            <a:extLst>
-              <a:ext uri="{909E8E84-426E-40DD-AFC4-6F175D3DCCD1}">
-                <a14:hiddenFill xmlns:a14="http://schemas.microsoft.com/office/drawing/2010/main">
-                  <a:solidFill>
-                    <a:srgbClr val="FFFFFF"/>
-                  </a:solidFill>
-                </a14:hiddenFill>
-              </a:ext>
-            </a:extLst>
-          </p:spPr>
-        </p:pic>
-        <p:pic>
-          <p:nvPicPr>
-            <p:cNvPr id="1029" name="Picture 5" descr="C:\Users\Administrator\Documents\아이디어톤\33407794-건물-아이콘.jpg"/>
-            <p:cNvPicPr>
-              <a:picLocks noChangeAspect="1" noChangeArrowheads="1"/>
-            </p:cNvPicPr>
-            <p:nvPr/>
-          </p:nvPicPr>
-          <p:blipFill rotWithShape="1">
-            <a:blip r:embed="rId6" cstate="print">
-              <a:extLst>
-                <a:ext uri="{28A0092B-C50C-407E-A947-70E740481C1C}">
-                  <a14:useLocalDpi xmlns:a14="http://schemas.microsoft.com/office/drawing/2010/main" val="0"/>
-                </a:ext>
-              </a:extLst>
-            </a:blip>
-            <a:srcRect l="65557" b="60440"/>
-            <a:stretch/>
-          </p:blipFill>
-          <p:spPr bwMode="auto">
-            <a:xfrm>
-              <a:off x="3424688" y="2852935"/>
-              <a:ext cx="1651368" cy="1867842"/>
-            </a:xfrm>
-            <a:prstGeom prst="rect">
-              <a:avLst/>
-            </a:prstGeom>
-            <a:noFill/>
-            <a:extLst>
-              <a:ext uri="{909E8E84-426E-40DD-AFC4-6F175D3DCCD1}">
-                <a14:hiddenFill xmlns:a14="http://schemas.microsoft.com/office/drawing/2010/main">
-                  <a:solidFill>
-                    <a:srgbClr val="FFFFFF"/>
-                  </a:solidFill>
-                </a14:hiddenFill>
-              </a:ext>
-            </a:extLst>
-          </p:spPr>
-        </p:pic>
-        <p:sp>
-          <p:nvSpPr>
-            <p:cNvPr id="10" name="U자형 화살표 9"/>
-            <p:cNvSpPr/>
-            <p:nvPr/>
-          </p:nvSpPr>
-          <p:spPr>
-            <a:xfrm>
-              <a:off x="1187624" y="2564903"/>
-              <a:ext cx="2988000" cy="468000"/>
-            </a:xfrm>
-            <a:prstGeom prst="uturnArrow">
-              <a:avLst>
-                <a:gd name="adj1" fmla="val 6596"/>
-                <a:gd name="adj2" fmla="val 25000"/>
-                <a:gd name="adj3" fmla="val 25000"/>
-                <a:gd name="adj4" fmla="val 50000"/>
-                <a:gd name="adj5" fmla="val 100000"/>
-              </a:avLst>
-            </a:prstGeom>
-            <a:solidFill>
-              <a:srgbClr val="626262"/>
-            </a:solidFill>
-            <a:ln>
-              <a:solidFill>
-                <a:srgbClr val="626262"/>
-              </a:solidFill>
-            </a:ln>
-          </p:spPr>
-          <p:style>
-            <a:lnRef idx="2">
-              <a:schemeClr val="accent1">
-                <a:shade val="50000"/>
-              </a:schemeClr>
-            </a:lnRef>
-            <a:fillRef idx="1">
-              <a:schemeClr val="accent1"/>
-            </a:fillRef>
-            <a:effectRef idx="0">
-              <a:schemeClr val="accent1"/>
-            </a:effectRef>
-            <a:fontRef idx="minor">
-              <a:schemeClr val="lt1"/>
-            </a:fontRef>
-          </p:style>
-          <p:txBody>
-            <a:bodyPr rtlCol="0" anchor="ctr"/>
-            <a:lstStyle/>
-            <a:p>
-              <a:pPr algn="ctr"/>
-              <a:endParaRPr lang="ko-KR" altLang="en-US">
-                <a:solidFill>
-                  <a:schemeClr val="tx1"/>
-                </a:solidFill>
-              </a:endParaRPr>
-            </a:p>
-          </p:txBody>
-        </p:sp>
-        <p:sp>
-          <p:nvSpPr>
-            <p:cNvPr id="19" name="U자형 화살표 18"/>
-            <p:cNvSpPr/>
-            <p:nvPr/>
-          </p:nvSpPr>
-          <p:spPr>
-            <a:xfrm rot="10800000">
-              <a:off x="1151952" y="4689191"/>
-              <a:ext cx="2988000" cy="468000"/>
-            </a:xfrm>
-            <a:prstGeom prst="uturnArrow">
-              <a:avLst>
-                <a:gd name="adj1" fmla="val 6596"/>
-                <a:gd name="adj2" fmla="val 25000"/>
-                <a:gd name="adj3" fmla="val 25000"/>
-                <a:gd name="adj4" fmla="val 50000"/>
-                <a:gd name="adj5" fmla="val 100000"/>
-              </a:avLst>
-            </a:prstGeom>
-            <a:solidFill>
-              <a:srgbClr val="626262"/>
-            </a:solidFill>
-            <a:ln>
-              <a:solidFill>
-                <a:srgbClr val="626262"/>
-              </a:solidFill>
-            </a:ln>
-          </p:spPr>
-          <p:style>
-            <a:lnRef idx="2">
-              <a:schemeClr val="accent1">
-                <a:shade val="50000"/>
-              </a:schemeClr>
-            </a:lnRef>
-            <a:fillRef idx="1">
-              <a:schemeClr val="accent1"/>
-            </a:fillRef>
-            <a:effectRef idx="0">
-              <a:schemeClr val="accent1"/>
-            </a:effectRef>
-            <a:fontRef idx="minor">
-              <a:schemeClr val="lt1"/>
-            </a:fontRef>
-          </p:style>
-          <p:txBody>
-            <a:bodyPr rtlCol="0" anchor="ctr"/>
-            <a:lstStyle/>
-            <a:p>
-              <a:pPr algn="ctr"/>
-              <a:endParaRPr lang="ko-KR" altLang="en-US">
-                <a:solidFill>
-                  <a:schemeClr val="tx1"/>
-                </a:solidFill>
-              </a:endParaRPr>
-            </a:p>
-          </p:txBody>
-        </p:sp>
-        <p:sp>
-          <p:nvSpPr>
-            <p:cNvPr id="3" name="TextBox 2"/>
-            <p:cNvSpPr txBox="1"/>
-            <p:nvPr/>
-          </p:nvSpPr>
-          <p:spPr>
-            <a:xfrm>
-              <a:off x="2123848" y="6088940"/>
-              <a:ext cx="1080000" cy="292388"/>
-            </a:xfrm>
-            <a:prstGeom prst="rect">
-              <a:avLst/>
-            </a:prstGeom>
-            <a:noFill/>
-          </p:spPr>
-          <p:txBody>
-            <a:bodyPr wrap="square" rtlCol="0">
-              <a:spAutoFit/>
-            </a:bodyPr>
-            <a:lstStyle/>
-            <a:p>
-              <a:r>
-                <a:rPr lang="ko-KR" altLang="en-US" sz="1300" dirty="0">
-                  <a:solidFill>
-                    <a:schemeClr val="bg1"/>
-                  </a:solidFill>
-                </a:rPr>
-                <a:t>마스크 배송</a:t>
-              </a:r>
-            </a:p>
-          </p:txBody>
-        </p:sp>
-        <p:sp>
-          <p:nvSpPr>
-            <p:cNvPr id="5" name="TextBox 4"/>
-            <p:cNvSpPr txBox="1"/>
-            <p:nvPr/>
-          </p:nvSpPr>
-          <p:spPr>
-            <a:xfrm>
-              <a:off x="1979712" y="2204864"/>
-              <a:ext cx="1944216" cy="323165"/>
-            </a:xfrm>
-            <a:prstGeom prst="rect">
-              <a:avLst/>
-            </a:prstGeom>
-            <a:noFill/>
-          </p:spPr>
-          <p:txBody>
-            <a:bodyPr wrap="square" rtlCol="0">
-              <a:spAutoFit/>
-            </a:bodyPr>
-            <a:lstStyle/>
-            <a:p>
-              <a:r>
-                <a:rPr lang="ko-KR" altLang="en-US" sz="1500" dirty="0">
-                  <a:solidFill>
-                    <a:schemeClr val="bg1"/>
-                  </a:solidFill>
-                </a:rPr>
-                <a:t>남은 마스크 수</a:t>
-              </a:r>
-            </a:p>
-          </p:txBody>
-        </p:sp>
-      </p:grpSp>
-    </p:spTree>
-    <p:extLst>
-      <p:ext uri="{BB962C8B-B14F-4D97-AF65-F5344CB8AC3E}">
-        <p14:creationId xmlns:p14="http://schemas.microsoft.com/office/powerpoint/2010/main" val="1049161184"/>
-      </p:ext>
-    </p:extLst>
-  </p:cSld>
-  <p:clrMapOvr>
-    <a:masterClrMapping/>
-  </p:clrMapOvr>
-  <p:transition spd="slow">
-    <p:wipe/>
-  </p:transition>
-</p:sld>
-</file>
-
-<file path=ppt/slides/slide13.xml><?xml version="1.0" encoding="utf-8"?>
-<p:sld xmlns:a="http://schemas.openxmlformats.org/drawingml/2006/main" xmlns:r="http://schemas.openxmlformats.org/officeDocument/2006/relationships" xmlns:p="http://schemas.openxmlformats.org/presentationml/2006/main">
-  <p:cSld>
-    <p:bg>
-      <p:bgPr>
-        <a:solidFill>
-          <a:srgbClr val="05022F"/>
-        </a:solidFill>
-        <a:effectLst/>
-      </p:bgPr>
-    </p:bg>
-    <p:spTree>
-      <p:nvGrpSpPr>
-        <p:cNvPr id="1" name=""/>
-        <p:cNvGrpSpPr/>
-        <p:nvPr/>
-      </p:nvGrpSpPr>
-      <p:grpSpPr>
-        <a:xfrm>
-          <a:off x="0" y="0"/>
-          <a:ext cx="0" cy="0"/>
-          <a:chOff x="0" y="0"/>
-          <a:chExt cx="0" cy="0"/>
-        </a:xfrm>
-      </p:grpSpPr>
-      <p:sp>
-        <p:nvSpPr>
-          <p:cNvPr id="2" name="제목 1"/>
-          <p:cNvSpPr>
-            <a:spLocks noGrp="1"/>
-          </p:cNvSpPr>
-          <p:nvPr>
-            <p:ph type="title"/>
-          </p:nvPr>
-        </p:nvSpPr>
-        <p:spPr/>
-        <p:txBody>
-          <a:bodyPr>
-            <a:normAutofit/>
-          </a:bodyPr>
-          <a:lstStyle/>
-          <a:p>
-            <a:pPr algn="ctr"/>
-            <a:r>
-              <a:rPr lang="ko-KR" altLang="en-US" sz="4400" dirty="0" err="1">
-                <a:solidFill>
-                  <a:schemeClr val="bg1"/>
-                </a:solidFill>
-              </a:rPr>
-              <a:t>알람</a:t>
-            </a:r>
-            <a:r>
-              <a:rPr lang="ko-KR" altLang="en-US" sz="4400" dirty="0">
-                <a:solidFill>
-                  <a:schemeClr val="bg1"/>
-                </a:solidFill>
-              </a:rPr>
-              <a:t> 설정 기능</a:t>
-            </a:r>
-          </a:p>
-        </p:txBody>
-      </p:sp>
-      <p:pic>
-        <p:nvPicPr>
-          <p:cNvPr id="4" name="내용 개체 틀 8" descr="스크린샷이(가) 표시된 사진&#10;&#10;&#10;&#10;자동 생성된 설명">
-            <a:extLst>
-              <a:ext uri="{FF2B5EF4-FFF2-40B4-BE49-F238E27FC236}">
-                <a16:creationId xmlns:a16="http://schemas.microsoft.com/office/drawing/2014/main" id="{49F20AB3-A0D8-E445-957D-6C1CF569A8C4}"/>
-              </a:ext>
-            </a:extLst>
-          </p:cNvPr>
-          <p:cNvPicPr>
-            <a:picLocks noChangeAspect="1"/>
-          </p:cNvPicPr>
-          <p:nvPr/>
-        </p:nvPicPr>
-        <p:blipFill rotWithShape="1">
-          <a:blip r:embed="rId3">
-            <a:extLst>
-              <a:ext uri="{28A0092B-C50C-407E-A947-70E740481C1C}">
-                <a14:useLocalDpi xmlns:a14="http://schemas.microsoft.com/office/drawing/2010/main" val="0"/>
-              </a:ext>
-            </a:extLst>
-          </a:blip>
-          <a:srcRect l="23539" t="33410" r="26460" b="7724"/>
-          <a:stretch/>
-        </p:blipFill>
-        <p:spPr>
-          <a:xfrm>
-            <a:off x="3065192" y="1449785"/>
-            <a:ext cx="2874960" cy="5003551"/>
-          </a:xfrm>
-          <a:prstGeom prst="flowChartAlternateProcess">
-            <a:avLst/>
-          </a:prstGeom>
-        </p:spPr>
-      </p:pic>
-      <p:pic>
-        <p:nvPicPr>
-          <p:cNvPr id="1026" name="Picture 2" descr="C:\Users\Administrator\Downloads\menu.gif"/>
-          <p:cNvPicPr>
-            <a:picLocks noChangeAspect="1" noChangeArrowheads="1"/>
-          </p:cNvPicPr>
-          <p:nvPr/>
-        </p:nvPicPr>
-        <p:blipFill>
-          <a:blip r:embed="rId4" cstate="print">
-            <a:extLst>
-              <a:ext uri="{28A0092B-C50C-407E-A947-70E740481C1C}">
-                <a14:useLocalDpi xmlns:a14="http://schemas.microsoft.com/office/drawing/2010/main" val="0"/>
-              </a:ext>
-            </a:extLst>
-          </a:blip>
-          <a:srcRect/>
-          <a:stretch>
-            <a:fillRect/>
-          </a:stretch>
-        </p:blipFill>
-        <p:spPr bwMode="auto">
-          <a:xfrm>
-            <a:off x="3315992" y="2072025"/>
-            <a:ext cx="2474345" cy="3636000"/>
-          </a:xfrm>
-          <a:prstGeom prst="rect">
-            <a:avLst/>
-          </a:prstGeom>
-          <a:noFill/>
-          <a:ln>
-            <a:solidFill>
-              <a:schemeClr val="bg1">
-                <a:lumMod val="50000"/>
-              </a:schemeClr>
-            </a:solidFill>
-          </a:ln>
-          <a:extLst>
-            <a:ext uri="{909E8E84-426E-40DD-AFC4-6F175D3DCCD1}">
-              <a14:hiddenFill xmlns:a14="http://schemas.microsoft.com/office/drawing/2010/main">
-                <a:solidFill>
-                  <a:srgbClr val="FFFFFF"/>
-                </a:solidFill>
-              </a14:hiddenFill>
-            </a:ext>
-          </a:extLst>
-        </p:spPr>
-      </p:pic>
-      <p:pic>
-        <p:nvPicPr>
-          <p:cNvPr id="5" name="그림 4" descr="실내이(가) 표시된 사진&#10;&#10;&#10;&#10;자동 생성된 설명">
-            <a:extLst>
-              <a:ext uri="{FF2B5EF4-FFF2-40B4-BE49-F238E27FC236}">
-                <a16:creationId xmlns:a16="http://schemas.microsoft.com/office/drawing/2014/main" id="{9E7717B7-90BA-3F4B-9BB0-475AC09E75EA}"/>
-              </a:ext>
-            </a:extLst>
-          </p:cNvPr>
-          <p:cNvPicPr>
-            <a:picLocks/>
-          </p:cNvPicPr>
-          <p:nvPr/>
-        </p:nvPicPr>
-        <p:blipFill>
-          <a:blip r:embed="rId5" cstate="print">
-            <a:extLst>
-              <a:ext uri="{28A0092B-C50C-407E-A947-70E740481C1C}">
-                <a14:useLocalDpi xmlns:a14="http://schemas.microsoft.com/office/drawing/2010/main" val="0"/>
-              </a:ext>
-            </a:extLst>
-          </a:blip>
-          <a:stretch>
-            <a:fillRect/>
-          </a:stretch>
-        </p:blipFill>
-        <p:spPr>
-          <a:xfrm>
-            <a:off x="3315992" y="2054844"/>
-            <a:ext cx="2474208" cy="3636000"/>
-          </a:xfrm>
-          <a:prstGeom prst="rect">
-            <a:avLst/>
-          </a:prstGeom>
-          <a:ln>
-            <a:solidFill>
-              <a:schemeClr val="bg1">
-                <a:lumMod val="50000"/>
-              </a:schemeClr>
-            </a:solidFill>
-          </a:ln>
-        </p:spPr>
-      </p:pic>
-    </p:spTree>
-    <p:extLst>
-      <p:ext uri="{BB962C8B-B14F-4D97-AF65-F5344CB8AC3E}">
-        <p14:creationId xmlns:p14="http://schemas.microsoft.com/office/powerpoint/2010/main" val="3212548607"/>
-      </p:ext>
-    </p:extLst>
-  </p:cSld>
-  <p:clrMapOvr>
-    <a:masterClrMapping/>
-  </p:clrMapOvr>
-  <p:transition spd="slow">
-    <p:wipe/>
-  </p:transition>
-  <p:timing>
-    <p:tnLst>
-      <p:par>
-        <p:cTn id="1" dur="indefinite" restart="never" nodeType="tmRoot">
-          <p:childTnLst>
-            <p:seq concurrent="1" nextAc="seek">
-              <p:cTn id="2" dur="indefinite" nodeType="mainSeq">
-                <p:childTnLst>
-                  <p:par>
-                    <p:cTn id="3" fill="hold">
-                      <p:stCondLst>
-                        <p:cond delay="indefinite"/>
-                      </p:stCondLst>
-                      <p:childTnLst>
-                        <p:par>
-                          <p:cTn id="4" fill="hold">
-                            <p:stCondLst>
-                              <p:cond delay="0"/>
-                            </p:stCondLst>
-                            <p:childTnLst>
-                              <p:par>
-                                <p:cTn id="5" presetID="1" presetClass="entr" presetSubtype="0" fill="hold" nodeType="clickEffect">
-                                  <p:stCondLst>
-                                    <p:cond delay="500"/>
-                                  </p:stCondLst>
-                                  <p:childTnLst>
-                                    <p:set>
-                                      <p:cBhvr>
-                                        <p:cTn id="6" dur="1" fill="hold">
-                                          <p:stCondLst>
-                                            <p:cond delay="0"/>
-                                          </p:stCondLst>
-                                        </p:cTn>
-                                        <p:tgtEl>
-                                          <p:spTgt spid="5"/>
-                                        </p:tgtEl>
-                                        <p:attrNameLst>
-                                          <p:attrName>style.visibility</p:attrName>
-                                        </p:attrNameLst>
-                                      </p:cBhvr>
-                                      <p:to>
-                                        <p:strVal val="visible"/>
-                                      </p:to>
-                                    </p:set>
-                                  </p:childTnLst>
-                                </p:cTn>
-                              </p:par>
-                            </p:childTnLst>
-                          </p:cTn>
-                        </p:par>
-                      </p:childTnLst>
-                    </p:cTn>
-                  </p:par>
-                </p:childTnLst>
-              </p:cTn>
-              <p:prevCondLst>
-                <p:cond evt="onPrev" delay="0">
-                  <p:tgtEl>
-                    <p:sldTgt/>
-                  </p:tgtEl>
-                </p:cond>
-              </p:prevCondLst>
-              <p:nextCondLst>
-                <p:cond evt="onNext" delay="0">
-                  <p:tgtEl>
-                    <p:sldTgt/>
-                  </p:tgtEl>
-                </p:cond>
-              </p:nextCondLst>
-            </p:seq>
-          </p:childTnLst>
-        </p:cTn>
-      </p:par>
-    </p:tnLst>
-  </p:timing>
-</p:sld>
-</file>
-
-<file path=ppt/slides/slide14.xml><?xml version="1.0" encoding="utf-8"?>
-<p:sld xmlns:a="http://schemas.openxmlformats.org/drawingml/2006/main" xmlns:r="http://schemas.openxmlformats.org/officeDocument/2006/relationships" xmlns:p="http://schemas.openxmlformats.org/presentationml/2006/main">
-  <p:cSld>
-    <p:bg>
-      <p:bgPr>
-        <a:solidFill>
-          <a:srgbClr val="05022F"/>
-        </a:solidFill>
-        <a:effectLst/>
-      </p:bgPr>
-    </p:bg>
-    <p:spTree>
-      <p:nvGrpSpPr>
-        <p:cNvPr id="1" name=""/>
-        <p:cNvGrpSpPr/>
-        <p:nvPr/>
-      </p:nvGrpSpPr>
-      <p:grpSpPr>
-        <a:xfrm>
-          <a:off x="0" y="0"/>
-          <a:ext cx="0" cy="0"/>
-          <a:chOff x="0" y="0"/>
-          <a:chExt cx="0" cy="0"/>
-        </a:xfrm>
-      </p:grpSpPr>
-      <p:sp>
-        <p:nvSpPr>
-          <p:cNvPr id="2" name="제목 1">
-            <a:extLst>
-              <a:ext uri="{FF2B5EF4-FFF2-40B4-BE49-F238E27FC236}">
-                <a16:creationId xmlns:a16="http://schemas.microsoft.com/office/drawing/2014/main" id="{B3E67219-9E56-B643-8AAD-21B8A41E8B0B}"/>
-              </a:ext>
-            </a:extLst>
-          </p:cNvPr>
-          <p:cNvSpPr>
-            <a:spLocks noGrp="1"/>
-          </p:cNvSpPr>
-          <p:nvPr>
-            <p:ph type="title"/>
-          </p:nvPr>
-        </p:nvSpPr>
-        <p:spPr/>
-        <p:txBody>
-          <a:bodyPr>
-            <a:normAutofit/>
-          </a:bodyPr>
-          <a:lstStyle/>
-          <a:p>
-            <a:pPr algn="ctr"/>
-            <a:r>
-              <a:rPr kumimoji="1" lang="ko-KR" altLang="en-US" sz="4400" dirty="0">
-                <a:solidFill>
-                  <a:schemeClr val="bg1"/>
-                </a:solidFill>
-              </a:rPr>
-              <a:t>부가 기능</a:t>
-            </a:r>
-          </a:p>
-        </p:txBody>
-      </p:sp>
-      <p:sp>
-        <p:nvSpPr>
-          <p:cNvPr id="3" name="내용 개체 틀 2">
-            <a:extLst>
-              <a:ext uri="{FF2B5EF4-FFF2-40B4-BE49-F238E27FC236}">
-                <a16:creationId xmlns:a16="http://schemas.microsoft.com/office/drawing/2014/main" id="{FC1989A7-4B97-174F-8433-BD11ABAAE8E6}"/>
-              </a:ext>
-            </a:extLst>
-          </p:cNvPr>
-          <p:cNvSpPr>
-            <a:spLocks noGrp="1"/>
-          </p:cNvSpPr>
-          <p:nvPr>
-            <p:ph idx="1"/>
-          </p:nvPr>
-        </p:nvSpPr>
-        <p:spPr/>
-        <p:txBody>
-          <a:bodyPr/>
-          <a:lstStyle/>
-          <a:p>
-            <a:pPr marL="0" indent="0">
-              <a:buNone/>
-            </a:pPr>
-            <a:r>
-              <a:rPr lang="ko-KR" altLang="en-US" dirty="0">
-                <a:solidFill>
-                  <a:schemeClr val="bg1"/>
-                </a:solidFill>
-              </a:rPr>
-              <a:t>로딩 시간에 미세먼지 위험성 문구 </a:t>
-            </a:r>
-          </a:p>
-          <a:p>
-            <a:pPr marL="0" indent="0">
-              <a:buNone/>
-            </a:pPr>
-            <a:endParaRPr kumimoji="1" lang="ko-KR" altLang="en-US" dirty="0"/>
-          </a:p>
-        </p:txBody>
-      </p:sp>
-      <p:pic>
-        <p:nvPicPr>
-          <p:cNvPr id="5" name="그림 4">
-            <a:extLst>
-              <a:ext uri="{FF2B5EF4-FFF2-40B4-BE49-F238E27FC236}">
-                <a16:creationId xmlns:a16="http://schemas.microsoft.com/office/drawing/2014/main" id="{0B8D02C7-3554-A64D-8604-F2FBCC4E8C93}"/>
-              </a:ext>
-            </a:extLst>
-          </p:cNvPr>
-          <p:cNvPicPr>
-            <a:picLocks noChangeAspect="1"/>
-          </p:cNvPicPr>
-          <p:nvPr/>
-        </p:nvPicPr>
-        <p:blipFill>
-          <a:blip r:embed="rId2">
-            <a:extLst>
-              <a:ext uri="{28A0092B-C50C-407E-A947-70E740481C1C}">
-                <a14:useLocalDpi xmlns:a14="http://schemas.microsoft.com/office/drawing/2010/main" val="0"/>
-              </a:ext>
-            </a:extLst>
-          </a:blip>
-          <a:stretch>
-            <a:fillRect/>
-          </a:stretch>
-        </p:blipFill>
-        <p:spPr>
-          <a:xfrm>
-            <a:off x="3333594" y="2378115"/>
-            <a:ext cx="2730680" cy="4205247"/>
-          </a:xfrm>
-          <a:prstGeom prst="rect">
-            <a:avLst/>
-          </a:prstGeom>
-        </p:spPr>
-      </p:pic>
-    </p:spTree>
-    <p:extLst>
-      <p:ext uri="{BB962C8B-B14F-4D97-AF65-F5344CB8AC3E}">
-        <p14:creationId xmlns:p14="http://schemas.microsoft.com/office/powerpoint/2010/main" val="1681394064"/>
-      </p:ext>
-    </p:extLst>
-  </p:cSld>
-  <p:clrMapOvr>
-    <a:masterClrMapping/>
-  </p:clrMapOvr>
-  <p:transition spd="slow">
-    <p:wipe/>
-  </p:transition>
-</p:sld>
-</file>
-
-<file path=ppt/slides/slide15.xml><?xml version="1.0" encoding="utf-8"?>
-<p:sld xmlns:a="http://schemas.openxmlformats.org/drawingml/2006/main" xmlns:r="http://schemas.openxmlformats.org/officeDocument/2006/relationships" xmlns:p="http://schemas.openxmlformats.org/presentationml/2006/main">
-  <p:cSld>
-    <p:bg>
-      <p:bgPr>
-        <a:solidFill>
-          <a:srgbClr val="05022F"/>
-        </a:solidFill>
-        <a:effectLst/>
-      </p:bgPr>
-    </p:bg>
-    <p:spTree>
-      <p:nvGrpSpPr>
-        <p:cNvPr id="1" name=""/>
-        <p:cNvGrpSpPr/>
-        <p:nvPr/>
-      </p:nvGrpSpPr>
-      <p:grpSpPr>
-        <a:xfrm>
-          <a:off x="0" y="0"/>
-          <a:ext cx="0" cy="0"/>
-          <a:chOff x="0" y="0"/>
-          <a:chExt cx="0" cy="0"/>
-        </a:xfrm>
-      </p:grpSpPr>
-      <p:sp>
-        <p:nvSpPr>
-          <p:cNvPr id="2" name="제목 1">
-            <a:extLst>
-              <a:ext uri="{FF2B5EF4-FFF2-40B4-BE49-F238E27FC236}">
-                <a16:creationId xmlns:a16="http://schemas.microsoft.com/office/drawing/2014/main" id="{E921A3CD-DEE7-534B-98DB-63E6D409D542}"/>
-              </a:ext>
-            </a:extLst>
-          </p:cNvPr>
-          <p:cNvSpPr>
-            <a:spLocks noGrp="1"/>
-          </p:cNvSpPr>
-          <p:nvPr>
-            <p:ph type="title"/>
-          </p:nvPr>
-        </p:nvSpPr>
-        <p:spPr/>
-        <p:txBody>
-          <a:bodyPr>
-            <a:normAutofit/>
-          </a:bodyPr>
-          <a:lstStyle/>
-          <a:p>
-            <a:pPr algn="ctr"/>
-            <a:r>
-              <a:rPr kumimoji="1" lang="ko-KR" altLang="en-US" sz="4400" dirty="0">
-                <a:solidFill>
-                  <a:schemeClr val="bg1"/>
-                </a:solidFill>
-              </a:rPr>
-              <a:t>부가 기능</a:t>
-            </a:r>
-          </a:p>
-        </p:txBody>
-      </p:sp>
-      <p:sp>
-        <p:nvSpPr>
-          <p:cNvPr id="3" name="내용 개체 틀 2">
-            <a:extLst>
-              <a:ext uri="{FF2B5EF4-FFF2-40B4-BE49-F238E27FC236}">
-                <a16:creationId xmlns:a16="http://schemas.microsoft.com/office/drawing/2014/main" id="{1EABABCB-9CF2-094B-AD12-43CA60885568}"/>
-              </a:ext>
-            </a:extLst>
-          </p:cNvPr>
-          <p:cNvSpPr>
-            <a:spLocks noGrp="1"/>
-          </p:cNvSpPr>
-          <p:nvPr>
-            <p:ph idx="1"/>
-          </p:nvPr>
-        </p:nvSpPr>
-        <p:spPr/>
-        <p:txBody>
-          <a:bodyPr/>
-          <a:lstStyle/>
-          <a:p>
-            <a:r>
-              <a:rPr lang="ko-KR" altLang="en-US" dirty="0">
-                <a:solidFill>
-                  <a:schemeClr val="bg1"/>
-                </a:solidFill>
-              </a:rPr>
-              <a:t>케이스 및 사은품 제공</a:t>
-            </a:r>
-          </a:p>
-          <a:p>
-            <a:r>
-              <a:rPr lang="ko-KR" altLang="en-US" dirty="0">
-                <a:solidFill>
-                  <a:schemeClr val="bg1"/>
-                </a:solidFill>
-              </a:rPr>
-              <a:t>등급제도</a:t>
-            </a:r>
-          </a:p>
-          <a:p>
-            <a:endParaRPr kumimoji="1" lang="ko-KR" altLang="en-US" dirty="0"/>
-          </a:p>
-        </p:txBody>
-      </p:sp>
-    </p:spTree>
-    <p:extLst>
-      <p:ext uri="{BB962C8B-B14F-4D97-AF65-F5344CB8AC3E}">
-        <p14:creationId xmlns:p14="http://schemas.microsoft.com/office/powerpoint/2010/main" val="3072596693"/>
-      </p:ext>
-    </p:extLst>
-  </p:cSld>
-  <p:clrMapOvr>
-    <a:masterClrMapping/>
-  </p:clrMapOvr>
-  <p:transition spd="slow">
-    <p:wipe/>
-  </p:transition>
-</p:sld>
-</file>
-
-<file path=ppt/slides/slide16.xml><?xml version="1.0" encoding="utf-8"?>
+<file path=ppt/slides/slide10.xml><?xml version="1.0" encoding="utf-8"?>
 <p:sld xmlns:a="http://schemas.openxmlformats.org/drawingml/2006/main" xmlns:r="http://schemas.openxmlformats.org/officeDocument/2006/relationships" xmlns:p="http://schemas.openxmlformats.org/presentationml/2006/main">
   <p:cSld>
     <p:bg>
@@ -6353,7 +4431,7 @@
 </p:sld>
 </file>
 
-<file path=ppt/slides/slide17.xml><?xml version="1.0" encoding="utf-8"?>
+<file path=ppt/slides/slide11.xml><?xml version="1.0" encoding="utf-8"?>
 <p:sld xmlns:a="http://schemas.openxmlformats.org/drawingml/2006/main" xmlns:r="http://schemas.openxmlformats.org/officeDocument/2006/relationships" xmlns:p="http://schemas.openxmlformats.org/presentationml/2006/main">
   <p:cSld>
     <p:bg>
@@ -6726,7 +4804,7 @@
 </p:sld>
 </file>
 
-<file path=ppt/slides/slide18.xml><?xml version="1.0" encoding="utf-8"?>
+<file path=ppt/slides/slide12.xml><?xml version="1.0" encoding="utf-8"?>
 <p:sld xmlns:a="http://schemas.openxmlformats.org/drawingml/2006/main" xmlns:r="http://schemas.openxmlformats.org/officeDocument/2006/relationships" xmlns:p="http://schemas.openxmlformats.org/presentationml/2006/main">
   <p:cSld>
     <p:bg>
@@ -7849,6 +5927,132 @@
           </a:graphicData>
         </a:graphic>
       </p:graphicFrame>
+      <p:sp>
+        <p:nvSpPr>
+          <p:cNvPr id="5" name="제목 1">
+            <a:extLst>
+              <a:ext uri="{FF2B5EF4-FFF2-40B4-BE49-F238E27FC236}">
+                <a16:creationId xmlns:a16="http://schemas.microsoft.com/office/drawing/2014/main" id="{8F6BDC64-E878-1343-ACB8-786252486090}"/>
+              </a:ext>
+            </a:extLst>
+          </p:cNvPr>
+          <p:cNvSpPr txBox="1">
+            <a:spLocks/>
+          </p:cNvSpPr>
+          <p:nvPr/>
+        </p:nvSpPr>
+        <p:spPr>
+          <a:xfrm>
+            <a:off x="539552" y="2895525"/>
+            <a:ext cx="7886700" cy="1325563"/>
+          </a:xfrm>
+          <a:prstGeom prst="rect">
+            <a:avLst/>
+          </a:prstGeom>
+        </p:spPr>
+        <p:txBody>
+          <a:bodyPr vert="horz" lIns="91440" tIns="45720" rIns="91440" bIns="45720" rtlCol="0" anchor="ctr">
+            <a:normAutofit/>
+          </a:bodyPr>
+          <a:lstStyle>
+            <a:lvl1pPr algn="l" defTabSz="685800" rtl="0" eaLnBrk="1" latinLnBrk="1" hangingPunct="1">
+              <a:lnSpc>
+                <a:spcPct val="90000"/>
+              </a:lnSpc>
+              <a:spcBef>
+                <a:spcPct val="0"/>
+              </a:spcBef>
+              <a:buNone/>
+              <a:defRPr sz="3300" kern="1200">
+                <a:solidFill>
+                  <a:schemeClr val="tx1"/>
+                </a:solidFill>
+                <a:latin typeface="+mj-lt"/>
+                <a:ea typeface="+mj-ea"/>
+                <a:cs typeface="+mj-cs"/>
+              </a:defRPr>
+            </a:lvl1pPr>
+          </a:lstStyle>
+          <a:p>
+            <a:r>
+              <a:rPr kumimoji="1" lang="ko-KR" altLang="en-US" sz="4400">
+                <a:solidFill>
+                  <a:schemeClr val="bg1"/>
+                </a:solidFill>
+              </a:rPr>
+              <a:t>시뮬레이션</a:t>
+            </a:r>
+            <a:endParaRPr kumimoji="1" lang="ko-KR" altLang="en-US" sz="4400" dirty="0">
+              <a:solidFill>
+                <a:schemeClr val="bg1"/>
+              </a:solidFill>
+            </a:endParaRPr>
+          </a:p>
+        </p:txBody>
+      </p:sp>
+      <p:sp>
+        <p:nvSpPr>
+          <p:cNvPr id="6" name="제목 1">
+            <a:extLst>
+              <a:ext uri="{FF2B5EF4-FFF2-40B4-BE49-F238E27FC236}">
+                <a16:creationId xmlns:a16="http://schemas.microsoft.com/office/drawing/2014/main" id="{E9BA7B26-A831-724B-96A6-93BF2D309C8C}"/>
+              </a:ext>
+            </a:extLst>
+          </p:cNvPr>
+          <p:cNvSpPr txBox="1">
+            <a:spLocks/>
+          </p:cNvSpPr>
+          <p:nvPr/>
+        </p:nvSpPr>
+        <p:spPr>
+          <a:xfrm>
+            <a:off x="539552" y="2924944"/>
+            <a:ext cx="8229600" cy="1143000"/>
+          </a:xfrm>
+          <a:prstGeom prst="rect">
+            <a:avLst/>
+          </a:prstGeom>
+        </p:spPr>
+        <p:txBody>
+          <a:bodyPr vert="horz" lIns="91440" tIns="45720" rIns="91440" bIns="45720" rtlCol="0" anchor="ctr">
+            <a:normAutofit/>
+          </a:bodyPr>
+          <a:lstStyle>
+            <a:lvl1pPr algn="l" defTabSz="685800" rtl="0" eaLnBrk="1" latinLnBrk="1" hangingPunct="1">
+              <a:lnSpc>
+                <a:spcPct val="90000"/>
+              </a:lnSpc>
+              <a:spcBef>
+                <a:spcPct val="0"/>
+              </a:spcBef>
+              <a:buNone/>
+              <a:defRPr sz="3300" kern="1200">
+                <a:solidFill>
+                  <a:schemeClr val="tx1"/>
+                </a:solidFill>
+                <a:latin typeface="+mj-lt"/>
+                <a:ea typeface="+mj-ea"/>
+                <a:cs typeface="+mj-cs"/>
+              </a:defRPr>
+            </a:lvl1pPr>
+          </a:lstStyle>
+          <a:p>
+            <a:r>
+              <a:rPr kumimoji="1" lang="ko-KR" altLang="en-US" sz="4400">
+                <a:solidFill>
+                  <a:schemeClr val="bg1"/>
+                </a:solidFill>
+              </a:rPr>
+              <a:t>질의응답</a:t>
+            </a:r>
+            <a:endParaRPr kumimoji="1" lang="ko-KR" altLang="en-US" sz="4400" dirty="0">
+              <a:solidFill>
+                <a:schemeClr val="bg1"/>
+              </a:solidFill>
+            </a:endParaRPr>
+          </a:p>
+        </p:txBody>
+      </p:sp>
     </p:spTree>
     <p:extLst>
       <p:ext uri="{BB962C8B-B14F-4D97-AF65-F5344CB8AC3E}">
@@ -7858,203 +6062,6 @@
   </p:cSld>
   <p:clrMapOvr>
     <a:masterClrMapping/>
-  </p:clrMapOvr>
-</p:sld>
-</file>
-
-<file path=ppt/slides/slide19.xml><?xml version="1.0" encoding="utf-8"?>
-<p:sld xmlns:a="http://schemas.openxmlformats.org/drawingml/2006/main" xmlns:r="http://schemas.openxmlformats.org/officeDocument/2006/relationships" xmlns:p="http://schemas.openxmlformats.org/presentationml/2006/main">
-  <p:cSld>
-    <p:bg>
-      <p:bgPr>
-        <a:solidFill>
-          <a:srgbClr val="05022F"/>
-        </a:solidFill>
-        <a:effectLst/>
-      </p:bgPr>
-    </p:bg>
-    <p:spTree>
-      <p:nvGrpSpPr>
-        <p:cNvPr id="1" name=""/>
-        <p:cNvGrpSpPr/>
-        <p:nvPr/>
-      </p:nvGrpSpPr>
-      <p:grpSpPr>
-        <a:xfrm>
-          <a:off x="0" y="0"/>
-          <a:ext cx="0" cy="0"/>
-          <a:chOff x="0" y="0"/>
-          <a:chExt cx="0" cy="0"/>
-        </a:xfrm>
-      </p:grpSpPr>
-      <p:sp>
-        <p:nvSpPr>
-          <p:cNvPr id="2" name="제목 1">
-            <a:extLst>
-              <a:ext uri="{FF2B5EF4-FFF2-40B4-BE49-F238E27FC236}">
-                <a16:creationId xmlns:a16="http://schemas.microsoft.com/office/drawing/2014/main" id="{4315451D-EFE7-3F45-9AAB-825F3C23A024}"/>
-              </a:ext>
-            </a:extLst>
-          </p:cNvPr>
-          <p:cNvSpPr>
-            <a:spLocks noGrp="1"/>
-          </p:cNvSpPr>
-          <p:nvPr>
-            <p:ph type="title"/>
-          </p:nvPr>
-        </p:nvSpPr>
-        <p:spPr>
-          <a:xfrm>
-            <a:off x="628650" y="2895525"/>
-            <a:ext cx="7886700" cy="1325563"/>
-          </a:xfrm>
-        </p:spPr>
-        <p:txBody>
-          <a:bodyPr>
-            <a:normAutofit/>
-          </a:bodyPr>
-          <a:lstStyle/>
-          <a:p>
-            <a:r>
-              <a:rPr kumimoji="1" lang="ko-KR" altLang="en-US" sz="4400" dirty="0">
-                <a:solidFill>
-                  <a:schemeClr val="bg1"/>
-                </a:solidFill>
-              </a:rPr>
-              <a:t>시뮬레이션</a:t>
-            </a:r>
-          </a:p>
-        </p:txBody>
-      </p:sp>
-    </p:spTree>
-    <p:extLst>
-      <p:ext uri="{BB962C8B-B14F-4D97-AF65-F5344CB8AC3E}">
-        <p14:creationId xmlns:p14="http://schemas.microsoft.com/office/powerpoint/2010/main" val="3017893354"/>
-      </p:ext>
-    </p:extLst>
-  </p:cSld>
-  <p:clrMapOvr>
-    <a:masterClrMapping/>
-  </p:clrMapOvr>
-</p:sld>
-</file>
-
-<file path=ppt/slides/slide2.xml><?xml version="1.0" encoding="utf-8"?>
-<p:sld xmlns:a="http://schemas.openxmlformats.org/drawingml/2006/main" xmlns:r="http://schemas.openxmlformats.org/officeDocument/2006/relationships" xmlns:p="http://schemas.openxmlformats.org/presentationml/2006/main">
-  <p:cSld>
-    <p:bg>
-      <p:bgPr>
-        <a:solidFill>
-          <a:srgbClr val="000000"/>
-        </a:solidFill>
-        <a:effectLst/>
-      </p:bgPr>
-    </p:bg>
-    <p:spTree>
-      <p:nvGrpSpPr>
-        <p:cNvPr id="1" name=""/>
-        <p:cNvGrpSpPr/>
-        <p:nvPr/>
-      </p:nvGrpSpPr>
-      <p:grpSpPr>
-        <a:xfrm>
-          <a:off x="0" y="0"/>
-          <a:ext cx="0" cy="0"/>
-          <a:chOff x="0" y="0"/>
-          <a:chExt cx="0" cy="0"/>
-        </a:xfrm>
-      </p:grpSpPr>
-      <p:pic>
-        <p:nvPicPr>
-          <p:cNvPr id="1026" name="Picture 2" descr="C:\Users\Administrator\Downloads\icon-crop (1).gif"/>
-          <p:cNvPicPr>
-            <a:picLocks noChangeAspect="1" noChangeArrowheads="1"/>
-          </p:cNvPicPr>
-          <p:nvPr/>
-        </p:nvPicPr>
-        <p:blipFill rotWithShape="1">
-          <a:blip r:embed="rId2">
-            <a:alphaModFix amt="50000"/>
-            <a:extLst>
-              <a:ext uri="{28A0092B-C50C-407E-A947-70E740481C1C}">
-                <a14:useLocalDpi xmlns:a14="http://schemas.microsoft.com/office/drawing/2010/main" val="0"/>
-              </a:ext>
-            </a:extLst>
-          </a:blip>
-          <a:srcRect t="15773" r="-1" b="9226"/>
-          <a:stretch/>
-        </p:blipFill>
-        <p:spPr bwMode="auto">
-          <a:xfrm>
-            <a:off x="20" y="1"/>
-            <a:ext cx="9143980" cy="6857999"/>
-          </a:xfrm>
-          <a:prstGeom prst="rect">
-            <a:avLst/>
-          </a:prstGeom>
-          <a:noFill/>
-          <a:extLst>
-            <a:ext uri="{909E8E84-426E-40DD-AFC4-6F175D3DCCD1}">
-              <a14:hiddenFill xmlns:a14="http://schemas.microsoft.com/office/drawing/2010/main">
-                <a:solidFill>
-                  <a:srgbClr val="FFFFFF"/>
-                </a:solidFill>
-              </a14:hiddenFill>
-            </a:ext>
-          </a:extLst>
-        </p:spPr>
-      </p:pic>
-      <p:sp>
-        <p:nvSpPr>
-          <p:cNvPr id="2" name="제목 1"/>
-          <p:cNvSpPr>
-            <a:spLocks noGrp="1"/>
-          </p:cNvSpPr>
-          <p:nvPr>
-            <p:ph type="ctrTitle"/>
-          </p:nvPr>
-        </p:nvSpPr>
-        <p:spPr>
-          <a:xfrm>
-            <a:off x="1143000" y="3212976"/>
-            <a:ext cx="6858000" cy="809904"/>
-          </a:xfrm>
-        </p:spPr>
-        <p:txBody>
-          <a:bodyPr>
-            <a:noAutofit/>
-          </a:bodyPr>
-          <a:lstStyle/>
-          <a:p>
-            <a:r>
-              <a:rPr lang="ko-KR" altLang="en-US" sz="10000" dirty="0" err="1">
-                <a:solidFill>
-                  <a:srgbClr val="FFFFFF"/>
-                </a:solidFill>
-                <a:latin typeface="GulimChe" panose="020B0609000101010101" pitchFamily="49" charset="-127"/>
-                <a:ea typeface="GulimChe" panose="020B0609000101010101" pitchFamily="49" charset="-127"/>
-              </a:rPr>
-              <a:t>쏴리질러</a:t>
-            </a:r>
-            <a:endParaRPr lang="ko-KR" altLang="en-US" sz="10000" dirty="0">
-              <a:solidFill>
-                <a:srgbClr val="FFFFFF"/>
-              </a:solidFill>
-              <a:latin typeface="GulimChe" panose="020B0609000101010101" pitchFamily="49" charset="-127"/>
-              <a:ea typeface="GulimChe" panose="020B0609000101010101" pitchFamily="49" charset="-127"/>
-            </a:endParaRPr>
-          </a:p>
-        </p:txBody>
-      </p:sp>
-    </p:spTree>
-    <p:extLst>
-      <p:ext uri="{BB962C8B-B14F-4D97-AF65-F5344CB8AC3E}">
-        <p14:creationId xmlns:p14="http://schemas.microsoft.com/office/powerpoint/2010/main" val="1898608049"/>
-      </p:ext>
-    </p:extLst>
-  </p:cSld>
-  <p:clrMapOvr>
-    <a:overrideClrMapping bg1="dk1" tx1="lt1" bg2="dk2" tx2="lt2" accent1="accent1" accent2="accent2" accent3="accent3" accent4="accent4" accent5="accent5" accent6="accent6" hlink="hlink" folHlink="folHlink"/>
   </p:clrMapOvr>
   <p:timing>
     <p:tnLst>
@@ -8077,7 +6084,7 @@
                             </p:stCondLst>
                             <p:childTnLst>
                               <p:par>
-                                <p:cTn id="5" presetID="23" presetClass="entr" presetSubtype="16" fill="hold" grpId="0" nodeType="clickEffect">
+                                <p:cTn id="5" presetID="1" presetClass="entr" presetSubtype="0" fill="hold" grpId="0" nodeType="clickEffect">
                                   <p:stCondLst>
                                     <p:cond delay="0"/>
                                   </p:stCondLst>
@@ -8100,52 +6107,222 @@
                                         <p:strVal val="visible"/>
                                       </p:to>
                                     </p:set>
-                                    <p:anim calcmode="lin" valueType="num">
-                                      <p:cBhvr>
-                                        <p:cTn id="7" dur="500" fill="hold"/>
+                                  </p:childTnLst>
+                                  <p:subTnLst>
+                                    <p:set>
+                                      <p:cBhvr override="childStyle">
+                                        <p:cTn dur="1" fill="hold" display="0" masterRel="nextClick" afterEffect="1"/>
                                         <p:tgtEl>
                                           <p:spTgt spid="2"/>
                                         </p:tgtEl>
                                         <p:attrNameLst>
-                                          <p:attrName>ppt_w</p:attrName>
+                                          <p:attrName>style.visibility</p:attrName>
                                         </p:attrNameLst>
                                       </p:cBhvr>
-                                      <p:tavLst>
-                                        <p:tav tm="0">
-                                          <p:val>
-                                            <p:fltVal val="0"/>
-                                          </p:val>
-                                        </p:tav>
-                                        <p:tav tm="100000">
-                                          <p:val>
-                                            <p:strVal val="#ppt_w"/>
-                                          </p:val>
-                                        </p:tav>
-                                      </p:tavLst>
-                                    </p:anim>
-                                    <p:anim calcmode="lin" valueType="num">
+                                      <p:to>
+                                        <p:strVal val="hidden"/>
+                                      </p:to>
+                                    </p:set>
+                                  </p:subTnLst>
+                                </p:cTn>
+                              </p:par>
+                              <p:par>
+                                <p:cTn id="7" presetID="1" presetClass="entr" presetSubtype="0" fill="hold" nodeType="withEffect">
+                                  <p:stCondLst>
+                                    <p:cond delay="0"/>
+                                  </p:stCondLst>
+                                  <p:childTnLst>
+                                    <p:set>
                                       <p:cBhvr>
-                                        <p:cTn id="8" dur="500" fill="hold"/>
+                                        <p:cTn id="8" dur="1" fill="hold">
+                                          <p:stCondLst>
+                                            <p:cond delay="0"/>
+                                          </p:stCondLst>
+                                        </p:cTn>
                                         <p:tgtEl>
-                                          <p:spTgt spid="2"/>
+                                          <p:spTgt spid="4"/>
                                         </p:tgtEl>
                                         <p:attrNameLst>
-                                          <p:attrName>ppt_h</p:attrName>
+                                          <p:attrName>style.visibility</p:attrName>
                                         </p:attrNameLst>
                                       </p:cBhvr>
-                                      <p:tavLst>
-                                        <p:tav tm="0">
-                                          <p:val>
-                                            <p:fltVal val="0"/>
-                                          </p:val>
-                                        </p:tav>
-                                        <p:tav tm="100000">
-                                          <p:val>
-                                            <p:strVal val="#ppt_h"/>
-                                          </p:val>
-                                        </p:tav>
-                                      </p:tavLst>
-                                    </p:anim>
+                                      <p:to>
+                                        <p:strVal val="visible"/>
+                                      </p:to>
+                                    </p:set>
+                                  </p:childTnLst>
+                                  <p:subTnLst>
+                                    <p:set>
+                                      <p:cBhvr override="childStyle">
+                                        <p:cTn dur="1" fill="hold" display="0" masterRel="nextClick" afterEffect="1"/>
+                                        <p:tgtEl>
+                                          <p:spTgt spid="4"/>
+                                        </p:tgtEl>
+                                        <p:attrNameLst>
+                                          <p:attrName>style.visibility</p:attrName>
+                                        </p:attrNameLst>
+                                      </p:cBhvr>
+                                      <p:to>
+                                        <p:strVal val="hidden"/>
+                                      </p:to>
+                                    </p:set>
+                                  </p:subTnLst>
+                                </p:cTn>
+                              </p:par>
+                              <p:par>
+                                <p:cTn id="9" presetID="1" presetClass="entr" presetSubtype="0" fill="hold" grpId="0" nodeType="withEffect">
+                                  <p:stCondLst>
+                                    <p:cond delay="0"/>
+                                  </p:stCondLst>
+                                  <p:childTnLst>
+                                    <p:set>
+                                      <p:cBhvr>
+                                        <p:cTn id="10" dur="1" fill="hold">
+                                          <p:stCondLst>
+                                            <p:cond delay="0"/>
+                                          </p:stCondLst>
+                                        </p:cTn>
+                                        <p:tgtEl>
+                                          <p:spTgt spid="3">
+                                            <p:txEl>
+                                              <p:pRg st="0" end="0"/>
+                                            </p:txEl>
+                                          </p:spTgt>
+                                        </p:tgtEl>
+                                        <p:attrNameLst>
+                                          <p:attrName>style.visibility</p:attrName>
+                                        </p:attrNameLst>
+                                      </p:cBhvr>
+                                      <p:to>
+                                        <p:strVal val="visible"/>
+                                      </p:to>
+                                    </p:set>
+                                  </p:childTnLst>
+                                  <p:subTnLst>
+                                    <p:set>
+                                      <p:cBhvr override="childStyle">
+                                        <p:cTn dur="1" fill="hold" display="0" masterRel="nextClick" afterEffect="1"/>
+                                        <p:tgtEl>
+                                          <p:spTgt spid="3">
+                                            <p:txEl>
+                                              <p:pRg st="0" end="0"/>
+                                            </p:txEl>
+                                          </p:spTgt>
+                                        </p:tgtEl>
+                                        <p:attrNameLst>
+                                          <p:attrName>style.visibility</p:attrName>
+                                        </p:attrNameLst>
+                                      </p:cBhvr>
+                                      <p:to>
+                                        <p:strVal val="hidden"/>
+                                      </p:to>
+                                    </p:set>
+                                  </p:subTnLst>
+                                </p:cTn>
+                              </p:par>
+                            </p:childTnLst>
+                          </p:cTn>
+                        </p:par>
+                      </p:childTnLst>
+                    </p:cTn>
+                  </p:par>
+                  <p:par>
+                    <p:cTn id="11" fill="hold">
+                      <p:stCondLst>
+                        <p:cond delay="indefinite"/>
+                      </p:stCondLst>
+                      <p:childTnLst>
+                        <p:par>
+                          <p:cTn id="12" fill="hold">
+                            <p:stCondLst>
+                              <p:cond delay="0"/>
+                            </p:stCondLst>
+                            <p:childTnLst>
+                              <p:par>
+                                <p:cTn id="13" presetID="1" presetClass="entr" presetSubtype="0" fill="hold" grpId="0" nodeType="clickEffect">
+                                  <p:stCondLst>
+                                    <p:cond delay="0"/>
+                                  </p:stCondLst>
+                                  <p:childTnLst>
+                                    <p:set>
+                                      <p:cBhvr>
+                                        <p:cTn id="14" dur="1" fill="hold">
+                                          <p:stCondLst>
+                                            <p:cond delay="0"/>
+                                          </p:stCondLst>
+                                        </p:cTn>
+                                        <p:tgtEl>
+                                          <p:spTgt spid="5"/>
+                                        </p:tgtEl>
+                                        <p:attrNameLst>
+                                          <p:attrName>style.visibility</p:attrName>
+                                        </p:attrNameLst>
+                                      </p:cBhvr>
+                                      <p:to>
+                                        <p:strVal val="visible"/>
+                                      </p:to>
+                                    </p:set>
+                                  </p:childTnLst>
+                                  <p:subTnLst>
+                                    <p:set>
+                                      <p:cBhvr override="childStyle">
+                                        <p:cTn dur="1" fill="hold" display="0" masterRel="nextClick" afterEffect="1"/>
+                                        <p:tgtEl>
+                                          <p:spTgt spid="5"/>
+                                        </p:tgtEl>
+                                        <p:attrNameLst>
+                                          <p:attrName>style.visibility</p:attrName>
+                                        </p:attrNameLst>
+                                      </p:cBhvr>
+                                      <p:to>
+                                        <p:strVal val="hidden"/>
+                                      </p:to>
+                                    </p:set>
+                                  </p:subTnLst>
+                                </p:cTn>
+                              </p:par>
+                            </p:childTnLst>
+                          </p:cTn>
+                        </p:par>
+                      </p:childTnLst>
+                    </p:cTn>
+                  </p:par>
+                  <p:par>
+                    <p:cTn id="15" fill="hold">
+                      <p:stCondLst>
+                        <p:cond delay="indefinite"/>
+                      </p:stCondLst>
+                      <p:childTnLst>
+                        <p:par>
+                          <p:cTn id="16" fill="hold">
+                            <p:stCondLst>
+                              <p:cond delay="0"/>
+                            </p:stCondLst>
+                            <p:childTnLst>
+                              <p:par>
+                                <p:cTn id="17" presetID="1" presetClass="entr" presetSubtype="0" fill="hold" grpId="0" nodeType="clickEffect">
+                                  <p:stCondLst>
+                                    <p:cond delay="0"/>
+                                  </p:stCondLst>
+                                  <p:childTnLst>
+                                    <p:set>
+                                      <p:cBhvr>
+                                        <p:cTn id="18" dur="1" fill="hold">
+                                          <p:stCondLst>
+                                            <p:cond delay="0"/>
+                                          </p:stCondLst>
+                                        </p:cTn>
+                                        <p:tgtEl>
+                                          <p:spTgt spid="6"/>
+                                        </p:tgtEl>
+                                        <p:attrNameLst>
+                                          <p:attrName>style.visibility</p:attrName>
+                                        </p:attrNameLst>
+                                      </p:cBhvr>
+                                      <p:to>
+                                        <p:strVal val="visible"/>
+                                      </p:to>
+                                    </p:set>
                                   </p:childTnLst>
                                 </p:cTn>
                               </p:par>
@@ -8178,89 +6355,15 @@
     </p:tnLst>
     <p:bldLst>
       <p:bldP spid="2" grpId="0"/>
+      <p:bldP spid="3" grpId="0" build="p"/>
+      <p:bldP spid="5" grpId="0"/>
+      <p:bldP spid="6" grpId="0"/>
     </p:bldLst>
   </p:timing>
 </p:sld>
 </file>
 
-<file path=ppt/slides/slide20.xml><?xml version="1.0" encoding="utf-8"?>
-<p:sld xmlns:a="http://schemas.openxmlformats.org/drawingml/2006/main" xmlns:r="http://schemas.openxmlformats.org/officeDocument/2006/relationships" xmlns:p="http://schemas.openxmlformats.org/presentationml/2006/main">
-  <p:cSld>
-    <p:bg>
-      <p:bgPr>
-        <a:solidFill>
-          <a:srgbClr val="05022F"/>
-        </a:solidFill>
-        <a:effectLst/>
-      </p:bgPr>
-    </p:bg>
-    <p:spTree>
-      <p:nvGrpSpPr>
-        <p:cNvPr id="1" name=""/>
-        <p:cNvGrpSpPr/>
-        <p:nvPr/>
-      </p:nvGrpSpPr>
-      <p:grpSpPr>
-        <a:xfrm>
-          <a:off x="0" y="0"/>
-          <a:ext cx="0" cy="0"/>
-          <a:chOff x="0" y="0"/>
-          <a:chExt cx="0" cy="0"/>
-        </a:xfrm>
-      </p:grpSpPr>
-      <p:sp>
-        <p:nvSpPr>
-          <p:cNvPr id="2" name="제목 1">
-            <a:extLst>
-              <a:ext uri="{FF2B5EF4-FFF2-40B4-BE49-F238E27FC236}">
-                <a16:creationId xmlns:a16="http://schemas.microsoft.com/office/drawing/2014/main" id="{9C508281-2DF6-3F4B-B03E-499380C0C441}"/>
-              </a:ext>
-            </a:extLst>
-          </p:cNvPr>
-          <p:cNvSpPr>
-            <a:spLocks noGrp="1"/>
-          </p:cNvSpPr>
-          <p:nvPr>
-            <p:ph type="title"/>
-          </p:nvPr>
-        </p:nvSpPr>
-        <p:spPr>
-          <a:xfrm>
-            <a:off x="590872" y="3006080"/>
-            <a:ext cx="8229600" cy="1143000"/>
-          </a:xfrm>
-        </p:spPr>
-        <p:txBody>
-          <a:bodyPr>
-            <a:normAutofit/>
-          </a:bodyPr>
-          <a:lstStyle/>
-          <a:p>
-            <a:r>
-              <a:rPr kumimoji="1" lang="ko-KR" altLang="en-US" sz="4400" dirty="0">
-                <a:solidFill>
-                  <a:schemeClr val="bg1"/>
-                </a:solidFill>
-              </a:rPr>
-              <a:t>질의응답</a:t>
-            </a:r>
-          </a:p>
-        </p:txBody>
-      </p:sp>
-    </p:spTree>
-    <p:extLst>
-      <p:ext uri="{BB962C8B-B14F-4D97-AF65-F5344CB8AC3E}">
-        <p14:creationId xmlns:p14="http://schemas.microsoft.com/office/powerpoint/2010/main" val="1759387882"/>
-      </p:ext>
-    </p:extLst>
-  </p:cSld>
-  <p:clrMapOvr>
-    <a:masterClrMapping/>
-  </p:clrMapOvr>
-</p:sld>
-</file>
-
-<file path=ppt/slides/slide3.xml><?xml version="1.0" encoding="utf-8"?>
+<file path=ppt/slides/slide2.xml><?xml version="1.0" encoding="utf-8"?>
 <p:sld xmlns:a="http://schemas.openxmlformats.org/drawingml/2006/main" xmlns:r="http://schemas.openxmlformats.org/officeDocument/2006/relationships" xmlns:p="http://schemas.openxmlformats.org/presentationml/2006/main">
   <p:cSld>
     <p:bg>
@@ -8840,7 +6943,7 @@
 </p:sld>
 </file>
 
-<file path=ppt/slides/slide4.xml><?xml version="1.0" encoding="utf-8"?>
+<file path=ppt/slides/slide3.xml><?xml version="1.0" encoding="utf-8"?>
 <p:sld xmlns:a="http://schemas.openxmlformats.org/drawingml/2006/main" xmlns:r="http://schemas.openxmlformats.org/officeDocument/2006/relationships" xmlns:p="http://schemas.openxmlformats.org/presentationml/2006/main">
   <p:cSld>
     <p:bg>
@@ -9716,7 +7819,7 @@
 </p:sld>
 </file>
 
-<file path=ppt/slides/slide5.xml><?xml version="1.0" encoding="utf-8"?>
+<file path=ppt/slides/slide4.xml><?xml version="1.0" encoding="utf-8"?>
 <p:sld xmlns:a="http://schemas.openxmlformats.org/drawingml/2006/main" xmlns:r="http://schemas.openxmlformats.org/officeDocument/2006/relationships" xmlns:p="http://schemas.openxmlformats.org/presentationml/2006/main">
   <p:cSld>
     <p:bg>
@@ -9806,7 +7909,7 @@
 </p:sld>
 </file>
 
-<file path=ppt/slides/slide6.xml><?xml version="1.0" encoding="utf-8"?>
+<file path=ppt/slides/slide5.xml><?xml version="1.0" encoding="utf-8"?>
 <p:sld xmlns:a="http://schemas.openxmlformats.org/drawingml/2006/main" xmlns:r="http://schemas.openxmlformats.org/officeDocument/2006/relationships" xmlns:p="http://schemas.openxmlformats.org/presentationml/2006/main">
   <p:cSld>
     <p:bg>
@@ -9946,166 +8049,133 @@
           </a:ln>
         </p:spPr>
       </p:pic>
+      <p:sp>
+        <p:nvSpPr>
+          <p:cNvPr id="5" name="제목 1">
+            <a:extLst>
+              <a:ext uri="{FF2B5EF4-FFF2-40B4-BE49-F238E27FC236}">
+                <a16:creationId xmlns:a16="http://schemas.microsoft.com/office/drawing/2014/main" id="{6BDB4622-DCAB-594C-83B4-649BA186A314}"/>
+              </a:ext>
+            </a:extLst>
+          </p:cNvPr>
+          <p:cNvSpPr txBox="1">
+            <a:spLocks/>
+          </p:cNvSpPr>
+          <p:nvPr/>
+        </p:nvSpPr>
+        <p:spPr>
+          <a:xfrm>
+            <a:off x="611560" y="404664"/>
+            <a:ext cx="7886700" cy="1325563"/>
+          </a:xfrm>
+          <a:prstGeom prst="rect">
+            <a:avLst/>
+          </a:prstGeom>
+        </p:spPr>
+        <p:txBody>
+          <a:bodyPr vert="horz" lIns="91440" tIns="45720" rIns="91440" bIns="45720" rtlCol="0" anchor="ctr">
+            <a:normAutofit/>
+          </a:bodyPr>
+          <a:lstStyle>
+            <a:lvl1pPr algn="l" defTabSz="685800" rtl="0" eaLnBrk="1" latinLnBrk="1" hangingPunct="1">
+              <a:lnSpc>
+                <a:spcPct val="90000"/>
+              </a:lnSpc>
+              <a:spcBef>
+                <a:spcPct val="0"/>
+              </a:spcBef>
+              <a:buNone/>
+              <a:defRPr sz="3300" kern="1200">
+                <a:solidFill>
+                  <a:schemeClr val="tx1"/>
+                </a:solidFill>
+                <a:latin typeface="+mj-lt"/>
+                <a:ea typeface="+mj-ea"/>
+                <a:cs typeface="+mj-cs"/>
+              </a:defRPr>
+            </a:lvl1pPr>
+          </a:lstStyle>
+          <a:p>
+            <a:pPr algn="ctr"/>
+            <a:r>
+              <a:rPr kumimoji="1" lang="ko-KR" altLang="en-US" sz="4400" dirty="0">
+                <a:solidFill>
+                  <a:schemeClr val="bg1"/>
+                </a:solidFill>
+              </a:rPr>
+              <a:t>미세먼지 농도 확인</a:t>
+            </a:r>
+          </a:p>
+        </p:txBody>
+      </p:sp>
+      <p:sp>
+        <p:nvSpPr>
+          <p:cNvPr id="7" name="제목 1">
+            <a:extLst>
+              <a:ext uri="{FF2B5EF4-FFF2-40B4-BE49-F238E27FC236}">
+                <a16:creationId xmlns:a16="http://schemas.microsoft.com/office/drawing/2014/main" id="{45AE8667-623B-7440-B2D5-6BD9EAEAFBB4}"/>
+              </a:ext>
+            </a:extLst>
+          </p:cNvPr>
+          <p:cNvSpPr txBox="1">
+            <a:spLocks/>
+          </p:cNvSpPr>
+          <p:nvPr/>
+        </p:nvSpPr>
+        <p:spPr>
+          <a:xfrm>
+            <a:off x="611560" y="375245"/>
+            <a:ext cx="7886700" cy="1325563"/>
+          </a:xfrm>
+          <a:prstGeom prst="rect">
+            <a:avLst/>
+          </a:prstGeom>
+        </p:spPr>
+        <p:txBody>
+          <a:bodyPr vert="horz" lIns="91440" tIns="45720" rIns="91440" bIns="45720" rtlCol="0" anchor="ctr">
+            <a:normAutofit/>
+          </a:bodyPr>
+          <a:lstStyle>
+            <a:lvl1pPr algn="l" defTabSz="685800" rtl="0" eaLnBrk="1" latinLnBrk="1" hangingPunct="1">
+              <a:lnSpc>
+                <a:spcPct val="90000"/>
+              </a:lnSpc>
+              <a:spcBef>
+                <a:spcPct val="0"/>
+              </a:spcBef>
+              <a:buNone/>
+              <a:defRPr sz="3300" kern="1200">
+                <a:solidFill>
+                  <a:schemeClr val="tx1"/>
+                </a:solidFill>
+                <a:latin typeface="+mj-lt"/>
+                <a:ea typeface="+mj-ea"/>
+                <a:cs typeface="+mj-cs"/>
+              </a:defRPr>
+            </a:lvl1pPr>
+          </a:lstStyle>
+          <a:p>
+            <a:pPr algn="ctr"/>
+            <a:r>
+              <a:rPr kumimoji="1" lang="ko-KR" altLang="en-US" sz="4400">
+                <a:solidFill>
+                  <a:schemeClr val="bg1"/>
+                </a:solidFill>
+              </a:rPr>
+              <a:t>대기환경에 맞는 마스크 추천 </a:t>
+            </a:r>
+            <a:endParaRPr kumimoji="1" lang="ko-KR" altLang="en-US" sz="4400" dirty="0">
+              <a:solidFill>
+                <a:schemeClr val="bg1"/>
+              </a:solidFill>
+            </a:endParaRPr>
+          </a:p>
+        </p:txBody>
+      </p:sp>
     </p:spTree>
     <p:extLst>
       <p:ext uri="{BB962C8B-B14F-4D97-AF65-F5344CB8AC3E}">
         <p14:creationId xmlns:p14="http://schemas.microsoft.com/office/powerpoint/2010/main" val="3622012430"/>
-      </p:ext>
-    </p:extLst>
-  </p:cSld>
-  <p:clrMapOvr>
-    <a:masterClrMapping/>
-  </p:clrMapOvr>
-  <p:transition spd="slow">
-    <p:wipe/>
-  </p:transition>
-</p:sld>
-</file>
-
-<file path=ppt/slides/slide7.xml><?xml version="1.0" encoding="utf-8"?>
-<p:sld xmlns:a="http://schemas.openxmlformats.org/drawingml/2006/main" xmlns:r="http://schemas.openxmlformats.org/officeDocument/2006/relationships" xmlns:p="http://schemas.openxmlformats.org/presentationml/2006/main">
-  <p:cSld>
-    <p:bg>
-      <p:bgPr>
-        <a:solidFill>
-          <a:srgbClr val="05022F"/>
-        </a:solidFill>
-        <a:effectLst/>
-      </p:bgPr>
-    </p:bg>
-    <p:spTree>
-      <p:nvGrpSpPr>
-        <p:cNvPr id="1" name=""/>
-        <p:cNvGrpSpPr/>
-        <p:nvPr/>
-      </p:nvGrpSpPr>
-      <p:grpSpPr>
-        <a:xfrm>
-          <a:off x="0" y="0"/>
-          <a:ext cx="0" cy="0"/>
-          <a:chOff x="0" y="0"/>
-          <a:chExt cx="0" cy="0"/>
-        </a:xfrm>
-      </p:grpSpPr>
-      <p:sp>
-        <p:nvSpPr>
-          <p:cNvPr id="2" name="제목 1">
-            <a:extLst>
-              <a:ext uri="{FF2B5EF4-FFF2-40B4-BE49-F238E27FC236}">
-                <a16:creationId xmlns:a16="http://schemas.microsoft.com/office/drawing/2014/main" id="{117210B6-0999-9C4F-954D-22D6B30F9E70}"/>
-              </a:ext>
-            </a:extLst>
-          </p:cNvPr>
-          <p:cNvSpPr>
-            <a:spLocks noGrp="1"/>
-          </p:cNvSpPr>
-          <p:nvPr>
-            <p:ph type="title"/>
-          </p:nvPr>
-        </p:nvSpPr>
-        <p:spPr/>
-        <p:txBody>
-          <a:bodyPr>
-            <a:normAutofit/>
-          </a:bodyPr>
-          <a:lstStyle/>
-          <a:p>
-            <a:pPr algn="ctr"/>
-            <a:r>
-              <a:rPr kumimoji="1" lang="ko-KR" altLang="en-US" sz="4400" dirty="0">
-                <a:solidFill>
-                  <a:schemeClr val="bg1"/>
-                </a:solidFill>
-              </a:rPr>
-              <a:t>미세먼지 농도 확인</a:t>
-            </a:r>
-          </a:p>
-        </p:txBody>
-      </p:sp>
-      <p:pic>
-        <p:nvPicPr>
-          <p:cNvPr id="9" name="내용 개체 틀 8" descr="스크린샷이(가) 표시된 사진&#10;&#10;&#10;&#10;자동 생성된 설명">
-            <a:extLst>
-              <a:ext uri="{FF2B5EF4-FFF2-40B4-BE49-F238E27FC236}">
-                <a16:creationId xmlns:a16="http://schemas.microsoft.com/office/drawing/2014/main" id="{49F20AB3-A0D8-E445-957D-6C1CF569A8C4}"/>
-              </a:ext>
-            </a:extLst>
-          </p:cNvPr>
-          <p:cNvPicPr>
-            <a:picLocks noGrp="1" noChangeAspect="1"/>
-          </p:cNvPicPr>
-          <p:nvPr>
-            <p:ph idx="1"/>
-          </p:nvPr>
-        </p:nvPicPr>
-        <p:blipFill rotWithShape="1">
-          <a:blip r:embed="rId3">
-            <a:extLst>
-              <a:ext uri="{28A0092B-C50C-407E-A947-70E740481C1C}">
-                <a14:useLocalDpi xmlns:a14="http://schemas.microsoft.com/office/drawing/2010/main" val="0"/>
-              </a:ext>
-            </a:extLst>
-          </a:blip>
-          <a:srcRect l="23539" t="33410" r="26460" b="7724"/>
-          <a:stretch/>
-        </p:blipFill>
-        <p:spPr>
-          <a:xfrm>
-            <a:off x="2954368" y="1523938"/>
-            <a:ext cx="2874960" cy="5003551"/>
-          </a:xfrm>
-          <a:prstGeom prst="flowChartAlternateProcess">
-            <a:avLst/>
-          </a:prstGeom>
-        </p:spPr>
-      </p:pic>
-      <p:pic>
-        <p:nvPicPr>
-          <p:cNvPr id="10" name="내용 개체 틀 4" descr="스크린샷이(가) 표시된 사진&#10;&#10;&#10;&#10;자동 생성된 설명">
-            <a:extLst>
-              <a:ext uri="{FF2B5EF4-FFF2-40B4-BE49-F238E27FC236}">
-                <a16:creationId xmlns:a16="http://schemas.microsoft.com/office/drawing/2014/main" id="{8ECB2695-C803-364D-BF30-932C21F166BA}"/>
-              </a:ext>
-            </a:extLst>
-          </p:cNvPr>
-          <p:cNvPicPr>
-            <a:picLocks noChangeAspect="1"/>
-          </p:cNvPicPr>
-          <p:nvPr/>
-        </p:nvPicPr>
-        <p:blipFill>
-          <a:blip r:embed="rId4" cstate="print">
-            <a:extLst>
-              <a:ext uri="{28A0092B-C50C-407E-A947-70E740481C1C}">
-                <a14:useLocalDpi xmlns:a14="http://schemas.microsoft.com/office/drawing/2010/main" val="0"/>
-              </a:ext>
-            </a:extLst>
-          </a:blip>
-          <a:stretch>
-            <a:fillRect/>
-          </a:stretch>
-        </p:blipFill>
-        <p:spPr>
-          <a:xfrm>
-            <a:off x="3204904" y="2157793"/>
-            <a:ext cx="2474208" cy="3622645"/>
-          </a:xfrm>
-          <a:prstGeom prst="rect">
-            <a:avLst/>
-          </a:prstGeom>
-          <a:ln>
-            <a:solidFill>
-              <a:schemeClr val="bg1">
-                <a:lumMod val="50000"/>
-              </a:schemeClr>
-            </a:solidFill>
-          </a:ln>
-        </p:spPr>
-      </p:pic>
-    </p:spTree>
-    <p:extLst>
-      <p:ext uri="{BB962C8B-B14F-4D97-AF65-F5344CB8AC3E}">
-        <p14:creationId xmlns:p14="http://schemas.microsoft.com/office/powerpoint/2010/main" val="535974290"/>
       </p:ext>
     </p:extLst>
   </p:cSld>
@@ -10138,7 +8208,7 @@
                               <p:par>
                                 <p:cTn id="5" presetID="1" presetClass="entr" presetSubtype="0" fill="hold" grpId="0" nodeType="clickEffect">
                                   <p:stCondLst>
-                                    <p:cond delay="500"/>
+                                    <p:cond delay="0"/>
                                   </p:stCondLst>
                                   <p:childTnLst>
                                     <p:set>
@@ -10150,6 +8220,128 @@
                                         </p:cTn>
                                         <p:tgtEl>
                                           <p:spTgt spid="2"/>
+                                        </p:tgtEl>
+                                        <p:attrNameLst>
+                                          <p:attrName>style.visibility</p:attrName>
+                                        </p:attrNameLst>
+                                      </p:cBhvr>
+                                      <p:to>
+                                        <p:strVal val="visible"/>
+                                      </p:to>
+                                    </p:set>
+                                  </p:childTnLst>
+                                  <p:subTnLst>
+                                    <p:set>
+                                      <p:cBhvr override="childStyle">
+                                        <p:cTn dur="1" fill="hold" display="0" masterRel="nextClick" afterEffect="1"/>
+                                        <p:tgtEl>
+                                          <p:spTgt spid="2"/>
+                                        </p:tgtEl>
+                                        <p:attrNameLst>
+                                          <p:attrName>style.visibility</p:attrName>
+                                        </p:attrNameLst>
+                                      </p:cBhvr>
+                                      <p:to>
+                                        <p:strVal val="hidden"/>
+                                      </p:to>
+                                    </p:set>
+                                  </p:subTnLst>
+                                </p:cTn>
+                              </p:par>
+                            </p:childTnLst>
+                          </p:cTn>
+                        </p:par>
+                      </p:childTnLst>
+                    </p:cTn>
+                  </p:par>
+                  <p:par>
+                    <p:cTn id="7" fill="hold">
+                      <p:stCondLst>
+                        <p:cond delay="indefinite"/>
+                      </p:stCondLst>
+                      <p:childTnLst>
+                        <p:par>
+                          <p:cTn id="8" fill="hold">
+                            <p:stCondLst>
+                              <p:cond delay="0"/>
+                            </p:stCondLst>
+                            <p:childTnLst>
+                              <p:par>
+                                <p:cTn id="9" presetID="1" presetClass="entr" presetSubtype="0" fill="hold" grpId="0" nodeType="clickEffect">
+                                  <p:stCondLst>
+                                    <p:cond delay="500"/>
+                                  </p:stCondLst>
+                                  <p:childTnLst>
+                                    <p:set>
+                                      <p:cBhvr>
+                                        <p:cTn id="10" dur="1" fill="hold">
+                                          <p:stCondLst>
+                                            <p:cond delay="0"/>
+                                          </p:stCondLst>
+                                        </p:cTn>
+                                        <p:tgtEl>
+                                          <p:spTgt spid="5"/>
+                                        </p:tgtEl>
+                                        <p:attrNameLst>
+                                          <p:attrName>style.visibility</p:attrName>
+                                        </p:attrNameLst>
+                                      </p:cBhvr>
+                                      <p:to>
+                                        <p:strVal val="visible"/>
+                                      </p:to>
+                                    </p:set>
+                                  </p:childTnLst>
+                                  <p:subTnLst>
+                                    <p:set>
+                                      <p:cBhvr override="childStyle">
+                                        <p:cTn dur="1" fill="hold" display="0" masterRel="nextClick" afterEffect="1"/>
+                                        <p:tgtEl>
+                                          <p:spTgt spid="5"/>
+                                        </p:tgtEl>
+                                        <p:attrNameLst>
+                                          <p:attrName>style.visibility</p:attrName>
+                                        </p:attrNameLst>
+                                      </p:cBhvr>
+                                      <p:to>
+                                        <p:strVal val="hidden"/>
+                                      </p:to>
+                                    </p:set>
+                                  </p:subTnLst>
+                                </p:cTn>
+                              </p:par>
+                            </p:childTnLst>
+                          </p:cTn>
+                        </p:par>
+                      </p:childTnLst>
+                    </p:cTn>
+                  </p:par>
+                  <p:par>
+                    <p:cTn id="11" fill="hold">
+                      <p:stCondLst>
+                        <p:cond delay="indefinite"/>
+                      </p:stCondLst>
+                      <p:childTnLst>
+                        <p:par>
+                          <p:cTn id="12" fill="hold">
+                            <p:stCondLst>
+                              <p:cond delay="0"/>
+                            </p:stCondLst>
+                            <p:childTnLst>
+                              <p:par>
+                                <p:cTn id="13" presetID="1" presetClass="entr" presetSubtype="0" fill="hold" grpId="0" nodeType="clickEffect">
+                                  <p:stCondLst>
+                                    <p:cond delay="500"/>
+                                  </p:stCondLst>
+                                  <p:childTnLst>
+                                    <p:set>
+                                      <p:cBhvr>
+                                        <p:cTn id="14" dur="1" fill="hold">
+                                          <p:stCondLst>
+                                            <p:cond delay="0"/>
+                                          </p:stCondLst>
+                                        </p:cTn>
+                                        <p:tgtEl>
+                                          <p:spTgt spid="7"/>
                                         </p:tgtEl>
                                         <p:attrNameLst>
                                           <p:attrName>style.visibility</p:attrName>
@@ -10191,12 +8383,14 @@
     </p:tnLst>
     <p:bldLst>
       <p:bldP spid="2" grpId="0"/>
+      <p:bldP spid="5" grpId="0"/>
+      <p:bldP spid="7" grpId="0"/>
     </p:bldLst>
   </p:timing>
 </p:sld>
 </file>
 
-<file path=ppt/slides/slide8.xml><?xml version="1.0" encoding="utf-8"?>
+<file path=ppt/slides/slide6.xml><?xml version="1.0" encoding="utf-8"?>
 <p:sld xmlns:a="http://schemas.openxmlformats.org/drawingml/2006/main" xmlns:r="http://schemas.openxmlformats.org/officeDocument/2006/relationships" xmlns:p="http://schemas.openxmlformats.org/presentationml/2006/main">
   <p:cSld>
     <p:bg>
@@ -10223,13 +8417,7 @@
       </p:grpSpPr>
       <p:sp>
         <p:nvSpPr>
-          <p:cNvPr id="2" name="제목 1">
-            <a:extLst>
-              <a:ext uri="{FF2B5EF4-FFF2-40B4-BE49-F238E27FC236}">
-                <a16:creationId xmlns:a16="http://schemas.microsoft.com/office/drawing/2014/main" id="{117210B6-0999-9C4F-954D-22D6B30F9E70}"/>
-              </a:ext>
-            </a:extLst>
-          </p:cNvPr>
+          <p:cNvPr id="2" name="제목 1"/>
           <p:cNvSpPr>
             <a:spLocks noGrp="1"/>
           </p:cNvSpPr>
@@ -10246,19 +8434,27 @@
           <a:p>
             <a:pPr algn="ctr"/>
             <a:r>
-              <a:rPr kumimoji="1" lang="ko-KR" altLang="en-US" sz="4400" dirty="0">
+              <a:rPr lang="ko-KR" altLang="en-US" sz="4400" dirty="0" err="1">
                 <a:solidFill>
                   <a:schemeClr val="bg1"/>
                 </a:solidFill>
               </a:rPr>
-              <a:t>대기환경에 맞는 마스크 추천 </a:t>
+              <a:t>메뉴바</a:t>
+            </a:r>
+            <a:r>
+              <a:rPr lang="ko-KR" altLang="en-US" sz="4400" dirty="0">
+                <a:solidFill>
+                  <a:schemeClr val="bg1"/>
+                </a:solidFill>
+              </a:rPr>
+              <a:t> 존재</a:t>
             </a:r>
           </a:p>
         </p:txBody>
       </p:sp>
       <p:pic>
         <p:nvPicPr>
-          <p:cNvPr id="9" name="내용 개체 틀 8" descr="스크린샷이(가) 표시된 사진&#10;&#10;&#10;&#10;자동 생성된 설명">
+          <p:cNvPr id="4" name="내용 개체 틀 8" descr="스크린샷이(가) 표시된 사진&#10;&#10;&#10;&#10;자동 생성된 설명">
             <a:extLst>
               <a:ext uri="{FF2B5EF4-FFF2-40B4-BE49-F238E27FC236}">
                 <a16:creationId xmlns:a16="http://schemas.microsoft.com/office/drawing/2014/main" id="{49F20AB3-A0D8-E445-957D-6C1CF569A8C4}"/>
@@ -10266,14 +8462,12 @@
             </a:extLst>
           </p:cNvPr>
           <p:cNvPicPr>
-            <a:picLocks noGrp="1" noChangeAspect="1"/>
+            <a:picLocks noChangeAspect="1"/>
           </p:cNvPicPr>
-          <p:nvPr>
-            <p:ph idx="1"/>
-          </p:nvPr>
+          <p:nvPr/>
         </p:nvPicPr>
         <p:blipFill rotWithShape="1">
-          <a:blip r:embed="rId3">
+          <a:blip r:embed="rId2">
             <a:extLst>
               <a:ext uri="{28A0092B-C50C-407E-A947-70E740481C1C}">
                 <a14:useLocalDpi xmlns:a14="http://schemas.microsoft.com/office/drawing/2010/main" val="0"/>
@@ -10285,7 +8479,7 @@
         </p:blipFill>
         <p:spPr>
           <a:xfrm>
-            <a:off x="2954368" y="1523938"/>
+            <a:off x="3026640" y="1521793"/>
             <a:ext cx="2874960" cy="5003551"/>
           </a:xfrm>
           <a:prstGeom prst="flowChartAlternateProcess">
@@ -10295,10 +8489,138 @@
       </p:pic>
       <p:pic>
         <p:nvPicPr>
-          <p:cNvPr id="10" name="내용 개체 틀 4" descr="스크린샷이(가) 표시된 사진&#10;&#10;&#10;&#10;자동 생성된 설명">
+          <p:cNvPr id="1026" name="Picture 2" descr="C:\Users\Administrator\Downloads\menu.gif"/>
+          <p:cNvPicPr>
+            <a:picLocks noChangeAspect="1" noChangeArrowheads="1"/>
+          </p:cNvPicPr>
+          <p:nvPr/>
+        </p:nvPicPr>
+        <p:blipFill>
+          <a:blip r:embed="rId3" cstate="print">
+            <a:extLst>
+              <a:ext uri="{28A0092B-C50C-407E-A947-70E740481C1C}">
+                <a14:useLocalDpi xmlns:a14="http://schemas.microsoft.com/office/drawing/2010/main" val="0"/>
+              </a:ext>
+            </a:extLst>
+          </a:blip>
+          <a:srcRect/>
+          <a:stretch>
+            <a:fillRect/>
+          </a:stretch>
+        </p:blipFill>
+        <p:spPr bwMode="auto">
+          <a:xfrm>
+            <a:off x="3277440" y="2144033"/>
+            <a:ext cx="2474208" cy="3635798"/>
+          </a:xfrm>
+          <a:prstGeom prst="rect">
+            <a:avLst/>
+          </a:prstGeom>
+          <a:noFill/>
+          <a:ln>
+            <a:solidFill>
+              <a:schemeClr val="bg1">
+                <a:lumMod val="50000"/>
+              </a:schemeClr>
+            </a:solidFill>
+          </a:ln>
+          <a:extLst>
+            <a:ext uri="{909E8E84-426E-40DD-AFC4-6F175D3DCCD1}">
+              <a14:hiddenFill xmlns:a14="http://schemas.microsoft.com/office/drawing/2010/main">
+                <a:solidFill>
+                  <a:srgbClr val="FFFFFF"/>
+                </a:solidFill>
+              </a14:hiddenFill>
+            </a:ext>
+          </a:extLst>
+        </p:spPr>
+      </p:pic>
+      <p:sp>
+        <p:nvSpPr>
+          <p:cNvPr id="5" name="제목 1">
             <a:extLst>
               <a:ext uri="{FF2B5EF4-FFF2-40B4-BE49-F238E27FC236}">
-                <a16:creationId xmlns:a16="http://schemas.microsoft.com/office/drawing/2014/main" id="{8ECB2695-C803-364D-BF30-932C21F166BA}"/>
+                <a16:creationId xmlns:a16="http://schemas.microsoft.com/office/drawing/2014/main" id="{061D4447-13C2-B94A-95B3-6ADCED1D0B27}"/>
+              </a:ext>
+            </a:extLst>
+          </p:cNvPr>
+          <p:cNvSpPr txBox="1">
+            <a:spLocks/>
+          </p:cNvSpPr>
+          <p:nvPr/>
+        </p:nvSpPr>
+        <p:spPr>
+          <a:xfrm>
+            <a:off x="683568" y="375245"/>
+            <a:ext cx="7886700" cy="1325563"/>
+          </a:xfrm>
+          <a:prstGeom prst="rect">
+            <a:avLst/>
+          </a:prstGeom>
+        </p:spPr>
+        <p:txBody>
+          <a:bodyPr vert="horz" lIns="91440" tIns="45720" rIns="91440" bIns="45720" rtlCol="0" anchor="ctr">
+            <a:normAutofit/>
+          </a:bodyPr>
+          <a:lstStyle>
+            <a:lvl1pPr algn="l" defTabSz="685800" rtl="0" eaLnBrk="1" latinLnBrk="1" hangingPunct="1">
+              <a:lnSpc>
+                <a:spcPct val="90000"/>
+              </a:lnSpc>
+              <a:spcBef>
+                <a:spcPct val="0"/>
+              </a:spcBef>
+              <a:buNone/>
+              <a:defRPr sz="3300" kern="1200">
+                <a:solidFill>
+                  <a:schemeClr val="tx1"/>
+                </a:solidFill>
+                <a:latin typeface="+mj-lt"/>
+                <a:ea typeface="+mj-ea"/>
+                <a:cs typeface="+mj-cs"/>
+              </a:defRPr>
+            </a:lvl1pPr>
+          </a:lstStyle>
+          <a:p>
+            <a:pPr algn="ctr"/>
+            <a:r>
+              <a:rPr lang="ko-KR" altLang="en-US" sz="4400">
+                <a:solidFill>
+                  <a:schemeClr val="bg1"/>
+                </a:solidFill>
+              </a:rPr>
+              <a:t>쇼핑 기능</a:t>
+            </a:r>
+            <a:r>
+              <a:rPr lang="en-US" altLang="ko-KR" sz="4400">
+                <a:solidFill>
+                  <a:schemeClr val="bg1"/>
+                </a:solidFill>
+              </a:rPr>
+              <a:t>&amp;</a:t>
+            </a:r>
+            <a:r>
+              <a:rPr lang="ko-KR" altLang="en-US" sz="4400">
+                <a:solidFill>
+                  <a:schemeClr val="bg1"/>
+                </a:solidFill>
+              </a:rPr>
+              <a:t>리뷰 관리</a:t>
+            </a:r>
+            <a:endParaRPr lang="ko-KR" altLang="en-US" sz="4400" dirty="0">
+              <a:solidFill>
+                <a:schemeClr val="bg1"/>
+              </a:solidFill>
+            </a:endParaRPr>
+          </a:p>
+        </p:txBody>
+      </p:sp>
+      <p:pic>
+        <p:nvPicPr>
+          <p:cNvPr id="6" name="내용 개체 틀 8" descr="스크린샷이(가) 표시된 사진&#10;&#10;&#10;&#10;자동 생성된 설명">
+            <a:extLst>
+              <a:ext uri="{FF2B5EF4-FFF2-40B4-BE49-F238E27FC236}">
+                <a16:creationId xmlns:a16="http://schemas.microsoft.com/office/drawing/2014/main" id="{6F6FA05E-2916-CC48-A959-452FA08953AC}"/>
               </a:ext>
             </a:extLst>
           </p:cNvPr>
@@ -10306,6 +8628,43 @@
             <a:picLocks noChangeAspect="1"/>
           </p:cNvPicPr>
           <p:nvPr/>
+        </p:nvPicPr>
+        <p:blipFill rotWithShape="1">
+          <a:blip r:embed="rId2">
+            <a:extLst>
+              <a:ext uri="{28A0092B-C50C-407E-A947-70E740481C1C}">
+                <a14:useLocalDpi xmlns:a14="http://schemas.microsoft.com/office/drawing/2010/main" val="0"/>
+              </a:ext>
+            </a:extLst>
+          </a:blip>
+          <a:srcRect l="23539" t="33410" r="26460" b="7724"/>
+          <a:stretch/>
+        </p:blipFill>
+        <p:spPr>
+          <a:xfrm>
+            <a:off x="2882892" y="1006470"/>
+            <a:ext cx="3162456" cy="5503906"/>
+          </a:xfrm>
+          <a:prstGeom prst="flowChartAlternateProcess">
+            <a:avLst/>
+          </a:prstGeom>
+        </p:spPr>
+      </p:pic>
+      <p:pic>
+        <p:nvPicPr>
+          <p:cNvPr id="7" name="내용 개체 틀 4" descr="스크린샷이(가) 표시된 사진&#10;&#10;&#10;&#10;자동 생성된 설명">
+            <a:extLst>
+              <a:ext uri="{FF2B5EF4-FFF2-40B4-BE49-F238E27FC236}">
+                <a16:creationId xmlns:a16="http://schemas.microsoft.com/office/drawing/2014/main" id="{BA124173-C807-9A4F-A5E9-8A9F11AE5E99}"/>
+              </a:ext>
+            </a:extLst>
+          </p:cNvPr>
+          <p:cNvPicPr>
+            <a:picLocks noGrp="1" noChangeAspect="1"/>
+          </p:cNvPicPr>
+          <p:nvPr>
+            <p:ph idx="1"/>
+          </p:nvPr>
         </p:nvPicPr>
         <p:blipFill>
           <a:blip r:embed="rId4" cstate="print">
@@ -10321,12 +8680,9 @@
         </p:blipFill>
         <p:spPr>
           <a:xfrm>
-            <a:off x="3204904" y="2157793"/>
-            <a:ext cx="2474208" cy="3622645"/>
+            <a:off x="3153465" y="1702627"/>
+            <a:ext cx="2721629" cy="4004510"/>
           </a:xfrm>
-          <a:prstGeom prst="rect">
-            <a:avLst/>
-          </a:prstGeom>
           <a:ln>
             <a:solidFill>
               <a:schemeClr val="bg1">
@@ -10339,7 +8695,7 @@
     </p:spTree>
     <p:extLst>
       <p:ext uri="{BB962C8B-B14F-4D97-AF65-F5344CB8AC3E}">
-        <p14:creationId xmlns:p14="http://schemas.microsoft.com/office/powerpoint/2010/main" val="2134451939"/>
+        <p14:creationId xmlns:p14="http://schemas.microsoft.com/office/powerpoint/2010/main" val="2008364674"/>
       </p:ext>
     </p:extLst>
   </p:cSld>
@@ -10372,7 +8728,7 @@
                               <p:par>
                                 <p:cTn id="5" presetID="1" presetClass="entr" presetSubtype="0" fill="hold" grpId="0" nodeType="clickEffect">
                                   <p:stCondLst>
-                                    <p:cond delay="500"/>
+                                    <p:cond delay="0"/>
                                   </p:stCondLst>
                                   <p:childTnLst>
                                     <p:set>
@@ -10384,6 +8740,155 @@
                                         </p:cTn>
                                         <p:tgtEl>
                                           <p:spTgt spid="2"/>
+                                        </p:tgtEl>
+                                        <p:attrNameLst>
+                                          <p:attrName>style.visibility</p:attrName>
+                                        </p:attrNameLst>
+                                      </p:cBhvr>
+                                      <p:to>
+                                        <p:strVal val="visible"/>
+                                      </p:to>
+                                    </p:set>
+                                  </p:childTnLst>
+                                  <p:subTnLst>
+                                    <p:set>
+                                      <p:cBhvr override="childStyle">
+                                        <p:cTn dur="1" fill="hold" display="0" masterRel="nextClick" afterEffect="1"/>
+                                        <p:tgtEl>
+                                          <p:spTgt spid="2"/>
+                                        </p:tgtEl>
+                                        <p:attrNameLst>
+                                          <p:attrName>style.visibility</p:attrName>
+                                        </p:attrNameLst>
+                                      </p:cBhvr>
+                                      <p:to>
+                                        <p:strVal val="hidden"/>
+                                      </p:to>
+                                    </p:set>
+                                  </p:subTnLst>
+                                </p:cTn>
+                              </p:par>
+                            </p:childTnLst>
+                          </p:cTn>
+                        </p:par>
+                      </p:childTnLst>
+                    </p:cTn>
+                  </p:par>
+                  <p:par>
+                    <p:cTn id="7" fill="hold">
+                      <p:stCondLst>
+                        <p:cond delay="indefinite"/>
+                      </p:stCondLst>
+                      <p:childTnLst>
+                        <p:par>
+                          <p:cTn id="8" fill="hold">
+                            <p:stCondLst>
+                              <p:cond delay="0"/>
+                            </p:stCondLst>
+                            <p:childTnLst>
+                              <p:par>
+                                <p:cTn id="9" presetID="1" presetClass="entr" presetSubtype="0" fill="hold" grpId="0" nodeType="clickEffect">
+                                  <p:stCondLst>
+                                    <p:cond delay="500"/>
+                                  </p:stCondLst>
+                                  <p:childTnLst>
+                                    <p:set>
+                                      <p:cBhvr>
+                                        <p:cTn id="10" dur="1" fill="hold">
+                                          <p:stCondLst>
+                                            <p:cond delay="0"/>
+                                          </p:stCondLst>
+                                        </p:cTn>
+                                        <p:tgtEl>
+                                          <p:spTgt spid="5"/>
+                                        </p:tgtEl>
+                                        <p:attrNameLst>
+                                          <p:attrName>style.visibility</p:attrName>
+                                        </p:attrNameLst>
+                                      </p:cBhvr>
+                                      <p:to>
+                                        <p:strVal val="visible"/>
+                                      </p:to>
+                                    </p:set>
+                                  </p:childTnLst>
+                                  <p:subTnLst>
+                                    <p:set>
+                                      <p:cBhvr override="childStyle">
+                                        <p:cTn dur="1" fill="hold" display="0" masterRel="nextClick" afterEffect="1"/>
+                                        <p:tgtEl>
+                                          <p:spTgt spid="5"/>
+                                        </p:tgtEl>
+                                        <p:attrNameLst>
+                                          <p:attrName>style.visibility</p:attrName>
+                                        </p:attrNameLst>
+                                      </p:cBhvr>
+                                      <p:to>
+                                        <p:strVal val="hidden"/>
+                                      </p:to>
+                                    </p:set>
+                                  </p:subTnLst>
+                                </p:cTn>
+                              </p:par>
+                            </p:childTnLst>
+                          </p:cTn>
+                        </p:par>
+                      </p:childTnLst>
+                    </p:cTn>
+                  </p:par>
+                  <p:par>
+                    <p:cTn id="11" fill="hold">
+                      <p:stCondLst>
+                        <p:cond delay="indefinite"/>
+                      </p:stCondLst>
+                      <p:childTnLst>
+                        <p:par>
+                          <p:cTn id="12" fill="hold">
+                            <p:stCondLst>
+                              <p:cond delay="0"/>
+                            </p:stCondLst>
+                            <p:childTnLst>
+                              <p:par>
+                                <p:cTn id="13" presetID="1" presetClass="entr" presetSubtype="0" fill="hold" nodeType="clickEffect">
+                                  <p:stCondLst>
+                                    <p:cond delay="0"/>
+                                  </p:stCondLst>
+                                  <p:childTnLst>
+                                    <p:set>
+                                      <p:cBhvr>
+                                        <p:cTn id="14" dur="1" fill="hold">
+                                          <p:stCondLst>
+                                            <p:cond delay="0"/>
+                                          </p:stCondLst>
+                                        </p:cTn>
+                                        <p:tgtEl>
+                                          <p:spTgt spid="6"/>
+                                        </p:tgtEl>
+                                        <p:attrNameLst>
+                                          <p:attrName>style.visibility</p:attrName>
+                                        </p:attrNameLst>
+                                      </p:cBhvr>
+                                      <p:to>
+                                        <p:strVal val="visible"/>
+                                      </p:to>
+                                    </p:set>
+                                  </p:childTnLst>
+                                </p:cTn>
+                              </p:par>
+                              <p:par>
+                                <p:cTn id="15" presetID="1" presetClass="entr" presetSubtype="0" fill="hold" nodeType="withEffect">
+                                  <p:stCondLst>
+                                    <p:cond delay="0"/>
+                                  </p:stCondLst>
+                                  <p:childTnLst>
+                                    <p:set>
+                                      <p:cBhvr>
+                                        <p:cTn id="16" dur="1" fill="hold">
+                                          <p:stCondLst>
+                                            <p:cond delay="0"/>
+                                          </p:stCondLst>
+                                        </p:cTn>
+                                        <p:tgtEl>
+                                          <p:spTgt spid="7"/>
                                         </p:tgtEl>
                                         <p:attrNameLst>
                                           <p:attrName>style.visibility</p:attrName>
@@ -10425,7 +8930,774 @@
     </p:tnLst>
     <p:bldLst>
       <p:bldP spid="2" grpId="0"/>
+      <p:bldP spid="5" grpId="0"/>
     </p:bldLst>
+  </p:timing>
+</p:sld>
+</file>
+
+<file path=ppt/slides/slide7.xml><?xml version="1.0" encoding="utf-8"?>
+<p:sld xmlns:a="http://schemas.openxmlformats.org/drawingml/2006/main" xmlns:r="http://schemas.openxmlformats.org/officeDocument/2006/relationships" xmlns:p="http://schemas.openxmlformats.org/presentationml/2006/main">
+  <p:cSld>
+    <p:bg>
+      <p:bgPr>
+        <a:solidFill>
+          <a:srgbClr val="05022F"/>
+        </a:solidFill>
+        <a:effectLst/>
+      </p:bgPr>
+    </p:bg>
+    <p:spTree>
+      <p:nvGrpSpPr>
+        <p:cNvPr id="1" name=""/>
+        <p:cNvGrpSpPr/>
+        <p:nvPr/>
+      </p:nvGrpSpPr>
+      <p:grpSpPr>
+        <a:xfrm>
+          <a:off x="0" y="0"/>
+          <a:ext cx="0" cy="0"/>
+          <a:chOff x="0" y="0"/>
+          <a:chExt cx="0" cy="0"/>
+        </a:xfrm>
+      </p:grpSpPr>
+      <p:sp>
+        <p:nvSpPr>
+          <p:cNvPr id="2" name="제목 1"/>
+          <p:cNvSpPr>
+            <a:spLocks noGrp="1"/>
+          </p:cNvSpPr>
+          <p:nvPr>
+            <p:ph type="title"/>
+          </p:nvPr>
+        </p:nvSpPr>
+        <p:spPr/>
+        <p:txBody>
+          <a:bodyPr>
+            <a:normAutofit/>
+          </a:bodyPr>
+          <a:lstStyle/>
+          <a:p>
+            <a:pPr algn="ctr"/>
+            <a:r>
+              <a:rPr lang="ko-KR" altLang="en-US" sz="4400" dirty="0">
+                <a:solidFill>
+                  <a:schemeClr val="bg1"/>
+                </a:solidFill>
+              </a:rPr>
+              <a:t>정기배송 </a:t>
+            </a:r>
+            <a:r>
+              <a:rPr lang="en-US" altLang="ko-KR" sz="4400" dirty="0">
+                <a:solidFill>
+                  <a:schemeClr val="bg1"/>
+                </a:solidFill>
+              </a:rPr>
+              <a:t>&amp; </a:t>
+            </a:r>
+            <a:r>
+              <a:rPr lang="ko-KR" altLang="en-US" sz="4400" dirty="0">
+                <a:solidFill>
+                  <a:schemeClr val="bg1"/>
+                </a:solidFill>
+              </a:rPr>
+              <a:t>잔여 마스크 수</a:t>
+            </a:r>
+          </a:p>
+        </p:txBody>
+      </p:sp>
+      <p:pic>
+        <p:nvPicPr>
+          <p:cNvPr id="4" name="내용 개체 틀 8" descr="스크린샷이(가) 표시된 사진&#10;&#10;&#10;&#10;자동 생성된 설명">
+            <a:extLst>
+              <a:ext uri="{FF2B5EF4-FFF2-40B4-BE49-F238E27FC236}">
+                <a16:creationId xmlns:a16="http://schemas.microsoft.com/office/drawing/2014/main" id="{49F20AB3-A0D8-E445-957D-6C1CF569A8C4}"/>
+              </a:ext>
+            </a:extLst>
+          </p:cNvPr>
+          <p:cNvPicPr>
+            <a:picLocks noChangeAspect="1"/>
+          </p:cNvPicPr>
+          <p:nvPr/>
+        </p:nvPicPr>
+        <p:blipFill rotWithShape="1">
+          <a:blip r:embed="rId2">
+            <a:extLst>
+              <a:ext uri="{28A0092B-C50C-407E-A947-70E740481C1C}">
+                <a14:useLocalDpi xmlns:a14="http://schemas.microsoft.com/office/drawing/2010/main" val="0"/>
+              </a:ext>
+            </a:extLst>
+          </a:blip>
+          <a:srcRect l="23539" t="33410" r="26460" b="7724"/>
+          <a:stretch/>
+        </p:blipFill>
+        <p:spPr>
+          <a:xfrm>
+            <a:off x="5868408" y="1690840"/>
+            <a:ext cx="2376000" cy="4135166"/>
+          </a:xfrm>
+          <a:prstGeom prst="flowChartAlternateProcess">
+            <a:avLst/>
+          </a:prstGeom>
+        </p:spPr>
+      </p:pic>
+      <p:pic>
+        <p:nvPicPr>
+          <p:cNvPr id="1026" name="Picture 2" descr="C:\Users\Administrator\Downloads\menu.gif"/>
+          <p:cNvPicPr>
+            <a:picLocks noChangeAspect="1" noChangeArrowheads="1"/>
+          </p:cNvPicPr>
+          <p:nvPr/>
+        </p:nvPicPr>
+        <p:blipFill>
+          <a:blip r:embed="rId3" cstate="print">
+            <a:extLst>
+              <a:ext uri="{28A0092B-C50C-407E-A947-70E740481C1C}">
+                <a14:useLocalDpi xmlns:a14="http://schemas.microsoft.com/office/drawing/2010/main" val="0"/>
+              </a:ext>
+            </a:extLst>
+          </a:blip>
+          <a:srcRect/>
+          <a:stretch>
+            <a:fillRect/>
+          </a:stretch>
+        </p:blipFill>
+        <p:spPr bwMode="auto">
+          <a:xfrm>
+            <a:off x="6084432" y="2194391"/>
+            <a:ext cx="2044800" cy="3004792"/>
+          </a:xfrm>
+          <a:prstGeom prst="rect">
+            <a:avLst/>
+          </a:prstGeom>
+          <a:noFill/>
+          <a:ln>
+            <a:solidFill>
+              <a:schemeClr val="bg1">
+                <a:lumMod val="50000"/>
+              </a:schemeClr>
+            </a:solidFill>
+          </a:ln>
+          <a:extLst>
+            <a:ext uri="{909E8E84-426E-40DD-AFC4-6F175D3DCCD1}">
+              <a14:hiddenFill xmlns:a14="http://schemas.microsoft.com/office/drawing/2010/main">
+                <a:solidFill>
+                  <a:srgbClr val="FFFFFF"/>
+                </a:solidFill>
+              </a14:hiddenFill>
+            </a:ext>
+          </a:extLst>
+        </p:spPr>
+      </p:pic>
+      <p:grpSp>
+        <p:nvGrpSpPr>
+          <p:cNvPr id="6" name="그룹 5"/>
+          <p:cNvGrpSpPr/>
+          <p:nvPr/>
+        </p:nvGrpSpPr>
+        <p:grpSpPr>
+          <a:xfrm>
+            <a:off x="434240" y="2204864"/>
+            <a:ext cx="4641816" cy="4176464"/>
+            <a:chOff x="434240" y="2204864"/>
+            <a:chExt cx="4641816" cy="4176464"/>
+          </a:xfrm>
+        </p:grpSpPr>
+        <p:pic>
+          <p:nvPicPr>
+            <p:cNvPr id="2050" name="Picture 2" descr="C:\Users\Administrator\Downloads\icon-crop (1).gif"/>
+            <p:cNvPicPr>
+              <a:picLocks noChangeAspect="1" noChangeArrowheads="1"/>
+            </p:cNvPicPr>
+            <p:nvPr/>
+          </p:nvPicPr>
+          <p:blipFill>
+            <a:blip r:embed="rId4" cstate="print">
+              <a:extLst>
+                <a:ext uri="{28A0092B-C50C-407E-A947-70E740481C1C}">
+                  <a14:useLocalDpi xmlns:a14="http://schemas.microsoft.com/office/drawing/2010/main" val="0"/>
+                </a:ext>
+              </a:extLst>
+            </a:blip>
+            <a:srcRect/>
+            <a:stretch>
+              <a:fillRect/>
+            </a:stretch>
+          </p:blipFill>
+          <p:spPr bwMode="auto">
+            <a:xfrm>
+              <a:off x="2123848" y="5013176"/>
+              <a:ext cx="1080000" cy="1080000"/>
+            </a:xfrm>
+            <a:prstGeom prst="rect">
+              <a:avLst/>
+            </a:prstGeom>
+            <a:noFill/>
+            <a:extLst>
+              <a:ext uri="{909E8E84-426E-40DD-AFC4-6F175D3DCCD1}">
+                <a14:hiddenFill xmlns:a14="http://schemas.microsoft.com/office/drawing/2010/main">
+                  <a:solidFill>
+                    <a:srgbClr val="FFFFFF"/>
+                  </a:solidFill>
+                </a14:hiddenFill>
+              </a:ext>
+            </a:extLst>
+          </p:spPr>
+        </p:pic>
+        <p:pic>
+          <p:nvPicPr>
+            <p:cNvPr id="1028" name="Picture 4" descr="C:\Users\Administrator\Documents\아이디어톤\집.png"/>
+            <p:cNvPicPr>
+              <a:picLocks noChangeAspect="1" noChangeArrowheads="1"/>
+            </p:cNvPicPr>
+            <p:nvPr/>
+          </p:nvPicPr>
+          <p:blipFill>
+            <a:blip r:embed="rId5">
+              <a:extLst>
+                <a:ext uri="{28A0092B-C50C-407E-A947-70E740481C1C}">
+                  <a14:useLocalDpi xmlns:a14="http://schemas.microsoft.com/office/drawing/2010/main" val="0"/>
+                </a:ext>
+              </a:extLst>
+            </a:blip>
+            <a:srcRect/>
+            <a:stretch>
+              <a:fillRect/>
+            </a:stretch>
+          </p:blipFill>
+          <p:spPr bwMode="auto">
+            <a:xfrm>
+              <a:off x="434240" y="3117344"/>
+              <a:ext cx="1463783" cy="1463783"/>
+            </a:xfrm>
+            <a:prstGeom prst="rect">
+              <a:avLst/>
+            </a:prstGeom>
+            <a:noFill/>
+            <a:extLst>
+              <a:ext uri="{909E8E84-426E-40DD-AFC4-6F175D3DCCD1}">
+                <a14:hiddenFill xmlns:a14="http://schemas.microsoft.com/office/drawing/2010/main">
+                  <a:solidFill>
+                    <a:srgbClr val="FFFFFF"/>
+                  </a:solidFill>
+                </a14:hiddenFill>
+              </a:ext>
+            </a:extLst>
+          </p:spPr>
+        </p:pic>
+        <p:pic>
+          <p:nvPicPr>
+            <p:cNvPr id="1029" name="Picture 5" descr="C:\Users\Administrator\Documents\아이디어톤\33407794-건물-아이콘.jpg"/>
+            <p:cNvPicPr>
+              <a:picLocks noChangeAspect="1" noChangeArrowheads="1"/>
+            </p:cNvPicPr>
+            <p:nvPr/>
+          </p:nvPicPr>
+          <p:blipFill rotWithShape="1">
+            <a:blip r:embed="rId6" cstate="print">
+              <a:extLst>
+                <a:ext uri="{28A0092B-C50C-407E-A947-70E740481C1C}">
+                  <a14:useLocalDpi xmlns:a14="http://schemas.microsoft.com/office/drawing/2010/main" val="0"/>
+                </a:ext>
+              </a:extLst>
+            </a:blip>
+            <a:srcRect l="65557" b="60440"/>
+            <a:stretch/>
+          </p:blipFill>
+          <p:spPr bwMode="auto">
+            <a:xfrm>
+              <a:off x="3424688" y="2852935"/>
+              <a:ext cx="1651368" cy="1867842"/>
+            </a:xfrm>
+            <a:prstGeom prst="rect">
+              <a:avLst/>
+            </a:prstGeom>
+            <a:noFill/>
+            <a:extLst>
+              <a:ext uri="{909E8E84-426E-40DD-AFC4-6F175D3DCCD1}">
+                <a14:hiddenFill xmlns:a14="http://schemas.microsoft.com/office/drawing/2010/main">
+                  <a:solidFill>
+                    <a:srgbClr val="FFFFFF"/>
+                  </a:solidFill>
+                </a14:hiddenFill>
+              </a:ext>
+            </a:extLst>
+          </p:spPr>
+        </p:pic>
+        <p:sp>
+          <p:nvSpPr>
+            <p:cNvPr id="10" name="U자형 화살표 9"/>
+            <p:cNvSpPr/>
+            <p:nvPr/>
+          </p:nvSpPr>
+          <p:spPr>
+            <a:xfrm>
+              <a:off x="1187624" y="2564903"/>
+              <a:ext cx="2988000" cy="468000"/>
+            </a:xfrm>
+            <a:prstGeom prst="uturnArrow">
+              <a:avLst>
+                <a:gd name="adj1" fmla="val 6596"/>
+                <a:gd name="adj2" fmla="val 25000"/>
+                <a:gd name="adj3" fmla="val 25000"/>
+                <a:gd name="adj4" fmla="val 50000"/>
+                <a:gd name="adj5" fmla="val 100000"/>
+              </a:avLst>
+            </a:prstGeom>
+            <a:solidFill>
+              <a:srgbClr val="626262"/>
+            </a:solidFill>
+            <a:ln>
+              <a:solidFill>
+                <a:srgbClr val="626262"/>
+              </a:solidFill>
+            </a:ln>
+          </p:spPr>
+          <p:style>
+            <a:lnRef idx="2">
+              <a:schemeClr val="accent1">
+                <a:shade val="50000"/>
+              </a:schemeClr>
+            </a:lnRef>
+            <a:fillRef idx="1">
+              <a:schemeClr val="accent1"/>
+            </a:fillRef>
+            <a:effectRef idx="0">
+              <a:schemeClr val="accent1"/>
+            </a:effectRef>
+            <a:fontRef idx="minor">
+              <a:schemeClr val="lt1"/>
+            </a:fontRef>
+          </p:style>
+          <p:txBody>
+            <a:bodyPr rtlCol="0" anchor="ctr"/>
+            <a:lstStyle/>
+            <a:p>
+              <a:pPr algn="ctr"/>
+              <a:endParaRPr lang="ko-KR" altLang="en-US">
+                <a:solidFill>
+                  <a:schemeClr val="tx1"/>
+                </a:solidFill>
+              </a:endParaRPr>
+            </a:p>
+          </p:txBody>
+        </p:sp>
+        <p:sp>
+          <p:nvSpPr>
+            <p:cNvPr id="19" name="U자형 화살표 18"/>
+            <p:cNvSpPr/>
+            <p:nvPr/>
+          </p:nvSpPr>
+          <p:spPr>
+            <a:xfrm rot="10800000">
+              <a:off x="1151952" y="4689191"/>
+              <a:ext cx="2988000" cy="468000"/>
+            </a:xfrm>
+            <a:prstGeom prst="uturnArrow">
+              <a:avLst>
+                <a:gd name="adj1" fmla="val 6596"/>
+                <a:gd name="adj2" fmla="val 25000"/>
+                <a:gd name="adj3" fmla="val 25000"/>
+                <a:gd name="adj4" fmla="val 50000"/>
+                <a:gd name="adj5" fmla="val 100000"/>
+              </a:avLst>
+            </a:prstGeom>
+            <a:solidFill>
+              <a:srgbClr val="626262"/>
+            </a:solidFill>
+            <a:ln>
+              <a:solidFill>
+                <a:srgbClr val="626262"/>
+              </a:solidFill>
+            </a:ln>
+          </p:spPr>
+          <p:style>
+            <a:lnRef idx="2">
+              <a:schemeClr val="accent1">
+                <a:shade val="50000"/>
+              </a:schemeClr>
+            </a:lnRef>
+            <a:fillRef idx="1">
+              <a:schemeClr val="accent1"/>
+            </a:fillRef>
+            <a:effectRef idx="0">
+              <a:schemeClr val="accent1"/>
+            </a:effectRef>
+            <a:fontRef idx="minor">
+              <a:schemeClr val="lt1"/>
+            </a:fontRef>
+          </p:style>
+          <p:txBody>
+            <a:bodyPr rtlCol="0" anchor="ctr"/>
+            <a:lstStyle/>
+            <a:p>
+              <a:pPr algn="ctr"/>
+              <a:endParaRPr lang="ko-KR" altLang="en-US">
+                <a:solidFill>
+                  <a:schemeClr val="tx1"/>
+                </a:solidFill>
+              </a:endParaRPr>
+            </a:p>
+          </p:txBody>
+        </p:sp>
+        <p:sp>
+          <p:nvSpPr>
+            <p:cNvPr id="3" name="TextBox 2"/>
+            <p:cNvSpPr txBox="1"/>
+            <p:nvPr/>
+          </p:nvSpPr>
+          <p:spPr>
+            <a:xfrm>
+              <a:off x="2123848" y="6088940"/>
+              <a:ext cx="1080000" cy="292388"/>
+            </a:xfrm>
+            <a:prstGeom prst="rect">
+              <a:avLst/>
+            </a:prstGeom>
+            <a:noFill/>
+          </p:spPr>
+          <p:txBody>
+            <a:bodyPr wrap="square" rtlCol="0">
+              <a:spAutoFit/>
+            </a:bodyPr>
+            <a:lstStyle/>
+            <a:p>
+              <a:r>
+                <a:rPr lang="ko-KR" altLang="en-US" sz="1300" dirty="0">
+                  <a:solidFill>
+                    <a:schemeClr val="bg1"/>
+                  </a:solidFill>
+                </a:rPr>
+                <a:t>마스크 배송</a:t>
+              </a:r>
+            </a:p>
+          </p:txBody>
+        </p:sp>
+        <p:sp>
+          <p:nvSpPr>
+            <p:cNvPr id="5" name="TextBox 4"/>
+            <p:cNvSpPr txBox="1"/>
+            <p:nvPr/>
+          </p:nvSpPr>
+          <p:spPr>
+            <a:xfrm>
+              <a:off x="1979712" y="2204864"/>
+              <a:ext cx="1944216" cy="323165"/>
+            </a:xfrm>
+            <a:prstGeom prst="rect">
+              <a:avLst/>
+            </a:prstGeom>
+            <a:noFill/>
+          </p:spPr>
+          <p:txBody>
+            <a:bodyPr wrap="square" rtlCol="0">
+              <a:spAutoFit/>
+            </a:bodyPr>
+            <a:lstStyle/>
+            <a:p>
+              <a:r>
+                <a:rPr lang="ko-KR" altLang="en-US" sz="1500" dirty="0">
+                  <a:solidFill>
+                    <a:schemeClr val="bg1"/>
+                  </a:solidFill>
+                </a:rPr>
+                <a:t>남은 마스크 수</a:t>
+              </a:r>
+            </a:p>
+          </p:txBody>
+        </p:sp>
+      </p:grpSp>
+    </p:spTree>
+    <p:extLst>
+      <p:ext uri="{BB962C8B-B14F-4D97-AF65-F5344CB8AC3E}">
+        <p14:creationId xmlns:p14="http://schemas.microsoft.com/office/powerpoint/2010/main" val="1049161184"/>
+      </p:ext>
+    </p:extLst>
+  </p:cSld>
+  <p:clrMapOvr>
+    <a:masterClrMapping/>
+  </p:clrMapOvr>
+  <p:transition spd="slow">
+    <p:wipe/>
+  </p:transition>
+</p:sld>
+</file>
+
+<file path=ppt/slides/slide8.xml><?xml version="1.0" encoding="utf-8"?>
+<p:sld xmlns:a="http://schemas.openxmlformats.org/drawingml/2006/main" xmlns:r="http://schemas.openxmlformats.org/officeDocument/2006/relationships" xmlns:p="http://schemas.openxmlformats.org/presentationml/2006/main">
+  <p:cSld>
+    <p:bg>
+      <p:bgPr>
+        <a:solidFill>
+          <a:srgbClr val="05022F"/>
+        </a:solidFill>
+        <a:effectLst/>
+      </p:bgPr>
+    </p:bg>
+    <p:spTree>
+      <p:nvGrpSpPr>
+        <p:cNvPr id="1" name=""/>
+        <p:cNvGrpSpPr/>
+        <p:nvPr/>
+      </p:nvGrpSpPr>
+      <p:grpSpPr>
+        <a:xfrm>
+          <a:off x="0" y="0"/>
+          <a:ext cx="0" cy="0"/>
+          <a:chOff x="0" y="0"/>
+          <a:chExt cx="0" cy="0"/>
+        </a:xfrm>
+      </p:grpSpPr>
+      <p:sp>
+        <p:nvSpPr>
+          <p:cNvPr id="2" name="제목 1"/>
+          <p:cNvSpPr>
+            <a:spLocks noGrp="1"/>
+          </p:cNvSpPr>
+          <p:nvPr>
+            <p:ph type="title"/>
+          </p:nvPr>
+        </p:nvSpPr>
+        <p:spPr/>
+        <p:txBody>
+          <a:bodyPr>
+            <a:normAutofit/>
+          </a:bodyPr>
+          <a:lstStyle/>
+          <a:p>
+            <a:pPr algn="ctr"/>
+            <a:r>
+              <a:rPr lang="ko-KR" altLang="en-US" sz="4400" dirty="0" err="1">
+                <a:solidFill>
+                  <a:schemeClr val="bg1"/>
+                </a:solidFill>
+              </a:rPr>
+              <a:t>알람</a:t>
+            </a:r>
+            <a:r>
+              <a:rPr lang="ko-KR" altLang="en-US" sz="4400" dirty="0">
+                <a:solidFill>
+                  <a:schemeClr val="bg1"/>
+                </a:solidFill>
+              </a:rPr>
+              <a:t> 설정 기능</a:t>
+            </a:r>
+          </a:p>
+        </p:txBody>
+      </p:sp>
+      <p:pic>
+        <p:nvPicPr>
+          <p:cNvPr id="4" name="내용 개체 틀 8" descr="스크린샷이(가) 표시된 사진&#10;&#10;&#10;&#10;자동 생성된 설명">
+            <a:extLst>
+              <a:ext uri="{FF2B5EF4-FFF2-40B4-BE49-F238E27FC236}">
+                <a16:creationId xmlns:a16="http://schemas.microsoft.com/office/drawing/2014/main" id="{49F20AB3-A0D8-E445-957D-6C1CF569A8C4}"/>
+              </a:ext>
+            </a:extLst>
+          </p:cNvPr>
+          <p:cNvPicPr>
+            <a:picLocks noChangeAspect="1"/>
+          </p:cNvPicPr>
+          <p:nvPr/>
+        </p:nvPicPr>
+        <p:blipFill rotWithShape="1">
+          <a:blip r:embed="rId3">
+            <a:extLst>
+              <a:ext uri="{28A0092B-C50C-407E-A947-70E740481C1C}">
+                <a14:useLocalDpi xmlns:a14="http://schemas.microsoft.com/office/drawing/2010/main" val="0"/>
+              </a:ext>
+            </a:extLst>
+          </a:blip>
+          <a:srcRect l="23539" t="33410" r="26460" b="7724"/>
+          <a:stretch/>
+        </p:blipFill>
+        <p:spPr>
+          <a:xfrm>
+            <a:off x="3065192" y="1449785"/>
+            <a:ext cx="2874960" cy="5003551"/>
+          </a:xfrm>
+          <a:prstGeom prst="flowChartAlternateProcess">
+            <a:avLst/>
+          </a:prstGeom>
+        </p:spPr>
+      </p:pic>
+      <p:pic>
+        <p:nvPicPr>
+          <p:cNvPr id="1026" name="Picture 2" descr="C:\Users\Administrator\Downloads\menu.gif"/>
+          <p:cNvPicPr>
+            <a:picLocks noChangeAspect="1" noChangeArrowheads="1"/>
+          </p:cNvPicPr>
+          <p:nvPr/>
+        </p:nvPicPr>
+        <p:blipFill>
+          <a:blip r:embed="rId4" cstate="print">
+            <a:extLst>
+              <a:ext uri="{28A0092B-C50C-407E-A947-70E740481C1C}">
+                <a14:useLocalDpi xmlns:a14="http://schemas.microsoft.com/office/drawing/2010/main" val="0"/>
+              </a:ext>
+            </a:extLst>
+          </a:blip>
+          <a:srcRect/>
+          <a:stretch>
+            <a:fillRect/>
+          </a:stretch>
+        </p:blipFill>
+        <p:spPr bwMode="auto">
+          <a:xfrm>
+            <a:off x="3315992" y="2072025"/>
+            <a:ext cx="2474345" cy="3636000"/>
+          </a:xfrm>
+          <a:prstGeom prst="rect">
+            <a:avLst/>
+          </a:prstGeom>
+          <a:noFill/>
+          <a:ln>
+            <a:solidFill>
+              <a:schemeClr val="bg1">
+                <a:lumMod val="50000"/>
+              </a:schemeClr>
+            </a:solidFill>
+          </a:ln>
+          <a:extLst>
+            <a:ext uri="{909E8E84-426E-40DD-AFC4-6F175D3DCCD1}">
+              <a14:hiddenFill xmlns:a14="http://schemas.microsoft.com/office/drawing/2010/main">
+                <a:solidFill>
+                  <a:srgbClr val="FFFFFF"/>
+                </a:solidFill>
+              </a14:hiddenFill>
+            </a:ext>
+          </a:extLst>
+        </p:spPr>
+      </p:pic>
+      <p:pic>
+        <p:nvPicPr>
+          <p:cNvPr id="5" name="그림 4" descr="실내이(가) 표시된 사진&#10;&#10;&#10;&#10;자동 생성된 설명">
+            <a:extLst>
+              <a:ext uri="{FF2B5EF4-FFF2-40B4-BE49-F238E27FC236}">
+                <a16:creationId xmlns:a16="http://schemas.microsoft.com/office/drawing/2014/main" id="{9E7717B7-90BA-3F4B-9BB0-475AC09E75EA}"/>
+              </a:ext>
+            </a:extLst>
+          </p:cNvPr>
+          <p:cNvPicPr>
+            <a:picLocks/>
+          </p:cNvPicPr>
+          <p:nvPr/>
+        </p:nvPicPr>
+        <p:blipFill>
+          <a:blip r:embed="rId5" cstate="print">
+            <a:extLst>
+              <a:ext uri="{28A0092B-C50C-407E-A947-70E740481C1C}">
+                <a14:useLocalDpi xmlns:a14="http://schemas.microsoft.com/office/drawing/2010/main" val="0"/>
+              </a:ext>
+            </a:extLst>
+          </a:blip>
+          <a:stretch>
+            <a:fillRect/>
+          </a:stretch>
+        </p:blipFill>
+        <p:spPr>
+          <a:xfrm>
+            <a:off x="3315992" y="2054844"/>
+            <a:ext cx="2474208" cy="3636000"/>
+          </a:xfrm>
+          <a:prstGeom prst="rect">
+            <a:avLst/>
+          </a:prstGeom>
+          <a:ln>
+            <a:solidFill>
+              <a:schemeClr val="bg1">
+                <a:lumMod val="50000"/>
+              </a:schemeClr>
+            </a:solidFill>
+          </a:ln>
+        </p:spPr>
+      </p:pic>
+    </p:spTree>
+    <p:extLst>
+      <p:ext uri="{BB962C8B-B14F-4D97-AF65-F5344CB8AC3E}">
+        <p14:creationId xmlns:p14="http://schemas.microsoft.com/office/powerpoint/2010/main" val="3212548607"/>
+      </p:ext>
+    </p:extLst>
+  </p:cSld>
+  <p:clrMapOvr>
+    <a:masterClrMapping/>
+  </p:clrMapOvr>
+  <p:transition spd="slow">
+    <p:wipe/>
+  </p:transition>
+  <p:timing>
+    <p:tnLst>
+      <p:par>
+        <p:cTn id="1" dur="indefinite" restart="never" nodeType="tmRoot">
+          <p:childTnLst>
+            <p:seq concurrent="1" nextAc="seek">
+              <p:cTn id="2" dur="indefinite" nodeType="mainSeq">
+                <p:childTnLst>
+                  <p:par>
+                    <p:cTn id="3" fill="hold">
+                      <p:stCondLst>
+                        <p:cond delay="indefinite"/>
+                      </p:stCondLst>
+                      <p:childTnLst>
+                        <p:par>
+                          <p:cTn id="4" fill="hold">
+                            <p:stCondLst>
+                              <p:cond delay="0"/>
+                            </p:stCondLst>
+                            <p:childTnLst>
+                              <p:par>
+                                <p:cTn id="5" presetID="1" presetClass="entr" presetSubtype="0" fill="hold" nodeType="clickEffect">
+                                  <p:stCondLst>
+                                    <p:cond delay="500"/>
+                                  </p:stCondLst>
+                                  <p:childTnLst>
+                                    <p:set>
+                                      <p:cBhvr>
+                                        <p:cTn id="6" dur="1" fill="hold">
+                                          <p:stCondLst>
+                                            <p:cond delay="0"/>
+                                          </p:stCondLst>
+                                        </p:cTn>
+                                        <p:tgtEl>
+                                          <p:spTgt spid="5"/>
+                                        </p:tgtEl>
+                                        <p:attrNameLst>
+                                          <p:attrName>style.visibility</p:attrName>
+                                        </p:attrNameLst>
+                                      </p:cBhvr>
+                                      <p:to>
+                                        <p:strVal val="visible"/>
+                                      </p:to>
+                                    </p:set>
+                                  </p:childTnLst>
+                                </p:cTn>
+                              </p:par>
+                            </p:childTnLst>
+                          </p:cTn>
+                        </p:par>
+                      </p:childTnLst>
+                    </p:cTn>
+                  </p:par>
+                </p:childTnLst>
+              </p:cTn>
+              <p:prevCondLst>
+                <p:cond evt="onPrev" delay="0">
+                  <p:tgtEl>
+                    <p:sldTgt/>
+                  </p:tgtEl>
+                </p:cond>
+              </p:prevCondLst>
+              <p:nextCondLst>
+                <p:cond evt="onNext" delay="0">
+                  <p:tgtEl>
+                    <p:sldTgt/>
+                  </p:tgtEl>
+                </p:cond>
+              </p:nextCondLst>
+            </p:seq>
+          </p:childTnLst>
+        </p:cTn>
+      </p:par>
+    </p:tnLst>
   </p:timing>
 </p:sld>
 </file>
@@ -10457,7 +9729,13 @@
       </p:grpSpPr>
       <p:sp>
         <p:nvSpPr>
-          <p:cNvPr id="2" name="제목 1"/>
+          <p:cNvPr id="2" name="제목 1">
+            <a:extLst>
+              <a:ext uri="{FF2B5EF4-FFF2-40B4-BE49-F238E27FC236}">
+                <a16:creationId xmlns:a16="http://schemas.microsoft.com/office/drawing/2014/main" id="{B3E67219-9E56-B643-8AAD-21B8A41E8B0B}"/>
+              </a:ext>
+            </a:extLst>
+          </p:cNvPr>
           <p:cNvSpPr>
             <a:spLocks noGrp="1"/>
           </p:cNvSpPr>
@@ -10474,30 +9752,63 @@
           <a:p>
             <a:pPr algn="ctr"/>
             <a:r>
-              <a:rPr lang="ko-KR" altLang="en-US" sz="4400" dirty="0" err="1">
+              <a:rPr kumimoji="1" lang="ko-KR" altLang="en-US" sz="4400" dirty="0">
                 <a:solidFill>
                   <a:schemeClr val="bg1"/>
                 </a:solidFill>
               </a:rPr>
-              <a:t>메뉴바</a:t>
+              <a:t>부가 기능</a:t>
             </a:r>
+          </a:p>
+        </p:txBody>
+      </p:sp>
+      <p:sp>
+        <p:nvSpPr>
+          <p:cNvPr id="3" name="내용 개체 틀 2">
+            <a:extLst>
+              <a:ext uri="{FF2B5EF4-FFF2-40B4-BE49-F238E27FC236}">
+                <a16:creationId xmlns:a16="http://schemas.microsoft.com/office/drawing/2014/main" id="{FC1989A7-4B97-174F-8433-BD11ABAAE8E6}"/>
+              </a:ext>
+            </a:extLst>
+          </p:cNvPr>
+          <p:cNvSpPr>
+            <a:spLocks noGrp="1"/>
+          </p:cNvSpPr>
+          <p:nvPr>
+            <p:ph idx="1"/>
+          </p:nvPr>
+        </p:nvSpPr>
+        <p:spPr/>
+        <p:txBody>
+          <a:bodyPr/>
+          <a:lstStyle/>
+          <a:p>
+            <a:pPr marL="0" indent="0">
+              <a:buNone/>
+            </a:pPr>
             <a:r>
-              <a:rPr lang="ko-KR" altLang="en-US" sz="4400" dirty="0">
+              <a:rPr lang="ko-KR" altLang="en-US" dirty="0">
                 <a:solidFill>
                   <a:schemeClr val="bg1"/>
                 </a:solidFill>
               </a:rPr>
-              <a:t> 존재</a:t>
+              <a:t>로딩 시간에 미세먼지 위험성 문구 </a:t>
             </a:r>
+          </a:p>
+          <a:p>
+            <a:pPr marL="0" indent="0">
+              <a:buNone/>
+            </a:pPr>
+            <a:endParaRPr kumimoji="1" lang="ko-KR" altLang="en-US" dirty="0"/>
           </a:p>
         </p:txBody>
       </p:sp>
       <p:pic>
         <p:nvPicPr>
-          <p:cNvPr id="4" name="내용 개체 틀 8" descr="스크린샷이(가) 표시된 사진&#10;&#10;&#10;&#10;자동 생성된 설명">
+          <p:cNvPr id="5" name="그림 4">
             <a:extLst>
               <a:ext uri="{FF2B5EF4-FFF2-40B4-BE49-F238E27FC236}">
-                <a16:creationId xmlns:a16="http://schemas.microsoft.com/office/drawing/2014/main" id="{49F20AB3-A0D8-E445-957D-6C1CF569A8C4}"/>
+                <a16:creationId xmlns:a16="http://schemas.microsoft.com/office/drawing/2014/main" id="{0B8D02C7-3554-A64D-8604-F2FBCC4E8C93}"/>
               </a:ext>
             </a:extLst>
           </p:cNvPr>
@@ -10506,7 +9817,7 @@
           </p:cNvPicPr>
           <p:nvPr/>
         </p:nvPicPr>
-        <p:blipFill rotWithShape="1">
+        <p:blipFill>
           <a:blip r:embed="rId2">
             <a:extLst>
               <a:ext uri="{28A0092B-C50C-407E-A947-70E740481C1C}">
@@ -10514,71 +9825,240 @@
               </a:ext>
             </a:extLst>
           </a:blip>
-          <a:srcRect l="23539" t="33410" r="26460" b="7724"/>
-          <a:stretch/>
+          <a:stretch>
+            <a:fillRect/>
+          </a:stretch>
         </p:blipFill>
         <p:spPr>
           <a:xfrm>
-            <a:off x="3026640" y="1521793"/>
-            <a:ext cx="2874960" cy="5003551"/>
+            <a:off x="3333594" y="2378115"/>
+            <a:ext cx="2730680" cy="4205247"/>
           </a:xfrm>
-          <a:prstGeom prst="flowChartAlternateProcess">
+          <a:prstGeom prst="rect">
             <a:avLst/>
           </a:prstGeom>
         </p:spPr>
       </p:pic>
-      <p:pic>
-        <p:nvPicPr>
-          <p:cNvPr id="1026" name="Picture 2" descr="C:\Users\Administrator\Downloads\menu.gif"/>
-          <p:cNvPicPr>
-            <a:picLocks noChangeAspect="1" noChangeArrowheads="1"/>
-          </p:cNvPicPr>
+      <p:sp>
+        <p:nvSpPr>
+          <p:cNvPr id="6" name="내용 개체 틀 2">
+            <a:extLst>
+              <a:ext uri="{FF2B5EF4-FFF2-40B4-BE49-F238E27FC236}">
+                <a16:creationId xmlns:a16="http://schemas.microsoft.com/office/drawing/2014/main" id="{24D81FB3-4808-594B-BCF4-88C73B269664}"/>
+              </a:ext>
+            </a:extLst>
+          </p:cNvPr>
+          <p:cNvSpPr txBox="1">
+            <a:spLocks/>
+          </p:cNvSpPr>
           <p:nvPr/>
-        </p:nvPicPr>
-        <p:blipFill>
-          <a:blip r:embed="rId3" cstate="print">
-            <a:extLst>
-              <a:ext uri="{28A0092B-C50C-407E-A947-70E740481C1C}">
-                <a14:useLocalDpi xmlns:a14="http://schemas.microsoft.com/office/drawing/2010/main" val="0"/>
-              </a:ext>
-            </a:extLst>
-          </a:blip>
-          <a:srcRect/>
-          <a:stretch>
-            <a:fillRect/>
-          </a:stretch>
-        </p:blipFill>
-        <p:spPr bwMode="auto">
+        </p:nvSpPr>
+        <p:spPr>
           <a:xfrm>
-            <a:off x="3277440" y="2144033"/>
-            <a:ext cx="2474208" cy="3635798"/>
+            <a:off x="573732" y="1844824"/>
+            <a:ext cx="7886700" cy="4351338"/>
           </a:xfrm>
           <a:prstGeom prst="rect">
             <a:avLst/>
           </a:prstGeom>
-          <a:noFill/>
-          <a:ln>
-            <a:solidFill>
-              <a:schemeClr val="bg1">
-                <a:lumMod val="50000"/>
-              </a:schemeClr>
-            </a:solidFill>
-          </a:ln>
-          <a:extLst>
-            <a:ext uri="{909E8E84-426E-40DD-AFC4-6F175D3DCCD1}">
-              <a14:hiddenFill xmlns:a14="http://schemas.microsoft.com/office/drawing/2010/main">
-                <a:solidFill>
-                  <a:srgbClr val="FFFFFF"/>
-                </a:solidFill>
-              </a14:hiddenFill>
-            </a:ext>
-          </a:extLst>
         </p:spPr>
-      </p:pic>
+        <p:txBody>
+          <a:bodyPr vert="horz" lIns="91440" tIns="45720" rIns="91440" bIns="45720" rtlCol="0">
+            <a:normAutofit/>
+          </a:bodyPr>
+          <a:lstStyle>
+            <a:lvl1pPr marL="171450" indent="-171450" algn="l" defTabSz="685800" rtl="0" eaLnBrk="1" latinLnBrk="1" hangingPunct="1">
+              <a:lnSpc>
+                <a:spcPct val="90000"/>
+              </a:lnSpc>
+              <a:spcBef>
+                <a:spcPts val="750"/>
+              </a:spcBef>
+              <a:buFont typeface="Arial" panose="020B0604020202020204" pitchFamily="34" charset="0"/>
+              <a:buChar char="•"/>
+              <a:defRPr sz="2100" kern="1200">
+                <a:solidFill>
+                  <a:schemeClr val="tx1"/>
+                </a:solidFill>
+                <a:latin typeface="+mn-lt"/>
+                <a:ea typeface="+mn-ea"/>
+                <a:cs typeface="+mn-cs"/>
+              </a:defRPr>
+            </a:lvl1pPr>
+            <a:lvl2pPr marL="514350" indent="-171450" algn="l" defTabSz="685800" rtl="0" eaLnBrk="1" latinLnBrk="1" hangingPunct="1">
+              <a:lnSpc>
+                <a:spcPct val="90000"/>
+              </a:lnSpc>
+              <a:spcBef>
+                <a:spcPts val="375"/>
+              </a:spcBef>
+              <a:buFont typeface="Arial" panose="020B0604020202020204" pitchFamily="34" charset="0"/>
+              <a:buChar char="•"/>
+              <a:defRPr sz="1800" kern="1200">
+                <a:solidFill>
+                  <a:schemeClr val="tx1"/>
+                </a:solidFill>
+                <a:latin typeface="+mn-lt"/>
+                <a:ea typeface="+mn-ea"/>
+                <a:cs typeface="+mn-cs"/>
+              </a:defRPr>
+            </a:lvl2pPr>
+            <a:lvl3pPr marL="857250" indent="-171450" algn="l" defTabSz="685800" rtl="0" eaLnBrk="1" latinLnBrk="1" hangingPunct="1">
+              <a:lnSpc>
+                <a:spcPct val="90000"/>
+              </a:lnSpc>
+              <a:spcBef>
+                <a:spcPts val="375"/>
+              </a:spcBef>
+              <a:buFont typeface="Arial" panose="020B0604020202020204" pitchFamily="34" charset="0"/>
+              <a:buChar char="•"/>
+              <a:defRPr sz="1500" kern="1200">
+                <a:solidFill>
+                  <a:schemeClr val="tx1"/>
+                </a:solidFill>
+                <a:latin typeface="+mn-lt"/>
+                <a:ea typeface="+mn-ea"/>
+                <a:cs typeface="+mn-cs"/>
+              </a:defRPr>
+            </a:lvl3pPr>
+            <a:lvl4pPr marL="1200150" indent="-171450" algn="l" defTabSz="685800" rtl="0" eaLnBrk="1" latinLnBrk="1" hangingPunct="1">
+              <a:lnSpc>
+                <a:spcPct val="90000"/>
+              </a:lnSpc>
+              <a:spcBef>
+                <a:spcPts val="375"/>
+              </a:spcBef>
+              <a:buFont typeface="Arial" panose="020B0604020202020204" pitchFamily="34" charset="0"/>
+              <a:buChar char="•"/>
+              <a:defRPr sz="1350" kern="1200">
+                <a:solidFill>
+                  <a:schemeClr val="tx1"/>
+                </a:solidFill>
+                <a:latin typeface="+mn-lt"/>
+                <a:ea typeface="+mn-ea"/>
+                <a:cs typeface="+mn-cs"/>
+              </a:defRPr>
+            </a:lvl4pPr>
+            <a:lvl5pPr marL="1543050" indent="-171450" algn="l" defTabSz="685800" rtl="0" eaLnBrk="1" latinLnBrk="1" hangingPunct="1">
+              <a:lnSpc>
+                <a:spcPct val="90000"/>
+              </a:lnSpc>
+              <a:spcBef>
+                <a:spcPts val="375"/>
+              </a:spcBef>
+              <a:buFont typeface="Arial" panose="020B0604020202020204" pitchFamily="34" charset="0"/>
+              <a:buChar char="•"/>
+              <a:defRPr sz="1350" kern="1200">
+                <a:solidFill>
+                  <a:schemeClr val="tx1"/>
+                </a:solidFill>
+                <a:latin typeface="+mn-lt"/>
+                <a:ea typeface="+mn-ea"/>
+                <a:cs typeface="+mn-cs"/>
+              </a:defRPr>
+            </a:lvl5pPr>
+            <a:lvl6pPr marL="1885950" indent="-171450" algn="l" defTabSz="685800" rtl="0" eaLnBrk="1" latinLnBrk="1" hangingPunct="1">
+              <a:lnSpc>
+                <a:spcPct val="90000"/>
+              </a:lnSpc>
+              <a:spcBef>
+                <a:spcPts val="375"/>
+              </a:spcBef>
+              <a:buFont typeface="Arial" panose="020B0604020202020204" pitchFamily="34" charset="0"/>
+              <a:buChar char="•"/>
+              <a:defRPr sz="1350" kern="1200">
+                <a:solidFill>
+                  <a:schemeClr val="tx1"/>
+                </a:solidFill>
+                <a:latin typeface="+mn-lt"/>
+                <a:ea typeface="+mn-ea"/>
+                <a:cs typeface="+mn-cs"/>
+              </a:defRPr>
+            </a:lvl6pPr>
+            <a:lvl7pPr marL="2228850" indent="-171450" algn="l" defTabSz="685800" rtl="0" eaLnBrk="1" latinLnBrk="1" hangingPunct="1">
+              <a:lnSpc>
+                <a:spcPct val="90000"/>
+              </a:lnSpc>
+              <a:spcBef>
+                <a:spcPts val="375"/>
+              </a:spcBef>
+              <a:buFont typeface="Arial" panose="020B0604020202020204" pitchFamily="34" charset="0"/>
+              <a:buChar char="•"/>
+              <a:defRPr sz="1350" kern="1200">
+                <a:solidFill>
+                  <a:schemeClr val="tx1"/>
+                </a:solidFill>
+                <a:latin typeface="+mn-lt"/>
+                <a:ea typeface="+mn-ea"/>
+                <a:cs typeface="+mn-cs"/>
+              </a:defRPr>
+            </a:lvl7pPr>
+            <a:lvl8pPr marL="2571750" indent="-171450" algn="l" defTabSz="685800" rtl="0" eaLnBrk="1" latinLnBrk="1" hangingPunct="1">
+              <a:lnSpc>
+                <a:spcPct val="90000"/>
+              </a:lnSpc>
+              <a:spcBef>
+                <a:spcPts val="375"/>
+              </a:spcBef>
+              <a:buFont typeface="Arial" panose="020B0604020202020204" pitchFamily="34" charset="0"/>
+              <a:buChar char="•"/>
+              <a:defRPr sz="1350" kern="1200">
+                <a:solidFill>
+                  <a:schemeClr val="tx1"/>
+                </a:solidFill>
+                <a:latin typeface="+mn-lt"/>
+                <a:ea typeface="+mn-ea"/>
+                <a:cs typeface="+mn-cs"/>
+              </a:defRPr>
+            </a:lvl8pPr>
+            <a:lvl9pPr marL="2914650" indent="-171450" algn="l" defTabSz="685800" rtl="0" eaLnBrk="1" latinLnBrk="1" hangingPunct="1">
+              <a:lnSpc>
+                <a:spcPct val="90000"/>
+              </a:lnSpc>
+              <a:spcBef>
+                <a:spcPts val="375"/>
+              </a:spcBef>
+              <a:buFont typeface="Arial" panose="020B0604020202020204" pitchFamily="34" charset="0"/>
+              <a:buChar char="•"/>
+              <a:defRPr sz="1350" kern="1200">
+                <a:solidFill>
+                  <a:schemeClr val="tx1"/>
+                </a:solidFill>
+                <a:latin typeface="+mn-lt"/>
+                <a:ea typeface="+mn-ea"/>
+                <a:cs typeface="+mn-cs"/>
+              </a:defRPr>
+            </a:lvl9pPr>
+          </a:lstStyle>
+          <a:p>
+            <a:r>
+              <a:rPr lang="ko-KR" altLang="en-US">
+                <a:solidFill>
+                  <a:schemeClr val="bg1"/>
+                </a:solidFill>
+              </a:rPr>
+              <a:t>케이스 및 사은품 제공</a:t>
+            </a:r>
+          </a:p>
+          <a:p>
+            <a:r>
+              <a:rPr lang="ko-KR" altLang="en-US">
+                <a:solidFill>
+                  <a:schemeClr val="bg1"/>
+                </a:solidFill>
+              </a:rPr>
+              <a:t>등급제도</a:t>
+            </a:r>
+          </a:p>
+          <a:p>
+            <a:endParaRPr kumimoji="1" lang="ko-KR" altLang="en-US" dirty="0"/>
+          </a:p>
+        </p:txBody>
+      </p:sp>
     </p:spTree>
     <p:extLst>
       <p:ext uri="{BB962C8B-B14F-4D97-AF65-F5344CB8AC3E}">
-        <p14:creationId xmlns:p14="http://schemas.microsoft.com/office/powerpoint/2010/main" val="2008364674"/>
+        <p14:creationId xmlns:p14="http://schemas.microsoft.com/office/powerpoint/2010/main" val="1681394064"/>
       </p:ext>
     </p:extLst>
   </p:cSld>
@@ -10588,6 +10068,197 @@
   <p:transition spd="slow">
     <p:wipe/>
   </p:transition>
+  <p:timing>
+    <p:tnLst>
+      <p:par>
+        <p:cTn id="1" dur="indefinite" restart="never" nodeType="tmRoot">
+          <p:childTnLst>
+            <p:seq concurrent="1" nextAc="seek">
+              <p:cTn id="2" dur="indefinite" nodeType="mainSeq">
+                <p:childTnLst>
+                  <p:par>
+                    <p:cTn id="3" fill="hold">
+                      <p:stCondLst>
+                        <p:cond delay="indefinite"/>
+                      </p:stCondLst>
+                      <p:childTnLst>
+                        <p:par>
+                          <p:cTn id="4" fill="hold">
+                            <p:stCondLst>
+                              <p:cond delay="0"/>
+                            </p:stCondLst>
+                            <p:childTnLst>
+                              <p:par>
+                                <p:cTn id="5" presetID="1" presetClass="entr" presetSubtype="0" fill="hold" grpId="0" nodeType="clickEffect">
+                                  <p:stCondLst>
+                                    <p:cond delay="0"/>
+                                  </p:stCondLst>
+                                  <p:childTnLst>
+                                    <p:set>
+                                      <p:cBhvr>
+                                        <p:cTn id="6" dur="1" fill="hold">
+                                          <p:stCondLst>
+                                            <p:cond delay="0"/>
+                                          </p:stCondLst>
+                                        </p:cTn>
+                                        <p:tgtEl>
+                                          <p:spTgt spid="3">
+                                            <p:txEl>
+                                              <p:pRg st="0" end="0"/>
+                                            </p:txEl>
+                                          </p:spTgt>
+                                        </p:tgtEl>
+                                        <p:attrNameLst>
+                                          <p:attrName>style.visibility</p:attrName>
+                                        </p:attrNameLst>
+                                      </p:cBhvr>
+                                      <p:to>
+                                        <p:strVal val="visible"/>
+                                      </p:to>
+                                    </p:set>
+                                  </p:childTnLst>
+                                  <p:subTnLst>
+                                    <p:set>
+                                      <p:cBhvr override="childStyle">
+                                        <p:cTn dur="1" fill="hold" display="0" masterRel="nextClick" afterEffect="1"/>
+                                        <p:tgtEl>
+                                          <p:spTgt spid="3">
+                                            <p:txEl>
+                                              <p:pRg st="0" end="0"/>
+                                            </p:txEl>
+                                          </p:spTgt>
+                                        </p:tgtEl>
+                                        <p:attrNameLst>
+                                          <p:attrName>style.visibility</p:attrName>
+                                        </p:attrNameLst>
+                                      </p:cBhvr>
+                                      <p:to>
+                                        <p:strVal val="hidden"/>
+                                      </p:to>
+                                    </p:set>
+                                  </p:subTnLst>
+                                </p:cTn>
+                              </p:par>
+                              <p:par>
+                                <p:cTn id="7" presetID="1" presetClass="entr" presetSubtype="0" fill="hold" nodeType="withEffect">
+                                  <p:stCondLst>
+                                    <p:cond delay="0"/>
+                                  </p:stCondLst>
+                                  <p:childTnLst>
+                                    <p:set>
+                                      <p:cBhvr>
+                                        <p:cTn id="8" dur="1" fill="hold">
+                                          <p:stCondLst>
+                                            <p:cond delay="0"/>
+                                          </p:stCondLst>
+                                        </p:cTn>
+                                        <p:tgtEl>
+                                          <p:spTgt spid="5"/>
+                                        </p:tgtEl>
+                                        <p:attrNameLst>
+                                          <p:attrName>style.visibility</p:attrName>
+                                        </p:attrNameLst>
+                                      </p:cBhvr>
+                                      <p:to>
+                                        <p:strVal val="visible"/>
+                                      </p:to>
+                                    </p:set>
+                                  </p:childTnLst>
+                                  <p:subTnLst>
+                                    <p:set>
+                                      <p:cBhvr override="childStyle">
+                                        <p:cTn dur="1" fill="hold" display="0" masterRel="nextClick" afterEffect="1"/>
+                                        <p:tgtEl>
+                                          <p:spTgt spid="5"/>
+                                        </p:tgtEl>
+                                        <p:attrNameLst>
+                                          <p:attrName>style.visibility</p:attrName>
+                                        </p:attrNameLst>
+                                      </p:cBhvr>
+                                      <p:to>
+                                        <p:strVal val="hidden"/>
+                                      </p:to>
+                                    </p:set>
+                                  </p:subTnLst>
+                                </p:cTn>
+                              </p:par>
+                            </p:childTnLst>
+                          </p:cTn>
+                        </p:par>
+                      </p:childTnLst>
+                    </p:cTn>
+                  </p:par>
+                  <p:par>
+                    <p:cTn id="9" fill="hold">
+                      <p:stCondLst>
+                        <p:cond delay="indefinite"/>
+                      </p:stCondLst>
+                      <p:childTnLst>
+                        <p:par>
+                          <p:cTn id="10" fill="hold">
+                            <p:stCondLst>
+                              <p:cond delay="0"/>
+                            </p:stCondLst>
+                            <p:childTnLst>
+                              <p:par>
+                                <p:cTn id="11" presetID="1" presetClass="entr" presetSubtype="0" fill="hold" grpId="0" nodeType="clickEffect">
+                                  <p:stCondLst>
+                                    <p:cond delay="0"/>
+                                  </p:stCondLst>
+                                  <p:childTnLst>
+                                    <p:set>
+                                      <p:cBhvr>
+                                        <p:cTn id="12" dur="1" fill="hold">
+                                          <p:stCondLst>
+                                            <p:cond delay="0"/>
+                                          </p:stCondLst>
+                                        </p:cTn>
+                                        <p:tgtEl>
+                                          <p:spTgt spid="6"/>
+                                        </p:tgtEl>
+                                        <p:attrNameLst>
+                                          <p:attrName>style.visibility</p:attrName>
+                                        </p:attrNameLst>
+                                      </p:cBhvr>
+                                      <p:to>
+                                        <p:strVal val="visible"/>
+                                      </p:to>
+                                    </p:set>
+                                  </p:childTnLst>
+                                </p:cTn>
+                              </p:par>
+                            </p:childTnLst>
+                          </p:cTn>
+                        </p:par>
+                      </p:childTnLst>
+                    </p:cTn>
+                  </p:par>
+                </p:childTnLst>
+              </p:cTn>
+              <p:prevCondLst>
+                <p:cond evt="onPrev" delay="0">
+                  <p:tgtEl>
+                    <p:sldTgt/>
+                  </p:tgtEl>
+                </p:cond>
+              </p:prevCondLst>
+              <p:nextCondLst>
+                <p:cond evt="onNext" delay="0">
+                  <p:tgtEl>
+                    <p:sldTgt/>
+                  </p:tgtEl>
+                </p:cond>
+              </p:nextCondLst>
+            </p:seq>
+          </p:childTnLst>
+        </p:cTn>
+      </p:par>
+    </p:tnLst>
+    <p:bldLst>
+      <p:bldP spid="3" grpId="0" build="p"/>
+      <p:bldP spid="6" grpId="0"/>
+    </p:bldLst>
+  </p:timing>
 </p:sld>
 </file>
 
